--- a/presentation.pptx
+++ b/presentation.pptx
@@ -6646,6 +6646,7 @@
     </c:plotArea>
     <c:legend>
       <c:legendPos val="r"/>
+      <c:layout/>
       <c:overlay val="0"/>
       <c:spPr>
         <a:noFill/>
@@ -6745,6 +6746,7 @@
           </a:p>
         </c:rich>
       </c:tx>
+      <c:layout/>
       <c:overlay val="0"/>
       <c:spPr>
         <a:noFill/>
@@ -18540,6 +18542,7 @@
     </c:plotArea>
     <c:legend>
       <c:legendPos val="b"/>
+      <c:layout/>
       <c:overlay val="0"/>
       <c:spPr>
         <a:noFill/>
@@ -18611,6 +18614,7 @@
   </mc:AlternateContent>
   <c:chart>
     <c:title>
+      <c:layout/>
       <c:overlay val="0"/>
       <c:spPr>
         <a:noFill/>
@@ -18717,6 +18721,11 @@
                 </a:contourClr>
               </a:sp3d>
             </c:spPr>
+            <c:extLst>
+              <c:ext xmlns:c16="http://schemas.microsoft.com/office/drawing/2014/chart" uri="{C3380CC4-5D6E-409C-BE32-E72D297353CC}">
+                <c16:uniqueId val="{00000001-E897-4B9F-8C25-4F97C4BEA69F}"/>
+              </c:ext>
+            </c:extLst>
           </c:dPt>
           <c:dPt>
             <c:idx val="1"/>
@@ -18737,6 +18746,11 @@
                 </a:contourClr>
               </a:sp3d>
             </c:spPr>
+            <c:extLst>
+              <c:ext xmlns:c16="http://schemas.microsoft.com/office/drawing/2014/chart" uri="{C3380CC4-5D6E-409C-BE32-E72D297353CC}">
+                <c16:uniqueId val="{00000003-E897-4B9F-8C25-4F97C4BEA69F}"/>
+              </c:ext>
+            </c:extLst>
           </c:dPt>
           <c:dPt>
             <c:idx val="2"/>
@@ -18757,6 +18771,11 @@
                 </a:contourClr>
               </a:sp3d>
             </c:spPr>
+            <c:extLst>
+              <c:ext xmlns:c16="http://schemas.microsoft.com/office/drawing/2014/chart" uri="{C3380CC4-5D6E-409C-BE32-E72D297353CC}">
+                <c16:uniqueId val="{00000005-E897-4B9F-8C25-4F97C4BEA69F}"/>
+              </c:ext>
+            </c:extLst>
           </c:dPt>
           <c:cat>
             <c:strRef>
@@ -18819,6 +18838,7 @@
     </c:plotArea>
     <c:legend>
       <c:legendPos val="b"/>
+      <c:layout/>
       <c:overlay val="0"/>
       <c:spPr>
         <a:noFill/>
@@ -18848,6 +18868,1187 @@
         </a:p>
       </c:txPr>
     </c:legend>
+    <c:plotVisOnly val="1"/>
+    <c:dispBlanksAs val="gap"/>
+    <c:showDLblsOverMax val="0"/>
+  </c:chart>
+  <c:spPr>
+    <a:noFill/>
+    <a:ln>
+      <a:noFill/>
+    </a:ln>
+    <a:effectLst/>
+  </c:spPr>
+  <c:txPr>
+    <a:bodyPr/>
+    <a:lstStyle/>
+    <a:p>
+      <a:pPr>
+        <a:defRPr/>
+      </a:pPr>
+      <a:endParaRPr lang="zh-CN"/>
+    </a:p>
+  </c:txPr>
+  <c:externalData r:id="rId3">
+    <c:autoUpdate val="0"/>
+  </c:externalData>
+</c:chartSpace>
+</file>
+
+<file path=ppt/charts/chart4.xml><?xml version="1.0" encoding="utf-8"?>
+<c:chartSpace xmlns:c="http://schemas.openxmlformats.org/drawingml/2006/chart" xmlns:a="http://schemas.openxmlformats.org/drawingml/2006/main" xmlns:r="http://schemas.openxmlformats.org/officeDocument/2006/relationships" xmlns:c16r2="http://schemas.microsoft.com/office/drawing/2015/06/chart">
+  <c:date1904 val="0"/>
+  <c:lang val="zh-CN"/>
+  <c:roundedCorners val="0"/>
+  <mc:AlternateContent xmlns:mc="http://schemas.openxmlformats.org/markup-compatibility/2006">
+    <mc:Choice xmlns:c14="http://schemas.microsoft.com/office/drawing/2007/8/2/chart" Requires="c14">
+      <c14:style val="102"/>
+    </mc:Choice>
+    <mc:Fallback>
+      <c:style val="2"/>
+    </mc:Fallback>
+  </mc:AlternateContent>
+  <c:chart>
+    <c:title>
+      <c:tx>
+        <c:rich>
+          <a:bodyPr rot="0" spcFirstLastPara="1" vertOverflow="ellipsis" vert="horz" wrap="square" anchor="ctr" anchorCtr="1"/>
+          <a:lstStyle/>
+          <a:p>
+            <a:pPr>
+              <a:defRPr sz="1400" b="0" i="0" u="none" strike="noStrike" kern="1200" spc="0" baseline="0">
+                <a:solidFill>
+                  <a:schemeClr val="tx1">
+                    <a:lumMod val="65000"/>
+                    <a:lumOff val="35000"/>
+                  </a:schemeClr>
+                </a:solidFill>
+                <a:latin typeface="+mn-lt"/>
+                <a:ea typeface="+mn-ea"/>
+                <a:cs typeface="+mn-cs"/>
+              </a:defRPr>
+            </a:pPr>
+            <a:r>
+              <a:rPr lang="en-US" altLang="zh-CN"/>
+              <a:t>1416</a:t>
+            </a:r>
+            <a:endParaRPr lang="zh-CN" altLang="en-US"/>
+          </a:p>
+        </c:rich>
+      </c:tx>
+      <c:layout/>
+      <c:overlay val="0"/>
+      <c:spPr>
+        <a:noFill/>
+        <a:ln>
+          <a:noFill/>
+        </a:ln>
+        <a:effectLst/>
+      </c:spPr>
+      <c:txPr>
+        <a:bodyPr rot="0" spcFirstLastPara="1" vertOverflow="ellipsis" vert="horz" wrap="square" anchor="ctr" anchorCtr="1"/>
+        <a:lstStyle/>
+        <a:p>
+          <a:pPr>
+            <a:defRPr sz="1400" b="0" i="0" u="none" strike="noStrike" kern="1200" spc="0" baseline="0">
+              <a:solidFill>
+                <a:schemeClr val="tx1">
+                  <a:lumMod val="65000"/>
+                  <a:lumOff val="35000"/>
+                </a:schemeClr>
+              </a:solidFill>
+              <a:latin typeface="+mn-lt"/>
+              <a:ea typeface="+mn-ea"/>
+              <a:cs typeface="+mn-cs"/>
+            </a:defRPr>
+          </a:pPr>
+          <a:endParaRPr lang="zh-CN"/>
+        </a:p>
+      </c:txPr>
+    </c:title>
+    <c:autoTitleDeleted val="0"/>
+    <c:plotArea>
+      <c:layout/>
+      <c:lineChart>
+        <c:grouping val="standard"/>
+        <c:varyColors val="0"/>
+        <c:ser>
+          <c:idx val="0"/>
+          <c:order val="0"/>
+          <c:tx>
+            <c:strRef>
+              <c:f>Sheet1!$D$41</c:f>
+              <c:strCache>
+                <c:ptCount val="1"/>
+                <c:pt idx="0">
+                  <c:v>填充值</c:v>
+                </c:pt>
+              </c:strCache>
+            </c:strRef>
+          </c:tx>
+          <c:spPr>
+            <a:ln w="28575" cap="rnd">
+              <a:solidFill>
+                <a:schemeClr val="accent1"/>
+              </a:solidFill>
+              <a:round/>
+            </a:ln>
+            <a:effectLst/>
+          </c:spPr>
+          <c:marker>
+            <c:symbol val="none"/>
+          </c:marker>
+          <c:cat>
+            <c:numRef>
+              <c:f>Sheet1!$C$25:$C$54</c:f>
+              <c:numCache>
+                <c:formatCode>m/d/yyyy</c:formatCode>
+                <c:ptCount val="30"/>
+                <c:pt idx="17">
+                  <c:v>42692</c:v>
+                </c:pt>
+                <c:pt idx="18">
+                  <c:v>42693</c:v>
+                </c:pt>
+                <c:pt idx="19">
+                  <c:v>42694</c:v>
+                </c:pt>
+                <c:pt idx="20">
+                  <c:v>42695</c:v>
+                </c:pt>
+                <c:pt idx="21">
+                  <c:v>42696</c:v>
+                </c:pt>
+                <c:pt idx="22">
+                  <c:v>42697</c:v>
+                </c:pt>
+                <c:pt idx="23">
+                  <c:v>42698</c:v>
+                </c:pt>
+                <c:pt idx="24">
+                  <c:v>42699</c:v>
+                </c:pt>
+                <c:pt idx="25">
+                  <c:v>42700</c:v>
+                </c:pt>
+                <c:pt idx="26">
+                  <c:v>42701</c:v>
+                </c:pt>
+                <c:pt idx="27">
+                  <c:v>42702</c:v>
+                </c:pt>
+                <c:pt idx="28">
+                  <c:v>42703</c:v>
+                </c:pt>
+                <c:pt idx="29">
+                  <c:v>42704</c:v>
+                </c:pt>
+              </c:numCache>
+            </c:numRef>
+          </c:cat>
+          <c:val>
+            <c:numRef>
+              <c:f>Sheet1!$D$25:$D$54</c:f>
+              <c:numCache>
+                <c:formatCode>General</c:formatCode>
+                <c:ptCount val="30"/>
+                <c:pt idx="16">
+                  <c:v>0</c:v>
+                </c:pt>
+                <c:pt idx="17">
+                  <c:v>965319</c:v>
+                </c:pt>
+                <c:pt idx="18">
+                  <c:v>1006752</c:v>
+                </c:pt>
+                <c:pt idx="19">
+                  <c:v>1096544</c:v>
+                </c:pt>
+                <c:pt idx="20">
+                  <c:v>1156969</c:v>
+                </c:pt>
+                <c:pt idx="21">
+                  <c:v>1144046</c:v>
+                </c:pt>
+                <c:pt idx="22">
+                  <c:v>1121191</c:v>
+                </c:pt>
+                <c:pt idx="23">
+                  <c:v>1078256</c:v>
+                </c:pt>
+                <c:pt idx="24">
+                  <c:v>998439</c:v>
+                </c:pt>
+                <c:pt idx="25">
+                  <c:v>900321</c:v>
+                </c:pt>
+                <c:pt idx="26">
+                  <c:v>1000717</c:v>
+                </c:pt>
+                <c:pt idx="27">
+                  <c:v>863641</c:v>
+                </c:pt>
+                <c:pt idx="28">
+                  <c:v>963817</c:v>
+                </c:pt>
+                <c:pt idx="29">
+                  <c:v>1028082</c:v>
+                </c:pt>
+              </c:numCache>
+            </c:numRef>
+          </c:val>
+          <c:smooth val="0"/>
+          <c:extLst>
+            <c:ext xmlns:c16="http://schemas.microsoft.com/office/drawing/2014/chart" uri="{C3380CC4-5D6E-409C-BE32-E72D297353CC}">
+              <c16:uniqueId val="{00000000-EE8D-490C-9577-EFF106ADC989}"/>
+            </c:ext>
+          </c:extLst>
+        </c:ser>
+        <c:ser>
+          <c:idx val="1"/>
+          <c:order val="1"/>
+          <c:tx>
+            <c:strRef>
+              <c:f>Sheet1!$E$41</c:f>
+              <c:strCache>
+                <c:ptCount val="1"/>
+                <c:pt idx="0">
+                  <c:v>真实值</c:v>
+                </c:pt>
+              </c:strCache>
+            </c:strRef>
+          </c:tx>
+          <c:spPr>
+            <a:ln w="28575" cap="rnd">
+              <a:solidFill>
+                <a:schemeClr val="accent2"/>
+              </a:solidFill>
+              <a:round/>
+            </a:ln>
+            <a:effectLst/>
+          </c:spPr>
+          <c:marker>
+            <c:symbol val="none"/>
+          </c:marker>
+          <c:cat>
+            <c:numRef>
+              <c:f>Sheet1!$C$25:$C$54</c:f>
+              <c:numCache>
+                <c:formatCode>m/d/yyyy</c:formatCode>
+                <c:ptCount val="30"/>
+                <c:pt idx="17">
+                  <c:v>42692</c:v>
+                </c:pt>
+                <c:pt idx="18">
+                  <c:v>42693</c:v>
+                </c:pt>
+                <c:pt idx="19">
+                  <c:v>42694</c:v>
+                </c:pt>
+                <c:pt idx="20">
+                  <c:v>42695</c:v>
+                </c:pt>
+                <c:pt idx="21">
+                  <c:v>42696</c:v>
+                </c:pt>
+                <c:pt idx="22">
+                  <c:v>42697</c:v>
+                </c:pt>
+                <c:pt idx="23">
+                  <c:v>42698</c:v>
+                </c:pt>
+                <c:pt idx="24">
+                  <c:v>42699</c:v>
+                </c:pt>
+                <c:pt idx="25">
+                  <c:v>42700</c:v>
+                </c:pt>
+                <c:pt idx="26">
+                  <c:v>42701</c:v>
+                </c:pt>
+                <c:pt idx="27">
+                  <c:v>42702</c:v>
+                </c:pt>
+                <c:pt idx="28">
+                  <c:v>42703</c:v>
+                </c:pt>
+                <c:pt idx="29">
+                  <c:v>42704</c:v>
+                </c:pt>
+              </c:numCache>
+            </c:numRef>
+          </c:cat>
+          <c:val>
+            <c:numRef>
+              <c:f>Sheet1!$E$25:$E$54</c:f>
+              <c:numCache>
+                <c:formatCode>General</c:formatCode>
+                <c:ptCount val="30"/>
+                <c:pt idx="16">
+                  <c:v>0</c:v>
+                </c:pt>
+                <c:pt idx="17">
+                  <c:v>965319</c:v>
+                </c:pt>
+                <c:pt idx="18">
+                  <c:v>1006752</c:v>
+                </c:pt>
+                <c:pt idx="19">
+                  <c:v>1096544</c:v>
+                </c:pt>
+                <c:pt idx="20">
+                  <c:v>1156969</c:v>
+                </c:pt>
+                <c:pt idx="21">
+                  <c:v>1144046</c:v>
+                </c:pt>
+                <c:pt idx="22">
+                  <c:v>1121191</c:v>
+                </c:pt>
+                <c:pt idx="23">
+                  <c:v>1078256</c:v>
+                </c:pt>
+                <c:pt idx="24">
+                  <c:v>998439</c:v>
+                </c:pt>
+                <c:pt idx="25">
+                  <c:v>900321</c:v>
+                </c:pt>
+                <c:pt idx="26">
+                  <c:v>1000717</c:v>
+                </c:pt>
+                <c:pt idx="27">
+                  <c:v>1</c:v>
+                </c:pt>
+                <c:pt idx="28">
+                  <c:v>1</c:v>
+                </c:pt>
+                <c:pt idx="29">
+                  <c:v>1028082</c:v>
+                </c:pt>
+              </c:numCache>
+            </c:numRef>
+          </c:val>
+          <c:smooth val="0"/>
+          <c:extLst>
+            <c:ext xmlns:c16="http://schemas.microsoft.com/office/drawing/2014/chart" uri="{C3380CC4-5D6E-409C-BE32-E72D297353CC}">
+              <c16:uniqueId val="{00000001-EE8D-490C-9577-EFF106ADC989}"/>
+            </c:ext>
+          </c:extLst>
+        </c:ser>
+        <c:dLbls>
+          <c:showLegendKey val="0"/>
+          <c:showVal val="0"/>
+          <c:showCatName val="0"/>
+          <c:showSerName val="0"/>
+          <c:showPercent val="0"/>
+          <c:showBubbleSize val="0"/>
+        </c:dLbls>
+        <c:smooth val="0"/>
+        <c:axId val="755187856"/>
+        <c:axId val="755184944"/>
+      </c:lineChart>
+      <c:dateAx>
+        <c:axId val="755187856"/>
+        <c:scaling>
+          <c:orientation val="minMax"/>
+        </c:scaling>
+        <c:delete val="0"/>
+        <c:axPos val="b"/>
+        <c:numFmt formatCode="m/d/yyyy" sourceLinked="1"/>
+        <c:majorTickMark val="out"/>
+        <c:minorTickMark val="none"/>
+        <c:tickLblPos val="nextTo"/>
+        <c:spPr>
+          <a:noFill/>
+          <a:ln w="9525" cap="flat" cmpd="sng" algn="ctr">
+            <a:solidFill>
+              <a:schemeClr val="tx1">
+                <a:lumMod val="15000"/>
+                <a:lumOff val="85000"/>
+              </a:schemeClr>
+            </a:solidFill>
+            <a:round/>
+          </a:ln>
+          <a:effectLst/>
+        </c:spPr>
+        <c:txPr>
+          <a:bodyPr rot="-60000000" spcFirstLastPara="1" vertOverflow="ellipsis" vert="horz" wrap="square" anchor="ctr" anchorCtr="1"/>
+          <a:lstStyle/>
+          <a:p>
+            <a:pPr>
+              <a:defRPr sz="900" b="0" i="0" u="none" strike="noStrike" kern="1200" baseline="0">
+                <a:solidFill>
+                  <a:schemeClr val="tx1">
+                    <a:lumMod val="65000"/>
+                    <a:lumOff val="35000"/>
+                  </a:schemeClr>
+                </a:solidFill>
+                <a:latin typeface="+mn-lt"/>
+                <a:ea typeface="+mn-ea"/>
+                <a:cs typeface="+mn-cs"/>
+              </a:defRPr>
+            </a:pPr>
+            <a:endParaRPr lang="zh-CN"/>
+          </a:p>
+        </c:txPr>
+        <c:crossAx val="755184944"/>
+        <c:crosses val="autoZero"/>
+        <c:auto val="1"/>
+        <c:lblOffset val="100"/>
+        <c:baseTimeUnit val="days"/>
+      </c:dateAx>
+      <c:valAx>
+        <c:axId val="755184944"/>
+        <c:scaling>
+          <c:orientation val="minMax"/>
+        </c:scaling>
+        <c:delete val="0"/>
+        <c:axPos val="l"/>
+        <c:majorGridlines>
+          <c:spPr>
+            <a:ln w="9525" cap="flat" cmpd="sng" algn="ctr">
+              <a:solidFill>
+                <a:schemeClr val="tx1">
+                  <a:lumMod val="15000"/>
+                  <a:lumOff val="85000"/>
+                </a:schemeClr>
+              </a:solidFill>
+              <a:round/>
+            </a:ln>
+            <a:effectLst/>
+          </c:spPr>
+        </c:majorGridlines>
+        <c:numFmt formatCode="General" sourceLinked="1"/>
+        <c:majorTickMark val="none"/>
+        <c:minorTickMark val="none"/>
+        <c:tickLblPos val="nextTo"/>
+        <c:spPr>
+          <a:noFill/>
+          <a:ln>
+            <a:noFill/>
+          </a:ln>
+          <a:effectLst/>
+        </c:spPr>
+        <c:txPr>
+          <a:bodyPr rot="-60000000" spcFirstLastPara="1" vertOverflow="ellipsis" vert="horz" wrap="square" anchor="ctr" anchorCtr="1"/>
+          <a:lstStyle/>
+          <a:p>
+            <a:pPr>
+              <a:defRPr sz="900" b="0" i="0" u="none" strike="noStrike" kern="1200" baseline="0">
+                <a:solidFill>
+                  <a:schemeClr val="tx1">
+                    <a:lumMod val="65000"/>
+                    <a:lumOff val="35000"/>
+                  </a:schemeClr>
+                </a:solidFill>
+                <a:latin typeface="+mn-lt"/>
+                <a:ea typeface="+mn-ea"/>
+                <a:cs typeface="+mn-cs"/>
+              </a:defRPr>
+            </a:pPr>
+            <a:endParaRPr lang="zh-CN"/>
+          </a:p>
+        </c:txPr>
+        <c:crossAx val="755187856"/>
+        <c:crosses val="autoZero"/>
+        <c:crossBetween val="between"/>
+      </c:valAx>
+      <c:spPr>
+        <a:noFill/>
+        <a:ln>
+          <a:noFill/>
+        </a:ln>
+        <a:effectLst/>
+      </c:spPr>
+    </c:plotArea>
+    <c:legend>
+      <c:legendPos val="b"/>
+      <c:layout/>
+      <c:overlay val="0"/>
+      <c:spPr>
+        <a:noFill/>
+        <a:ln>
+          <a:noFill/>
+        </a:ln>
+        <a:effectLst/>
+      </c:spPr>
+      <c:txPr>
+        <a:bodyPr rot="0" spcFirstLastPara="1" vertOverflow="ellipsis" vert="horz" wrap="square" anchor="ctr" anchorCtr="1"/>
+        <a:lstStyle/>
+        <a:p>
+          <a:pPr>
+            <a:defRPr sz="900" b="0" i="0" u="none" strike="noStrike" kern="1200" baseline="0">
+              <a:solidFill>
+                <a:schemeClr val="tx1">
+                  <a:lumMod val="65000"/>
+                  <a:lumOff val="35000"/>
+                </a:schemeClr>
+              </a:solidFill>
+              <a:latin typeface="+mn-lt"/>
+              <a:ea typeface="+mn-ea"/>
+              <a:cs typeface="+mn-cs"/>
+            </a:defRPr>
+          </a:pPr>
+          <a:endParaRPr lang="zh-CN"/>
+        </a:p>
+      </c:txPr>
+    </c:legend>
+    <c:plotVisOnly val="1"/>
+    <c:dispBlanksAs val="gap"/>
+    <c:showDLblsOverMax val="0"/>
+  </c:chart>
+  <c:spPr>
+    <a:noFill/>
+    <a:ln>
+      <a:noFill/>
+    </a:ln>
+    <a:effectLst/>
+  </c:spPr>
+  <c:txPr>
+    <a:bodyPr/>
+    <a:lstStyle/>
+    <a:p>
+      <a:pPr>
+        <a:defRPr/>
+      </a:pPr>
+      <a:endParaRPr lang="zh-CN"/>
+    </a:p>
+  </c:txPr>
+  <c:externalData r:id="rId3">
+    <c:autoUpdate val="0"/>
+  </c:externalData>
+</c:chartSpace>
+</file>
+
+<file path=ppt/charts/chart5.xml><?xml version="1.0" encoding="utf-8"?>
+<c:chartSpace xmlns:c="http://schemas.openxmlformats.org/drawingml/2006/chart" xmlns:a="http://schemas.openxmlformats.org/drawingml/2006/main" xmlns:r="http://schemas.openxmlformats.org/officeDocument/2006/relationships" xmlns:c16r2="http://schemas.microsoft.com/office/drawing/2015/06/chart">
+  <c:date1904 val="0"/>
+  <c:lang val="zh-CN"/>
+  <c:roundedCorners val="0"/>
+  <mc:AlternateContent xmlns:mc="http://schemas.openxmlformats.org/markup-compatibility/2006">
+    <mc:Choice xmlns:c14="http://schemas.microsoft.com/office/drawing/2007/8/2/chart" Requires="c14">
+      <c14:style val="102"/>
+    </mc:Choice>
+    <mc:Fallback>
+      <c:style val="2"/>
+    </mc:Fallback>
+  </mc:AlternateContent>
+  <c:chart>
+    <c:title>
+      <c:tx>
+        <c:rich>
+          <a:bodyPr rot="0" spcFirstLastPara="1" vertOverflow="ellipsis" vert="horz" wrap="square" anchor="ctr" anchorCtr="1"/>
+          <a:lstStyle/>
+          <a:p>
+            <a:pPr>
+              <a:defRPr sz="1400" b="0" i="0" u="none" strike="noStrike" kern="1200" spc="0" baseline="0">
+                <a:solidFill>
+                  <a:schemeClr val="tx1">
+                    <a:lumMod val="65000"/>
+                    <a:lumOff val="35000"/>
+                  </a:schemeClr>
+                </a:solidFill>
+                <a:latin typeface="+mn-lt"/>
+                <a:ea typeface="+mn-ea"/>
+                <a:cs typeface="+mn-cs"/>
+              </a:defRPr>
+            </a:pPr>
+            <a:r>
+              <a:rPr lang="en-US" altLang="zh-CN"/>
+              <a:t>15</a:t>
+            </a:r>
+            <a:r>
+              <a:rPr lang="zh-CN" altLang="en-US"/>
+              <a:t>年</a:t>
+            </a:r>
+            <a:r>
+              <a:rPr lang="en-US" altLang="zh-CN"/>
+              <a:t>11</a:t>
+            </a:r>
+            <a:r>
+              <a:rPr lang="zh-CN" altLang="en-US"/>
+              <a:t>月与</a:t>
+            </a:r>
+            <a:r>
+              <a:rPr lang="en-US" altLang="zh-CN"/>
+              <a:t>12</a:t>
+            </a:r>
+            <a:r>
+              <a:rPr lang="zh-CN" altLang="en-US"/>
+              <a:t>月总用电量</a:t>
+            </a:r>
+          </a:p>
+        </c:rich>
+      </c:tx>
+      <c:layout/>
+      <c:overlay val="0"/>
+      <c:spPr>
+        <a:noFill/>
+        <a:ln>
+          <a:noFill/>
+        </a:ln>
+        <a:effectLst/>
+      </c:spPr>
+      <c:txPr>
+        <a:bodyPr rot="0" spcFirstLastPara="1" vertOverflow="ellipsis" vert="horz" wrap="square" anchor="ctr" anchorCtr="1"/>
+        <a:lstStyle/>
+        <a:p>
+          <a:pPr>
+            <a:defRPr sz="1400" b="0" i="0" u="none" strike="noStrike" kern="1200" spc="0" baseline="0">
+              <a:solidFill>
+                <a:schemeClr val="tx1">
+                  <a:lumMod val="65000"/>
+                  <a:lumOff val="35000"/>
+                </a:schemeClr>
+              </a:solidFill>
+              <a:latin typeface="+mn-lt"/>
+              <a:ea typeface="+mn-ea"/>
+              <a:cs typeface="+mn-cs"/>
+            </a:defRPr>
+          </a:pPr>
+          <a:endParaRPr lang="zh-CN"/>
+        </a:p>
+      </c:txPr>
+    </c:title>
+    <c:autoTitleDeleted val="0"/>
+    <c:plotArea>
+      <c:layout/>
+      <c:lineChart>
+        <c:grouping val="standard"/>
+        <c:varyColors val="0"/>
+        <c:ser>
+          <c:idx val="0"/>
+          <c:order val="0"/>
+          <c:spPr>
+            <a:ln w="28575" cap="rnd">
+              <a:solidFill>
+                <a:schemeClr val="accent1"/>
+              </a:solidFill>
+              <a:round/>
+            </a:ln>
+            <a:effectLst/>
+          </c:spPr>
+          <c:marker>
+            <c:symbol val="none"/>
+          </c:marker>
+          <c:cat>
+            <c:numRef>
+              <c:f>Sheet1!$M$65:$M$125</c:f>
+              <c:numCache>
+                <c:formatCode>m/d/yyyy</c:formatCode>
+                <c:ptCount val="61"/>
+                <c:pt idx="0">
+                  <c:v>42309</c:v>
+                </c:pt>
+                <c:pt idx="1">
+                  <c:v>42310</c:v>
+                </c:pt>
+                <c:pt idx="2">
+                  <c:v>42311</c:v>
+                </c:pt>
+                <c:pt idx="3">
+                  <c:v>42312</c:v>
+                </c:pt>
+                <c:pt idx="4">
+                  <c:v>42313</c:v>
+                </c:pt>
+                <c:pt idx="5">
+                  <c:v>42314</c:v>
+                </c:pt>
+                <c:pt idx="6">
+                  <c:v>42315</c:v>
+                </c:pt>
+                <c:pt idx="7">
+                  <c:v>42316</c:v>
+                </c:pt>
+                <c:pt idx="8">
+                  <c:v>42317</c:v>
+                </c:pt>
+                <c:pt idx="9">
+                  <c:v>42318</c:v>
+                </c:pt>
+                <c:pt idx="10">
+                  <c:v>42319</c:v>
+                </c:pt>
+                <c:pt idx="11">
+                  <c:v>42320</c:v>
+                </c:pt>
+                <c:pt idx="12">
+                  <c:v>42321</c:v>
+                </c:pt>
+                <c:pt idx="13">
+                  <c:v>42322</c:v>
+                </c:pt>
+                <c:pt idx="14">
+                  <c:v>42323</c:v>
+                </c:pt>
+                <c:pt idx="15">
+                  <c:v>42324</c:v>
+                </c:pt>
+                <c:pt idx="16">
+                  <c:v>42325</c:v>
+                </c:pt>
+                <c:pt idx="17">
+                  <c:v>42326</c:v>
+                </c:pt>
+                <c:pt idx="18">
+                  <c:v>42327</c:v>
+                </c:pt>
+                <c:pt idx="19">
+                  <c:v>42328</c:v>
+                </c:pt>
+                <c:pt idx="20">
+                  <c:v>42329</c:v>
+                </c:pt>
+                <c:pt idx="21">
+                  <c:v>42330</c:v>
+                </c:pt>
+                <c:pt idx="22">
+                  <c:v>42331</c:v>
+                </c:pt>
+                <c:pt idx="23">
+                  <c:v>42332</c:v>
+                </c:pt>
+                <c:pt idx="24">
+                  <c:v>42333</c:v>
+                </c:pt>
+                <c:pt idx="25">
+                  <c:v>42334</c:v>
+                </c:pt>
+                <c:pt idx="26">
+                  <c:v>42335</c:v>
+                </c:pt>
+                <c:pt idx="27">
+                  <c:v>42336</c:v>
+                </c:pt>
+                <c:pt idx="28">
+                  <c:v>42337</c:v>
+                </c:pt>
+                <c:pt idx="29">
+                  <c:v>42338</c:v>
+                </c:pt>
+                <c:pt idx="30">
+                  <c:v>42339</c:v>
+                </c:pt>
+                <c:pt idx="31">
+                  <c:v>42340</c:v>
+                </c:pt>
+                <c:pt idx="32">
+                  <c:v>42341</c:v>
+                </c:pt>
+                <c:pt idx="33">
+                  <c:v>42342</c:v>
+                </c:pt>
+                <c:pt idx="34">
+                  <c:v>42343</c:v>
+                </c:pt>
+                <c:pt idx="35">
+                  <c:v>42344</c:v>
+                </c:pt>
+                <c:pt idx="36">
+                  <c:v>42345</c:v>
+                </c:pt>
+                <c:pt idx="37">
+                  <c:v>42346</c:v>
+                </c:pt>
+                <c:pt idx="38">
+                  <c:v>42347</c:v>
+                </c:pt>
+                <c:pt idx="39">
+                  <c:v>42348</c:v>
+                </c:pt>
+                <c:pt idx="40">
+                  <c:v>42349</c:v>
+                </c:pt>
+                <c:pt idx="41">
+                  <c:v>42350</c:v>
+                </c:pt>
+                <c:pt idx="42">
+                  <c:v>42351</c:v>
+                </c:pt>
+                <c:pt idx="43">
+                  <c:v>42352</c:v>
+                </c:pt>
+                <c:pt idx="44">
+                  <c:v>42353</c:v>
+                </c:pt>
+                <c:pt idx="45">
+                  <c:v>42354</c:v>
+                </c:pt>
+                <c:pt idx="46">
+                  <c:v>42355</c:v>
+                </c:pt>
+                <c:pt idx="47">
+                  <c:v>42356</c:v>
+                </c:pt>
+                <c:pt idx="48">
+                  <c:v>42357</c:v>
+                </c:pt>
+                <c:pt idx="49">
+                  <c:v>42358</c:v>
+                </c:pt>
+                <c:pt idx="50">
+                  <c:v>42359</c:v>
+                </c:pt>
+                <c:pt idx="51">
+                  <c:v>42360</c:v>
+                </c:pt>
+                <c:pt idx="52">
+                  <c:v>42361</c:v>
+                </c:pt>
+                <c:pt idx="53">
+                  <c:v>42362</c:v>
+                </c:pt>
+                <c:pt idx="54">
+                  <c:v>42363</c:v>
+                </c:pt>
+                <c:pt idx="55">
+                  <c:v>42364</c:v>
+                </c:pt>
+                <c:pt idx="56">
+                  <c:v>42365</c:v>
+                </c:pt>
+                <c:pt idx="57">
+                  <c:v>42366</c:v>
+                </c:pt>
+                <c:pt idx="58">
+                  <c:v>42367</c:v>
+                </c:pt>
+                <c:pt idx="59">
+                  <c:v>42368</c:v>
+                </c:pt>
+                <c:pt idx="60">
+                  <c:v>42369</c:v>
+                </c:pt>
+              </c:numCache>
+            </c:numRef>
+          </c:cat>
+          <c:val>
+            <c:numRef>
+              <c:f>Sheet1!$N$65:$N$125</c:f>
+              <c:numCache>
+                <c:formatCode>General</c:formatCode>
+                <c:ptCount val="61"/>
+                <c:pt idx="0">
+                  <c:v>3443912</c:v>
+                </c:pt>
+                <c:pt idx="1">
+                  <c:v>3599595</c:v>
+                </c:pt>
+                <c:pt idx="2">
+                  <c:v>3796895</c:v>
+                </c:pt>
+                <c:pt idx="3">
+                  <c:v>3903614</c:v>
+                </c:pt>
+                <c:pt idx="4">
+                  <c:v>3920772</c:v>
+                </c:pt>
+                <c:pt idx="5">
+                  <c:v>3910196</c:v>
+                </c:pt>
+                <c:pt idx="6">
+                  <c:v>3819933</c:v>
+                </c:pt>
+                <c:pt idx="7">
+                  <c:v>3500779</c:v>
+                </c:pt>
+                <c:pt idx="8">
+                  <c:v>3382794</c:v>
+                </c:pt>
+                <c:pt idx="9">
+                  <c:v>3347273</c:v>
+                </c:pt>
+                <c:pt idx="10">
+                  <c:v>3452265</c:v>
+                </c:pt>
+                <c:pt idx="11">
+                  <c:v>3407477</c:v>
+                </c:pt>
+                <c:pt idx="12">
+                  <c:v>3528801</c:v>
+                </c:pt>
+                <c:pt idx="13">
+                  <c:v>3377359</c:v>
+                </c:pt>
+                <c:pt idx="14">
+                  <c:v>3377554</c:v>
+                </c:pt>
+                <c:pt idx="15">
+                  <c:v>3697464</c:v>
+                </c:pt>
+                <c:pt idx="16">
+                  <c:v>3862200</c:v>
+                </c:pt>
+                <c:pt idx="17">
+                  <c:v>3854823</c:v>
+                </c:pt>
+                <c:pt idx="18">
+                  <c:v>3913774</c:v>
+                </c:pt>
+                <c:pt idx="19">
+                  <c:v>3903341</c:v>
+                </c:pt>
+                <c:pt idx="20">
+                  <c:v>3820628</c:v>
+                </c:pt>
+                <c:pt idx="21">
+                  <c:v>3198030</c:v>
+                </c:pt>
+                <c:pt idx="22">
+                  <c:v>3939268</c:v>
+                </c:pt>
+                <c:pt idx="23">
+                  <c:v>4025841</c:v>
+                </c:pt>
+                <c:pt idx="24">
+                  <c:v>3608402</c:v>
+                </c:pt>
+                <c:pt idx="25">
+                  <c:v>4160858</c:v>
+                </c:pt>
+                <c:pt idx="26">
+                  <c:v>4169118</c:v>
+                </c:pt>
+                <c:pt idx="27">
+                  <c:v>3927863</c:v>
+                </c:pt>
+                <c:pt idx="28">
+                  <c:v>3566745</c:v>
+                </c:pt>
+                <c:pt idx="29">
+                  <c:v>3782338</c:v>
+                </c:pt>
+                <c:pt idx="30">
+                  <c:v>3876643</c:v>
+                </c:pt>
+                <c:pt idx="31">
+                  <c:v>3998786</c:v>
+                </c:pt>
+                <c:pt idx="32">
+                  <c:v>4030378</c:v>
+                </c:pt>
+                <c:pt idx="33">
+                  <c:v>3872078</c:v>
+                </c:pt>
+                <c:pt idx="34">
+                  <c:v>3701451</c:v>
+                </c:pt>
+                <c:pt idx="35">
+                  <c:v>3723541</c:v>
+                </c:pt>
+                <c:pt idx="36">
+                  <c:v>3983834</c:v>
+                </c:pt>
+                <c:pt idx="37">
+                  <c:v>4140712</c:v>
+                </c:pt>
+                <c:pt idx="38">
+                  <c:v>4068916</c:v>
+                </c:pt>
+                <c:pt idx="39">
+                  <c:v>4232933</c:v>
+                </c:pt>
+                <c:pt idx="40">
+                  <c:v>4208018</c:v>
+                </c:pt>
+                <c:pt idx="41">
+                  <c:v>4001223</c:v>
+                </c:pt>
+                <c:pt idx="42">
+                  <c:v>3856921</c:v>
+                </c:pt>
+                <c:pt idx="43">
+                  <c:v>4117837</c:v>
+                </c:pt>
+                <c:pt idx="44">
+                  <c:v>3315516</c:v>
+                </c:pt>
+                <c:pt idx="45">
+                  <c:v>4269798</c:v>
+                </c:pt>
+                <c:pt idx="46">
+                  <c:v>4316805</c:v>
+                </c:pt>
+                <c:pt idx="47">
+                  <c:v>4348796</c:v>
+                </c:pt>
+                <c:pt idx="48">
+                  <c:v>4117298</c:v>
+                </c:pt>
+                <c:pt idx="49">
+                  <c:v>3969676</c:v>
+                </c:pt>
+                <c:pt idx="50">
+                  <c:v>4170567</c:v>
+                </c:pt>
+                <c:pt idx="51">
+                  <c:v>3869879</c:v>
+                </c:pt>
+                <c:pt idx="52">
+                  <c:v>4167805</c:v>
+                </c:pt>
+                <c:pt idx="53">
+                  <c:v>4320650</c:v>
+                </c:pt>
+                <c:pt idx="54">
+                  <c:v>4294518</c:v>
+                </c:pt>
+                <c:pt idx="55">
+                  <c:v>3874950</c:v>
+                </c:pt>
+                <c:pt idx="56">
+                  <c:v>3905750</c:v>
+                </c:pt>
+                <c:pt idx="57">
+                  <c:v>4105261</c:v>
+                </c:pt>
+                <c:pt idx="58">
+                  <c:v>4255276</c:v>
+                </c:pt>
+                <c:pt idx="59">
+                  <c:v>4170536</c:v>
+                </c:pt>
+                <c:pt idx="60">
+                  <c:v>4020591</c:v>
+                </c:pt>
+              </c:numCache>
+            </c:numRef>
+          </c:val>
+          <c:smooth val="0"/>
+          <c:extLst>
+            <c:ext xmlns:c16="http://schemas.microsoft.com/office/drawing/2014/chart" uri="{C3380CC4-5D6E-409C-BE32-E72D297353CC}">
+              <c16:uniqueId val="{00000000-3CED-43A2-94EA-82B17754D3B3}"/>
+            </c:ext>
+          </c:extLst>
+        </c:ser>
+        <c:dLbls>
+          <c:showLegendKey val="0"/>
+          <c:showVal val="0"/>
+          <c:showCatName val="0"/>
+          <c:showSerName val="0"/>
+          <c:showPercent val="0"/>
+          <c:showBubbleSize val="0"/>
+        </c:dLbls>
+        <c:smooth val="0"/>
+        <c:axId val="752723008"/>
+        <c:axId val="752715936"/>
+      </c:lineChart>
+      <c:dateAx>
+        <c:axId val="752723008"/>
+        <c:scaling>
+          <c:orientation val="minMax"/>
+        </c:scaling>
+        <c:delete val="0"/>
+        <c:axPos val="b"/>
+        <c:numFmt formatCode="m/d/yyyy" sourceLinked="1"/>
+        <c:majorTickMark val="out"/>
+        <c:minorTickMark val="none"/>
+        <c:tickLblPos val="nextTo"/>
+        <c:spPr>
+          <a:noFill/>
+          <a:ln w="9525" cap="flat" cmpd="sng" algn="ctr">
+            <a:solidFill>
+              <a:schemeClr val="tx1">
+                <a:lumMod val="15000"/>
+                <a:lumOff val="85000"/>
+              </a:schemeClr>
+            </a:solidFill>
+            <a:round/>
+          </a:ln>
+          <a:effectLst/>
+        </c:spPr>
+        <c:txPr>
+          <a:bodyPr rot="-60000000" spcFirstLastPara="1" vertOverflow="ellipsis" vert="horz" wrap="square" anchor="ctr" anchorCtr="1"/>
+          <a:lstStyle/>
+          <a:p>
+            <a:pPr>
+              <a:defRPr sz="900" b="0" i="0" u="none" strike="noStrike" kern="1200" baseline="0">
+                <a:solidFill>
+                  <a:schemeClr val="tx1">
+                    <a:lumMod val="65000"/>
+                    <a:lumOff val="35000"/>
+                  </a:schemeClr>
+                </a:solidFill>
+                <a:latin typeface="+mn-lt"/>
+                <a:ea typeface="+mn-ea"/>
+                <a:cs typeface="+mn-cs"/>
+              </a:defRPr>
+            </a:pPr>
+            <a:endParaRPr lang="zh-CN"/>
+          </a:p>
+        </c:txPr>
+        <c:crossAx val="752715936"/>
+        <c:crosses val="autoZero"/>
+        <c:auto val="1"/>
+        <c:lblOffset val="100"/>
+        <c:baseTimeUnit val="days"/>
+      </c:dateAx>
+      <c:valAx>
+        <c:axId val="752715936"/>
+        <c:scaling>
+          <c:orientation val="minMax"/>
+        </c:scaling>
+        <c:delete val="0"/>
+        <c:axPos val="l"/>
+        <c:majorGridlines>
+          <c:spPr>
+            <a:ln w="9525" cap="flat" cmpd="sng" algn="ctr">
+              <a:solidFill>
+                <a:schemeClr val="tx1">
+                  <a:lumMod val="15000"/>
+                  <a:lumOff val="85000"/>
+                </a:schemeClr>
+              </a:solidFill>
+              <a:round/>
+            </a:ln>
+            <a:effectLst/>
+          </c:spPr>
+        </c:majorGridlines>
+        <c:numFmt formatCode="General" sourceLinked="1"/>
+        <c:majorTickMark val="none"/>
+        <c:minorTickMark val="none"/>
+        <c:tickLblPos val="nextTo"/>
+        <c:spPr>
+          <a:noFill/>
+          <a:ln>
+            <a:noFill/>
+          </a:ln>
+          <a:effectLst/>
+        </c:spPr>
+        <c:txPr>
+          <a:bodyPr rot="-60000000" spcFirstLastPara="1" vertOverflow="ellipsis" vert="horz" wrap="square" anchor="ctr" anchorCtr="1"/>
+          <a:lstStyle/>
+          <a:p>
+            <a:pPr>
+              <a:defRPr sz="900" b="0" i="0" u="none" strike="noStrike" kern="1200" baseline="0">
+                <a:solidFill>
+                  <a:schemeClr val="tx1">
+                    <a:lumMod val="65000"/>
+                    <a:lumOff val="35000"/>
+                  </a:schemeClr>
+                </a:solidFill>
+                <a:latin typeface="+mn-lt"/>
+                <a:ea typeface="+mn-ea"/>
+                <a:cs typeface="+mn-cs"/>
+              </a:defRPr>
+            </a:pPr>
+            <a:endParaRPr lang="zh-CN"/>
+          </a:p>
+        </c:txPr>
+        <c:crossAx val="752723008"/>
+        <c:crosses val="autoZero"/>
+        <c:crossBetween val="between"/>
+      </c:valAx>
+      <c:spPr>
+        <a:noFill/>
+        <a:ln>
+          <a:noFill/>
+        </a:ln>
+        <a:effectLst/>
+      </c:spPr>
+    </c:plotArea>
     <c:plotVisOnly val="1"/>
     <c:dispBlanksAs val="gap"/>
     <c:showDLblsOverMax val="0"/>
@@ -18956,6 +20157,86 @@
 </file>
 
 <file path=ppt/charts/colors3.xml><?xml version="1.0" encoding="utf-8"?>
+<cs:colorStyle xmlns:cs="http://schemas.microsoft.com/office/drawing/2012/chartStyle" xmlns:a="http://schemas.openxmlformats.org/drawingml/2006/main" meth="cycle" id="10">
+  <a:schemeClr val="accent1"/>
+  <a:schemeClr val="accent2"/>
+  <a:schemeClr val="accent3"/>
+  <a:schemeClr val="accent4"/>
+  <a:schemeClr val="accent5"/>
+  <a:schemeClr val="accent6"/>
+  <cs:variation/>
+  <cs:variation>
+    <a:lumMod val="60000"/>
+  </cs:variation>
+  <cs:variation>
+    <a:lumMod val="80000"/>
+    <a:lumOff val="20000"/>
+  </cs:variation>
+  <cs:variation>
+    <a:lumMod val="80000"/>
+  </cs:variation>
+  <cs:variation>
+    <a:lumMod val="60000"/>
+    <a:lumOff val="40000"/>
+  </cs:variation>
+  <cs:variation>
+    <a:lumMod val="50000"/>
+  </cs:variation>
+  <cs:variation>
+    <a:lumMod val="70000"/>
+    <a:lumOff val="30000"/>
+  </cs:variation>
+  <cs:variation>
+    <a:lumMod val="70000"/>
+  </cs:variation>
+  <cs:variation>
+    <a:lumMod val="50000"/>
+    <a:lumOff val="50000"/>
+  </cs:variation>
+</cs:colorStyle>
+</file>
+
+<file path=ppt/charts/colors4.xml><?xml version="1.0" encoding="utf-8"?>
+<cs:colorStyle xmlns:cs="http://schemas.microsoft.com/office/drawing/2012/chartStyle" xmlns:a="http://schemas.openxmlformats.org/drawingml/2006/main" meth="cycle" id="10">
+  <a:schemeClr val="accent1"/>
+  <a:schemeClr val="accent2"/>
+  <a:schemeClr val="accent3"/>
+  <a:schemeClr val="accent4"/>
+  <a:schemeClr val="accent5"/>
+  <a:schemeClr val="accent6"/>
+  <cs:variation/>
+  <cs:variation>
+    <a:lumMod val="60000"/>
+  </cs:variation>
+  <cs:variation>
+    <a:lumMod val="80000"/>
+    <a:lumOff val="20000"/>
+  </cs:variation>
+  <cs:variation>
+    <a:lumMod val="80000"/>
+  </cs:variation>
+  <cs:variation>
+    <a:lumMod val="60000"/>
+    <a:lumOff val="40000"/>
+  </cs:variation>
+  <cs:variation>
+    <a:lumMod val="50000"/>
+  </cs:variation>
+  <cs:variation>
+    <a:lumMod val="70000"/>
+    <a:lumOff val="30000"/>
+  </cs:variation>
+  <cs:variation>
+    <a:lumMod val="70000"/>
+  </cs:variation>
+  <cs:variation>
+    <a:lumMod val="50000"/>
+    <a:lumOff val="50000"/>
+  </cs:variation>
+</cs:colorStyle>
+</file>
+
+<file path=ppt/charts/colors5.xml><?xml version="1.0" encoding="utf-8"?>
 <cs:colorStyle xmlns:cs="http://schemas.microsoft.com/office/drawing/2012/chartStyle" xmlns:a="http://schemas.openxmlformats.org/drawingml/2006/main" meth="cycle" id="10">
   <a:schemeClr val="accent1"/>
   <a:schemeClr val="accent2"/>
@@ -20546,7 +21827,1786 @@
 </cs:chartStyle>
 </file>
 
+<file path=ppt/charts/style4.xml><?xml version="1.0" encoding="utf-8"?>
+<cs:chartStyle xmlns:cs="http://schemas.microsoft.com/office/drawing/2012/chartStyle" xmlns:a="http://schemas.openxmlformats.org/drawingml/2006/main" id="227">
+  <cs:axisTitle>
+    <cs:lnRef idx="0"/>
+    <cs:fillRef idx="0"/>
+    <cs:effectRef idx="0"/>
+    <cs:fontRef idx="minor">
+      <a:schemeClr val="tx1">
+        <a:lumMod val="65000"/>
+        <a:lumOff val="35000"/>
+      </a:schemeClr>
+    </cs:fontRef>
+    <cs:defRPr sz="1000" kern="1200"/>
+  </cs:axisTitle>
+  <cs:categoryAxis>
+    <cs:lnRef idx="0"/>
+    <cs:fillRef idx="0"/>
+    <cs:effectRef idx="0"/>
+    <cs:fontRef idx="minor">
+      <a:schemeClr val="tx1">
+        <a:lumMod val="65000"/>
+        <a:lumOff val="35000"/>
+      </a:schemeClr>
+    </cs:fontRef>
+    <cs:spPr>
+      <a:ln w="9525" cap="flat" cmpd="sng" algn="ctr">
+        <a:solidFill>
+          <a:schemeClr val="tx1">
+            <a:lumMod val="15000"/>
+            <a:lumOff val="85000"/>
+          </a:schemeClr>
+        </a:solidFill>
+        <a:round/>
+      </a:ln>
+    </cs:spPr>
+    <cs:defRPr sz="900" kern="1200"/>
+  </cs:categoryAxis>
+  <cs:chartArea mods="allowNoFillOverride allowNoLineOverride">
+    <cs:lnRef idx="0"/>
+    <cs:fillRef idx="0"/>
+    <cs:effectRef idx="0"/>
+    <cs:fontRef idx="minor">
+      <a:schemeClr val="tx1"/>
+    </cs:fontRef>
+    <cs:spPr>
+      <a:solidFill>
+        <a:schemeClr val="bg1"/>
+      </a:solidFill>
+      <a:ln w="9525" cap="flat" cmpd="sng" algn="ctr">
+        <a:solidFill>
+          <a:schemeClr val="tx1">
+            <a:lumMod val="15000"/>
+            <a:lumOff val="85000"/>
+          </a:schemeClr>
+        </a:solidFill>
+        <a:round/>
+      </a:ln>
+    </cs:spPr>
+    <cs:defRPr sz="1000" kern="1200"/>
+  </cs:chartArea>
+  <cs:dataLabel>
+    <cs:lnRef idx="0"/>
+    <cs:fillRef idx="0"/>
+    <cs:effectRef idx="0"/>
+    <cs:fontRef idx="minor">
+      <a:schemeClr val="tx1">
+        <a:lumMod val="75000"/>
+        <a:lumOff val="25000"/>
+      </a:schemeClr>
+    </cs:fontRef>
+    <cs:defRPr sz="900" kern="1200"/>
+  </cs:dataLabel>
+  <cs:dataLabelCallout>
+    <cs:lnRef idx="0"/>
+    <cs:fillRef idx="0"/>
+    <cs:effectRef idx="0"/>
+    <cs:fontRef idx="minor">
+      <a:schemeClr val="dk1">
+        <a:lumMod val="65000"/>
+        <a:lumOff val="35000"/>
+      </a:schemeClr>
+    </cs:fontRef>
+    <cs:spPr>
+      <a:solidFill>
+        <a:schemeClr val="lt1"/>
+      </a:solidFill>
+      <a:ln>
+        <a:solidFill>
+          <a:schemeClr val="dk1">
+            <a:lumMod val="25000"/>
+            <a:lumOff val="75000"/>
+          </a:schemeClr>
+        </a:solidFill>
+      </a:ln>
+    </cs:spPr>
+    <cs:defRPr sz="900" kern="1200"/>
+    <cs:bodyPr rot="0" spcFirstLastPara="1" vertOverflow="clip" horzOverflow="clip" vert="horz" wrap="square" lIns="36576" tIns="18288" rIns="36576" bIns="18288" anchor="ctr" anchorCtr="1">
+      <a:spAutoFit/>
+    </cs:bodyPr>
+  </cs:dataLabelCallout>
+  <cs:dataPoint>
+    <cs:lnRef idx="0"/>
+    <cs:fillRef idx="1">
+      <cs:styleClr val="auto"/>
+    </cs:fillRef>
+    <cs:effectRef idx="0"/>
+    <cs:fontRef idx="minor">
+      <a:schemeClr val="tx1"/>
+    </cs:fontRef>
+    <cs:spPr>
+      <a:solidFill>
+        <a:schemeClr val="phClr"/>
+      </a:solidFill>
+    </cs:spPr>
+  </cs:dataPoint>
+  <cs:dataPoint3D>
+    <cs:lnRef idx="0"/>
+    <cs:fillRef idx="1">
+      <cs:styleClr val="auto"/>
+    </cs:fillRef>
+    <cs:effectRef idx="0"/>
+    <cs:fontRef idx="minor">
+      <a:schemeClr val="tx1"/>
+    </cs:fontRef>
+    <cs:spPr>
+      <a:solidFill>
+        <a:schemeClr val="phClr"/>
+      </a:solidFill>
+    </cs:spPr>
+  </cs:dataPoint3D>
+  <cs:dataPointLine>
+    <cs:lnRef idx="0">
+      <cs:styleClr val="auto"/>
+    </cs:lnRef>
+    <cs:fillRef idx="1"/>
+    <cs:effectRef idx="0"/>
+    <cs:fontRef idx="minor">
+      <a:schemeClr val="tx1"/>
+    </cs:fontRef>
+    <cs:spPr>
+      <a:ln w="28575" cap="rnd">
+        <a:solidFill>
+          <a:schemeClr val="phClr"/>
+        </a:solidFill>
+        <a:round/>
+      </a:ln>
+    </cs:spPr>
+  </cs:dataPointLine>
+  <cs:dataPointMarker>
+    <cs:lnRef idx="0">
+      <cs:styleClr val="auto"/>
+    </cs:lnRef>
+    <cs:fillRef idx="1">
+      <cs:styleClr val="auto"/>
+    </cs:fillRef>
+    <cs:effectRef idx="0"/>
+    <cs:fontRef idx="minor">
+      <a:schemeClr val="tx1"/>
+    </cs:fontRef>
+    <cs:spPr>
+      <a:solidFill>
+        <a:schemeClr val="phClr"/>
+      </a:solidFill>
+      <a:ln w="9525">
+        <a:solidFill>
+          <a:schemeClr val="phClr"/>
+        </a:solidFill>
+      </a:ln>
+    </cs:spPr>
+  </cs:dataPointMarker>
+  <cs:dataPointMarkerLayout symbol="circle" size="5"/>
+  <cs:dataPointWireframe>
+    <cs:lnRef idx="0">
+      <cs:styleClr val="auto"/>
+    </cs:lnRef>
+    <cs:fillRef idx="1"/>
+    <cs:effectRef idx="0"/>
+    <cs:fontRef idx="minor">
+      <a:schemeClr val="tx1"/>
+    </cs:fontRef>
+    <cs:spPr>
+      <a:ln w="9525" cap="rnd">
+        <a:solidFill>
+          <a:schemeClr val="phClr"/>
+        </a:solidFill>
+        <a:round/>
+      </a:ln>
+    </cs:spPr>
+  </cs:dataPointWireframe>
+  <cs:dataTable>
+    <cs:lnRef idx="0"/>
+    <cs:fillRef idx="0"/>
+    <cs:effectRef idx="0"/>
+    <cs:fontRef idx="minor">
+      <a:schemeClr val="tx1">
+        <a:lumMod val="65000"/>
+        <a:lumOff val="35000"/>
+      </a:schemeClr>
+    </cs:fontRef>
+    <cs:spPr>
+      <a:noFill/>
+      <a:ln w="9525" cap="flat" cmpd="sng" algn="ctr">
+        <a:solidFill>
+          <a:schemeClr val="tx1">
+            <a:lumMod val="15000"/>
+            <a:lumOff val="85000"/>
+          </a:schemeClr>
+        </a:solidFill>
+        <a:round/>
+      </a:ln>
+    </cs:spPr>
+    <cs:defRPr sz="900" kern="1200"/>
+  </cs:dataTable>
+  <cs:downBar>
+    <cs:lnRef idx="0"/>
+    <cs:fillRef idx="0"/>
+    <cs:effectRef idx="0"/>
+    <cs:fontRef idx="minor">
+      <a:schemeClr val="dk1"/>
+    </cs:fontRef>
+    <cs:spPr>
+      <a:solidFill>
+        <a:schemeClr val="dk1">
+          <a:lumMod val="65000"/>
+          <a:lumOff val="35000"/>
+        </a:schemeClr>
+      </a:solidFill>
+      <a:ln w="9525">
+        <a:solidFill>
+          <a:schemeClr val="tx1">
+            <a:lumMod val="65000"/>
+            <a:lumOff val="35000"/>
+          </a:schemeClr>
+        </a:solidFill>
+      </a:ln>
+    </cs:spPr>
+  </cs:downBar>
+  <cs:dropLine>
+    <cs:lnRef idx="0"/>
+    <cs:fillRef idx="0"/>
+    <cs:effectRef idx="0"/>
+    <cs:fontRef idx="minor">
+      <a:schemeClr val="tx1"/>
+    </cs:fontRef>
+    <cs:spPr>
+      <a:ln w="9525" cap="flat" cmpd="sng" algn="ctr">
+        <a:solidFill>
+          <a:schemeClr val="tx1">
+            <a:lumMod val="35000"/>
+            <a:lumOff val="65000"/>
+          </a:schemeClr>
+        </a:solidFill>
+        <a:round/>
+      </a:ln>
+    </cs:spPr>
+  </cs:dropLine>
+  <cs:errorBar>
+    <cs:lnRef idx="0"/>
+    <cs:fillRef idx="0"/>
+    <cs:effectRef idx="0"/>
+    <cs:fontRef idx="minor">
+      <a:schemeClr val="tx1"/>
+    </cs:fontRef>
+    <cs:spPr>
+      <a:ln w="9525" cap="flat" cmpd="sng" algn="ctr">
+        <a:solidFill>
+          <a:schemeClr val="tx1">
+            <a:lumMod val="65000"/>
+            <a:lumOff val="35000"/>
+          </a:schemeClr>
+        </a:solidFill>
+        <a:round/>
+      </a:ln>
+    </cs:spPr>
+  </cs:errorBar>
+  <cs:floor>
+    <cs:lnRef idx="0"/>
+    <cs:fillRef idx="0"/>
+    <cs:effectRef idx="0"/>
+    <cs:fontRef idx="minor">
+      <a:schemeClr val="tx1"/>
+    </cs:fontRef>
+    <cs:spPr>
+      <a:noFill/>
+      <a:ln>
+        <a:noFill/>
+      </a:ln>
+    </cs:spPr>
+  </cs:floor>
+  <cs:gridlineMajor>
+    <cs:lnRef idx="0"/>
+    <cs:fillRef idx="0"/>
+    <cs:effectRef idx="0"/>
+    <cs:fontRef idx="minor">
+      <a:schemeClr val="tx1"/>
+    </cs:fontRef>
+    <cs:spPr>
+      <a:ln w="9525" cap="flat" cmpd="sng" algn="ctr">
+        <a:solidFill>
+          <a:schemeClr val="tx1">
+            <a:lumMod val="15000"/>
+            <a:lumOff val="85000"/>
+          </a:schemeClr>
+        </a:solidFill>
+        <a:round/>
+      </a:ln>
+    </cs:spPr>
+  </cs:gridlineMajor>
+  <cs:gridlineMinor>
+    <cs:lnRef idx="0"/>
+    <cs:fillRef idx="0"/>
+    <cs:effectRef idx="0"/>
+    <cs:fontRef idx="minor">
+      <a:schemeClr val="tx1"/>
+    </cs:fontRef>
+    <cs:spPr>
+      <a:ln w="9525" cap="flat" cmpd="sng" algn="ctr">
+        <a:solidFill>
+          <a:schemeClr val="tx1">
+            <a:lumMod val="5000"/>
+            <a:lumOff val="95000"/>
+          </a:schemeClr>
+        </a:solidFill>
+        <a:round/>
+      </a:ln>
+    </cs:spPr>
+  </cs:gridlineMinor>
+  <cs:hiLoLine>
+    <cs:lnRef idx="0"/>
+    <cs:fillRef idx="0"/>
+    <cs:effectRef idx="0"/>
+    <cs:fontRef idx="minor">
+      <a:schemeClr val="tx1"/>
+    </cs:fontRef>
+    <cs:spPr>
+      <a:ln w="9525" cap="flat" cmpd="sng" algn="ctr">
+        <a:solidFill>
+          <a:schemeClr val="tx1">
+            <a:lumMod val="75000"/>
+            <a:lumOff val="25000"/>
+          </a:schemeClr>
+        </a:solidFill>
+        <a:round/>
+      </a:ln>
+    </cs:spPr>
+  </cs:hiLoLine>
+  <cs:leaderLine>
+    <cs:lnRef idx="0"/>
+    <cs:fillRef idx="0"/>
+    <cs:effectRef idx="0"/>
+    <cs:fontRef idx="minor">
+      <a:schemeClr val="tx1"/>
+    </cs:fontRef>
+    <cs:spPr>
+      <a:ln w="9525" cap="flat" cmpd="sng" algn="ctr">
+        <a:solidFill>
+          <a:schemeClr val="tx1">
+            <a:lumMod val="35000"/>
+            <a:lumOff val="65000"/>
+          </a:schemeClr>
+        </a:solidFill>
+        <a:round/>
+      </a:ln>
+    </cs:spPr>
+  </cs:leaderLine>
+  <cs:legend>
+    <cs:lnRef idx="0"/>
+    <cs:fillRef idx="0"/>
+    <cs:effectRef idx="0"/>
+    <cs:fontRef idx="minor">
+      <a:schemeClr val="tx1">
+        <a:lumMod val="65000"/>
+        <a:lumOff val="35000"/>
+      </a:schemeClr>
+    </cs:fontRef>
+    <cs:defRPr sz="900" kern="1200"/>
+  </cs:legend>
+  <cs:plotArea mods="allowNoFillOverride allowNoLineOverride">
+    <cs:lnRef idx="0"/>
+    <cs:fillRef idx="0"/>
+    <cs:effectRef idx="0"/>
+    <cs:fontRef idx="minor">
+      <a:schemeClr val="tx1"/>
+    </cs:fontRef>
+  </cs:plotArea>
+  <cs:plotArea3D mods="allowNoFillOverride allowNoLineOverride">
+    <cs:lnRef idx="0"/>
+    <cs:fillRef idx="0"/>
+    <cs:effectRef idx="0"/>
+    <cs:fontRef idx="minor">
+      <a:schemeClr val="tx1"/>
+    </cs:fontRef>
+  </cs:plotArea3D>
+  <cs:seriesAxis>
+    <cs:lnRef idx="0"/>
+    <cs:fillRef idx="0"/>
+    <cs:effectRef idx="0"/>
+    <cs:fontRef idx="minor">
+      <a:schemeClr val="tx1">
+        <a:lumMod val="65000"/>
+        <a:lumOff val="35000"/>
+      </a:schemeClr>
+    </cs:fontRef>
+    <cs:defRPr sz="900" kern="1200"/>
+  </cs:seriesAxis>
+  <cs:seriesLine>
+    <cs:lnRef idx="0"/>
+    <cs:fillRef idx="0"/>
+    <cs:effectRef idx="0"/>
+    <cs:fontRef idx="minor">
+      <a:schemeClr val="tx1"/>
+    </cs:fontRef>
+    <cs:spPr>
+      <a:ln w="9525" cap="flat" cmpd="sng" algn="ctr">
+        <a:solidFill>
+          <a:schemeClr val="tx1">
+            <a:lumMod val="35000"/>
+            <a:lumOff val="65000"/>
+          </a:schemeClr>
+        </a:solidFill>
+        <a:round/>
+      </a:ln>
+    </cs:spPr>
+  </cs:seriesLine>
+  <cs:title>
+    <cs:lnRef idx="0"/>
+    <cs:fillRef idx="0"/>
+    <cs:effectRef idx="0"/>
+    <cs:fontRef idx="minor">
+      <a:schemeClr val="tx1">
+        <a:lumMod val="65000"/>
+        <a:lumOff val="35000"/>
+      </a:schemeClr>
+    </cs:fontRef>
+    <cs:defRPr sz="1400" b="0" kern="1200" spc="0" baseline="0"/>
+  </cs:title>
+  <cs:trendline>
+    <cs:lnRef idx="0">
+      <cs:styleClr val="auto"/>
+    </cs:lnRef>
+    <cs:fillRef idx="0"/>
+    <cs:effectRef idx="0"/>
+    <cs:fontRef idx="minor">
+      <a:schemeClr val="tx1"/>
+    </cs:fontRef>
+    <cs:spPr>
+      <a:ln w="19050" cap="rnd">
+        <a:solidFill>
+          <a:schemeClr val="phClr"/>
+        </a:solidFill>
+        <a:prstDash val="sysDot"/>
+      </a:ln>
+    </cs:spPr>
+  </cs:trendline>
+  <cs:trendlineLabel>
+    <cs:lnRef idx="0"/>
+    <cs:fillRef idx="0"/>
+    <cs:effectRef idx="0"/>
+    <cs:fontRef idx="minor">
+      <a:schemeClr val="tx1">
+        <a:lumMod val="65000"/>
+        <a:lumOff val="35000"/>
+      </a:schemeClr>
+    </cs:fontRef>
+    <cs:defRPr sz="900" kern="1200"/>
+  </cs:trendlineLabel>
+  <cs:upBar>
+    <cs:lnRef idx="0"/>
+    <cs:fillRef idx="0"/>
+    <cs:effectRef idx="0"/>
+    <cs:fontRef idx="minor">
+      <a:schemeClr val="dk1"/>
+    </cs:fontRef>
+    <cs:spPr>
+      <a:solidFill>
+        <a:schemeClr val="lt1"/>
+      </a:solidFill>
+      <a:ln w="9525">
+        <a:solidFill>
+          <a:schemeClr val="tx1">
+            <a:lumMod val="15000"/>
+            <a:lumOff val="85000"/>
+          </a:schemeClr>
+        </a:solidFill>
+      </a:ln>
+    </cs:spPr>
+  </cs:upBar>
+  <cs:valueAxis>
+    <cs:lnRef idx="0"/>
+    <cs:fillRef idx="0"/>
+    <cs:effectRef idx="0"/>
+    <cs:fontRef idx="minor">
+      <a:schemeClr val="tx1">
+        <a:lumMod val="65000"/>
+        <a:lumOff val="35000"/>
+      </a:schemeClr>
+    </cs:fontRef>
+    <cs:defRPr sz="900" kern="1200"/>
+  </cs:valueAxis>
+  <cs:wall>
+    <cs:lnRef idx="0"/>
+    <cs:fillRef idx="0"/>
+    <cs:effectRef idx="0"/>
+    <cs:fontRef idx="minor">
+      <a:schemeClr val="tx1"/>
+    </cs:fontRef>
+    <cs:spPr>
+      <a:noFill/>
+      <a:ln>
+        <a:noFill/>
+      </a:ln>
+    </cs:spPr>
+  </cs:wall>
+</cs:chartStyle>
+</file>
+
+<file path=ppt/charts/style5.xml><?xml version="1.0" encoding="utf-8"?>
+<cs:chartStyle xmlns:cs="http://schemas.microsoft.com/office/drawing/2012/chartStyle" xmlns:a="http://schemas.openxmlformats.org/drawingml/2006/main" id="227">
+  <cs:axisTitle>
+    <cs:lnRef idx="0"/>
+    <cs:fillRef idx="0"/>
+    <cs:effectRef idx="0"/>
+    <cs:fontRef idx="minor">
+      <a:schemeClr val="tx1">
+        <a:lumMod val="65000"/>
+        <a:lumOff val="35000"/>
+      </a:schemeClr>
+    </cs:fontRef>
+    <cs:defRPr sz="1000" kern="1200"/>
+  </cs:axisTitle>
+  <cs:categoryAxis>
+    <cs:lnRef idx="0"/>
+    <cs:fillRef idx="0"/>
+    <cs:effectRef idx="0"/>
+    <cs:fontRef idx="minor">
+      <a:schemeClr val="tx1">
+        <a:lumMod val="65000"/>
+        <a:lumOff val="35000"/>
+      </a:schemeClr>
+    </cs:fontRef>
+    <cs:spPr>
+      <a:ln w="9525" cap="flat" cmpd="sng" algn="ctr">
+        <a:solidFill>
+          <a:schemeClr val="tx1">
+            <a:lumMod val="15000"/>
+            <a:lumOff val="85000"/>
+          </a:schemeClr>
+        </a:solidFill>
+        <a:round/>
+      </a:ln>
+    </cs:spPr>
+    <cs:defRPr sz="900" kern="1200"/>
+  </cs:categoryAxis>
+  <cs:chartArea mods="allowNoFillOverride allowNoLineOverride">
+    <cs:lnRef idx="0"/>
+    <cs:fillRef idx="0"/>
+    <cs:effectRef idx="0"/>
+    <cs:fontRef idx="minor">
+      <a:schemeClr val="tx1"/>
+    </cs:fontRef>
+    <cs:spPr>
+      <a:solidFill>
+        <a:schemeClr val="bg1"/>
+      </a:solidFill>
+      <a:ln w="9525" cap="flat" cmpd="sng" algn="ctr">
+        <a:solidFill>
+          <a:schemeClr val="tx1">
+            <a:lumMod val="15000"/>
+            <a:lumOff val="85000"/>
+          </a:schemeClr>
+        </a:solidFill>
+        <a:round/>
+      </a:ln>
+    </cs:spPr>
+    <cs:defRPr sz="1000" kern="1200"/>
+  </cs:chartArea>
+  <cs:dataLabel>
+    <cs:lnRef idx="0"/>
+    <cs:fillRef idx="0"/>
+    <cs:effectRef idx="0"/>
+    <cs:fontRef idx="minor">
+      <a:schemeClr val="tx1">
+        <a:lumMod val="75000"/>
+        <a:lumOff val="25000"/>
+      </a:schemeClr>
+    </cs:fontRef>
+    <cs:defRPr sz="900" kern="1200"/>
+  </cs:dataLabel>
+  <cs:dataLabelCallout>
+    <cs:lnRef idx="0"/>
+    <cs:fillRef idx="0"/>
+    <cs:effectRef idx="0"/>
+    <cs:fontRef idx="minor">
+      <a:schemeClr val="dk1">
+        <a:lumMod val="65000"/>
+        <a:lumOff val="35000"/>
+      </a:schemeClr>
+    </cs:fontRef>
+    <cs:spPr>
+      <a:solidFill>
+        <a:schemeClr val="lt1"/>
+      </a:solidFill>
+      <a:ln>
+        <a:solidFill>
+          <a:schemeClr val="dk1">
+            <a:lumMod val="25000"/>
+            <a:lumOff val="75000"/>
+          </a:schemeClr>
+        </a:solidFill>
+      </a:ln>
+    </cs:spPr>
+    <cs:defRPr sz="900" kern="1200"/>
+    <cs:bodyPr rot="0" spcFirstLastPara="1" vertOverflow="clip" horzOverflow="clip" vert="horz" wrap="square" lIns="36576" tIns="18288" rIns="36576" bIns="18288" anchor="ctr" anchorCtr="1">
+      <a:spAutoFit/>
+    </cs:bodyPr>
+  </cs:dataLabelCallout>
+  <cs:dataPoint>
+    <cs:lnRef idx="0"/>
+    <cs:fillRef idx="1">
+      <cs:styleClr val="auto"/>
+    </cs:fillRef>
+    <cs:effectRef idx="0"/>
+    <cs:fontRef idx="minor">
+      <a:schemeClr val="tx1"/>
+    </cs:fontRef>
+    <cs:spPr>
+      <a:solidFill>
+        <a:schemeClr val="phClr"/>
+      </a:solidFill>
+    </cs:spPr>
+  </cs:dataPoint>
+  <cs:dataPoint3D>
+    <cs:lnRef idx="0"/>
+    <cs:fillRef idx="1">
+      <cs:styleClr val="auto"/>
+    </cs:fillRef>
+    <cs:effectRef idx="0"/>
+    <cs:fontRef idx="minor">
+      <a:schemeClr val="tx1"/>
+    </cs:fontRef>
+    <cs:spPr>
+      <a:solidFill>
+        <a:schemeClr val="phClr"/>
+      </a:solidFill>
+    </cs:spPr>
+  </cs:dataPoint3D>
+  <cs:dataPointLine>
+    <cs:lnRef idx="0">
+      <cs:styleClr val="auto"/>
+    </cs:lnRef>
+    <cs:fillRef idx="1"/>
+    <cs:effectRef idx="0"/>
+    <cs:fontRef idx="minor">
+      <a:schemeClr val="tx1"/>
+    </cs:fontRef>
+    <cs:spPr>
+      <a:ln w="28575" cap="rnd">
+        <a:solidFill>
+          <a:schemeClr val="phClr"/>
+        </a:solidFill>
+        <a:round/>
+      </a:ln>
+    </cs:spPr>
+  </cs:dataPointLine>
+  <cs:dataPointMarker>
+    <cs:lnRef idx="0">
+      <cs:styleClr val="auto"/>
+    </cs:lnRef>
+    <cs:fillRef idx="1">
+      <cs:styleClr val="auto"/>
+    </cs:fillRef>
+    <cs:effectRef idx="0"/>
+    <cs:fontRef idx="minor">
+      <a:schemeClr val="tx1"/>
+    </cs:fontRef>
+    <cs:spPr>
+      <a:solidFill>
+        <a:schemeClr val="phClr"/>
+      </a:solidFill>
+      <a:ln w="9525">
+        <a:solidFill>
+          <a:schemeClr val="phClr"/>
+        </a:solidFill>
+      </a:ln>
+    </cs:spPr>
+  </cs:dataPointMarker>
+  <cs:dataPointMarkerLayout symbol="circle" size="5"/>
+  <cs:dataPointWireframe>
+    <cs:lnRef idx="0">
+      <cs:styleClr val="auto"/>
+    </cs:lnRef>
+    <cs:fillRef idx="1"/>
+    <cs:effectRef idx="0"/>
+    <cs:fontRef idx="minor">
+      <a:schemeClr val="tx1"/>
+    </cs:fontRef>
+    <cs:spPr>
+      <a:ln w="9525" cap="rnd">
+        <a:solidFill>
+          <a:schemeClr val="phClr"/>
+        </a:solidFill>
+        <a:round/>
+      </a:ln>
+    </cs:spPr>
+  </cs:dataPointWireframe>
+  <cs:dataTable>
+    <cs:lnRef idx="0"/>
+    <cs:fillRef idx="0"/>
+    <cs:effectRef idx="0"/>
+    <cs:fontRef idx="minor">
+      <a:schemeClr val="tx1">
+        <a:lumMod val="65000"/>
+        <a:lumOff val="35000"/>
+      </a:schemeClr>
+    </cs:fontRef>
+    <cs:spPr>
+      <a:noFill/>
+      <a:ln w="9525" cap="flat" cmpd="sng" algn="ctr">
+        <a:solidFill>
+          <a:schemeClr val="tx1">
+            <a:lumMod val="15000"/>
+            <a:lumOff val="85000"/>
+          </a:schemeClr>
+        </a:solidFill>
+        <a:round/>
+      </a:ln>
+    </cs:spPr>
+    <cs:defRPr sz="900" kern="1200"/>
+  </cs:dataTable>
+  <cs:downBar>
+    <cs:lnRef idx="0"/>
+    <cs:fillRef idx="0"/>
+    <cs:effectRef idx="0"/>
+    <cs:fontRef idx="minor">
+      <a:schemeClr val="dk1"/>
+    </cs:fontRef>
+    <cs:spPr>
+      <a:solidFill>
+        <a:schemeClr val="dk1">
+          <a:lumMod val="65000"/>
+          <a:lumOff val="35000"/>
+        </a:schemeClr>
+      </a:solidFill>
+      <a:ln w="9525">
+        <a:solidFill>
+          <a:schemeClr val="tx1">
+            <a:lumMod val="65000"/>
+            <a:lumOff val="35000"/>
+          </a:schemeClr>
+        </a:solidFill>
+      </a:ln>
+    </cs:spPr>
+  </cs:downBar>
+  <cs:dropLine>
+    <cs:lnRef idx="0"/>
+    <cs:fillRef idx="0"/>
+    <cs:effectRef idx="0"/>
+    <cs:fontRef idx="minor">
+      <a:schemeClr val="tx1"/>
+    </cs:fontRef>
+    <cs:spPr>
+      <a:ln w="9525" cap="flat" cmpd="sng" algn="ctr">
+        <a:solidFill>
+          <a:schemeClr val="tx1">
+            <a:lumMod val="35000"/>
+            <a:lumOff val="65000"/>
+          </a:schemeClr>
+        </a:solidFill>
+        <a:round/>
+      </a:ln>
+    </cs:spPr>
+  </cs:dropLine>
+  <cs:errorBar>
+    <cs:lnRef idx="0"/>
+    <cs:fillRef idx="0"/>
+    <cs:effectRef idx="0"/>
+    <cs:fontRef idx="minor">
+      <a:schemeClr val="tx1"/>
+    </cs:fontRef>
+    <cs:spPr>
+      <a:ln w="9525" cap="flat" cmpd="sng" algn="ctr">
+        <a:solidFill>
+          <a:schemeClr val="tx1">
+            <a:lumMod val="65000"/>
+            <a:lumOff val="35000"/>
+          </a:schemeClr>
+        </a:solidFill>
+        <a:round/>
+      </a:ln>
+    </cs:spPr>
+  </cs:errorBar>
+  <cs:floor>
+    <cs:lnRef idx="0"/>
+    <cs:fillRef idx="0"/>
+    <cs:effectRef idx="0"/>
+    <cs:fontRef idx="minor">
+      <a:schemeClr val="tx1"/>
+    </cs:fontRef>
+    <cs:spPr>
+      <a:noFill/>
+      <a:ln>
+        <a:noFill/>
+      </a:ln>
+    </cs:spPr>
+  </cs:floor>
+  <cs:gridlineMajor>
+    <cs:lnRef idx="0"/>
+    <cs:fillRef idx="0"/>
+    <cs:effectRef idx="0"/>
+    <cs:fontRef idx="minor">
+      <a:schemeClr val="tx1"/>
+    </cs:fontRef>
+    <cs:spPr>
+      <a:ln w="9525" cap="flat" cmpd="sng" algn="ctr">
+        <a:solidFill>
+          <a:schemeClr val="tx1">
+            <a:lumMod val="15000"/>
+            <a:lumOff val="85000"/>
+          </a:schemeClr>
+        </a:solidFill>
+        <a:round/>
+      </a:ln>
+    </cs:spPr>
+  </cs:gridlineMajor>
+  <cs:gridlineMinor>
+    <cs:lnRef idx="0"/>
+    <cs:fillRef idx="0"/>
+    <cs:effectRef idx="0"/>
+    <cs:fontRef idx="minor">
+      <a:schemeClr val="tx1"/>
+    </cs:fontRef>
+    <cs:spPr>
+      <a:ln w="9525" cap="flat" cmpd="sng" algn="ctr">
+        <a:solidFill>
+          <a:schemeClr val="tx1">
+            <a:lumMod val="5000"/>
+            <a:lumOff val="95000"/>
+          </a:schemeClr>
+        </a:solidFill>
+        <a:round/>
+      </a:ln>
+    </cs:spPr>
+  </cs:gridlineMinor>
+  <cs:hiLoLine>
+    <cs:lnRef idx="0"/>
+    <cs:fillRef idx="0"/>
+    <cs:effectRef idx="0"/>
+    <cs:fontRef idx="minor">
+      <a:schemeClr val="tx1"/>
+    </cs:fontRef>
+    <cs:spPr>
+      <a:ln w="9525" cap="flat" cmpd="sng" algn="ctr">
+        <a:solidFill>
+          <a:schemeClr val="tx1">
+            <a:lumMod val="75000"/>
+            <a:lumOff val="25000"/>
+          </a:schemeClr>
+        </a:solidFill>
+        <a:round/>
+      </a:ln>
+    </cs:spPr>
+  </cs:hiLoLine>
+  <cs:leaderLine>
+    <cs:lnRef idx="0"/>
+    <cs:fillRef idx="0"/>
+    <cs:effectRef idx="0"/>
+    <cs:fontRef idx="minor">
+      <a:schemeClr val="tx1"/>
+    </cs:fontRef>
+    <cs:spPr>
+      <a:ln w="9525" cap="flat" cmpd="sng" algn="ctr">
+        <a:solidFill>
+          <a:schemeClr val="tx1">
+            <a:lumMod val="35000"/>
+            <a:lumOff val="65000"/>
+          </a:schemeClr>
+        </a:solidFill>
+        <a:round/>
+      </a:ln>
+    </cs:spPr>
+  </cs:leaderLine>
+  <cs:legend>
+    <cs:lnRef idx="0"/>
+    <cs:fillRef idx="0"/>
+    <cs:effectRef idx="0"/>
+    <cs:fontRef idx="minor">
+      <a:schemeClr val="tx1">
+        <a:lumMod val="65000"/>
+        <a:lumOff val="35000"/>
+      </a:schemeClr>
+    </cs:fontRef>
+    <cs:defRPr sz="900" kern="1200"/>
+  </cs:legend>
+  <cs:plotArea mods="allowNoFillOverride allowNoLineOverride">
+    <cs:lnRef idx="0"/>
+    <cs:fillRef idx="0"/>
+    <cs:effectRef idx="0"/>
+    <cs:fontRef idx="minor">
+      <a:schemeClr val="tx1"/>
+    </cs:fontRef>
+  </cs:plotArea>
+  <cs:plotArea3D mods="allowNoFillOverride allowNoLineOverride">
+    <cs:lnRef idx="0"/>
+    <cs:fillRef idx="0"/>
+    <cs:effectRef idx="0"/>
+    <cs:fontRef idx="minor">
+      <a:schemeClr val="tx1"/>
+    </cs:fontRef>
+  </cs:plotArea3D>
+  <cs:seriesAxis>
+    <cs:lnRef idx="0"/>
+    <cs:fillRef idx="0"/>
+    <cs:effectRef idx="0"/>
+    <cs:fontRef idx="minor">
+      <a:schemeClr val="tx1">
+        <a:lumMod val="65000"/>
+        <a:lumOff val="35000"/>
+      </a:schemeClr>
+    </cs:fontRef>
+    <cs:defRPr sz="900" kern="1200"/>
+  </cs:seriesAxis>
+  <cs:seriesLine>
+    <cs:lnRef idx="0"/>
+    <cs:fillRef idx="0"/>
+    <cs:effectRef idx="0"/>
+    <cs:fontRef idx="minor">
+      <a:schemeClr val="tx1"/>
+    </cs:fontRef>
+    <cs:spPr>
+      <a:ln w="9525" cap="flat" cmpd="sng" algn="ctr">
+        <a:solidFill>
+          <a:schemeClr val="tx1">
+            <a:lumMod val="35000"/>
+            <a:lumOff val="65000"/>
+          </a:schemeClr>
+        </a:solidFill>
+        <a:round/>
+      </a:ln>
+    </cs:spPr>
+  </cs:seriesLine>
+  <cs:title>
+    <cs:lnRef idx="0"/>
+    <cs:fillRef idx="0"/>
+    <cs:effectRef idx="0"/>
+    <cs:fontRef idx="minor">
+      <a:schemeClr val="tx1">
+        <a:lumMod val="65000"/>
+        <a:lumOff val="35000"/>
+      </a:schemeClr>
+    </cs:fontRef>
+    <cs:defRPr sz="1400" b="0" kern="1200" spc="0" baseline="0"/>
+  </cs:title>
+  <cs:trendline>
+    <cs:lnRef idx="0">
+      <cs:styleClr val="auto"/>
+    </cs:lnRef>
+    <cs:fillRef idx="0"/>
+    <cs:effectRef idx="0"/>
+    <cs:fontRef idx="minor">
+      <a:schemeClr val="tx1"/>
+    </cs:fontRef>
+    <cs:spPr>
+      <a:ln w="19050" cap="rnd">
+        <a:solidFill>
+          <a:schemeClr val="phClr"/>
+        </a:solidFill>
+        <a:prstDash val="sysDot"/>
+      </a:ln>
+    </cs:spPr>
+  </cs:trendline>
+  <cs:trendlineLabel>
+    <cs:lnRef idx="0"/>
+    <cs:fillRef idx="0"/>
+    <cs:effectRef idx="0"/>
+    <cs:fontRef idx="minor">
+      <a:schemeClr val="tx1">
+        <a:lumMod val="65000"/>
+        <a:lumOff val="35000"/>
+      </a:schemeClr>
+    </cs:fontRef>
+    <cs:defRPr sz="900" kern="1200"/>
+  </cs:trendlineLabel>
+  <cs:upBar>
+    <cs:lnRef idx="0"/>
+    <cs:fillRef idx="0"/>
+    <cs:effectRef idx="0"/>
+    <cs:fontRef idx="minor">
+      <a:schemeClr val="dk1"/>
+    </cs:fontRef>
+    <cs:spPr>
+      <a:solidFill>
+        <a:schemeClr val="lt1"/>
+      </a:solidFill>
+      <a:ln w="9525">
+        <a:solidFill>
+          <a:schemeClr val="tx1">
+            <a:lumMod val="15000"/>
+            <a:lumOff val="85000"/>
+          </a:schemeClr>
+        </a:solidFill>
+      </a:ln>
+    </cs:spPr>
+  </cs:upBar>
+  <cs:valueAxis>
+    <cs:lnRef idx="0"/>
+    <cs:fillRef idx="0"/>
+    <cs:effectRef idx="0"/>
+    <cs:fontRef idx="minor">
+      <a:schemeClr val="tx1">
+        <a:lumMod val="65000"/>
+        <a:lumOff val="35000"/>
+      </a:schemeClr>
+    </cs:fontRef>
+    <cs:defRPr sz="900" kern="1200"/>
+  </cs:valueAxis>
+  <cs:wall>
+    <cs:lnRef idx="0"/>
+    <cs:fillRef idx="0"/>
+    <cs:effectRef idx="0"/>
+    <cs:fontRef idx="minor">
+      <a:schemeClr val="tx1"/>
+    </cs:fontRef>
+    <cs:spPr>
+      <a:noFill/>
+      <a:ln>
+        <a:noFill/>
+      </a:ln>
+    </cs:spPr>
+  </cs:wall>
+</cs:chartStyle>
+</file>
+
 <file path=ppt/diagrams/colors1.xml><?xml version="1.0" encoding="utf-8"?>
+<dgm:colorsDef xmlns:dgm="http://schemas.openxmlformats.org/drawingml/2006/diagram" xmlns:a="http://schemas.openxmlformats.org/drawingml/2006/main" uniqueId="urn:microsoft.com/office/officeart/2005/8/colors/accent1_2">
+  <dgm:title val=""/>
+  <dgm:desc val=""/>
+  <dgm:catLst>
+    <dgm:cat type="accent1" pri="11200"/>
+  </dgm:catLst>
+  <dgm:styleLbl name="node0">
+    <dgm:fillClrLst meth="repeat">
+      <a:schemeClr val="accent1"/>
+    </dgm:fillClrLst>
+    <dgm:linClrLst meth="repeat">
+      <a:schemeClr val="lt1"/>
+    </dgm:linClrLst>
+    <dgm:effectClrLst/>
+    <dgm:txLinClrLst/>
+    <dgm:txFillClrLst/>
+    <dgm:txEffectClrLst/>
+  </dgm:styleLbl>
+  <dgm:styleLbl name="alignNode1">
+    <dgm:fillClrLst meth="repeat">
+      <a:schemeClr val="accent1"/>
+    </dgm:fillClrLst>
+    <dgm:linClrLst meth="repeat">
+      <a:schemeClr val="accent1"/>
+    </dgm:linClrLst>
+    <dgm:effectClrLst/>
+    <dgm:txLinClrLst/>
+    <dgm:txFillClrLst/>
+    <dgm:txEffectClrLst/>
+  </dgm:styleLbl>
+  <dgm:styleLbl name="node1">
+    <dgm:fillClrLst meth="repeat">
+      <a:schemeClr val="accent1"/>
+    </dgm:fillClrLst>
+    <dgm:linClrLst meth="repeat">
+      <a:schemeClr val="lt1"/>
+    </dgm:linClrLst>
+    <dgm:effectClrLst/>
+    <dgm:txLinClrLst/>
+    <dgm:txFillClrLst/>
+    <dgm:txEffectClrLst/>
+  </dgm:styleLbl>
+  <dgm:styleLbl name="lnNode1">
+    <dgm:fillClrLst meth="repeat">
+      <a:schemeClr val="accent1"/>
+    </dgm:fillClrLst>
+    <dgm:linClrLst meth="repeat">
+      <a:schemeClr val="lt1"/>
+    </dgm:linClrLst>
+    <dgm:effectClrLst/>
+    <dgm:txLinClrLst/>
+    <dgm:txFillClrLst/>
+    <dgm:txEffectClrLst/>
+  </dgm:styleLbl>
+  <dgm:styleLbl name="vennNode1">
+    <dgm:fillClrLst meth="repeat">
+      <a:schemeClr val="accent1">
+        <a:alpha val="50000"/>
+      </a:schemeClr>
+    </dgm:fillClrLst>
+    <dgm:linClrLst meth="repeat">
+      <a:schemeClr val="lt1"/>
+    </dgm:linClrLst>
+    <dgm:effectClrLst/>
+    <dgm:txLinClrLst/>
+    <dgm:txFillClrLst/>
+    <dgm:txEffectClrLst/>
+  </dgm:styleLbl>
+  <dgm:styleLbl name="node2">
+    <dgm:fillClrLst meth="repeat">
+      <a:schemeClr val="accent1"/>
+    </dgm:fillClrLst>
+    <dgm:linClrLst meth="repeat">
+      <a:schemeClr val="lt1"/>
+    </dgm:linClrLst>
+    <dgm:effectClrLst/>
+    <dgm:txLinClrLst/>
+    <dgm:txFillClrLst/>
+    <dgm:txEffectClrLst/>
+  </dgm:styleLbl>
+  <dgm:styleLbl name="node3">
+    <dgm:fillClrLst meth="repeat">
+      <a:schemeClr val="accent1"/>
+    </dgm:fillClrLst>
+    <dgm:linClrLst meth="repeat">
+      <a:schemeClr val="lt1"/>
+    </dgm:linClrLst>
+    <dgm:effectClrLst/>
+    <dgm:txLinClrLst/>
+    <dgm:txFillClrLst/>
+    <dgm:txEffectClrLst/>
+  </dgm:styleLbl>
+  <dgm:styleLbl name="node4">
+    <dgm:fillClrLst meth="repeat">
+      <a:schemeClr val="accent1"/>
+    </dgm:fillClrLst>
+    <dgm:linClrLst meth="repeat">
+      <a:schemeClr val="lt1"/>
+    </dgm:linClrLst>
+    <dgm:effectClrLst/>
+    <dgm:txLinClrLst/>
+    <dgm:txFillClrLst/>
+    <dgm:txEffectClrLst/>
+  </dgm:styleLbl>
+  <dgm:styleLbl name="fgImgPlace1">
+    <dgm:fillClrLst meth="repeat">
+      <a:schemeClr val="accent1">
+        <a:tint val="50000"/>
+      </a:schemeClr>
+    </dgm:fillClrLst>
+    <dgm:linClrLst meth="repeat">
+      <a:schemeClr val="lt1"/>
+    </dgm:linClrLst>
+    <dgm:effectClrLst/>
+    <dgm:txLinClrLst/>
+    <dgm:txFillClrLst meth="repeat">
+      <a:schemeClr val="lt1"/>
+    </dgm:txFillClrLst>
+    <dgm:txEffectClrLst/>
+  </dgm:styleLbl>
+  <dgm:styleLbl name="alignImgPlace1">
+    <dgm:fillClrLst meth="repeat">
+      <a:schemeClr val="accent1">
+        <a:tint val="50000"/>
+      </a:schemeClr>
+    </dgm:fillClrLst>
+    <dgm:linClrLst meth="repeat">
+      <a:schemeClr val="lt1"/>
+    </dgm:linClrLst>
+    <dgm:effectClrLst/>
+    <dgm:txLinClrLst/>
+    <dgm:txFillClrLst meth="repeat">
+      <a:schemeClr val="lt1"/>
+    </dgm:txFillClrLst>
+    <dgm:txEffectClrLst/>
+  </dgm:styleLbl>
+  <dgm:styleLbl name="bgImgPlace1">
+    <dgm:fillClrLst meth="repeat">
+      <a:schemeClr val="accent1">
+        <a:tint val="50000"/>
+      </a:schemeClr>
+    </dgm:fillClrLst>
+    <dgm:linClrLst meth="repeat">
+      <a:schemeClr val="lt1"/>
+    </dgm:linClrLst>
+    <dgm:effectClrLst/>
+    <dgm:txLinClrLst/>
+    <dgm:txFillClrLst meth="repeat">
+      <a:schemeClr val="lt1"/>
+    </dgm:txFillClrLst>
+    <dgm:txEffectClrLst/>
+  </dgm:styleLbl>
+  <dgm:styleLbl name="sibTrans2D1">
+    <dgm:fillClrLst meth="repeat">
+      <a:schemeClr val="accent1">
+        <a:tint val="60000"/>
+      </a:schemeClr>
+    </dgm:fillClrLst>
+    <dgm:linClrLst meth="repeat">
+      <a:schemeClr val="accent1">
+        <a:tint val="60000"/>
+      </a:schemeClr>
+    </dgm:linClrLst>
+    <dgm:effectClrLst/>
+    <dgm:txLinClrLst/>
+    <dgm:txFillClrLst/>
+    <dgm:txEffectClrLst/>
+  </dgm:styleLbl>
+  <dgm:styleLbl name="fgSibTrans2D1">
+    <dgm:fillClrLst meth="repeat">
+      <a:schemeClr val="accent1">
+        <a:tint val="60000"/>
+      </a:schemeClr>
+    </dgm:fillClrLst>
+    <dgm:linClrLst meth="repeat">
+      <a:schemeClr val="accent1">
+        <a:tint val="60000"/>
+      </a:schemeClr>
+    </dgm:linClrLst>
+    <dgm:effectClrLst/>
+    <dgm:txLinClrLst/>
+    <dgm:txFillClrLst/>
+    <dgm:txEffectClrLst/>
+  </dgm:styleLbl>
+  <dgm:styleLbl name="bgSibTrans2D1">
+    <dgm:fillClrLst meth="repeat">
+      <a:schemeClr val="accent1">
+        <a:tint val="60000"/>
+      </a:schemeClr>
+    </dgm:fillClrLst>
+    <dgm:linClrLst meth="repeat">
+      <a:schemeClr val="accent1">
+        <a:tint val="60000"/>
+      </a:schemeClr>
+    </dgm:linClrLst>
+    <dgm:effectClrLst/>
+    <dgm:txLinClrLst/>
+    <dgm:txFillClrLst/>
+    <dgm:txEffectClrLst/>
+  </dgm:styleLbl>
+  <dgm:styleLbl name="sibTrans1D1">
+    <dgm:fillClrLst meth="repeat">
+      <a:schemeClr val="accent1"/>
+    </dgm:fillClrLst>
+    <dgm:linClrLst meth="repeat">
+      <a:schemeClr val="accent1"/>
+    </dgm:linClrLst>
+    <dgm:effectClrLst/>
+    <dgm:txLinClrLst/>
+    <dgm:txFillClrLst meth="repeat">
+      <a:schemeClr val="tx1"/>
+    </dgm:txFillClrLst>
+    <dgm:txEffectClrLst/>
+  </dgm:styleLbl>
+  <dgm:styleLbl name="callout">
+    <dgm:fillClrLst meth="repeat">
+      <a:schemeClr val="accent1"/>
+    </dgm:fillClrLst>
+    <dgm:linClrLst meth="repeat">
+      <a:schemeClr val="accent1">
+        <a:tint val="50000"/>
+      </a:schemeClr>
+    </dgm:linClrLst>
+    <dgm:effectClrLst/>
+    <dgm:txLinClrLst/>
+    <dgm:txFillClrLst meth="repeat">
+      <a:schemeClr val="tx1"/>
+    </dgm:txFillClrLst>
+    <dgm:txEffectClrLst/>
+  </dgm:styleLbl>
+  <dgm:styleLbl name="asst0">
+    <dgm:fillClrLst meth="repeat">
+      <a:schemeClr val="accent1"/>
+    </dgm:fillClrLst>
+    <dgm:linClrLst meth="repeat">
+      <a:schemeClr val="lt1"/>
+    </dgm:linClrLst>
+    <dgm:effectClrLst/>
+    <dgm:txLinClrLst/>
+    <dgm:txFillClrLst/>
+    <dgm:txEffectClrLst/>
+  </dgm:styleLbl>
+  <dgm:styleLbl name="asst1">
+    <dgm:fillClrLst meth="repeat">
+      <a:schemeClr val="accent1"/>
+    </dgm:fillClrLst>
+    <dgm:linClrLst meth="repeat">
+      <a:schemeClr val="lt1"/>
+    </dgm:linClrLst>
+    <dgm:effectClrLst/>
+    <dgm:txLinClrLst/>
+    <dgm:txFillClrLst/>
+    <dgm:txEffectClrLst/>
+  </dgm:styleLbl>
+  <dgm:styleLbl name="asst2">
+    <dgm:fillClrLst meth="repeat">
+      <a:schemeClr val="accent1"/>
+    </dgm:fillClrLst>
+    <dgm:linClrLst meth="repeat">
+      <a:schemeClr val="lt1"/>
+    </dgm:linClrLst>
+    <dgm:effectClrLst/>
+    <dgm:txLinClrLst/>
+    <dgm:txFillClrLst/>
+    <dgm:txEffectClrLst/>
+  </dgm:styleLbl>
+  <dgm:styleLbl name="asst3">
+    <dgm:fillClrLst meth="repeat">
+      <a:schemeClr val="accent1"/>
+    </dgm:fillClrLst>
+    <dgm:linClrLst meth="repeat">
+      <a:schemeClr val="lt1"/>
+    </dgm:linClrLst>
+    <dgm:effectClrLst/>
+    <dgm:txLinClrLst/>
+    <dgm:txFillClrLst/>
+    <dgm:txEffectClrLst/>
+  </dgm:styleLbl>
+  <dgm:styleLbl name="asst4">
+    <dgm:fillClrLst meth="repeat">
+      <a:schemeClr val="accent1"/>
+    </dgm:fillClrLst>
+    <dgm:linClrLst meth="repeat">
+      <a:schemeClr val="lt1"/>
+    </dgm:linClrLst>
+    <dgm:effectClrLst/>
+    <dgm:txLinClrLst/>
+    <dgm:txFillClrLst/>
+    <dgm:txEffectClrLst/>
+  </dgm:styleLbl>
+  <dgm:styleLbl name="parChTrans2D1">
+    <dgm:fillClrLst meth="repeat">
+      <a:schemeClr val="accent1">
+        <a:tint val="60000"/>
+      </a:schemeClr>
+    </dgm:fillClrLst>
+    <dgm:linClrLst meth="repeat">
+      <a:schemeClr val="accent1">
+        <a:tint val="60000"/>
+      </a:schemeClr>
+    </dgm:linClrLst>
+    <dgm:effectClrLst/>
+    <dgm:txLinClrLst/>
+    <dgm:txFillClrLst meth="repeat">
+      <a:schemeClr val="lt1"/>
+    </dgm:txFillClrLst>
+    <dgm:txEffectClrLst/>
+  </dgm:styleLbl>
+  <dgm:styleLbl name="parChTrans2D2">
+    <dgm:fillClrLst meth="repeat">
+      <a:schemeClr val="accent1"/>
+    </dgm:fillClrLst>
+    <dgm:linClrLst meth="repeat">
+      <a:schemeClr val="accent1"/>
+    </dgm:linClrLst>
+    <dgm:effectClrLst/>
+    <dgm:txLinClrLst/>
+    <dgm:txFillClrLst meth="repeat">
+      <a:schemeClr val="lt1"/>
+    </dgm:txFillClrLst>
+    <dgm:txEffectClrLst/>
+  </dgm:styleLbl>
+  <dgm:styleLbl name="parChTrans2D3">
+    <dgm:fillClrLst meth="repeat">
+      <a:schemeClr val="accent1"/>
+    </dgm:fillClrLst>
+    <dgm:linClrLst meth="repeat">
+      <a:schemeClr val="accent1"/>
+    </dgm:linClrLst>
+    <dgm:effectClrLst/>
+    <dgm:txLinClrLst/>
+    <dgm:txFillClrLst meth="repeat">
+      <a:schemeClr val="lt1"/>
+    </dgm:txFillClrLst>
+    <dgm:txEffectClrLst/>
+  </dgm:styleLbl>
+  <dgm:styleLbl name="parChTrans2D4">
+    <dgm:fillClrLst meth="repeat">
+      <a:schemeClr val="accent1"/>
+    </dgm:fillClrLst>
+    <dgm:linClrLst meth="repeat">
+      <a:schemeClr val="accent1"/>
+    </dgm:linClrLst>
+    <dgm:effectClrLst/>
+    <dgm:txLinClrLst/>
+    <dgm:txFillClrLst meth="repeat">
+      <a:schemeClr val="lt1"/>
+    </dgm:txFillClrLst>
+    <dgm:txEffectClrLst/>
+  </dgm:styleLbl>
+  <dgm:styleLbl name="parChTrans1D1">
+    <dgm:fillClrLst meth="repeat">
+      <a:schemeClr val="accent1"/>
+    </dgm:fillClrLst>
+    <dgm:linClrLst meth="repeat">
+      <a:schemeClr val="accent1">
+        <a:shade val="60000"/>
+      </a:schemeClr>
+    </dgm:linClrLst>
+    <dgm:effectClrLst/>
+    <dgm:txLinClrLst/>
+    <dgm:txFillClrLst meth="repeat">
+      <a:schemeClr val="tx1"/>
+    </dgm:txFillClrLst>
+    <dgm:txEffectClrLst/>
+  </dgm:styleLbl>
+  <dgm:styleLbl name="parChTrans1D2">
+    <dgm:fillClrLst meth="repeat">
+      <a:schemeClr val="accent1"/>
+    </dgm:fillClrLst>
+    <dgm:linClrLst meth="repeat">
+      <a:schemeClr val="accent1">
+        <a:shade val="60000"/>
+      </a:schemeClr>
+    </dgm:linClrLst>
+    <dgm:effectClrLst/>
+    <dgm:txLinClrLst/>
+    <dgm:txFillClrLst meth="repeat">
+      <a:schemeClr val="tx1"/>
+    </dgm:txFillClrLst>
+    <dgm:txEffectClrLst/>
+  </dgm:styleLbl>
+  <dgm:styleLbl name="parChTrans1D3">
+    <dgm:fillClrLst meth="repeat">
+      <a:schemeClr val="accent1"/>
+    </dgm:fillClrLst>
+    <dgm:linClrLst meth="repeat">
+      <a:schemeClr val="accent1">
+        <a:shade val="80000"/>
+      </a:schemeClr>
+    </dgm:linClrLst>
+    <dgm:effectClrLst/>
+    <dgm:txLinClrLst/>
+    <dgm:txFillClrLst meth="repeat">
+      <a:schemeClr val="tx1"/>
+    </dgm:txFillClrLst>
+    <dgm:txEffectClrLst/>
+  </dgm:styleLbl>
+  <dgm:styleLbl name="parChTrans1D4">
+    <dgm:fillClrLst meth="repeat">
+      <a:schemeClr val="accent1"/>
+    </dgm:fillClrLst>
+    <dgm:linClrLst meth="repeat">
+      <a:schemeClr val="accent1">
+        <a:shade val="80000"/>
+      </a:schemeClr>
+    </dgm:linClrLst>
+    <dgm:effectClrLst/>
+    <dgm:txLinClrLst/>
+    <dgm:txFillClrLst meth="repeat">
+      <a:schemeClr val="tx1"/>
+    </dgm:txFillClrLst>
+    <dgm:txEffectClrLst/>
+  </dgm:styleLbl>
+  <dgm:styleLbl name="fgAcc1">
+    <dgm:fillClrLst meth="repeat">
+      <a:schemeClr val="lt1">
+        <a:alpha val="90000"/>
+      </a:schemeClr>
+    </dgm:fillClrLst>
+    <dgm:linClrLst meth="repeat">
+      <a:schemeClr val="accent1"/>
+    </dgm:linClrLst>
+    <dgm:effectClrLst/>
+    <dgm:txLinClrLst/>
+    <dgm:txFillClrLst meth="repeat">
+      <a:schemeClr val="dk1"/>
+    </dgm:txFillClrLst>
+    <dgm:txEffectClrLst/>
+  </dgm:styleLbl>
+  <dgm:styleLbl name="conFgAcc1">
+    <dgm:fillClrLst meth="repeat">
+      <a:schemeClr val="lt1">
+        <a:alpha val="90000"/>
+      </a:schemeClr>
+    </dgm:fillClrLst>
+    <dgm:linClrLst meth="repeat">
+      <a:schemeClr val="accent1"/>
+    </dgm:linClrLst>
+    <dgm:effectClrLst/>
+    <dgm:txLinClrLst/>
+    <dgm:txFillClrLst meth="repeat">
+      <a:schemeClr val="dk1"/>
+    </dgm:txFillClrLst>
+    <dgm:txEffectClrLst/>
+  </dgm:styleLbl>
+  <dgm:styleLbl name="alignAcc1">
+    <dgm:fillClrLst meth="repeat">
+      <a:schemeClr val="lt1">
+        <a:alpha val="90000"/>
+      </a:schemeClr>
+    </dgm:fillClrLst>
+    <dgm:linClrLst meth="repeat">
+      <a:schemeClr val="accent1"/>
+    </dgm:linClrLst>
+    <dgm:effectClrLst/>
+    <dgm:txLinClrLst/>
+    <dgm:txFillClrLst meth="repeat">
+      <a:schemeClr val="dk1"/>
+    </dgm:txFillClrLst>
+    <dgm:txEffectClrLst/>
+  </dgm:styleLbl>
+  <dgm:styleLbl name="trAlignAcc1">
+    <dgm:fillClrLst meth="repeat">
+      <a:schemeClr val="lt1">
+        <a:alpha val="40000"/>
+      </a:schemeClr>
+    </dgm:fillClrLst>
+    <dgm:linClrLst meth="repeat">
+      <a:schemeClr val="accent1"/>
+    </dgm:linClrLst>
+    <dgm:effectClrLst/>
+    <dgm:txLinClrLst/>
+    <dgm:txFillClrLst meth="repeat">
+      <a:schemeClr val="dk1"/>
+    </dgm:txFillClrLst>
+    <dgm:txEffectClrLst/>
+  </dgm:styleLbl>
+  <dgm:styleLbl name="bgAcc1">
+    <dgm:fillClrLst meth="repeat">
+      <a:schemeClr val="lt1">
+        <a:alpha val="90000"/>
+      </a:schemeClr>
+    </dgm:fillClrLst>
+    <dgm:linClrLst meth="repeat">
+      <a:schemeClr val="accent1"/>
+    </dgm:linClrLst>
+    <dgm:effectClrLst/>
+    <dgm:txLinClrLst/>
+    <dgm:txFillClrLst meth="repeat">
+      <a:schemeClr val="dk1"/>
+    </dgm:txFillClrLst>
+    <dgm:txEffectClrLst/>
+  </dgm:styleLbl>
+  <dgm:styleLbl name="solidFgAcc1">
+    <dgm:fillClrLst meth="repeat">
+      <a:schemeClr val="lt1"/>
+    </dgm:fillClrLst>
+    <dgm:linClrLst meth="repeat">
+      <a:schemeClr val="accent1"/>
+    </dgm:linClrLst>
+    <dgm:effectClrLst/>
+    <dgm:txLinClrLst/>
+    <dgm:txFillClrLst meth="repeat">
+      <a:schemeClr val="dk1"/>
+    </dgm:txFillClrLst>
+    <dgm:txEffectClrLst/>
+  </dgm:styleLbl>
+  <dgm:styleLbl name="solidAlignAcc1">
+    <dgm:fillClrLst meth="repeat">
+      <a:schemeClr val="lt1"/>
+    </dgm:fillClrLst>
+    <dgm:linClrLst meth="repeat">
+      <a:schemeClr val="accent1"/>
+    </dgm:linClrLst>
+    <dgm:effectClrLst/>
+    <dgm:txLinClrLst/>
+    <dgm:txFillClrLst meth="repeat">
+      <a:schemeClr val="dk1"/>
+    </dgm:txFillClrLst>
+    <dgm:txEffectClrLst/>
+  </dgm:styleLbl>
+  <dgm:styleLbl name="solidBgAcc1">
+    <dgm:fillClrLst meth="repeat">
+      <a:schemeClr val="lt1"/>
+    </dgm:fillClrLst>
+    <dgm:linClrLst meth="repeat">
+      <a:schemeClr val="accent1"/>
+    </dgm:linClrLst>
+    <dgm:effectClrLst/>
+    <dgm:txLinClrLst/>
+    <dgm:txFillClrLst meth="repeat">
+      <a:schemeClr val="dk1"/>
+    </dgm:txFillClrLst>
+    <dgm:txEffectClrLst/>
+  </dgm:styleLbl>
+  <dgm:styleLbl name="fgAccFollowNode1">
+    <dgm:fillClrLst meth="repeat">
+      <a:schemeClr val="accent1">
+        <a:alpha val="90000"/>
+        <a:tint val="40000"/>
+      </a:schemeClr>
+    </dgm:fillClrLst>
+    <dgm:linClrLst meth="repeat">
+      <a:schemeClr val="accent1">
+        <a:alpha val="90000"/>
+        <a:tint val="40000"/>
+      </a:schemeClr>
+    </dgm:linClrLst>
+    <dgm:effectClrLst/>
+    <dgm:txLinClrLst/>
+    <dgm:txFillClrLst meth="repeat">
+      <a:schemeClr val="dk1"/>
+    </dgm:txFillClrLst>
+    <dgm:txEffectClrLst/>
+  </dgm:styleLbl>
+  <dgm:styleLbl name="alignAccFollowNode1">
+    <dgm:fillClrLst meth="repeat">
+      <a:schemeClr val="accent1">
+        <a:alpha val="90000"/>
+        <a:tint val="40000"/>
+      </a:schemeClr>
+    </dgm:fillClrLst>
+    <dgm:linClrLst meth="repeat">
+      <a:schemeClr val="accent1">
+        <a:alpha val="90000"/>
+        <a:tint val="40000"/>
+      </a:schemeClr>
+    </dgm:linClrLst>
+    <dgm:effectClrLst/>
+    <dgm:txLinClrLst/>
+    <dgm:txFillClrLst meth="repeat">
+      <a:schemeClr val="dk1"/>
+    </dgm:txFillClrLst>
+    <dgm:txEffectClrLst/>
+  </dgm:styleLbl>
+  <dgm:styleLbl name="bgAccFollowNode1">
+    <dgm:fillClrLst meth="repeat">
+      <a:schemeClr val="accent1">
+        <a:alpha val="90000"/>
+        <a:tint val="40000"/>
+      </a:schemeClr>
+    </dgm:fillClrLst>
+    <dgm:linClrLst meth="repeat">
+      <a:schemeClr val="accent1">
+        <a:alpha val="90000"/>
+        <a:tint val="40000"/>
+      </a:schemeClr>
+    </dgm:linClrLst>
+    <dgm:effectClrLst/>
+    <dgm:txLinClrLst/>
+    <dgm:txFillClrLst meth="repeat">
+      <a:schemeClr val="dk1"/>
+    </dgm:txFillClrLst>
+    <dgm:txEffectClrLst/>
+  </dgm:styleLbl>
+  <dgm:styleLbl name="fgAcc0">
+    <dgm:fillClrLst meth="repeat">
+      <a:schemeClr val="lt1">
+        <a:alpha val="90000"/>
+      </a:schemeClr>
+    </dgm:fillClrLst>
+    <dgm:linClrLst meth="repeat">
+      <a:schemeClr val="accent1"/>
+    </dgm:linClrLst>
+    <dgm:effectClrLst/>
+    <dgm:txLinClrLst/>
+    <dgm:txFillClrLst meth="repeat">
+      <a:schemeClr val="dk1"/>
+    </dgm:txFillClrLst>
+    <dgm:txEffectClrLst/>
+  </dgm:styleLbl>
+  <dgm:styleLbl name="fgAcc2">
+    <dgm:fillClrLst meth="repeat">
+      <a:schemeClr val="lt1">
+        <a:alpha val="90000"/>
+      </a:schemeClr>
+    </dgm:fillClrLst>
+    <dgm:linClrLst meth="repeat">
+      <a:schemeClr val="accent1"/>
+    </dgm:linClrLst>
+    <dgm:effectClrLst/>
+    <dgm:txLinClrLst/>
+    <dgm:txFillClrLst meth="repeat">
+      <a:schemeClr val="dk1"/>
+    </dgm:txFillClrLst>
+    <dgm:txEffectClrLst/>
+  </dgm:styleLbl>
+  <dgm:styleLbl name="fgAcc3">
+    <dgm:fillClrLst meth="repeat">
+      <a:schemeClr val="lt1">
+        <a:alpha val="90000"/>
+      </a:schemeClr>
+    </dgm:fillClrLst>
+    <dgm:linClrLst meth="repeat">
+      <a:schemeClr val="accent1"/>
+    </dgm:linClrLst>
+    <dgm:effectClrLst/>
+    <dgm:txLinClrLst/>
+    <dgm:txFillClrLst meth="repeat">
+      <a:schemeClr val="dk1"/>
+    </dgm:txFillClrLst>
+    <dgm:txEffectClrLst/>
+  </dgm:styleLbl>
+  <dgm:styleLbl name="fgAcc4">
+    <dgm:fillClrLst meth="repeat">
+      <a:schemeClr val="lt1">
+        <a:alpha val="90000"/>
+      </a:schemeClr>
+    </dgm:fillClrLst>
+    <dgm:linClrLst meth="repeat">
+      <a:schemeClr val="accent1"/>
+    </dgm:linClrLst>
+    <dgm:effectClrLst/>
+    <dgm:txLinClrLst/>
+    <dgm:txFillClrLst meth="repeat">
+      <a:schemeClr val="dk1"/>
+    </dgm:txFillClrLst>
+    <dgm:txEffectClrLst/>
+  </dgm:styleLbl>
+  <dgm:styleLbl name="bgShp">
+    <dgm:fillClrLst meth="repeat">
+      <a:schemeClr val="accent1">
+        <a:tint val="40000"/>
+      </a:schemeClr>
+    </dgm:fillClrLst>
+    <dgm:linClrLst meth="repeat">
+      <a:schemeClr val="accent1"/>
+    </dgm:linClrLst>
+    <dgm:effectClrLst/>
+    <dgm:txLinClrLst/>
+    <dgm:txFillClrLst meth="repeat">
+      <a:schemeClr val="dk1"/>
+    </dgm:txFillClrLst>
+    <dgm:txEffectClrLst/>
+  </dgm:styleLbl>
+  <dgm:styleLbl name="dkBgShp">
+    <dgm:fillClrLst meth="repeat">
+      <a:schemeClr val="accent1">
+        <a:shade val="80000"/>
+      </a:schemeClr>
+    </dgm:fillClrLst>
+    <dgm:linClrLst meth="repeat">
+      <a:schemeClr val="accent1"/>
+    </dgm:linClrLst>
+    <dgm:effectClrLst/>
+    <dgm:txLinClrLst/>
+    <dgm:txFillClrLst meth="repeat">
+      <a:schemeClr val="lt1"/>
+    </dgm:txFillClrLst>
+    <dgm:txEffectClrLst/>
+  </dgm:styleLbl>
+  <dgm:styleLbl name="trBgShp">
+    <dgm:fillClrLst meth="repeat">
+      <a:schemeClr val="accent1">
+        <a:tint val="50000"/>
+        <a:alpha val="40000"/>
+      </a:schemeClr>
+    </dgm:fillClrLst>
+    <dgm:linClrLst meth="repeat">
+      <a:schemeClr val="accent1"/>
+    </dgm:linClrLst>
+    <dgm:effectClrLst/>
+    <dgm:txLinClrLst/>
+    <dgm:txFillClrLst meth="repeat">
+      <a:schemeClr val="lt1"/>
+    </dgm:txFillClrLst>
+    <dgm:txEffectClrLst/>
+  </dgm:styleLbl>
+  <dgm:styleLbl name="fgShp">
+    <dgm:fillClrLst meth="repeat">
+      <a:schemeClr val="accent1">
+        <a:tint val="60000"/>
+      </a:schemeClr>
+    </dgm:fillClrLst>
+    <dgm:linClrLst meth="repeat">
+      <a:schemeClr val="lt1"/>
+    </dgm:linClrLst>
+    <dgm:effectClrLst/>
+    <dgm:txLinClrLst/>
+    <dgm:txFillClrLst meth="repeat">
+      <a:schemeClr val="dk1"/>
+    </dgm:txFillClrLst>
+    <dgm:txEffectClrLst/>
+  </dgm:styleLbl>
+  <dgm:styleLbl name="revTx">
+    <dgm:fillClrLst meth="repeat">
+      <a:schemeClr val="lt1">
+        <a:alpha val="0"/>
+      </a:schemeClr>
+    </dgm:fillClrLst>
+    <dgm:linClrLst meth="repeat">
+      <a:schemeClr val="dk1">
+        <a:alpha val="0"/>
+      </a:schemeClr>
+    </dgm:linClrLst>
+    <dgm:effectClrLst/>
+    <dgm:txLinClrLst/>
+    <dgm:txFillClrLst meth="repeat">
+      <a:schemeClr val="tx1"/>
+    </dgm:txFillClrLst>
+    <dgm:txEffectClrLst/>
+  </dgm:styleLbl>
+</dgm:colorsDef>
+</file>
+
+<file path=ppt/diagrams/colors2.xml><?xml version="1.0" encoding="utf-8"?>
 <dgm:colorsDef xmlns:dgm="http://schemas.openxmlformats.org/drawingml/2006/diagram" xmlns:a="http://schemas.openxmlformats.org/drawingml/2006/main" uniqueId="urn:microsoft.com/office/officeart/2005/8/colors/accent1_2">
   <dgm:title val=""/>
   <dgm:desc val=""/>
@@ -21315,7 +24375,7 @@
         <a:lstStyle/>
         <a:p>
           <a:r>
-            <a:rPr lang="zh-CN" altLang="en-US" b="1">
+            <a:rPr lang="zh-CN" altLang="en-US" b="1" dirty="0">
               <a:solidFill>
                 <a:srgbClr val="24292E"/>
               </a:solidFill>
@@ -21640,6 +24700,13 @@
         </dgm:presLayoutVars>
       </dgm:prSet>
       <dgm:spPr/>
+      <dgm:t>
+        <a:bodyPr/>
+        <a:lstStyle/>
+        <a:p>
+          <a:endParaRPr lang="zh-CN" altLang="en-US"/>
+        </a:p>
+      </dgm:t>
     </dgm:pt>
     <dgm:pt modelId="{22C77410-99BA-40FD-81C6-45EA34713AE7}" type="pres">
       <dgm:prSet presAssocID="{3A24F4D0-C90C-40D7-B2BE-116725F6C929}" presName="composite" presStyleCnt="0"/>
@@ -21654,6 +24721,13 @@
         </dgm:presLayoutVars>
       </dgm:prSet>
       <dgm:spPr/>
+      <dgm:t>
+        <a:bodyPr/>
+        <a:lstStyle/>
+        <a:p>
+          <a:endParaRPr lang="zh-CN" altLang="en-US"/>
+        </a:p>
+      </dgm:t>
     </dgm:pt>
     <dgm:pt modelId="{C40393F6-3CC3-4B3E-8987-36F5088487B8}" type="pres">
       <dgm:prSet presAssocID="{3A24F4D0-C90C-40D7-B2BE-116725F6C929}" presName="desTx" presStyleLbl="alignAccFollowNode1" presStyleIdx="0" presStyleCnt="3">
@@ -21662,6 +24736,13 @@
         </dgm:presLayoutVars>
       </dgm:prSet>
       <dgm:spPr/>
+      <dgm:t>
+        <a:bodyPr/>
+        <a:lstStyle/>
+        <a:p>
+          <a:endParaRPr lang="zh-CN" altLang="en-US"/>
+        </a:p>
+      </dgm:t>
     </dgm:pt>
     <dgm:pt modelId="{77A0E466-DCDE-4864-B2A9-018BD83CDBBC}" type="pres">
       <dgm:prSet presAssocID="{B02572E0-2686-4EAA-A534-7589BFE4DCEB}" presName="space" presStyleCnt="0"/>
@@ -21680,6 +24761,13 @@
         </dgm:presLayoutVars>
       </dgm:prSet>
       <dgm:spPr/>
+      <dgm:t>
+        <a:bodyPr/>
+        <a:lstStyle/>
+        <a:p>
+          <a:endParaRPr lang="zh-CN" altLang="en-US"/>
+        </a:p>
+      </dgm:t>
     </dgm:pt>
     <dgm:pt modelId="{F98F2791-80F1-46FA-AE54-4D663A754F05}" type="pres">
       <dgm:prSet presAssocID="{5BCB6FB9-F5E1-47ED-931E-7213FC8A1F9E}" presName="desTx" presStyleLbl="alignAccFollowNode1" presStyleIdx="1" presStyleCnt="3">
@@ -21688,6 +24776,13 @@
         </dgm:presLayoutVars>
       </dgm:prSet>
       <dgm:spPr/>
+      <dgm:t>
+        <a:bodyPr/>
+        <a:lstStyle/>
+        <a:p>
+          <a:endParaRPr lang="zh-CN" altLang="en-US"/>
+        </a:p>
+      </dgm:t>
     </dgm:pt>
     <dgm:pt modelId="{B82612B3-747A-4055-BAD5-FDD3AB316626}" type="pres">
       <dgm:prSet presAssocID="{D815A892-D225-460A-9A79-F2445039B7DA}" presName="space" presStyleCnt="0"/>
@@ -21706,6 +24801,13 @@
         </dgm:presLayoutVars>
       </dgm:prSet>
       <dgm:spPr/>
+      <dgm:t>
+        <a:bodyPr/>
+        <a:lstStyle/>
+        <a:p>
+          <a:endParaRPr lang="zh-CN" altLang="en-US"/>
+        </a:p>
+      </dgm:t>
     </dgm:pt>
     <dgm:pt modelId="{0567FCEA-70B7-4B95-BE00-6283F8D413F1}" type="pres">
       <dgm:prSet presAssocID="{6F51FE29-0E65-406A-98D0-FBEDAD1AE89B}" presName="desTx" presStyleLbl="alignAccFollowNode1" presStyleIdx="2" presStyleCnt="3">
@@ -21714,26 +24816,556 @@
         </dgm:presLayoutVars>
       </dgm:prSet>
       <dgm:spPr/>
+      <dgm:t>
+        <a:bodyPr/>
+        <a:lstStyle/>
+        <a:p>
+          <a:endParaRPr lang="zh-CN" altLang="en-US"/>
+        </a:p>
+      </dgm:t>
     </dgm:pt>
   </dgm:ptLst>
   <dgm:cxnLst>
+    <dgm:cxn modelId="{0A5B2A0F-A5E9-4009-8FA8-F4496382B35B}" type="presOf" srcId="{DE4D7A17-67AA-4195-8838-98B675991208}" destId="{0567FCEA-70B7-4B95-BE00-6283F8D413F1}" srcOrd="0" destOrd="0" presId="urn:microsoft.com/office/officeart/2005/8/layout/hList1"/>
     <dgm:cxn modelId="{3CFFBD0B-B109-4C14-A03C-53972812B79C}" srcId="{4B136C25-3FDA-4BAF-BD75-FEA552023AA4}" destId="{5BCB6FB9-F5E1-47ED-931E-7213FC8A1F9E}" srcOrd="1" destOrd="0" parTransId="{D91CE702-9E13-46A7-AF55-09B2F64B11E4}" sibTransId="{D815A892-D225-460A-9A79-F2445039B7DA}"/>
+    <dgm:cxn modelId="{279126C6-B690-406A-843C-64A1A11F7202}" srcId="{4B136C25-3FDA-4BAF-BD75-FEA552023AA4}" destId="{6F51FE29-0E65-406A-98D0-FBEDAD1AE89B}" srcOrd="2" destOrd="0" parTransId="{4D5297AD-E5D5-40FA-90C1-8E3E17B98EEC}" sibTransId="{0DEDA54F-8B58-4153-B1F7-2AAB5BEDEF98}"/>
+    <dgm:cxn modelId="{7E8E163A-7F53-4435-B69B-6C5FBE21BB53}" type="presOf" srcId="{3A24F4D0-C90C-40D7-B2BE-116725F6C929}" destId="{9031E70F-5A69-4932-9E4D-1CE32CADF1C0}" srcOrd="0" destOrd="0" presId="urn:microsoft.com/office/officeart/2005/8/layout/hList1"/>
+    <dgm:cxn modelId="{1493DF6C-6293-41B6-BE05-DF5291EB74D0}" type="presOf" srcId="{14B14819-193B-4172-9C7B-48F8E42D8E0C}" destId="{F98F2791-80F1-46FA-AE54-4D663A754F05}" srcOrd="0" destOrd="0" presId="urn:microsoft.com/office/officeart/2005/8/layout/hList1"/>
+    <dgm:cxn modelId="{332BBC98-7605-4B69-886B-EBC3D3952C83}" type="presOf" srcId="{9A95E106-BFAF-44EF-B9CD-093A9562FCE1}" destId="{C40393F6-3CC3-4B3E-8987-36F5088487B8}" srcOrd="0" destOrd="0" presId="urn:microsoft.com/office/officeart/2005/8/layout/hList1"/>
+    <dgm:cxn modelId="{D930507E-7C60-4AB6-AC74-A8DEF3A574C1}" srcId="{3A24F4D0-C90C-40D7-B2BE-116725F6C929}" destId="{1E479C64-B541-4D00-8E52-4813085A4710}" srcOrd="1" destOrd="0" parTransId="{939DF8B6-B92B-4DBB-85E2-CFED37958633}" sibTransId="{0C9216AD-1BB0-49CB-8D71-03215B65BB6D}"/>
+    <dgm:cxn modelId="{B146748A-F43D-46CF-92F1-6976EAA161F2}" type="presOf" srcId="{A5D7CECA-6E80-4C24-A46F-673A8A49A5BD}" destId="{C40393F6-3CC3-4B3E-8987-36F5088487B8}" srcOrd="0" destOrd="2" presId="urn:microsoft.com/office/officeart/2005/8/layout/hList1"/>
     <dgm:cxn modelId="{A357BA0D-A520-437A-B75E-A73BD79D299E}" type="presOf" srcId="{1E479C64-B541-4D00-8E52-4813085A4710}" destId="{C40393F6-3CC3-4B3E-8987-36F5088487B8}" srcOrd="0" destOrd="1" presId="urn:microsoft.com/office/officeart/2005/8/layout/hList1"/>
-    <dgm:cxn modelId="{0A5B2A0F-A5E9-4009-8FA8-F4496382B35B}" type="presOf" srcId="{DE4D7A17-67AA-4195-8838-98B675991208}" destId="{0567FCEA-70B7-4B95-BE00-6283F8D413F1}" srcOrd="0" destOrd="0" presId="urn:microsoft.com/office/officeart/2005/8/layout/hList1"/>
+    <dgm:cxn modelId="{1A26D196-EE2B-42EC-B0F9-94ECD62DF478}" srcId="{6F51FE29-0E65-406A-98D0-FBEDAD1AE89B}" destId="{DE4D7A17-67AA-4195-8838-98B675991208}" srcOrd="0" destOrd="0" parTransId="{28E848F1-2589-4C45-8CC7-CBEFEA40DEC9}" sibTransId="{7452DA4C-1265-4DEC-BE8D-769BE3490C09}"/>
+    <dgm:cxn modelId="{0A225EC7-1BAD-481F-88F1-4703ED8A78C9}" srcId="{3A24F4D0-C90C-40D7-B2BE-116725F6C929}" destId="{9A95E106-BFAF-44EF-B9CD-093A9562FCE1}" srcOrd="0" destOrd="0" parTransId="{4BA22DD3-9E24-4FAC-B3DF-87A782A39A7A}" sibTransId="{5E52C7A3-7717-4259-807C-4ED737245634}"/>
+    <dgm:cxn modelId="{18BE5B72-96BB-4D43-B928-03C86359BFBD}" srcId="{5BCB6FB9-F5E1-47ED-931E-7213FC8A1F9E}" destId="{14B14819-193B-4172-9C7B-48F8E42D8E0C}" srcOrd="0" destOrd="0" parTransId="{45FDCB0D-2173-4E7F-8453-6941A47EFB68}" sibTransId="{C745D886-2E73-43CA-B400-3D43FE69E655}"/>
     <dgm:cxn modelId="{75209510-EE3A-478F-B8D3-6F7281D32DC9}" type="presOf" srcId="{4B136C25-3FDA-4BAF-BD75-FEA552023AA4}" destId="{FE6B0337-321F-4BD2-A720-2259508F15E8}" srcOrd="0" destOrd="0" presId="urn:microsoft.com/office/officeart/2005/8/layout/hList1"/>
-    <dgm:cxn modelId="{7E8E163A-7F53-4435-B69B-6C5FBE21BB53}" type="presOf" srcId="{3A24F4D0-C90C-40D7-B2BE-116725F6C929}" destId="{9031E70F-5A69-4932-9E4D-1CE32CADF1C0}" srcOrd="0" destOrd="0" presId="urn:microsoft.com/office/officeart/2005/8/layout/hList1"/>
+    <dgm:cxn modelId="{091F1AF6-E2A7-4E7C-B62C-8820F3B3B411}" srcId="{4B136C25-3FDA-4BAF-BD75-FEA552023AA4}" destId="{3A24F4D0-C90C-40D7-B2BE-116725F6C929}" srcOrd="0" destOrd="0" parTransId="{1B048B34-BE34-4BB0-B7A2-B325F0AB11D7}" sibTransId="{B02572E0-2686-4EAA-A534-7589BFE4DCEB}"/>
+    <dgm:cxn modelId="{E73C3FB4-A2C0-4292-8141-EB5686D6BA04}" srcId="{3A24F4D0-C90C-40D7-B2BE-116725F6C929}" destId="{A5D7CECA-6E80-4C24-A46F-673A8A49A5BD}" srcOrd="2" destOrd="0" parTransId="{EFC654F1-9BA6-4054-8BCD-707702D1D1CD}" sibTransId="{8AA8DA39-44C0-46A2-A832-24300E05F7C8}"/>
     <dgm:cxn modelId="{1FCFE960-89C9-4599-BB91-5798F4BB0B2B}" type="presOf" srcId="{5BCB6FB9-F5E1-47ED-931E-7213FC8A1F9E}" destId="{1248B100-2497-4EC2-86F4-5FEB0544A5FC}" srcOrd="0" destOrd="0" presId="urn:microsoft.com/office/officeart/2005/8/layout/hList1"/>
     <dgm:cxn modelId="{A4FC6548-E1DD-4DFA-952B-D61B9269D201}" type="presOf" srcId="{6F51FE29-0E65-406A-98D0-FBEDAD1AE89B}" destId="{D130DEE8-81E4-403D-9E31-3B7C089AEA7D}" srcOrd="0" destOrd="0" presId="urn:microsoft.com/office/officeart/2005/8/layout/hList1"/>
+    <dgm:cxn modelId="{FD971317-B656-4AC3-A233-3B3B7181F7E5}" type="presParOf" srcId="{FE6B0337-321F-4BD2-A720-2259508F15E8}" destId="{22C77410-99BA-40FD-81C6-45EA34713AE7}" srcOrd="0" destOrd="0" presId="urn:microsoft.com/office/officeart/2005/8/layout/hList1"/>
+    <dgm:cxn modelId="{3809E8D9-BB71-4E94-9B00-8EF842F14D10}" type="presParOf" srcId="{22C77410-99BA-40FD-81C6-45EA34713AE7}" destId="{9031E70F-5A69-4932-9E4D-1CE32CADF1C0}" srcOrd="0" destOrd="0" presId="urn:microsoft.com/office/officeart/2005/8/layout/hList1"/>
+    <dgm:cxn modelId="{44977918-B10F-4C3D-883F-A4CEFD330CF7}" type="presParOf" srcId="{22C77410-99BA-40FD-81C6-45EA34713AE7}" destId="{C40393F6-3CC3-4B3E-8987-36F5088487B8}" srcOrd="1" destOrd="0" presId="urn:microsoft.com/office/officeart/2005/8/layout/hList1"/>
+    <dgm:cxn modelId="{8233FAEF-CDC3-475C-86E2-97AC58CAE1DE}" type="presParOf" srcId="{FE6B0337-321F-4BD2-A720-2259508F15E8}" destId="{77A0E466-DCDE-4864-B2A9-018BD83CDBBC}" srcOrd="1" destOrd="0" presId="urn:microsoft.com/office/officeart/2005/8/layout/hList1"/>
+    <dgm:cxn modelId="{A1FAE4F0-0A7C-4018-BF64-1A993103CCFE}" type="presParOf" srcId="{FE6B0337-321F-4BD2-A720-2259508F15E8}" destId="{390F3339-0BEC-488A-84AB-29AB223F11CB}" srcOrd="2" destOrd="0" presId="urn:microsoft.com/office/officeart/2005/8/layout/hList1"/>
+    <dgm:cxn modelId="{A766D038-BC3A-4FB9-992C-D8D26937DB5D}" type="presParOf" srcId="{390F3339-0BEC-488A-84AB-29AB223F11CB}" destId="{1248B100-2497-4EC2-86F4-5FEB0544A5FC}" srcOrd="0" destOrd="0" presId="urn:microsoft.com/office/officeart/2005/8/layout/hList1"/>
+    <dgm:cxn modelId="{EAEDA2B0-F162-49CA-8B28-8A6405B77157}" type="presParOf" srcId="{390F3339-0BEC-488A-84AB-29AB223F11CB}" destId="{F98F2791-80F1-46FA-AE54-4D663A754F05}" srcOrd="1" destOrd="0" presId="urn:microsoft.com/office/officeart/2005/8/layout/hList1"/>
+    <dgm:cxn modelId="{135C434B-1BC9-462A-BB01-C83B699ACC18}" type="presParOf" srcId="{FE6B0337-321F-4BD2-A720-2259508F15E8}" destId="{B82612B3-747A-4055-BAD5-FDD3AB316626}" srcOrd="3" destOrd="0" presId="urn:microsoft.com/office/officeart/2005/8/layout/hList1"/>
+    <dgm:cxn modelId="{96C2F0CB-DE60-4413-8AD1-D57FBF440613}" type="presParOf" srcId="{FE6B0337-321F-4BD2-A720-2259508F15E8}" destId="{BA9BA257-9CB3-404C-9B69-99CD7B6CCA9D}" srcOrd="4" destOrd="0" presId="urn:microsoft.com/office/officeart/2005/8/layout/hList1"/>
+    <dgm:cxn modelId="{1903CDC3-1ABE-46EA-A5DC-B08E15943AB9}" type="presParOf" srcId="{BA9BA257-9CB3-404C-9B69-99CD7B6CCA9D}" destId="{D130DEE8-81E4-403D-9E31-3B7C089AEA7D}" srcOrd="0" destOrd="0" presId="urn:microsoft.com/office/officeart/2005/8/layout/hList1"/>
+    <dgm:cxn modelId="{E113CAF3-4954-4B16-B0D2-3AFC09964CC5}" type="presParOf" srcId="{BA9BA257-9CB3-404C-9B69-99CD7B6CCA9D}" destId="{0567FCEA-70B7-4B95-BE00-6283F8D413F1}" srcOrd="1" destOrd="0" presId="urn:microsoft.com/office/officeart/2005/8/layout/hList1"/>
+  </dgm:cxnLst>
+  <dgm:bg/>
+  <dgm:whole/>
+  <dgm:extLst>
+    <a:ext uri="http://schemas.microsoft.com/office/drawing/2008/diagram">
+      <dsp:dataModelExt xmlns:dsp="http://schemas.microsoft.com/office/drawing/2008/diagram" relId="rId7" minVer="http://schemas.openxmlformats.org/drawingml/2006/diagram"/>
+    </a:ext>
+  </dgm:extLst>
+</dgm:dataModel>
+</file>
+
+<file path=ppt/diagrams/data2.xml><?xml version="1.0" encoding="utf-8"?>
+<dgm:dataModel xmlns:dgm="http://schemas.openxmlformats.org/drawingml/2006/diagram" xmlns:a="http://schemas.openxmlformats.org/drawingml/2006/main">
+  <dgm:ptLst>
+    <dgm:pt modelId="{4B136C25-3FDA-4BAF-BD75-FEA552023AA4}" type="doc">
+      <dgm:prSet loTypeId="urn:microsoft.com/office/officeart/2005/8/layout/hList1" loCatId="list" qsTypeId="urn:microsoft.com/office/officeart/2005/8/quickstyle/simple1" qsCatId="simple" csTypeId="urn:microsoft.com/office/officeart/2005/8/colors/accent1_2" csCatId="accent1" phldr="1"/>
+      <dgm:spPr/>
+      <dgm:t>
+        <a:bodyPr/>
+        <a:lstStyle/>
+        <a:p>
+          <a:endParaRPr lang="zh-CN" altLang="en-US"/>
+        </a:p>
+      </dgm:t>
+    </dgm:pt>
+    <dgm:pt modelId="{3A24F4D0-C90C-40D7-B2BE-116725F6C929}">
+      <dgm:prSet phldrT="[文本]"/>
+      <dgm:spPr/>
+      <dgm:t>
+        <a:bodyPr/>
+        <a:lstStyle/>
+        <a:p>
+          <a:r>
+            <a:rPr lang="zh-CN" altLang="en-US" b="1" dirty="0">
+              <a:solidFill>
+                <a:srgbClr val="24292E"/>
+              </a:solidFill>
+              <a:latin typeface="-apple-system"/>
+            </a:rPr>
+            <a:t>特征工程</a:t>
+          </a:r>
+          <a:endParaRPr lang="zh-CN" altLang="en-US" dirty="0"/>
+        </a:p>
+      </dgm:t>
+    </dgm:pt>
+    <dgm:pt modelId="{1B048B34-BE34-4BB0-B7A2-B325F0AB11D7}" type="parTrans" cxnId="{091F1AF6-E2A7-4E7C-B62C-8820F3B3B411}">
+      <dgm:prSet/>
+      <dgm:spPr/>
+      <dgm:t>
+        <a:bodyPr/>
+        <a:lstStyle/>
+        <a:p>
+          <a:endParaRPr lang="zh-CN" altLang="en-US"/>
+        </a:p>
+      </dgm:t>
+    </dgm:pt>
+    <dgm:pt modelId="{B02572E0-2686-4EAA-A534-7589BFE4DCEB}" type="sibTrans" cxnId="{091F1AF6-E2A7-4E7C-B62C-8820F3B3B411}">
+      <dgm:prSet/>
+      <dgm:spPr/>
+      <dgm:t>
+        <a:bodyPr/>
+        <a:lstStyle/>
+        <a:p>
+          <a:endParaRPr lang="zh-CN" altLang="en-US"/>
+        </a:p>
+      </dgm:t>
+    </dgm:pt>
+    <dgm:pt modelId="{9A95E106-BFAF-44EF-B9CD-093A9562FCE1}">
+      <dgm:prSet phldrT="[文本]" custT="1"/>
+      <dgm:spPr/>
+      <dgm:t>
+        <a:bodyPr/>
+        <a:lstStyle/>
+        <a:p>
+          <a:r>
+            <a:rPr lang="zh-CN" altLang="en-US" sz="2800" b="1" i="0" dirty="0"/>
+            <a:t>数据清洗</a:t>
+          </a:r>
+          <a:endParaRPr lang="zh-CN" altLang="en-US" sz="3700" b="1" dirty="0"/>
+        </a:p>
+      </dgm:t>
+    </dgm:pt>
+    <dgm:pt modelId="{5E52C7A3-7717-4259-807C-4ED737245634}" type="sibTrans" cxnId="{0A225EC7-1BAD-481F-88F1-4703ED8A78C9}">
+      <dgm:prSet/>
+      <dgm:spPr/>
+      <dgm:t>
+        <a:bodyPr/>
+        <a:lstStyle/>
+        <a:p>
+          <a:endParaRPr lang="zh-CN" altLang="en-US"/>
+        </a:p>
+      </dgm:t>
+    </dgm:pt>
+    <dgm:pt modelId="{4BA22DD3-9E24-4FAC-B3DF-87A782A39A7A}" type="parTrans" cxnId="{0A225EC7-1BAD-481F-88F1-4703ED8A78C9}">
+      <dgm:prSet/>
+      <dgm:spPr/>
+      <dgm:t>
+        <a:bodyPr/>
+        <a:lstStyle/>
+        <a:p>
+          <a:endParaRPr lang="zh-CN" altLang="en-US"/>
+        </a:p>
+      </dgm:t>
+    </dgm:pt>
+    <dgm:pt modelId="{5BCB6FB9-F5E1-47ED-931E-7213FC8A1F9E}">
+      <dgm:prSet phldrT="[文本]"/>
+      <dgm:spPr/>
+      <dgm:t>
+        <a:bodyPr/>
+        <a:lstStyle/>
+        <a:p>
+          <a:r>
+            <a:rPr lang="zh-CN" altLang="en-US" b="1" dirty="0">
+              <a:solidFill>
+                <a:srgbClr val="24292E"/>
+              </a:solidFill>
+              <a:latin typeface="-apple-system"/>
+            </a:rPr>
+            <a:t>模型设计</a:t>
+          </a:r>
+          <a:endParaRPr lang="zh-CN" altLang="en-US" dirty="0"/>
+        </a:p>
+      </dgm:t>
+    </dgm:pt>
+    <dgm:pt modelId="{D815A892-D225-460A-9A79-F2445039B7DA}" type="sibTrans" cxnId="{3CFFBD0B-B109-4C14-A03C-53972812B79C}">
+      <dgm:prSet/>
+      <dgm:spPr/>
+      <dgm:t>
+        <a:bodyPr/>
+        <a:lstStyle/>
+        <a:p>
+          <a:endParaRPr lang="zh-CN" altLang="en-US"/>
+        </a:p>
+      </dgm:t>
+    </dgm:pt>
+    <dgm:pt modelId="{D91CE702-9E13-46A7-AF55-09B2F64B11E4}" type="parTrans" cxnId="{3CFFBD0B-B109-4C14-A03C-53972812B79C}">
+      <dgm:prSet/>
+      <dgm:spPr/>
+      <dgm:t>
+        <a:bodyPr/>
+        <a:lstStyle/>
+        <a:p>
+          <a:endParaRPr lang="zh-CN" altLang="en-US"/>
+        </a:p>
+      </dgm:t>
+    </dgm:pt>
+    <dgm:pt modelId="{14B14819-193B-4172-9C7B-48F8E42D8E0C}">
+      <dgm:prSet phldrT="[文本]" custT="1"/>
+      <dgm:spPr/>
+      <dgm:t>
+        <a:bodyPr/>
+        <a:lstStyle/>
+        <a:p>
+          <a:r>
+            <a:rPr lang="zh-CN" altLang="en-US" sz="2800" b="1" dirty="0" smtClean="0"/>
+            <a:t>分层</a:t>
+          </a:r>
+          <a:r>
+            <a:rPr lang="en-US" altLang="zh-CN" sz="2800" b="1" dirty="0" smtClean="0"/>
+            <a:t>GBDT</a:t>
+          </a:r>
+          <a:r>
+            <a:rPr lang="zh-CN" altLang="en-US" sz="2800" b="1" dirty="0" smtClean="0"/>
+            <a:t>模型</a:t>
+          </a:r>
+          <a:endParaRPr lang="zh-CN" altLang="en-US" sz="2800" b="1" dirty="0"/>
+        </a:p>
+      </dgm:t>
+    </dgm:pt>
+    <dgm:pt modelId="{C745D886-2E73-43CA-B400-3D43FE69E655}" type="sibTrans" cxnId="{18BE5B72-96BB-4D43-B928-03C86359BFBD}">
+      <dgm:prSet/>
+      <dgm:spPr/>
+      <dgm:t>
+        <a:bodyPr/>
+        <a:lstStyle/>
+        <a:p>
+          <a:endParaRPr lang="zh-CN" altLang="en-US"/>
+        </a:p>
+      </dgm:t>
+    </dgm:pt>
+    <dgm:pt modelId="{45FDCB0D-2173-4E7F-8453-6941A47EFB68}" type="parTrans" cxnId="{18BE5B72-96BB-4D43-B928-03C86359BFBD}">
+      <dgm:prSet/>
+      <dgm:spPr/>
+      <dgm:t>
+        <a:bodyPr/>
+        <a:lstStyle/>
+        <a:p>
+          <a:endParaRPr lang="zh-CN" altLang="en-US"/>
+        </a:p>
+      </dgm:t>
+    </dgm:pt>
+    <dgm:pt modelId="{6F51FE29-0E65-406A-98D0-FBEDAD1AE89B}">
+      <dgm:prSet phldrT="[文本]"/>
+      <dgm:spPr/>
+      <dgm:t>
+        <a:bodyPr/>
+        <a:lstStyle/>
+        <a:p>
+          <a:r>
+            <a:rPr lang="zh-CN" altLang="en-US" b="1" dirty="0">
+              <a:solidFill>
+                <a:srgbClr val="24292E"/>
+              </a:solidFill>
+              <a:latin typeface="-apple-system"/>
+            </a:rPr>
+            <a:t>模型融合</a:t>
+          </a:r>
+          <a:endParaRPr lang="zh-CN" altLang="en-US" dirty="0"/>
+        </a:p>
+      </dgm:t>
+    </dgm:pt>
+    <dgm:pt modelId="{0DEDA54F-8B58-4153-B1F7-2AAB5BEDEF98}" type="sibTrans" cxnId="{279126C6-B690-406A-843C-64A1A11F7202}">
+      <dgm:prSet/>
+      <dgm:spPr/>
+      <dgm:t>
+        <a:bodyPr/>
+        <a:lstStyle/>
+        <a:p>
+          <a:endParaRPr lang="zh-CN" altLang="en-US"/>
+        </a:p>
+      </dgm:t>
+    </dgm:pt>
+    <dgm:pt modelId="{4D5297AD-E5D5-40FA-90C1-8E3E17B98EEC}" type="parTrans" cxnId="{279126C6-B690-406A-843C-64A1A11F7202}">
+      <dgm:prSet/>
+      <dgm:spPr/>
+      <dgm:t>
+        <a:bodyPr/>
+        <a:lstStyle/>
+        <a:p>
+          <a:endParaRPr lang="zh-CN" altLang="en-US"/>
+        </a:p>
+      </dgm:t>
+    </dgm:pt>
+    <dgm:pt modelId="{DE4D7A17-67AA-4195-8838-98B675991208}">
+      <dgm:prSet phldrT="[文本]" custT="1"/>
+      <dgm:spPr/>
+      <dgm:t>
+        <a:bodyPr/>
+        <a:lstStyle/>
+        <a:p>
+          <a:r>
+            <a:rPr lang="en-US" altLang="zh-CN" sz="2800" b="1" dirty="0" err="1" smtClean="0"/>
+            <a:t>Arima</a:t>
+          </a:r>
+          <a:r>
+            <a:rPr lang="zh-CN" altLang="en-US" sz="2800" b="1" dirty="0" smtClean="0"/>
+            <a:t>与</a:t>
+          </a:r>
+          <a:r>
+            <a:rPr lang="en-US" altLang="zh-CN" sz="2800" b="1" dirty="0" smtClean="0"/>
+            <a:t>PS-SMART</a:t>
+          </a:r>
+          <a:r>
+            <a:rPr lang="zh-CN" altLang="en-US" sz="2800" b="1" dirty="0" smtClean="0"/>
+            <a:t>与</a:t>
+          </a:r>
+          <a:r>
+            <a:rPr lang="en-US" altLang="zh-CN" sz="2800" b="1" dirty="0" smtClean="0"/>
+            <a:t>GBDT</a:t>
+          </a:r>
+          <a:endParaRPr lang="zh-CN" altLang="en-US" sz="2800" b="1" dirty="0"/>
+        </a:p>
+      </dgm:t>
+    </dgm:pt>
+    <dgm:pt modelId="{7452DA4C-1265-4DEC-BE8D-769BE3490C09}" type="sibTrans" cxnId="{1A26D196-EE2B-42EC-B0F9-94ECD62DF478}">
+      <dgm:prSet/>
+      <dgm:spPr/>
+      <dgm:t>
+        <a:bodyPr/>
+        <a:lstStyle/>
+        <a:p>
+          <a:endParaRPr lang="zh-CN" altLang="en-US"/>
+        </a:p>
+      </dgm:t>
+    </dgm:pt>
+    <dgm:pt modelId="{28E848F1-2589-4C45-8CC7-CBEFEA40DEC9}" type="parTrans" cxnId="{1A26D196-EE2B-42EC-B0F9-94ECD62DF478}">
+      <dgm:prSet/>
+      <dgm:spPr/>
+      <dgm:t>
+        <a:bodyPr/>
+        <a:lstStyle/>
+        <a:p>
+          <a:endParaRPr lang="zh-CN" altLang="en-US"/>
+        </a:p>
+      </dgm:t>
+    </dgm:pt>
+    <dgm:pt modelId="{A5D7CECA-6E80-4C24-A46F-673A8A49A5BD}">
+      <dgm:prSet phldrT="[文本]" custT="1"/>
+      <dgm:spPr/>
+      <dgm:t>
+        <a:bodyPr/>
+        <a:lstStyle/>
+        <a:p>
+          <a:r>
+            <a:rPr lang="zh-CN" altLang="en-US" sz="2800" b="1" i="0" dirty="0"/>
+            <a:t>特征提取</a:t>
+          </a:r>
+          <a:endParaRPr lang="zh-CN" altLang="en-US" sz="2800" b="1" dirty="0"/>
+        </a:p>
+      </dgm:t>
+    </dgm:pt>
+    <dgm:pt modelId="{EFC654F1-9BA6-4054-8BCD-707702D1D1CD}" type="parTrans" cxnId="{E73C3FB4-A2C0-4292-8141-EB5686D6BA04}">
+      <dgm:prSet/>
+      <dgm:spPr/>
+      <dgm:t>
+        <a:bodyPr/>
+        <a:lstStyle/>
+        <a:p>
+          <a:endParaRPr lang="zh-CN" altLang="en-US"/>
+        </a:p>
+      </dgm:t>
+    </dgm:pt>
+    <dgm:pt modelId="{8AA8DA39-44C0-46A2-A832-24300E05F7C8}" type="sibTrans" cxnId="{E73C3FB4-A2C0-4292-8141-EB5686D6BA04}">
+      <dgm:prSet/>
+      <dgm:spPr/>
+      <dgm:t>
+        <a:bodyPr/>
+        <a:lstStyle/>
+        <a:p>
+          <a:endParaRPr lang="zh-CN" altLang="en-US"/>
+        </a:p>
+      </dgm:t>
+    </dgm:pt>
+    <dgm:pt modelId="{8F2743A0-153D-4A76-89CB-55B9EC51A310}">
+      <dgm:prSet phldrT="[文本]" custT="1"/>
+      <dgm:spPr/>
+      <dgm:t>
+        <a:bodyPr/>
+        <a:lstStyle/>
+        <a:p>
+          <a:r>
+            <a:rPr lang="zh-CN" altLang="en-US" sz="2800" b="1" i="0" dirty="0" smtClean="0"/>
+            <a:t>异常值填充</a:t>
+          </a:r>
+          <a:endParaRPr lang="zh-CN" altLang="en-US" sz="2800" b="1" i="0" dirty="0"/>
+        </a:p>
+      </dgm:t>
+    </dgm:pt>
+    <dgm:pt modelId="{7C9D4D60-1855-4693-B246-DD6276859BE9}" type="parTrans" cxnId="{4B2D98D8-D83C-4D4E-96AD-F2D7F79C32E4}">
+      <dgm:prSet/>
+      <dgm:spPr/>
+      <dgm:t>
+        <a:bodyPr/>
+        <a:lstStyle/>
+        <a:p>
+          <a:endParaRPr lang="zh-CN" altLang="en-US"/>
+        </a:p>
+      </dgm:t>
+    </dgm:pt>
+    <dgm:pt modelId="{DD74EF97-FF0C-41C2-9F0D-F0CB8F19162B}" type="sibTrans" cxnId="{4B2D98D8-D83C-4D4E-96AD-F2D7F79C32E4}">
+      <dgm:prSet/>
+      <dgm:spPr/>
+      <dgm:t>
+        <a:bodyPr/>
+        <a:lstStyle/>
+        <a:p>
+          <a:endParaRPr lang="zh-CN" altLang="en-US"/>
+        </a:p>
+      </dgm:t>
+    </dgm:pt>
+    <dgm:pt modelId="{FE6B0337-321F-4BD2-A720-2259508F15E8}" type="pres">
+      <dgm:prSet presAssocID="{4B136C25-3FDA-4BAF-BD75-FEA552023AA4}" presName="Name0" presStyleCnt="0">
+        <dgm:presLayoutVars>
+          <dgm:dir/>
+          <dgm:animLvl val="lvl"/>
+          <dgm:resizeHandles val="exact"/>
+        </dgm:presLayoutVars>
+      </dgm:prSet>
+      <dgm:spPr/>
+      <dgm:t>
+        <a:bodyPr/>
+        <a:lstStyle/>
+        <a:p>
+          <a:endParaRPr lang="zh-CN" altLang="en-US"/>
+        </a:p>
+      </dgm:t>
+    </dgm:pt>
+    <dgm:pt modelId="{22C77410-99BA-40FD-81C6-45EA34713AE7}" type="pres">
+      <dgm:prSet presAssocID="{3A24F4D0-C90C-40D7-B2BE-116725F6C929}" presName="composite" presStyleCnt="0"/>
+      <dgm:spPr/>
+    </dgm:pt>
+    <dgm:pt modelId="{9031E70F-5A69-4932-9E4D-1CE32CADF1C0}" type="pres">
+      <dgm:prSet presAssocID="{3A24F4D0-C90C-40D7-B2BE-116725F6C929}" presName="parTx" presStyleLbl="alignNode1" presStyleIdx="0" presStyleCnt="3">
+        <dgm:presLayoutVars>
+          <dgm:chMax val="0"/>
+          <dgm:chPref val="0"/>
+          <dgm:bulletEnabled val="1"/>
+        </dgm:presLayoutVars>
+      </dgm:prSet>
+      <dgm:spPr/>
+      <dgm:t>
+        <a:bodyPr/>
+        <a:lstStyle/>
+        <a:p>
+          <a:endParaRPr lang="zh-CN" altLang="en-US"/>
+        </a:p>
+      </dgm:t>
+    </dgm:pt>
+    <dgm:pt modelId="{C40393F6-3CC3-4B3E-8987-36F5088487B8}" type="pres">
+      <dgm:prSet presAssocID="{3A24F4D0-C90C-40D7-B2BE-116725F6C929}" presName="desTx" presStyleLbl="alignAccFollowNode1" presStyleIdx="0" presStyleCnt="3">
+        <dgm:presLayoutVars>
+          <dgm:bulletEnabled val="1"/>
+        </dgm:presLayoutVars>
+      </dgm:prSet>
+      <dgm:spPr/>
+      <dgm:t>
+        <a:bodyPr/>
+        <a:lstStyle/>
+        <a:p>
+          <a:endParaRPr lang="zh-CN" altLang="en-US"/>
+        </a:p>
+      </dgm:t>
+    </dgm:pt>
+    <dgm:pt modelId="{77A0E466-DCDE-4864-B2A9-018BD83CDBBC}" type="pres">
+      <dgm:prSet presAssocID="{B02572E0-2686-4EAA-A534-7589BFE4DCEB}" presName="space" presStyleCnt="0"/>
+      <dgm:spPr/>
+    </dgm:pt>
+    <dgm:pt modelId="{390F3339-0BEC-488A-84AB-29AB223F11CB}" type="pres">
+      <dgm:prSet presAssocID="{5BCB6FB9-F5E1-47ED-931E-7213FC8A1F9E}" presName="composite" presStyleCnt="0"/>
+      <dgm:spPr/>
+    </dgm:pt>
+    <dgm:pt modelId="{1248B100-2497-4EC2-86F4-5FEB0544A5FC}" type="pres">
+      <dgm:prSet presAssocID="{5BCB6FB9-F5E1-47ED-931E-7213FC8A1F9E}" presName="parTx" presStyleLbl="alignNode1" presStyleIdx="1" presStyleCnt="3">
+        <dgm:presLayoutVars>
+          <dgm:chMax val="0"/>
+          <dgm:chPref val="0"/>
+          <dgm:bulletEnabled val="1"/>
+        </dgm:presLayoutVars>
+      </dgm:prSet>
+      <dgm:spPr/>
+      <dgm:t>
+        <a:bodyPr/>
+        <a:lstStyle/>
+        <a:p>
+          <a:endParaRPr lang="zh-CN" altLang="en-US"/>
+        </a:p>
+      </dgm:t>
+    </dgm:pt>
+    <dgm:pt modelId="{F98F2791-80F1-46FA-AE54-4D663A754F05}" type="pres">
+      <dgm:prSet presAssocID="{5BCB6FB9-F5E1-47ED-931E-7213FC8A1F9E}" presName="desTx" presStyleLbl="alignAccFollowNode1" presStyleIdx="1" presStyleCnt="3">
+        <dgm:presLayoutVars>
+          <dgm:bulletEnabled val="1"/>
+        </dgm:presLayoutVars>
+      </dgm:prSet>
+      <dgm:spPr/>
+      <dgm:t>
+        <a:bodyPr/>
+        <a:lstStyle/>
+        <a:p>
+          <a:endParaRPr lang="zh-CN" altLang="en-US"/>
+        </a:p>
+      </dgm:t>
+    </dgm:pt>
+    <dgm:pt modelId="{B82612B3-747A-4055-BAD5-FDD3AB316626}" type="pres">
+      <dgm:prSet presAssocID="{D815A892-D225-460A-9A79-F2445039B7DA}" presName="space" presStyleCnt="0"/>
+      <dgm:spPr/>
+    </dgm:pt>
+    <dgm:pt modelId="{BA9BA257-9CB3-404C-9B69-99CD7B6CCA9D}" type="pres">
+      <dgm:prSet presAssocID="{6F51FE29-0E65-406A-98D0-FBEDAD1AE89B}" presName="composite" presStyleCnt="0"/>
+      <dgm:spPr/>
+    </dgm:pt>
+    <dgm:pt modelId="{D130DEE8-81E4-403D-9E31-3B7C089AEA7D}" type="pres">
+      <dgm:prSet presAssocID="{6F51FE29-0E65-406A-98D0-FBEDAD1AE89B}" presName="parTx" presStyleLbl="alignNode1" presStyleIdx="2" presStyleCnt="3">
+        <dgm:presLayoutVars>
+          <dgm:chMax val="0"/>
+          <dgm:chPref val="0"/>
+          <dgm:bulletEnabled val="1"/>
+        </dgm:presLayoutVars>
+      </dgm:prSet>
+      <dgm:spPr/>
+      <dgm:t>
+        <a:bodyPr/>
+        <a:lstStyle/>
+        <a:p>
+          <a:endParaRPr lang="zh-CN" altLang="en-US"/>
+        </a:p>
+      </dgm:t>
+    </dgm:pt>
+    <dgm:pt modelId="{0567FCEA-70B7-4B95-BE00-6283F8D413F1}" type="pres">
+      <dgm:prSet presAssocID="{6F51FE29-0E65-406A-98D0-FBEDAD1AE89B}" presName="desTx" presStyleLbl="alignAccFollowNode1" presStyleIdx="2" presStyleCnt="3">
+        <dgm:presLayoutVars>
+          <dgm:bulletEnabled val="1"/>
+        </dgm:presLayoutVars>
+      </dgm:prSet>
+      <dgm:spPr/>
+      <dgm:t>
+        <a:bodyPr/>
+        <a:lstStyle/>
+        <a:p>
+          <a:endParaRPr lang="zh-CN" altLang="en-US"/>
+        </a:p>
+      </dgm:t>
+    </dgm:pt>
+  </dgm:ptLst>
+  <dgm:cxnLst>
+    <dgm:cxn modelId="{0A5B2A0F-A5E9-4009-8FA8-F4496382B35B}" type="presOf" srcId="{DE4D7A17-67AA-4195-8838-98B675991208}" destId="{0567FCEA-70B7-4B95-BE00-6283F8D413F1}" srcOrd="0" destOrd="0" presId="urn:microsoft.com/office/officeart/2005/8/layout/hList1"/>
+    <dgm:cxn modelId="{3CFFBD0B-B109-4C14-A03C-53972812B79C}" srcId="{4B136C25-3FDA-4BAF-BD75-FEA552023AA4}" destId="{5BCB6FB9-F5E1-47ED-931E-7213FC8A1F9E}" srcOrd="1" destOrd="0" parTransId="{D91CE702-9E13-46A7-AF55-09B2F64B11E4}" sibTransId="{D815A892-D225-460A-9A79-F2445039B7DA}"/>
+    <dgm:cxn modelId="{279126C6-B690-406A-843C-64A1A11F7202}" srcId="{4B136C25-3FDA-4BAF-BD75-FEA552023AA4}" destId="{6F51FE29-0E65-406A-98D0-FBEDAD1AE89B}" srcOrd="2" destOrd="0" parTransId="{4D5297AD-E5D5-40FA-90C1-8E3E17B98EEC}" sibTransId="{0DEDA54F-8B58-4153-B1F7-2AAB5BEDEF98}"/>
+    <dgm:cxn modelId="{7E8E163A-7F53-4435-B69B-6C5FBE21BB53}" type="presOf" srcId="{3A24F4D0-C90C-40D7-B2BE-116725F6C929}" destId="{9031E70F-5A69-4932-9E4D-1CE32CADF1C0}" srcOrd="0" destOrd="0" presId="urn:microsoft.com/office/officeart/2005/8/layout/hList1"/>
     <dgm:cxn modelId="{1493DF6C-6293-41B6-BE05-DF5291EB74D0}" type="presOf" srcId="{14B14819-193B-4172-9C7B-48F8E42D8E0C}" destId="{F98F2791-80F1-46FA-AE54-4D663A754F05}" srcOrd="0" destOrd="0" presId="urn:microsoft.com/office/officeart/2005/8/layout/hList1"/>
-    <dgm:cxn modelId="{18BE5B72-96BB-4D43-B928-03C86359BFBD}" srcId="{5BCB6FB9-F5E1-47ED-931E-7213FC8A1F9E}" destId="{14B14819-193B-4172-9C7B-48F8E42D8E0C}" srcOrd="0" destOrd="0" parTransId="{45FDCB0D-2173-4E7F-8453-6941A47EFB68}" sibTransId="{C745D886-2E73-43CA-B400-3D43FE69E655}"/>
-    <dgm:cxn modelId="{D930507E-7C60-4AB6-AC74-A8DEF3A574C1}" srcId="{3A24F4D0-C90C-40D7-B2BE-116725F6C929}" destId="{1E479C64-B541-4D00-8E52-4813085A4710}" srcOrd="1" destOrd="0" parTransId="{939DF8B6-B92B-4DBB-85E2-CFED37958633}" sibTransId="{0C9216AD-1BB0-49CB-8D71-03215B65BB6D}"/>
+    <dgm:cxn modelId="{4B2D98D8-D83C-4D4E-96AD-F2D7F79C32E4}" srcId="{3A24F4D0-C90C-40D7-B2BE-116725F6C929}" destId="{8F2743A0-153D-4A76-89CB-55B9EC51A310}" srcOrd="1" destOrd="0" parTransId="{7C9D4D60-1855-4693-B246-DD6276859BE9}" sibTransId="{DD74EF97-FF0C-41C2-9F0D-F0CB8F19162B}"/>
+    <dgm:cxn modelId="{332BBC98-7605-4B69-886B-EBC3D3952C83}" type="presOf" srcId="{9A95E106-BFAF-44EF-B9CD-093A9562FCE1}" destId="{C40393F6-3CC3-4B3E-8987-36F5088487B8}" srcOrd="0" destOrd="0" presId="urn:microsoft.com/office/officeart/2005/8/layout/hList1"/>
     <dgm:cxn modelId="{B146748A-F43D-46CF-92F1-6976EAA161F2}" type="presOf" srcId="{A5D7CECA-6E80-4C24-A46F-673A8A49A5BD}" destId="{C40393F6-3CC3-4B3E-8987-36F5088487B8}" srcOrd="0" destOrd="2" presId="urn:microsoft.com/office/officeart/2005/8/layout/hList1"/>
     <dgm:cxn modelId="{1A26D196-EE2B-42EC-B0F9-94ECD62DF478}" srcId="{6F51FE29-0E65-406A-98D0-FBEDAD1AE89B}" destId="{DE4D7A17-67AA-4195-8838-98B675991208}" srcOrd="0" destOrd="0" parTransId="{28E848F1-2589-4C45-8CC7-CBEFEA40DEC9}" sibTransId="{7452DA4C-1265-4DEC-BE8D-769BE3490C09}"/>
-    <dgm:cxn modelId="{332BBC98-7605-4B69-886B-EBC3D3952C83}" type="presOf" srcId="{9A95E106-BFAF-44EF-B9CD-093A9562FCE1}" destId="{C40393F6-3CC3-4B3E-8987-36F5088487B8}" srcOrd="0" destOrd="0" presId="urn:microsoft.com/office/officeart/2005/8/layout/hList1"/>
+    <dgm:cxn modelId="{0A225EC7-1BAD-481F-88F1-4703ED8A78C9}" srcId="{3A24F4D0-C90C-40D7-B2BE-116725F6C929}" destId="{9A95E106-BFAF-44EF-B9CD-093A9562FCE1}" srcOrd="0" destOrd="0" parTransId="{4BA22DD3-9E24-4FAC-B3DF-87A782A39A7A}" sibTransId="{5E52C7A3-7717-4259-807C-4ED737245634}"/>
+    <dgm:cxn modelId="{18BE5B72-96BB-4D43-B928-03C86359BFBD}" srcId="{5BCB6FB9-F5E1-47ED-931E-7213FC8A1F9E}" destId="{14B14819-193B-4172-9C7B-48F8E42D8E0C}" srcOrd="0" destOrd="0" parTransId="{45FDCB0D-2173-4E7F-8453-6941A47EFB68}" sibTransId="{C745D886-2E73-43CA-B400-3D43FE69E655}"/>
+    <dgm:cxn modelId="{75209510-EE3A-478F-B8D3-6F7281D32DC9}" type="presOf" srcId="{4B136C25-3FDA-4BAF-BD75-FEA552023AA4}" destId="{FE6B0337-321F-4BD2-A720-2259508F15E8}" srcOrd="0" destOrd="0" presId="urn:microsoft.com/office/officeart/2005/8/layout/hList1"/>
+    <dgm:cxn modelId="{091F1AF6-E2A7-4E7C-B62C-8820F3B3B411}" srcId="{4B136C25-3FDA-4BAF-BD75-FEA552023AA4}" destId="{3A24F4D0-C90C-40D7-B2BE-116725F6C929}" srcOrd="0" destOrd="0" parTransId="{1B048B34-BE34-4BB0-B7A2-B325F0AB11D7}" sibTransId="{B02572E0-2686-4EAA-A534-7589BFE4DCEB}"/>
     <dgm:cxn modelId="{E73C3FB4-A2C0-4292-8141-EB5686D6BA04}" srcId="{3A24F4D0-C90C-40D7-B2BE-116725F6C929}" destId="{A5D7CECA-6E80-4C24-A46F-673A8A49A5BD}" srcOrd="2" destOrd="0" parTransId="{EFC654F1-9BA6-4054-8BCD-707702D1D1CD}" sibTransId="{8AA8DA39-44C0-46A2-A832-24300E05F7C8}"/>
-    <dgm:cxn modelId="{279126C6-B690-406A-843C-64A1A11F7202}" srcId="{4B136C25-3FDA-4BAF-BD75-FEA552023AA4}" destId="{6F51FE29-0E65-406A-98D0-FBEDAD1AE89B}" srcOrd="2" destOrd="0" parTransId="{4D5297AD-E5D5-40FA-90C1-8E3E17B98EEC}" sibTransId="{0DEDA54F-8B58-4153-B1F7-2AAB5BEDEF98}"/>
-    <dgm:cxn modelId="{0A225EC7-1BAD-481F-88F1-4703ED8A78C9}" srcId="{3A24F4D0-C90C-40D7-B2BE-116725F6C929}" destId="{9A95E106-BFAF-44EF-B9CD-093A9562FCE1}" srcOrd="0" destOrd="0" parTransId="{4BA22DD3-9E24-4FAC-B3DF-87A782A39A7A}" sibTransId="{5E52C7A3-7717-4259-807C-4ED737245634}"/>
-    <dgm:cxn modelId="{091F1AF6-E2A7-4E7C-B62C-8820F3B3B411}" srcId="{4B136C25-3FDA-4BAF-BD75-FEA552023AA4}" destId="{3A24F4D0-C90C-40D7-B2BE-116725F6C929}" srcOrd="0" destOrd="0" parTransId="{1B048B34-BE34-4BB0-B7A2-B325F0AB11D7}" sibTransId="{B02572E0-2686-4EAA-A534-7589BFE4DCEB}"/>
+    <dgm:cxn modelId="{1FCFE960-89C9-4599-BB91-5798F4BB0B2B}" type="presOf" srcId="{5BCB6FB9-F5E1-47ED-931E-7213FC8A1F9E}" destId="{1248B100-2497-4EC2-86F4-5FEB0544A5FC}" srcOrd="0" destOrd="0" presId="urn:microsoft.com/office/officeart/2005/8/layout/hList1"/>
+    <dgm:cxn modelId="{A4FC6548-E1DD-4DFA-952B-D61B9269D201}" type="presOf" srcId="{6F51FE29-0E65-406A-98D0-FBEDAD1AE89B}" destId="{D130DEE8-81E4-403D-9E31-3B7C089AEA7D}" srcOrd="0" destOrd="0" presId="urn:microsoft.com/office/officeart/2005/8/layout/hList1"/>
+    <dgm:cxn modelId="{7D16188D-51D3-49CE-A0E0-ED89A0F8AD82}" type="presOf" srcId="{8F2743A0-153D-4A76-89CB-55B9EC51A310}" destId="{C40393F6-3CC3-4B3E-8987-36F5088487B8}" srcOrd="0" destOrd="1" presId="urn:microsoft.com/office/officeart/2005/8/layout/hList1"/>
     <dgm:cxn modelId="{FD971317-B656-4AC3-A233-3B3B7181F7E5}" type="presParOf" srcId="{FE6B0337-321F-4BD2-A720-2259508F15E8}" destId="{22C77410-99BA-40FD-81C6-45EA34713AE7}" srcOrd="0" destOrd="0" presId="urn:microsoft.com/office/officeart/2005/8/layout/hList1"/>
     <dgm:cxn modelId="{3809E8D9-BB71-4E94-9B00-8EF842F14D10}" type="presParOf" srcId="{22C77410-99BA-40FD-81C6-45EA34713AE7}" destId="{9031E70F-5A69-4932-9E4D-1CE32CADF1C0}" srcOrd="0" destOrd="0" presId="urn:microsoft.com/office/officeart/2005/8/layout/hList1"/>
     <dgm:cxn modelId="{44977918-B10F-4C3D-883F-A4CEFD330CF7}" type="presParOf" srcId="{22C77410-99BA-40FD-81C6-45EA34713AE7}" destId="{C40393F6-3CC3-4B3E-8987-36F5088487B8}" srcOrd="1" destOrd="0" presId="urn:microsoft.com/office/officeart/2005/8/layout/hList1"/>
@@ -21819,7 +25451,7 @@
         </a:bodyPr>
         <a:lstStyle/>
         <a:p>
-          <a:pPr marL="0" lvl="0" indent="0" algn="ctr" defTabSz="1644650">
+          <a:pPr lvl="0" algn="ctr" defTabSz="1644650">
             <a:lnSpc>
               <a:spcPct val="90000"/>
             </a:lnSpc>
@@ -21829,10 +25461,9 @@
             <a:spcAft>
               <a:spcPct val="35000"/>
             </a:spcAft>
-            <a:buNone/>
           </a:pPr>
           <a:r>
-            <a:rPr lang="zh-CN" altLang="en-US" sz="3700" b="1" kern="1200">
+            <a:rPr lang="zh-CN" altLang="en-US" sz="3700" b="1" kern="1200" dirty="0">
               <a:solidFill>
                 <a:srgbClr val="24292E"/>
               </a:solidFill>
@@ -21915,7 +25546,7 @@
             <a:spcAft>
               <a:spcPct val="15000"/>
             </a:spcAft>
-            <a:buChar char="•"/>
+            <a:buChar char="••"/>
           </a:pPr>
           <a:r>
             <a:rPr lang="zh-CN" altLang="en-US" sz="2800" b="1" i="0" kern="1200" dirty="0"/>
@@ -21934,7 +25565,7 @@
             <a:spcAft>
               <a:spcPct val="15000"/>
             </a:spcAft>
-            <a:buChar char="•"/>
+            <a:buChar char="••"/>
           </a:pPr>
           <a:r>
             <a:rPr lang="zh-CN" altLang="en-US" sz="2800" b="1" kern="1200" dirty="0"/>
@@ -21952,7 +25583,7 @@
             <a:spcAft>
               <a:spcPct val="15000"/>
             </a:spcAft>
-            <a:buChar char="•"/>
+            <a:buChar char="••"/>
           </a:pPr>
           <a:r>
             <a:rPr lang="zh-CN" altLang="en-US" sz="2800" b="1" i="0" kern="1200" dirty="0"/>
@@ -22021,7 +25652,7 @@
         </a:bodyPr>
         <a:lstStyle/>
         <a:p>
-          <a:pPr marL="0" lvl="0" indent="0" algn="ctr" defTabSz="1644650">
+          <a:pPr lvl="0" algn="ctr" defTabSz="1644650">
             <a:lnSpc>
               <a:spcPct val="90000"/>
             </a:lnSpc>
@@ -22031,7 +25662,6 @@
             <a:spcAft>
               <a:spcPct val="35000"/>
             </a:spcAft>
-            <a:buNone/>
           </a:pPr>
           <a:r>
             <a:rPr lang="zh-CN" altLang="en-US" sz="3700" b="1" kern="1200" dirty="0">
@@ -22117,7 +25747,7 @@
             <a:spcAft>
               <a:spcPct val="15000"/>
             </a:spcAft>
-            <a:buChar char="•"/>
+            <a:buChar char="••"/>
           </a:pPr>
           <a:r>
             <a:rPr lang="zh-CN" altLang="en-US" sz="2800" b="1" kern="1200" dirty="0"/>
@@ -22193,7 +25823,7 @@
         </a:bodyPr>
         <a:lstStyle/>
         <a:p>
-          <a:pPr marL="0" lvl="0" indent="0" algn="ctr" defTabSz="1644650">
+          <a:pPr lvl="0" algn="ctr" defTabSz="1644650">
             <a:lnSpc>
               <a:spcPct val="90000"/>
             </a:lnSpc>
@@ -22203,7 +25833,6 @@
             <a:spcAft>
               <a:spcPct val="35000"/>
             </a:spcAft>
-            <a:buNone/>
           </a:pPr>
           <a:r>
             <a:rPr lang="zh-CN" altLang="en-US" sz="3700" b="1" kern="1200" dirty="0">
@@ -22289,7 +25918,7 @@
             <a:spcAft>
               <a:spcPct val="15000"/>
             </a:spcAft>
-            <a:buChar char="•"/>
+            <a:buChar char="••"/>
           </a:pPr>
           <a:r>
             <a:rPr lang="zh-CN" altLang="en-US" sz="2800" b="1" kern="1200" dirty="0"/>
@@ -22303,6 +25932,572 @@
             <a:rPr lang="zh-CN" altLang="en-US" sz="2800" b="1" kern="1200" dirty="0"/>
             <a:t>的线性回归</a:t>
           </a:r>
+        </a:p>
+      </dsp:txBody>
+      <dsp:txXfrm>
+        <a:off x="5648960" y="2315939"/>
+        <a:ext cx="2476500" cy="1777387"/>
+      </dsp:txXfrm>
+    </dsp:sp>
+  </dsp:spTree>
+</dsp:drawing>
+</file>
+
+<file path=ppt/diagrams/drawing2.xml><?xml version="1.0" encoding="utf-8"?>
+<dsp:drawing xmlns:dgm="http://schemas.openxmlformats.org/drawingml/2006/diagram" xmlns:dsp="http://schemas.microsoft.com/office/drawing/2008/diagram" xmlns:a="http://schemas.openxmlformats.org/drawingml/2006/main">
+  <dsp:spTree>
+    <dsp:nvGrpSpPr>
+      <dsp:cNvPr id="0" name=""/>
+      <dsp:cNvGrpSpPr/>
+    </dsp:nvGrpSpPr>
+    <dsp:grpSpPr/>
+    <dsp:sp modelId="{9031E70F-5A69-4932-9E4D-1CE32CADF1C0}">
+      <dsp:nvSpPr>
+        <dsp:cNvPr id="0" name=""/>
+        <dsp:cNvSpPr/>
+      </dsp:nvSpPr>
+      <dsp:spPr>
+        <a:xfrm>
+          <a:off x="2540" y="1325339"/>
+          <a:ext cx="2476500" cy="990600"/>
+        </a:xfrm>
+        <a:prstGeom prst="rect">
+          <a:avLst/>
+        </a:prstGeom>
+        <a:solidFill>
+          <a:schemeClr val="accent1">
+            <a:hueOff val="0"/>
+            <a:satOff val="0"/>
+            <a:lumOff val="0"/>
+            <a:alphaOff val="0"/>
+          </a:schemeClr>
+        </a:solidFill>
+        <a:ln w="12700" cap="flat" cmpd="sng" algn="ctr">
+          <a:solidFill>
+            <a:schemeClr val="accent1">
+              <a:hueOff val="0"/>
+              <a:satOff val="0"/>
+              <a:lumOff val="0"/>
+              <a:alphaOff val="0"/>
+            </a:schemeClr>
+          </a:solidFill>
+          <a:prstDash val="solid"/>
+          <a:miter lim="800000"/>
+        </a:ln>
+        <a:effectLst/>
+      </dsp:spPr>
+      <dsp:style>
+        <a:lnRef idx="2">
+          <a:scrgbClr r="0" g="0" b="0"/>
+        </a:lnRef>
+        <a:fillRef idx="1">
+          <a:scrgbClr r="0" g="0" b="0"/>
+        </a:fillRef>
+        <a:effectRef idx="0">
+          <a:scrgbClr r="0" g="0" b="0"/>
+        </a:effectRef>
+        <a:fontRef idx="minor">
+          <a:schemeClr val="lt1"/>
+        </a:fontRef>
+      </dsp:style>
+      <dsp:txBody>
+        <a:bodyPr spcFirstLastPara="0" vert="horz" wrap="square" lIns="263144" tIns="150368" rIns="263144" bIns="150368" numCol="1" spcCol="1270" anchor="ctr" anchorCtr="0">
+          <a:noAutofit/>
+        </a:bodyPr>
+        <a:lstStyle/>
+        <a:p>
+          <a:pPr lvl="0" algn="ctr" defTabSz="1644650">
+            <a:lnSpc>
+              <a:spcPct val="90000"/>
+            </a:lnSpc>
+            <a:spcBef>
+              <a:spcPct val="0"/>
+            </a:spcBef>
+            <a:spcAft>
+              <a:spcPct val="35000"/>
+            </a:spcAft>
+          </a:pPr>
+          <a:r>
+            <a:rPr lang="zh-CN" altLang="en-US" sz="3700" b="1" kern="1200" dirty="0">
+              <a:solidFill>
+                <a:srgbClr val="24292E"/>
+              </a:solidFill>
+              <a:latin typeface="-apple-system"/>
+            </a:rPr>
+            <a:t>特征工程</a:t>
+          </a:r>
+          <a:endParaRPr lang="zh-CN" altLang="en-US" sz="3700" kern="1200" dirty="0"/>
+        </a:p>
+      </dsp:txBody>
+      <dsp:txXfrm>
+        <a:off x="2540" y="1325339"/>
+        <a:ext cx="2476500" cy="990600"/>
+      </dsp:txXfrm>
+    </dsp:sp>
+    <dsp:sp modelId="{C40393F6-3CC3-4B3E-8987-36F5088487B8}">
+      <dsp:nvSpPr>
+        <dsp:cNvPr id="0" name=""/>
+        <dsp:cNvSpPr/>
+      </dsp:nvSpPr>
+      <dsp:spPr>
+        <a:xfrm>
+          <a:off x="2540" y="2315939"/>
+          <a:ext cx="2476500" cy="1777387"/>
+        </a:xfrm>
+        <a:prstGeom prst="rect">
+          <a:avLst/>
+        </a:prstGeom>
+        <a:solidFill>
+          <a:schemeClr val="accent1">
+            <a:alpha val="90000"/>
+            <a:tint val="40000"/>
+            <a:hueOff val="0"/>
+            <a:satOff val="0"/>
+            <a:lumOff val="0"/>
+            <a:alphaOff val="0"/>
+          </a:schemeClr>
+        </a:solidFill>
+        <a:ln w="12700" cap="flat" cmpd="sng" algn="ctr">
+          <a:solidFill>
+            <a:schemeClr val="accent1">
+              <a:alpha val="90000"/>
+              <a:tint val="40000"/>
+              <a:hueOff val="0"/>
+              <a:satOff val="0"/>
+              <a:lumOff val="0"/>
+              <a:alphaOff val="0"/>
+            </a:schemeClr>
+          </a:solidFill>
+          <a:prstDash val="solid"/>
+          <a:miter lim="800000"/>
+        </a:ln>
+        <a:effectLst/>
+      </dsp:spPr>
+      <dsp:style>
+        <a:lnRef idx="2">
+          <a:scrgbClr r="0" g="0" b="0"/>
+        </a:lnRef>
+        <a:fillRef idx="1">
+          <a:scrgbClr r="0" g="0" b="0"/>
+        </a:fillRef>
+        <a:effectRef idx="0">
+          <a:scrgbClr r="0" g="0" b="0"/>
+        </a:effectRef>
+        <a:fontRef idx="minor"/>
+      </dsp:style>
+      <dsp:txBody>
+        <a:bodyPr spcFirstLastPara="0" vert="horz" wrap="square" lIns="149352" tIns="149352" rIns="199136" bIns="224028" numCol="1" spcCol="1270" anchor="t" anchorCtr="0">
+          <a:noAutofit/>
+        </a:bodyPr>
+        <a:lstStyle/>
+        <a:p>
+          <a:pPr marL="285750" lvl="1" indent="-285750" algn="l" defTabSz="1244600">
+            <a:lnSpc>
+              <a:spcPct val="90000"/>
+            </a:lnSpc>
+            <a:spcBef>
+              <a:spcPct val="0"/>
+            </a:spcBef>
+            <a:spcAft>
+              <a:spcPct val="15000"/>
+            </a:spcAft>
+            <a:buChar char="••"/>
+          </a:pPr>
+          <a:r>
+            <a:rPr lang="zh-CN" altLang="en-US" sz="2800" b="1" i="0" kern="1200" dirty="0"/>
+            <a:t>数据清洗</a:t>
+          </a:r>
+          <a:endParaRPr lang="zh-CN" altLang="en-US" sz="3700" b="1" kern="1200" dirty="0"/>
+        </a:p>
+        <a:p>
+          <a:pPr marL="285750" lvl="1" indent="-285750" algn="l" defTabSz="1244600">
+            <a:lnSpc>
+              <a:spcPct val="90000"/>
+            </a:lnSpc>
+            <a:spcBef>
+              <a:spcPct val="0"/>
+            </a:spcBef>
+            <a:spcAft>
+              <a:spcPct val="15000"/>
+            </a:spcAft>
+            <a:buChar char="••"/>
+          </a:pPr>
+          <a:r>
+            <a:rPr lang="zh-CN" altLang="en-US" sz="2800" b="1" i="0" kern="1200" dirty="0" smtClean="0"/>
+            <a:t>异常值填充</a:t>
+          </a:r>
+          <a:endParaRPr lang="zh-CN" altLang="en-US" sz="2800" b="1" i="0" kern="1200" dirty="0"/>
+        </a:p>
+        <a:p>
+          <a:pPr marL="285750" lvl="1" indent="-285750" algn="l" defTabSz="1244600">
+            <a:lnSpc>
+              <a:spcPct val="90000"/>
+            </a:lnSpc>
+            <a:spcBef>
+              <a:spcPct val="0"/>
+            </a:spcBef>
+            <a:spcAft>
+              <a:spcPct val="15000"/>
+            </a:spcAft>
+            <a:buChar char="••"/>
+          </a:pPr>
+          <a:r>
+            <a:rPr lang="zh-CN" altLang="en-US" sz="2800" b="1" i="0" kern="1200" dirty="0"/>
+            <a:t>特征提取</a:t>
+          </a:r>
+          <a:endParaRPr lang="zh-CN" altLang="en-US" sz="2800" b="1" kern="1200" dirty="0"/>
+        </a:p>
+      </dsp:txBody>
+      <dsp:txXfrm>
+        <a:off x="2540" y="2315939"/>
+        <a:ext cx="2476500" cy="1777387"/>
+      </dsp:txXfrm>
+    </dsp:sp>
+    <dsp:sp modelId="{1248B100-2497-4EC2-86F4-5FEB0544A5FC}">
+      <dsp:nvSpPr>
+        <dsp:cNvPr id="0" name=""/>
+        <dsp:cNvSpPr/>
+      </dsp:nvSpPr>
+      <dsp:spPr>
+        <a:xfrm>
+          <a:off x="2825750" y="1325339"/>
+          <a:ext cx="2476500" cy="990600"/>
+        </a:xfrm>
+        <a:prstGeom prst="rect">
+          <a:avLst/>
+        </a:prstGeom>
+        <a:solidFill>
+          <a:schemeClr val="accent1">
+            <a:hueOff val="0"/>
+            <a:satOff val="0"/>
+            <a:lumOff val="0"/>
+            <a:alphaOff val="0"/>
+          </a:schemeClr>
+        </a:solidFill>
+        <a:ln w="12700" cap="flat" cmpd="sng" algn="ctr">
+          <a:solidFill>
+            <a:schemeClr val="accent1">
+              <a:hueOff val="0"/>
+              <a:satOff val="0"/>
+              <a:lumOff val="0"/>
+              <a:alphaOff val="0"/>
+            </a:schemeClr>
+          </a:solidFill>
+          <a:prstDash val="solid"/>
+          <a:miter lim="800000"/>
+        </a:ln>
+        <a:effectLst/>
+      </dsp:spPr>
+      <dsp:style>
+        <a:lnRef idx="2">
+          <a:scrgbClr r="0" g="0" b="0"/>
+        </a:lnRef>
+        <a:fillRef idx="1">
+          <a:scrgbClr r="0" g="0" b="0"/>
+        </a:fillRef>
+        <a:effectRef idx="0">
+          <a:scrgbClr r="0" g="0" b="0"/>
+        </a:effectRef>
+        <a:fontRef idx="minor">
+          <a:schemeClr val="lt1"/>
+        </a:fontRef>
+      </dsp:style>
+      <dsp:txBody>
+        <a:bodyPr spcFirstLastPara="0" vert="horz" wrap="square" lIns="263144" tIns="150368" rIns="263144" bIns="150368" numCol="1" spcCol="1270" anchor="ctr" anchorCtr="0">
+          <a:noAutofit/>
+        </a:bodyPr>
+        <a:lstStyle/>
+        <a:p>
+          <a:pPr lvl="0" algn="ctr" defTabSz="1644650">
+            <a:lnSpc>
+              <a:spcPct val="90000"/>
+            </a:lnSpc>
+            <a:spcBef>
+              <a:spcPct val="0"/>
+            </a:spcBef>
+            <a:spcAft>
+              <a:spcPct val="35000"/>
+            </a:spcAft>
+          </a:pPr>
+          <a:r>
+            <a:rPr lang="zh-CN" altLang="en-US" sz="3700" b="1" kern="1200" dirty="0">
+              <a:solidFill>
+                <a:srgbClr val="24292E"/>
+              </a:solidFill>
+              <a:latin typeface="-apple-system"/>
+            </a:rPr>
+            <a:t>模型设计</a:t>
+          </a:r>
+          <a:endParaRPr lang="zh-CN" altLang="en-US" sz="3700" kern="1200" dirty="0"/>
+        </a:p>
+      </dsp:txBody>
+      <dsp:txXfrm>
+        <a:off x="2825750" y="1325339"/>
+        <a:ext cx="2476500" cy="990600"/>
+      </dsp:txXfrm>
+    </dsp:sp>
+    <dsp:sp modelId="{F98F2791-80F1-46FA-AE54-4D663A754F05}">
+      <dsp:nvSpPr>
+        <dsp:cNvPr id="0" name=""/>
+        <dsp:cNvSpPr/>
+      </dsp:nvSpPr>
+      <dsp:spPr>
+        <a:xfrm>
+          <a:off x="2825750" y="2315939"/>
+          <a:ext cx="2476500" cy="1777387"/>
+        </a:xfrm>
+        <a:prstGeom prst="rect">
+          <a:avLst/>
+        </a:prstGeom>
+        <a:solidFill>
+          <a:schemeClr val="accent1">
+            <a:alpha val="90000"/>
+            <a:tint val="40000"/>
+            <a:hueOff val="0"/>
+            <a:satOff val="0"/>
+            <a:lumOff val="0"/>
+            <a:alphaOff val="0"/>
+          </a:schemeClr>
+        </a:solidFill>
+        <a:ln w="12700" cap="flat" cmpd="sng" algn="ctr">
+          <a:solidFill>
+            <a:schemeClr val="accent1">
+              <a:alpha val="90000"/>
+              <a:tint val="40000"/>
+              <a:hueOff val="0"/>
+              <a:satOff val="0"/>
+              <a:lumOff val="0"/>
+              <a:alphaOff val="0"/>
+            </a:schemeClr>
+          </a:solidFill>
+          <a:prstDash val="solid"/>
+          <a:miter lim="800000"/>
+        </a:ln>
+        <a:effectLst/>
+      </dsp:spPr>
+      <dsp:style>
+        <a:lnRef idx="2">
+          <a:scrgbClr r="0" g="0" b="0"/>
+        </a:lnRef>
+        <a:fillRef idx="1">
+          <a:scrgbClr r="0" g="0" b="0"/>
+        </a:fillRef>
+        <a:effectRef idx="0">
+          <a:scrgbClr r="0" g="0" b="0"/>
+        </a:effectRef>
+        <a:fontRef idx="minor"/>
+      </dsp:style>
+      <dsp:txBody>
+        <a:bodyPr spcFirstLastPara="0" vert="horz" wrap="square" lIns="149352" tIns="149352" rIns="199136" bIns="224028" numCol="1" spcCol="1270" anchor="t" anchorCtr="0">
+          <a:noAutofit/>
+        </a:bodyPr>
+        <a:lstStyle/>
+        <a:p>
+          <a:pPr marL="285750" lvl="1" indent="-285750" algn="l" defTabSz="1244600">
+            <a:lnSpc>
+              <a:spcPct val="90000"/>
+            </a:lnSpc>
+            <a:spcBef>
+              <a:spcPct val="0"/>
+            </a:spcBef>
+            <a:spcAft>
+              <a:spcPct val="15000"/>
+            </a:spcAft>
+            <a:buChar char="••"/>
+          </a:pPr>
+          <a:r>
+            <a:rPr lang="zh-CN" altLang="en-US" sz="2800" b="1" kern="1200" dirty="0" smtClean="0"/>
+            <a:t>分层</a:t>
+          </a:r>
+          <a:r>
+            <a:rPr lang="en-US" altLang="zh-CN" sz="2800" b="1" kern="1200" dirty="0" smtClean="0"/>
+            <a:t>GBDT</a:t>
+          </a:r>
+          <a:r>
+            <a:rPr lang="zh-CN" altLang="en-US" sz="2800" b="1" kern="1200" dirty="0" smtClean="0"/>
+            <a:t>模型</a:t>
+          </a:r>
+          <a:endParaRPr lang="zh-CN" altLang="en-US" sz="2800" b="1" kern="1200" dirty="0"/>
+        </a:p>
+      </dsp:txBody>
+      <dsp:txXfrm>
+        <a:off x="2825750" y="2315939"/>
+        <a:ext cx="2476500" cy="1777387"/>
+      </dsp:txXfrm>
+    </dsp:sp>
+    <dsp:sp modelId="{D130DEE8-81E4-403D-9E31-3B7C089AEA7D}">
+      <dsp:nvSpPr>
+        <dsp:cNvPr id="0" name=""/>
+        <dsp:cNvSpPr/>
+      </dsp:nvSpPr>
+      <dsp:spPr>
+        <a:xfrm>
+          <a:off x="5648960" y="1325339"/>
+          <a:ext cx="2476500" cy="990600"/>
+        </a:xfrm>
+        <a:prstGeom prst="rect">
+          <a:avLst/>
+        </a:prstGeom>
+        <a:solidFill>
+          <a:schemeClr val="accent1">
+            <a:hueOff val="0"/>
+            <a:satOff val="0"/>
+            <a:lumOff val="0"/>
+            <a:alphaOff val="0"/>
+          </a:schemeClr>
+        </a:solidFill>
+        <a:ln w="12700" cap="flat" cmpd="sng" algn="ctr">
+          <a:solidFill>
+            <a:schemeClr val="accent1">
+              <a:hueOff val="0"/>
+              <a:satOff val="0"/>
+              <a:lumOff val="0"/>
+              <a:alphaOff val="0"/>
+            </a:schemeClr>
+          </a:solidFill>
+          <a:prstDash val="solid"/>
+          <a:miter lim="800000"/>
+        </a:ln>
+        <a:effectLst/>
+      </dsp:spPr>
+      <dsp:style>
+        <a:lnRef idx="2">
+          <a:scrgbClr r="0" g="0" b="0"/>
+        </a:lnRef>
+        <a:fillRef idx="1">
+          <a:scrgbClr r="0" g="0" b="0"/>
+        </a:fillRef>
+        <a:effectRef idx="0">
+          <a:scrgbClr r="0" g="0" b="0"/>
+        </a:effectRef>
+        <a:fontRef idx="minor">
+          <a:schemeClr val="lt1"/>
+        </a:fontRef>
+      </dsp:style>
+      <dsp:txBody>
+        <a:bodyPr spcFirstLastPara="0" vert="horz" wrap="square" lIns="263144" tIns="150368" rIns="263144" bIns="150368" numCol="1" spcCol="1270" anchor="ctr" anchorCtr="0">
+          <a:noAutofit/>
+        </a:bodyPr>
+        <a:lstStyle/>
+        <a:p>
+          <a:pPr lvl="0" algn="ctr" defTabSz="1644650">
+            <a:lnSpc>
+              <a:spcPct val="90000"/>
+            </a:lnSpc>
+            <a:spcBef>
+              <a:spcPct val="0"/>
+            </a:spcBef>
+            <a:spcAft>
+              <a:spcPct val="35000"/>
+            </a:spcAft>
+          </a:pPr>
+          <a:r>
+            <a:rPr lang="zh-CN" altLang="en-US" sz="3700" b="1" kern="1200" dirty="0">
+              <a:solidFill>
+                <a:srgbClr val="24292E"/>
+              </a:solidFill>
+              <a:latin typeface="-apple-system"/>
+            </a:rPr>
+            <a:t>模型融合</a:t>
+          </a:r>
+          <a:endParaRPr lang="zh-CN" altLang="en-US" sz="3700" kern="1200" dirty="0"/>
+        </a:p>
+      </dsp:txBody>
+      <dsp:txXfrm>
+        <a:off x="5648960" y="1325339"/>
+        <a:ext cx="2476500" cy="990600"/>
+      </dsp:txXfrm>
+    </dsp:sp>
+    <dsp:sp modelId="{0567FCEA-70B7-4B95-BE00-6283F8D413F1}">
+      <dsp:nvSpPr>
+        <dsp:cNvPr id="0" name=""/>
+        <dsp:cNvSpPr/>
+      </dsp:nvSpPr>
+      <dsp:spPr>
+        <a:xfrm>
+          <a:off x="5648960" y="2315939"/>
+          <a:ext cx="2476500" cy="1777387"/>
+        </a:xfrm>
+        <a:prstGeom prst="rect">
+          <a:avLst/>
+        </a:prstGeom>
+        <a:solidFill>
+          <a:schemeClr val="accent1">
+            <a:alpha val="90000"/>
+            <a:tint val="40000"/>
+            <a:hueOff val="0"/>
+            <a:satOff val="0"/>
+            <a:lumOff val="0"/>
+            <a:alphaOff val="0"/>
+          </a:schemeClr>
+        </a:solidFill>
+        <a:ln w="12700" cap="flat" cmpd="sng" algn="ctr">
+          <a:solidFill>
+            <a:schemeClr val="accent1">
+              <a:alpha val="90000"/>
+              <a:tint val="40000"/>
+              <a:hueOff val="0"/>
+              <a:satOff val="0"/>
+              <a:lumOff val="0"/>
+              <a:alphaOff val="0"/>
+            </a:schemeClr>
+          </a:solidFill>
+          <a:prstDash val="solid"/>
+          <a:miter lim="800000"/>
+        </a:ln>
+        <a:effectLst/>
+      </dsp:spPr>
+      <dsp:style>
+        <a:lnRef idx="2">
+          <a:scrgbClr r="0" g="0" b="0"/>
+        </a:lnRef>
+        <a:fillRef idx="1">
+          <a:scrgbClr r="0" g="0" b="0"/>
+        </a:fillRef>
+        <a:effectRef idx="0">
+          <a:scrgbClr r="0" g="0" b="0"/>
+        </a:effectRef>
+        <a:fontRef idx="minor"/>
+      </dsp:style>
+      <dsp:txBody>
+        <a:bodyPr spcFirstLastPara="0" vert="horz" wrap="square" lIns="149352" tIns="149352" rIns="199136" bIns="224028" numCol="1" spcCol="1270" anchor="t" anchorCtr="0">
+          <a:noAutofit/>
+        </a:bodyPr>
+        <a:lstStyle/>
+        <a:p>
+          <a:pPr marL="285750" lvl="1" indent="-285750" algn="l" defTabSz="1244600">
+            <a:lnSpc>
+              <a:spcPct val="90000"/>
+            </a:lnSpc>
+            <a:spcBef>
+              <a:spcPct val="0"/>
+            </a:spcBef>
+            <a:spcAft>
+              <a:spcPct val="15000"/>
+            </a:spcAft>
+            <a:buChar char="••"/>
+          </a:pPr>
+          <a:r>
+            <a:rPr lang="en-US" altLang="zh-CN" sz="2800" b="1" kern="1200" dirty="0" err="1" smtClean="0"/>
+            <a:t>Arima</a:t>
+          </a:r>
+          <a:r>
+            <a:rPr lang="zh-CN" altLang="en-US" sz="2800" b="1" kern="1200" dirty="0" smtClean="0"/>
+            <a:t>与</a:t>
+          </a:r>
+          <a:r>
+            <a:rPr lang="en-US" altLang="zh-CN" sz="2800" b="1" kern="1200" dirty="0" smtClean="0"/>
+            <a:t>PS-SMART</a:t>
+          </a:r>
+          <a:r>
+            <a:rPr lang="zh-CN" altLang="en-US" sz="2800" b="1" kern="1200" dirty="0" smtClean="0"/>
+            <a:t>与</a:t>
+          </a:r>
+          <a:r>
+            <a:rPr lang="en-US" altLang="zh-CN" sz="2800" b="1" kern="1200" dirty="0" smtClean="0"/>
+            <a:t>GBDT</a:t>
+          </a:r>
+          <a:endParaRPr lang="zh-CN" altLang="en-US" sz="2800" b="1" kern="1200" dirty="0"/>
         </a:p>
       </dsp:txBody>
       <dsp:txXfrm>
@@ -22531,7 +26726,1258 @@
 </dgm:layoutDef>
 </file>
 
+<file path=ppt/diagrams/layout2.xml><?xml version="1.0" encoding="utf-8"?>
+<dgm:layoutDef xmlns:dgm="http://schemas.openxmlformats.org/drawingml/2006/diagram" xmlns:a="http://schemas.openxmlformats.org/drawingml/2006/main" uniqueId="urn:microsoft.com/office/officeart/2005/8/layout/hList1">
+  <dgm:title val=""/>
+  <dgm:desc val=""/>
+  <dgm:catLst>
+    <dgm:cat type="list" pri="5000"/>
+    <dgm:cat type="convert" pri="5000"/>
+  </dgm:catLst>
+  <dgm:sampData>
+    <dgm:dataModel>
+      <dgm:ptLst>
+        <dgm:pt modelId="0" type="doc"/>
+        <dgm:pt modelId="1">
+          <dgm:prSet phldr="1"/>
+        </dgm:pt>
+        <dgm:pt modelId="11">
+          <dgm:prSet phldr="1"/>
+        </dgm:pt>
+        <dgm:pt modelId="12">
+          <dgm:prSet phldr="1"/>
+        </dgm:pt>
+        <dgm:pt modelId="2">
+          <dgm:prSet phldr="1"/>
+        </dgm:pt>
+        <dgm:pt modelId="21">
+          <dgm:prSet phldr="1"/>
+        </dgm:pt>
+        <dgm:pt modelId="22">
+          <dgm:prSet phldr="1"/>
+        </dgm:pt>
+        <dgm:pt modelId="3">
+          <dgm:prSet phldr="1"/>
+        </dgm:pt>
+        <dgm:pt modelId="31">
+          <dgm:prSet phldr="1"/>
+        </dgm:pt>
+        <dgm:pt modelId="32">
+          <dgm:prSet phldr="1"/>
+        </dgm:pt>
+      </dgm:ptLst>
+      <dgm:cxnLst>
+        <dgm:cxn modelId="4" srcId="0" destId="1" srcOrd="0" destOrd="0"/>
+        <dgm:cxn modelId="5" srcId="0" destId="2" srcOrd="1" destOrd="0"/>
+        <dgm:cxn modelId="6" srcId="0" destId="3" srcOrd="2" destOrd="0"/>
+        <dgm:cxn modelId="13" srcId="1" destId="11" srcOrd="0" destOrd="0"/>
+        <dgm:cxn modelId="14" srcId="1" destId="12" srcOrd="1" destOrd="0"/>
+        <dgm:cxn modelId="23" srcId="2" destId="21" srcOrd="0" destOrd="0"/>
+        <dgm:cxn modelId="24" srcId="2" destId="22" srcOrd="1" destOrd="0"/>
+        <dgm:cxn modelId="33" srcId="3" destId="31" srcOrd="0" destOrd="0"/>
+        <dgm:cxn modelId="34" srcId="3" destId="32" srcOrd="1" destOrd="0"/>
+      </dgm:cxnLst>
+      <dgm:bg/>
+      <dgm:whole/>
+    </dgm:dataModel>
+  </dgm:sampData>
+  <dgm:styleData>
+    <dgm:dataModel>
+      <dgm:ptLst>
+        <dgm:pt modelId="0" type="doc"/>
+        <dgm:pt modelId="1">
+          <dgm:prSet phldr="1"/>
+        </dgm:pt>
+        <dgm:pt modelId="2">
+          <dgm:prSet phldr="1"/>
+        </dgm:pt>
+      </dgm:ptLst>
+      <dgm:cxnLst>
+        <dgm:cxn modelId="3" srcId="0" destId="1" srcOrd="0" destOrd="0"/>
+        <dgm:cxn modelId="4" srcId="0" destId="2" srcOrd="1" destOrd="0"/>
+      </dgm:cxnLst>
+      <dgm:bg/>
+      <dgm:whole/>
+    </dgm:dataModel>
+  </dgm:styleData>
+  <dgm:clrData>
+    <dgm:dataModel>
+      <dgm:ptLst>
+        <dgm:pt modelId="0" type="doc"/>
+        <dgm:pt modelId="1">
+          <dgm:prSet phldr="1"/>
+        </dgm:pt>
+        <dgm:pt modelId="2">
+          <dgm:prSet phldr="1"/>
+        </dgm:pt>
+        <dgm:pt modelId="3">
+          <dgm:prSet phldr="1"/>
+        </dgm:pt>
+        <dgm:pt modelId="4">
+          <dgm:prSet phldr="1"/>
+        </dgm:pt>
+      </dgm:ptLst>
+      <dgm:cxnLst>
+        <dgm:cxn modelId="5" srcId="0" destId="1" srcOrd="0" destOrd="0"/>
+        <dgm:cxn modelId="6" srcId="0" destId="2" srcOrd="1" destOrd="0"/>
+        <dgm:cxn modelId="7" srcId="0" destId="3" srcOrd="2" destOrd="0"/>
+        <dgm:cxn modelId="8" srcId="0" destId="4" srcOrd="3" destOrd="0"/>
+      </dgm:cxnLst>
+      <dgm:bg/>
+      <dgm:whole/>
+    </dgm:dataModel>
+  </dgm:clrData>
+  <dgm:layoutNode name="Name0">
+    <dgm:varLst>
+      <dgm:dir/>
+      <dgm:animLvl val="lvl"/>
+      <dgm:resizeHandles val="exact"/>
+    </dgm:varLst>
+    <dgm:choose name="Name1">
+      <dgm:if name="Name2" func="var" arg="dir" op="equ" val="norm">
+        <dgm:alg type="lin"/>
+      </dgm:if>
+      <dgm:else name="Name3">
+        <dgm:alg type="lin">
+          <dgm:param type="linDir" val="fromR"/>
+        </dgm:alg>
+      </dgm:else>
+    </dgm:choose>
+    <dgm:shape xmlns:r="http://schemas.openxmlformats.org/officeDocument/2006/relationships" r:blip="">
+      <dgm:adjLst/>
+    </dgm:shape>
+    <dgm:presOf/>
+    <dgm:constrLst>
+      <dgm:constr type="h" for="ch" forName="composite" refType="h"/>
+      <dgm:constr type="w" for="ch" forName="composite" refType="w"/>
+      <dgm:constr type="w" for="des" forName="parTx"/>
+      <dgm:constr type="h" for="des" forName="parTx" op="equ"/>
+      <dgm:constr type="w" for="des" forName="desTx"/>
+      <dgm:constr type="h" for="des" forName="desTx" op="equ"/>
+      <dgm:constr type="primFontSz" for="des" forName="parTx" val="65"/>
+      <dgm:constr type="secFontSz" for="des" forName="desTx" refType="primFontSz" refFor="des" refForName="parTx" op="equ"/>
+      <dgm:constr type="h" for="des" forName="parTx" refType="primFontSz" refFor="des" refForName="parTx" fact="0.8"/>
+      <dgm:constr type="h" for="des" forName="desTx" refType="primFontSz" refFor="des" refForName="parTx" fact="1.22"/>
+      <dgm:constr type="w" for="ch" forName="space" refType="w" refFor="ch" refForName="composite" op="equ" fact="0.14"/>
+    </dgm:constrLst>
+    <dgm:ruleLst>
+      <dgm:rule type="w" for="ch" forName="composite" val="0" fact="NaN" max="NaN"/>
+      <dgm:rule type="primFontSz" for="des" forName="parTx" val="5" fact="NaN" max="NaN"/>
+    </dgm:ruleLst>
+    <dgm:forEach name="Name4" axis="ch" ptType="node">
+      <dgm:layoutNode name="composite">
+        <dgm:alg type="composite"/>
+        <dgm:shape xmlns:r="http://schemas.openxmlformats.org/officeDocument/2006/relationships" r:blip="">
+          <dgm:adjLst/>
+        </dgm:shape>
+        <dgm:presOf/>
+        <dgm:constrLst>
+          <dgm:constr type="l" for="ch" forName="parTx"/>
+          <dgm:constr type="w" for="ch" forName="parTx" refType="w"/>
+          <dgm:constr type="t" for="ch" forName="parTx"/>
+          <dgm:constr type="l" for="ch" forName="desTx"/>
+          <dgm:constr type="w" for="ch" forName="desTx" refType="w" refFor="ch" refForName="parTx"/>
+          <dgm:constr type="t" for="ch" forName="desTx" refType="h" refFor="ch" refForName="parTx"/>
+        </dgm:constrLst>
+        <dgm:ruleLst>
+          <dgm:rule type="h" val="INF" fact="NaN" max="NaN"/>
+        </dgm:ruleLst>
+        <dgm:layoutNode name="parTx" styleLbl="alignNode1">
+          <dgm:varLst>
+            <dgm:chMax val="0"/>
+            <dgm:chPref val="0"/>
+            <dgm:bulletEnabled val="1"/>
+          </dgm:varLst>
+          <dgm:alg type="tx"/>
+          <dgm:shape xmlns:r="http://schemas.openxmlformats.org/officeDocument/2006/relationships" type="rect" r:blip="">
+            <dgm:adjLst/>
+          </dgm:shape>
+          <dgm:presOf axis="self" ptType="node"/>
+          <dgm:constrLst>
+            <dgm:constr type="h" refType="w" op="lte" fact="0.4"/>
+            <dgm:constr type="h"/>
+            <dgm:constr type="tMarg" refType="primFontSz" fact="0.32"/>
+            <dgm:constr type="bMarg" refType="primFontSz" fact="0.32"/>
+          </dgm:constrLst>
+          <dgm:ruleLst>
+            <dgm:rule type="h" val="INF" fact="NaN" max="NaN"/>
+          </dgm:ruleLst>
+        </dgm:layoutNode>
+        <dgm:layoutNode name="desTx" styleLbl="alignAccFollowNode1">
+          <dgm:varLst>
+            <dgm:bulletEnabled val="1"/>
+          </dgm:varLst>
+          <dgm:alg type="tx">
+            <dgm:param type="stBulletLvl" val="1"/>
+          </dgm:alg>
+          <dgm:shape xmlns:r="http://schemas.openxmlformats.org/officeDocument/2006/relationships" type="rect" r:blip="">
+            <dgm:adjLst/>
+          </dgm:shape>
+          <dgm:presOf axis="des" ptType="node"/>
+          <dgm:constrLst>
+            <dgm:constr type="secFontSz" val="65"/>
+            <dgm:constr type="primFontSz" refType="secFontSz"/>
+            <dgm:constr type="h"/>
+            <dgm:constr type="lMarg" refType="primFontSz" fact="0.42"/>
+            <dgm:constr type="tMarg" refType="primFontSz" fact="0.42"/>
+            <dgm:constr type="bMarg" refType="primFontSz" fact="0.63"/>
+          </dgm:constrLst>
+          <dgm:ruleLst>
+            <dgm:rule type="h" val="INF" fact="NaN" max="NaN"/>
+          </dgm:ruleLst>
+        </dgm:layoutNode>
+      </dgm:layoutNode>
+      <dgm:forEach name="Name5" axis="followSib" ptType="sibTrans" cnt="1">
+        <dgm:layoutNode name="space">
+          <dgm:alg type="sp"/>
+          <dgm:shape xmlns:r="http://schemas.openxmlformats.org/officeDocument/2006/relationships" r:blip="">
+            <dgm:adjLst/>
+          </dgm:shape>
+          <dgm:presOf/>
+          <dgm:constrLst/>
+          <dgm:ruleLst/>
+        </dgm:layoutNode>
+      </dgm:forEach>
+    </dgm:forEach>
+  </dgm:layoutNode>
+</dgm:layoutDef>
+</file>
+
 <file path=ppt/diagrams/quickStyle1.xml><?xml version="1.0" encoding="utf-8"?>
+<dgm:styleDef xmlns:dgm="http://schemas.openxmlformats.org/drawingml/2006/diagram" xmlns:a="http://schemas.openxmlformats.org/drawingml/2006/main" uniqueId="urn:microsoft.com/office/officeart/2005/8/quickstyle/simple1">
+  <dgm:title val=""/>
+  <dgm:desc val=""/>
+  <dgm:catLst>
+    <dgm:cat type="simple" pri="10100"/>
+  </dgm:catLst>
+  <dgm:scene3d>
+    <a:camera prst="orthographicFront"/>
+    <a:lightRig rig="threePt" dir="t"/>
+  </dgm:scene3d>
+  <dgm:styleLbl name="node0">
+    <dgm:scene3d>
+      <a:camera prst="orthographicFront"/>
+      <a:lightRig rig="threePt" dir="t"/>
+    </dgm:scene3d>
+    <dgm:sp3d/>
+    <dgm:txPr/>
+    <dgm:style>
+      <a:lnRef idx="2">
+        <a:scrgbClr r="0" g="0" b="0"/>
+      </a:lnRef>
+      <a:fillRef idx="1">
+        <a:scrgbClr r="0" g="0" b="0"/>
+      </a:fillRef>
+      <a:effectRef idx="0">
+        <a:scrgbClr r="0" g="0" b="0"/>
+      </a:effectRef>
+      <a:fontRef idx="minor">
+        <a:schemeClr val="lt1"/>
+      </a:fontRef>
+    </dgm:style>
+  </dgm:styleLbl>
+  <dgm:styleLbl name="lnNode1">
+    <dgm:scene3d>
+      <a:camera prst="orthographicFront"/>
+      <a:lightRig rig="threePt" dir="t"/>
+    </dgm:scene3d>
+    <dgm:sp3d/>
+    <dgm:txPr/>
+    <dgm:style>
+      <a:lnRef idx="2">
+        <a:scrgbClr r="0" g="0" b="0"/>
+      </a:lnRef>
+      <a:fillRef idx="1">
+        <a:scrgbClr r="0" g="0" b="0"/>
+      </a:fillRef>
+      <a:effectRef idx="0">
+        <a:scrgbClr r="0" g="0" b="0"/>
+      </a:effectRef>
+      <a:fontRef idx="minor">
+        <a:schemeClr val="lt1"/>
+      </a:fontRef>
+    </dgm:style>
+  </dgm:styleLbl>
+  <dgm:styleLbl name="vennNode1">
+    <dgm:scene3d>
+      <a:camera prst="orthographicFront"/>
+      <a:lightRig rig="threePt" dir="t"/>
+    </dgm:scene3d>
+    <dgm:sp3d/>
+    <dgm:txPr/>
+    <dgm:style>
+      <a:lnRef idx="2">
+        <a:scrgbClr r="0" g="0" b="0"/>
+      </a:lnRef>
+      <a:fillRef idx="1">
+        <a:scrgbClr r="0" g="0" b="0"/>
+      </a:fillRef>
+      <a:effectRef idx="0">
+        <a:scrgbClr r="0" g="0" b="0"/>
+      </a:effectRef>
+      <a:fontRef idx="minor">
+        <a:schemeClr val="tx1"/>
+      </a:fontRef>
+    </dgm:style>
+  </dgm:styleLbl>
+  <dgm:styleLbl name="alignNode1">
+    <dgm:scene3d>
+      <a:camera prst="orthographicFront"/>
+      <a:lightRig rig="threePt" dir="t"/>
+    </dgm:scene3d>
+    <dgm:sp3d/>
+    <dgm:txPr/>
+    <dgm:style>
+      <a:lnRef idx="2">
+        <a:scrgbClr r="0" g="0" b="0"/>
+      </a:lnRef>
+      <a:fillRef idx="1">
+        <a:scrgbClr r="0" g="0" b="0"/>
+      </a:fillRef>
+      <a:effectRef idx="0">
+        <a:scrgbClr r="0" g="0" b="0"/>
+      </a:effectRef>
+      <a:fontRef idx="minor">
+        <a:schemeClr val="lt1"/>
+      </a:fontRef>
+    </dgm:style>
+  </dgm:styleLbl>
+  <dgm:styleLbl name="node1">
+    <dgm:scene3d>
+      <a:camera prst="orthographicFront"/>
+      <a:lightRig rig="threePt" dir="t"/>
+    </dgm:scene3d>
+    <dgm:sp3d/>
+    <dgm:txPr/>
+    <dgm:style>
+      <a:lnRef idx="2">
+        <a:scrgbClr r="0" g="0" b="0"/>
+      </a:lnRef>
+      <a:fillRef idx="1">
+        <a:scrgbClr r="0" g="0" b="0"/>
+      </a:fillRef>
+      <a:effectRef idx="0">
+        <a:scrgbClr r="0" g="0" b="0"/>
+      </a:effectRef>
+      <a:fontRef idx="minor">
+        <a:schemeClr val="lt1"/>
+      </a:fontRef>
+    </dgm:style>
+  </dgm:styleLbl>
+  <dgm:styleLbl name="node2">
+    <dgm:scene3d>
+      <a:camera prst="orthographicFront"/>
+      <a:lightRig rig="threePt" dir="t"/>
+    </dgm:scene3d>
+    <dgm:sp3d/>
+    <dgm:txPr/>
+    <dgm:style>
+      <a:lnRef idx="2">
+        <a:scrgbClr r="0" g="0" b="0"/>
+      </a:lnRef>
+      <a:fillRef idx="1">
+        <a:scrgbClr r="0" g="0" b="0"/>
+      </a:fillRef>
+      <a:effectRef idx="0">
+        <a:scrgbClr r="0" g="0" b="0"/>
+      </a:effectRef>
+      <a:fontRef idx="minor">
+        <a:schemeClr val="lt1"/>
+      </a:fontRef>
+    </dgm:style>
+  </dgm:styleLbl>
+  <dgm:styleLbl name="node3">
+    <dgm:scene3d>
+      <a:camera prst="orthographicFront"/>
+      <a:lightRig rig="threePt" dir="t"/>
+    </dgm:scene3d>
+    <dgm:sp3d/>
+    <dgm:txPr/>
+    <dgm:style>
+      <a:lnRef idx="2">
+        <a:scrgbClr r="0" g="0" b="0"/>
+      </a:lnRef>
+      <a:fillRef idx="1">
+        <a:scrgbClr r="0" g="0" b="0"/>
+      </a:fillRef>
+      <a:effectRef idx="0">
+        <a:scrgbClr r="0" g="0" b="0"/>
+      </a:effectRef>
+      <a:fontRef idx="minor">
+        <a:schemeClr val="lt1"/>
+      </a:fontRef>
+    </dgm:style>
+  </dgm:styleLbl>
+  <dgm:styleLbl name="node4">
+    <dgm:scene3d>
+      <a:camera prst="orthographicFront"/>
+      <a:lightRig rig="threePt" dir="t"/>
+    </dgm:scene3d>
+    <dgm:sp3d/>
+    <dgm:txPr/>
+    <dgm:style>
+      <a:lnRef idx="2">
+        <a:scrgbClr r="0" g="0" b="0"/>
+      </a:lnRef>
+      <a:fillRef idx="1">
+        <a:scrgbClr r="0" g="0" b="0"/>
+      </a:fillRef>
+      <a:effectRef idx="0">
+        <a:scrgbClr r="0" g="0" b="0"/>
+      </a:effectRef>
+      <a:fontRef idx="minor">
+        <a:schemeClr val="lt1"/>
+      </a:fontRef>
+    </dgm:style>
+  </dgm:styleLbl>
+  <dgm:styleLbl name="fgImgPlace1">
+    <dgm:scene3d>
+      <a:camera prst="orthographicFront"/>
+      <a:lightRig rig="threePt" dir="t"/>
+    </dgm:scene3d>
+    <dgm:sp3d/>
+    <dgm:txPr/>
+    <dgm:style>
+      <a:lnRef idx="2">
+        <a:scrgbClr r="0" g="0" b="0"/>
+      </a:lnRef>
+      <a:fillRef idx="1">
+        <a:scrgbClr r="0" g="0" b="0"/>
+      </a:fillRef>
+      <a:effectRef idx="0">
+        <a:scrgbClr r="0" g="0" b="0"/>
+      </a:effectRef>
+      <a:fontRef idx="minor"/>
+    </dgm:style>
+  </dgm:styleLbl>
+  <dgm:styleLbl name="alignImgPlace1">
+    <dgm:scene3d>
+      <a:camera prst="orthographicFront"/>
+      <a:lightRig rig="threePt" dir="t"/>
+    </dgm:scene3d>
+    <dgm:sp3d/>
+    <dgm:txPr/>
+    <dgm:style>
+      <a:lnRef idx="2">
+        <a:scrgbClr r="0" g="0" b="0"/>
+      </a:lnRef>
+      <a:fillRef idx="1">
+        <a:scrgbClr r="0" g="0" b="0"/>
+      </a:fillRef>
+      <a:effectRef idx="0">
+        <a:scrgbClr r="0" g="0" b="0"/>
+      </a:effectRef>
+      <a:fontRef idx="minor"/>
+    </dgm:style>
+  </dgm:styleLbl>
+  <dgm:styleLbl name="bgImgPlace1">
+    <dgm:scene3d>
+      <a:camera prst="orthographicFront"/>
+      <a:lightRig rig="threePt" dir="t"/>
+    </dgm:scene3d>
+    <dgm:sp3d/>
+    <dgm:txPr/>
+    <dgm:style>
+      <a:lnRef idx="2">
+        <a:scrgbClr r="0" g="0" b="0"/>
+      </a:lnRef>
+      <a:fillRef idx="1">
+        <a:scrgbClr r="0" g="0" b="0"/>
+      </a:fillRef>
+      <a:effectRef idx="0">
+        <a:scrgbClr r="0" g="0" b="0"/>
+      </a:effectRef>
+      <a:fontRef idx="minor"/>
+    </dgm:style>
+  </dgm:styleLbl>
+  <dgm:styleLbl name="sibTrans2D1">
+    <dgm:scene3d>
+      <a:camera prst="orthographicFront"/>
+      <a:lightRig rig="threePt" dir="t"/>
+    </dgm:scene3d>
+    <dgm:sp3d/>
+    <dgm:txPr/>
+    <dgm:style>
+      <a:lnRef idx="0">
+        <a:scrgbClr r="0" g="0" b="0"/>
+      </a:lnRef>
+      <a:fillRef idx="1">
+        <a:scrgbClr r="0" g="0" b="0"/>
+      </a:fillRef>
+      <a:effectRef idx="0">
+        <a:scrgbClr r="0" g="0" b="0"/>
+      </a:effectRef>
+      <a:fontRef idx="minor">
+        <a:schemeClr val="lt1"/>
+      </a:fontRef>
+    </dgm:style>
+  </dgm:styleLbl>
+  <dgm:styleLbl name="fgSibTrans2D1">
+    <dgm:scene3d>
+      <a:camera prst="orthographicFront"/>
+      <a:lightRig rig="threePt" dir="t"/>
+    </dgm:scene3d>
+    <dgm:sp3d/>
+    <dgm:txPr/>
+    <dgm:style>
+      <a:lnRef idx="0">
+        <a:scrgbClr r="0" g="0" b="0"/>
+      </a:lnRef>
+      <a:fillRef idx="1">
+        <a:scrgbClr r="0" g="0" b="0"/>
+      </a:fillRef>
+      <a:effectRef idx="0">
+        <a:scrgbClr r="0" g="0" b="0"/>
+      </a:effectRef>
+      <a:fontRef idx="minor">
+        <a:schemeClr val="lt1"/>
+      </a:fontRef>
+    </dgm:style>
+  </dgm:styleLbl>
+  <dgm:styleLbl name="bgSibTrans2D1">
+    <dgm:scene3d>
+      <a:camera prst="orthographicFront"/>
+      <a:lightRig rig="threePt" dir="t"/>
+    </dgm:scene3d>
+    <dgm:sp3d/>
+    <dgm:txPr/>
+    <dgm:style>
+      <a:lnRef idx="0">
+        <a:scrgbClr r="0" g="0" b="0"/>
+      </a:lnRef>
+      <a:fillRef idx="1">
+        <a:scrgbClr r="0" g="0" b="0"/>
+      </a:fillRef>
+      <a:effectRef idx="0">
+        <a:scrgbClr r="0" g="0" b="0"/>
+      </a:effectRef>
+      <a:fontRef idx="minor">
+        <a:schemeClr val="lt1"/>
+      </a:fontRef>
+    </dgm:style>
+  </dgm:styleLbl>
+  <dgm:styleLbl name="sibTrans1D1">
+    <dgm:scene3d>
+      <a:camera prst="orthographicFront"/>
+      <a:lightRig rig="threePt" dir="t"/>
+    </dgm:scene3d>
+    <dgm:sp3d/>
+    <dgm:txPr/>
+    <dgm:style>
+      <a:lnRef idx="1">
+        <a:scrgbClr r="0" g="0" b="0"/>
+      </a:lnRef>
+      <a:fillRef idx="0">
+        <a:scrgbClr r="0" g="0" b="0"/>
+      </a:fillRef>
+      <a:effectRef idx="0">
+        <a:scrgbClr r="0" g="0" b="0"/>
+      </a:effectRef>
+      <a:fontRef idx="minor"/>
+    </dgm:style>
+  </dgm:styleLbl>
+  <dgm:styleLbl name="callout">
+    <dgm:scene3d>
+      <a:camera prst="orthographicFront"/>
+      <a:lightRig rig="threePt" dir="t"/>
+    </dgm:scene3d>
+    <dgm:sp3d/>
+    <dgm:txPr/>
+    <dgm:style>
+      <a:lnRef idx="2">
+        <a:scrgbClr r="0" g="0" b="0"/>
+      </a:lnRef>
+      <a:fillRef idx="1">
+        <a:scrgbClr r="0" g="0" b="0"/>
+      </a:fillRef>
+      <a:effectRef idx="0">
+        <a:scrgbClr r="0" g="0" b="0"/>
+      </a:effectRef>
+      <a:fontRef idx="minor"/>
+    </dgm:style>
+  </dgm:styleLbl>
+  <dgm:styleLbl name="asst0">
+    <dgm:scene3d>
+      <a:camera prst="orthographicFront"/>
+      <a:lightRig rig="threePt" dir="t"/>
+    </dgm:scene3d>
+    <dgm:sp3d/>
+    <dgm:txPr/>
+    <dgm:style>
+      <a:lnRef idx="2">
+        <a:scrgbClr r="0" g="0" b="0"/>
+      </a:lnRef>
+      <a:fillRef idx="1">
+        <a:scrgbClr r="0" g="0" b="0"/>
+      </a:fillRef>
+      <a:effectRef idx="0">
+        <a:scrgbClr r="0" g="0" b="0"/>
+      </a:effectRef>
+      <a:fontRef idx="minor">
+        <a:schemeClr val="lt1"/>
+      </a:fontRef>
+    </dgm:style>
+  </dgm:styleLbl>
+  <dgm:styleLbl name="asst1">
+    <dgm:scene3d>
+      <a:camera prst="orthographicFront"/>
+      <a:lightRig rig="threePt" dir="t"/>
+    </dgm:scene3d>
+    <dgm:sp3d/>
+    <dgm:txPr/>
+    <dgm:style>
+      <a:lnRef idx="2">
+        <a:scrgbClr r="0" g="0" b="0"/>
+      </a:lnRef>
+      <a:fillRef idx="1">
+        <a:scrgbClr r="0" g="0" b="0"/>
+      </a:fillRef>
+      <a:effectRef idx="0">
+        <a:scrgbClr r="0" g="0" b="0"/>
+      </a:effectRef>
+      <a:fontRef idx="minor">
+        <a:schemeClr val="lt1"/>
+      </a:fontRef>
+    </dgm:style>
+  </dgm:styleLbl>
+  <dgm:styleLbl name="asst2">
+    <dgm:scene3d>
+      <a:camera prst="orthographicFront"/>
+      <a:lightRig rig="threePt" dir="t"/>
+    </dgm:scene3d>
+    <dgm:sp3d/>
+    <dgm:txPr/>
+    <dgm:style>
+      <a:lnRef idx="2">
+        <a:scrgbClr r="0" g="0" b="0"/>
+      </a:lnRef>
+      <a:fillRef idx="1">
+        <a:scrgbClr r="0" g="0" b="0"/>
+      </a:fillRef>
+      <a:effectRef idx="0">
+        <a:scrgbClr r="0" g="0" b="0"/>
+      </a:effectRef>
+      <a:fontRef idx="minor">
+        <a:schemeClr val="lt1"/>
+      </a:fontRef>
+    </dgm:style>
+  </dgm:styleLbl>
+  <dgm:styleLbl name="asst3">
+    <dgm:scene3d>
+      <a:camera prst="orthographicFront"/>
+      <a:lightRig rig="threePt" dir="t"/>
+    </dgm:scene3d>
+    <dgm:sp3d/>
+    <dgm:txPr/>
+    <dgm:style>
+      <a:lnRef idx="2">
+        <a:scrgbClr r="0" g="0" b="0"/>
+      </a:lnRef>
+      <a:fillRef idx="1">
+        <a:scrgbClr r="0" g="0" b="0"/>
+      </a:fillRef>
+      <a:effectRef idx="0">
+        <a:scrgbClr r="0" g="0" b="0"/>
+      </a:effectRef>
+      <a:fontRef idx="minor">
+        <a:schemeClr val="lt1"/>
+      </a:fontRef>
+    </dgm:style>
+  </dgm:styleLbl>
+  <dgm:styleLbl name="asst4">
+    <dgm:scene3d>
+      <a:camera prst="orthographicFront"/>
+      <a:lightRig rig="threePt" dir="t"/>
+    </dgm:scene3d>
+    <dgm:sp3d/>
+    <dgm:txPr/>
+    <dgm:style>
+      <a:lnRef idx="2">
+        <a:scrgbClr r="0" g="0" b="0"/>
+      </a:lnRef>
+      <a:fillRef idx="1">
+        <a:scrgbClr r="0" g="0" b="0"/>
+      </a:fillRef>
+      <a:effectRef idx="0">
+        <a:scrgbClr r="0" g="0" b="0"/>
+      </a:effectRef>
+      <a:fontRef idx="minor">
+        <a:schemeClr val="lt1"/>
+      </a:fontRef>
+    </dgm:style>
+  </dgm:styleLbl>
+  <dgm:styleLbl name="parChTrans2D1">
+    <dgm:scene3d>
+      <a:camera prst="orthographicFront"/>
+      <a:lightRig rig="threePt" dir="t"/>
+    </dgm:scene3d>
+    <dgm:sp3d/>
+    <dgm:txPr/>
+    <dgm:style>
+      <a:lnRef idx="2">
+        <a:scrgbClr r="0" g="0" b="0"/>
+      </a:lnRef>
+      <a:fillRef idx="1">
+        <a:scrgbClr r="0" g="0" b="0"/>
+      </a:fillRef>
+      <a:effectRef idx="0">
+        <a:scrgbClr r="0" g="0" b="0"/>
+      </a:effectRef>
+      <a:fontRef idx="minor">
+        <a:schemeClr val="lt1"/>
+      </a:fontRef>
+    </dgm:style>
+  </dgm:styleLbl>
+  <dgm:styleLbl name="parChTrans2D2">
+    <dgm:scene3d>
+      <a:camera prst="orthographicFront"/>
+      <a:lightRig rig="threePt" dir="t"/>
+    </dgm:scene3d>
+    <dgm:sp3d/>
+    <dgm:txPr/>
+    <dgm:style>
+      <a:lnRef idx="2">
+        <a:scrgbClr r="0" g="0" b="0"/>
+      </a:lnRef>
+      <a:fillRef idx="1">
+        <a:scrgbClr r="0" g="0" b="0"/>
+      </a:fillRef>
+      <a:effectRef idx="0">
+        <a:scrgbClr r="0" g="0" b="0"/>
+      </a:effectRef>
+      <a:fontRef idx="minor">
+        <a:schemeClr val="lt1"/>
+      </a:fontRef>
+    </dgm:style>
+  </dgm:styleLbl>
+  <dgm:styleLbl name="parChTrans2D3">
+    <dgm:scene3d>
+      <a:camera prst="orthographicFront"/>
+      <a:lightRig rig="threePt" dir="t"/>
+    </dgm:scene3d>
+    <dgm:sp3d/>
+    <dgm:txPr/>
+    <dgm:style>
+      <a:lnRef idx="2">
+        <a:scrgbClr r="0" g="0" b="0"/>
+      </a:lnRef>
+      <a:fillRef idx="1">
+        <a:scrgbClr r="0" g="0" b="0"/>
+      </a:fillRef>
+      <a:effectRef idx="0">
+        <a:scrgbClr r="0" g="0" b="0"/>
+      </a:effectRef>
+      <a:fontRef idx="minor">
+        <a:schemeClr val="lt1"/>
+      </a:fontRef>
+    </dgm:style>
+  </dgm:styleLbl>
+  <dgm:styleLbl name="parChTrans2D4">
+    <dgm:scene3d>
+      <a:camera prst="orthographicFront"/>
+      <a:lightRig rig="threePt" dir="t"/>
+    </dgm:scene3d>
+    <dgm:sp3d/>
+    <dgm:txPr/>
+    <dgm:style>
+      <a:lnRef idx="2">
+        <a:scrgbClr r="0" g="0" b="0"/>
+      </a:lnRef>
+      <a:fillRef idx="1">
+        <a:scrgbClr r="0" g="0" b="0"/>
+      </a:fillRef>
+      <a:effectRef idx="0">
+        <a:scrgbClr r="0" g="0" b="0"/>
+      </a:effectRef>
+      <a:fontRef idx="minor">
+        <a:schemeClr val="lt1"/>
+      </a:fontRef>
+    </dgm:style>
+  </dgm:styleLbl>
+  <dgm:styleLbl name="parChTrans1D1">
+    <dgm:scene3d>
+      <a:camera prst="orthographicFront"/>
+      <a:lightRig rig="threePt" dir="t"/>
+    </dgm:scene3d>
+    <dgm:sp3d/>
+    <dgm:txPr/>
+    <dgm:style>
+      <a:lnRef idx="2">
+        <a:scrgbClr r="0" g="0" b="0"/>
+      </a:lnRef>
+      <a:fillRef idx="0">
+        <a:scrgbClr r="0" g="0" b="0"/>
+      </a:fillRef>
+      <a:effectRef idx="0">
+        <a:scrgbClr r="0" g="0" b="0"/>
+      </a:effectRef>
+      <a:fontRef idx="minor"/>
+    </dgm:style>
+  </dgm:styleLbl>
+  <dgm:styleLbl name="parChTrans1D2">
+    <dgm:scene3d>
+      <a:camera prst="orthographicFront"/>
+      <a:lightRig rig="threePt" dir="t"/>
+    </dgm:scene3d>
+    <dgm:sp3d/>
+    <dgm:txPr/>
+    <dgm:style>
+      <a:lnRef idx="2">
+        <a:scrgbClr r="0" g="0" b="0"/>
+      </a:lnRef>
+      <a:fillRef idx="0">
+        <a:scrgbClr r="0" g="0" b="0"/>
+      </a:fillRef>
+      <a:effectRef idx="0">
+        <a:scrgbClr r="0" g="0" b="0"/>
+      </a:effectRef>
+      <a:fontRef idx="minor"/>
+    </dgm:style>
+  </dgm:styleLbl>
+  <dgm:styleLbl name="parChTrans1D3">
+    <dgm:scene3d>
+      <a:camera prst="orthographicFront"/>
+      <a:lightRig rig="threePt" dir="t"/>
+    </dgm:scene3d>
+    <dgm:sp3d/>
+    <dgm:txPr/>
+    <dgm:style>
+      <a:lnRef idx="2">
+        <a:scrgbClr r="0" g="0" b="0"/>
+      </a:lnRef>
+      <a:fillRef idx="0">
+        <a:scrgbClr r="0" g="0" b="0"/>
+      </a:fillRef>
+      <a:effectRef idx="0">
+        <a:scrgbClr r="0" g="0" b="0"/>
+      </a:effectRef>
+      <a:fontRef idx="minor"/>
+    </dgm:style>
+  </dgm:styleLbl>
+  <dgm:styleLbl name="parChTrans1D4">
+    <dgm:scene3d>
+      <a:camera prst="orthographicFront"/>
+      <a:lightRig rig="threePt" dir="t"/>
+    </dgm:scene3d>
+    <dgm:sp3d/>
+    <dgm:txPr/>
+    <dgm:style>
+      <a:lnRef idx="2">
+        <a:scrgbClr r="0" g="0" b="0"/>
+      </a:lnRef>
+      <a:fillRef idx="0">
+        <a:scrgbClr r="0" g="0" b="0"/>
+      </a:fillRef>
+      <a:effectRef idx="0">
+        <a:scrgbClr r="0" g="0" b="0"/>
+      </a:effectRef>
+      <a:fontRef idx="minor"/>
+    </dgm:style>
+  </dgm:styleLbl>
+  <dgm:styleLbl name="fgAcc1">
+    <dgm:scene3d>
+      <a:camera prst="orthographicFront"/>
+      <a:lightRig rig="threePt" dir="t"/>
+    </dgm:scene3d>
+    <dgm:sp3d/>
+    <dgm:txPr/>
+    <dgm:style>
+      <a:lnRef idx="2">
+        <a:scrgbClr r="0" g="0" b="0"/>
+      </a:lnRef>
+      <a:fillRef idx="1">
+        <a:scrgbClr r="0" g="0" b="0"/>
+      </a:fillRef>
+      <a:effectRef idx="0">
+        <a:scrgbClr r="0" g="0" b="0"/>
+      </a:effectRef>
+      <a:fontRef idx="minor"/>
+    </dgm:style>
+  </dgm:styleLbl>
+  <dgm:styleLbl name="conFgAcc1">
+    <dgm:scene3d>
+      <a:camera prst="orthographicFront"/>
+      <a:lightRig rig="threePt" dir="t"/>
+    </dgm:scene3d>
+    <dgm:sp3d/>
+    <dgm:txPr/>
+    <dgm:style>
+      <a:lnRef idx="2">
+        <a:scrgbClr r="0" g="0" b="0"/>
+      </a:lnRef>
+      <a:fillRef idx="1">
+        <a:scrgbClr r="0" g="0" b="0"/>
+      </a:fillRef>
+      <a:effectRef idx="0">
+        <a:scrgbClr r="0" g="0" b="0"/>
+      </a:effectRef>
+      <a:fontRef idx="minor"/>
+    </dgm:style>
+  </dgm:styleLbl>
+  <dgm:styleLbl name="alignAcc1">
+    <dgm:scene3d>
+      <a:camera prst="orthographicFront"/>
+      <a:lightRig rig="threePt" dir="t"/>
+    </dgm:scene3d>
+    <dgm:sp3d/>
+    <dgm:txPr/>
+    <dgm:style>
+      <a:lnRef idx="2">
+        <a:scrgbClr r="0" g="0" b="0"/>
+      </a:lnRef>
+      <a:fillRef idx="1">
+        <a:scrgbClr r="0" g="0" b="0"/>
+      </a:fillRef>
+      <a:effectRef idx="0">
+        <a:scrgbClr r="0" g="0" b="0"/>
+      </a:effectRef>
+      <a:fontRef idx="minor"/>
+    </dgm:style>
+  </dgm:styleLbl>
+  <dgm:styleLbl name="trAlignAcc1">
+    <dgm:scene3d>
+      <a:camera prst="orthographicFront"/>
+      <a:lightRig rig="threePt" dir="t"/>
+    </dgm:scene3d>
+    <dgm:sp3d/>
+    <dgm:txPr/>
+    <dgm:style>
+      <a:lnRef idx="1">
+        <a:scrgbClr r="0" g="0" b="0"/>
+      </a:lnRef>
+      <a:fillRef idx="1">
+        <a:scrgbClr r="0" g="0" b="0"/>
+      </a:fillRef>
+      <a:effectRef idx="0">
+        <a:scrgbClr r="0" g="0" b="0"/>
+      </a:effectRef>
+      <a:fontRef idx="minor"/>
+    </dgm:style>
+  </dgm:styleLbl>
+  <dgm:styleLbl name="bgAcc1">
+    <dgm:scene3d>
+      <a:camera prst="orthographicFront"/>
+      <a:lightRig rig="threePt" dir="t"/>
+    </dgm:scene3d>
+    <dgm:sp3d/>
+    <dgm:txPr/>
+    <dgm:style>
+      <a:lnRef idx="2">
+        <a:scrgbClr r="0" g="0" b="0"/>
+      </a:lnRef>
+      <a:fillRef idx="1">
+        <a:scrgbClr r="0" g="0" b="0"/>
+      </a:fillRef>
+      <a:effectRef idx="0">
+        <a:scrgbClr r="0" g="0" b="0"/>
+      </a:effectRef>
+      <a:fontRef idx="minor"/>
+    </dgm:style>
+  </dgm:styleLbl>
+  <dgm:styleLbl name="solidFgAcc1">
+    <dgm:scene3d>
+      <a:camera prst="orthographicFront"/>
+      <a:lightRig rig="threePt" dir="t"/>
+    </dgm:scene3d>
+    <dgm:sp3d/>
+    <dgm:txPr/>
+    <dgm:style>
+      <a:lnRef idx="2">
+        <a:scrgbClr r="0" g="0" b="0"/>
+      </a:lnRef>
+      <a:fillRef idx="1">
+        <a:scrgbClr r="0" g="0" b="0"/>
+      </a:fillRef>
+      <a:effectRef idx="0">
+        <a:scrgbClr r="0" g="0" b="0"/>
+      </a:effectRef>
+      <a:fontRef idx="minor"/>
+    </dgm:style>
+  </dgm:styleLbl>
+  <dgm:styleLbl name="solidAlignAcc1">
+    <dgm:scene3d>
+      <a:camera prst="orthographicFront"/>
+      <a:lightRig rig="threePt" dir="t"/>
+    </dgm:scene3d>
+    <dgm:sp3d/>
+    <dgm:txPr/>
+    <dgm:style>
+      <a:lnRef idx="2">
+        <a:scrgbClr r="0" g="0" b="0"/>
+      </a:lnRef>
+      <a:fillRef idx="1">
+        <a:scrgbClr r="0" g="0" b="0"/>
+      </a:fillRef>
+      <a:effectRef idx="0">
+        <a:scrgbClr r="0" g="0" b="0"/>
+      </a:effectRef>
+      <a:fontRef idx="minor"/>
+    </dgm:style>
+  </dgm:styleLbl>
+  <dgm:styleLbl name="solidBgAcc1">
+    <dgm:scene3d>
+      <a:camera prst="orthographicFront"/>
+      <a:lightRig rig="threePt" dir="t"/>
+    </dgm:scene3d>
+    <dgm:sp3d/>
+    <dgm:txPr/>
+    <dgm:style>
+      <a:lnRef idx="2">
+        <a:scrgbClr r="0" g="0" b="0"/>
+      </a:lnRef>
+      <a:fillRef idx="1">
+        <a:scrgbClr r="0" g="0" b="0"/>
+      </a:fillRef>
+      <a:effectRef idx="0">
+        <a:scrgbClr r="0" g="0" b="0"/>
+      </a:effectRef>
+      <a:fontRef idx="minor"/>
+    </dgm:style>
+  </dgm:styleLbl>
+  <dgm:styleLbl name="fgAccFollowNode1">
+    <dgm:scene3d>
+      <a:camera prst="orthographicFront"/>
+      <a:lightRig rig="threePt" dir="t"/>
+    </dgm:scene3d>
+    <dgm:sp3d/>
+    <dgm:txPr/>
+    <dgm:style>
+      <a:lnRef idx="2">
+        <a:scrgbClr r="0" g="0" b="0"/>
+      </a:lnRef>
+      <a:fillRef idx="1">
+        <a:scrgbClr r="0" g="0" b="0"/>
+      </a:fillRef>
+      <a:effectRef idx="0">
+        <a:scrgbClr r="0" g="0" b="0"/>
+      </a:effectRef>
+      <a:fontRef idx="minor"/>
+    </dgm:style>
+  </dgm:styleLbl>
+  <dgm:styleLbl name="alignAccFollowNode1">
+    <dgm:scene3d>
+      <a:camera prst="orthographicFront"/>
+      <a:lightRig rig="threePt" dir="t"/>
+    </dgm:scene3d>
+    <dgm:sp3d/>
+    <dgm:txPr/>
+    <dgm:style>
+      <a:lnRef idx="2">
+        <a:scrgbClr r="0" g="0" b="0"/>
+      </a:lnRef>
+      <a:fillRef idx="1">
+        <a:scrgbClr r="0" g="0" b="0"/>
+      </a:fillRef>
+      <a:effectRef idx="0">
+        <a:scrgbClr r="0" g="0" b="0"/>
+      </a:effectRef>
+      <a:fontRef idx="minor"/>
+    </dgm:style>
+  </dgm:styleLbl>
+  <dgm:styleLbl name="bgAccFollowNode1">
+    <dgm:scene3d>
+      <a:camera prst="orthographicFront"/>
+      <a:lightRig rig="threePt" dir="t"/>
+    </dgm:scene3d>
+    <dgm:sp3d/>
+    <dgm:txPr/>
+    <dgm:style>
+      <a:lnRef idx="2">
+        <a:scrgbClr r="0" g="0" b="0"/>
+      </a:lnRef>
+      <a:fillRef idx="1">
+        <a:scrgbClr r="0" g="0" b="0"/>
+      </a:fillRef>
+      <a:effectRef idx="0">
+        <a:scrgbClr r="0" g="0" b="0"/>
+      </a:effectRef>
+      <a:fontRef idx="minor"/>
+    </dgm:style>
+  </dgm:styleLbl>
+  <dgm:styleLbl name="fgAcc0">
+    <dgm:scene3d>
+      <a:camera prst="orthographicFront"/>
+      <a:lightRig rig="threePt" dir="t"/>
+    </dgm:scene3d>
+    <dgm:sp3d/>
+    <dgm:txPr/>
+    <dgm:style>
+      <a:lnRef idx="2">
+        <a:scrgbClr r="0" g="0" b="0"/>
+      </a:lnRef>
+      <a:fillRef idx="1">
+        <a:scrgbClr r="0" g="0" b="0"/>
+      </a:fillRef>
+      <a:effectRef idx="0">
+        <a:scrgbClr r="0" g="0" b="0"/>
+      </a:effectRef>
+      <a:fontRef idx="minor"/>
+    </dgm:style>
+  </dgm:styleLbl>
+  <dgm:styleLbl name="fgAcc2">
+    <dgm:scene3d>
+      <a:camera prst="orthographicFront"/>
+      <a:lightRig rig="threePt" dir="t"/>
+    </dgm:scene3d>
+    <dgm:sp3d/>
+    <dgm:txPr/>
+    <dgm:style>
+      <a:lnRef idx="2">
+        <a:scrgbClr r="0" g="0" b="0"/>
+      </a:lnRef>
+      <a:fillRef idx="1">
+        <a:scrgbClr r="0" g="0" b="0"/>
+      </a:fillRef>
+      <a:effectRef idx="0">
+        <a:scrgbClr r="0" g="0" b="0"/>
+      </a:effectRef>
+      <a:fontRef idx="minor"/>
+    </dgm:style>
+  </dgm:styleLbl>
+  <dgm:styleLbl name="fgAcc3">
+    <dgm:scene3d>
+      <a:camera prst="orthographicFront"/>
+      <a:lightRig rig="threePt" dir="t"/>
+    </dgm:scene3d>
+    <dgm:sp3d/>
+    <dgm:txPr/>
+    <dgm:style>
+      <a:lnRef idx="2">
+        <a:scrgbClr r="0" g="0" b="0"/>
+      </a:lnRef>
+      <a:fillRef idx="1">
+        <a:scrgbClr r="0" g="0" b="0"/>
+      </a:fillRef>
+      <a:effectRef idx="0">
+        <a:scrgbClr r="0" g="0" b="0"/>
+      </a:effectRef>
+      <a:fontRef idx="minor"/>
+    </dgm:style>
+  </dgm:styleLbl>
+  <dgm:styleLbl name="fgAcc4">
+    <dgm:scene3d>
+      <a:camera prst="orthographicFront"/>
+      <a:lightRig rig="threePt" dir="t"/>
+    </dgm:scene3d>
+    <dgm:sp3d/>
+    <dgm:txPr/>
+    <dgm:style>
+      <a:lnRef idx="2">
+        <a:scrgbClr r="0" g="0" b="0"/>
+      </a:lnRef>
+      <a:fillRef idx="1">
+        <a:scrgbClr r="0" g="0" b="0"/>
+      </a:fillRef>
+      <a:effectRef idx="0">
+        <a:scrgbClr r="0" g="0" b="0"/>
+      </a:effectRef>
+      <a:fontRef idx="minor"/>
+    </dgm:style>
+  </dgm:styleLbl>
+  <dgm:styleLbl name="bgShp">
+    <dgm:scene3d>
+      <a:camera prst="orthographicFront"/>
+      <a:lightRig rig="threePt" dir="t"/>
+    </dgm:scene3d>
+    <dgm:sp3d/>
+    <dgm:txPr/>
+    <dgm:style>
+      <a:lnRef idx="0">
+        <a:scrgbClr r="0" g="0" b="0"/>
+      </a:lnRef>
+      <a:fillRef idx="1">
+        <a:scrgbClr r="0" g="0" b="0"/>
+      </a:fillRef>
+      <a:effectRef idx="0">
+        <a:scrgbClr r="0" g="0" b="0"/>
+      </a:effectRef>
+      <a:fontRef idx="minor"/>
+    </dgm:style>
+  </dgm:styleLbl>
+  <dgm:styleLbl name="dkBgShp">
+    <dgm:scene3d>
+      <a:camera prst="orthographicFront"/>
+      <a:lightRig rig="threePt" dir="t"/>
+    </dgm:scene3d>
+    <dgm:sp3d/>
+    <dgm:txPr/>
+    <dgm:style>
+      <a:lnRef idx="0">
+        <a:scrgbClr r="0" g="0" b="0"/>
+      </a:lnRef>
+      <a:fillRef idx="1">
+        <a:scrgbClr r="0" g="0" b="0"/>
+      </a:fillRef>
+      <a:effectRef idx="0">
+        <a:scrgbClr r="0" g="0" b="0"/>
+      </a:effectRef>
+      <a:fontRef idx="minor"/>
+    </dgm:style>
+  </dgm:styleLbl>
+  <dgm:styleLbl name="trBgShp">
+    <dgm:scene3d>
+      <a:camera prst="orthographicFront"/>
+      <a:lightRig rig="threePt" dir="t"/>
+    </dgm:scene3d>
+    <dgm:sp3d/>
+    <dgm:txPr/>
+    <dgm:style>
+      <a:lnRef idx="0">
+        <a:scrgbClr r="0" g="0" b="0"/>
+      </a:lnRef>
+      <a:fillRef idx="1">
+        <a:scrgbClr r="0" g="0" b="0"/>
+      </a:fillRef>
+      <a:effectRef idx="0">
+        <a:scrgbClr r="0" g="0" b="0"/>
+      </a:effectRef>
+      <a:fontRef idx="minor"/>
+    </dgm:style>
+  </dgm:styleLbl>
+  <dgm:styleLbl name="fgShp">
+    <dgm:scene3d>
+      <a:camera prst="orthographicFront"/>
+      <a:lightRig rig="threePt" dir="t"/>
+    </dgm:scene3d>
+    <dgm:sp3d/>
+    <dgm:txPr/>
+    <dgm:style>
+      <a:lnRef idx="2">
+        <a:scrgbClr r="0" g="0" b="0"/>
+      </a:lnRef>
+      <a:fillRef idx="1">
+        <a:scrgbClr r="0" g="0" b="0"/>
+      </a:fillRef>
+      <a:effectRef idx="0">
+        <a:scrgbClr r="0" g="0" b="0"/>
+      </a:effectRef>
+      <a:fontRef idx="minor"/>
+    </dgm:style>
+  </dgm:styleLbl>
+  <dgm:styleLbl name="revTx">
+    <dgm:scene3d>
+      <a:camera prst="orthographicFront"/>
+      <a:lightRig rig="threePt" dir="t"/>
+    </dgm:scene3d>
+    <dgm:sp3d/>
+    <dgm:txPr/>
+    <dgm:style>
+      <a:lnRef idx="0">
+        <a:scrgbClr r="0" g="0" b="0"/>
+      </a:lnRef>
+      <a:fillRef idx="0">
+        <a:scrgbClr r="0" g="0" b="0"/>
+      </a:fillRef>
+      <a:effectRef idx="0">
+        <a:scrgbClr r="0" g="0" b="0"/>
+      </a:effectRef>
+      <a:fontRef idx="minor"/>
+    </dgm:style>
+  </dgm:styleLbl>
+</dgm:styleDef>
+</file>
+
+<file path=ppt/diagrams/quickStyle2.xml><?xml version="1.0" encoding="utf-8"?>
 <dgm:styleDef xmlns:dgm="http://schemas.openxmlformats.org/drawingml/2006/diagram" xmlns:a="http://schemas.openxmlformats.org/drawingml/2006/main" uniqueId="urn:microsoft.com/office/officeart/2005/8/quickstyle/simple1">
   <dgm:title val=""/>
   <dgm:desc val=""/>
@@ -26584,8 +32030,8 @@
         </p:nvSpPr>
         <p:spPr>
           <a:xfrm>
-            <a:off x="9645534" y="6396335"/>
-            <a:ext cx="2546466" cy="461665"/>
+            <a:off x="3303870" y="2958847"/>
+            <a:ext cx="5501442" cy="923330"/>
           </a:xfrm>
           <a:prstGeom prst="rect">
             <a:avLst/>
@@ -26599,25 +32045,210 @@
           <a:lstStyle/>
           <a:p>
             <a:r>
-              <a:rPr lang="en-US" altLang="zh-CN" sz="2400" dirty="0">
+              <a:rPr lang="en-US" altLang="zh-CN" sz="5400" dirty="0">
                 <a:solidFill>
                   <a:schemeClr val="bg1"/>
                 </a:solidFill>
-                <a:latin typeface="微软雅黑" panose="020B0503020204020204" pitchFamily="34" charset="-122"/>
-                <a:ea typeface="微软雅黑" panose="020B0503020204020204" pitchFamily="34" charset="-122"/>
+                <a:latin typeface="楷体" panose="02010609060101010101" pitchFamily="49" charset="-122"/>
+                <a:ea typeface="楷体" panose="02010609060101010101" pitchFamily="49" charset="-122"/>
               </a:rPr>
               <a:t>ZJUT</a:t>
             </a:r>
             <a:r>
-              <a:rPr lang="zh-CN" altLang="en-US" sz="2400" dirty="0">
+              <a:rPr lang="zh-CN" altLang="en-US" sz="5400" dirty="0">
                 <a:solidFill>
                   <a:schemeClr val="bg1"/>
                 </a:solidFill>
-                <a:latin typeface="微软雅黑" panose="020B0503020204020204" pitchFamily="34" charset="-122"/>
-                <a:ea typeface="微软雅黑" panose="020B0503020204020204" pitchFamily="34" charset="-122"/>
+                <a:latin typeface="楷体" panose="02010609060101010101" pitchFamily="49" charset="-122"/>
+                <a:ea typeface="楷体" panose="02010609060101010101" pitchFamily="49" charset="-122"/>
               </a:rPr>
-              <a:t>来一发 团队</a:t>
+              <a:t>来</a:t>
             </a:r>
+            <a:r>
+              <a:rPr lang="zh-CN" altLang="en-US" sz="5400" dirty="0" smtClean="0">
+                <a:solidFill>
+                  <a:schemeClr val="bg1"/>
+                </a:solidFill>
+                <a:latin typeface="楷体" panose="02010609060101010101" pitchFamily="49" charset="-122"/>
+                <a:ea typeface="楷体" panose="02010609060101010101" pitchFamily="49" charset="-122"/>
+              </a:rPr>
+              <a:t>一发 </a:t>
+            </a:r>
+            <a:r>
+              <a:rPr lang="zh-CN" altLang="en-US" sz="5400" dirty="0">
+                <a:solidFill>
+                  <a:schemeClr val="bg1"/>
+                </a:solidFill>
+                <a:latin typeface="楷体" panose="02010609060101010101" pitchFamily="49" charset="-122"/>
+                <a:ea typeface="楷体" panose="02010609060101010101" pitchFamily="49" charset="-122"/>
+              </a:rPr>
+              <a:t>团队</a:t>
+            </a:r>
+          </a:p>
+        </p:txBody>
+      </p:sp>
+      <p:sp>
+        <p:nvSpPr>
+          <p:cNvPr id="6" name="文本框 5"/>
+          <p:cNvSpPr txBox="1"/>
+          <p:nvPr/>
+        </p:nvSpPr>
+        <p:spPr>
+          <a:xfrm>
+            <a:off x="1998133" y="4796135"/>
+            <a:ext cx="8204200" cy="461665"/>
+          </a:xfrm>
+          <a:prstGeom prst="rect">
+            <a:avLst/>
+          </a:prstGeom>
+          <a:noFill/>
+        </p:spPr>
+        <p:txBody>
+          <a:bodyPr wrap="square" rtlCol="0">
+            <a:spAutoFit/>
+          </a:bodyPr>
+          <a:lstStyle/>
+          <a:p>
+            <a:r>
+              <a:rPr lang="zh-CN" altLang="en-US" sz="2400" b="1" dirty="0" smtClean="0">
+                <a:solidFill>
+                  <a:schemeClr val="accent5">
+                    <a:lumMod val="20000"/>
+                    <a:lumOff val="80000"/>
+                  </a:schemeClr>
+                </a:solidFill>
+              </a:rPr>
+              <a:t>吕倪祺</a:t>
+            </a:r>
+            <a:r>
+              <a:rPr lang="en-US" altLang="zh-CN" sz="2400" b="1" dirty="0" smtClean="0">
+                <a:solidFill>
+                  <a:schemeClr val="accent5">
+                    <a:lumMod val="20000"/>
+                    <a:lumOff val="80000"/>
+                  </a:schemeClr>
+                </a:solidFill>
+              </a:rPr>
+              <a:t>			</a:t>
+            </a:r>
+            <a:r>
+              <a:rPr lang="zh-CN" altLang="en-US" sz="2400" b="1" dirty="0" smtClean="0">
+                <a:solidFill>
+                  <a:schemeClr val="accent5">
+                    <a:lumMod val="20000"/>
+                    <a:lumOff val="80000"/>
+                  </a:schemeClr>
+                </a:solidFill>
+              </a:rPr>
+              <a:t>施晋</a:t>
+            </a:r>
+            <a:endParaRPr lang="zh-CN" altLang="en-US" sz="2400" b="1" dirty="0">
+              <a:solidFill>
+                <a:schemeClr val="accent5">
+                  <a:lumMod val="20000"/>
+                  <a:lumOff val="80000"/>
+                </a:schemeClr>
+              </a:solidFill>
+            </a:endParaRPr>
+          </a:p>
+        </p:txBody>
+      </p:sp>
+      <p:sp>
+        <p:nvSpPr>
+          <p:cNvPr id="7" name="文本框 6"/>
+          <p:cNvSpPr txBox="1"/>
+          <p:nvPr/>
+        </p:nvSpPr>
+        <p:spPr>
+          <a:xfrm>
+            <a:off x="1845733" y="5372705"/>
+            <a:ext cx="8627534" cy="461665"/>
+          </a:xfrm>
+          <a:prstGeom prst="rect">
+            <a:avLst/>
+          </a:prstGeom>
+          <a:noFill/>
+        </p:spPr>
+        <p:txBody>
+          <a:bodyPr wrap="square" rtlCol="0">
+            <a:spAutoFit/>
+          </a:bodyPr>
+          <a:lstStyle/>
+          <a:p>
+            <a:r>
+              <a:rPr lang="zh-CN" altLang="en-US" sz="2400" dirty="0" smtClean="0">
+                <a:solidFill>
+                  <a:schemeClr val="accent5">
+                    <a:lumMod val="20000"/>
+                    <a:lumOff val="80000"/>
+                  </a:schemeClr>
+                </a:solidFill>
+              </a:rPr>
+              <a:t>浙江大学</a:t>
+            </a:r>
+            <a:r>
+              <a:rPr lang="en-US" altLang="zh-CN" sz="2400" dirty="0" smtClean="0">
+                <a:solidFill>
+                  <a:schemeClr val="accent5">
+                    <a:lumMod val="20000"/>
+                    <a:lumOff val="80000"/>
+                  </a:schemeClr>
+                </a:solidFill>
+              </a:rPr>
+              <a:t>		        </a:t>
+            </a:r>
+            <a:r>
+              <a:rPr lang="zh-CN" altLang="en-US" sz="2400" dirty="0" smtClean="0">
+                <a:solidFill>
+                  <a:schemeClr val="accent5">
+                    <a:lumMod val="20000"/>
+                    <a:lumOff val="80000"/>
+                  </a:schemeClr>
+                </a:solidFill>
+              </a:rPr>
+              <a:t>华东师范大学</a:t>
+            </a:r>
+            <a:r>
+              <a:rPr lang="en-US" altLang="zh-CN" sz="2400" dirty="0" smtClean="0">
+                <a:solidFill>
+                  <a:schemeClr val="accent5">
+                    <a:lumMod val="20000"/>
+                    <a:lumOff val="80000"/>
+                  </a:schemeClr>
+                </a:solidFill>
+              </a:rPr>
+              <a:t>		        </a:t>
+            </a:r>
+            <a:r>
+              <a:rPr lang="zh-CN" altLang="en-US" sz="2400" dirty="0" smtClean="0">
+                <a:solidFill>
+                  <a:schemeClr val="accent5">
+                    <a:lumMod val="20000"/>
+                    <a:lumOff val="80000"/>
+                  </a:schemeClr>
+                </a:solidFill>
+              </a:rPr>
+              <a:t>浙江大学</a:t>
+            </a:r>
+            <a:r>
+              <a:rPr lang="en-US" altLang="zh-CN" sz="2400" dirty="0" smtClean="0">
+                <a:solidFill>
+                  <a:schemeClr val="accent5">
+                    <a:lumMod val="20000"/>
+                    <a:lumOff val="80000"/>
+                  </a:schemeClr>
+                </a:solidFill>
+              </a:rPr>
+              <a:t>	</a:t>
+            </a:r>
+            <a:endParaRPr lang="zh-CN" altLang="en-US" sz="2400" dirty="0">
+              <a:solidFill>
+                <a:schemeClr val="accent5">
+                  <a:lumMod val="20000"/>
+                  <a:lumOff val="80000"/>
+                </a:schemeClr>
+              </a:solidFill>
+            </a:endParaRPr>
           </a:p>
         </p:txBody>
       </p:sp>
@@ -26626,6 +32257,13 @@
   <p:clrMapOvr>
     <a:masterClrMapping/>
   </p:clrMapOvr>
+  <p:timing>
+    <p:tnLst>
+      <p:par>
+        <p:cTn id="1" dur="indefinite" restart="never" nodeType="tmRoot"/>
+      </p:par>
+    </p:tnLst>
+  </p:timing>
 </p:sld>
 </file>
 
@@ -26705,7 +32343,7 @@
         </p:nvSpPr>
         <p:spPr>
           <a:xfrm>
-            <a:off x="4977745" y="365125"/>
+            <a:off x="595200" y="291570"/>
             <a:ext cx="2262864" cy="707886"/>
           </a:xfrm>
           <a:prstGeom prst="rect">
@@ -26771,8 +32409,8 @@
         </p:blipFill>
         <p:spPr>
           <a:xfrm>
-            <a:off x="7014410" y="964531"/>
-            <a:ext cx="4928937" cy="4928937"/>
+            <a:off x="6363146" y="0"/>
+            <a:ext cx="5749535" cy="5749535"/>
           </a:xfrm>
           <a:prstGeom prst="rect">
             <a:avLst/>
@@ -26793,8 +32431,8 @@
         </p:nvSpPr>
         <p:spPr>
           <a:xfrm>
-            <a:off x="595200" y="1690688"/>
-            <a:ext cx="6169125" cy="1754326"/>
+            <a:off x="608972" y="1690051"/>
+            <a:ext cx="5537827" cy="2677656"/>
           </a:xfrm>
           <a:prstGeom prst="rect">
             <a:avLst/>
@@ -26808,57 +32446,76 @@
           <a:lstStyle/>
           <a:p>
             <a:r>
-              <a:rPr lang="zh-CN" altLang="en-US" dirty="0"/>
+              <a:rPr lang="zh-CN" altLang="en-US" sz="2400" dirty="0"/>
               <a:t>在线下的特征提取中，我们使用了</a:t>
             </a:r>
             <a:r>
-              <a:rPr lang="en-US" altLang="zh-CN" dirty="0"/>
+              <a:rPr lang="en-US" altLang="zh-CN" sz="2400" dirty="0">
+                <a:latin typeface="Times New Roman" panose="02020603050405020304" pitchFamily="18" charset="0"/>
+                <a:cs typeface="Times New Roman" panose="02020603050405020304" pitchFamily="18" charset="0"/>
+              </a:rPr>
               <a:t>Prophet</a:t>
             </a:r>
             <a:r>
-              <a:rPr lang="zh-CN" altLang="en-US" dirty="0"/>
+              <a:rPr lang="zh-CN" altLang="en-US" sz="2400" dirty="0"/>
               <a:t>智能化预测工具预测的</a:t>
             </a:r>
             <a:r>
-              <a:rPr lang="en-US" altLang="zh-CN" dirty="0"/>
+              <a:rPr lang="en-US" altLang="zh-CN" sz="2400" dirty="0">
+                <a:latin typeface="Times New Roman" panose="02020603050405020304" pitchFamily="18" charset="0"/>
+                <a:cs typeface="Times New Roman" panose="02020603050405020304" pitchFamily="18" charset="0"/>
+              </a:rPr>
               <a:t>yearly</a:t>
             </a:r>
             <a:r>
-              <a:rPr lang="zh-CN" altLang="en-US" dirty="0"/>
+              <a:rPr lang="zh-CN" altLang="en-US" sz="2400" dirty="0"/>
               <a:t>和</a:t>
             </a:r>
             <a:r>
-              <a:rPr lang="en-US" altLang="zh-CN" dirty="0"/>
+              <a:rPr lang="en-US" altLang="zh-CN" sz="2400" dirty="0" smtClean="0">
+                <a:latin typeface="Times New Roman" panose="02020603050405020304" pitchFamily="18" charset="0"/>
+                <a:cs typeface="Times New Roman" panose="02020603050405020304" pitchFamily="18" charset="0"/>
+              </a:rPr>
               <a:t>trend</a:t>
             </a:r>
             <a:r>
-              <a:rPr lang="zh-CN" altLang="en-US" dirty="0"/>
-              <a:t>特征作为数据集的一部分特征。</a:t>
+              <a:rPr lang="zh-CN" altLang="en-US" sz="2400" dirty="0" smtClean="0"/>
+              <a:t>作为</a:t>
             </a:r>
-            <a:endParaRPr lang="en-US" altLang="zh-CN" dirty="0"/>
+            <a:r>
+              <a:rPr lang="zh-CN" altLang="en-US" sz="2400" dirty="0"/>
+              <a:t>数据集的一部分特征。</a:t>
+            </a:r>
+            <a:endParaRPr lang="en-US" altLang="zh-CN" sz="2400" dirty="0"/>
           </a:p>
           <a:p>
             <a:r>
-              <a:rPr lang="en-US" altLang="zh-CN" dirty="0"/>
+              <a:rPr lang="en-US" altLang="zh-CN" sz="2400" dirty="0">
+                <a:latin typeface="Times New Roman" panose="02020603050405020304" pitchFamily="18" charset="0"/>
+                <a:cs typeface="Times New Roman" panose="02020603050405020304" pitchFamily="18" charset="0"/>
+              </a:rPr>
               <a:t>Prophet</a:t>
             </a:r>
             <a:r>
-              <a:rPr lang="zh-CN" altLang="en-US" dirty="0"/>
+              <a:rPr lang="zh-CN" altLang="en-US" sz="2400" dirty="0"/>
               <a:t>使用了傅里叶级数构建年周期组件，使用虚拟变量构建周周期组件。</a:t>
             </a:r>
-            <a:endParaRPr lang="en-US" altLang="zh-CN" dirty="0"/>
+            <a:endParaRPr lang="en-US" altLang="zh-CN" sz="2400" dirty="0"/>
           </a:p>
           <a:p>
             <a:r>
-              <a:rPr lang="zh-CN" altLang="en-US" dirty="0"/>
+              <a:rPr lang="zh-CN" altLang="en-US" sz="2400" dirty="0"/>
               <a:t>我们希望通过</a:t>
             </a:r>
             <a:r>
-              <a:rPr lang="en-US" altLang="zh-CN" dirty="0"/>
+              <a:rPr lang="en-US" altLang="zh-CN" sz="2400" dirty="0">
+                <a:latin typeface="Times New Roman" panose="02020603050405020304" pitchFamily="18" charset="0"/>
+                <a:cs typeface="Times New Roman" panose="02020603050405020304" pitchFamily="18" charset="0"/>
+              </a:rPr>
               <a:t>Prophet</a:t>
             </a:r>
             <a:r>
-              <a:rPr lang="zh-CN" altLang="en-US" dirty="0"/>
+              <a:rPr lang="zh-CN" altLang="en-US" sz="2400" dirty="0"/>
               <a:t>，帮助我们从时序分析的角度上为电量预测建模。</a:t>
             </a:r>
           </a:p>
@@ -26878,7 +32535,7 @@
         </p:nvSpPr>
         <p:spPr>
           <a:xfrm>
-            <a:off x="8951495" y="5813655"/>
+            <a:off x="8790629" y="5804180"/>
             <a:ext cx="1412566" cy="369332"/>
           </a:xfrm>
           <a:prstGeom prst="rect">
@@ -26910,6 +32567,13 @@
   <p:clrMapOvr>
     <a:masterClrMapping/>
   </p:clrMapOvr>
+  <p:timing>
+    <p:tnLst>
+      <p:par>
+        <p:cTn id="1" dur="indefinite" restart="never" nodeType="tmRoot"/>
+      </p:par>
+    </p:tnLst>
+  </p:timing>
 </p:sld>
 </file>
 
@@ -26989,7 +32653,7 @@
         </p:nvSpPr>
         <p:spPr>
           <a:xfrm>
-            <a:off x="4977745" y="365125"/>
+            <a:off x="227945" y="258417"/>
             <a:ext cx="2236510" cy="707886"/>
           </a:xfrm>
           <a:prstGeom prst="rect">
@@ -27047,8 +32711,8 @@
         </p:blipFill>
         <p:spPr bwMode="auto">
           <a:xfrm>
-            <a:off x="5651333" y="1438136"/>
-            <a:ext cx="5124450" cy="4095750"/>
+            <a:off x="5664512" y="795867"/>
+            <a:ext cx="6299543" cy="5034951"/>
           </a:xfrm>
           <a:prstGeom prst="rect">
             <a:avLst/>
@@ -27079,8 +32743,8 @@
         </p:nvSpPr>
         <p:spPr>
           <a:xfrm>
-            <a:off x="0" y="1273403"/>
-            <a:ext cx="5378116" cy="923330"/>
+            <a:off x="474133" y="1331428"/>
+            <a:ext cx="4656667" cy="1477328"/>
           </a:xfrm>
           <a:prstGeom prst="rect">
             <a:avLst/>
@@ -27099,10 +32763,19 @@
                 </a:solidFill>
                 <a:latin typeface="-apple-system"/>
               </a:rPr>
-              <a:t>线下模型会对</a:t>
+              <a:t>线</a:t>
             </a:r>
             <a:r>
-              <a:rPr lang="en-US" altLang="zh-CN" dirty="0">
+              <a:rPr lang="zh-CN" altLang="en-US" dirty="0" smtClean="0">
+                <a:solidFill>
+                  <a:srgbClr val="24292E"/>
+                </a:solidFill>
+                <a:latin typeface="-apple-system"/>
+              </a:rPr>
+              <a:t>下对预测的</a:t>
+            </a:r>
+            <a:r>
+              <a:rPr lang="en-US" altLang="zh-CN" dirty="0" smtClean="0">
                 <a:solidFill>
                   <a:srgbClr val="24292E"/>
                 </a:solidFill>
@@ -27111,13 +32784,40 @@
               <a:t>31</a:t>
             </a:r>
             <a:r>
+              <a:rPr lang="zh-CN" altLang="en-US" dirty="0" smtClean="0">
+                <a:solidFill>
+                  <a:srgbClr val="24292E"/>
+                </a:solidFill>
+                <a:latin typeface="-apple-system"/>
+              </a:rPr>
+              <a:t>天每天建立一个模型进行训练预测，每天的模型使用</a:t>
+            </a:r>
+            <a:r>
               <a:rPr lang="zh-CN" altLang="en-US" dirty="0">
                 <a:solidFill>
                   <a:srgbClr val="24292E"/>
                 </a:solidFill>
                 <a:latin typeface="-apple-system"/>
               </a:rPr>
-              <a:t>天分开训练，每天使用了六组特征不同的模型，分别是做过</a:t>
+              <a:t>了六组特征不同</a:t>
+            </a:r>
+            <a:r>
+              <a:rPr lang="zh-CN" altLang="en-US" dirty="0" smtClean="0">
+                <a:solidFill>
+                  <a:srgbClr val="24292E"/>
+                </a:solidFill>
+                <a:latin typeface="-apple-system"/>
+              </a:rPr>
+              <a:t>的子模型，</a:t>
+            </a:r>
+            <a:r>
+              <a:rPr lang="zh-CN" altLang="en-US" dirty="0">
+                <a:solidFill>
+                  <a:srgbClr val="24292E"/>
+                </a:solidFill>
+                <a:latin typeface="-apple-system"/>
+              </a:rPr>
+              <a:t>分别是做过</a:t>
             </a:r>
             <a:r>
               <a:rPr lang="en-US" altLang="zh-CN" dirty="0">
@@ -27263,8 +32963,8 @@
         </p:nvSpPr>
         <p:spPr>
           <a:xfrm>
-            <a:off x="1" y="2489458"/>
-            <a:ext cx="5378116" cy="646331"/>
+            <a:off x="474133" y="3044634"/>
+            <a:ext cx="4656667" cy="646331"/>
           </a:xfrm>
           <a:prstGeom prst="rect">
             <a:avLst/>
@@ -27283,10 +32983,19 @@
                 </a:solidFill>
                 <a:latin typeface="-apple-system"/>
               </a:rPr>
-              <a:t>每组模型首先使用了</a:t>
+              <a:t>每组模型</a:t>
             </a:r>
             <a:r>
-              <a:rPr lang="en-US" altLang="zh-CN" dirty="0">
+              <a:rPr lang="zh-CN" altLang="en-US" dirty="0" smtClean="0">
+                <a:solidFill>
+                  <a:srgbClr val="24292E"/>
+                </a:solidFill>
+                <a:latin typeface="-apple-system"/>
+              </a:rPr>
+              <a:t>首先通过</a:t>
+            </a:r>
+            <a:r>
+              <a:rPr lang="en-US" altLang="zh-CN" dirty="0" smtClean="0">
                 <a:solidFill>
                   <a:srgbClr val="24292E"/>
                 </a:solidFill>
@@ -27340,7 +33049,7 @@
               <a:t>棵树的</a:t>
             </a:r>
             <a:r>
-              <a:rPr lang="en-US" altLang="zh-CN" dirty="0" err="1">
+              <a:rPr lang="en-US" altLang="zh-CN" dirty="0" err="1" smtClean="0">
                 <a:solidFill>
                   <a:srgbClr val="24292E"/>
                 </a:solidFill>
@@ -27349,13 +33058,31 @@
               <a:t>xgboost</a:t>
             </a:r>
             <a:r>
+              <a:rPr lang="zh-CN" altLang="en-US" dirty="0" smtClean="0">
+                <a:solidFill>
+                  <a:srgbClr val="24292E"/>
+                </a:solidFill>
+                <a:latin typeface="-apple-system"/>
+              </a:rPr>
+              <a:t>进行数据</a:t>
+            </a:r>
+            <a:r>
+              <a:rPr lang="zh-CN" altLang="en-US" dirty="0" smtClean="0">
+                <a:solidFill>
+                  <a:srgbClr val="24292E"/>
+                </a:solidFill>
+                <a:latin typeface="-apple-system"/>
+              </a:rPr>
+              <a:t>清洗</a:t>
+            </a:r>
+            <a:r>
               <a:rPr lang="zh-CN" altLang="en-US" dirty="0">
                 <a:solidFill>
                   <a:srgbClr val="24292E"/>
                 </a:solidFill>
                 <a:latin typeface="-apple-system"/>
               </a:rPr>
-              <a:t>做清洗。</a:t>
+              <a:t>。</a:t>
             </a:r>
             <a:endParaRPr lang="zh-CN" altLang="en-US" dirty="0"/>
           </a:p>
@@ -27375,8 +33102,8 @@
         </p:nvSpPr>
         <p:spPr>
           <a:xfrm>
-            <a:off x="0" y="3150622"/>
-            <a:ext cx="5378116" cy="923330"/>
+            <a:off x="474133" y="3931197"/>
+            <a:ext cx="4656667" cy="1200329"/>
           </a:xfrm>
           <a:prstGeom prst="rect">
             <a:avLst/>
@@ -27398,7 +33125,7 @@
               <a:t>而后使用</a:t>
             </a:r>
             <a:r>
-              <a:rPr lang="en-US" altLang="zh-CN" dirty="0">
+              <a:rPr lang="en-US" altLang="zh-CN" dirty="0" smtClean="0">
                 <a:solidFill>
                   <a:srgbClr val="24292E"/>
                 </a:solidFill>
@@ -27407,16 +33134,52 @@
               <a:t>2</a:t>
             </a:r>
             <a:r>
+              <a:rPr lang="zh-CN" altLang="en-US" dirty="0" smtClean="0">
+                <a:solidFill>
+                  <a:srgbClr val="24292E"/>
+                </a:solidFill>
+                <a:latin typeface="-apple-system"/>
+              </a:rPr>
+              <a:t>种不同的比例</a:t>
+            </a:r>
+            <a:r>
               <a:rPr lang="zh-CN" altLang="en-US" dirty="0">
                 <a:solidFill>
                   <a:srgbClr val="24292E"/>
                 </a:solidFill>
                 <a:latin typeface="-apple-system"/>
               </a:rPr>
-              <a:t>个种不同比例抽取最优秀的样本作为清洗后训练集，再训练</a:t>
+              <a:t>抽取最优秀的样本作为清洗</a:t>
             </a:r>
             <a:r>
-              <a:rPr lang="en-US" altLang="zh-CN" dirty="0">
+              <a:rPr lang="zh-CN" altLang="en-US" dirty="0" smtClean="0">
+                <a:solidFill>
+                  <a:srgbClr val="24292E"/>
+                </a:solidFill>
+                <a:latin typeface="-apple-system"/>
+              </a:rPr>
+              <a:t>后的训练集</a:t>
+            </a:r>
+            <a:r>
+              <a:rPr lang="zh-CN" altLang="en-US" dirty="0">
+                <a:solidFill>
+                  <a:srgbClr val="24292E"/>
+                </a:solidFill>
+                <a:latin typeface="-apple-system"/>
+              </a:rPr>
+              <a:t>，</a:t>
+            </a:r>
+            <a:r>
+              <a:rPr lang="zh-CN" altLang="en-US" dirty="0" smtClean="0">
+                <a:solidFill>
+                  <a:srgbClr val="24292E"/>
+                </a:solidFill>
+                <a:latin typeface="-apple-system"/>
+              </a:rPr>
+              <a:t>再使用更深的模型进行训练（</a:t>
+            </a:r>
+            <a:r>
+              <a:rPr lang="en-US" altLang="zh-CN" dirty="0" smtClean="0">
                 <a:solidFill>
                   <a:srgbClr val="24292E"/>
                 </a:solidFill>
@@ -27515,13 +33278,13 @@
               <a:t>xgboost</a:t>
             </a:r>
             <a:r>
-              <a:rPr lang="zh-CN" altLang="en-US" dirty="0">
+              <a:rPr lang="zh-CN" altLang="en-US" dirty="0" smtClean="0">
                 <a:solidFill>
                   <a:srgbClr val="24292E"/>
                 </a:solidFill>
                 <a:latin typeface="-apple-system"/>
               </a:rPr>
-              <a:t>模型。</a:t>
+              <a:t>模型）。</a:t>
             </a:r>
             <a:endParaRPr lang="zh-CN" altLang="en-US" dirty="0"/>
           </a:p>
@@ -27537,6 +33300,13 @@
   <p:clrMapOvr>
     <a:masterClrMapping/>
   </p:clrMapOvr>
+  <p:timing>
+    <p:tnLst>
+      <p:par>
+        <p:cTn id="1" dur="indefinite" restart="never" nodeType="tmRoot"/>
+      </p:par>
+    </p:tnLst>
+  </p:timing>
 </p:sld>
 </file>
 
@@ -27616,7 +33386,7 @@
         </p:nvSpPr>
         <p:spPr>
           <a:xfrm>
-            <a:off x="4977745" y="365125"/>
+            <a:off x="211012" y="220203"/>
             <a:ext cx="2236510" cy="707886"/>
           </a:xfrm>
           <a:prstGeom prst="rect">
@@ -27659,8 +33429,8 @@
         </p:nvSpPr>
         <p:spPr>
           <a:xfrm>
-            <a:off x="-1432" y="1438136"/>
-            <a:ext cx="4080137" cy="2585323"/>
+            <a:off x="211012" y="1522802"/>
+            <a:ext cx="3469228" cy="3416320"/>
           </a:xfrm>
           <a:prstGeom prst="rect">
             <a:avLst/>
@@ -27686,7 +33456,8 @@
                 <a:solidFill>
                   <a:srgbClr val="24292E"/>
                 </a:solidFill>
-                <a:latin typeface="-apple-system"/>
+                <a:latin typeface="Times New Roman" panose="02020603050405020304" pitchFamily="18" charset="0"/>
+                <a:cs typeface="Times New Roman" panose="02020603050405020304" pitchFamily="18" charset="0"/>
               </a:rPr>
               <a:t>tensorflow</a:t>
             </a:r>
@@ -27707,6 +33478,23 @@
             </a:endParaRPr>
           </a:p>
           <a:p>
+            <a:endParaRPr lang="en-US" altLang="zh-CN" dirty="0">
+              <a:solidFill>
+                <a:srgbClr val="24292E"/>
+              </a:solidFill>
+              <a:latin typeface="-apple-system"/>
+            </a:endParaRPr>
+          </a:p>
+          <a:p>
+            <a:r>
+              <a:rPr lang="zh-CN" altLang="en-US" dirty="0" smtClean="0">
+                <a:solidFill>
+                  <a:srgbClr val="24292E"/>
+                </a:solidFill>
+                <a:latin typeface="-apple-system"/>
+              </a:rPr>
+              <a:t>考虑</a:t>
+            </a:r>
             <a:r>
               <a:rPr lang="zh-CN" altLang="en-US" dirty="0">
                 <a:solidFill>
@@ -27714,7 +33502,7 @@
                 </a:solidFill>
                 <a:latin typeface="-apple-system"/>
               </a:rPr>
-              <a:t> 考虑到商家可能适合不同的模型，我们对每个店单独求取权重。 </a:t>
+              <a:t>到商家可能适合不同的模型，我们对每个店单独求取权重。 </a:t>
             </a:r>
             <a:endParaRPr lang="en-US" altLang="zh-CN" dirty="0">
               <a:solidFill>
@@ -27724,8 +33512,16 @@
             </a:endParaRPr>
           </a:p>
           <a:p>
+            <a:endParaRPr lang="en-US" altLang="zh-CN" dirty="0" smtClean="0">
+              <a:solidFill>
+                <a:srgbClr val="24292E"/>
+              </a:solidFill>
+              <a:latin typeface="-apple-system"/>
+            </a:endParaRPr>
+          </a:p>
+          <a:p>
             <a:r>
-              <a:rPr lang="zh-CN" altLang="en-US" dirty="0">
+              <a:rPr lang="zh-CN" altLang="en-US" dirty="0" smtClean="0">
                 <a:solidFill>
                   <a:srgbClr val="24292E"/>
                 </a:solidFill>
@@ -27803,14 +33599,87 @@
                 </a:solidFill>
                 <a:latin typeface="-apple-system"/>
               </a:rPr>
-              <a:t>的样本，应该足够线性回归训练了， 另外使用</a:t>
+              <a:t>的</a:t>
+            </a:r>
+            <a:r>
+              <a:rPr lang="zh-CN" altLang="en-US" dirty="0" smtClean="0">
+                <a:solidFill>
+                  <a:srgbClr val="24292E"/>
+                </a:solidFill>
+                <a:latin typeface="-apple-system"/>
+              </a:rPr>
+              <a:t>样本</a:t>
+            </a:r>
+            <a:r>
+              <a:rPr lang="en-US" altLang="zh-CN" dirty="0" smtClean="0">
+                <a:solidFill>
+                  <a:srgbClr val="24292E"/>
+                </a:solidFill>
+                <a:latin typeface="-apple-system"/>
+              </a:rPr>
+              <a:t>,</a:t>
+            </a:r>
+            <a:r>
+              <a:rPr lang="zh-CN" altLang="en-US" dirty="0" smtClean="0">
+                <a:solidFill>
+                  <a:srgbClr val="24292E"/>
+                </a:solidFill>
+                <a:latin typeface="-apple-system"/>
+              </a:rPr>
+              <a:t>应该</a:t>
+            </a:r>
+            <a:r>
+              <a:rPr lang="zh-CN" altLang="en-US" dirty="0">
+                <a:solidFill>
+                  <a:srgbClr val="24292E"/>
+                </a:solidFill>
+                <a:latin typeface="-apple-system"/>
+              </a:rPr>
+              <a:t>足够线性回归训练</a:t>
+            </a:r>
+            <a:r>
+              <a:rPr lang="zh-CN" altLang="en-US" dirty="0" smtClean="0">
+                <a:solidFill>
+                  <a:srgbClr val="24292E"/>
+                </a:solidFill>
+                <a:latin typeface="-apple-system"/>
+              </a:rPr>
+              <a:t>了</a:t>
+            </a:r>
+            <a:r>
+              <a:rPr lang="en-US" altLang="zh-CN" dirty="0">
+                <a:solidFill>
+                  <a:srgbClr val="24292E"/>
+                </a:solidFill>
+                <a:latin typeface="-apple-system"/>
+              </a:rPr>
+              <a:t>,</a:t>
+            </a:r>
+            <a:r>
+              <a:rPr lang="zh-CN" altLang="en-US" dirty="0" smtClean="0">
+                <a:solidFill>
+                  <a:srgbClr val="24292E"/>
+                </a:solidFill>
+                <a:latin typeface="-apple-system"/>
+              </a:rPr>
+              <a:t>另外</a:t>
+            </a:r>
+            <a:r>
+              <a:rPr lang="zh-CN" altLang="en-US" dirty="0">
+                <a:solidFill>
+                  <a:srgbClr val="24292E"/>
+                </a:solidFill>
+                <a:latin typeface="-apple-system"/>
+              </a:rPr>
+              <a:t>使用</a:t>
             </a:r>
             <a:r>
               <a:rPr lang="en-US" altLang="zh-CN" dirty="0" err="1">
                 <a:solidFill>
                   <a:srgbClr val="24292E"/>
                 </a:solidFill>
-                <a:latin typeface="-apple-system"/>
+                <a:latin typeface="Times New Roman" panose="02020603050405020304" pitchFamily="18" charset="0"/>
+                <a:cs typeface="Times New Roman" panose="02020603050405020304" pitchFamily="18" charset="0"/>
               </a:rPr>
               <a:t>tensorflow</a:t>
             </a:r>
@@ -27830,7 +33699,26 @@
                 </a:solidFill>
                 <a:latin typeface="-apple-system"/>
               </a:rPr>
-              <a:t>(zoom)</a:t>
+              <a:t>(</a:t>
+            </a:r>
+            <a:r>
+              <a:rPr lang="en-US" altLang="zh-CN" dirty="0">
+                <a:solidFill>
+                  <a:srgbClr val="24292E"/>
+                </a:solidFill>
+                <a:latin typeface="Times New Roman" panose="02020603050405020304" pitchFamily="18" charset="0"/>
+                <a:cs typeface="Times New Roman" panose="02020603050405020304" pitchFamily="18" charset="0"/>
+              </a:rPr>
+              <a:t>zoom</a:t>
+            </a:r>
+            <a:r>
+              <a:rPr lang="en-US" altLang="zh-CN" dirty="0">
+                <a:solidFill>
+                  <a:srgbClr val="24292E"/>
+                </a:solidFill>
+                <a:latin typeface="-apple-system"/>
+              </a:rPr>
+              <a:t>)</a:t>
             </a:r>
             <a:r>
               <a:rPr lang="zh-CN" altLang="en-US" dirty="0">
@@ -27867,8 +33755,8 @@
         </p:blipFill>
         <p:spPr>
           <a:xfrm>
-            <a:off x="4451684" y="1438136"/>
-            <a:ext cx="7456475" cy="4384214"/>
+            <a:off x="4193066" y="820069"/>
+            <a:ext cx="7886004" cy="4636766"/>
           </a:xfrm>
           <a:prstGeom prst="rect">
             <a:avLst/>
@@ -27885,6 +33773,13 @@
   <p:clrMapOvr>
     <a:masterClrMapping/>
   </p:clrMapOvr>
+  <p:timing>
+    <p:tnLst>
+      <p:par>
+        <p:cTn id="1" dur="indefinite" restart="never" nodeType="tmRoot"/>
+      </p:par>
+    </p:tnLst>
+  </p:timing>
 </p:sld>
 </file>
 
@@ -27990,61 +33885,111 @@
           </a:p>
         </p:txBody>
       </p:sp>
-      <p:sp>
-        <p:nvSpPr>
-          <p:cNvPr id="8" name="矩形 7">
+      <p:graphicFrame>
+        <p:nvGraphicFramePr>
+          <p:cNvPr id="6" name="图示 5">
             <a:extLst>
               <a:ext uri="{FF2B5EF4-FFF2-40B4-BE49-F238E27FC236}">
-                <a16:creationId xmlns:a16="http://schemas.microsoft.com/office/drawing/2014/main" id="{E57C3DFA-52A6-4EED-9478-E5732650B8E2}"/>
+                <a16:creationId xmlns:a16="http://schemas.microsoft.com/office/drawing/2014/main" id="{800CEE5D-CE31-4D03-9E9D-B7C897B10365}"/>
               </a:ext>
             </a:extLst>
           </p:cNvPr>
+          <p:cNvGraphicFramePr/>
+          <p:nvPr>
+            <p:extLst>
+              <p:ext uri="{D42A27DB-BD31-4B8C-83A1-F6EECF244321}">
+                <p14:modId xmlns:p14="http://schemas.microsoft.com/office/powerpoint/2010/main" val="4202232533"/>
+              </p:ext>
+            </p:extLst>
+          </p:nvPr>
+        </p:nvGraphicFramePr>
+        <p:xfrm>
+          <a:off x="2032000" y="365125"/>
+          <a:ext cx="8128000" cy="5418667"/>
+        </p:xfrm>
+        <a:graphic>
+          <a:graphicData uri="http://schemas.openxmlformats.org/drawingml/2006/diagram">
+            <dgm:relIds xmlns:dgm="http://schemas.openxmlformats.org/drawingml/2006/diagram" xmlns:r="http://schemas.openxmlformats.org/officeDocument/2006/relationships" r:dm="rId3" r:lo="rId4" r:qs="rId5" r:cs="rId6"/>
+          </a:graphicData>
+        </a:graphic>
+      </p:graphicFrame>
+      <p:sp>
+        <p:nvSpPr>
+          <p:cNvPr id="5" name="右箭头 4"/>
           <p:cNvSpPr/>
           <p:nvPr/>
         </p:nvSpPr>
         <p:spPr>
           <a:xfrm>
-            <a:off x="5702302" y="3244334"/>
-            <a:ext cx="787395" cy="369332"/>
+            <a:off x="4470400" y="3005667"/>
+            <a:ext cx="507345" cy="609600"/>
           </a:xfrm>
-          <a:prstGeom prst="rect">
+          <a:prstGeom prst="rightArrow">
             <a:avLst/>
           </a:prstGeom>
         </p:spPr>
+        <p:style>
+          <a:lnRef idx="2">
+            <a:schemeClr val="accent1">
+              <a:shade val="50000"/>
+            </a:schemeClr>
+          </a:lnRef>
+          <a:fillRef idx="1">
+            <a:schemeClr val="accent1"/>
+          </a:fillRef>
+          <a:effectRef idx="0">
+            <a:schemeClr val="accent1"/>
+          </a:effectRef>
+          <a:fontRef idx="minor">
+            <a:schemeClr val="lt1"/>
+          </a:fontRef>
+        </p:style>
         <p:txBody>
-          <a:bodyPr wrap="none">
-            <a:spAutoFit/>
-          </a:bodyPr>
+          <a:bodyPr rtlCol="0" anchor="ctr"/>
           <a:lstStyle/>
           <a:p>
-            <a:r>
-              <a:rPr lang="en-US" altLang="zh-CN" dirty="0">
-                <a:solidFill>
-                  <a:srgbClr val="24292E"/>
-                </a:solidFill>
-                <a:latin typeface="-apple-system"/>
-              </a:rPr>
-              <a:t>(</a:t>
-            </a:r>
-            <a:r>
-              <a:rPr lang="zh-CN" altLang="en-US" dirty="0">
-                <a:solidFill>
-                  <a:srgbClr val="24292E"/>
-                </a:solidFill>
-                <a:latin typeface="-apple-system"/>
-              </a:rPr>
-              <a:t>配图</a:t>
-            </a:r>
-            <a:r>
-              <a:rPr lang="en-US" altLang="zh-CN" dirty="0">
-                <a:solidFill>
-                  <a:srgbClr val="24292E"/>
-                </a:solidFill>
-                <a:latin typeface="-apple-system"/>
-              </a:rPr>
-              <a:t>)</a:t>
-            </a:r>
-            <a:endParaRPr lang="zh-CN" altLang="en-US" dirty="0"/>
+            <a:pPr algn="ctr"/>
+            <a:endParaRPr lang="zh-CN" altLang="en-US"/>
+          </a:p>
+        </p:txBody>
+      </p:sp>
+      <p:sp>
+        <p:nvSpPr>
+          <p:cNvPr id="9" name="右箭头 8"/>
+          <p:cNvSpPr/>
+          <p:nvPr/>
+        </p:nvSpPr>
+        <p:spPr>
+          <a:xfrm>
+            <a:off x="7315200" y="3005667"/>
+            <a:ext cx="507345" cy="609600"/>
+          </a:xfrm>
+          <a:prstGeom prst="rightArrow">
+            <a:avLst/>
+          </a:prstGeom>
+        </p:spPr>
+        <p:style>
+          <a:lnRef idx="2">
+            <a:schemeClr val="accent1">
+              <a:shade val="50000"/>
+            </a:schemeClr>
+          </a:lnRef>
+          <a:fillRef idx="1">
+            <a:schemeClr val="accent1"/>
+          </a:fillRef>
+          <a:effectRef idx="0">
+            <a:schemeClr val="accent1"/>
+          </a:effectRef>
+          <a:fontRef idx="minor">
+            <a:schemeClr val="lt1"/>
+          </a:fontRef>
+        </p:style>
+        <p:txBody>
+          <a:bodyPr rtlCol="0" anchor="ctr"/>
+          <a:lstStyle/>
+          <a:p>
+            <a:pPr algn="ctr"/>
+            <a:endParaRPr lang="zh-CN" altLang="en-US"/>
           </a:p>
         </p:txBody>
       </p:sp>
@@ -28134,7 +34079,7 @@
         </p:nvSpPr>
         <p:spPr>
           <a:xfrm>
-            <a:off x="4977745" y="365125"/>
+            <a:off x="338011" y="394940"/>
             <a:ext cx="2236510" cy="707886"/>
           </a:xfrm>
           <a:prstGeom prst="rect">
@@ -28177,15 +34122,15 @@
         </p:nvSpPr>
         <p:spPr>
           <a:xfrm>
-            <a:off x="1929745" y="1690688"/>
-            <a:ext cx="6096000" cy="369332"/>
+            <a:off x="473479" y="1870033"/>
+            <a:ext cx="4530321" cy="646331"/>
           </a:xfrm>
           <a:prstGeom prst="rect">
             <a:avLst/>
           </a:prstGeom>
         </p:spPr>
         <p:txBody>
-          <a:bodyPr>
+          <a:bodyPr wrap="square">
             <a:spAutoFit/>
           </a:bodyPr>
           <a:lstStyle/>
@@ -28261,8 +34206,8 @@
         </p:nvSpPr>
         <p:spPr>
           <a:xfrm>
-            <a:off x="1929744" y="2398574"/>
-            <a:ext cx="6817213" cy="369332"/>
+            <a:off x="473479" y="3424611"/>
+            <a:ext cx="4530321" cy="646331"/>
           </a:xfrm>
           <a:prstGeom prst="rect">
             <a:avLst/>
@@ -28317,16 +34262,16 @@
                 </a:solidFill>
                 <a:latin typeface="-apple-system"/>
               </a:rPr>
-              <a:t>这两家店使用预测值进行了异常值填补。</a:t>
+              <a:t>这两家</a:t>
             </a:r>
             <a:r>
-              <a:rPr lang="en-US" altLang="zh-CN" dirty="0">
+              <a:rPr lang="zh-CN" altLang="en-US" dirty="0" smtClean="0">
                 <a:solidFill>
                   <a:srgbClr val="24292E"/>
                 </a:solidFill>
                 <a:latin typeface="-apple-system"/>
               </a:rPr>
-              <a:t>(</a:t>
+              <a:t>店的异常值使用</a:t>
             </a:r>
             <a:r>
               <a:rPr lang="zh-CN" altLang="en-US" dirty="0">
@@ -28335,21 +34280,63 @@
                 </a:solidFill>
                 <a:latin typeface="-apple-system"/>
               </a:rPr>
-              <a:t>配图</a:t>
+              <a:t>线</a:t>
             </a:r>
             <a:r>
-              <a:rPr lang="en-US" altLang="zh-CN" dirty="0">
+              <a:rPr lang="zh-CN" altLang="en-US" dirty="0" smtClean="0">
                 <a:solidFill>
                   <a:srgbClr val="24292E"/>
                 </a:solidFill>
                 <a:latin typeface="-apple-system"/>
               </a:rPr>
-              <a:t>)</a:t>
+              <a:t>上模型的预测</a:t>
+            </a:r>
+            <a:r>
+              <a:rPr lang="zh-CN" altLang="en-US" dirty="0">
+                <a:solidFill>
+                  <a:srgbClr val="24292E"/>
+                </a:solidFill>
+                <a:latin typeface="-apple-system"/>
+              </a:rPr>
+              <a:t>值进行</a:t>
+            </a:r>
+            <a:r>
+              <a:rPr lang="zh-CN" altLang="en-US" dirty="0" smtClean="0">
+                <a:solidFill>
+                  <a:srgbClr val="24292E"/>
+                </a:solidFill>
+                <a:latin typeface="-apple-system"/>
+              </a:rPr>
+              <a:t>了填补。</a:t>
             </a:r>
             <a:endParaRPr lang="zh-CN" altLang="en-US" dirty="0"/>
           </a:p>
         </p:txBody>
       </p:sp>
+      <p:graphicFrame>
+        <p:nvGraphicFramePr>
+          <p:cNvPr id="8" name="图表 7"/>
+          <p:cNvGraphicFramePr>
+            <a:graphicFrameLocks/>
+          </p:cNvGraphicFramePr>
+          <p:nvPr>
+            <p:extLst>
+              <p:ext uri="{D42A27DB-BD31-4B8C-83A1-F6EECF244321}">
+                <p14:modId xmlns:p14="http://schemas.microsoft.com/office/powerpoint/2010/main" val="2100248261"/>
+              </p:ext>
+            </p:extLst>
+          </p:nvPr>
+        </p:nvGraphicFramePr>
+        <p:xfrm>
+          <a:off x="5520526" y="1402821"/>
+          <a:ext cx="6253090" cy="3751854"/>
+        </p:xfrm>
+        <a:graphic>
+          <a:graphicData uri="http://schemas.openxmlformats.org/drawingml/2006/chart">
+            <c:chart xmlns:c="http://schemas.openxmlformats.org/drawingml/2006/chart" xmlns:r="http://schemas.openxmlformats.org/officeDocument/2006/relationships" r:id="rId4"/>
+          </a:graphicData>
+        </a:graphic>
+      </p:graphicFrame>
     </p:spTree>
     <p:extLst>
       <p:ext uri="{BB962C8B-B14F-4D97-AF65-F5344CB8AC3E}">
@@ -28479,8 +34466,8 @@
         </p:nvSpPr>
         <p:spPr>
           <a:xfrm>
-            <a:off x="617621" y="1541457"/>
-            <a:ext cx="3954379" cy="1754326"/>
+            <a:off x="516021" y="2520018"/>
+            <a:ext cx="3954379" cy="2031325"/>
           </a:xfrm>
           <a:prstGeom prst="rect">
             <a:avLst/>
@@ -28499,16 +34486,72 @@
                 </a:solidFill>
                 <a:latin typeface="-apple-system"/>
               </a:rPr>
-              <a:t>特征是在线下的</a:t>
+              <a:t>特征</a:t>
+            </a:r>
+            <a:r>
+              <a:rPr lang="zh-CN" altLang="en-US" dirty="0" smtClean="0">
+                <a:solidFill>
+                  <a:srgbClr val="24292E"/>
+                </a:solidFill>
+                <a:latin typeface="-apple-system"/>
+              </a:rPr>
+              <a:t>是根据现在的</a:t>
+            </a:r>
+            <a:r>
+              <a:rPr lang="en-US" altLang="zh-CN" dirty="0" smtClean="0">
+                <a:solidFill>
+                  <a:srgbClr val="24292E"/>
+                </a:solidFill>
+                <a:latin typeface="Times New Roman" panose="02020603050405020304" pitchFamily="18" charset="0"/>
+                <a:cs typeface="Times New Roman" panose="02020603050405020304" pitchFamily="18" charset="0"/>
+              </a:rPr>
+              <a:t>tiny</a:t>
+            </a:r>
+            <a:r>
+              <a:rPr lang="zh-CN" altLang="en-US" dirty="0" smtClean="0">
+                <a:solidFill>
+                  <a:srgbClr val="24292E"/>
+                </a:solidFill>
+                <a:latin typeface="-apple-system"/>
+              </a:rPr>
+              <a:t>版本在线上进行</a:t>
+            </a:r>
+            <a:r>
+              <a:rPr lang="zh-CN" altLang="en-US" dirty="0" smtClean="0">
+                <a:solidFill>
+                  <a:srgbClr val="24292E"/>
+                </a:solidFill>
+                <a:latin typeface="-apple-system"/>
+              </a:rPr>
+              <a:t>修改实现</a:t>
+            </a:r>
+            <a:r>
+              <a:rPr lang="zh-CN" altLang="en-US" dirty="0" smtClean="0">
+                <a:solidFill>
+                  <a:srgbClr val="24292E"/>
+                </a:solidFill>
+                <a:latin typeface="-apple-system"/>
+              </a:rPr>
+              <a:t>，特征选择的过程利用了线上</a:t>
             </a:r>
             <a:r>
               <a:rPr lang="en-US" altLang="zh-CN" dirty="0">
                 <a:solidFill>
                   <a:srgbClr val="24292E"/>
                 </a:solidFill>
+                <a:latin typeface="Times New Roman" panose="02020603050405020304" pitchFamily="18" charset="0"/>
+                <a:cs typeface="Times New Roman" panose="02020603050405020304" pitchFamily="18" charset="0"/>
+              </a:rPr>
+              <a:t>GBDT</a:t>
+            </a:r>
+            <a:r>
+              <a:rPr lang="zh-CN" altLang="en-US" dirty="0" smtClean="0">
+                <a:solidFill>
+                  <a:srgbClr val="24292E"/>
+                </a:solidFill>
                 <a:latin typeface="-apple-system"/>
               </a:rPr>
-              <a:t>tiny</a:t>
+              <a:t>的特征重要性指标，</a:t>
             </a:r>
             <a:r>
               <a:rPr lang="zh-CN" altLang="en-US" dirty="0">
@@ -28517,32 +34560,15 @@
                 </a:solidFill>
                 <a:latin typeface="-apple-system"/>
               </a:rPr>
-              <a:t>版本的基础上做完的，参考了线上</a:t>
-            </a:r>
-            <a:r>
-              <a:rPr lang="en-US" altLang="zh-CN" dirty="0">
-                <a:solidFill>
-                  <a:srgbClr val="24292E"/>
-                </a:solidFill>
-                <a:latin typeface="-apple-system"/>
-              </a:rPr>
-              <a:t>GBDT</a:t>
-            </a:r>
-            <a:r>
-              <a:rPr lang="zh-CN" altLang="en-US" dirty="0">
-                <a:solidFill>
-                  <a:srgbClr val="24292E"/>
-                </a:solidFill>
-                <a:latin typeface="-apple-system"/>
-              </a:rPr>
-              <a:t>的特征重要性，去掉了</a:t>
+              <a:t>去掉了</a:t>
             </a:r>
             <a:r>
               <a:rPr lang="en-US" altLang="zh-CN" dirty="0" err="1">
                 <a:solidFill>
                   <a:srgbClr val="24292E"/>
                 </a:solidFill>
-                <a:latin typeface="-apple-system"/>
+                <a:latin typeface="Times New Roman" panose="02020603050405020304" pitchFamily="18" charset="0"/>
+                <a:cs typeface="Times New Roman" panose="02020603050405020304" pitchFamily="18" charset="0"/>
               </a:rPr>
               <a:t>facebook</a:t>
             </a:r>
@@ -28553,7 +34579,17 @@
                 </a:solidFill>
                 <a:latin typeface="-apple-system"/>
               </a:rPr>
-              <a:t> prophet</a:t>
+              <a:t> </a:t>
+            </a:r>
+            <a:r>
+              <a:rPr lang="en-US" altLang="zh-CN" dirty="0">
+                <a:solidFill>
+                  <a:srgbClr val="24292E"/>
+                </a:solidFill>
+                <a:latin typeface="Times New Roman" panose="02020603050405020304" pitchFamily="18" charset="0"/>
+                <a:cs typeface="Times New Roman" panose="02020603050405020304" pitchFamily="18" charset="0"/>
+              </a:rPr>
+              <a:t>prophet</a:t>
             </a:r>
             <a:r>
               <a:rPr lang="zh-CN" altLang="en-US" dirty="0">
@@ -28569,7 +34605,8 @@
                 <a:solidFill>
                   <a:srgbClr val="24292E"/>
                 </a:solidFill>
-                <a:latin typeface="-apple-system"/>
+                <a:latin typeface="Times New Roman" panose="02020603050405020304" pitchFamily="18" charset="0"/>
+                <a:cs typeface="Times New Roman" panose="02020603050405020304" pitchFamily="18" charset="0"/>
               </a:rPr>
               <a:t>one-hot</a:t>
             </a:r>
@@ -28587,7 +34624,8 @@
                 <a:solidFill>
                   <a:srgbClr val="24292E"/>
                 </a:solidFill>
-                <a:latin typeface="-apple-system"/>
+                <a:latin typeface="Times New Roman" panose="02020603050405020304" pitchFamily="18" charset="0"/>
+                <a:cs typeface="Times New Roman" panose="02020603050405020304" pitchFamily="18" charset="0"/>
               </a:rPr>
               <a:t>one-hot</a:t>
             </a:r>
@@ -30166,7 +36204,7 @@
         </p:blipFill>
         <p:spPr>
           <a:xfrm>
-            <a:off x="-1" y="0"/>
+            <a:off x="0" y="0"/>
             <a:ext cx="12193433" cy="6858000"/>
           </a:xfrm>
         </p:spPr>
@@ -30185,7 +36223,7 @@
         </p:nvSpPr>
         <p:spPr>
           <a:xfrm>
-            <a:off x="3695343" y="365125"/>
+            <a:off x="403168" y="543054"/>
             <a:ext cx="4801314" cy="707886"/>
           </a:xfrm>
           <a:prstGeom prst="rect">
@@ -30242,8 +36280,8 @@
         </p:blipFill>
         <p:spPr>
           <a:xfrm>
-            <a:off x="6713621" y="1063491"/>
-            <a:ext cx="5059995" cy="5195652"/>
+            <a:off x="5403934" y="0"/>
+            <a:ext cx="6384898" cy="6556075"/>
           </a:xfrm>
           <a:prstGeom prst="rect">
             <a:avLst/>
@@ -30264,7 +36302,7 @@
         </p:nvSpPr>
         <p:spPr>
           <a:xfrm>
-            <a:off x="1238071" y="1690688"/>
+            <a:off x="565211" y="2253976"/>
             <a:ext cx="3966411" cy="1200329"/>
           </a:xfrm>
           <a:prstGeom prst="rect">
@@ -30527,8 +36565,8 @@
         </p:nvSpPr>
         <p:spPr>
           <a:xfrm>
-            <a:off x="-1432" y="1695502"/>
-            <a:ext cx="4656154" cy="2308324"/>
+            <a:off x="454516" y="1890236"/>
+            <a:ext cx="3904565" cy="2862322"/>
           </a:xfrm>
           <a:prstGeom prst="rect">
             <a:avLst/>
@@ -30541,13 +36579,22 @@
           <a:lstStyle/>
           <a:p>
             <a:r>
+              <a:rPr lang="zh-CN" altLang="en-US" dirty="0" smtClean="0">
+                <a:solidFill>
+                  <a:srgbClr val="24292E"/>
+                </a:solidFill>
+                <a:latin typeface="-apple-system"/>
+              </a:rPr>
+              <a:t>最终</a:t>
+            </a:r>
+            <a:r>
               <a:rPr lang="zh-CN" altLang="en-US" dirty="0">
                 <a:solidFill>
                   <a:srgbClr val="24292E"/>
                 </a:solidFill>
                 <a:latin typeface="-apple-system"/>
               </a:rPr>
-              <a:t> 最终版本的线上模型用了</a:t>
+              <a:t>版本的线上模型用了</a:t>
             </a:r>
             <a:r>
               <a:rPr lang="en-US" altLang="zh-CN" dirty="0">
@@ -30619,16 +36666,17 @@
                 </a:solidFill>
                 <a:latin typeface="-apple-system"/>
               </a:rPr>
-              <a:t>做清洗，</a:t>
+              <a:t>做清洗</a:t>
             </a:r>
-            <a:endParaRPr lang="en-US" altLang="zh-CN" dirty="0">
-              <a:solidFill>
-                <a:srgbClr val="24292E"/>
-              </a:solidFill>
-              <a:latin typeface="-apple-system"/>
-            </a:endParaRPr>
-          </a:p>
-          <a:p>
+            <a:r>
+              <a:rPr lang="zh-CN" altLang="en-US" dirty="0" smtClean="0">
+                <a:solidFill>
+                  <a:srgbClr val="24292E"/>
+                </a:solidFill>
+                <a:latin typeface="-apple-system"/>
+              </a:rPr>
+              <a:t>，而后</a:t>
+            </a:r>
             <a:r>
               <a:rPr lang="zh-CN" altLang="en-US" dirty="0">
                 <a:solidFill>
@@ -30636,7 +36684,7 @@
                 </a:solidFill>
                 <a:latin typeface="-apple-system"/>
               </a:rPr>
-              <a:t>而后训练集以三种不同比例抽取最优秀的样本作为清洗后训练集，再训练</a:t>
+              <a:t>训练集以三种不同比例抽取最优秀的样本作为清洗后训练集，再训练</a:t>
             </a:r>
             <a:r>
               <a:rPr lang="en-US" altLang="zh-CN" dirty="0">
@@ -30773,13 +36821,22 @@
           </a:p>
           <a:p>
             <a:r>
+              <a:rPr lang="zh-CN" altLang="en-US" dirty="0" smtClean="0">
+                <a:solidFill>
+                  <a:srgbClr val="24292E"/>
+                </a:solidFill>
+                <a:latin typeface="-apple-system"/>
+              </a:rPr>
+              <a:t>为了</a:t>
+            </a:r>
+            <a:r>
               <a:rPr lang="zh-CN" altLang="en-US" dirty="0">
                 <a:solidFill>
                   <a:srgbClr val="24292E"/>
                 </a:solidFill>
                 <a:latin typeface="-apple-system"/>
               </a:rPr>
-              <a:t> 为了加大各个模型间的差异，我们将特征进行采样，使每个模型得到大约</a:t>
+              <a:t>加大各个模型间的差异，我们将特征进行采样，使每个模型得到大约</a:t>
             </a:r>
             <a:r>
               <a:rPr lang="en-US" altLang="zh-CN" dirty="0">
@@ -30968,8 +37025,8 @@
         </p:nvSpPr>
         <p:spPr>
           <a:xfrm>
-            <a:off x="720463" y="1696955"/>
-            <a:ext cx="4656154" cy="1477328"/>
+            <a:off x="720463" y="1629222"/>
+            <a:ext cx="6787254" cy="923330"/>
           </a:xfrm>
           <a:prstGeom prst="rect">
             <a:avLst/>
@@ -31066,7 +37123,7 @@
         </p:blipFill>
         <p:spPr>
           <a:xfrm>
-            <a:off x="7162015" y="1312946"/>
+            <a:off x="8347349" y="1755679"/>
             <a:ext cx="3438525" cy="3943350"/>
           </a:xfrm>
           <a:prstGeom prst="rect">
@@ -31074,6 +37131,30 @@
           </a:prstGeom>
         </p:spPr>
       </p:pic>
+      <p:graphicFrame>
+        <p:nvGraphicFramePr>
+          <p:cNvPr id="7" name="图表 6"/>
+          <p:cNvGraphicFramePr>
+            <a:graphicFrameLocks/>
+          </p:cNvGraphicFramePr>
+          <p:nvPr>
+            <p:extLst>
+              <p:ext uri="{D42A27DB-BD31-4B8C-83A1-F6EECF244321}">
+                <p14:modId xmlns:p14="http://schemas.microsoft.com/office/powerpoint/2010/main" val="294823663"/>
+              </p:ext>
+            </p:extLst>
+          </p:nvPr>
+        </p:nvGraphicFramePr>
+        <p:xfrm>
+          <a:off x="2023534" y="3026210"/>
+          <a:ext cx="4572000" cy="2743200"/>
+        </p:xfrm>
+        <a:graphic>
+          <a:graphicData uri="http://schemas.openxmlformats.org/drawingml/2006/chart">
+            <c:chart xmlns:c="http://schemas.openxmlformats.org/drawingml/2006/chart" xmlns:r="http://schemas.openxmlformats.org/officeDocument/2006/relationships" r:id="rId4"/>
+          </a:graphicData>
+        </a:graphic>
+      </p:graphicFrame>
     </p:spTree>
     <p:extLst>
       <p:ext uri="{BB962C8B-B14F-4D97-AF65-F5344CB8AC3E}">
@@ -31203,7 +37284,7 @@
         </p:nvSpPr>
         <p:spPr>
           <a:xfrm>
-            <a:off x="437147" y="1308154"/>
+            <a:off x="1114480" y="2584364"/>
             <a:ext cx="4507832" cy="1200329"/>
           </a:xfrm>
           <a:prstGeom prst="rect">
@@ -31399,7 +37480,7 @@
         </p:nvSpPr>
         <p:spPr>
           <a:xfrm>
-            <a:off x="4977745" y="365125"/>
+            <a:off x="4977744" y="320020"/>
             <a:ext cx="2236510" cy="707886"/>
           </a:xfrm>
           <a:prstGeom prst="rect">
@@ -31442,7 +37523,7 @@
         </p:nvSpPr>
         <p:spPr>
           <a:xfrm>
-            <a:off x="2374231" y="1690688"/>
+            <a:off x="2323430" y="1589087"/>
             <a:ext cx="7214938" cy="1200329"/>
           </a:xfrm>
           <a:prstGeom prst="rect">
@@ -31456,50 +37537,23 @@
           <a:lstStyle/>
           <a:p>
             <a:r>
-              <a:rPr lang="zh-CN" altLang="en-US" b="1" dirty="0">
-                <a:solidFill>
-                  <a:srgbClr val="24292E"/>
-                </a:solidFill>
-                <a:latin typeface="-apple-system"/>
-              </a:rPr>
+              <a:rPr lang="zh-CN" altLang="en-US" b="1" dirty="0"/>
               <a:t>赛题背景</a:t>
             </a:r>
           </a:p>
           <a:p>
             <a:r>
-              <a:rPr lang="zh-CN" altLang="en-US" dirty="0">
-                <a:solidFill>
-                  <a:srgbClr val="24292E"/>
-                </a:solidFill>
-                <a:latin typeface="-apple-system"/>
-              </a:rPr>
+              <a:rPr lang="zh-CN" altLang="en-US" dirty="0"/>
               <a:t>此次比赛赛题为企业用电需求预测。主办方提供扬中市高新区</a:t>
             </a:r>
             <a:r>
-              <a:rPr lang="en-US" altLang="zh-CN" dirty="0">
-                <a:solidFill>
-                  <a:srgbClr val="24292E"/>
-                </a:solidFill>
-                <a:latin typeface="-apple-system"/>
-              </a:rPr>
+              <a:rPr lang="en-US" altLang="zh-CN" dirty="0"/>
               <a:t>1000</a:t>
             </a:r>
             <a:r>
-              <a:rPr lang="zh-CN" altLang="en-US" dirty="0">
-                <a:solidFill>
-                  <a:srgbClr val="24292E"/>
-                </a:solidFill>
-                <a:latin typeface="-apple-system"/>
-              </a:rPr>
+              <a:rPr lang="zh-CN" altLang="en-US" dirty="0"/>
               <a:t>多家企业的脱敏历史用电量数据，要求参赛者通过模型算法精准预测该地区下一个月的每日总用电量。</a:t>
             </a:r>
-            <a:endParaRPr lang="zh-CN" altLang="en-US" b="0" i="0" dirty="0">
-              <a:solidFill>
-                <a:srgbClr val="24292E"/>
-              </a:solidFill>
-              <a:effectLst/>
-              <a:latin typeface="-apple-system"/>
-            </a:endParaRPr>
           </a:p>
         </p:txBody>
       </p:sp>
@@ -31518,13 +37572,13 @@
           <p:nvPr>
             <p:extLst>
               <p:ext uri="{D42A27DB-BD31-4B8C-83A1-F6EECF244321}">
-                <p14:modId xmlns:p14="http://schemas.microsoft.com/office/powerpoint/2010/main" val="3182151184"/>
+                <p14:modId xmlns:p14="http://schemas.microsoft.com/office/powerpoint/2010/main" val="196980632"/>
               </p:ext>
             </p:extLst>
           </p:nvPr>
         </p:nvGraphicFramePr>
         <p:xfrm>
-          <a:off x="3082089" y="3553798"/>
+          <a:off x="2902618" y="3558064"/>
           <a:ext cx="6386763" cy="1432560"/>
         </p:xfrm>
         <a:graphic>
@@ -31562,11 +37616,14 @@
                     <a:p>
                       <a:pPr algn="ctr"/>
                       <a:r>
-                        <a:rPr lang="en-US" sz="1600" b="1">
+                        <a:rPr lang="en-US" sz="1600" b="1" dirty="0" err="1">
                           <a:effectLst/>
                         </a:rPr>
                         <a:t>record_date</a:t>
                       </a:r>
+                      <a:endParaRPr lang="en-US" sz="1600" b="1" dirty="0">
+                        <a:effectLst/>
+                      </a:endParaRPr>
                     </a:p>
                   </a:txBody>
                   <a:tcPr marL="123825" marR="123825" marT="57150" marB="57150" anchor="ctr">
@@ -32274,6 +38331,13 @@
   <p:clrMapOvr>
     <a:masterClrMapping/>
   </p:clrMapOvr>
+  <p:timing>
+    <p:tnLst>
+      <p:par>
+        <p:cTn id="1" dur="indefinite" restart="never" nodeType="tmRoot"/>
+      </p:par>
+    </p:tnLst>
+  </p:timing>
 </p:sld>
 </file>
 
@@ -32393,7 +38457,7 @@
         </p:nvSpPr>
         <p:spPr>
           <a:xfrm>
-            <a:off x="437147" y="1308154"/>
+            <a:off x="684240" y="1560350"/>
             <a:ext cx="4507832" cy="2031325"/>
           </a:xfrm>
           <a:prstGeom prst="rect">
@@ -32461,7 +38525,7 @@
         </p:nvSpPr>
         <p:spPr bwMode="auto">
           <a:xfrm>
-            <a:off x="5783180" y="1421851"/>
+            <a:off x="6096000" y="1852737"/>
             <a:ext cx="5297189" cy="1446550"/>
           </a:xfrm>
           <a:prstGeom prst="rect">
@@ -32984,7 +39048,7 @@
         <p:spPr>
           <a:xfrm>
             <a:off x="148390" y="1308154"/>
-            <a:ext cx="4724426" cy="646331"/>
+            <a:ext cx="4403611" cy="646331"/>
           </a:xfrm>
           <a:prstGeom prst="rect">
             <a:avLst/>
@@ -33096,7 +39160,7 @@
         <p:spPr>
           <a:xfrm>
             <a:off x="117692" y="2062310"/>
-            <a:ext cx="4755124" cy="1200329"/>
+            <a:ext cx="4434309" cy="1200329"/>
           </a:xfrm>
           <a:prstGeom prst="rect">
             <a:avLst/>
@@ -33135,8 +39199,8 @@
         </p:nvSpPr>
         <p:spPr>
           <a:xfrm>
-            <a:off x="-1" y="3305993"/>
-            <a:ext cx="4872817" cy="1200329"/>
+            <a:off x="148390" y="3502755"/>
+            <a:ext cx="4403611" cy="1477328"/>
           </a:xfrm>
           <a:prstGeom prst="rect">
             <a:avLst/>
@@ -33291,6 +39355,230 @@
               </a:rPr>
               <a:t>其他脑洞</a:t>
             </a:r>
+          </a:p>
+        </p:txBody>
+      </p:sp>
+      <p:sp>
+        <p:nvSpPr>
+          <p:cNvPr id="5" name="文本框 4"/>
+          <p:cNvSpPr txBox="1"/>
+          <p:nvPr/>
+        </p:nvSpPr>
+        <p:spPr>
+          <a:xfrm>
+            <a:off x="352058" y="1073011"/>
+            <a:ext cx="11094875" cy="1477328"/>
+          </a:xfrm>
+          <a:prstGeom prst="rect">
+            <a:avLst/>
+          </a:prstGeom>
+          <a:noFill/>
+        </p:spPr>
+        <p:txBody>
+          <a:bodyPr wrap="square" rtlCol="0">
+            <a:spAutoFit/>
+          </a:bodyPr>
+          <a:lstStyle/>
+          <a:p>
+            <a:r>
+              <a:rPr lang="zh-CN" altLang="en-US" dirty="0" smtClean="0"/>
+              <a:t>一、分类训练预测</a:t>
+            </a:r>
+            <a:endParaRPr lang="en-US" altLang="zh-CN" dirty="0" smtClean="0"/>
+          </a:p>
+          <a:p>
+            <a:r>
+              <a:rPr lang="zh-CN" altLang="en-US" dirty="0" smtClean="0"/>
+              <a:t>由于之前线下做过聚类之后的预测效果并不突出，所以转移到线上就直接对所有企业统一训练了。后面想到，</a:t>
+            </a:r>
+            <a:r>
+              <a:rPr lang="zh-CN" altLang="en-US" dirty="0"/>
+              <a:t>其实可以利用温度和节假日等特征进行聚类， 或者使用相关性分析的方法筛选出不同的企业， 在保证每种企业训练样本充足的情况下， 使用不同的模型进行训练， 或者将分类好的分类信息作为</a:t>
+            </a:r>
+            <a:r>
+              <a:rPr lang="en-US" altLang="zh-CN" dirty="0" err="1"/>
+              <a:t>onehot</a:t>
+            </a:r>
+            <a:r>
+              <a:rPr lang="zh-CN" altLang="en-US" dirty="0"/>
+              <a:t>变量加入之前的模型。 如果分好类的话说不定还能有很大的提升。</a:t>
+            </a:r>
+            <a:endParaRPr lang="zh-CN" altLang="en-US" dirty="0"/>
+          </a:p>
+        </p:txBody>
+      </p:sp>
+      <p:sp>
+        <p:nvSpPr>
+          <p:cNvPr id="6" name="文本框 5"/>
+          <p:cNvSpPr txBox="1"/>
+          <p:nvPr/>
+        </p:nvSpPr>
+        <p:spPr>
+          <a:xfrm>
+            <a:off x="371090" y="2689597"/>
+            <a:ext cx="6472075" cy="1754326"/>
+          </a:xfrm>
+          <a:prstGeom prst="rect">
+            <a:avLst/>
+          </a:prstGeom>
+          <a:noFill/>
+        </p:spPr>
+        <p:txBody>
+          <a:bodyPr wrap="square" rtlCol="0">
+            <a:spAutoFit/>
+          </a:bodyPr>
+          <a:lstStyle/>
+          <a:p>
+            <a:r>
+              <a:rPr lang="zh-CN" altLang="en-US" dirty="0" smtClean="0"/>
+              <a:t>二、处理</a:t>
+            </a:r>
+            <a:r>
+              <a:rPr lang="en-US" altLang="zh-CN" b="1" dirty="0" err="1"/>
+              <a:t>onehot</a:t>
+            </a:r>
+            <a:endParaRPr lang="en-US" altLang="zh-CN" b="1" dirty="0"/>
+          </a:p>
+          <a:p>
+            <a:r>
+              <a:rPr lang="zh-CN" altLang="en-US" dirty="0"/>
+              <a:t>还有一个问题是到底应不应该做</a:t>
+            </a:r>
+            <a:r>
+              <a:rPr lang="en-US" altLang="zh-CN" dirty="0" err="1"/>
+              <a:t>onehot</a:t>
+            </a:r>
+            <a:r>
+              <a:rPr lang="zh-CN" altLang="en-US" dirty="0"/>
+              <a:t>？ </a:t>
+            </a:r>
+            <a:r>
+              <a:rPr lang="en-US" altLang="zh-CN" dirty="0" err="1"/>
+              <a:t>onehot</a:t>
+            </a:r>
+            <a:r>
+              <a:rPr lang="zh-CN" altLang="en-US" dirty="0"/>
+              <a:t>编码特征</a:t>
+            </a:r>
+            <a:r>
+              <a:rPr lang="en-US" altLang="zh-CN" dirty="0"/>
+              <a:t>(</a:t>
+            </a:r>
+            <a:r>
+              <a:rPr lang="zh-CN" altLang="en-US" dirty="0"/>
+              <a:t>如假期等</a:t>
+            </a:r>
+            <a:r>
+              <a:rPr lang="en-US" altLang="zh-CN" dirty="0"/>
+              <a:t>)</a:t>
+            </a:r>
+            <a:r>
+              <a:rPr lang="zh-CN" altLang="en-US" dirty="0"/>
+              <a:t>太过稀疏了，直接拿来用</a:t>
+            </a:r>
+            <a:r>
+              <a:rPr lang="en-US" altLang="zh-CN" dirty="0"/>
+              <a:t>tree based model</a:t>
+            </a:r>
+            <a:r>
+              <a:rPr lang="zh-CN" altLang="en-US" dirty="0"/>
+              <a:t>训练，在节点分裂的时候不一定会被看上。 所以准备在下次比赛时试试对</a:t>
+            </a:r>
+            <a:r>
+              <a:rPr lang="en-US" altLang="zh-CN" dirty="0" err="1"/>
+              <a:t>onehot</a:t>
+            </a:r>
+            <a:r>
+              <a:rPr lang="zh-CN" altLang="en-US" dirty="0"/>
+              <a:t>编码后结果先过个线性回归试试会不会好一点。大致</a:t>
+            </a:r>
+            <a:r>
+              <a:rPr lang="zh-CN" altLang="en-US" dirty="0" smtClean="0"/>
+              <a:t>思路如左图</a:t>
+            </a:r>
+            <a:endParaRPr lang="zh-CN" altLang="en-US" dirty="0"/>
+          </a:p>
+        </p:txBody>
+      </p:sp>
+      <p:pic>
+        <p:nvPicPr>
+          <p:cNvPr id="1026" name="Picture 2" descr="onehot_lr.png"/>
+          <p:cNvPicPr>
+            <a:picLocks noChangeAspect="1" noChangeArrowheads="1"/>
+          </p:cNvPicPr>
+          <p:nvPr/>
+        </p:nvPicPr>
+        <p:blipFill>
+          <a:blip r:embed="rId3">
+            <a:extLst>
+              <a:ext uri="{28A0092B-C50C-407E-A947-70E740481C1C}">
+                <a14:useLocalDpi xmlns:a14="http://schemas.microsoft.com/office/drawing/2010/main" val="0"/>
+              </a:ext>
+            </a:extLst>
+          </a:blip>
+          <a:srcRect/>
+          <a:stretch>
+            <a:fillRect/>
+          </a:stretch>
+        </p:blipFill>
+        <p:spPr bwMode="auto">
+          <a:xfrm>
+            <a:off x="7214255" y="2763699"/>
+            <a:ext cx="3614436" cy="3008589"/>
+          </a:xfrm>
+          <a:prstGeom prst="rect">
+            <a:avLst/>
+          </a:prstGeom>
+          <a:noFill/>
+          <a:extLst>
+            <a:ext uri="{909E8E84-426E-40DD-AFC4-6F175D3DCCD1}">
+              <a14:hiddenFill xmlns:a14="http://schemas.microsoft.com/office/drawing/2010/main">
+                <a:solidFill>
+                  <a:srgbClr val="FFFFFF"/>
+                </a:solidFill>
+              </a14:hiddenFill>
+            </a:ext>
+          </a:extLst>
+        </p:spPr>
+      </p:pic>
+      <p:sp>
+        <p:nvSpPr>
+          <p:cNvPr id="8" name="文本框 7"/>
+          <p:cNvSpPr txBox="1"/>
+          <p:nvPr/>
+        </p:nvSpPr>
+        <p:spPr>
+          <a:xfrm>
+            <a:off x="352057" y="4583182"/>
+            <a:ext cx="6472075" cy="1477328"/>
+          </a:xfrm>
+          <a:prstGeom prst="rect">
+            <a:avLst/>
+          </a:prstGeom>
+          <a:noFill/>
+        </p:spPr>
+        <p:txBody>
+          <a:bodyPr wrap="square" rtlCol="0">
+            <a:spAutoFit/>
+          </a:bodyPr>
+          <a:lstStyle/>
+          <a:p>
+            <a:r>
+              <a:rPr lang="zh-CN" altLang="en-US" dirty="0"/>
+              <a:t>三</a:t>
+            </a:r>
+            <a:r>
+              <a:rPr lang="zh-CN" altLang="en-US" dirty="0" smtClean="0"/>
+              <a:t>、拉伸温度特征</a:t>
+            </a:r>
+            <a:endParaRPr lang="en-US" altLang="zh-CN" dirty="0" smtClean="0"/>
+          </a:p>
+          <a:p>
+            <a:r>
+              <a:rPr lang="zh-CN" altLang="en-US" dirty="0" smtClean="0"/>
+              <a:t>在实验的时候发现，模型对于温度特征的变化不是特别敏感，尤其是对高温和低温的情况下，电量变化的不明显。目前想到的一个解决方案就是对温度数据进行拉伸，高的温度越高，低的温度越低（也可以归一化后拉伸）</a:t>
+            </a:r>
+            <a:endParaRPr lang="zh-CN" altLang="en-US" dirty="0"/>
           </a:p>
         </p:txBody>
       </p:sp>
@@ -33521,6 +39809,107 @@
               </a:rPr>
               <a:t>总结</a:t>
             </a:r>
+          </a:p>
+        </p:txBody>
+      </p:sp>
+      <p:sp>
+        <p:nvSpPr>
+          <p:cNvPr id="5" name="文本框 4"/>
+          <p:cNvSpPr txBox="1"/>
+          <p:nvPr/>
+        </p:nvSpPr>
+        <p:spPr>
+          <a:xfrm>
+            <a:off x="1890529" y="1827603"/>
+            <a:ext cx="8261005" cy="2308324"/>
+          </a:xfrm>
+          <a:prstGeom prst="rect">
+            <a:avLst/>
+          </a:prstGeom>
+          <a:noFill/>
+        </p:spPr>
+        <p:txBody>
+          <a:bodyPr wrap="square" rtlCol="0">
+            <a:spAutoFit/>
+          </a:bodyPr>
+          <a:lstStyle/>
+          <a:p>
+            <a:pPr marL="285750" indent="-285750">
+              <a:buFont typeface="Arial" panose="020B0604020202020204" pitchFamily="34" charset="0"/>
+              <a:buChar char="•"/>
+            </a:pPr>
+            <a:endParaRPr lang="en-US" altLang="zh-CN" b="1" dirty="0" smtClean="0"/>
+          </a:p>
+          <a:p>
+            <a:pPr marL="285750" indent="-285750">
+              <a:buFont typeface="Arial" panose="020B0604020202020204" pitchFamily="34" charset="0"/>
+              <a:buChar char="•"/>
+            </a:pPr>
+            <a:r>
+              <a:rPr lang="zh-CN" altLang="en-US" dirty="0" smtClean="0"/>
+              <a:t>首先对数据的分析还不够多，过于重视模型的搭建。</a:t>
+            </a:r>
+            <a:endParaRPr lang="en-US" altLang="zh-CN" dirty="0" smtClean="0"/>
+          </a:p>
+          <a:p>
+            <a:pPr marL="285750" indent="-285750">
+              <a:buFont typeface="Arial" panose="020B0604020202020204" pitchFamily="34" charset="0"/>
+              <a:buChar char="•"/>
+            </a:pPr>
+            <a:r>
+              <a:rPr lang="zh-CN" altLang="en-US" dirty="0" smtClean="0"/>
+              <a:t>第一次参加平台赛，对平台并不是很熟悉，甚至连</a:t>
+            </a:r>
+            <a:r>
+              <a:rPr lang="en-US" altLang="zh-CN" dirty="0" smtClean="0"/>
+              <a:t>IDE</a:t>
+            </a:r>
+            <a:r>
+              <a:rPr lang="zh-CN" altLang="en-US" dirty="0" smtClean="0"/>
+              <a:t>调用</a:t>
+            </a:r>
+            <a:r>
+              <a:rPr lang="en-US" altLang="zh-CN" dirty="0" smtClean="0"/>
+              <a:t>PAI</a:t>
+            </a:r>
+            <a:r>
+              <a:rPr lang="zh-CN" altLang="en-US" dirty="0" smtClean="0"/>
+              <a:t>训练模型都不知道，做了大量无意义的操作。</a:t>
+            </a:r>
+            <a:endParaRPr lang="en-US" altLang="zh-CN" dirty="0" smtClean="0"/>
+          </a:p>
+          <a:p>
+            <a:pPr marL="285750" indent="-285750">
+              <a:buFont typeface="Arial" panose="020B0604020202020204" pitchFamily="34" charset="0"/>
+              <a:buChar char="•"/>
+            </a:pPr>
+            <a:r>
+              <a:rPr lang="zh-CN" altLang="en-US" dirty="0" smtClean="0"/>
+              <a:t>线下的聚类操作前，应该更全面的去分析企业用电规律，而不是单纯的套用算法进行聚类。</a:t>
+            </a:r>
+            <a:endParaRPr lang="en-US" altLang="zh-CN" dirty="0" smtClean="0"/>
+          </a:p>
+          <a:p>
+            <a:pPr marL="285750" indent="-285750">
+              <a:buFont typeface="Arial" panose="020B0604020202020204" pitchFamily="34" charset="0"/>
+              <a:buChar char="•"/>
+            </a:pPr>
+            <a:r>
+              <a:rPr lang="zh-CN" altLang="en-US" dirty="0" smtClean="0"/>
+              <a:t>训练过程中发现温度等特征重要性过低，但是并没有去针对性的调整特征。</a:t>
+            </a:r>
+            <a:endParaRPr lang="en-US" altLang="zh-CN" dirty="0" smtClean="0"/>
+          </a:p>
+          <a:p>
+            <a:pPr marL="285750" indent="-285750">
+              <a:buFont typeface="Arial" panose="020B0604020202020204" pitchFamily="34" charset="0"/>
+              <a:buChar char="•"/>
+            </a:pPr>
+            <a:r>
+              <a:rPr lang="zh-CN" altLang="en-US" dirty="0" smtClean="0"/>
+              <a:t>采用模型融合等策略提高模型的复杂度确实能够帮助训练效果的提升</a:t>
+            </a:r>
+            <a:endParaRPr lang="zh-CN" altLang="en-US" dirty="0"/>
           </a:p>
         </p:txBody>
       </p:sp>
@@ -33763,7 +40152,7 @@
         </p:nvSpPr>
         <p:spPr>
           <a:xfrm>
-            <a:off x="2867526" y="1438136"/>
+            <a:off x="2300260" y="1438136"/>
             <a:ext cx="7214938" cy="923330"/>
           </a:xfrm>
           <a:prstGeom prst="rect">
@@ -33777,7 +40166,7 @@
           <a:lstStyle/>
           <a:p>
             <a:r>
-              <a:rPr lang="zh-CN" altLang="en-US" b="1" dirty="0">
+              <a:rPr lang="zh-CN" altLang="en-US" b="1" dirty="0" smtClean="0">
                 <a:solidFill>
                   <a:srgbClr val="24292E"/>
                 </a:solidFill>
@@ -33785,7 +40174,7 @@
               </a:rPr>
               <a:t>评估指标</a:t>
             </a:r>
-            <a:endParaRPr lang="en-US" altLang="zh-CN" b="1" dirty="0">
+            <a:endParaRPr lang="en-US" altLang="zh-CN" b="1" dirty="0" smtClean="0">
               <a:solidFill>
                 <a:srgbClr val="24292E"/>
               </a:solidFill>
@@ -33794,15 +40183,17 @@
           </a:p>
           <a:p>
             <a:r>
+              <a:rPr lang="zh-CN" altLang="en-US" dirty="0" smtClean="0"/>
+              <a:t>主办</a:t>
+            </a:r>
+            <a:r>
               <a:rPr lang="zh-CN" altLang="en-US" dirty="0"/>
-              <a:t>主办方的具体评分公式不完全公开，总得分为相对误差的函数。</a:t>
+              <a:t>方的具体评分公式不完全公开，总得分为相对误差的函数</a:t>
             </a:r>
-            <a:endParaRPr lang="en-US" altLang="zh-CN" b="1" dirty="0">
-              <a:solidFill>
-                <a:srgbClr val="24292E"/>
-              </a:solidFill>
-              <a:latin typeface="-apple-system"/>
-            </a:endParaRPr>
+            <a:r>
+              <a:rPr lang="zh-CN" altLang="en-US" dirty="0" smtClean="0"/>
+              <a:t>。</a:t>
+            </a:r>
           </a:p>
           <a:p>
             <a:endParaRPr lang="zh-CN" altLang="en-US" b="0" i="0" dirty="0">
@@ -33844,7 +40235,7 @@
         </p:blipFill>
         <p:spPr bwMode="auto">
           <a:xfrm>
-            <a:off x="3331136" y="2280546"/>
+            <a:off x="2763870" y="2280546"/>
             <a:ext cx="6751328" cy="743701"/>
           </a:xfrm>
           <a:prstGeom prst="rect">
@@ -33877,13 +40268,13 @@
           <p:nvPr>
             <p:extLst>
               <p:ext uri="{D42A27DB-BD31-4B8C-83A1-F6EECF244321}">
-                <p14:modId xmlns:p14="http://schemas.microsoft.com/office/powerpoint/2010/main" val="1250103985"/>
+                <p14:modId xmlns:p14="http://schemas.microsoft.com/office/powerpoint/2010/main" val="3157433984"/>
               </p:ext>
             </p:extLst>
           </p:nvPr>
         </p:nvGraphicFramePr>
         <p:xfrm>
-          <a:off x="2771273" y="4041250"/>
+          <a:off x="2204007" y="4041250"/>
           <a:ext cx="8458200" cy="1554480"/>
         </p:xfrm>
         <a:graphic>
@@ -34271,7 +40662,7 @@
                     <a:p>
                       <a:pPr algn="ctr"/>
                       <a:r>
-                        <a:rPr lang="en-US" altLang="zh-CN">
+                        <a:rPr lang="en-US" altLang="zh-CN" dirty="0">
                           <a:effectLst/>
                         </a:rPr>
                         <a:t>201612/31</a:t>
@@ -34402,7 +40793,7 @@
         </p:nvSpPr>
         <p:spPr bwMode="auto">
           <a:xfrm>
-            <a:off x="2867526" y="3214165"/>
+            <a:off x="2300260" y="3214165"/>
             <a:ext cx="6914148" cy="646331"/>
           </a:xfrm>
           <a:prstGeom prst="rect">
@@ -34471,6 +40862,13 @@
   <p:clrMapOvr>
     <a:masterClrMapping/>
   </p:clrMapOvr>
+  <p:timing>
+    <p:tnLst>
+      <p:par>
+        <p:cTn id="1" dur="indefinite" restart="never" nodeType="tmRoot"/>
+      </p:par>
+    </p:tnLst>
+  </p:timing>
 </p:sld>
 </file>
 
@@ -34644,6 +41042,13 @@
   <p:clrMapOvr>
     <a:masterClrMapping/>
   </p:clrMapOvr>
+  <p:timing>
+    <p:tnLst>
+      <p:par>
+        <p:cTn id="1" dur="indefinite" restart="never" nodeType="tmRoot"/>
+      </p:par>
+    </p:tnLst>
+  </p:timing>
 </p:sld>
 </file>
 
@@ -34879,6 +41284,13 @@
   <p:clrMapOvr>
     <a:masterClrMapping/>
   </p:clrMapOvr>
+  <p:timing>
+    <p:tnLst>
+      <p:par>
+        <p:cTn id="1" dur="indefinite" restart="never" nodeType="tmRoot"/>
+      </p:par>
+    </p:tnLst>
+  </p:timing>
 </p:sld>
 </file>
 
@@ -34955,7 +41367,7 @@
         </p:nvSpPr>
         <p:spPr>
           <a:xfrm>
-            <a:off x="4977745" y="365125"/>
+            <a:off x="4948837" y="357717"/>
             <a:ext cx="2236510" cy="707886"/>
           </a:xfrm>
           <a:prstGeom prst="rect">
@@ -34998,8 +41410,8 @@
         </p:nvSpPr>
         <p:spPr>
           <a:xfrm>
-            <a:off x="3050134" y="1654879"/>
-            <a:ext cx="7340471" cy="646331"/>
+            <a:off x="2186533" y="1903790"/>
+            <a:ext cx="8135560" cy="707886"/>
           </a:xfrm>
           <a:prstGeom prst="rect">
             <a:avLst/>
@@ -35012,7 +41424,7 @@
           <a:lstStyle/>
           <a:p>
             <a:r>
-              <a:rPr lang="zh-CN" altLang="en-US" dirty="0">
+              <a:rPr lang="zh-CN" altLang="en-US" sz="2000" dirty="0">
                 <a:solidFill>
                   <a:srgbClr val="24292E"/>
                 </a:solidFill>
@@ -35021,7 +41433,7 @@
               <a:t>去掉了</a:t>
             </a:r>
             <a:r>
-              <a:rPr lang="en-US" altLang="zh-CN" dirty="0">
+              <a:rPr lang="en-US" altLang="zh-CN" sz="2000" dirty="0">
                 <a:solidFill>
                   <a:srgbClr val="24292E"/>
                 </a:solidFill>
@@ -35030,7 +41442,7 @@
               <a:t>9</a:t>
             </a:r>
             <a:r>
-              <a:rPr lang="zh-CN" altLang="en-US" dirty="0">
+              <a:rPr lang="zh-CN" altLang="en-US" sz="2000" dirty="0">
                 <a:solidFill>
                   <a:srgbClr val="24292E"/>
                 </a:solidFill>
@@ -35039,7 +41451,7 @@
               <a:t>月</a:t>
             </a:r>
             <a:r>
-              <a:rPr lang="en-US" altLang="zh-CN" dirty="0">
+              <a:rPr lang="en-US" altLang="zh-CN" sz="2000" dirty="0">
                 <a:solidFill>
                   <a:srgbClr val="24292E"/>
                 </a:solidFill>
@@ -35048,7 +41460,7 @@
               <a:t>18</a:t>
             </a:r>
             <a:r>
-              <a:rPr lang="zh-CN" altLang="en-US" dirty="0">
+              <a:rPr lang="zh-CN" altLang="en-US" sz="2000" dirty="0">
                 <a:solidFill>
                   <a:srgbClr val="24292E"/>
                 </a:solidFill>
@@ -35057,7 +41469,7 @@
               <a:t>日至</a:t>
             </a:r>
             <a:r>
-              <a:rPr lang="en-US" altLang="zh-CN" dirty="0">
+              <a:rPr lang="en-US" altLang="zh-CN" sz="2000" dirty="0">
                 <a:solidFill>
                   <a:srgbClr val="24292E"/>
                 </a:solidFill>
@@ -35066,7 +41478,7 @@
               <a:t>9</a:t>
             </a:r>
             <a:r>
-              <a:rPr lang="zh-CN" altLang="en-US" dirty="0">
+              <a:rPr lang="zh-CN" altLang="en-US" sz="2000" dirty="0">
                 <a:solidFill>
                   <a:srgbClr val="24292E"/>
                 </a:solidFill>
@@ -35075,7 +41487,7 @@
               <a:t>月</a:t>
             </a:r>
             <a:r>
-              <a:rPr lang="en-US" altLang="zh-CN" dirty="0">
+              <a:rPr lang="en-US" altLang="zh-CN" sz="2000" dirty="0">
                 <a:solidFill>
                   <a:srgbClr val="24292E"/>
                 </a:solidFill>
@@ -35084,7 +41496,7 @@
               <a:t>30</a:t>
             </a:r>
             <a:r>
-              <a:rPr lang="zh-CN" altLang="en-US" dirty="0">
+              <a:rPr lang="zh-CN" altLang="en-US" sz="2000" dirty="0">
                 <a:solidFill>
                   <a:srgbClr val="24292E"/>
                 </a:solidFill>
@@ -35093,7 +41505,7 @@
               <a:t>日</a:t>
             </a:r>
             <a:r>
-              <a:rPr lang="en-US" altLang="zh-CN" dirty="0">
+              <a:rPr lang="en-US" altLang="zh-CN" sz="2000" dirty="0">
                 <a:solidFill>
                   <a:srgbClr val="24292E"/>
                 </a:solidFill>
@@ -35102,7 +41514,7 @@
               <a:t>14</a:t>
             </a:r>
             <a:r>
-              <a:rPr lang="zh-CN" altLang="en-US" dirty="0">
+              <a:rPr lang="zh-CN" altLang="en-US" sz="2000" dirty="0">
                 <a:solidFill>
                   <a:srgbClr val="24292E"/>
                 </a:solidFill>
@@ -35111,7 +41523,7 @@
               <a:t>天均值小于</a:t>
             </a:r>
             <a:r>
-              <a:rPr lang="en-US" altLang="zh-CN" dirty="0">
+              <a:rPr lang="en-US" altLang="zh-CN" sz="2000" dirty="0">
                 <a:solidFill>
                   <a:srgbClr val="24292E"/>
                 </a:solidFill>
@@ -35120,7 +41532,7 @@
               <a:t>50</a:t>
             </a:r>
             <a:r>
-              <a:rPr lang="zh-CN" altLang="en-US" dirty="0">
+              <a:rPr lang="zh-CN" altLang="en-US" sz="2000" dirty="0">
                 <a:solidFill>
                   <a:srgbClr val="24292E"/>
                 </a:solidFill>
@@ -35129,7 +41541,7 @@
               <a:t>的商店（</a:t>
             </a:r>
             <a:r>
-              <a:rPr lang="en-US" altLang="zh-CN" dirty="0">
+              <a:rPr lang="en-US" altLang="zh-CN" sz="2000" dirty="0">
                 <a:solidFill>
                   <a:srgbClr val="24292E"/>
                 </a:solidFill>
@@ -35138,7 +41550,7 @@
               <a:t>200</a:t>
             </a:r>
             <a:r>
-              <a:rPr lang="zh-CN" altLang="en-US" dirty="0">
+              <a:rPr lang="zh-CN" altLang="en-US" sz="2000" dirty="0">
                 <a:solidFill>
                   <a:srgbClr val="24292E"/>
                 </a:solidFill>
@@ -35146,7 +41558,7 @@
               </a:rPr>
               <a:t>家）</a:t>
             </a:r>
-            <a:endParaRPr lang="en-US" altLang="zh-CN" dirty="0">
+            <a:endParaRPr lang="en-US" altLang="zh-CN" sz="2000" dirty="0">
               <a:solidFill>
                 <a:srgbClr val="24292E"/>
               </a:solidFill>
@@ -35155,7 +41567,7 @@
           </a:p>
           <a:p>
             <a:r>
-              <a:rPr lang="zh-CN" altLang="en-US" dirty="0">
+              <a:rPr lang="zh-CN" altLang="en-US" sz="2000" dirty="0">
                 <a:solidFill>
                   <a:srgbClr val="24292E"/>
                 </a:solidFill>
@@ -35163,7 +41575,7 @@
               </a:rPr>
               <a:t>降低计算压力和低电量样本造成的影响，且对最终预测结果影响较小。</a:t>
             </a:r>
-            <a:endParaRPr lang="zh-CN" altLang="en-US" dirty="0"/>
+            <a:endParaRPr lang="zh-CN" altLang="en-US" sz="2000" dirty="0"/>
           </a:p>
         </p:txBody>
       </p:sp>
@@ -35182,42 +41594,42 @@
           <p:nvPr>
             <p:extLst>
               <p:ext uri="{D42A27DB-BD31-4B8C-83A1-F6EECF244321}">
-                <p14:modId xmlns:p14="http://schemas.microsoft.com/office/powerpoint/2010/main" val="3248719406"/>
+                <p14:modId xmlns:p14="http://schemas.microsoft.com/office/powerpoint/2010/main" val="2895491418"/>
               </p:ext>
             </p:extLst>
           </p:nvPr>
         </p:nvGraphicFramePr>
         <p:xfrm>
-          <a:off x="2902618" y="3558064"/>
-          <a:ext cx="6386764" cy="1432560"/>
+          <a:off x="2438402" y="3073400"/>
+          <a:ext cx="7257380" cy="1942624"/>
         </p:xfrm>
         <a:graphic>
           <a:graphicData uri="http://schemas.openxmlformats.org/drawingml/2006/table">
             <a:tbl>
               <a:tblPr/>
               <a:tblGrid>
-                <a:gridCol w="1596691">
+                <a:gridCol w="1814345">
                   <a:extLst>
                     <a:ext uri="{9D8B030D-6E8A-4147-A177-3AD203B41FA5}">
                       <a16:colId xmlns:a16="http://schemas.microsoft.com/office/drawing/2014/main" val="2825225818"/>
                     </a:ext>
                   </a:extLst>
                 </a:gridCol>
-                <a:gridCol w="1596691">
+                <a:gridCol w="1814345">
                   <a:extLst>
                     <a:ext uri="{9D8B030D-6E8A-4147-A177-3AD203B41FA5}">
                       <a16:colId xmlns:a16="http://schemas.microsoft.com/office/drawing/2014/main" val="1949206159"/>
                     </a:ext>
                   </a:extLst>
                 </a:gridCol>
-                <a:gridCol w="1596691">
+                <a:gridCol w="1814345">
                   <a:extLst>
                     <a:ext uri="{9D8B030D-6E8A-4147-A177-3AD203B41FA5}">
                       <a16:colId xmlns:a16="http://schemas.microsoft.com/office/drawing/2014/main" val="2550136547"/>
                     </a:ext>
                   </a:extLst>
                 </a:gridCol>
-                <a:gridCol w="1596691">
+                <a:gridCol w="1814345">
                   <a:extLst>
                     <a:ext uri="{9D8B030D-6E8A-4147-A177-3AD203B41FA5}">
                       <a16:colId xmlns:a16="http://schemas.microsoft.com/office/drawing/2014/main" val="1378558458"/>
@@ -35225,7 +41637,7 @@
                   </a:extLst>
                 </a:gridCol>
               </a:tblGrid>
-              <a:tr h="194310">
+              <a:tr h="485656">
                 <a:tc>
                   <a:txBody>
                     <a:bodyPr/>
@@ -35476,7 +41888,7 @@
                   </a:ext>
                 </a:extLst>
               </a:tr>
-              <a:tr h="194310">
+              <a:tr h="485656">
                 <a:tc>
                   <a:txBody>
                     <a:bodyPr/>
@@ -35749,7 +42161,7 @@
                   </a:ext>
                 </a:extLst>
               </a:tr>
-              <a:tr h="194310">
+              <a:tr h="485656">
                 <a:tc>
                   <a:txBody>
                     <a:bodyPr/>
@@ -36019,7 +42431,7 @@
                   </a:ext>
                 </a:extLst>
               </a:tr>
-              <a:tr h="194310">
+              <a:tr h="485656">
                 <a:tc>
                   <a:txBody>
                     <a:bodyPr/>
@@ -36295,6 +42707,13 @@
   <p:clrMapOvr>
     <a:masterClrMapping/>
   </p:clrMapOvr>
+  <p:timing>
+    <p:tnLst>
+      <p:par>
+        <p:cTn id="1" dur="indefinite" restart="never" nodeType="tmRoot"/>
+      </p:par>
+    </p:tnLst>
+  </p:timing>
 </p:sld>
 </file>
 
@@ -36371,7 +42790,7 @@
         </p:nvSpPr>
         <p:spPr>
           <a:xfrm>
-            <a:off x="4977745" y="365125"/>
+            <a:off x="4910012" y="316390"/>
             <a:ext cx="2236510" cy="707886"/>
           </a:xfrm>
           <a:prstGeom prst="rect">
@@ -36415,14 +42834,14 @@
           <p:nvPr>
             <p:extLst>
               <p:ext uri="{D42A27DB-BD31-4B8C-83A1-F6EECF244321}">
-                <p14:modId xmlns:p14="http://schemas.microsoft.com/office/powerpoint/2010/main" val="3979621495"/>
+                <p14:modId xmlns:p14="http://schemas.microsoft.com/office/powerpoint/2010/main" val="3861578763"/>
               </p:ext>
             </p:extLst>
           </p:nvPr>
         </p:nvGraphicFramePr>
         <p:xfrm>
-          <a:off x="3299819" y="2145777"/>
-          <a:ext cx="6724650" cy="2743200"/>
+          <a:off x="1327098" y="1474121"/>
+          <a:ext cx="10382238" cy="4662618"/>
         </p:xfrm>
         <a:graphic>
           <a:graphicData uri="http://schemas.openxmlformats.org/drawingml/2006/chart">
@@ -36444,26 +42863,26 @@
         </p:nvSpPr>
         <p:spPr>
           <a:xfrm>
-            <a:off x="3462907" y="1630194"/>
-            <a:ext cx="5266185" cy="369332"/>
+            <a:off x="4428107" y="1156000"/>
+            <a:ext cx="3293493" cy="369332"/>
           </a:xfrm>
           <a:prstGeom prst="rect">
             <a:avLst/>
           </a:prstGeom>
         </p:spPr>
         <p:txBody>
-          <a:bodyPr wrap="none">
+          <a:bodyPr wrap="square">
             <a:spAutoFit/>
           </a:bodyPr>
           <a:lstStyle/>
           <a:p>
             <a:r>
-              <a:rPr lang="zh-CN" altLang="en-US" dirty="0"/>
-              <a:t>去除春节或由于临近春节而导致的</a:t>
+              <a:rPr lang="zh-CN" altLang="en-US" dirty="0" smtClean="0"/>
+              <a:t>去除春节导致的</a:t>
             </a:r>
             <a:r>
-              <a:rPr lang="en-US" altLang="zh-CN" dirty="0"/>
-              <a:t>1~~3</a:t>
+              <a:rPr lang="en-US" altLang="zh-CN" dirty="0" smtClean="0"/>
+              <a:t>1-3</a:t>
             </a:r>
             <a:r>
               <a:rPr lang="zh-CN" altLang="en-US" dirty="0"/>
@@ -36482,6 +42901,13 @@
   <p:clrMapOvr>
     <a:masterClrMapping/>
   </p:clrMapOvr>
+  <p:timing>
+    <p:tnLst>
+      <p:par>
+        <p:cTn id="1" dur="indefinite" restart="never" nodeType="tmRoot"/>
+      </p:par>
+    </p:tnLst>
+  </p:timing>
 </p:sld>
 </file>
 
@@ -36622,7 +43048,13 @@
               <a:t>对不同商店的电量使用</a:t>
             </a:r>
             <a:r>
-              <a:rPr lang="en-US" altLang="zh-CN" dirty="0"/>
+              <a:rPr lang="en-US" altLang="zh-CN" dirty="0">
+                <a:solidFill>
+                  <a:srgbClr val="24292E"/>
+                </a:solidFill>
+                <a:latin typeface="Times New Roman" panose="02020603050405020304" pitchFamily="18" charset="0"/>
+                <a:cs typeface="Times New Roman" panose="02020603050405020304" pitchFamily="18" charset="0"/>
+              </a:rPr>
               <a:t>log</a:t>
             </a:r>
             <a:r>
@@ -36630,7 +43062,13 @@
               <a:t>变换，使不同耗电量的店家保持为同一数量级，再通过</a:t>
             </a:r>
             <a:r>
-              <a:rPr lang="en-US" altLang="zh-CN" dirty="0" err="1"/>
+              <a:rPr lang="en-US" altLang="zh-CN" dirty="0" err="1">
+                <a:solidFill>
+                  <a:srgbClr val="24292E"/>
+                </a:solidFill>
+                <a:latin typeface="Times New Roman" panose="02020603050405020304" pitchFamily="18" charset="0"/>
+                <a:cs typeface="Times New Roman" panose="02020603050405020304" pitchFamily="18" charset="0"/>
+              </a:rPr>
               <a:t>MinMaxScaler</a:t>
             </a:r>
             <a:r>
@@ -36645,7 +43083,13 @@
               <a:t>而后使用</a:t>
             </a:r>
             <a:r>
-              <a:rPr lang="en-US" altLang="zh-CN" dirty="0"/>
+              <a:rPr lang="en-US" altLang="zh-CN" dirty="0">
+                <a:solidFill>
+                  <a:srgbClr val="24292E"/>
+                </a:solidFill>
+                <a:latin typeface="Times New Roman" panose="02020603050405020304" pitchFamily="18" charset="0"/>
+                <a:cs typeface="Times New Roman" panose="02020603050405020304" pitchFamily="18" charset="0"/>
+              </a:rPr>
               <a:t>DBSCAN</a:t>
             </a:r>
             <a:r>
@@ -36723,6 +43167,13 @@
   <p:clrMapOvr>
     <a:masterClrMapping/>
   </p:clrMapOvr>
+  <p:timing>
+    <p:tnLst>
+      <p:par>
+        <p:cTn id="1" dur="indefinite" restart="never" nodeType="tmRoot"/>
+      </p:par>
+    </p:tnLst>
+  </p:timing>
 </p:sld>
 </file>
 
@@ -36802,7 +43253,7 @@
         </p:nvSpPr>
         <p:spPr>
           <a:xfrm>
-            <a:off x="4977745" y="365125"/>
+            <a:off x="383006" y="381869"/>
             <a:ext cx="2236510" cy="707886"/>
           </a:xfrm>
           <a:prstGeom prst="rect">
@@ -37058,31 +43509,31 @@
                     <a:p>
                       <a:pPr algn="ctr"/>
                       <a:r>
-                        <a:rPr lang="zh-CN" altLang="en-US" sz="1500">
+                        <a:rPr lang="zh-CN" altLang="en-US" sz="1500" dirty="0">
                           <a:effectLst/>
                         </a:rPr>
                         <a:t>对店家使用</a:t>
                       </a:r>
                       <a:r>
-                        <a:rPr lang="en-US" altLang="zh-CN" sz="1500">
+                        <a:rPr lang="en-US" altLang="zh-CN" sz="1500" dirty="0">
                           <a:effectLst/>
                         </a:rPr>
                         <a:t>DBSCAN</a:t>
                       </a:r>
                       <a:r>
-                        <a:rPr lang="zh-CN" altLang="en-US" sz="1500">
+                        <a:rPr lang="zh-CN" altLang="en-US" sz="1500" dirty="0">
                           <a:effectLst/>
                         </a:rPr>
                         <a:t>进行聚类后进行</a:t>
                       </a:r>
                       <a:r>
-                        <a:rPr lang="en-US" altLang="zh-CN" sz="1500">
+                        <a:rPr lang="en-US" altLang="zh-CN" sz="1500" dirty="0" err="1">
                           <a:effectLst/>
                         </a:rPr>
                         <a:t>onehot</a:t>
                       </a:r>
                       <a:r>
-                        <a:rPr lang="zh-CN" altLang="en-US" sz="1500">
+                        <a:rPr lang="zh-CN" altLang="en-US" sz="1500" dirty="0">
                           <a:effectLst/>
                         </a:rPr>
                         <a:t>编码</a:t>
@@ -38254,8 +44705,8 @@
         </p:nvSpPr>
         <p:spPr>
           <a:xfrm>
-            <a:off x="701842" y="1353195"/>
-            <a:ext cx="4347411" cy="646331"/>
+            <a:off x="383007" y="1549166"/>
+            <a:ext cx="4959446" cy="369332"/>
           </a:xfrm>
           <a:prstGeom prst="rect">
             <a:avLst/>
@@ -38275,11 +44726,41 @@
                 <a:effectLst/>
                 <a:latin typeface="-apple-system"/>
               </a:rPr>
-              <a:t>右表为我们线下特征提取中</a:t>
+              <a:t>右表</a:t>
+            </a:r>
+            <a:r>
+              <a:rPr lang="zh-CN" altLang="en-US" b="0" i="0" dirty="0" smtClean="0">
+                <a:solidFill>
+                  <a:srgbClr val="24292E"/>
+                </a:solidFill>
+                <a:effectLst/>
+                <a:latin typeface="-apple-system"/>
+              </a:rPr>
+              <a:t>为线</a:t>
+            </a:r>
+            <a:r>
+              <a:rPr lang="zh-CN" altLang="en-US" b="0" i="0" dirty="0">
+                <a:solidFill>
+                  <a:srgbClr val="24292E"/>
+                </a:solidFill>
+                <a:effectLst/>
+                <a:latin typeface="-apple-system"/>
+              </a:rPr>
+              <a:t>下特征提取中</a:t>
+            </a:r>
+            <a:r>
+              <a:rPr lang="en-US" altLang="zh-CN" dirty="0">
+                <a:solidFill>
+                  <a:srgbClr val="24292E"/>
+                </a:solidFill>
+                <a:latin typeface="Times New Roman" panose="02020603050405020304" pitchFamily="18" charset="0"/>
+                <a:cs typeface="Times New Roman" panose="02020603050405020304" pitchFamily="18" charset="0"/>
+              </a:rPr>
+              <a:t>heavy</a:t>
             </a:r>
             <a:r>
               <a:rPr lang="en-US" altLang="zh-CN" dirty="0"/>
-              <a:t>heavy </a:t>
+              <a:t> </a:t>
             </a:r>
             <a:r>
               <a:rPr lang="zh-CN" altLang="en-US" dirty="0"/>
@@ -38314,13 +44795,13 @@
         </p:nvCxnSpPr>
         <p:spPr>
           <a:xfrm>
-            <a:off x="4977745" y="5534526"/>
-            <a:ext cx="1988539" cy="84221"/>
+            <a:off x="5139267" y="5139267"/>
+            <a:ext cx="1032587" cy="415947"/>
           </a:xfrm>
           <a:prstGeom prst="straightConnector1">
             <a:avLst/>
           </a:prstGeom>
-          <a:ln>
+          <a:ln w="57150">
             <a:tailEnd type="triangle"/>
           </a:ln>
         </p:spPr>
@@ -38353,8 +44834,8 @@
         </p:nvSpPr>
         <p:spPr>
           <a:xfrm>
-            <a:off x="140370" y="4692734"/>
-            <a:ext cx="6164178" cy="923330"/>
+            <a:off x="384330" y="4037649"/>
+            <a:ext cx="4837375" cy="1477328"/>
           </a:xfrm>
           <a:prstGeom prst="rect">
             <a:avLst/>
@@ -38367,22 +44848,13 @@
           <a:lstStyle/>
           <a:p>
             <a:r>
-              <a:rPr lang="zh-CN" altLang="en-US" dirty="0">
+              <a:rPr lang="zh-CN" altLang="en-US" dirty="0" smtClean="0">
                 <a:solidFill>
                   <a:srgbClr val="24292E"/>
                 </a:solidFill>
                 <a:latin typeface="-apple-system"/>
               </a:rPr>
-              <a:t>对于一部分模型使用的特征，我们对</a:t>
-            </a:r>
-            <a:r>
-              <a:rPr lang="en-US" altLang="zh-CN" dirty="0">
-                <a:solidFill>
-                  <a:srgbClr val="24292E"/>
-                </a:solidFill>
-                <a:latin typeface="-apple-system"/>
-              </a:rPr>
-              <a:t>power</a:t>
+              <a:t>我们对部分</a:t>
             </a:r>
             <a:r>
               <a:rPr lang="zh-CN" altLang="en-US" dirty="0">
@@ -38391,16 +44863,71 @@
                 </a:solidFill>
                 <a:latin typeface="-apple-system"/>
               </a:rPr>
-              <a:t>和预测值进行了</a:t>
+              <a:t>模型使用</a:t>
+            </a:r>
+            <a:r>
+              <a:rPr lang="zh-CN" altLang="en-US" dirty="0" smtClean="0">
+                <a:solidFill>
+                  <a:srgbClr val="24292E"/>
+                </a:solidFill>
+                <a:latin typeface="-apple-system"/>
+              </a:rPr>
+              <a:t>的电量特征以及预测值进行了</a:t>
             </a:r>
             <a:r>
               <a:rPr lang="en-US" altLang="zh-CN" dirty="0">
                 <a:solidFill>
                   <a:srgbClr val="24292E"/>
                 </a:solidFill>
+                <a:latin typeface="Times New Roman" panose="02020603050405020304" pitchFamily="18" charset="0"/>
+                <a:cs typeface="Times New Roman" panose="02020603050405020304" pitchFamily="18" charset="0"/>
+              </a:rPr>
+              <a:t>log</a:t>
+            </a:r>
+            <a:r>
+              <a:rPr lang="zh-CN" altLang="en-US" dirty="0" smtClean="0">
+                <a:solidFill>
+                  <a:srgbClr val="24292E"/>
+                </a:solidFill>
                 <a:latin typeface="-apple-system"/>
               </a:rPr>
+              <a:t>变换。</a:t>
+            </a:r>
+            <a:endParaRPr lang="en-US" altLang="zh-CN" dirty="0" smtClean="0">
+              <a:solidFill>
+                <a:srgbClr val="24292E"/>
+              </a:solidFill>
+              <a:latin typeface="-apple-system"/>
+            </a:endParaRPr>
+          </a:p>
+          <a:p>
+            <a:r>
+              <a:rPr lang="zh-CN" altLang="en-US" dirty="0">
+                <a:solidFill>
+                  <a:srgbClr val="24292E"/>
+                </a:solidFill>
+                <a:latin typeface="-apple-system"/>
+              </a:rPr>
+              <a:t>使用</a:t>
+            </a:r>
+            <a:r>
+              <a:rPr lang="en-US" altLang="zh-CN" dirty="0" smtClean="0">
+                <a:solidFill>
+                  <a:srgbClr val="24292E"/>
+                </a:solidFill>
+                <a:latin typeface="Times New Roman" panose="02020603050405020304" pitchFamily="18" charset="0"/>
+                <a:cs typeface="Times New Roman" panose="02020603050405020304" pitchFamily="18" charset="0"/>
+              </a:rPr>
               <a:t>log</a:t>
+            </a:r>
+            <a:r>
+              <a:rPr lang="zh-CN" altLang="en-US" dirty="0" smtClean="0">
+                <a:solidFill>
+                  <a:srgbClr val="24292E"/>
+                </a:solidFill>
+                <a:latin typeface="-apple-system"/>
+              </a:rPr>
+              <a:t>变换可以</a:t>
             </a:r>
             <a:r>
               <a:rPr lang="zh-CN" altLang="en-US" dirty="0">
@@ -38409,26 +44936,26 @@
                 </a:solidFill>
                 <a:latin typeface="-apple-system"/>
               </a:rPr>
-              <a:t>变换。</a:t>
+              <a:t>使不同耗电量的店家维持在同一数量级</a:t>
             </a:r>
             <a:r>
-              <a:rPr lang="zh-CN" altLang="en-US" dirty="0"/>
-              <a:t>进行</a:t>
+              <a:rPr lang="zh-CN" altLang="en-US" dirty="0" smtClean="0">
+                <a:solidFill>
+                  <a:srgbClr val="24292E"/>
+                </a:solidFill>
+                <a:latin typeface="-apple-system"/>
+              </a:rPr>
+              <a:t>，从而增加</a:t>
             </a:r>
             <a:r>
-              <a:rPr lang="en-US" altLang="zh-CN" dirty="0"/>
-              <a:t>log</a:t>
+              <a:rPr lang="zh-CN" altLang="en-US" dirty="0">
+                <a:solidFill>
+                  <a:srgbClr val="24292E"/>
+                </a:solidFill>
+                <a:latin typeface="-apple-system"/>
+              </a:rPr>
+              <a:t>耗电较少的商户的预测精度。</a:t>
             </a:r>
-            <a:r>
-              <a:rPr lang="zh-CN" altLang="en-US" dirty="0"/>
-              <a:t>变换后可以使不同耗电量的店家维持在同一数量级，增加耗电较少的商户的预测精度。</a:t>
-            </a:r>
-            <a:endParaRPr lang="zh-CN" altLang="en-US" dirty="0">
-              <a:solidFill>
-                <a:srgbClr val="24292E"/>
-              </a:solidFill>
-              <a:latin typeface="-apple-system"/>
-            </a:endParaRPr>
           </a:p>
         </p:txBody>
       </p:sp>
@@ -38446,7 +44973,7 @@
         </p:nvSpPr>
         <p:spPr>
           <a:xfrm>
-            <a:off x="383006" y="2987596"/>
+            <a:off x="383006" y="2377909"/>
             <a:ext cx="4838699" cy="1200329"/>
           </a:xfrm>
           <a:prstGeom prst="rect">
@@ -38460,20 +44987,39 @@
           <a:lstStyle/>
           <a:p>
             <a:r>
+              <a:rPr lang="zh-CN" altLang="en-US" dirty="0" smtClean="0">
+                <a:solidFill>
+                  <a:srgbClr val="24292E"/>
+                </a:solidFill>
+                <a:latin typeface="-apple-system"/>
+              </a:rPr>
+              <a:t>通过观察特征</a:t>
+            </a:r>
+            <a:r>
               <a:rPr lang="zh-CN" altLang="en-US" dirty="0">
                 <a:solidFill>
                   <a:srgbClr val="24292E"/>
                 </a:solidFill>
                 <a:latin typeface="-apple-system"/>
               </a:rPr>
-              <a:t>我们还观察了特征重要性，搞了</a:t>
+              <a:t>重要性</a:t>
+            </a:r>
+            <a:r>
+              <a:rPr lang="zh-CN" altLang="en-US" dirty="0" smtClean="0">
+                <a:solidFill>
+                  <a:srgbClr val="24292E"/>
+                </a:solidFill>
+                <a:latin typeface="-apple-system"/>
+              </a:rPr>
+              <a:t>，提取出了</a:t>
             </a:r>
             <a:r>
               <a:rPr lang="en-US" altLang="zh-CN" dirty="0">
                 <a:solidFill>
                   <a:srgbClr val="24292E"/>
                 </a:solidFill>
-                <a:latin typeface="-apple-system"/>
+                <a:latin typeface="Times New Roman" panose="02020603050405020304" pitchFamily="18" charset="0"/>
+                <a:cs typeface="Times New Roman" panose="02020603050405020304" pitchFamily="18" charset="0"/>
               </a:rPr>
               <a:t>tiny</a:t>
             </a:r>
@@ -38493,7 +45039,17 @@
                 </a:solidFill>
                 <a:latin typeface="-apple-system"/>
               </a:rPr>
-              <a:t>(min</a:t>
+              <a:t>(</a:t>
+            </a:r>
+            <a:r>
+              <a:rPr lang="en-US" altLang="zh-CN" dirty="0">
+                <a:solidFill>
+                  <a:srgbClr val="24292E"/>
+                </a:solidFill>
+                <a:latin typeface="Times New Roman" panose="02020603050405020304" pitchFamily="18" charset="0"/>
+                <a:cs typeface="Times New Roman" panose="02020603050405020304" pitchFamily="18" charset="0"/>
+              </a:rPr>
+              <a:t>min</a:t>
             </a:r>
             <a:r>
               <a:rPr lang="zh-CN" altLang="en-US" dirty="0">
@@ -38509,7 +45065,8 @@
                 <a:solidFill>
                   <a:srgbClr val="24292E"/>
                 </a:solidFill>
-                <a:latin typeface="-apple-system"/>
+                <a:latin typeface="Times New Roman" panose="02020603050405020304" pitchFamily="18" charset="0"/>
+                <a:cs typeface="Times New Roman" panose="02020603050405020304" pitchFamily="18" charset="0"/>
               </a:rPr>
               <a:t>max</a:t>
             </a:r>
@@ -38527,7 +45084,8 @@
                 <a:solidFill>
                   <a:srgbClr val="24292E"/>
                 </a:solidFill>
-                <a:latin typeface="-apple-system"/>
+                <a:latin typeface="Times New Roman" panose="02020603050405020304" pitchFamily="18" charset="0"/>
+                <a:cs typeface="Times New Roman" panose="02020603050405020304" pitchFamily="18" charset="0"/>
               </a:rPr>
               <a:t>std</a:t>
             </a:r>
@@ -38545,9 +45103,19 @@
                 <a:solidFill>
                   <a:srgbClr val="24292E"/>
                 </a:solidFill>
+                <a:latin typeface="Times New Roman" panose="02020603050405020304" pitchFamily="18" charset="0"/>
+                <a:cs typeface="Times New Roman" panose="02020603050405020304" pitchFamily="18" charset="0"/>
+              </a:rPr>
+              <a:t>mean</a:t>
+            </a:r>
+            <a:r>
+              <a:rPr lang="en-US" altLang="zh-CN" dirty="0">
+                <a:solidFill>
+                  <a:srgbClr val="24292E"/>
+                </a:solidFill>
                 <a:latin typeface="-apple-system"/>
               </a:rPr>
-              <a:t>mean)</a:t>
+              <a:t>)</a:t>
             </a:r>
             <a:r>
               <a:rPr lang="zh-CN" altLang="en-US" dirty="0">
@@ -38561,9 +45129,10 @@
             <a:r>
               <a:rPr lang="en-US" altLang="zh-CN" dirty="0" err="1">
                 <a:solidFill>
-                  <a:srgbClr val="0366D6"/>
+                  <a:srgbClr val="24292E"/>
                 </a:solidFill>
-                <a:latin typeface="-apple-system"/>
+                <a:latin typeface="Times New Roman" panose="02020603050405020304" pitchFamily="18" charset="0"/>
+                <a:cs typeface="Times New Roman" panose="02020603050405020304" pitchFamily="18" charset="0"/>
                 <a:hlinkClick r:id="rId4"/>
               </a:rPr>
               <a:t>get_feature_cloumn_tiny</a:t>
@@ -38591,6 +45160,13 @@
   <p:clrMapOvr>
     <a:masterClrMapping/>
   </p:clrMapOvr>
+  <p:timing>
+    <p:tnLst>
+      <p:par>
+        <p:cTn id="1" dur="indefinite" restart="never" nodeType="tmRoot"/>
+      </p:par>
+    </p:tnLst>
+  </p:timing>
 </p:sld>
 </file>
 

--- a/presentation.pptx
+++ b/presentation.pptx
@@ -155,7 +155,7 @@
 </file>
 
 <file path=ppt/charts/chart1.xml><?xml version="1.0" encoding="utf-8"?>
-<c:chartSpace xmlns:c="http://schemas.openxmlformats.org/drawingml/2006/chart" xmlns:a="http://schemas.openxmlformats.org/drawingml/2006/main" xmlns:r="http://schemas.openxmlformats.org/officeDocument/2006/relationships" xmlns:c16r2="http://schemas.microsoft.com/office/drawing/2015/06/chart">
+<c:chartSpace xmlns:c="http://schemas.openxmlformats.org/drawingml/2006/chart" xmlns:a="http://schemas.openxmlformats.org/drawingml/2006/main" xmlns:r="http://schemas.openxmlformats.org/officeDocument/2006/relationships">
   <c:date1904 val="0"/>
   <c:lang val="zh-CN"/>
   <c:roundedCorners val="0"/>
@@ -4045,7 +4045,7 @@
             </c:numRef>
           </c:val>
           <c:smooth val="0"/>
-          <c:extLst>
+          <c:extLst xmlns:c16r2="http://schemas.microsoft.com/office/drawing/2015/06/chart">
             <c:ext xmlns:c16="http://schemas.microsoft.com/office/drawing/2014/chart" uri="{C3380CC4-5D6E-409C-BE32-E72D297353CC}">
               <c16:uniqueId val="{00000000-E04C-478A-B832-39855D5C042A}"/>
             </c:ext>
@@ -6512,7 +6512,7 @@
             </c:numRef>
           </c:val>
           <c:smooth val="0"/>
-          <c:extLst>
+          <c:extLst xmlns:c16r2="http://schemas.microsoft.com/office/drawing/2015/06/chart">
             <c:ext xmlns:c16="http://schemas.microsoft.com/office/drawing/2014/chart" uri="{C3380CC4-5D6E-409C-BE32-E72D297353CC}">
               <c16:uniqueId val="{00000001-E04C-478A-B832-39855D5C042A}"/>
             </c:ext>
@@ -6527,11 +6527,11 @@
           <c:showBubbleSize val="0"/>
         </c:dLbls>
         <c:smooth val="0"/>
-        <c:axId val="463663528"/>
-        <c:axId val="463663856"/>
+        <c:axId val="-1988505312"/>
+        <c:axId val="-1988499328"/>
       </c:lineChart>
       <c:dateAx>
-        <c:axId val="463663528"/>
+        <c:axId val="-1988505312"/>
         <c:scaling>
           <c:orientation val="minMax"/>
         </c:scaling>
@@ -6574,14 +6574,14 @@
             <a:endParaRPr lang="zh-CN"/>
           </a:p>
         </c:txPr>
-        <c:crossAx val="463663856"/>
+        <c:crossAx val="-1988499328"/>
         <c:crosses val="autoZero"/>
         <c:auto val="1"/>
         <c:lblOffset val="100"/>
         <c:baseTimeUnit val="days"/>
       </c:dateAx>
       <c:valAx>
-        <c:axId val="463663856"/>
+        <c:axId val="-1988499328"/>
         <c:scaling>
           <c:orientation val="minMax"/>
         </c:scaling>
@@ -6632,7 +6632,7 @@
             <a:endParaRPr lang="zh-CN"/>
           </a:p>
         </c:txPr>
-        <c:crossAx val="463663528"/>
+        <c:crossAx val="-1988505312"/>
         <c:crosses val="autoZero"/>
         <c:crossBetween val="between"/>
       </c:valAx>
@@ -6704,7 +6704,7 @@
 </file>
 
 <file path=ppt/charts/chart2.xml><?xml version="1.0" encoding="utf-8"?>
-<c:chartSpace xmlns:c="http://schemas.openxmlformats.org/drawingml/2006/chart" xmlns:a="http://schemas.openxmlformats.org/drawingml/2006/main" xmlns:r="http://schemas.openxmlformats.org/officeDocument/2006/relationships" xmlns:c16r2="http://schemas.microsoft.com/office/drawing/2015/06/chart">
+<c:chartSpace xmlns:c="http://schemas.openxmlformats.org/drawingml/2006/chart" xmlns:a="http://schemas.openxmlformats.org/drawingml/2006/main" xmlns:r="http://schemas.openxmlformats.org/officeDocument/2006/relationships">
   <c:date1904 val="0"/>
   <c:lang val="zh-CN"/>
   <c:roundedCorners val="0"/>
@@ -10653,7 +10653,7 @@
             </c:numRef>
           </c:val>
           <c:smooth val="0"/>
-          <c:extLst>
+          <c:extLst xmlns:c16r2="http://schemas.microsoft.com/office/drawing/2015/06/chart">
             <c:ext xmlns:c16="http://schemas.microsoft.com/office/drawing/2014/chart" uri="{C3380CC4-5D6E-409C-BE32-E72D297353CC}">
               <c16:uniqueId val="{00000000-B820-4F38-8236-3ADBF53828C8}"/>
             </c:ext>
@@ -14530,7 +14530,7 @@
             </c:numRef>
           </c:val>
           <c:smooth val="0"/>
-          <c:extLst>
+          <c:extLst xmlns:c16r2="http://schemas.microsoft.com/office/drawing/2015/06/chart">
             <c:ext xmlns:c16="http://schemas.microsoft.com/office/drawing/2014/chart" uri="{C3380CC4-5D6E-409C-BE32-E72D297353CC}">
               <c16:uniqueId val="{00000001-B820-4F38-8236-3ADBF53828C8}"/>
             </c:ext>
@@ -18407,7 +18407,7 @@
             </c:numRef>
           </c:val>
           <c:smooth val="0"/>
-          <c:extLst>
+          <c:extLst xmlns:c16r2="http://schemas.microsoft.com/office/drawing/2015/06/chart">
             <c:ext xmlns:c16="http://schemas.microsoft.com/office/drawing/2014/chart" uri="{C3380CC4-5D6E-409C-BE32-E72D297353CC}">
               <c16:uniqueId val="{00000002-B820-4F38-8236-3ADBF53828C8}"/>
             </c:ext>
@@ -18422,11 +18422,11 @@
           <c:showBubbleSize val="0"/>
         </c:dLbls>
         <c:smooth val="0"/>
-        <c:axId val="776143600"/>
-        <c:axId val="776143928"/>
+        <c:axId val="-1988497152"/>
+        <c:axId val="-1988496608"/>
       </c:lineChart>
       <c:dateAx>
-        <c:axId val="776143600"/>
+        <c:axId val="-1988497152"/>
         <c:scaling>
           <c:orientation val="minMax"/>
         </c:scaling>
@@ -18469,14 +18469,14 @@
             <a:endParaRPr lang="zh-CN"/>
           </a:p>
         </c:txPr>
-        <c:crossAx val="776143928"/>
+        <c:crossAx val="-1988496608"/>
         <c:crosses val="autoZero"/>
         <c:auto val="1"/>
         <c:lblOffset val="100"/>
         <c:baseTimeUnit val="days"/>
       </c:dateAx>
       <c:valAx>
-        <c:axId val="776143928"/>
+        <c:axId val="-1988496608"/>
         <c:scaling>
           <c:logBase val="10"/>
           <c:orientation val="minMax"/>
@@ -18528,7 +18528,7 @@
             <a:endParaRPr lang="zh-CN"/>
           </a:p>
         </c:txPr>
-        <c:crossAx val="776143600"/>
+        <c:crossAx val="-1988497152"/>
         <c:crosses val="autoZero"/>
         <c:crossBetween val="between"/>
       </c:valAx>
@@ -18600,7 +18600,7 @@
 </file>
 
 <file path=ppt/charts/chart3.xml><?xml version="1.0" encoding="utf-8"?>
-<c:chartSpace xmlns:c="http://schemas.openxmlformats.org/drawingml/2006/chart" xmlns:a="http://schemas.openxmlformats.org/drawingml/2006/main" xmlns:r="http://schemas.openxmlformats.org/officeDocument/2006/relationships" xmlns:c16r2="http://schemas.microsoft.com/office/drawing/2015/06/chart">
+<c:chartSpace xmlns:c="http://schemas.openxmlformats.org/drawingml/2006/chart" xmlns:a="http://schemas.openxmlformats.org/drawingml/2006/main" xmlns:r="http://schemas.openxmlformats.org/officeDocument/2006/relationships">
   <c:date1904 val="0"/>
   <c:lang val="zh-CN"/>
   <c:roundedCorners val="0"/>
@@ -18721,7 +18721,7 @@
                 </a:contourClr>
               </a:sp3d>
             </c:spPr>
-            <c:extLst>
+            <c:extLst xmlns:c16r2="http://schemas.microsoft.com/office/drawing/2015/06/chart">
               <c:ext xmlns:c16="http://schemas.microsoft.com/office/drawing/2014/chart" uri="{C3380CC4-5D6E-409C-BE32-E72D297353CC}">
                 <c16:uniqueId val="{00000001-E897-4B9F-8C25-4F97C4BEA69F}"/>
               </c:ext>
@@ -18746,7 +18746,7 @@
                 </a:contourClr>
               </a:sp3d>
             </c:spPr>
-            <c:extLst>
+            <c:extLst xmlns:c16r2="http://schemas.microsoft.com/office/drawing/2015/06/chart">
               <c:ext xmlns:c16="http://schemas.microsoft.com/office/drawing/2014/chart" uri="{C3380CC4-5D6E-409C-BE32-E72D297353CC}">
                 <c16:uniqueId val="{00000003-E897-4B9F-8C25-4F97C4BEA69F}"/>
               </c:ext>
@@ -18771,7 +18771,7 @@
                 </a:contourClr>
               </a:sp3d>
             </c:spPr>
-            <c:extLst>
+            <c:extLst xmlns:c16r2="http://schemas.microsoft.com/office/drawing/2015/06/chart">
               <c:ext xmlns:c16="http://schemas.microsoft.com/office/drawing/2014/chart" uri="{C3380CC4-5D6E-409C-BE32-E72D297353CC}">
                 <c16:uniqueId val="{00000005-E897-4B9F-8C25-4F97C4BEA69F}"/>
               </c:ext>
@@ -18812,7 +18812,7 @@
               </c:numCache>
             </c:numRef>
           </c:val>
-          <c:extLst>
+          <c:extLst xmlns:c16r2="http://schemas.microsoft.com/office/drawing/2015/06/chart">
             <c:ext xmlns:c16="http://schemas.microsoft.com/office/drawing/2014/chart" uri="{C3380CC4-5D6E-409C-BE32-E72D297353CC}">
               <c16:uniqueId val="{00000000-CF58-4E27-B40C-33C958825E52}"/>
             </c:ext>
@@ -18896,7 +18896,7 @@
 </file>
 
 <file path=ppt/charts/chart4.xml><?xml version="1.0" encoding="utf-8"?>
-<c:chartSpace xmlns:c="http://schemas.openxmlformats.org/drawingml/2006/chart" xmlns:a="http://schemas.openxmlformats.org/drawingml/2006/main" xmlns:r="http://schemas.openxmlformats.org/officeDocument/2006/relationships" xmlns:c16r2="http://schemas.microsoft.com/office/drawing/2015/06/chart">
+<c:chartSpace xmlns:c="http://schemas.openxmlformats.org/drawingml/2006/chart" xmlns:a="http://schemas.openxmlformats.org/drawingml/2006/main" xmlns:r="http://schemas.openxmlformats.org/officeDocument/2006/relationships">
   <c:date1904 val="0"/>
   <c:lang val="zh-CN"/>
   <c:roundedCorners val="0"/>
@@ -19002,45 +19002,45 @@
             <c:numRef>
               <c:f>Sheet1!$C$25:$C$54</c:f>
               <c:numCache>
-                <c:formatCode>m/d/yyyy</c:formatCode>
+                <c:formatCode>General</c:formatCode>
                 <c:ptCount val="30"/>
-                <c:pt idx="17">
+                <c:pt idx="17" formatCode="m/d/yyyy">
                   <c:v>42692</c:v>
                 </c:pt>
-                <c:pt idx="18">
+                <c:pt idx="18" formatCode="m/d/yyyy">
                   <c:v>42693</c:v>
                 </c:pt>
-                <c:pt idx="19">
+                <c:pt idx="19" formatCode="m/d/yyyy">
                   <c:v>42694</c:v>
                 </c:pt>
-                <c:pt idx="20">
+                <c:pt idx="20" formatCode="m/d/yyyy">
                   <c:v>42695</c:v>
                 </c:pt>
-                <c:pt idx="21">
+                <c:pt idx="21" formatCode="m/d/yyyy">
                   <c:v>42696</c:v>
                 </c:pt>
-                <c:pt idx="22">
+                <c:pt idx="22" formatCode="m/d/yyyy">
                   <c:v>42697</c:v>
                 </c:pt>
-                <c:pt idx="23">
+                <c:pt idx="23" formatCode="m/d/yyyy">
                   <c:v>42698</c:v>
                 </c:pt>
-                <c:pt idx="24">
+                <c:pt idx="24" formatCode="m/d/yyyy">
                   <c:v>42699</c:v>
                 </c:pt>
-                <c:pt idx="25">
+                <c:pt idx="25" formatCode="m/d/yyyy">
                   <c:v>42700</c:v>
                 </c:pt>
-                <c:pt idx="26">
+                <c:pt idx="26" formatCode="m/d/yyyy">
                   <c:v>42701</c:v>
                 </c:pt>
-                <c:pt idx="27">
+                <c:pt idx="27" formatCode="m/d/yyyy">
                   <c:v>42702</c:v>
                 </c:pt>
-                <c:pt idx="28">
+                <c:pt idx="28" formatCode="m/d/yyyy">
                   <c:v>42703</c:v>
                 </c:pt>
-                <c:pt idx="29">
+                <c:pt idx="29" formatCode="m/d/yyyy">
                   <c:v>42704</c:v>
                 </c:pt>
               </c:numCache>
@@ -19098,7 +19098,7 @@
             </c:numRef>
           </c:val>
           <c:smooth val="0"/>
-          <c:extLst>
+          <c:extLst xmlns:c16r2="http://schemas.microsoft.com/office/drawing/2015/06/chart">
             <c:ext xmlns:c16="http://schemas.microsoft.com/office/drawing/2014/chart" uri="{C3380CC4-5D6E-409C-BE32-E72D297353CC}">
               <c16:uniqueId val="{00000000-EE8D-490C-9577-EFF106ADC989}"/>
             </c:ext>
@@ -19134,45 +19134,45 @@
             <c:numRef>
               <c:f>Sheet1!$C$25:$C$54</c:f>
               <c:numCache>
-                <c:formatCode>m/d/yyyy</c:formatCode>
+                <c:formatCode>General</c:formatCode>
                 <c:ptCount val="30"/>
-                <c:pt idx="17">
+                <c:pt idx="17" formatCode="m/d/yyyy">
                   <c:v>42692</c:v>
                 </c:pt>
-                <c:pt idx="18">
+                <c:pt idx="18" formatCode="m/d/yyyy">
                   <c:v>42693</c:v>
                 </c:pt>
-                <c:pt idx="19">
+                <c:pt idx="19" formatCode="m/d/yyyy">
                   <c:v>42694</c:v>
                 </c:pt>
-                <c:pt idx="20">
+                <c:pt idx="20" formatCode="m/d/yyyy">
                   <c:v>42695</c:v>
                 </c:pt>
-                <c:pt idx="21">
+                <c:pt idx="21" formatCode="m/d/yyyy">
                   <c:v>42696</c:v>
                 </c:pt>
-                <c:pt idx="22">
+                <c:pt idx="22" formatCode="m/d/yyyy">
                   <c:v>42697</c:v>
                 </c:pt>
-                <c:pt idx="23">
+                <c:pt idx="23" formatCode="m/d/yyyy">
                   <c:v>42698</c:v>
                 </c:pt>
-                <c:pt idx="24">
+                <c:pt idx="24" formatCode="m/d/yyyy">
                   <c:v>42699</c:v>
                 </c:pt>
-                <c:pt idx="25">
+                <c:pt idx="25" formatCode="m/d/yyyy">
                   <c:v>42700</c:v>
                 </c:pt>
-                <c:pt idx="26">
+                <c:pt idx="26" formatCode="m/d/yyyy">
                   <c:v>42701</c:v>
                 </c:pt>
-                <c:pt idx="27">
+                <c:pt idx="27" formatCode="m/d/yyyy">
                   <c:v>42702</c:v>
                 </c:pt>
-                <c:pt idx="28">
+                <c:pt idx="28" formatCode="m/d/yyyy">
                   <c:v>42703</c:v>
                 </c:pt>
-                <c:pt idx="29">
+                <c:pt idx="29" formatCode="m/d/yyyy">
                   <c:v>42704</c:v>
                 </c:pt>
               </c:numCache>
@@ -19230,7 +19230,7 @@
             </c:numRef>
           </c:val>
           <c:smooth val="0"/>
-          <c:extLst>
+          <c:extLst xmlns:c16r2="http://schemas.microsoft.com/office/drawing/2015/06/chart">
             <c:ext xmlns:c16="http://schemas.microsoft.com/office/drawing/2014/chart" uri="{C3380CC4-5D6E-409C-BE32-E72D297353CC}">
               <c16:uniqueId val="{00000001-EE8D-490C-9577-EFF106ADC989}"/>
             </c:ext>
@@ -19245,11 +19245,11 @@
           <c:showBubbleSize val="0"/>
         </c:dLbls>
         <c:smooth val="0"/>
-        <c:axId val="755187856"/>
-        <c:axId val="755184944"/>
+        <c:axId val="-1988504768"/>
+        <c:axId val="-1988502592"/>
       </c:lineChart>
       <c:dateAx>
-        <c:axId val="755187856"/>
+        <c:axId val="-1988504768"/>
         <c:scaling>
           <c:orientation val="minMax"/>
         </c:scaling>
@@ -19292,14 +19292,14 @@
             <a:endParaRPr lang="zh-CN"/>
           </a:p>
         </c:txPr>
-        <c:crossAx val="755184944"/>
+        <c:crossAx val="-1988502592"/>
         <c:crosses val="autoZero"/>
         <c:auto val="1"/>
         <c:lblOffset val="100"/>
         <c:baseTimeUnit val="days"/>
       </c:dateAx>
       <c:valAx>
-        <c:axId val="755184944"/>
+        <c:axId val="-1988502592"/>
         <c:scaling>
           <c:orientation val="minMax"/>
         </c:scaling>
@@ -19350,7 +19350,7 @@
             <a:endParaRPr lang="zh-CN"/>
           </a:p>
         </c:txPr>
-        <c:crossAx val="755187856"/>
+        <c:crossAx val="-1988504768"/>
         <c:crosses val="autoZero"/>
         <c:crossBetween val="between"/>
       </c:valAx>
@@ -19422,7 +19422,7 @@
 </file>
 
 <file path=ppt/charts/chart5.xml><?xml version="1.0" encoding="utf-8"?>
-<c:chartSpace xmlns:c="http://schemas.openxmlformats.org/drawingml/2006/chart" xmlns:a="http://schemas.openxmlformats.org/drawingml/2006/main" xmlns:r="http://schemas.openxmlformats.org/officeDocument/2006/relationships" xmlns:c16r2="http://schemas.microsoft.com/office/drawing/2015/06/chart">
+<c:chartSpace xmlns:c="http://schemas.openxmlformats.org/drawingml/2006/chart" xmlns:a="http://schemas.openxmlformats.org/drawingml/2006/main" xmlns:r="http://schemas.openxmlformats.org/officeDocument/2006/relationships">
   <c:date1904 val="0"/>
   <c:lang val="zh-CN"/>
   <c:roundedCorners val="0"/>
@@ -19917,7 +19917,7 @@
             </c:numRef>
           </c:val>
           <c:smooth val="0"/>
-          <c:extLst>
+          <c:extLst xmlns:c16r2="http://schemas.microsoft.com/office/drawing/2015/06/chart">
             <c:ext xmlns:c16="http://schemas.microsoft.com/office/drawing/2014/chart" uri="{C3380CC4-5D6E-409C-BE32-E72D297353CC}">
               <c16:uniqueId val="{00000000-3CED-43A2-94EA-82B17754D3B3}"/>
             </c:ext>
@@ -19932,11 +19932,11 @@
           <c:showBubbleSize val="0"/>
         </c:dLbls>
         <c:smooth val="0"/>
-        <c:axId val="752723008"/>
-        <c:axId val="752715936"/>
+        <c:axId val="-1988492800"/>
+        <c:axId val="-1988492256"/>
       </c:lineChart>
       <c:dateAx>
-        <c:axId val="752723008"/>
+        <c:axId val="-1988492800"/>
         <c:scaling>
           <c:orientation val="minMax"/>
         </c:scaling>
@@ -19979,14 +19979,14 @@
             <a:endParaRPr lang="zh-CN"/>
           </a:p>
         </c:txPr>
-        <c:crossAx val="752715936"/>
+        <c:crossAx val="-1988492256"/>
         <c:crosses val="autoZero"/>
         <c:auto val="1"/>
         <c:lblOffset val="100"/>
         <c:baseTimeUnit val="days"/>
       </c:dateAx>
       <c:valAx>
-        <c:axId val="752715936"/>
+        <c:axId val="-1988492256"/>
         <c:scaling>
           <c:orientation val="minMax"/>
         </c:scaling>
@@ -20037,7 +20037,7 @@
             <a:endParaRPr lang="zh-CN"/>
           </a:p>
         </c:txPr>
-        <c:crossAx val="752723008"/>
+        <c:crossAx val="-1988492800"/>
         <c:crosses val="autoZero"/>
         <c:crossBetween val="between"/>
       </c:valAx>
@@ -29093,7 +29093,7 @@
           <a:p>
             <a:fld id="{E4546560-93F9-4EEB-B011-7D42275F1574}" type="datetimeFigureOut">
               <a:rPr lang="zh-CN" altLang="en-US" smtClean="0"/>
-              <a:t>2017/7/25</a:t>
+              <a:t>2017-07-26</a:t>
             </a:fld>
             <a:endParaRPr lang="zh-CN" altLang="en-US"/>
           </a:p>
@@ -29404,7 +29404,190 @@
           <a:bodyPr/>
           <a:lstStyle/>
           <a:p>
-            <a:endParaRPr lang="zh-CN" altLang="en-US" dirty="0"/>
+            <a:pPr marL="171450" indent="-171450">
+              <a:buFont typeface="Arial" panose="020B0604020202020204" pitchFamily="34" charset="0"/>
+              <a:buChar char="•"/>
+            </a:pPr>
+            <a:r>
+              <a:rPr lang="zh-CN" altLang="en-US" dirty="0" smtClean="0">
+                <a:solidFill>
+                  <a:srgbClr val="24292E"/>
+                </a:solidFill>
+                <a:latin typeface="-apple-system"/>
+              </a:rPr>
+              <a:t>通过观察特征重要性，提取出了</a:t>
+            </a:r>
+            <a:r>
+              <a:rPr lang="en-US" altLang="zh-CN" dirty="0" smtClean="0">
+                <a:solidFill>
+                  <a:srgbClr val="24292E"/>
+                </a:solidFill>
+                <a:latin typeface="Times New Roman" panose="02020603050405020304" pitchFamily="18" charset="0"/>
+                <a:cs typeface="Times New Roman" panose="02020603050405020304" pitchFamily="18" charset="0"/>
+              </a:rPr>
+              <a:t>tiny</a:t>
+            </a:r>
+            <a:r>
+              <a:rPr lang="zh-CN" altLang="en-US" dirty="0" smtClean="0">
+                <a:solidFill>
+                  <a:srgbClr val="24292E"/>
+                </a:solidFill>
+                <a:latin typeface="-apple-system"/>
+              </a:rPr>
+              <a:t>版本的特征，删去了冗余特征，添加了单周统计特征</a:t>
+            </a:r>
+            <a:r>
+              <a:rPr lang="en-US" altLang="zh-CN" dirty="0" smtClean="0">
+                <a:solidFill>
+                  <a:srgbClr val="24292E"/>
+                </a:solidFill>
+                <a:latin typeface="-apple-system"/>
+              </a:rPr>
+              <a:t>(</a:t>
+            </a:r>
+            <a:r>
+              <a:rPr lang="en-US" altLang="zh-CN" dirty="0" smtClean="0">
+                <a:solidFill>
+                  <a:srgbClr val="24292E"/>
+                </a:solidFill>
+                <a:latin typeface="Times New Roman" panose="02020603050405020304" pitchFamily="18" charset="0"/>
+                <a:cs typeface="Times New Roman" panose="02020603050405020304" pitchFamily="18" charset="0"/>
+              </a:rPr>
+              <a:t>min</a:t>
+            </a:r>
+            <a:r>
+              <a:rPr lang="zh-CN" altLang="en-US" dirty="0" smtClean="0">
+                <a:solidFill>
+                  <a:srgbClr val="24292E"/>
+                </a:solidFill>
+                <a:latin typeface="-apple-system"/>
+              </a:rPr>
+              <a:t>、</a:t>
+            </a:r>
+            <a:r>
+              <a:rPr lang="en-US" altLang="zh-CN" dirty="0" smtClean="0">
+                <a:solidFill>
+                  <a:srgbClr val="24292E"/>
+                </a:solidFill>
+                <a:latin typeface="Times New Roman" panose="02020603050405020304" pitchFamily="18" charset="0"/>
+                <a:cs typeface="Times New Roman" panose="02020603050405020304" pitchFamily="18" charset="0"/>
+              </a:rPr>
+              <a:t>max</a:t>
+            </a:r>
+            <a:r>
+              <a:rPr lang="zh-CN" altLang="en-US" dirty="0" smtClean="0">
+                <a:solidFill>
+                  <a:srgbClr val="24292E"/>
+                </a:solidFill>
+                <a:latin typeface="-apple-system"/>
+              </a:rPr>
+              <a:t>、</a:t>
+            </a:r>
+            <a:r>
+              <a:rPr lang="en-US" altLang="zh-CN" dirty="0" err="1" smtClean="0">
+                <a:solidFill>
+                  <a:srgbClr val="24292E"/>
+                </a:solidFill>
+                <a:latin typeface="Times New Roman" panose="02020603050405020304" pitchFamily="18" charset="0"/>
+                <a:cs typeface="Times New Roman" panose="02020603050405020304" pitchFamily="18" charset="0"/>
+              </a:rPr>
+              <a:t>std</a:t>
+            </a:r>
+            <a:r>
+              <a:rPr lang="zh-CN" altLang="en-US" dirty="0" smtClean="0">
+                <a:solidFill>
+                  <a:srgbClr val="24292E"/>
+                </a:solidFill>
+                <a:latin typeface="-apple-system"/>
+              </a:rPr>
+              <a:t>、</a:t>
+            </a:r>
+            <a:r>
+              <a:rPr lang="en-US" altLang="zh-CN" dirty="0" smtClean="0">
+                <a:solidFill>
+                  <a:srgbClr val="24292E"/>
+                </a:solidFill>
+                <a:latin typeface="Times New Roman" panose="02020603050405020304" pitchFamily="18" charset="0"/>
+                <a:cs typeface="Times New Roman" panose="02020603050405020304" pitchFamily="18" charset="0"/>
+              </a:rPr>
+              <a:t>mean</a:t>
+            </a:r>
+            <a:r>
+              <a:rPr lang="en-US" altLang="zh-CN" dirty="0" smtClean="0">
+                <a:solidFill>
+                  <a:srgbClr val="24292E"/>
+                </a:solidFill>
+                <a:latin typeface="-apple-system"/>
+              </a:rPr>
+              <a:t>)</a:t>
+            </a:r>
+            <a:r>
+              <a:rPr lang="zh-CN" altLang="en-US" dirty="0" smtClean="0">
+                <a:solidFill>
+                  <a:srgbClr val="24292E"/>
+                </a:solidFill>
+                <a:latin typeface="-apple-system"/>
+              </a:rPr>
+              <a:t>，这儿不赘言了，有兴趣可见</a:t>
+            </a:r>
+            <a:r>
+              <a:rPr lang="en-US" altLang="zh-CN" dirty="0" smtClean="0">
+                <a:solidFill>
+                  <a:srgbClr val="24292E"/>
+                </a:solidFill>
+                <a:latin typeface="-apple-system"/>
+              </a:rPr>
+              <a:t>github</a:t>
+            </a:r>
+            <a:r>
+              <a:rPr lang="zh-CN" altLang="en-US" dirty="0" smtClean="0">
+                <a:solidFill>
+                  <a:srgbClr val="24292E"/>
+                </a:solidFill>
+                <a:latin typeface="-apple-system"/>
+              </a:rPr>
+              <a:t>托管。</a:t>
+            </a:r>
+            <a:endParaRPr lang="en-US" altLang="zh-CN" dirty="0" smtClean="0">
+              <a:solidFill>
+                <a:srgbClr val="24292E"/>
+              </a:solidFill>
+              <a:latin typeface="-apple-system"/>
+            </a:endParaRPr>
+          </a:p>
+          <a:p>
+            <a:pPr marL="171450" indent="-171450">
+              <a:buFont typeface="Arial" panose="020B0604020202020204" pitchFamily="34" charset="0"/>
+              <a:buChar char="•"/>
+            </a:pPr>
+            <a:r>
+              <a:rPr lang="zh-CN" altLang="en-US" dirty="0" smtClean="0">
+                <a:solidFill>
+                  <a:srgbClr val="24292E"/>
+                </a:solidFill>
+                <a:latin typeface="-apple-system"/>
+              </a:rPr>
+              <a:t>使用</a:t>
+            </a:r>
+            <a:r>
+              <a:rPr lang="en-US" altLang="zh-CN" dirty="0" smtClean="0">
+                <a:solidFill>
+                  <a:srgbClr val="24292E"/>
+                </a:solidFill>
+                <a:latin typeface="Times New Roman" panose="02020603050405020304" pitchFamily="18" charset="0"/>
+                <a:cs typeface="Times New Roman" panose="02020603050405020304" pitchFamily="18" charset="0"/>
+              </a:rPr>
+              <a:t>log</a:t>
+            </a:r>
+            <a:r>
+              <a:rPr lang="zh-CN" altLang="en-US" dirty="0" smtClean="0">
+                <a:solidFill>
+                  <a:srgbClr val="24292E"/>
+                </a:solidFill>
+                <a:latin typeface="-apple-system"/>
+              </a:rPr>
+              <a:t>变换可以使不同耗电量的店家维持在同一数量级，从而增加耗电较少的商户的预测精度。</a:t>
+            </a:r>
           </a:p>
         </p:txBody>
       </p:sp>
@@ -29435,6 +29618,1083 @@
     <p:extLst>
       <p:ext uri="{BB962C8B-B14F-4D97-AF65-F5344CB8AC3E}">
         <p14:creationId xmlns:p14="http://schemas.microsoft.com/office/powerpoint/2010/main" val="1803019388"/>
+      </p:ext>
+    </p:extLst>
+  </p:cSld>
+  <p:clrMapOvr>
+    <a:masterClrMapping/>
+  </p:clrMapOvr>
+</p:notes>
+</file>
+
+<file path=ppt/notesSlides/notesSlide2.xml><?xml version="1.0" encoding="utf-8"?>
+<p:notes xmlns:a="http://schemas.openxmlformats.org/drawingml/2006/main" xmlns:r="http://schemas.openxmlformats.org/officeDocument/2006/relationships" xmlns:p="http://schemas.openxmlformats.org/presentationml/2006/main">
+  <p:cSld>
+    <p:spTree>
+      <p:nvGrpSpPr>
+        <p:cNvPr id="1" name=""/>
+        <p:cNvGrpSpPr/>
+        <p:nvPr/>
+      </p:nvGrpSpPr>
+      <p:grpSpPr>
+        <a:xfrm>
+          <a:off x="0" y="0"/>
+          <a:ext cx="0" cy="0"/>
+          <a:chOff x="0" y="0"/>
+          <a:chExt cx="0" cy="0"/>
+        </a:xfrm>
+      </p:grpSpPr>
+      <p:sp>
+        <p:nvSpPr>
+          <p:cNvPr id="2" name="幻灯片图像占位符 1"/>
+          <p:cNvSpPr>
+            <a:spLocks noGrp="1" noRot="1" noChangeAspect="1"/>
+          </p:cNvSpPr>
+          <p:nvPr>
+            <p:ph type="sldImg"/>
+          </p:nvPr>
+        </p:nvSpPr>
+        <p:spPr/>
+      </p:sp>
+      <p:sp>
+        <p:nvSpPr>
+          <p:cNvPr id="3" name="备注占位符 2"/>
+          <p:cNvSpPr>
+            <a:spLocks noGrp="1"/>
+          </p:cNvSpPr>
+          <p:nvPr>
+            <p:ph type="body" idx="1"/>
+          </p:nvPr>
+        </p:nvSpPr>
+        <p:spPr/>
+        <p:txBody>
+          <a:bodyPr/>
+          <a:lstStyle/>
+          <a:p>
+            <a:r>
+              <a:rPr lang="en-US" altLang="zh-CN" sz="1200" dirty="0" smtClean="0">
+                <a:latin typeface="Times New Roman" panose="02020603050405020304" pitchFamily="18" charset="0"/>
+                <a:cs typeface="Times New Roman" panose="02020603050405020304" pitchFamily="18" charset="0"/>
+              </a:rPr>
+              <a:t>Prophet</a:t>
+            </a:r>
+            <a:r>
+              <a:rPr lang="zh-CN" altLang="en-US" sz="1200" dirty="0" smtClean="0"/>
+              <a:t>使用了傅里叶级数构建年周期组件，使用虚拟变量构建周周期组件。</a:t>
+            </a:r>
+            <a:endParaRPr lang="en-US" altLang="zh-CN" sz="1200" dirty="0" smtClean="0"/>
+          </a:p>
+          <a:p>
+            <a:r>
+              <a:rPr lang="zh-CN" altLang="en-US" sz="1200" dirty="0" smtClean="0"/>
+              <a:t>我们希望通过</a:t>
+            </a:r>
+            <a:r>
+              <a:rPr lang="en-US" altLang="zh-CN" sz="1200" dirty="0" smtClean="0">
+                <a:latin typeface="Times New Roman" panose="02020603050405020304" pitchFamily="18" charset="0"/>
+                <a:cs typeface="Times New Roman" panose="02020603050405020304" pitchFamily="18" charset="0"/>
+              </a:rPr>
+              <a:t>Prophet</a:t>
+            </a:r>
+            <a:r>
+              <a:rPr lang="zh-CN" altLang="en-US" sz="1200" dirty="0" smtClean="0"/>
+              <a:t>，帮助我们从时序分析的角度上为电量预测建模。</a:t>
+            </a:r>
+            <a:endParaRPr lang="zh-CN" altLang="en-US" dirty="0"/>
+          </a:p>
+        </p:txBody>
+      </p:sp>
+      <p:sp>
+        <p:nvSpPr>
+          <p:cNvPr id="4" name="灯片编号占位符 3"/>
+          <p:cNvSpPr>
+            <a:spLocks noGrp="1"/>
+          </p:cNvSpPr>
+          <p:nvPr>
+            <p:ph type="sldNum" sz="quarter" idx="10"/>
+          </p:nvPr>
+        </p:nvSpPr>
+        <p:spPr/>
+        <p:txBody>
+          <a:bodyPr/>
+          <a:lstStyle/>
+          <a:p>
+            <a:fld id="{F058509D-DB66-4458-8C6E-0AA4D711FE86}" type="slidenum">
+              <a:rPr lang="zh-CN" altLang="en-US" smtClean="0"/>
+              <a:t>10</a:t>
+            </a:fld>
+            <a:endParaRPr lang="zh-CN" altLang="en-US"/>
+          </a:p>
+        </p:txBody>
+      </p:sp>
+    </p:spTree>
+    <p:extLst>
+      <p:ext uri="{BB962C8B-B14F-4D97-AF65-F5344CB8AC3E}">
+        <p14:creationId xmlns:p14="http://schemas.microsoft.com/office/powerpoint/2010/main" val="3633112321"/>
+      </p:ext>
+    </p:extLst>
+  </p:cSld>
+  <p:clrMapOvr>
+    <a:masterClrMapping/>
+  </p:clrMapOvr>
+</p:notes>
+</file>
+
+<file path=ppt/notesSlides/notesSlide3.xml><?xml version="1.0" encoding="utf-8"?>
+<p:notes xmlns:a="http://schemas.openxmlformats.org/drawingml/2006/main" xmlns:r="http://schemas.openxmlformats.org/officeDocument/2006/relationships" xmlns:p="http://schemas.openxmlformats.org/presentationml/2006/main">
+  <p:cSld>
+    <p:spTree>
+      <p:nvGrpSpPr>
+        <p:cNvPr id="1" name=""/>
+        <p:cNvGrpSpPr/>
+        <p:nvPr/>
+      </p:nvGrpSpPr>
+      <p:grpSpPr>
+        <a:xfrm>
+          <a:off x="0" y="0"/>
+          <a:ext cx="0" cy="0"/>
+          <a:chOff x="0" y="0"/>
+          <a:chExt cx="0" cy="0"/>
+        </a:xfrm>
+      </p:grpSpPr>
+      <p:sp>
+        <p:nvSpPr>
+          <p:cNvPr id="2" name="幻灯片图像占位符 1"/>
+          <p:cNvSpPr>
+            <a:spLocks noGrp="1" noRot="1" noChangeAspect="1"/>
+          </p:cNvSpPr>
+          <p:nvPr>
+            <p:ph type="sldImg"/>
+          </p:nvPr>
+        </p:nvSpPr>
+        <p:spPr/>
+      </p:sp>
+      <p:sp>
+        <p:nvSpPr>
+          <p:cNvPr id="3" name="备注占位符 2"/>
+          <p:cNvSpPr>
+            <a:spLocks noGrp="1"/>
+          </p:cNvSpPr>
+          <p:nvPr>
+            <p:ph type="body" idx="1"/>
+          </p:nvPr>
+        </p:nvSpPr>
+        <p:spPr/>
+        <p:txBody>
+          <a:bodyPr/>
+          <a:lstStyle/>
+          <a:p>
+            <a:pPr marL="0" marR="0" indent="0" algn="l" defTabSz="914400" rtl="0" eaLnBrk="1" fontAlgn="auto" latinLnBrk="0" hangingPunct="1">
+              <a:lnSpc>
+                <a:spcPct val="100000"/>
+              </a:lnSpc>
+              <a:spcBef>
+                <a:spcPts val="0"/>
+              </a:spcBef>
+              <a:spcAft>
+                <a:spcPts val="0"/>
+              </a:spcAft>
+              <a:buClrTx/>
+              <a:buSzTx/>
+              <a:buFontTx/>
+              <a:buNone/>
+              <a:tabLst/>
+              <a:defRPr/>
+            </a:pPr>
+            <a:r>
+              <a:rPr lang="zh-CN" altLang="en-US" dirty="0" smtClean="0">
+                <a:solidFill>
+                  <a:srgbClr val="24292E"/>
+                </a:solidFill>
+                <a:latin typeface="-apple-system"/>
+              </a:rPr>
+              <a:t>每组模型首先通过</a:t>
+            </a:r>
+            <a:r>
+              <a:rPr lang="en-US" altLang="zh-CN" dirty="0" smtClean="0">
+                <a:solidFill>
+                  <a:srgbClr val="24292E"/>
+                </a:solidFill>
+                <a:latin typeface="-apple-system"/>
+              </a:rPr>
+              <a:t>1</a:t>
+            </a:r>
+            <a:r>
+              <a:rPr lang="zh-CN" altLang="en-US" dirty="0" smtClean="0">
+                <a:solidFill>
+                  <a:srgbClr val="24292E"/>
+                </a:solidFill>
+                <a:latin typeface="-apple-system"/>
+              </a:rPr>
+              <a:t>个</a:t>
+            </a:r>
+            <a:r>
+              <a:rPr lang="en-US" altLang="zh-CN" dirty="0" smtClean="0">
+                <a:solidFill>
+                  <a:srgbClr val="24292E"/>
+                </a:solidFill>
+                <a:latin typeface="-apple-system"/>
+              </a:rPr>
+              <a:t>3</a:t>
+            </a:r>
+            <a:r>
+              <a:rPr lang="zh-CN" altLang="en-US" dirty="0" smtClean="0">
+                <a:solidFill>
+                  <a:srgbClr val="24292E"/>
+                </a:solidFill>
+                <a:latin typeface="-apple-system"/>
+              </a:rPr>
+              <a:t>层</a:t>
+            </a:r>
+            <a:r>
+              <a:rPr lang="en-US" altLang="zh-CN" dirty="0" smtClean="0">
+                <a:solidFill>
+                  <a:srgbClr val="24292E"/>
+                </a:solidFill>
+                <a:latin typeface="-apple-system"/>
+              </a:rPr>
+              <a:t>500</a:t>
+            </a:r>
+            <a:r>
+              <a:rPr lang="zh-CN" altLang="en-US" dirty="0" smtClean="0">
+                <a:solidFill>
+                  <a:srgbClr val="24292E"/>
+                </a:solidFill>
+                <a:latin typeface="-apple-system"/>
+              </a:rPr>
+              <a:t>棵树的</a:t>
+            </a:r>
+            <a:r>
+              <a:rPr lang="en-US" altLang="zh-CN" dirty="0" err="1" smtClean="0">
+                <a:solidFill>
+                  <a:srgbClr val="24292E"/>
+                </a:solidFill>
+                <a:latin typeface="-apple-system"/>
+              </a:rPr>
+              <a:t>xgboost</a:t>
+            </a:r>
+            <a:r>
+              <a:rPr lang="zh-CN" altLang="en-US" dirty="0" smtClean="0">
+                <a:solidFill>
+                  <a:srgbClr val="24292E"/>
+                </a:solidFill>
+                <a:latin typeface="-apple-system"/>
+              </a:rPr>
+              <a:t>进行数据清洗。</a:t>
+            </a:r>
+            <a:endParaRPr lang="zh-CN" altLang="en-US" dirty="0" smtClean="0"/>
+          </a:p>
+          <a:p>
+            <a:pPr marL="0" marR="0" indent="0" algn="l" defTabSz="914400" rtl="0" eaLnBrk="1" fontAlgn="auto" latinLnBrk="0" hangingPunct="1">
+              <a:lnSpc>
+                <a:spcPct val="100000"/>
+              </a:lnSpc>
+              <a:spcBef>
+                <a:spcPts val="0"/>
+              </a:spcBef>
+              <a:spcAft>
+                <a:spcPts val="0"/>
+              </a:spcAft>
+              <a:buClrTx/>
+              <a:buSzTx/>
+              <a:buFontTx/>
+              <a:buNone/>
+              <a:tabLst/>
+              <a:defRPr/>
+            </a:pPr>
+            <a:r>
+              <a:rPr lang="zh-CN" altLang="en-US" dirty="0" smtClean="0">
+                <a:solidFill>
+                  <a:srgbClr val="24292E"/>
+                </a:solidFill>
+                <a:latin typeface="-apple-system"/>
+              </a:rPr>
+              <a:t>而后使用</a:t>
+            </a:r>
+            <a:r>
+              <a:rPr lang="en-US" altLang="zh-CN" dirty="0" smtClean="0">
+                <a:solidFill>
+                  <a:srgbClr val="24292E"/>
+                </a:solidFill>
+                <a:latin typeface="-apple-system"/>
+              </a:rPr>
+              <a:t>2</a:t>
+            </a:r>
+            <a:r>
+              <a:rPr lang="zh-CN" altLang="en-US" dirty="0" smtClean="0">
+                <a:solidFill>
+                  <a:srgbClr val="24292E"/>
+                </a:solidFill>
+                <a:latin typeface="-apple-system"/>
+              </a:rPr>
+              <a:t>种不同的比例抽取最优秀的样本作为清洗后的训练集，再使用更深的模型进行训练（</a:t>
+            </a:r>
+            <a:r>
+              <a:rPr lang="en-US" altLang="zh-CN" dirty="0" smtClean="0">
+                <a:solidFill>
+                  <a:srgbClr val="24292E"/>
+                </a:solidFill>
+                <a:latin typeface="-apple-system"/>
+              </a:rPr>
+              <a:t>2</a:t>
+            </a:r>
+            <a:r>
+              <a:rPr lang="zh-CN" altLang="en-US" dirty="0" smtClean="0">
+                <a:solidFill>
+                  <a:srgbClr val="24292E"/>
+                </a:solidFill>
+                <a:latin typeface="-apple-system"/>
+              </a:rPr>
+              <a:t>个</a:t>
+            </a:r>
+            <a:r>
+              <a:rPr lang="en-US" altLang="zh-CN" dirty="0" smtClean="0">
+                <a:solidFill>
+                  <a:srgbClr val="24292E"/>
+                </a:solidFill>
+                <a:latin typeface="-apple-system"/>
+              </a:rPr>
+              <a:t>5</a:t>
+            </a:r>
+            <a:r>
+              <a:rPr lang="zh-CN" altLang="en-US" dirty="0" smtClean="0">
+                <a:solidFill>
+                  <a:srgbClr val="24292E"/>
+                </a:solidFill>
+                <a:latin typeface="-apple-system"/>
+              </a:rPr>
+              <a:t>至</a:t>
+            </a:r>
+            <a:r>
+              <a:rPr lang="en-US" altLang="zh-CN" dirty="0" smtClean="0">
+                <a:solidFill>
+                  <a:srgbClr val="24292E"/>
+                </a:solidFill>
+                <a:latin typeface="-apple-system"/>
+              </a:rPr>
+              <a:t>6</a:t>
+            </a:r>
+            <a:r>
+              <a:rPr lang="zh-CN" altLang="en-US" dirty="0" smtClean="0">
+                <a:solidFill>
+                  <a:srgbClr val="24292E"/>
+                </a:solidFill>
+                <a:latin typeface="-apple-system"/>
+              </a:rPr>
+              <a:t>层</a:t>
+            </a:r>
+            <a:r>
+              <a:rPr lang="en-US" altLang="zh-CN" dirty="0" smtClean="0">
+                <a:solidFill>
+                  <a:srgbClr val="24292E"/>
+                </a:solidFill>
+                <a:latin typeface="-apple-system"/>
+              </a:rPr>
+              <a:t>1000</a:t>
+            </a:r>
+            <a:r>
+              <a:rPr lang="zh-CN" altLang="en-US" dirty="0" smtClean="0">
+                <a:solidFill>
+                  <a:srgbClr val="24292E"/>
+                </a:solidFill>
+                <a:latin typeface="-apple-system"/>
+              </a:rPr>
+              <a:t>至</a:t>
+            </a:r>
+            <a:r>
+              <a:rPr lang="en-US" altLang="zh-CN" dirty="0" smtClean="0">
+                <a:solidFill>
+                  <a:srgbClr val="24292E"/>
+                </a:solidFill>
+                <a:latin typeface="-apple-system"/>
+              </a:rPr>
+              <a:t>1600</a:t>
+            </a:r>
+            <a:r>
+              <a:rPr lang="zh-CN" altLang="en-US" dirty="0" smtClean="0">
+                <a:solidFill>
+                  <a:srgbClr val="24292E"/>
+                </a:solidFill>
+                <a:latin typeface="-apple-system"/>
+              </a:rPr>
+              <a:t>棵树的</a:t>
+            </a:r>
+            <a:r>
+              <a:rPr lang="en-US" altLang="zh-CN" dirty="0" err="1" smtClean="0">
+                <a:solidFill>
+                  <a:srgbClr val="24292E"/>
+                </a:solidFill>
+                <a:latin typeface="-apple-system"/>
+              </a:rPr>
+              <a:t>xgboost</a:t>
+            </a:r>
+            <a:r>
+              <a:rPr lang="zh-CN" altLang="en-US" dirty="0" smtClean="0">
+                <a:solidFill>
+                  <a:srgbClr val="24292E"/>
+                </a:solidFill>
+                <a:latin typeface="-apple-system"/>
+              </a:rPr>
+              <a:t>模型）。</a:t>
+            </a:r>
+            <a:endParaRPr lang="zh-CN" altLang="en-US" dirty="0" smtClean="0"/>
+          </a:p>
+          <a:p>
+            <a:endParaRPr lang="zh-CN" altLang="en-US" dirty="0"/>
+          </a:p>
+        </p:txBody>
+      </p:sp>
+      <p:sp>
+        <p:nvSpPr>
+          <p:cNvPr id="4" name="灯片编号占位符 3"/>
+          <p:cNvSpPr>
+            <a:spLocks noGrp="1"/>
+          </p:cNvSpPr>
+          <p:nvPr>
+            <p:ph type="sldNum" sz="quarter" idx="10"/>
+          </p:nvPr>
+        </p:nvSpPr>
+        <p:spPr/>
+        <p:txBody>
+          <a:bodyPr/>
+          <a:lstStyle/>
+          <a:p>
+            <a:fld id="{F058509D-DB66-4458-8C6E-0AA4D711FE86}" type="slidenum">
+              <a:rPr lang="zh-CN" altLang="en-US" smtClean="0"/>
+              <a:t>11</a:t>
+            </a:fld>
+            <a:endParaRPr lang="zh-CN" altLang="en-US"/>
+          </a:p>
+        </p:txBody>
+      </p:sp>
+    </p:spTree>
+    <p:extLst>
+      <p:ext uri="{BB962C8B-B14F-4D97-AF65-F5344CB8AC3E}">
+        <p14:creationId xmlns:p14="http://schemas.microsoft.com/office/powerpoint/2010/main" val="580598790"/>
+      </p:ext>
+    </p:extLst>
+  </p:cSld>
+  <p:clrMapOvr>
+    <a:masterClrMapping/>
+  </p:clrMapOvr>
+</p:notes>
+</file>
+
+<file path=ppt/notesSlides/notesSlide4.xml><?xml version="1.0" encoding="utf-8"?>
+<p:notes xmlns:a="http://schemas.openxmlformats.org/drawingml/2006/main" xmlns:r="http://schemas.openxmlformats.org/officeDocument/2006/relationships" xmlns:p="http://schemas.openxmlformats.org/presentationml/2006/main">
+  <p:cSld>
+    <p:spTree>
+      <p:nvGrpSpPr>
+        <p:cNvPr id="1" name=""/>
+        <p:cNvGrpSpPr/>
+        <p:nvPr/>
+      </p:nvGrpSpPr>
+      <p:grpSpPr>
+        <a:xfrm>
+          <a:off x="0" y="0"/>
+          <a:ext cx="0" cy="0"/>
+          <a:chOff x="0" y="0"/>
+          <a:chExt cx="0" cy="0"/>
+        </a:xfrm>
+      </p:grpSpPr>
+      <p:sp>
+        <p:nvSpPr>
+          <p:cNvPr id="2" name="幻灯片图像占位符 1"/>
+          <p:cNvSpPr>
+            <a:spLocks noGrp="1" noRot="1" noChangeAspect="1"/>
+          </p:cNvSpPr>
+          <p:nvPr>
+            <p:ph type="sldImg"/>
+          </p:nvPr>
+        </p:nvSpPr>
+        <p:spPr/>
+      </p:sp>
+      <p:sp>
+        <p:nvSpPr>
+          <p:cNvPr id="3" name="备注占位符 2"/>
+          <p:cNvSpPr>
+            <a:spLocks noGrp="1"/>
+          </p:cNvSpPr>
+          <p:nvPr>
+            <p:ph type="body" idx="1"/>
+          </p:nvPr>
+        </p:nvSpPr>
+        <p:spPr/>
+        <p:txBody>
+          <a:bodyPr/>
+          <a:lstStyle/>
+          <a:p>
+            <a:endParaRPr lang="en-US" altLang="zh-CN" dirty="0" smtClean="0">
+              <a:solidFill>
+                <a:srgbClr val="24292E"/>
+              </a:solidFill>
+              <a:latin typeface="-apple-system"/>
+            </a:endParaRPr>
+          </a:p>
+          <a:p>
+            <a:endParaRPr lang="en-US" altLang="zh-CN" dirty="0" smtClean="0">
+              <a:solidFill>
+                <a:srgbClr val="24292E"/>
+              </a:solidFill>
+              <a:latin typeface="-apple-system"/>
+            </a:endParaRPr>
+          </a:p>
+          <a:p>
+            <a:r>
+              <a:rPr lang="zh-CN" altLang="en-US" dirty="0" smtClean="0">
+                <a:solidFill>
+                  <a:srgbClr val="24292E"/>
+                </a:solidFill>
+                <a:latin typeface="-apple-system"/>
+              </a:rPr>
+              <a:t>考虑到商家可能适合不同的模型，我们对每个店单独求取权重。 </a:t>
+            </a:r>
+            <a:endParaRPr lang="en-US" altLang="zh-CN" dirty="0" smtClean="0">
+              <a:solidFill>
+                <a:srgbClr val="24292E"/>
+              </a:solidFill>
+              <a:latin typeface="-apple-system"/>
+            </a:endParaRPr>
+          </a:p>
+          <a:p>
+            <a:r>
+              <a:rPr lang="zh-CN" altLang="en-US" dirty="0" smtClean="0">
+                <a:solidFill>
+                  <a:srgbClr val="24292E"/>
+                </a:solidFill>
+                <a:latin typeface="-apple-system"/>
+              </a:rPr>
+              <a:t>从</a:t>
+            </a:r>
+            <a:r>
+              <a:rPr lang="en-US" altLang="zh-CN" dirty="0" smtClean="0">
+                <a:solidFill>
+                  <a:srgbClr val="24292E"/>
+                </a:solidFill>
+                <a:latin typeface="-apple-system"/>
+              </a:rPr>
+              <a:t>2015</a:t>
+            </a:r>
+            <a:r>
+              <a:rPr lang="zh-CN" altLang="en-US" dirty="0" smtClean="0">
+                <a:solidFill>
+                  <a:srgbClr val="24292E"/>
+                </a:solidFill>
+                <a:latin typeface="-apple-system"/>
+              </a:rPr>
+              <a:t>年至</a:t>
+            </a:r>
+            <a:r>
+              <a:rPr lang="en-US" altLang="zh-CN" dirty="0" smtClean="0">
+                <a:solidFill>
+                  <a:srgbClr val="24292E"/>
+                </a:solidFill>
+                <a:latin typeface="-apple-system"/>
+              </a:rPr>
+              <a:t>2016</a:t>
+            </a:r>
+            <a:r>
+              <a:rPr lang="zh-CN" altLang="en-US" dirty="0" smtClean="0">
+                <a:solidFill>
+                  <a:srgbClr val="24292E"/>
+                </a:solidFill>
+                <a:latin typeface="-apple-system"/>
+              </a:rPr>
+              <a:t>年</a:t>
+            </a:r>
+            <a:r>
+              <a:rPr lang="en-US" altLang="zh-CN" dirty="0" smtClean="0">
+                <a:solidFill>
+                  <a:srgbClr val="24292E"/>
+                </a:solidFill>
+                <a:latin typeface="-apple-system"/>
+              </a:rPr>
+              <a:t>9</a:t>
+            </a:r>
+            <a:r>
+              <a:rPr lang="zh-CN" altLang="en-US" dirty="0" smtClean="0">
+                <a:solidFill>
+                  <a:srgbClr val="24292E"/>
+                </a:solidFill>
+                <a:latin typeface="-apple-system"/>
+              </a:rPr>
+              <a:t>月共计有</a:t>
+            </a:r>
+            <a:r>
+              <a:rPr lang="en-US" altLang="zh-CN" dirty="0" smtClean="0">
+                <a:solidFill>
+                  <a:srgbClr val="24292E"/>
+                </a:solidFill>
+                <a:latin typeface="-apple-system"/>
+              </a:rPr>
+              <a:t>500+</a:t>
+            </a:r>
+            <a:r>
+              <a:rPr lang="zh-CN" altLang="en-US" dirty="0" smtClean="0">
+                <a:solidFill>
+                  <a:srgbClr val="24292E"/>
+                </a:solidFill>
+                <a:latin typeface="-apple-system"/>
+              </a:rPr>
+              <a:t>的样本</a:t>
+            </a:r>
+            <a:r>
+              <a:rPr lang="en-US" altLang="zh-CN" dirty="0" smtClean="0">
+                <a:solidFill>
+                  <a:srgbClr val="24292E"/>
+                </a:solidFill>
+                <a:latin typeface="-apple-system"/>
+              </a:rPr>
+              <a:t>,</a:t>
+            </a:r>
+            <a:r>
+              <a:rPr lang="zh-CN" altLang="en-US" dirty="0" smtClean="0">
+                <a:solidFill>
+                  <a:srgbClr val="24292E"/>
+                </a:solidFill>
+                <a:latin typeface="-apple-system"/>
+              </a:rPr>
+              <a:t>应该足够线性回归训练了</a:t>
+            </a:r>
+            <a:r>
+              <a:rPr lang="en-US" altLang="zh-CN" dirty="0" smtClean="0">
+                <a:solidFill>
+                  <a:srgbClr val="24292E"/>
+                </a:solidFill>
+                <a:latin typeface="-apple-system"/>
+              </a:rPr>
+              <a:t>,</a:t>
+            </a:r>
+            <a:r>
+              <a:rPr lang="zh-CN" altLang="en-US" dirty="0" smtClean="0">
+                <a:solidFill>
+                  <a:srgbClr val="24292E"/>
+                </a:solidFill>
+                <a:latin typeface="-apple-system"/>
+              </a:rPr>
+              <a:t>另外使用</a:t>
+            </a:r>
+            <a:r>
+              <a:rPr lang="en-US" altLang="zh-CN" dirty="0" err="1" smtClean="0">
+                <a:solidFill>
+                  <a:srgbClr val="24292E"/>
+                </a:solidFill>
+                <a:latin typeface="Times New Roman" panose="02020603050405020304" pitchFamily="18" charset="0"/>
+                <a:cs typeface="Times New Roman" panose="02020603050405020304" pitchFamily="18" charset="0"/>
+              </a:rPr>
+              <a:t>tensorflow</a:t>
+            </a:r>
+            <a:r>
+              <a:rPr lang="zh-CN" altLang="en-US" dirty="0" smtClean="0">
+                <a:solidFill>
+                  <a:srgbClr val="24292E"/>
+                </a:solidFill>
+                <a:latin typeface="-apple-system"/>
+              </a:rPr>
+              <a:t>的线性回归模型能控制结果缩放比例</a:t>
+            </a:r>
+            <a:r>
+              <a:rPr lang="en-US" altLang="zh-CN" dirty="0" smtClean="0">
+                <a:solidFill>
+                  <a:srgbClr val="24292E"/>
+                </a:solidFill>
+                <a:latin typeface="-apple-system"/>
+              </a:rPr>
+              <a:t>(</a:t>
+            </a:r>
+            <a:r>
+              <a:rPr lang="en-US" altLang="zh-CN" dirty="0" smtClean="0">
+                <a:solidFill>
+                  <a:srgbClr val="24292E"/>
+                </a:solidFill>
+                <a:latin typeface="Times New Roman" panose="02020603050405020304" pitchFamily="18" charset="0"/>
+                <a:cs typeface="Times New Roman" panose="02020603050405020304" pitchFamily="18" charset="0"/>
+              </a:rPr>
+              <a:t>zoom</a:t>
+            </a:r>
+            <a:r>
+              <a:rPr lang="en-US" altLang="zh-CN" dirty="0" smtClean="0">
+                <a:solidFill>
+                  <a:srgbClr val="24292E"/>
+                </a:solidFill>
+                <a:latin typeface="-apple-system"/>
+              </a:rPr>
+              <a:t>)</a:t>
+            </a:r>
+            <a:r>
+              <a:rPr lang="zh-CN" altLang="en-US" dirty="0" smtClean="0">
+                <a:solidFill>
+                  <a:srgbClr val="24292E"/>
+                </a:solidFill>
+                <a:latin typeface="-apple-system"/>
+              </a:rPr>
+              <a:t>，使得结果可控。</a:t>
+            </a:r>
+            <a:endParaRPr lang="zh-CN" altLang="en-US" dirty="0" smtClean="0"/>
+          </a:p>
+          <a:p>
+            <a:endParaRPr lang="zh-CN" altLang="en-US" dirty="0"/>
+          </a:p>
+        </p:txBody>
+      </p:sp>
+      <p:sp>
+        <p:nvSpPr>
+          <p:cNvPr id="4" name="灯片编号占位符 3"/>
+          <p:cNvSpPr>
+            <a:spLocks noGrp="1"/>
+          </p:cNvSpPr>
+          <p:nvPr>
+            <p:ph type="sldNum" sz="quarter" idx="10"/>
+          </p:nvPr>
+        </p:nvSpPr>
+        <p:spPr/>
+        <p:txBody>
+          <a:bodyPr/>
+          <a:lstStyle/>
+          <a:p>
+            <a:fld id="{F058509D-DB66-4458-8C6E-0AA4D711FE86}" type="slidenum">
+              <a:rPr lang="zh-CN" altLang="en-US" smtClean="0"/>
+              <a:t>12</a:t>
+            </a:fld>
+            <a:endParaRPr lang="zh-CN" altLang="en-US"/>
+          </a:p>
+        </p:txBody>
+      </p:sp>
+    </p:spTree>
+    <p:extLst>
+      <p:ext uri="{BB962C8B-B14F-4D97-AF65-F5344CB8AC3E}">
+        <p14:creationId xmlns:p14="http://schemas.microsoft.com/office/powerpoint/2010/main" val="3903255045"/>
+      </p:ext>
+    </p:extLst>
+  </p:cSld>
+  <p:clrMapOvr>
+    <a:masterClrMapping/>
+  </p:clrMapOvr>
+</p:notes>
+</file>
+
+<file path=ppt/notesSlides/notesSlide5.xml><?xml version="1.0" encoding="utf-8"?>
+<p:notes xmlns:a="http://schemas.openxmlformats.org/drawingml/2006/main" xmlns:r="http://schemas.openxmlformats.org/officeDocument/2006/relationships" xmlns:p="http://schemas.openxmlformats.org/presentationml/2006/main">
+  <p:cSld>
+    <p:spTree>
+      <p:nvGrpSpPr>
+        <p:cNvPr id="1" name=""/>
+        <p:cNvGrpSpPr/>
+        <p:nvPr/>
+      </p:nvGrpSpPr>
+      <p:grpSpPr>
+        <a:xfrm>
+          <a:off x="0" y="0"/>
+          <a:ext cx="0" cy="0"/>
+          <a:chOff x="0" y="0"/>
+          <a:chExt cx="0" cy="0"/>
+        </a:xfrm>
+      </p:grpSpPr>
+      <p:sp>
+        <p:nvSpPr>
+          <p:cNvPr id="2" name="幻灯片图像占位符 1"/>
+          <p:cNvSpPr>
+            <a:spLocks noGrp="1" noRot="1" noChangeAspect="1"/>
+          </p:cNvSpPr>
+          <p:nvPr>
+            <p:ph type="sldImg"/>
+          </p:nvPr>
+        </p:nvSpPr>
+        <p:spPr/>
+      </p:sp>
+      <p:sp>
+        <p:nvSpPr>
+          <p:cNvPr id="3" name="备注占位符 2"/>
+          <p:cNvSpPr>
+            <a:spLocks noGrp="1"/>
+          </p:cNvSpPr>
+          <p:nvPr>
+            <p:ph type="body" idx="1"/>
+          </p:nvPr>
+        </p:nvSpPr>
+        <p:spPr/>
+        <p:txBody>
+          <a:bodyPr/>
+          <a:lstStyle/>
+          <a:p>
+            <a:pPr marL="0" marR="0" indent="0" algn="l" defTabSz="914400" rtl="0" eaLnBrk="1" fontAlgn="auto" latinLnBrk="0" hangingPunct="1">
+              <a:lnSpc>
+                <a:spcPct val="100000"/>
+              </a:lnSpc>
+              <a:spcBef>
+                <a:spcPts val="0"/>
+              </a:spcBef>
+              <a:spcAft>
+                <a:spcPts val="0"/>
+              </a:spcAft>
+              <a:buClrTx/>
+              <a:buSzTx/>
+              <a:buFontTx/>
+              <a:buNone/>
+              <a:tabLst/>
+              <a:defRPr/>
+            </a:pPr>
+            <a:r>
+              <a:rPr lang="zh-CN" altLang="en-US" dirty="0" smtClean="0">
+                <a:solidFill>
+                  <a:srgbClr val="24292E"/>
+                </a:solidFill>
+                <a:latin typeface="-apple-system"/>
+              </a:rPr>
+              <a:t>线上的特征是根据线下的</a:t>
+            </a:r>
+            <a:r>
+              <a:rPr lang="en-US" altLang="zh-CN" dirty="0" smtClean="0">
+                <a:solidFill>
+                  <a:srgbClr val="24292E"/>
+                </a:solidFill>
+                <a:latin typeface="Times New Roman" panose="02020603050405020304" pitchFamily="18" charset="0"/>
+                <a:cs typeface="Times New Roman" panose="02020603050405020304" pitchFamily="18" charset="0"/>
+              </a:rPr>
+              <a:t>tiny</a:t>
+            </a:r>
+            <a:r>
+              <a:rPr lang="zh-CN" altLang="en-US" dirty="0" smtClean="0">
+                <a:solidFill>
+                  <a:srgbClr val="24292E"/>
+                </a:solidFill>
+                <a:latin typeface="-apple-system"/>
+              </a:rPr>
+              <a:t>版本在线上进行修改实现，特征选择的过程利用了线上</a:t>
+            </a:r>
+            <a:r>
+              <a:rPr lang="en-US" altLang="zh-CN" dirty="0" smtClean="0">
+                <a:solidFill>
+                  <a:srgbClr val="24292E"/>
+                </a:solidFill>
+                <a:latin typeface="Times New Roman" panose="02020603050405020304" pitchFamily="18" charset="0"/>
+                <a:cs typeface="Times New Roman" panose="02020603050405020304" pitchFamily="18" charset="0"/>
+              </a:rPr>
+              <a:t>GBDT</a:t>
+            </a:r>
+            <a:r>
+              <a:rPr lang="zh-CN" altLang="en-US" dirty="0" smtClean="0">
+                <a:solidFill>
+                  <a:srgbClr val="24292E"/>
+                </a:solidFill>
+                <a:latin typeface="-apple-system"/>
+              </a:rPr>
+              <a:t>的特征重要性指标。</a:t>
+            </a:r>
+            <a:endParaRPr lang="en-US" altLang="zh-CN" dirty="0" smtClean="0">
+              <a:solidFill>
+                <a:srgbClr val="24292E"/>
+              </a:solidFill>
+              <a:latin typeface="-apple-system"/>
+            </a:endParaRPr>
+          </a:p>
+          <a:p>
+            <a:pPr marL="0" marR="0" indent="0" algn="l" defTabSz="914400" rtl="0" eaLnBrk="1" fontAlgn="auto" latinLnBrk="0" hangingPunct="1">
+              <a:lnSpc>
+                <a:spcPct val="100000"/>
+              </a:lnSpc>
+              <a:spcBef>
+                <a:spcPts val="0"/>
+              </a:spcBef>
+              <a:spcAft>
+                <a:spcPts val="0"/>
+              </a:spcAft>
+              <a:buClrTx/>
+              <a:buSzTx/>
+              <a:buFontTx/>
+              <a:buNone/>
+              <a:tabLst/>
+              <a:defRPr/>
+            </a:pPr>
+            <a:r>
+              <a:rPr lang="zh-CN" altLang="en-US" dirty="0" smtClean="0">
+                <a:solidFill>
+                  <a:srgbClr val="24292E"/>
+                </a:solidFill>
+                <a:latin typeface="-apple-system"/>
+              </a:rPr>
+              <a:t>由于不能进行数据上传，线上比赛中去掉了</a:t>
+            </a:r>
+            <a:r>
+              <a:rPr lang="en-US" altLang="zh-CN" dirty="0" err="1" smtClean="0">
+                <a:solidFill>
+                  <a:srgbClr val="24292E"/>
+                </a:solidFill>
+                <a:latin typeface="Times New Roman" panose="02020603050405020304" pitchFamily="18" charset="0"/>
+                <a:cs typeface="Times New Roman" panose="02020603050405020304" pitchFamily="18" charset="0"/>
+              </a:rPr>
+              <a:t>facebook</a:t>
+            </a:r>
+            <a:r>
+              <a:rPr lang="en-US" altLang="zh-CN" dirty="0" smtClean="0">
+                <a:solidFill>
+                  <a:srgbClr val="24292E"/>
+                </a:solidFill>
+                <a:latin typeface="-apple-system"/>
+              </a:rPr>
+              <a:t> </a:t>
+            </a:r>
+            <a:r>
+              <a:rPr lang="en-US" altLang="zh-CN" dirty="0" smtClean="0">
+                <a:solidFill>
+                  <a:srgbClr val="24292E"/>
+                </a:solidFill>
+                <a:latin typeface="Times New Roman" panose="02020603050405020304" pitchFamily="18" charset="0"/>
+                <a:cs typeface="Times New Roman" panose="02020603050405020304" pitchFamily="18" charset="0"/>
+              </a:rPr>
+              <a:t>prophet</a:t>
+            </a:r>
+            <a:r>
+              <a:rPr lang="zh-CN" altLang="en-US" dirty="0" smtClean="0">
+                <a:solidFill>
+                  <a:srgbClr val="24292E"/>
+                </a:solidFill>
+                <a:latin typeface="-apple-system"/>
+              </a:rPr>
+              <a:t>特征，加入了星期几以及月份数特征。</a:t>
+            </a:r>
+            <a:endParaRPr lang="en-US" altLang="zh-CN" dirty="0" smtClean="0">
+              <a:solidFill>
+                <a:srgbClr val="24292E"/>
+              </a:solidFill>
+              <a:latin typeface="-apple-system"/>
+            </a:endParaRPr>
+          </a:p>
+          <a:p>
+            <a:pPr marL="0" marR="0" indent="0" algn="l" defTabSz="914400" rtl="0" eaLnBrk="1" fontAlgn="auto" latinLnBrk="0" hangingPunct="1">
+              <a:lnSpc>
+                <a:spcPct val="100000"/>
+              </a:lnSpc>
+              <a:spcBef>
+                <a:spcPts val="0"/>
+              </a:spcBef>
+              <a:spcAft>
+                <a:spcPts val="0"/>
+              </a:spcAft>
+              <a:buClrTx/>
+              <a:buSzTx/>
+              <a:buFontTx/>
+              <a:buNone/>
+              <a:tabLst/>
+              <a:defRPr/>
+            </a:pPr>
+            <a:r>
+              <a:rPr lang="zh-CN" altLang="en-US" dirty="0" smtClean="0">
+                <a:solidFill>
+                  <a:srgbClr val="24292E"/>
+                </a:solidFill>
+                <a:latin typeface="-apple-system"/>
+              </a:rPr>
+              <a:t>这些特征做了</a:t>
+            </a:r>
+            <a:r>
+              <a:rPr lang="en-US" altLang="zh-CN" dirty="0" smtClean="0">
+                <a:solidFill>
+                  <a:srgbClr val="24292E"/>
+                </a:solidFill>
+                <a:latin typeface="Times New Roman" panose="02020603050405020304" pitchFamily="18" charset="0"/>
+                <a:cs typeface="Times New Roman" panose="02020603050405020304" pitchFamily="18" charset="0"/>
+              </a:rPr>
+              <a:t>one-hot</a:t>
+            </a:r>
+            <a:r>
+              <a:rPr lang="zh-CN" altLang="en-US" dirty="0" smtClean="0">
+                <a:solidFill>
+                  <a:srgbClr val="24292E"/>
+                </a:solidFill>
+                <a:latin typeface="-apple-system"/>
+              </a:rPr>
+              <a:t>编码但并没有使用，因为考虑到做</a:t>
+            </a:r>
+            <a:r>
+              <a:rPr lang="en-US" altLang="zh-CN" dirty="0" smtClean="0">
+                <a:solidFill>
+                  <a:srgbClr val="24292E"/>
+                </a:solidFill>
+                <a:latin typeface="Times New Roman" panose="02020603050405020304" pitchFamily="18" charset="0"/>
+                <a:cs typeface="Times New Roman" panose="02020603050405020304" pitchFamily="18" charset="0"/>
+              </a:rPr>
+              <a:t>one-hot</a:t>
+            </a:r>
+            <a:r>
+              <a:rPr lang="zh-CN" altLang="en-US" dirty="0" smtClean="0">
+                <a:solidFill>
+                  <a:srgbClr val="24292E"/>
+                </a:solidFill>
+                <a:latin typeface="-apple-system"/>
+              </a:rPr>
+              <a:t>编码过于稀疏，可能不利于</a:t>
+            </a:r>
+            <a:r>
+              <a:rPr lang="en-US" altLang="zh-CN" dirty="0" smtClean="0">
+                <a:solidFill>
+                  <a:srgbClr val="24292E"/>
+                </a:solidFill>
+                <a:latin typeface="-apple-system"/>
+              </a:rPr>
+              <a:t>GBDT</a:t>
+            </a:r>
+            <a:r>
+              <a:rPr lang="zh-CN" altLang="en-US" dirty="0" smtClean="0">
+                <a:solidFill>
+                  <a:srgbClr val="24292E"/>
+                </a:solidFill>
+                <a:latin typeface="-apple-system"/>
+              </a:rPr>
+              <a:t>或者</a:t>
+            </a:r>
+            <a:r>
+              <a:rPr lang="en-US" altLang="zh-CN" dirty="0" smtClean="0">
+                <a:solidFill>
+                  <a:srgbClr val="24292E"/>
+                </a:solidFill>
+                <a:latin typeface="-apple-system"/>
+              </a:rPr>
+              <a:t>PS_SMART</a:t>
+            </a:r>
+            <a:r>
+              <a:rPr lang="zh-CN" altLang="en-US" dirty="0" smtClean="0">
+                <a:solidFill>
+                  <a:srgbClr val="24292E"/>
+                </a:solidFill>
+                <a:latin typeface="-apple-system"/>
+              </a:rPr>
+              <a:t>训练。</a:t>
+            </a:r>
+            <a:endParaRPr lang="zh-CN" altLang="en-US" dirty="0" smtClean="0"/>
+          </a:p>
+          <a:p>
+            <a:endParaRPr lang="zh-CN" altLang="en-US" dirty="0"/>
+          </a:p>
+        </p:txBody>
+      </p:sp>
+      <p:sp>
+        <p:nvSpPr>
+          <p:cNvPr id="4" name="灯片编号占位符 3"/>
+          <p:cNvSpPr>
+            <a:spLocks noGrp="1"/>
+          </p:cNvSpPr>
+          <p:nvPr>
+            <p:ph type="sldNum" sz="quarter" idx="10"/>
+          </p:nvPr>
+        </p:nvSpPr>
+        <p:spPr/>
+        <p:txBody>
+          <a:bodyPr/>
+          <a:lstStyle/>
+          <a:p>
+            <a:fld id="{F058509D-DB66-4458-8C6E-0AA4D711FE86}" type="slidenum">
+              <a:rPr lang="zh-CN" altLang="en-US" smtClean="0"/>
+              <a:t>15</a:t>
+            </a:fld>
+            <a:endParaRPr lang="zh-CN" altLang="en-US"/>
+          </a:p>
+        </p:txBody>
+      </p:sp>
+    </p:spTree>
+    <p:extLst>
+      <p:ext uri="{BB962C8B-B14F-4D97-AF65-F5344CB8AC3E}">
+        <p14:creationId xmlns:p14="http://schemas.microsoft.com/office/powerpoint/2010/main" val="3059196719"/>
       </p:ext>
     </p:extLst>
   </p:cSld>
@@ -29574,7 +30834,7 @@
             <a:fld id="{82F288E0-7875-42C4-84C8-98DBBD3BF4D2}" type="datetimeFigureOut">
               <a:rPr lang="zh-CN" altLang="en-US" smtClean="0"/>
               <a:pPr/>
-              <a:t>2017/7/25</a:t>
+              <a:t>2017-07-26</a:t>
             </a:fld>
             <a:endParaRPr lang="zh-CN" altLang="en-US"/>
           </a:p>
@@ -29722,7 +30982,7 @@
             <a:fld id="{82F288E0-7875-42C4-84C8-98DBBD3BF4D2}" type="datetimeFigureOut">
               <a:rPr lang="zh-CN" altLang="en-US" smtClean="0"/>
               <a:pPr/>
-              <a:t>2017/7/25</a:t>
+              <a:t>2017-07-26</a:t>
             </a:fld>
             <a:endParaRPr lang="zh-CN" altLang="en-US"/>
           </a:p>
@@ -29887,7 +31147,7 @@
             <a:fld id="{82F288E0-7875-42C4-84C8-98DBBD3BF4D2}" type="datetimeFigureOut">
               <a:rPr lang="zh-CN" altLang="en-US" smtClean="0"/>
               <a:pPr/>
-              <a:t>2017/7/25</a:t>
+              <a:t>2017-07-26</a:t>
             </a:fld>
             <a:endParaRPr lang="zh-CN" altLang="en-US"/>
           </a:p>
@@ -30129,7 +31389,7 @@
             <a:fld id="{82F288E0-7875-42C4-84C8-98DBBD3BF4D2}" type="datetimeFigureOut">
               <a:rPr lang="zh-CN" altLang="en-US" smtClean="0"/>
               <a:pPr/>
-              <a:t>2017/7/25</a:t>
+              <a:t>2017-07-26</a:t>
             </a:fld>
             <a:endParaRPr lang="zh-CN" altLang="en-US"/>
           </a:p>
@@ -30355,7 +31615,7 @@
             <a:fld id="{82F288E0-7875-42C4-84C8-98DBBD3BF4D2}" type="datetimeFigureOut">
               <a:rPr lang="zh-CN" altLang="en-US" smtClean="0"/>
               <a:pPr/>
-              <a:t>2017/7/25</a:t>
+              <a:t>2017-07-26</a:t>
             </a:fld>
             <a:endParaRPr lang="zh-CN" altLang="en-US"/>
           </a:p>
@@ -30716,7 +31976,7 @@
             <a:fld id="{82F288E0-7875-42C4-84C8-98DBBD3BF4D2}" type="datetimeFigureOut">
               <a:rPr lang="zh-CN" altLang="en-US" smtClean="0"/>
               <a:pPr/>
-              <a:t>2017/7/25</a:t>
+              <a:t>2017-07-26</a:t>
             </a:fld>
             <a:endParaRPr lang="zh-CN" altLang="en-US"/>
           </a:p>
@@ -30830,7 +32090,7 @@
             <a:fld id="{82F288E0-7875-42C4-84C8-98DBBD3BF4D2}" type="datetimeFigureOut">
               <a:rPr lang="zh-CN" altLang="en-US" smtClean="0"/>
               <a:pPr/>
-              <a:t>2017/7/25</a:t>
+              <a:t>2017-07-26</a:t>
             </a:fld>
             <a:endParaRPr lang="zh-CN" altLang="en-US"/>
           </a:p>
@@ -30922,7 +32182,7 @@
             <a:fld id="{82F288E0-7875-42C4-84C8-98DBBD3BF4D2}" type="datetimeFigureOut">
               <a:rPr lang="zh-CN" altLang="en-US" smtClean="0"/>
               <a:pPr/>
-              <a:t>2017/7/25</a:t>
+              <a:t>2017-07-26</a:t>
             </a:fld>
             <a:endParaRPr lang="zh-CN" altLang="en-US"/>
           </a:p>
@@ -31171,7 +32431,7 @@
             <a:fld id="{82F288E0-7875-42C4-84C8-98DBBD3BF4D2}" type="datetimeFigureOut">
               <a:rPr lang="zh-CN" altLang="en-US" smtClean="0"/>
               <a:pPr/>
-              <a:t>2017/7/25</a:t>
+              <a:t>2017-07-26</a:t>
             </a:fld>
             <a:endParaRPr lang="zh-CN" altLang="en-US"/>
           </a:p>
@@ -31346,7 +32606,7 @@
             <a:fld id="{82F288E0-7875-42C4-84C8-98DBBD3BF4D2}" type="datetimeFigureOut">
               <a:rPr lang="zh-CN" altLang="en-US" smtClean="0"/>
               <a:pPr/>
-              <a:t>2017/7/25</a:t>
+              <a:t>2017-07-26</a:t>
             </a:fld>
             <a:endParaRPr lang="zh-CN" altLang="en-US"/>
           </a:p>
@@ -31554,7 +32814,7 @@
             <a:fld id="{82F288E0-7875-42C4-84C8-98DBBD3BF4D2}" type="datetimeFigureOut">
               <a:rPr lang="zh-CN" altLang="en-US" smtClean="0"/>
               <a:pPr/>
-              <a:t>2017/7/25</a:t>
+              <a:t>2017-07-26</a:t>
             </a:fld>
             <a:endParaRPr lang="zh-CN" altLang="en-US"/>
           </a:p>
@@ -32021,7 +33281,7 @@
           <p:cNvPr id="5" name="文本框 4">
             <a:extLst>
               <a:ext uri="{FF2B5EF4-FFF2-40B4-BE49-F238E27FC236}">
-                <a16:creationId xmlns:a16="http://schemas.microsoft.com/office/drawing/2014/main" id="{2139FD34-E879-4B46-8F02-9BF0D89878C2}"/>
+                <a16:creationId xmlns:a16="http://schemas.microsoft.com/office/drawing/2014/main" xmlns="" id="{2139FD34-E879-4B46-8F02-9BF0D89878C2}"/>
               </a:ext>
             </a:extLst>
           </p:cNvPr>
@@ -32140,7 +33400,51 @@
                   </a:schemeClr>
                 </a:solidFill>
               </a:rPr>
-              <a:t>施晋</a:t>
+              <a:t>施</a:t>
+            </a:r>
+            <a:r>
+              <a:rPr lang="zh-CN" altLang="en-US" sz="2400" b="1" dirty="0" smtClean="0">
+                <a:solidFill>
+                  <a:schemeClr val="accent5">
+                    <a:lumMod val="20000"/>
+                    <a:lumOff val="80000"/>
+                  </a:schemeClr>
+                </a:solidFill>
+              </a:rPr>
+              <a:t>晋</a:t>
+            </a:r>
+            <a:r>
+              <a:rPr lang="en-US" altLang="zh-CN" sz="2400" b="1" dirty="0">
+                <a:solidFill>
+                  <a:schemeClr val="accent5">
+                    <a:lumMod val="20000"/>
+                    <a:lumOff val="80000"/>
+                  </a:schemeClr>
+                </a:solidFill>
+              </a:rPr>
+              <a:t>	</a:t>
+            </a:r>
+            <a:r>
+              <a:rPr lang="en-US" altLang="zh-CN" sz="2400" b="1" dirty="0" smtClean="0">
+                <a:solidFill>
+                  <a:schemeClr val="accent5">
+                    <a:lumMod val="20000"/>
+                    <a:lumOff val="80000"/>
+                  </a:schemeClr>
+                </a:solidFill>
+              </a:rPr>
+              <a:t>		        </a:t>
+            </a:r>
+            <a:r>
+              <a:rPr lang="zh-CN" altLang="en-US" sz="2400" b="1" dirty="0" smtClean="0">
+                <a:solidFill>
+                  <a:schemeClr val="accent5">
+                    <a:lumMod val="20000"/>
+                    <a:lumOff val="80000"/>
+                  </a:schemeClr>
+                </a:solidFill>
+              </a:rPr>
+              <a:t>陈嘉晖</a:t>
             </a:r>
             <a:endParaRPr lang="zh-CN" altLang="en-US" sz="2400" b="1" dirty="0">
               <a:solidFill>
@@ -32317,7 +33621,7 @@
           </p:nvPr>
         </p:nvPicPr>
         <p:blipFill>
-          <a:blip r:embed="rId2" cstate="print"/>
+          <a:blip r:embed="rId3" cstate="print"/>
           <a:stretch>
             <a:fillRect/>
           </a:stretch>
@@ -32334,7 +33638,7 @@
           <p:cNvPr id="3" name="文本框 2">
             <a:extLst>
               <a:ext uri="{FF2B5EF4-FFF2-40B4-BE49-F238E27FC236}">
-                <a16:creationId xmlns:a16="http://schemas.microsoft.com/office/drawing/2014/main" id="{55BDC6D0-8EF4-4A90-AC24-A5BC14AC2AB6}"/>
+                <a16:creationId xmlns:a16="http://schemas.microsoft.com/office/drawing/2014/main" xmlns="" id="{55BDC6D0-8EF4-4A90-AC24-A5BC14AC2AB6}"/>
               </a:ext>
             </a:extLst>
           </p:cNvPr>
@@ -32386,7 +33690,7 @@
           <p:cNvPr id="9" name="图片 8">
             <a:extLst>
               <a:ext uri="{FF2B5EF4-FFF2-40B4-BE49-F238E27FC236}">
-                <a16:creationId xmlns:a16="http://schemas.microsoft.com/office/drawing/2014/main" id="{05CDD34E-4F60-4D0F-9DC0-3FD174795DC7}"/>
+                <a16:creationId xmlns:a16="http://schemas.microsoft.com/office/drawing/2014/main" xmlns="" id="{05CDD34E-4F60-4D0F-9DC0-3FD174795DC7}"/>
               </a:ext>
             </a:extLst>
           </p:cNvPr>
@@ -32396,7 +33700,7 @@
           <p:nvPr/>
         </p:nvPicPr>
         <p:blipFill>
-          <a:blip r:embed="rId3">
+          <a:blip r:embed="rId4">
             <a:extLst>
               <a:ext uri="{28A0092B-C50C-407E-A947-70E740481C1C}">
                 <a14:useLocalDpi xmlns:a14="http://schemas.microsoft.com/office/drawing/2010/main" val="0"/>
@@ -32422,7 +33726,7 @@
           <p:cNvPr id="10" name="文本框 9">
             <a:extLst>
               <a:ext uri="{FF2B5EF4-FFF2-40B4-BE49-F238E27FC236}">
-                <a16:creationId xmlns:a16="http://schemas.microsoft.com/office/drawing/2014/main" id="{77C54360-CAD3-4193-A43D-D73E378A50C2}"/>
+                <a16:creationId xmlns:a16="http://schemas.microsoft.com/office/drawing/2014/main" xmlns="" id="{77C54360-CAD3-4193-A43D-D73E378A50C2}"/>
               </a:ext>
             </a:extLst>
           </p:cNvPr>
@@ -32431,8 +33735,8 @@
         </p:nvSpPr>
         <p:spPr>
           <a:xfrm>
-            <a:off x="608972" y="1690051"/>
-            <a:ext cx="5537827" cy="2677656"/>
+            <a:off x="595200" y="1441077"/>
+            <a:ext cx="5537827" cy="646331"/>
           </a:xfrm>
           <a:prstGeom prst="rect">
             <a:avLst/>
@@ -32446,78 +33750,42 @@
           <a:lstStyle/>
           <a:p>
             <a:r>
-              <a:rPr lang="zh-CN" altLang="en-US" sz="2400" dirty="0"/>
+              <a:rPr lang="zh-CN" altLang="en-US" dirty="0"/>
               <a:t>在线下的特征提取中，我们使用了</a:t>
             </a:r>
             <a:r>
-              <a:rPr lang="en-US" altLang="zh-CN" sz="2400" dirty="0">
-                <a:latin typeface="Times New Roman" panose="02020603050405020304" pitchFamily="18" charset="0"/>
-                <a:cs typeface="Times New Roman" panose="02020603050405020304" pitchFamily="18" charset="0"/>
-              </a:rPr>
+              <a:rPr lang="en-US" altLang="zh-CN" dirty="0"/>
               <a:t>Prophet</a:t>
             </a:r>
             <a:r>
-              <a:rPr lang="zh-CN" altLang="en-US" sz="2400" dirty="0"/>
+              <a:rPr lang="zh-CN" altLang="en-US" dirty="0"/>
               <a:t>智能化预测工具预测的</a:t>
             </a:r>
             <a:r>
-              <a:rPr lang="en-US" altLang="zh-CN" sz="2400" dirty="0">
-                <a:latin typeface="Times New Roman" panose="02020603050405020304" pitchFamily="18" charset="0"/>
-                <a:cs typeface="Times New Roman" panose="02020603050405020304" pitchFamily="18" charset="0"/>
-              </a:rPr>
+              <a:rPr lang="en-US" altLang="zh-CN" dirty="0"/>
               <a:t>yearly</a:t>
             </a:r>
             <a:r>
-              <a:rPr lang="zh-CN" altLang="en-US" sz="2400" dirty="0"/>
+              <a:rPr lang="zh-CN" altLang="en-US" dirty="0"/>
               <a:t>和</a:t>
             </a:r>
             <a:r>
-              <a:rPr lang="en-US" altLang="zh-CN" sz="2400" dirty="0" smtClean="0">
-                <a:latin typeface="Times New Roman" panose="02020603050405020304" pitchFamily="18" charset="0"/>
-                <a:cs typeface="Times New Roman" panose="02020603050405020304" pitchFamily="18" charset="0"/>
-              </a:rPr>
+              <a:rPr lang="en-US" altLang="zh-CN" dirty="0"/>
               <a:t>trend</a:t>
             </a:r>
             <a:r>
-              <a:rPr lang="zh-CN" altLang="en-US" sz="2400" dirty="0" smtClean="0"/>
+              <a:rPr lang="zh-CN" altLang="en-US" dirty="0"/>
               <a:t>作为</a:t>
             </a:r>
             <a:r>
-              <a:rPr lang="zh-CN" altLang="en-US" sz="2400" dirty="0"/>
-              <a:t>数据集的一部分特征。</a:t>
-            </a:r>
-            <a:endParaRPr lang="en-US" altLang="zh-CN" sz="2400" dirty="0"/>
-          </a:p>
-          <a:p>
-            <a:r>
-              <a:rPr lang="en-US" altLang="zh-CN" sz="2400" dirty="0">
-                <a:latin typeface="Times New Roman" panose="02020603050405020304" pitchFamily="18" charset="0"/>
-                <a:cs typeface="Times New Roman" panose="02020603050405020304" pitchFamily="18" charset="0"/>
-              </a:rPr>
-              <a:t>Prophet</a:t>
+              <a:rPr lang="zh-CN" altLang="en-US" dirty="0"/>
+              <a:t>数据集的一部分特征</a:t>
             </a:r>
             <a:r>
-              <a:rPr lang="zh-CN" altLang="en-US" sz="2400" dirty="0"/>
-              <a:t>使用了傅里叶级数构建年周期组件，使用虚拟变量构建周周期组件。</a:t>
+              <a:rPr lang="zh-CN" altLang="en-US" dirty="0"/>
+              <a:t>。</a:t>
             </a:r>
-            <a:endParaRPr lang="en-US" altLang="zh-CN" sz="2400" dirty="0"/>
-          </a:p>
-          <a:p>
-            <a:r>
-              <a:rPr lang="zh-CN" altLang="en-US" sz="2400" dirty="0"/>
-              <a:t>我们希望通过</a:t>
-            </a:r>
-            <a:r>
-              <a:rPr lang="en-US" altLang="zh-CN" sz="2400" dirty="0">
-                <a:latin typeface="Times New Roman" panose="02020603050405020304" pitchFamily="18" charset="0"/>
-                <a:cs typeface="Times New Roman" panose="02020603050405020304" pitchFamily="18" charset="0"/>
-              </a:rPr>
-              <a:t>Prophet</a:t>
-            </a:r>
-            <a:r>
-              <a:rPr lang="zh-CN" altLang="en-US" sz="2400" dirty="0"/>
-              <a:t>，帮助我们从时序分析的角度上为电量预测建模。</a:t>
-            </a:r>
+            <a:endParaRPr lang="zh-CN" altLang="en-US" dirty="0"/>
           </a:p>
         </p:txBody>
       </p:sp>
@@ -32526,7 +33794,7 @@
           <p:cNvPr id="11" name="文本框 10">
             <a:extLst>
               <a:ext uri="{FF2B5EF4-FFF2-40B4-BE49-F238E27FC236}">
-                <a16:creationId xmlns:a16="http://schemas.microsoft.com/office/drawing/2014/main" id="{3DB308D6-DE56-40FE-A2AB-79682EFF6BB8}"/>
+                <a16:creationId xmlns:a16="http://schemas.microsoft.com/office/drawing/2014/main" xmlns="" id="{3DB308D6-DE56-40FE-A2AB-79682EFF6BB8}"/>
               </a:ext>
             </a:extLst>
           </p:cNvPr>
@@ -32627,7 +33895,7 @@
           </p:nvPr>
         </p:nvPicPr>
         <p:blipFill>
-          <a:blip r:embed="rId2" cstate="print"/>
+          <a:blip r:embed="rId3" cstate="print"/>
           <a:stretch>
             <a:fillRect/>
           </a:stretch>
@@ -32644,7 +33912,7 @@
           <p:cNvPr id="3" name="文本框 2">
             <a:extLst>
               <a:ext uri="{FF2B5EF4-FFF2-40B4-BE49-F238E27FC236}">
-                <a16:creationId xmlns:a16="http://schemas.microsoft.com/office/drawing/2014/main" id="{55BDC6D0-8EF4-4A90-AC24-A5BC14AC2AB6}"/>
+                <a16:creationId xmlns:a16="http://schemas.microsoft.com/office/drawing/2014/main" xmlns="" id="{55BDC6D0-8EF4-4A90-AC24-A5BC14AC2AB6}"/>
               </a:ext>
             </a:extLst>
           </p:cNvPr>
@@ -32687,7 +33955,7 @@
           <p:cNvPr id="2050" name="Picture 2" descr="train-xgb">
             <a:extLst>
               <a:ext uri="{FF2B5EF4-FFF2-40B4-BE49-F238E27FC236}">
-                <a16:creationId xmlns:a16="http://schemas.microsoft.com/office/drawing/2014/main" id="{BEF68D2F-9957-4303-B11D-5809F843970A}"/>
+                <a16:creationId xmlns:a16="http://schemas.microsoft.com/office/drawing/2014/main" xmlns="" id="{BEF68D2F-9957-4303-B11D-5809F843970A}"/>
               </a:ext>
             </a:extLst>
           </p:cNvPr>
@@ -32697,7 +33965,7 @@
           <p:nvPr/>
         </p:nvPicPr>
         <p:blipFill>
-          <a:blip r:embed="rId3">
+          <a:blip r:embed="rId4">
             <a:extLst>
               <a:ext uri="{28A0092B-C50C-407E-A947-70E740481C1C}">
                 <a14:useLocalDpi xmlns:a14="http://schemas.microsoft.com/office/drawing/2010/main" val="0"/>
@@ -32734,7 +34002,7 @@
           <p:cNvPr id="6" name="矩形 5">
             <a:extLst>
               <a:ext uri="{FF2B5EF4-FFF2-40B4-BE49-F238E27FC236}">
-                <a16:creationId xmlns:a16="http://schemas.microsoft.com/office/drawing/2014/main" id="{6672961D-8E68-486E-80FF-B3AAB65ECBF7}"/>
+                <a16:creationId xmlns:a16="http://schemas.microsoft.com/office/drawing/2014/main" xmlns="" id="{6672961D-8E68-486E-80FF-B3AAB65ECBF7}"/>
               </a:ext>
             </a:extLst>
           </p:cNvPr>
@@ -32743,7 +34011,7 @@
         </p:nvSpPr>
         <p:spPr>
           <a:xfrm>
-            <a:off x="474133" y="1331428"/>
+            <a:off x="503922" y="1333967"/>
             <a:ext cx="4656667" cy="1477328"/>
           </a:xfrm>
           <a:prstGeom prst="rect">
@@ -32949,347 +34217,6 @@
           </a:p>
         </p:txBody>
       </p:sp>
-      <p:sp>
-        <p:nvSpPr>
-          <p:cNvPr id="7" name="矩形 6">
-            <a:extLst>
-              <a:ext uri="{FF2B5EF4-FFF2-40B4-BE49-F238E27FC236}">
-                <a16:creationId xmlns:a16="http://schemas.microsoft.com/office/drawing/2014/main" id="{A690FDAD-9FBB-44E3-B7AE-90350D3FA43C}"/>
-              </a:ext>
-            </a:extLst>
-          </p:cNvPr>
-          <p:cNvSpPr/>
-          <p:nvPr/>
-        </p:nvSpPr>
-        <p:spPr>
-          <a:xfrm>
-            <a:off x="474133" y="3044634"/>
-            <a:ext cx="4656667" cy="646331"/>
-          </a:xfrm>
-          <a:prstGeom prst="rect">
-            <a:avLst/>
-          </a:prstGeom>
-        </p:spPr>
-        <p:txBody>
-          <a:bodyPr wrap="square">
-            <a:spAutoFit/>
-          </a:bodyPr>
-          <a:lstStyle/>
-          <a:p>
-            <a:r>
-              <a:rPr lang="zh-CN" altLang="en-US" dirty="0">
-                <a:solidFill>
-                  <a:srgbClr val="24292E"/>
-                </a:solidFill>
-                <a:latin typeface="-apple-system"/>
-              </a:rPr>
-              <a:t>每组模型</a:t>
-            </a:r>
-            <a:r>
-              <a:rPr lang="zh-CN" altLang="en-US" dirty="0" smtClean="0">
-                <a:solidFill>
-                  <a:srgbClr val="24292E"/>
-                </a:solidFill>
-                <a:latin typeface="-apple-system"/>
-              </a:rPr>
-              <a:t>首先通过</a:t>
-            </a:r>
-            <a:r>
-              <a:rPr lang="en-US" altLang="zh-CN" dirty="0" smtClean="0">
-                <a:solidFill>
-                  <a:srgbClr val="24292E"/>
-                </a:solidFill>
-                <a:latin typeface="-apple-system"/>
-              </a:rPr>
-              <a:t>1</a:t>
-            </a:r>
-            <a:r>
-              <a:rPr lang="zh-CN" altLang="en-US" dirty="0">
-                <a:solidFill>
-                  <a:srgbClr val="24292E"/>
-                </a:solidFill>
-                <a:latin typeface="-apple-system"/>
-              </a:rPr>
-              <a:t>个</a:t>
-            </a:r>
-            <a:r>
-              <a:rPr lang="en-US" altLang="zh-CN" dirty="0">
-                <a:solidFill>
-                  <a:srgbClr val="24292E"/>
-                </a:solidFill>
-                <a:latin typeface="-apple-system"/>
-              </a:rPr>
-              <a:t>3</a:t>
-            </a:r>
-            <a:r>
-              <a:rPr lang="zh-CN" altLang="en-US" dirty="0">
-                <a:solidFill>
-                  <a:srgbClr val="24292E"/>
-                </a:solidFill>
-                <a:latin typeface="-apple-system"/>
-              </a:rPr>
-              <a:t>层</a:t>
-            </a:r>
-            <a:r>
-              <a:rPr lang="en-US" altLang="zh-CN" dirty="0">
-                <a:solidFill>
-                  <a:srgbClr val="24292E"/>
-                </a:solidFill>
-                <a:latin typeface="-apple-system"/>
-              </a:rPr>
-              <a:t>500</a:t>
-            </a:r>
-            <a:r>
-              <a:rPr lang="zh-CN" altLang="en-US" dirty="0">
-                <a:solidFill>
-                  <a:srgbClr val="24292E"/>
-                </a:solidFill>
-                <a:latin typeface="-apple-system"/>
-              </a:rPr>
-              <a:t>棵树的</a:t>
-            </a:r>
-            <a:r>
-              <a:rPr lang="en-US" altLang="zh-CN" dirty="0" err="1" smtClean="0">
-                <a:solidFill>
-                  <a:srgbClr val="24292E"/>
-                </a:solidFill>
-                <a:latin typeface="-apple-system"/>
-              </a:rPr>
-              <a:t>xgboost</a:t>
-            </a:r>
-            <a:r>
-              <a:rPr lang="zh-CN" altLang="en-US" dirty="0" smtClean="0">
-                <a:solidFill>
-                  <a:srgbClr val="24292E"/>
-                </a:solidFill>
-                <a:latin typeface="-apple-system"/>
-              </a:rPr>
-              <a:t>进行数据</a:t>
-            </a:r>
-            <a:r>
-              <a:rPr lang="zh-CN" altLang="en-US" dirty="0" smtClean="0">
-                <a:solidFill>
-                  <a:srgbClr val="24292E"/>
-                </a:solidFill>
-                <a:latin typeface="-apple-system"/>
-              </a:rPr>
-              <a:t>清洗</a:t>
-            </a:r>
-            <a:r>
-              <a:rPr lang="zh-CN" altLang="en-US" dirty="0">
-                <a:solidFill>
-                  <a:srgbClr val="24292E"/>
-                </a:solidFill>
-                <a:latin typeface="-apple-system"/>
-              </a:rPr>
-              <a:t>。</a:t>
-            </a:r>
-            <a:endParaRPr lang="zh-CN" altLang="en-US" dirty="0"/>
-          </a:p>
-        </p:txBody>
-      </p:sp>
-      <p:sp>
-        <p:nvSpPr>
-          <p:cNvPr id="8" name="矩形 7">
-            <a:extLst>
-              <a:ext uri="{FF2B5EF4-FFF2-40B4-BE49-F238E27FC236}">
-                <a16:creationId xmlns:a16="http://schemas.microsoft.com/office/drawing/2014/main" id="{5A08B3DE-8D97-4918-98E0-47B6D8C07031}"/>
-              </a:ext>
-            </a:extLst>
-          </p:cNvPr>
-          <p:cNvSpPr/>
-          <p:nvPr/>
-        </p:nvSpPr>
-        <p:spPr>
-          <a:xfrm>
-            <a:off x="474133" y="3931197"/>
-            <a:ext cx="4656667" cy="1200329"/>
-          </a:xfrm>
-          <a:prstGeom prst="rect">
-            <a:avLst/>
-          </a:prstGeom>
-        </p:spPr>
-        <p:txBody>
-          <a:bodyPr wrap="square">
-            <a:spAutoFit/>
-          </a:bodyPr>
-          <a:lstStyle/>
-          <a:p>
-            <a:r>
-              <a:rPr lang="zh-CN" altLang="en-US" dirty="0">
-                <a:solidFill>
-                  <a:srgbClr val="24292E"/>
-                </a:solidFill>
-                <a:latin typeface="-apple-system"/>
-              </a:rPr>
-              <a:t>而后使用</a:t>
-            </a:r>
-            <a:r>
-              <a:rPr lang="en-US" altLang="zh-CN" dirty="0" smtClean="0">
-                <a:solidFill>
-                  <a:srgbClr val="24292E"/>
-                </a:solidFill>
-                <a:latin typeface="-apple-system"/>
-              </a:rPr>
-              <a:t>2</a:t>
-            </a:r>
-            <a:r>
-              <a:rPr lang="zh-CN" altLang="en-US" dirty="0" smtClean="0">
-                <a:solidFill>
-                  <a:srgbClr val="24292E"/>
-                </a:solidFill>
-                <a:latin typeface="-apple-system"/>
-              </a:rPr>
-              <a:t>种不同的比例</a:t>
-            </a:r>
-            <a:r>
-              <a:rPr lang="zh-CN" altLang="en-US" dirty="0">
-                <a:solidFill>
-                  <a:srgbClr val="24292E"/>
-                </a:solidFill>
-                <a:latin typeface="-apple-system"/>
-              </a:rPr>
-              <a:t>抽取最优秀的样本作为清洗</a:t>
-            </a:r>
-            <a:r>
-              <a:rPr lang="zh-CN" altLang="en-US" dirty="0" smtClean="0">
-                <a:solidFill>
-                  <a:srgbClr val="24292E"/>
-                </a:solidFill>
-                <a:latin typeface="-apple-system"/>
-              </a:rPr>
-              <a:t>后的训练集</a:t>
-            </a:r>
-            <a:r>
-              <a:rPr lang="zh-CN" altLang="en-US" dirty="0">
-                <a:solidFill>
-                  <a:srgbClr val="24292E"/>
-                </a:solidFill>
-                <a:latin typeface="-apple-system"/>
-              </a:rPr>
-              <a:t>，</a:t>
-            </a:r>
-            <a:r>
-              <a:rPr lang="zh-CN" altLang="en-US" dirty="0" smtClean="0">
-                <a:solidFill>
-                  <a:srgbClr val="24292E"/>
-                </a:solidFill>
-                <a:latin typeface="-apple-system"/>
-              </a:rPr>
-              <a:t>再使用更深的模型进行训练（</a:t>
-            </a:r>
-            <a:r>
-              <a:rPr lang="en-US" altLang="zh-CN" dirty="0" smtClean="0">
-                <a:solidFill>
-                  <a:srgbClr val="24292E"/>
-                </a:solidFill>
-                <a:latin typeface="-apple-system"/>
-              </a:rPr>
-              <a:t>2</a:t>
-            </a:r>
-            <a:r>
-              <a:rPr lang="zh-CN" altLang="en-US" dirty="0">
-                <a:solidFill>
-                  <a:srgbClr val="24292E"/>
-                </a:solidFill>
-                <a:latin typeface="-apple-system"/>
-              </a:rPr>
-              <a:t>个</a:t>
-            </a:r>
-            <a:r>
-              <a:rPr lang="en-US" altLang="zh-CN" dirty="0">
-                <a:solidFill>
-                  <a:srgbClr val="24292E"/>
-                </a:solidFill>
-                <a:latin typeface="-apple-system"/>
-              </a:rPr>
-              <a:t>5</a:t>
-            </a:r>
-            <a:r>
-              <a:rPr lang="zh-CN" altLang="en-US" dirty="0">
-                <a:solidFill>
-                  <a:srgbClr val="24292E"/>
-                </a:solidFill>
-                <a:latin typeface="-apple-system"/>
-              </a:rPr>
-              <a:t>至</a:t>
-            </a:r>
-            <a:r>
-              <a:rPr lang="en-US" altLang="zh-CN" dirty="0">
-                <a:solidFill>
-                  <a:srgbClr val="24292E"/>
-                </a:solidFill>
-                <a:latin typeface="-apple-system"/>
-              </a:rPr>
-              <a:t>6</a:t>
-            </a:r>
-            <a:r>
-              <a:rPr lang="zh-CN" altLang="en-US" dirty="0">
-                <a:solidFill>
-                  <a:srgbClr val="24292E"/>
-                </a:solidFill>
-                <a:latin typeface="-apple-system"/>
-              </a:rPr>
-              <a:t>层</a:t>
-            </a:r>
-            <a:r>
-              <a:rPr lang="en-US" altLang="zh-CN" dirty="0">
-                <a:solidFill>
-                  <a:srgbClr val="24292E"/>
-                </a:solidFill>
-                <a:latin typeface="-apple-system"/>
-              </a:rPr>
-              <a:t>1000</a:t>
-            </a:r>
-            <a:r>
-              <a:rPr lang="zh-CN" altLang="en-US" dirty="0">
-                <a:solidFill>
-                  <a:srgbClr val="24292E"/>
-                </a:solidFill>
-                <a:latin typeface="-apple-system"/>
-              </a:rPr>
-              <a:t>至</a:t>
-            </a:r>
-            <a:r>
-              <a:rPr lang="en-US" altLang="zh-CN" dirty="0">
-                <a:solidFill>
-                  <a:srgbClr val="24292E"/>
-                </a:solidFill>
-                <a:latin typeface="-apple-system"/>
-              </a:rPr>
-              <a:t>1600</a:t>
-            </a:r>
-            <a:r>
-              <a:rPr lang="zh-CN" altLang="en-US" dirty="0">
-                <a:solidFill>
-                  <a:srgbClr val="24292E"/>
-                </a:solidFill>
-                <a:latin typeface="-apple-system"/>
-              </a:rPr>
-              <a:t>棵树的</a:t>
-            </a:r>
-            <a:r>
-              <a:rPr lang="en-US" altLang="zh-CN" dirty="0" err="1">
-                <a:solidFill>
-                  <a:srgbClr val="24292E"/>
-                </a:solidFill>
-                <a:latin typeface="-apple-system"/>
-              </a:rPr>
-              <a:t>xgboost</a:t>
-            </a:r>
-            <a:r>
-              <a:rPr lang="zh-CN" altLang="en-US" dirty="0" smtClean="0">
-                <a:solidFill>
-                  <a:srgbClr val="24292E"/>
-                </a:solidFill>
-                <a:latin typeface="-apple-system"/>
-              </a:rPr>
-              <a:t>模型）。</a:t>
-            </a:r>
-            <a:endParaRPr lang="zh-CN" altLang="en-US" dirty="0"/>
-          </a:p>
-        </p:txBody>
-      </p:sp>
     </p:spTree>
     <p:extLst>
       <p:ext uri="{BB962C8B-B14F-4D97-AF65-F5344CB8AC3E}">
@@ -33360,7 +34287,7 @@
           </p:nvPr>
         </p:nvPicPr>
         <p:blipFill>
-          <a:blip r:embed="rId2" cstate="print"/>
+          <a:blip r:embed="rId3" cstate="print"/>
           <a:stretch>
             <a:fillRect/>
           </a:stretch>
@@ -33377,7 +34304,7 @@
           <p:cNvPr id="3" name="文本框 2">
             <a:extLst>
               <a:ext uri="{FF2B5EF4-FFF2-40B4-BE49-F238E27FC236}">
-                <a16:creationId xmlns:a16="http://schemas.microsoft.com/office/drawing/2014/main" id="{55BDC6D0-8EF4-4A90-AC24-A5BC14AC2AB6}"/>
+                <a16:creationId xmlns:a16="http://schemas.microsoft.com/office/drawing/2014/main" xmlns="" id="{55BDC6D0-8EF4-4A90-AC24-A5BC14AC2AB6}"/>
               </a:ext>
             </a:extLst>
           </p:cNvPr>
@@ -33420,7 +34347,7 @@
           <p:cNvPr id="5" name="矩形 4">
             <a:extLst>
               <a:ext uri="{FF2B5EF4-FFF2-40B4-BE49-F238E27FC236}">
-                <a16:creationId xmlns:a16="http://schemas.microsoft.com/office/drawing/2014/main" id="{04666741-CEEF-4295-901A-EF7D30D925E8}"/>
+                <a16:creationId xmlns:a16="http://schemas.microsoft.com/office/drawing/2014/main" xmlns="" id="{04666741-CEEF-4295-901A-EF7D30D925E8}"/>
               </a:ext>
             </a:extLst>
           </p:cNvPr>
@@ -33430,7 +34357,7 @@
         <p:spPr>
           <a:xfrm>
             <a:off x="211012" y="1522802"/>
-            <a:ext cx="3469228" cy="3416320"/>
+            <a:ext cx="3469228" cy="923330"/>
           </a:xfrm>
           <a:prstGeom prst="rect">
             <a:avLst/>
@@ -33468,138 +34395,7 @@
                 </a:solidFill>
                 <a:latin typeface="-apple-system"/>
               </a:rPr>
-              <a:t>设计了一个线性回归的模型，求取各个模型权重。</a:t>
-            </a:r>
-            <a:endParaRPr lang="en-US" altLang="zh-CN" dirty="0">
-              <a:solidFill>
-                <a:srgbClr val="24292E"/>
-              </a:solidFill>
-              <a:latin typeface="-apple-system"/>
-            </a:endParaRPr>
-          </a:p>
-          <a:p>
-            <a:endParaRPr lang="en-US" altLang="zh-CN" dirty="0">
-              <a:solidFill>
-                <a:srgbClr val="24292E"/>
-              </a:solidFill>
-              <a:latin typeface="-apple-system"/>
-            </a:endParaRPr>
-          </a:p>
-          <a:p>
-            <a:r>
-              <a:rPr lang="zh-CN" altLang="en-US" dirty="0" smtClean="0">
-                <a:solidFill>
-                  <a:srgbClr val="24292E"/>
-                </a:solidFill>
-                <a:latin typeface="-apple-system"/>
-              </a:rPr>
-              <a:t>考虑</a:t>
-            </a:r>
-            <a:r>
-              <a:rPr lang="zh-CN" altLang="en-US" dirty="0">
-                <a:solidFill>
-                  <a:srgbClr val="24292E"/>
-                </a:solidFill>
-                <a:latin typeface="-apple-system"/>
-              </a:rPr>
-              <a:t>到商家可能适合不同的模型，我们对每个店单独求取权重。 </a:t>
-            </a:r>
-            <a:endParaRPr lang="en-US" altLang="zh-CN" dirty="0">
-              <a:solidFill>
-                <a:srgbClr val="24292E"/>
-              </a:solidFill>
-              <a:latin typeface="-apple-system"/>
-            </a:endParaRPr>
-          </a:p>
-          <a:p>
-            <a:endParaRPr lang="en-US" altLang="zh-CN" dirty="0" smtClean="0">
-              <a:solidFill>
-                <a:srgbClr val="24292E"/>
-              </a:solidFill>
-              <a:latin typeface="-apple-system"/>
-            </a:endParaRPr>
-          </a:p>
-          <a:p>
-            <a:r>
-              <a:rPr lang="zh-CN" altLang="en-US" dirty="0" smtClean="0">
-                <a:solidFill>
-                  <a:srgbClr val="24292E"/>
-                </a:solidFill>
-                <a:latin typeface="-apple-system"/>
-              </a:rPr>
-              <a:t>从</a:t>
-            </a:r>
-            <a:r>
-              <a:rPr lang="en-US" altLang="zh-CN" dirty="0">
-                <a:solidFill>
-                  <a:srgbClr val="24292E"/>
-                </a:solidFill>
-                <a:latin typeface="-apple-system"/>
-              </a:rPr>
-              <a:t>2015</a:t>
-            </a:r>
-            <a:r>
-              <a:rPr lang="zh-CN" altLang="en-US" dirty="0">
-                <a:solidFill>
-                  <a:srgbClr val="24292E"/>
-                </a:solidFill>
-                <a:latin typeface="-apple-system"/>
-              </a:rPr>
-              <a:t>年至</a:t>
-            </a:r>
-            <a:r>
-              <a:rPr lang="en-US" altLang="zh-CN" dirty="0">
-                <a:solidFill>
-                  <a:srgbClr val="24292E"/>
-                </a:solidFill>
-                <a:latin typeface="-apple-system"/>
-              </a:rPr>
-              <a:t>2016</a:t>
-            </a:r>
-            <a:r>
-              <a:rPr lang="zh-CN" altLang="en-US" dirty="0">
-                <a:solidFill>
-                  <a:srgbClr val="24292E"/>
-                </a:solidFill>
-                <a:latin typeface="-apple-system"/>
-              </a:rPr>
-              <a:t>年</a:t>
-            </a:r>
-            <a:r>
-              <a:rPr lang="en-US" altLang="zh-CN" dirty="0">
-                <a:solidFill>
-                  <a:srgbClr val="24292E"/>
-                </a:solidFill>
-                <a:latin typeface="-apple-system"/>
-              </a:rPr>
-              <a:t>9</a:t>
-            </a:r>
-            <a:r>
-              <a:rPr lang="zh-CN" altLang="en-US" dirty="0">
-                <a:solidFill>
-                  <a:srgbClr val="24292E"/>
-                </a:solidFill>
-                <a:latin typeface="-apple-system"/>
-              </a:rPr>
-              <a:t>月共计有</a:t>
-            </a:r>
-            <a:r>
-              <a:rPr lang="en-US" altLang="zh-CN" dirty="0">
-                <a:solidFill>
-                  <a:srgbClr val="24292E"/>
-                </a:solidFill>
-                <a:latin typeface="-apple-system"/>
-              </a:rPr>
-              <a:t>500+</a:t>
-            </a:r>
-            <a:r>
-              <a:rPr lang="zh-CN" altLang="en-US" dirty="0">
-                <a:solidFill>
-                  <a:srgbClr val="24292E"/>
-                </a:solidFill>
-                <a:latin typeface="-apple-system"/>
-              </a:rPr>
-              <a:t>的</a:t>
+              <a:t>设计了一个线性回归的模型，求取各个模型权重</a:t>
             </a:r>
             <a:r>
               <a:rPr lang="zh-CN" altLang="en-US" dirty="0" smtClean="0">
@@ -33608,126 +34404,7 @@
                 </a:solidFill>
                 <a:latin typeface="-apple-system"/>
               </a:rPr>
-              <a:t>样本</a:t>
-            </a:r>
-            <a:r>
-              <a:rPr lang="en-US" altLang="zh-CN" dirty="0" smtClean="0">
-                <a:solidFill>
-                  <a:srgbClr val="24292E"/>
-                </a:solidFill>
-                <a:latin typeface="-apple-system"/>
-              </a:rPr>
-              <a:t>,</a:t>
-            </a:r>
-            <a:r>
-              <a:rPr lang="zh-CN" altLang="en-US" dirty="0" smtClean="0">
-                <a:solidFill>
-                  <a:srgbClr val="24292E"/>
-                </a:solidFill>
-                <a:latin typeface="-apple-system"/>
-              </a:rPr>
-              <a:t>应该</a:t>
-            </a:r>
-            <a:r>
-              <a:rPr lang="zh-CN" altLang="en-US" dirty="0">
-                <a:solidFill>
-                  <a:srgbClr val="24292E"/>
-                </a:solidFill>
-                <a:latin typeface="-apple-system"/>
-              </a:rPr>
-              <a:t>足够线性回归训练</a:t>
-            </a:r>
-            <a:r>
-              <a:rPr lang="zh-CN" altLang="en-US" dirty="0" smtClean="0">
-                <a:solidFill>
-                  <a:srgbClr val="24292E"/>
-                </a:solidFill>
-                <a:latin typeface="-apple-system"/>
-              </a:rPr>
-              <a:t>了</a:t>
-            </a:r>
-            <a:r>
-              <a:rPr lang="en-US" altLang="zh-CN" dirty="0">
-                <a:solidFill>
-                  <a:srgbClr val="24292E"/>
-                </a:solidFill>
-                <a:latin typeface="-apple-system"/>
-              </a:rPr>
-              <a:t>,</a:t>
-            </a:r>
-            <a:r>
-              <a:rPr lang="zh-CN" altLang="en-US" dirty="0" smtClean="0">
-                <a:solidFill>
-                  <a:srgbClr val="24292E"/>
-                </a:solidFill>
-                <a:latin typeface="-apple-system"/>
-              </a:rPr>
-              <a:t>另外</a:t>
-            </a:r>
-            <a:r>
-              <a:rPr lang="zh-CN" altLang="en-US" dirty="0">
-                <a:solidFill>
-                  <a:srgbClr val="24292E"/>
-                </a:solidFill>
-                <a:latin typeface="-apple-system"/>
-              </a:rPr>
-              <a:t>使用</a:t>
-            </a:r>
-            <a:r>
-              <a:rPr lang="en-US" altLang="zh-CN" dirty="0" err="1">
-                <a:solidFill>
-                  <a:srgbClr val="24292E"/>
-                </a:solidFill>
-                <a:latin typeface="Times New Roman" panose="02020603050405020304" pitchFamily="18" charset="0"/>
-                <a:cs typeface="Times New Roman" panose="02020603050405020304" pitchFamily="18" charset="0"/>
-              </a:rPr>
-              <a:t>tensorflow</a:t>
-            </a:r>
-            <a:r>
-              <a:rPr lang="zh-CN" altLang="en-US" dirty="0">
-                <a:solidFill>
-                  <a:srgbClr val="24292E"/>
-                </a:solidFill>
-                <a:latin typeface="-apple-system"/>
-              </a:rPr>
-              <a:t>的线性回归模型能控制结果缩放比例</a:t>
-            </a:r>
-            <a:r>
-              <a:rPr lang="en-US" altLang="zh-CN" dirty="0">
-                <a:solidFill>
-                  <a:srgbClr val="24292E"/>
-                </a:solidFill>
-                <a:latin typeface="-apple-system"/>
-              </a:rPr>
-              <a:t>(</a:t>
-            </a:r>
-            <a:r>
-              <a:rPr lang="en-US" altLang="zh-CN" dirty="0">
-                <a:solidFill>
-                  <a:srgbClr val="24292E"/>
-                </a:solidFill>
-                <a:latin typeface="Times New Roman" panose="02020603050405020304" pitchFamily="18" charset="0"/>
-                <a:cs typeface="Times New Roman" panose="02020603050405020304" pitchFamily="18" charset="0"/>
-              </a:rPr>
-              <a:t>zoom</a:t>
-            </a:r>
-            <a:r>
-              <a:rPr lang="en-US" altLang="zh-CN" dirty="0">
-                <a:solidFill>
-                  <a:srgbClr val="24292E"/>
-                </a:solidFill>
-                <a:latin typeface="-apple-system"/>
-              </a:rPr>
-              <a:t>)</a:t>
-            </a:r>
-            <a:r>
-              <a:rPr lang="zh-CN" altLang="en-US" dirty="0">
-                <a:solidFill>
-                  <a:srgbClr val="24292E"/>
-                </a:solidFill>
-                <a:latin typeface="-apple-system"/>
-              </a:rPr>
-              <a:t>，使得结果可控。</a:t>
+              <a:t>。</a:t>
             </a:r>
             <a:endParaRPr lang="zh-CN" altLang="en-US" dirty="0"/>
           </a:p>
@@ -33738,7 +34415,7 @@
           <p:cNvPr id="10" name="图片 9">
             <a:extLst>
               <a:ext uri="{FF2B5EF4-FFF2-40B4-BE49-F238E27FC236}">
-                <a16:creationId xmlns:a16="http://schemas.microsoft.com/office/drawing/2014/main" id="{ECC0012C-D0C2-4A77-A5EC-92A2DA299249}"/>
+                <a16:creationId xmlns:a16="http://schemas.microsoft.com/office/drawing/2014/main" xmlns="" id="{ECC0012C-D0C2-4A77-A5EC-92A2DA299249}"/>
               </a:ext>
             </a:extLst>
           </p:cNvPr>
@@ -33748,7 +34425,7 @@
           <p:nvPr/>
         </p:nvPicPr>
         <p:blipFill>
-          <a:blip r:embed="rId3"/>
+          <a:blip r:embed="rId4"/>
           <a:stretch>
             <a:fillRect/>
           </a:stretch>
@@ -33847,7 +34524,7 @@
           <p:cNvPr id="3" name="文本框 2">
             <a:extLst>
               <a:ext uri="{FF2B5EF4-FFF2-40B4-BE49-F238E27FC236}">
-                <a16:creationId xmlns:a16="http://schemas.microsoft.com/office/drawing/2014/main" id="{55BDC6D0-8EF4-4A90-AC24-A5BC14AC2AB6}"/>
+                <a16:creationId xmlns:a16="http://schemas.microsoft.com/office/drawing/2014/main" xmlns="" id="{55BDC6D0-8EF4-4A90-AC24-A5BC14AC2AB6}"/>
               </a:ext>
             </a:extLst>
           </p:cNvPr>
@@ -33890,7 +34567,7 @@
           <p:cNvPr id="6" name="图示 5">
             <a:extLst>
               <a:ext uri="{FF2B5EF4-FFF2-40B4-BE49-F238E27FC236}">
-                <a16:creationId xmlns:a16="http://schemas.microsoft.com/office/drawing/2014/main" id="{800CEE5D-CE31-4D03-9E9D-B7C897B10365}"/>
+                <a16:creationId xmlns:a16="http://schemas.microsoft.com/office/drawing/2014/main" xmlns="" id="{800CEE5D-CE31-4D03-9E9D-B7C897B10365}"/>
               </a:ext>
             </a:extLst>
           </p:cNvPr>
@@ -34070,7 +34747,7 @@
           <p:cNvPr id="3" name="文本框 2">
             <a:extLst>
               <a:ext uri="{FF2B5EF4-FFF2-40B4-BE49-F238E27FC236}">
-                <a16:creationId xmlns:a16="http://schemas.microsoft.com/office/drawing/2014/main" id="{55BDC6D0-8EF4-4A90-AC24-A5BC14AC2AB6}"/>
+                <a16:creationId xmlns:a16="http://schemas.microsoft.com/office/drawing/2014/main" xmlns="" id="{55BDC6D0-8EF4-4A90-AC24-A5BC14AC2AB6}"/>
               </a:ext>
             </a:extLst>
           </p:cNvPr>
@@ -34113,7 +34790,7 @@
           <p:cNvPr id="5" name="矩形 4">
             <a:extLst>
               <a:ext uri="{FF2B5EF4-FFF2-40B4-BE49-F238E27FC236}">
-                <a16:creationId xmlns:a16="http://schemas.microsoft.com/office/drawing/2014/main" id="{10B7BEC5-E26D-486D-9483-29363E7DA07D}"/>
+                <a16:creationId xmlns:a16="http://schemas.microsoft.com/office/drawing/2014/main" xmlns="" id="{10B7BEC5-E26D-486D-9483-29363E7DA07D}"/>
               </a:ext>
             </a:extLst>
           </p:cNvPr>
@@ -34142,37 +34819,7 @@
                 </a:solidFill>
                 <a:latin typeface="-apple-system"/>
               </a:rPr>
-              <a:t>线上的模型仅仅去掉了</a:t>
-            </a:r>
-            <a:r>
-              <a:rPr lang="zh-CN" altLang="en-US" dirty="0">
-                <a:solidFill>
-                  <a:srgbClr val="0366D6"/>
-                </a:solidFill>
-                <a:latin typeface="-apple-system"/>
-                <a:hlinkClick r:id="rId3"/>
-              </a:rPr>
-              <a:t>最近一周总电量小于</a:t>
-            </a:r>
-            <a:r>
-              <a:rPr lang="en-US" altLang="zh-CN" dirty="0">
-                <a:solidFill>
-                  <a:srgbClr val="0366D6"/>
-                </a:solidFill>
-                <a:latin typeface="-apple-system"/>
-                <a:hlinkClick r:id="rId3"/>
-              </a:rPr>
-              <a:t>100</a:t>
-            </a:r>
-            <a:r>
-              <a:rPr lang="zh-CN" altLang="en-US" dirty="0">
-                <a:solidFill>
-                  <a:srgbClr val="0366D6"/>
-                </a:solidFill>
-                <a:latin typeface="-apple-system"/>
-                <a:hlinkClick r:id="rId3"/>
-              </a:rPr>
-              <a:t>的店家</a:t>
+              <a:t>线上的模型仅仅去掉</a:t>
             </a:r>
             <a:r>
               <a:rPr lang="zh-CN" altLang="en-US" dirty="0">
@@ -34181,7 +34828,25 @@
                 </a:solidFill>
                 <a:latin typeface="-apple-system"/>
               </a:rPr>
-              <a:t>。</a:t>
+              <a:t>了最近一周总电量小于</a:t>
+            </a:r>
+            <a:r>
+              <a:rPr lang="en-US" altLang="zh-CN" dirty="0">
+                <a:solidFill>
+                  <a:srgbClr val="24292E"/>
+                </a:solidFill>
+                <a:latin typeface="-apple-system"/>
+              </a:rPr>
+              <a:t>100</a:t>
+            </a:r>
+            <a:r>
+              <a:rPr lang="zh-CN" altLang="en-US" dirty="0">
+                <a:solidFill>
+                  <a:srgbClr val="24292E"/>
+                </a:solidFill>
+                <a:latin typeface="-apple-system"/>
+              </a:rPr>
+              <a:t>的店家。</a:t>
             </a:r>
             <a:endParaRPr lang="en-US" altLang="zh-CN" dirty="0">
               <a:solidFill>
@@ -34197,7 +34862,7 @@
           <p:cNvPr id="6" name="矩形 5">
             <a:extLst>
               <a:ext uri="{FF2B5EF4-FFF2-40B4-BE49-F238E27FC236}">
-                <a16:creationId xmlns:a16="http://schemas.microsoft.com/office/drawing/2014/main" id="{03F323D9-CB6A-4A6F-9E17-ADB9C81AF1B0}"/>
+                <a16:creationId xmlns:a16="http://schemas.microsoft.com/office/drawing/2014/main" xmlns="" id="{03F323D9-CB6A-4A6F-9E17-ADB9C81AF1B0}"/>
               </a:ext>
             </a:extLst>
           </p:cNvPr>
@@ -34333,7 +34998,7 @@
         </p:xfrm>
         <a:graphic>
           <a:graphicData uri="http://schemas.openxmlformats.org/drawingml/2006/chart">
-            <c:chart xmlns:c="http://schemas.openxmlformats.org/drawingml/2006/chart" xmlns:r="http://schemas.openxmlformats.org/officeDocument/2006/relationships" r:id="rId4"/>
+            <c:chart xmlns:c="http://schemas.openxmlformats.org/drawingml/2006/chart" xmlns:r="http://schemas.openxmlformats.org/officeDocument/2006/relationships" r:id="rId3"/>
           </a:graphicData>
         </a:graphic>
       </p:graphicFrame>
@@ -34397,7 +35062,7 @@
           </p:nvPr>
         </p:nvPicPr>
         <p:blipFill>
-          <a:blip r:embed="rId2" cstate="print"/>
+          <a:blip r:embed="rId3" cstate="print"/>
           <a:stretch>
             <a:fillRect/>
           </a:stretch>
@@ -34414,7 +35079,7 @@
           <p:cNvPr id="3" name="文本框 2">
             <a:extLst>
               <a:ext uri="{FF2B5EF4-FFF2-40B4-BE49-F238E27FC236}">
-                <a16:creationId xmlns:a16="http://schemas.microsoft.com/office/drawing/2014/main" id="{55BDC6D0-8EF4-4A90-AC24-A5BC14AC2AB6}"/>
+                <a16:creationId xmlns:a16="http://schemas.microsoft.com/office/drawing/2014/main" xmlns="" id="{55BDC6D0-8EF4-4A90-AC24-A5BC14AC2AB6}"/>
               </a:ext>
             </a:extLst>
           </p:cNvPr>
@@ -34452,202 +35117,12 @@
           </a:p>
         </p:txBody>
       </p:sp>
-      <p:sp>
-        <p:nvSpPr>
-          <p:cNvPr id="7" name="矩形 6">
-            <a:extLst>
-              <a:ext uri="{FF2B5EF4-FFF2-40B4-BE49-F238E27FC236}">
-                <a16:creationId xmlns:a16="http://schemas.microsoft.com/office/drawing/2014/main" id="{9DB298C2-D684-4DB6-A6BA-D5C722B17CE3}"/>
-              </a:ext>
-            </a:extLst>
-          </p:cNvPr>
-          <p:cNvSpPr/>
-          <p:nvPr/>
-        </p:nvSpPr>
-        <p:spPr>
-          <a:xfrm>
-            <a:off x="516021" y="2520018"/>
-            <a:ext cx="3954379" cy="2031325"/>
-          </a:xfrm>
-          <a:prstGeom prst="rect">
-            <a:avLst/>
-          </a:prstGeom>
-        </p:spPr>
-        <p:txBody>
-          <a:bodyPr wrap="square">
-            <a:spAutoFit/>
-          </a:bodyPr>
-          <a:lstStyle/>
-          <a:p>
-            <a:r>
-              <a:rPr lang="zh-CN" altLang="en-US" dirty="0">
-                <a:solidFill>
-                  <a:srgbClr val="24292E"/>
-                </a:solidFill>
-                <a:latin typeface="-apple-system"/>
-              </a:rPr>
-              <a:t>特征</a:t>
-            </a:r>
-            <a:r>
-              <a:rPr lang="zh-CN" altLang="en-US" dirty="0" smtClean="0">
-                <a:solidFill>
-                  <a:srgbClr val="24292E"/>
-                </a:solidFill>
-                <a:latin typeface="-apple-system"/>
-              </a:rPr>
-              <a:t>是根据现在的</a:t>
-            </a:r>
-            <a:r>
-              <a:rPr lang="en-US" altLang="zh-CN" dirty="0" smtClean="0">
-                <a:solidFill>
-                  <a:srgbClr val="24292E"/>
-                </a:solidFill>
-                <a:latin typeface="Times New Roman" panose="02020603050405020304" pitchFamily="18" charset="0"/>
-                <a:cs typeface="Times New Roman" panose="02020603050405020304" pitchFamily="18" charset="0"/>
-              </a:rPr>
-              <a:t>tiny</a:t>
-            </a:r>
-            <a:r>
-              <a:rPr lang="zh-CN" altLang="en-US" dirty="0" smtClean="0">
-                <a:solidFill>
-                  <a:srgbClr val="24292E"/>
-                </a:solidFill>
-                <a:latin typeface="-apple-system"/>
-              </a:rPr>
-              <a:t>版本在线上进行</a:t>
-            </a:r>
-            <a:r>
-              <a:rPr lang="zh-CN" altLang="en-US" dirty="0" smtClean="0">
-                <a:solidFill>
-                  <a:srgbClr val="24292E"/>
-                </a:solidFill>
-                <a:latin typeface="-apple-system"/>
-              </a:rPr>
-              <a:t>修改实现</a:t>
-            </a:r>
-            <a:r>
-              <a:rPr lang="zh-CN" altLang="en-US" dirty="0" smtClean="0">
-                <a:solidFill>
-                  <a:srgbClr val="24292E"/>
-                </a:solidFill>
-                <a:latin typeface="-apple-system"/>
-              </a:rPr>
-              <a:t>，特征选择的过程利用了线上</a:t>
-            </a:r>
-            <a:r>
-              <a:rPr lang="en-US" altLang="zh-CN" dirty="0">
-                <a:solidFill>
-                  <a:srgbClr val="24292E"/>
-                </a:solidFill>
-                <a:latin typeface="Times New Roman" panose="02020603050405020304" pitchFamily="18" charset="0"/>
-                <a:cs typeface="Times New Roman" panose="02020603050405020304" pitchFamily="18" charset="0"/>
-              </a:rPr>
-              <a:t>GBDT</a:t>
-            </a:r>
-            <a:r>
-              <a:rPr lang="zh-CN" altLang="en-US" dirty="0" smtClean="0">
-                <a:solidFill>
-                  <a:srgbClr val="24292E"/>
-                </a:solidFill>
-                <a:latin typeface="-apple-system"/>
-              </a:rPr>
-              <a:t>的特征重要性指标，</a:t>
-            </a:r>
-            <a:r>
-              <a:rPr lang="zh-CN" altLang="en-US" dirty="0">
-                <a:solidFill>
-                  <a:srgbClr val="24292E"/>
-                </a:solidFill>
-                <a:latin typeface="-apple-system"/>
-              </a:rPr>
-              <a:t>去掉了</a:t>
-            </a:r>
-            <a:r>
-              <a:rPr lang="en-US" altLang="zh-CN" dirty="0" err="1">
-                <a:solidFill>
-                  <a:srgbClr val="24292E"/>
-                </a:solidFill>
-                <a:latin typeface="Times New Roman" panose="02020603050405020304" pitchFamily="18" charset="0"/>
-                <a:cs typeface="Times New Roman" panose="02020603050405020304" pitchFamily="18" charset="0"/>
-              </a:rPr>
-              <a:t>facebook</a:t>
-            </a:r>
-            <a:r>
-              <a:rPr lang="en-US" altLang="zh-CN" dirty="0">
-                <a:solidFill>
-                  <a:srgbClr val="24292E"/>
-                </a:solidFill>
-                <a:latin typeface="-apple-system"/>
-              </a:rPr>
-              <a:t> </a:t>
-            </a:r>
-            <a:r>
-              <a:rPr lang="en-US" altLang="zh-CN" dirty="0">
-                <a:solidFill>
-                  <a:srgbClr val="24292E"/>
-                </a:solidFill>
-                <a:latin typeface="Times New Roman" panose="02020603050405020304" pitchFamily="18" charset="0"/>
-                <a:cs typeface="Times New Roman" panose="02020603050405020304" pitchFamily="18" charset="0"/>
-              </a:rPr>
-              <a:t>prophet</a:t>
-            </a:r>
-            <a:r>
-              <a:rPr lang="zh-CN" altLang="en-US" dirty="0">
-                <a:solidFill>
-                  <a:srgbClr val="24292E"/>
-                </a:solidFill>
-                <a:latin typeface="-apple-system"/>
-              </a:rPr>
-              <a:t>特征，加入了星期几以及月份数特征。这些特征做了</a:t>
-            </a:r>
-            <a:r>
-              <a:rPr lang="en-US" altLang="zh-CN" dirty="0">
-                <a:solidFill>
-                  <a:srgbClr val="24292E"/>
-                </a:solidFill>
-                <a:latin typeface="Times New Roman" panose="02020603050405020304" pitchFamily="18" charset="0"/>
-                <a:cs typeface="Times New Roman" panose="02020603050405020304" pitchFamily="18" charset="0"/>
-              </a:rPr>
-              <a:t>one-hot</a:t>
-            </a:r>
-            <a:r>
-              <a:rPr lang="zh-CN" altLang="en-US" dirty="0">
-                <a:solidFill>
-                  <a:srgbClr val="24292E"/>
-                </a:solidFill>
-                <a:latin typeface="-apple-system"/>
-              </a:rPr>
-              <a:t>编码但并没有使用，因为考虑到做</a:t>
-            </a:r>
-            <a:r>
-              <a:rPr lang="en-US" altLang="zh-CN" dirty="0">
-                <a:solidFill>
-                  <a:srgbClr val="24292E"/>
-                </a:solidFill>
-                <a:latin typeface="Times New Roman" panose="02020603050405020304" pitchFamily="18" charset="0"/>
-                <a:cs typeface="Times New Roman" panose="02020603050405020304" pitchFamily="18" charset="0"/>
-              </a:rPr>
-              <a:t>one-hot</a:t>
-            </a:r>
-            <a:r>
-              <a:rPr lang="zh-CN" altLang="en-US" dirty="0">
-                <a:solidFill>
-                  <a:srgbClr val="24292E"/>
-                </a:solidFill>
-                <a:latin typeface="-apple-system"/>
-              </a:rPr>
-              <a:t>编码过于稀疏。</a:t>
-            </a:r>
-            <a:endParaRPr lang="zh-CN" altLang="en-US" dirty="0"/>
-          </a:p>
-        </p:txBody>
-      </p:sp>
       <p:graphicFrame>
         <p:nvGraphicFramePr>
           <p:cNvPr id="8" name="表格 7">
             <a:extLst>
               <a:ext uri="{FF2B5EF4-FFF2-40B4-BE49-F238E27FC236}">
-                <a16:creationId xmlns:a16="http://schemas.microsoft.com/office/drawing/2014/main" id="{2225322D-10ED-44DF-8FDC-7B8D915B5218}"/>
+                <a16:creationId xmlns:a16="http://schemas.microsoft.com/office/drawing/2014/main" xmlns="" id="{2225322D-10ED-44DF-8FDC-7B8D915B5218}"/>
               </a:ext>
             </a:extLst>
           </p:cNvPr>
@@ -34657,13 +35132,13 @@
           <p:nvPr>
             <p:extLst>
               <p:ext uri="{D42A27DB-BD31-4B8C-83A1-F6EECF244321}">
-                <p14:modId xmlns:p14="http://schemas.microsoft.com/office/powerpoint/2010/main" val="3860480304"/>
+                <p14:modId xmlns:p14="http://schemas.microsoft.com/office/powerpoint/2010/main" val="3693190794"/>
               </p:ext>
             </p:extLst>
           </p:nvPr>
         </p:nvGraphicFramePr>
         <p:xfrm>
-          <a:off x="4796706" y="1541457"/>
+          <a:off x="2708598" y="1690688"/>
           <a:ext cx="6976910" cy="4311590"/>
         </p:xfrm>
         <a:graphic>
@@ -34674,14 +35149,14 @@
                 <a:gridCol w="3488455">
                   <a:extLst>
                     <a:ext uri="{9D8B030D-6E8A-4147-A177-3AD203B41FA5}">
-                      <a16:colId xmlns:a16="http://schemas.microsoft.com/office/drawing/2014/main" val="1327527819"/>
+                      <a16:colId xmlns:a16="http://schemas.microsoft.com/office/drawing/2014/main" xmlns="" val="1327527819"/>
                     </a:ext>
                   </a:extLst>
                 </a:gridCol>
                 <a:gridCol w="3488455">
                   <a:extLst>
                     <a:ext uri="{9D8B030D-6E8A-4147-A177-3AD203B41FA5}">
-                      <a16:colId xmlns:a16="http://schemas.microsoft.com/office/drawing/2014/main" val="2987589797"/>
+                      <a16:colId xmlns:a16="http://schemas.microsoft.com/office/drawing/2014/main" xmlns="" val="2987589797"/>
                     </a:ext>
                   </a:extLst>
                 </a:gridCol>
@@ -34801,7 +35276,7 @@
                 </a:tc>
                 <a:extLst>
                   <a:ext uri="{0D108BD9-81ED-4DB2-BD59-A6C34878D82A}">
-                    <a16:rowId xmlns:a16="http://schemas.microsoft.com/office/drawing/2014/main" val="796569610"/>
+                    <a16:rowId xmlns:a16="http://schemas.microsoft.com/office/drawing/2014/main" xmlns="" val="796569610"/>
                   </a:ext>
                 </a:extLst>
               </a:tr>
@@ -34926,7 +35401,7 @@
                 </a:tc>
                 <a:extLst>
                   <a:ext uri="{0D108BD9-81ED-4DB2-BD59-A6C34878D82A}">
-                    <a16:rowId xmlns:a16="http://schemas.microsoft.com/office/drawing/2014/main" val="2073488758"/>
+                    <a16:rowId xmlns:a16="http://schemas.microsoft.com/office/drawing/2014/main" xmlns="" val="2073488758"/>
                   </a:ext>
                 </a:extLst>
               </a:tr>
@@ -35051,7 +35526,7 @@
                 </a:tc>
                 <a:extLst>
                   <a:ext uri="{0D108BD9-81ED-4DB2-BD59-A6C34878D82A}">
-                    <a16:rowId xmlns:a16="http://schemas.microsoft.com/office/drawing/2014/main" val="22567779"/>
+                    <a16:rowId xmlns:a16="http://schemas.microsoft.com/office/drawing/2014/main" xmlns="" val="22567779"/>
                   </a:ext>
                 </a:extLst>
               </a:tr>
@@ -35176,7 +35651,7 @@
                 </a:tc>
                 <a:extLst>
                   <a:ext uri="{0D108BD9-81ED-4DB2-BD59-A6C34878D82A}">
-                    <a16:rowId xmlns:a16="http://schemas.microsoft.com/office/drawing/2014/main" val="4209613467"/>
+                    <a16:rowId xmlns:a16="http://schemas.microsoft.com/office/drawing/2014/main" xmlns="" val="4209613467"/>
                   </a:ext>
                 </a:extLst>
               </a:tr>
@@ -35319,7 +35794,7 @@
                 </a:tc>
                 <a:extLst>
                   <a:ext uri="{0D108BD9-81ED-4DB2-BD59-A6C34878D82A}">
-                    <a16:rowId xmlns:a16="http://schemas.microsoft.com/office/drawing/2014/main" val="1351666078"/>
+                    <a16:rowId xmlns:a16="http://schemas.microsoft.com/office/drawing/2014/main" xmlns="" val="1351666078"/>
                   </a:ext>
                 </a:extLst>
               </a:tr>
@@ -35462,7 +35937,7 @@
                 </a:tc>
                 <a:extLst>
                   <a:ext uri="{0D108BD9-81ED-4DB2-BD59-A6C34878D82A}">
-                    <a16:rowId xmlns:a16="http://schemas.microsoft.com/office/drawing/2014/main" val="3856784587"/>
+                    <a16:rowId xmlns:a16="http://schemas.microsoft.com/office/drawing/2014/main" xmlns="" val="3856784587"/>
                   </a:ext>
                 </a:extLst>
               </a:tr>
@@ -35605,7 +36080,7 @@
                 </a:tc>
                 <a:extLst>
                   <a:ext uri="{0D108BD9-81ED-4DB2-BD59-A6C34878D82A}">
-                    <a16:rowId xmlns:a16="http://schemas.microsoft.com/office/drawing/2014/main" val="2103465206"/>
+                    <a16:rowId xmlns:a16="http://schemas.microsoft.com/office/drawing/2014/main" xmlns="" val="2103465206"/>
                   </a:ext>
                 </a:extLst>
               </a:tr>
@@ -35748,7 +36223,7 @@
                 </a:tc>
                 <a:extLst>
                   <a:ext uri="{0D108BD9-81ED-4DB2-BD59-A6C34878D82A}">
-                    <a16:rowId xmlns:a16="http://schemas.microsoft.com/office/drawing/2014/main" val="1027198233"/>
+                    <a16:rowId xmlns:a16="http://schemas.microsoft.com/office/drawing/2014/main" xmlns="" val="1027198233"/>
                   </a:ext>
                 </a:extLst>
               </a:tr>
@@ -35891,7 +36366,7 @@
                 </a:tc>
                 <a:extLst>
                   <a:ext uri="{0D108BD9-81ED-4DB2-BD59-A6C34878D82A}">
-                    <a16:rowId xmlns:a16="http://schemas.microsoft.com/office/drawing/2014/main" val="368696282"/>
+                    <a16:rowId xmlns:a16="http://schemas.microsoft.com/office/drawing/2014/main" xmlns="" val="368696282"/>
                   </a:ext>
                 </a:extLst>
               </a:tr>
@@ -36010,7 +36485,7 @@
                 </a:tc>
                 <a:extLst>
                   <a:ext uri="{0D108BD9-81ED-4DB2-BD59-A6C34878D82A}">
-                    <a16:rowId xmlns:a16="http://schemas.microsoft.com/office/drawing/2014/main" val="1353759519"/>
+                    <a16:rowId xmlns:a16="http://schemas.microsoft.com/office/drawing/2014/main" xmlns="" val="1353759519"/>
                   </a:ext>
                 </a:extLst>
               </a:tr>
@@ -36129,7 +36604,7 @@
                 </a:tc>
                 <a:extLst>
                   <a:ext uri="{0D108BD9-81ED-4DB2-BD59-A6C34878D82A}">
-                    <a16:rowId xmlns:a16="http://schemas.microsoft.com/office/drawing/2014/main" val="1758751633"/>
+                    <a16:rowId xmlns:a16="http://schemas.microsoft.com/office/drawing/2014/main" xmlns="" val="1758751633"/>
                   </a:ext>
                 </a:extLst>
               </a:tr>
@@ -36214,7 +36689,7 @@
           <p:cNvPr id="3" name="文本框 2">
             <a:extLst>
               <a:ext uri="{FF2B5EF4-FFF2-40B4-BE49-F238E27FC236}">
-                <a16:creationId xmlns:a16="http://schemas.microsoft.com/office/drawing/2014/main" id="{55BDC6D0-8EF4-4A90-AC24-A5BC14AC2AB6}"/>
+                <a16:creationId xmlns:a16="http://schemas.microsoft.com/office/drawing/2014/main" xmlns="" id="{55BDC6D0-8EF4-4A90-AC24-A5BC14AC2AB6}"/>
               </a:ext>
             </a:extLst>
           </p:cNvPr>
@@ -36257,7 +36732,7 @@
           <p:cNvPr id="6" name="图片 5">
             <a:extLst>
               <a:ext uri="{FF2B5EF4-FFF2-40B4-BE49-F238E27FC236}">
-                <a16:creationId xmlns:a16="http://schemas.microsoft.com/office/drawing/2014/main" id="{5B6D43E8-F3B6-4E34-8566-5DD109C5949F}"/>
+                <a16:creationId xmlns:a16="http://schemas.microsoft.com/office/drawing/2014/main" xmlns="" id="{5B6D43E8-F3B6-4E34-8566-5DD109C5949F}"/>
               </a:ext>
             </a:extLst>
           </p:cNvPr>
@@ -36293,7 +36768,7 @@
           <p:cNvPr id="9" name="矩形 8">
             <a:extLst>
               <a:ext uri="{FF2B5EF4-FFF2-40B4-BE49-F238E27FC236}">
-                <a16:creationId xmlns:a16="http://schemas.microsoft.com/office/drawing/2014/main" id="{EEB5A8E5-E54C-48E5-A3A8-20ADF6A275B3}"/>
+                <a16:creationId xmlns:a16="http://schemas.microsoft.com/office/drawing/2014/main" xmlns="" id="{EEB5A8E5-E54C-48E5-A3A8-20ADF6A275B3}"/>
               </a:ext>
             </a:extLst>
           </p:cNvPr>
@@ -36477,7 +36952,7 @@
           <p:cNvPr id="3" name="文本框 2">
             <a:extLst>
               <a:ext uri="{FF2B5EF4-FFF2-40B4-BE49-F238E27FC236}">
-                <a16:creationId xmlns:a16="http://schemas.microsoft.com/office/drawing/2014/main" id="{55BDC6D0-8EF4-4A90-AC24-A5BC14AC2AB6}"/>
+                <a16:creationId xmlns:a16="http://schemas.microsoft.com/office/drawing/2014/main" xmlns="" id="{55BDC6D0-8EF4-4A90-AC24-A5BC14AC2AB6}"/>
               </a:ext>
             </a:extLst>
           </p:cNvPr>
@@ -36520,7 +36995,7 @@
           <p:cNvPr id="11" name="图片 10">
             <a:extLst>
               <a:ext uri="{FF2B5EF4-FFF2-40B4-BE49-F238E27FC236}">
-                <a16:creationId xmlns:a16="http://schemas.microsoft.com/office/drawing/2014/main" id="{F874BE98-AF9A-4E37-AAD9-11C03D75875E}"/>
+                <a16:creationId xmlns:a16="http://schemas.microsoft.com/office/drawing/2014/main" xmlns="" id="{F874BE98-AF9A-4E37-AAD9-11C03D75875E}"/>
               </a:ext>
             </a:extLst>
           </p:cNvPr>
@@ -36556,7 +37031,7 @@
           <p:cNvPr id="12" name="矩形 11">
             <a:extLst>
               <a:ext uri="{FF2B5EF4-FFF2-40B4-BE49-F238E27FC236}">
-                <a16:creationId xmlns:a16="http://schemas.microsoft.com/office/drawing/2014/main" id="{BECE3EBF-E08F-46C2-BD58-DD1A906BDA0F}"/>
+                <a16:creationId xmlns:a16="http://schemas.microsoft.com/office/drawing/2014/main" xmlns="" id="{BECE3EBF-E08F-46C2-BD58-DD1A906BDA0F}"/>
               </a:ext>
             </a:extLst>
           </p:cNvPr>
@@ -36973,7 +37448,7 @@
           <p:cNvPr id="3" name="文本框 2">
             <a:extLst>
               <a:ext uri="{FF2B5EF4-FFF2-40B4-BE49-F238E27FC236}">
-                <a16:creationId xmlns:a16="http://schemas.microsoft.com/office/drawing/2014/main" id="{55BDC6D0-8EF4-4A90-AC24-A5BC14AC2AB6}"/>
+                <a16:creationId xmlns:a16="http://schemas.microsoft.com/office/drawing/2014/main" xmlns="" id="{55BDC6D0-8EF4-4A90-AC24-A5BC14AC2AB6}"/>
               </a:ext>
             </a:extLst>
           </p:cNvPr>
@@ -37016,7 +37491,7 @@
           <p:cNvPr id="12" name="矩形 11">
             <a:extLst>
               <a:ext uri="{FF2B5EF4-FFF2-40B4-BE49-F238E27FC236}">
-                <a16:creationId xmlns:a16="http://schemas.microsoft.com/office/drawing/2014/main" id="{BECE3EBF-E08F-46C2-BD58-DD1A906BDA0F}"/>
+                <a16:creationId xmlns:a16="http://schemas.microsoft.com/office/drawing/2014/main" xmlns="" id="{BECE3EBF-E08F-46C2-BD58-DD1A906BDA0F}"/>
               </a:ext>
             </a:extLst>
           </p:cNvPr>
@@ -37106,7 +37581,7 @@
           <p:cNvPr id="5" name="图片 4">
             <a:extLst>
               <a:ext uri="{FF2B5EF4-FFF2-40B4-BE49-F238E27FC236}">
-                <a16:creationId xmlns:a16="http://schemas.microsoft.com/office/drawing/2014/main" id="{4A257935-1621-4474-9A25-1033F6D05F3C}"/>
+                <a16:creationId xmlns:a16="http://schemas.microsoft.com/office/drawing/2014/main" xmlns="" id="{4A257935-1621-4474-9A25-1033F6D05F3C}"/>
               </a:ext>
             </a:extLst>
           </p:cNvPr>
@@ -37232,7 +37707,7 @@
           <p:cNvPr id="3" name="文本框 2">
             <a:extLst>
               <a:ext uri="{FF2B5EF4-FFF2-40B4-BE49-F238E27FC236}">
-                <a16:creationId xmlns:a16="http://schemas.microsoft.com/office/drawing/2014/main" id="{55BDC6D0-8EF4-4A90-AC24-A5BC14AC2AB6}"/>
+                <a16:creationId xmlns:a16="http://schemas.microsoft.com/office/drawing/2014/main" xmlns="" id="{55BDC6D0-8EF4-4A90-AC24-A5BC14AC2AB6}"/>
               </a:ext>
             </a:extLst>
           </p:cNvPr>
@@ -37275,7 +37750,7 @@
           <p:cNvPr id="7" name="矩形 6">
             <a:extLst>
               <a:ext uri="{FF2B5EF4-FFF2-40B4-BE49-F238E27FC236}">
-                <a16:creationId xmlns:a16="http://schemas.microsoft.com/office/drawing/2014/main" id="{FF96A1D5-1D33-420A-8404-7B4E383E9ECD}"/>
+                <a16:creationId xmlns:a16="http://schemas.microsoft.com/office/drawing/2014/main" xmlns="" id="{FF96A1D5-1D33-420A-8404-7B4E383E9ECD}"/>
               </a:ext>
             </a:extLst>
           </p:cNvPr>
@@ -37369,7 +37844,7 @@
           <p:cNvPr id="8" name="图片 7">
             <a:extLst>
               <a:ext uri="{FF2B5EF4-FFF2-40B4-BE49-F238E27FC236}">
-                <a16:creationId xmlns:a16="http://schemas.microsoft.com/office/drawing/2014/main" id="{245D0097-3B65-4316-8501-3236ED3A9E0A}"/>
+                <a16:creationId xmlns:a16="http://schemas.microsoft.com/office/drawing/2014/main" xmlns="" id="{245D0097-3B65-4316-8501-3236ED3A9E0A}"/>
               </a:ext>
             </a:extLst>
           </p:cNvPr>
@@ -37471,7 +37946,7 @@
           <p:cNvPr id="3" name="文本框 2">
             <a:extLst>
               <a:ext uri="{FF2B5EF4-FFF2-40B4-BE49-F238E27FC236}">
-                <a16:creationId xmlns:a16="http://schemas.microsoft.com/office/drawing/2014/main" id="{55BDC6D0-8EF4-4A90-AC24-A5BC14AC2AB6}"/>
+                <a16:creationId xmlns:a16="http://schemas.microsoft.com/office/drawing/2014/main" xmlns="" id="{55BDC6D0-8EF4-4A90-AC24-A5BC14AC2AB6}"/>
               </a:ext>
             </a:extLst>
           </p:cNvPr>
@@ -37514,7 +37989,7 @@
           <p:cNvPr id="5" name="矩形 4">
             <a:extLst>
               <a:ext uri="{FF2B5EF4-FFF2-40B4-BE49-F238E27FC236}">
-                <a16:creationId xmlns:a16="http://schemas.microsoft.com/office/drawing/2014/main" id="{C01E68F2-D56F-498F-B3DF-9C6A8472180F}"/>
+                <a16:creationId xmlns:a16="http://schemas.microsoft.com/office/drawing/2014/main" xmlns="" id="{C01E68F2-D56F-498F-B3DF-9C6A8472180F}"/>
               </a:ext>
             </a:extLst>
           </p:cNvPr>
@@ -37562,7 +38037,7 @@
           <p:cNvPr id="6" name="表格 5">
             <a:extLst>
               <a:ext uri="{FF2B5EF4-FFF2-40B4-BE49-F238E27FC236}">
-                <a16:creationId xmlns:a16="http://schemas.microsoft.com/office/drawing/2014/main" id="{934BC480-D126-42C0-A9F6-6AA80F6D0CD2}"/>
+                <a16:creationId xmlns:a16="http://schemas.microsoft.com/office/drawing/2014/main" xmlns="" id="{934BC480-D126-42C0-A9F6-6AA80F6D0CD2}"/>
               </a:ext>
             </a:extLst>
           </p:cNvPr>
@@ -37589,21 +38064,21 @@
                 <a:gridCol w="2128921">
                   <a:extLst>
                     <a:ext uri="{9D8B030D-6E8A-4147-A177-3AD203B41FA5}">
-                      <a16:colId xmlns:a16="http://schemas.microsoft.com/office/drawing/2014/main" val="1949206159"/>
+                      <a16:colId xmlns:a16="http://schemas.microsoft.com/office/drawing/2014/main" xmlns="" val="1949206159"/>
                     </a:ext>
                   </a:extLst>
                 </a:gridCol>
                 <a:gridCol w="2128921">
                   <a:extLst>
                     <a:ext uri="{9D8B030D-6E8A-4147-A177-3AD203B41FA5}">
-                      <a16:colId xmlns:a16="http://schemas.microsoft.com/office/drawing/2014/main" val="2550136547"/>
+                      <a16:colId xmlns:a16="http://schemas.microsoft.com/office/drawing/2014/main" xmlns="" val="2550136547"/>
                     </a:ext>
                   </a:extLst>
                 </a:gridCol>
                 <a:gridCol w="2128921">
                   <a:extLst>
                     <a:ext uri="{9D8B030D-6E8A-4147-A177-3AD203B41FA5}">
-                      <a16:colId xmlns:a16="http://schemas.microsoft.com/office/drawing/2014/main" val="1378558458"/>
+                      <a16:colId xmlns:a16="http://schemas.microsoft.com/office/drawing/2014/main" xmlns="" val="1378558458"/>
                     </a:ext>
                   </a:extLst>
                 </a:gridCol>
@@ -37788,7 +38263,7 @@
                 </a:tc>
                 <a:extLst>
                   <a:ext uri="{0D108BD9-81ED-4DB2-BD59-A6C34878D82A}">
-                    <a16:rowId xmlns:a16="http://schemas.microsoft.com/office/drawing/2014/main" val="3822745402"/>
+                    <a16:rowId xmlns:a16="http://schemas.microsoft.com/office/drawing/2014/main" xmlns="" val="3822745402"/>
                   </a:ext>
                 </a:extLst>
               </a:tr>
@@ -37963,7 +38438,7 @@
                 </a:tc>
                 <a:extLst>
                   <a:ext uri="{0D108BD9-81ED-4DB2-BD59-A6C34878D82A}">
-                    <a16:rowId xmlns:a16="http://schemas.microsoft.com/office/drawing/2014/main" val="2127360882"/>
+                    <a16:rowId xmlns:a16="http://schemas.microsoft.com/office/drawing/2014/main" xmlns="" val="2127360882"/>
                   </a:ext>
                 </a:extLst>
               </a:tr>
@@ -38138,7 +38613,7 @@
                 </a:tc>
                 <a:extLst>
                   <a:ext uri="{0D108BD9-81ED-4DB2-BD59-A6C34878D82A}">
-                    <a16:rowId xmlns:a16="http://schemas.microsoft.com/office/drawing/2014/main" val="3273091609"/>
+                    <a16:rowId xmlns:a16="http://schemas.microsoft.com/office/drawing/2014/main" xmlns="" val="3273091609"/>
                   </a:ext>
                 </a:extLst>
               </a:tr>
@@ -38313,7 +38788,7 @@
                 </a:tc>
                 <a:extLst>
                   <a:ext uri="{0D108BD9-81ED-4DB2-BD59-A6C34878D82A}">
-                    <a16:rowId xmlns:a16="http://schemas.microsoft.com/office/drawing/2014/main" val="947586542"/>
+                    <a16:rowId xmlns:a16="http://schemas.microsoft.com/office/drawing/2014/main" xmlns="" val="947586542"/>
                   </a:ext>
                 </a:extLst>
               </a:tr>
@@ -38405,7 +38880,7 @@
           <p:cNvPr id="3" name="文本框 2">
             <a:extLst>
               <a:ext uri="{FF2B5EF4-FFF2-40B4-BE49-F238E27FC236}">
-                <a16:creationId xmlns:a16="http://schemas.microsoft.com/office/drawing/2014/main" id="{55BDC6D0-8EF4-4A90-AC24-A5BC14AC2AB6}"/>
+                <a16:creationId xmlns:a16="http://schemas.microsoft.com/office/drawing/2014/main" xmlns="" id="{55BDC6D0-8EF4-4A90-AC24-A5BC14AC2AB6}"/>
               </a:ext>
             </a:extLst>
           </p:cNvPr>
@@ -38448,7 +38923,7 @@
           <p:cNvPr id="7" name="矩形 6">
             <a:extLst>
               <a:ext uri="{FF2B5EF4-FFF2-40B4-BE49-F238E27FC236}">
-                <a16:creationId xmlns:a16="http://schemas.microsoft.com/office/drawing/2014/main" id="{FF96A1D5-1D33-420A-8404-7B4E383E9ECD}"/>
+                <a16:creationId xmlns:a16="http://schemas.microsoft.com/office/drawing/2014/main" xmlns="" id="{FF96A1D5-1D33-420A-8404-7B4E383E9ECD}"/>
               </a:ext>
             </a:extLst>
           </p:cNvPr>
@@ -38514,7 +38989,7 @@
           <p:cNvPr id="6" name="Rectangle 2">
             <a:extLst>
               <a:ext uri="{FF2B5EF4-FFF2-40B4-BE49-F238E27FC236}">
-                <a16:creationId xmlns:a16="http://schemas.microsoft.com/office/drawing/2014/main" id="{B3D593A8-B69E-44B9-B926-FE4255D41393}"/>
+                <a16:creationId xmlns:a16="http://schemas.microsoft.com/office/drawing/2014/main" xmlns="" id="{B3D593A8-B69E-44B9-B926-FE4255D41393}"/>
               </a:ext>
             </a:extLst>
           </p:cNvPr>
@@ -38995,7 +39470,7 @@
           <p:cNvPr id="3" name="文本框 2">
             <a:extLst>
               <a:ext uri="{FF2B5EF4-FFF2-40B4-BE49-F238E27FC236}">
-                <a16:creationId xmlns:a16="http://schemas.microsoft.com/office/drawing/2014/main" id="{55BDC6D0-8EF4-4A90-AC24-A5BC14AC2AB6}"/>
+                <a16:creationId xmlns:a16="http://schemas.microsoft.com/office/drawing/2014/main" xmlns="" id="{55BDC6D0-8EF4-4A90-AC24-A5BC14AC2AB6}"/>
               </a:ext>
             </a:extLst>
           </p:cNvPr>
@@ -39038,7 +39513,7 @@
           <p:cNvPr id="5" name="矩形 4">
             <a:extLst>
               <a:ext uri="{FF2B5EF4-FFF2-40B4-BE49-F238E27FC236}">
-                <a16:creationId xmlns:a16="http://schemas.microsoft.com/office/drawing/2014/main" id="{CB81F0F0-F7E7-4718-9C73-B1E49B65C7A1}"/>
+                <a16:creationId xmlns:a16="http://schemas.microsoft.com/office/drawing/2014/main" xmlns="" id="{CB81F0F0-F7E7-4718-9C73-B1E49B65C7A1}"/>
               </a:ext>
             </a:extLst>
           </p:cNvPr>
@@ -39114,7 +39589,7 @@
           <p:cNvPr id="9" name="图片 8">
             <a:extLst>
               <a:ext uri="{FF2B5EF4-FFF2-40B4-BE49-F238E27FC236}">
-                <a16:creationId xmlns:a16="http://schemas.microsoft.com/office/drawing/2014/main" id="{AD2426DA-C60C-4955-993E-E1555D80C69A}"/>
+                <a16:creationId xmlns:a16="http://schemas.microsoft.com/office/drawing/2014/main" xmlns="" id="{AD2426DA-C60C-4955-993E-E1555D80C69A}"/>
               </a:ext>
             </a:extLst>
           </p:cNvPr>
@@ -39150,7 +39625,7 @@
           <p:cNvPr id="10" name="矩形 9">
             <a:extLst>
               <a:ext uri="{FF2B5EF4-FFF2-40B4-BE49-F238E27FC236}">
-                <a16:creationId xmlns:a16="http://schemas.microsoft.com/office/drawing/2014/main" id="{352C6F41-8EDE-4A19-87B0-ECC458441376}"/>
+                <a16:creationId xmlns:a16="http://schemas.microsoft.com/office/drawing/2014/main" xmlns="" id="{352C6F41-8EDE-4A19-87B0-ECC458441376}"/>
               </a:ext>
             </a:extLst>
           </p:cNvPr>
@@ -39190,7 +39665,7 @@
           <p:cNvPr id="11" name="矩形 10">
             <a:extLst>
               <a:ext uri="{FF2B5EF4-FFF2-40B4-BE49-F238E27FC236}">
-                <a16:creationId xmlns:a16="http://schemas.microsoft.com/office/drawing/2014/main" id="{99A8DB67-A5DB-4EB7-8243-FFAA33EF872F}"/>
+                <a16:creationId xmlns:a16="http://schemas.microsoft.com/office/drawing/2014/main" xmlns="" id="{99A8DB67-A5DB-4EB7-8243-FFAA33EF872F}"/>
               </a:ext>
             </a:extLst>
           </p:cNvPr>
@@ -39320,7 +39795,7 @@
           <p:cNvPr id="3" name="文本框 2">
             <a:extLst>
               <a:ext uri="{FF2B5EF4-FFF2-40B4-BE49-F238E27FC236}">
-                <a16:creationId xmlns:a16="http://schemas.microsoft.com/office/drawing/2014/main" id="{55BDC6D0-8EF4-4A90-AC24-A5BC14AC2AB6}"/>
+                <a16:creationId xmlns:a16="http://schemas.microsoft.com/office/drawing/2014/main" xmlns="" id="{55BDC6D0-8EF4-4A90-AC24-A5BC14AC2AB6}"/>
               </a:ext>
             </a:extLst>
           </p:cNvPr>
@@ -39403,7 +39878,6 @@
               <a:rPr lang="zh-CN" altLang="en-US" dirty="0"/>
               <a:t>变量加入之前的模型。 如果分好类的话说不定还能有很大的提升。</a:t>
             </a:r>
-            <a:endParaRPr lang="zh-CN" altLang="en-US" dirty="0"/>
           </a:p>
         </p:txBody>
       </p:sp>
@@ -39659,7 +40133,7 @@
           <p:cNvPr id="3" name="文本框 2">
             <a:extLst>
               <a:ext uri="{FF2B5EF4-FFF2-40B4-BE49-F238E27FC236}">
-                <a16:creationId xmlns:a16="http://schemas.microsoft.com/office/drawing/2014/main" id="{55BDC6D0-8EF4-4A90-AC24-A5BC14AC2AB6}"/>
+                <a16:creationId xmlns:a16="http://schemas.microsoft.com/office/drawing/2014/main" xmlns="" id="{55BDC6D0-8EF4-4A90-AC24-A5BC14AC2AB6}"/>
               </a:ext>
             </a:extLst>
           </p:cNvPr>
@@ -39774,7 +40248,7 @@
           <p:cNvPr id="3" name="文本框 2">
             <a:extLst>
               <a:ext uri="{FF2B5EF4-FFF2-40B4-BE49-F238E27FC236}">
-                <a16:creationId xmlns:a16="http://schemas.microsoft.com/office/drawing/2014/main" id="{55BDC6D0-8EF4-4A90-AC24-A5BC14AC2AB6}"/>
+                <a16:creationId xmlns:a16="http://schemas.microsoft.com/office/drawing/2014/main" xmlns="" id="{55BDC6D0-8EF4-4A90-AC24-A5BC14AC2AB6}"/>
               </a:ext>
             </a:extLst>
           </p:cNvPr>
@@ -39990,7 +40464,7 @@
           <p:cNvPr id="5" name="文本框 4">
             <a:extLst>
               <a:ext uri="{FF2B5EF4-FFF2-40B4-BE49-F238E27FC236}">
-                <a16:creationId xmlns:a16="http://schemas.microsoft.com/office/drawing/2014/main" id="{EBABD869-8A81-4A85-B8A7-8A639AD8F82A}"/>
+                <a16:creationId xmlns:a16="http://schemas.microsoft.com/office/drawing/2014/main" xmlns="" id="{EBABD869-8A81-4A85-B8A7-8A639AD8F82A}"/>
               </a:ext>
             </a:extLst>
           </p:cNvPr>
@@ -40100,7 +40574,7 @@
           <p:cNvPr id="3" name="文本框 2">
             <a:extLst>
               <a:ext uri="{FF2B5EF4-FFF2-40B4-BE49-F238E27FC236}">
-                <a16:creationId xmlns:a16="http://schemas.microsoft.com/office/drawing/2014/main" id="{55BDC6D0-8EF4-4A90-AC24-A5BC14AC2AB6}"/>
+                <a16:creationId xmlns:a16="http://schemas.microsoft.com/office/drawing/2014/main" xmlns="" id="{55BDC6D0-8EF4-4A90-AC24-A5BC14AC2AB6}"/>
               </a:ext>
             </a:extLst>
           </p:cNvPr>
@@ -40143,7 +40617,7 @@
           <p:cNvPr id="7" name="矩形 6">
             <a:extLst>
               <a:ext uri="{FF2B5EF4-FFF2-40B4-BE49-F238E27FC236}">
-                <a16:creationId xmlns:a16="http://schemas.microsoft.com/office/drawing/2014/main" id="{4862BFD5-2BCF-4765-AA62-6FF3813C7C3D}"/>
+                <a16:creationId xmlns:a16="http://schemas.microsoft.com/office/drawing/2014/main" xmlns="" id="{4862BFD5-2BCF-4765-AA62-6FF3813C7C3D}"/>
               </a:ext>
             </a:extLst>
           </p:cNvPr>
@@ -40211,7 +40685,7 @@
           <p:cNvPr id="8" name="Picture 4" descr="score">
             <a:extLst>
               <a:ext uri="{FF2B5EF4-FFF2-40B4-BE49-F238E27FC236}">
-                <a16:creationId xmlns:a16="http://schemas.microsoft.com/office/drawing/2014/main" id="{FDA79A38-0FF0-4880-9C0D-FF850B6C699D}"/>
+                <a16:creationId xmlns:a16="http://schemas.microsoft.com/office/drawing/2014/main" xmlns="" id="{FDA79A38-0FF0-4880-9C0D-FF850B6C699D}"/>
               </a:ext>
             </a:extLst>
           </p:cNvPr>
@@ -40258,7 +40732,7 @@
           <p:cNvPr id="9" name="表格 8">
             <a:extLst>
               <a:ext uri="{FF2B5EF4-FFF2-40B4-BE49-F238E27FC236}">
-                <a16:creationId xmlns:a16="http://schemas.microsoft.com/office/drawing/2014/main" id="{C1713446-2A53-4588-9A70-A447511F9E8A}"/>
+                <a16:creationId xmlns:a16="http://schemas.microsoft.com/office/drawing/2014/main" xmlns="" id="{C1713446-2A53-4588-9A70-A447511F9E8A}"/>
               </a:ext>
             </a:extLst>
           </p:cNvPr>
@@ -40285,14 +40759,14 @@
                 <a:gridCol w="4229100">
                   <a:extLst>
                     <a:ext uri="{9D8B030D-6E8A-4147-A177-3AD203B41FA5}">
-                      <a16:colId xmlns:a16="http://schemas.microsoft.com/office/drawing/2014/main" val="2130423267"/>
+                      <a16:colId xmlns:a16="http://schemas.microsoft.com/office/drawing/2014/main" xmlns="" val="2130423267"/>
                     </a:ext>
                   </a:extLst>
                 </a:gridCol>
                 <a:gridCol w="4229100">
                   <a:extLst>
                     <a:ext uri="{9D8B030D-6E8A-4147-A177-3AD203B41FA5}">
-                      <a16:colId xmlns:a16="http://schemas.microsoft.com/office/drawing/2014/main" val="510257096"/>
+                      <a16:colId xmlns:a16="http://schemas.microsoft.com/office/drawing/2014/main" xmlns="" val="510257096"/>
                     </a:ext>
                   </a:extLst>
                 </a:gridCol>
@@ -40412,7 +40886,7 @@
                 </a:tc>
                 <a:extLst>
                   <a:ext uri="{0D108BD9-81ED-4DB2-BD59-A6C34878D82A}">
-                    <a16:rowId xmlns:a16="http://schemas.microsoft.com/office/drawing/2014/main" val="3560858009"/>
+                    <a16:rowId xmlns:a16="http://schemas.microsoft.com/office/drawing/2014/main" xmlns="" val="3560858009"/>
                   </a:ext>
                 </a:extLst>
               </a:tr>
@@ -40531,7 +41005,7 @@
                 </a:tc>
                 <a:extLst>
                   <a:ext uri="{0D108BD9-81ED-4DB2-BD59-A6C34878D82A}">
-                    <a16:rowId xmlns:a16="http://schemas.microsoft.com/office/drawing/2014/main" val="2725899079"/>
+                    <a16:rowId xmlns:a16="http://schemas.microsoft.com/office/drawing/2014/main" xmlns="" val="2725899079"/>
                   </a:ext>
                 </a:extLst>
               </a:tr>
@@ -40650,7 +41124,7 @@
                 </a:tc>
                 <a:extLst>
                   <a:ext uri="{0D108BD9-81ED-4DB2-BD59-A6C34878D82A}">
-                    <a16:rowId xmlns:a16="http://schemas.microsoft.com/office/drawing/2014/main" val="3906953378"/>
+                    <a16:rowId xmlns:a16="http://schemas.microsoft.com/office/drawing/2014/main" xmlns="" val="3906953378"/>
                   </a:ext>
                 </a:extLst>
               </a:tr>
@@ -40769,7 +41243,7 @@
                 </a:tc>
                 <a:extLst>
                   <a:ext uri="{0D108BD9-81ED-4DB2-BD59-A6C34878D82A}">
-                    <a16:rowId xmlns:a16="http://schemas.microsoft.com/office/drawing/2014/main" val="1059550882"/>
+                    <a16:rowId xmlns:a16="http://schemas.microsoft.com/office/drawing/2014/main" xmlns="" val="1059550882"/>
                   </a:ext>
                 </a:extLst>
               </a:tr>
@@ -40782,7 +41256,7 @@
           <p:cNvPr id="10" name="Rectangle 5">
             <a:extLst>
               <a:ext uri="{FF2B5EF4-FFF2-40B4-BE49-F238E27FC236}">
-                <a16:creationId xmlns:a16="http://schemas.microsoft.com/office/drawing/2014/main" id="{964D7251-6D7B-4710-B536-7FF4C1AEC27D}"/>
+                <a16:creationId xmlns:a16="http://schemas.microsoft.com/office/drawing/2014/main" xmlns="" id="{964D7251-6D7B-4710-B536-7FF4C1AEC27D}"/>
               </a:ext>
             </a:extLst>
           </p:cNvPr>
@@ -40936,7 +41410,7 @@
           <p:cNvPr id="3" name="文本框 2">
             <a:extLst>
               <a:ext uri="{FF2B5EF4-FFF2-40B4-BE49-F238E27FC236}">
-                <a16:creationId xmlns:a16="http://schemas.microsoft.com/office/drawing/2014/main" id="{55BDC6D0-8EF4-4A90-AC24-A5BC14AC2AB6}"/>
+                <a16:creationId xmlns:a16="http://schemas.microsoft.com/office/drawing/2014/main" xmlns="" id="{55BDC6D0-8EF4-4A90-AC24-A5BC14AC2AB6}"/>
               </a:ext>
             </a:extLst>
           </p:cNvPr>
@@ -40979,7 +41453,7 @@
           <p:cNvPr id="5" name="矩形 4">
             <a:extLst>
               <a:ext uri="{FF2B5EF4-FFF2-40B4-BE49-F238E27FC236}">
-                <a16:creationId xmlns:a16="http://schemas.microsoft.com/office/drawing/2014/main" id="{6CBE1952-09A8-4D25-B67D-7A5D2A1283CA}"/>
+                <a16:creationId xmlns:a16="http://schemas.microsoft.com/office/drawing/2014/main" xmlns="" id="{6CBE1952-09A8-4D25-B67D-7A5D2A1283CA}"/>
               </a:ext>
             </a:extLst>
           </p:cNvPr>
@@ -41116,7 +41590,7 @@
           <p:cNvPr id="3" name="文本框 2">
             <a:extLst>
               <a:ext uri="{FF2B5EF4-FFF2-40B4-BE49-F238E27FC236}">
-                <a16:creationId xmlns:a16="http://schemas.microsoft.com/office/drawing/2014/main" id="{55BDC6D0-8EF4-4A90-AC24-A5BC14AC2AB6}"/>
+                <a16:creationId xmlns:a16="http://schemas.microsoft.com/office/drawing/2014/main" xmlns="" id="{55BDC6D0-8EF4-4A90-AC24-A5BC14AC2AB6}"/>
               </a:ext>
             </a:extLst>
           </p:cNvPr>
@@ -41159,7 +41633,7 @@
           <p:cNvPr id="8" name="图示 7">
             <a:extLst>
               <a:ext uri="{FF2B5EF4-FFF2-40B4-BE49-F238E27FC236}">
-                <a16:creationId xmlns:a16="http://schemas.microsoft.com/office/drawing/2014/main" id="{800CEE5D-CE31-4D03-9E9D-B7C897B10365}"/>
+                <a16:creationId xmlns:a16="http://schemas.microsoft.com/office/drawing/2014/main" xmlns="" id="{800CEE5D-CE31-4D03-9E9D-B7C897B10365}"/>
               </a:ext>
             </a:extLst>
           </p:cNvPr>
@@ -41187,7 +41661,7 @@
           <p:cNvPr id="5" name="箭头: 右 4">
             <a:extLst>
               <a:ext uri="{FF2B5EF4-FFF2-40B4-BE49-F238E27FC236}">
-                <a16:creationId xmlns:a16="http://schemas.microsoft.com/office/drawing/2014/main" id="{F252478D-9A6A-4CDA-935F-F78728405610}"/>
+                <a16:creationId xmlns:a16="http://schemas.microsoft.com/office/drawing/2014/main" xmlns="" id="{F252478D-9A6A-4CDA-935F-F78728405610}"/>
               </a:ext>
             </a:extLst>
           </p:cNvPr>
@@ -41233,7 +41707,7 @@
           <p:cNvPr id="9" name="箭头: 右 8">
             <a:extLst>
               <a:ext uri="{FF2B5EF4-FFF2-40B4-BE49-F238E27FC236}">
-                <a16:creationId xmlns:a16="http://schemas.microsoft.com/office/drawing/2014/main" id="{C74F441E-18EE-4E88-8C21-164031F2DEB2}"/>
+                <a16:creationId xmlns:a16="http://schemas.microsoft.com/office/drawing/2014/main" xmlns="" id="{C74F441E-18EE-4E88-8C21-164031F2DEB2}"/>
               </a:ext>
             </a:extLst>
           </p:cNvPr>
@@ -41358,7 +41832,7 @@
           <p:cNvPr id="3" name="文本框 2">
             <a:extLst>
               <a:ext uri="{FF2B5EF4-FFF2-40B4-BE49-F238E27FC236}">
-                <a16:creationId xmlns:a16="http://schemas.microsoft.com/office/drawing/2014/main" id="{55BDC6D0-8EF4-4A90-AC24-A5BC14AC2AB6}"/>
+                <a16:creationId xmlns:a16="http://schemas.microsoft.com/office/drawing/2014/main" xmlns="" id="{55BDC6D0-8EF4-4A90-AC24-A5BC14AC2AB6}"/>
               </a:ext>
             </a:extLst>
           </p:cNvPr>
@@ -41401,7 +41875,7 @@
           <p:cNvPr id="5" name="矩形 4">
             <a:extLst>
               <a:ext uri="{FF2B5EF4-FFF2-40B4-BE49-F238E27FC236}">
-                <a16:creationId xmlns:a16="http://schemas.microsoft.com/office/drawing/2014/main" id="{6FD9DE66-0658-4873-92A1-3AC36A4E5C38}"/>
+                <a16:creationId xmlns:a16="http://schemas.microsoft.com/office/drawing/2014/main" xmlns="" id="{6FD9DE66-0658-4873-92A1-3AC36A4E5C38}"/>
               </a:ext>
             </a:extLst>
           </p:cNvPr>
@@ -41411,7 +41885,7 @@
         <p:spPr>
           <a:xfrm>
             <a:off x="2186533" y="1903790"/>
-            <a:ext cx="8135560" cy="707886"/>
+            <a:ext cx="7340471" cy="646331"/>
           </a:xfrm>
           <a:prstGeom prst="rect">
             <a:avLst/>
@@ -41424,158 +41898,72 @@
           <a:lstStyle/>
           <a:p>
             <a:r>
-              <a:rPr lang="zh-CN" altLang="en-US" sz="2000" dirty="0">
-                <a:solidFill>
-                  <a:srgbClr val="24292E"/>
-                </a:solidFill>
-                <a:latin typeface="-apple-system"/>
-              </a:rPr>
+              <a:rPr lang="zh-CN" altLang="en-US" dirty="0"/>
               <a:t>去掉了</a:t>
             </a:r>
             <a:r>
-              <a:rPr lang="en-US" altLang="zh-CN" sz="2000" dirty="0">
-                <a:solidFill>
-                  <a:srgbClr val="24292E"/>
-                </a:solidFill>
-                <a:latin typeface="-apple-system"/>
-              </a:rPr>
+              <a:rPr lang="en-US" altLang="zh-CN" dirty="0"/>
               <a:t>9</a:t>
             </a:r>
             <a:r>
-              <a:rPr lang="zh-CN" altLang="en-US" sz="2000" dirty="0">
-                <a:solidFill>
-                  <a:srgbClr val="24292E"/>
-                </a:solidFill>
-                <a:latin typeface="-apple-system"/>
-              </a:rPr>
+              <a:rPr lang="zh-CN" altLang="en-US" dirty="0"/>
               <a:t>月</a:t>
             </a:r>
             <a:r>
-              <a:rPr lang="en-US" altLang="zh-CN" sz="2000" dirty="0">
-                <a:solidFill>
-                  <a:srgbClr val="24292E"/>
-                </a:solidFill>
-                <a:latin typeface="-apple-system"/>
-              </a:rPr>
+              <a:rPr lang="en-US" altLang="zh-CN" dirty="0"/>
               <a:t>18</a:t>
             </a:r>
             <a:r>
-              <a:rPr lang="zh-CN" altLang="en-US" sz="2000" dirty="0">
-                <a:solidFill>
-                  <a:srgbClr val="24292E"/>
-                </a:solidFill>
-                <a:latin typeface="-apple-system"/>
-              </a:rPr>
+              <a:rPr lang="zh-CN" altLang="en-US" dirty="0"/>
               <a:t>日至</a:t>
             </a:r>
             <a:r>
-              <a:rPr lang="en-US" altLang="zh-CN" sz="2000" dirty="0">
-                <a:solidFill>
-                  <a:srgbClr val="24292E"/>
-                </a:solidFill>
-                <a:latin typeface="-apple-system"/>
-              </a:rPr>
+              <a:rPr lang="en-US" altLang="zh-CN" dirty="0"/>
               <a:t>9</a:t>
             </a:r>
             <a:r>
-              <a:rPr lang="zh-CN" altLang="en-US" sz="2000" dirty="0">
-                <a:solidFill>
-                  <a:srgbClr val="24292E"/>
-                </a:solidFill>
-                <a:latin typeface="-apple-system"/>
-              </a:rPr>
+              <a:rPr lang="zh-CN" altLang="en-US" dirty="0"/>
               <a:t>月</a:t>
             </a:r>
             <a:r>
-              <a:rPr lang="en-US" altLang="zh-CN" sz="2000" dirty="0">
-                <a:solidFill>
-                  <a:srgbClr val="24292E"/>
-                </a:solidFill>
-                <a:latin typeface="-apple-system"/>
-              </a:rPr>
+              <a:rPr lang="en-US" altLang="zh-CN" dirty="0"/>
               <a:t>30</a:t>
             </a:r>
             <a:r>
-              <a:rPr lang="zh-CN" altLang="en-US" sz="2000" dirty="0">
-                <a:solidFill>
-                  <a:srgbClr val="24292E"/>
-                </a:solidFill>
-                <a:latin typeface="-apple-system"/>
-              </a:rPr>
+              <a:rPr lang="zh-CN" altLang="en-US" dirty="0"/>
               <a:t>日</a:t>
             </a:r>
             <a:r>
-              <a:rPr lang="en-US" altLang="zh-CN" sz="2000" dirty="0">
-                <a:solidFill>
-                  <a:srgbClr val="24292E"/>
-                </a:solidFill>
-                <a:latin typeface="-apple-system"/>
-              </a:rPr>
+              <a:rPr lang="en-US" altLang="zh-CN" dirty="0"/>
               <a:t>14</a:t>
             </a:r>
             <a:r>
-              <a:rPr lang="zh-CN" altLang="en-US" sz="2000" dirty="0">
-                <a:solidFill>
-                  <a:srgbClr val="24292E"/>
-                </a:solidFill>
-                <a:latin typeface="-apple-system"/>
-              </a:rPr>
+              <a:rPr lang="zh-CN" altLang="en-US" dirty="0"/>
               <a:t>天均值小于</a:t>
             </a:r>
             <a:r>
-              <a:rPr lang="en-US" altLang="zh-CN" sz="2000" dirty="0">
-                <a:solidFill>
-                  <a:srgbClr val="24292E"/>
-                </a:solidFill>
-                <a:latin typeface="-apple-system"/>
-              </a:rPr>
+              <a:rPr lang="en-US" altLang="zh-CN" dirty="0"/>
               <a:t>50</a:t>
             </a:r>
             <a:r>
-              <a:rPr lang="zh-CN" altLang="en-US" sz="2000" dirty="0">
-                <a:solidFill>
-                  <a:srgbClr val="24292E"/>
-                </a:solidFill>
-                <a:latin typeface="-apple-system"/>
-              </a:rPr>
+              <a:rPr lang="zh-CN" altLang="en-US" dirty="0"/>
               <a:t>的商店（</a:t>
             </a:r>
             <a:r>
-              <a:rPr lang="en-US" altLang="zh-CN" sz="2000" dirty="0">
-                <a:solidFill>
-                  <a:srgbClr val="24292E"/>
-                </a:solidFill>
-                <a:latin typeface="-apple-system"/>
-              </a:rPr>
+              <a:rPr lang="en-US" altLang="zh-CN" dirty="0"/>
               <a:t>200</a:t>
             </a:r>
             <a:r>
-              <a:rPr lang="zh-CN" altLang="en-US" sz="2000" dirty="0">
-                <a:solidFill>
-                  <a:srgbClr val="24292E"/>
-                </a:solidFill>
-                <a:latin typeface="-apple-system"/>
-              </a:rPr>
+              <a:rPr lang="zh-CN" altLang="en-US" dirty="0"/>
               <a:t>家）</a:t>
             </a:r>
-            <a:endParaRPr lang="en-US" altLang="zh-CN" sz="2000" dirty="0">
-              <a:solidFill>
-                <a:srgbClr val="24292E"/>
-              </a:solidFill>
-              <a:latin typeface="-apple-system"/>
-            </a:endParaRPr>
+            <a:endParaRPr lang="en-US" altLang="zh-CN" dirty="0"/>
           </a:p>
           <a:p>
             <a:r>
-              <a:rPr lang="zh-CN" altLang="en-US" sz="2000" dirty="0">
-                <a:solidFill>
-                  <a:srgbClr val="24292E"/>
-                </a:solidFill>
-                <a:latin typeface="-apple-system"/>
-              </a:rPr>
+              <a:rPr lang="zh-CN" altLang="en-US" dirty="0"/>
               <a:t>降低计算压力和低电量样本造成的影响，且对最终预测结果影响较小。</a:t>
             </a:r>
-            <a:endParaRPr lang="zh-CN" altLang="en-US" sz="2000" dirty="0"/>
           </a:p>
         </p:txBody>
       </p:sp>
@@ -41584,7 +41972,7 @@
           <p:cNvPr id="7" name="表格 6">
             <a:extLst>
               <a:ext uri="{FF2B5EF4-FFF2-40B4-BE49-F238E27FC236}">
-                <a16:creationId xmlns:a16="http://schemas.microsoft.com/office/drawing/2014/main" id="{73258654-9C32-485F-B18D-F26EE27263E7}"/>
+                <a16:creationId xmlns:a16="http://schemas.microsoft.com/office/drawing/2014/main" xmlns="" id="{73258654-9C32-485F-B18D-F26EE27263E7}"/>
               </a:ext>
             </a:extLst>
           </p:cNvPr>
@@ -41611,28 +41999,28 @@
                 <a:gridCol w="1814345">
                   <a:extLst>
                     <a:ext uri="{9D8B030D-6E8A-4147-A177-3AD203B41FA5}">
-                      <a16:colId xmlns:a16="http://schemas.microsoft.com/office/drawing/2014/main" val="2825225818"/>
+                      <a16:colId xmlns:a16="http://schemas.microsoft.com/office/drawing/2014/main" xmlns="" val="2825225818"/>
                     </a:ext>
                   </a:extLst>
                 </a:gridCol>
                 <a:gridCol w="1814345">
                   <a:extLst>
                     <a:ext uri="{9D8B030D-6E8A-4147-A177-3AD203B41FA5}">
-                      <a16:colId xmlns:a16="http://schemas.microsoft.com/office/drawing/2014/main" val="1949206159"/>
+                      <a16:colId xmlns:a16="http://schemas.microsoft.com/office/drawing/2014/main" xmlns="" val="1949206159"/>
                     </a:ext>
                   </a:extLst>
                 </a:gridCol>
                 <a:gridCol w="1814345">
                   <a:extLst>
                     <a:ext uri="{9D8B030D-6E8A-4147-A177-3AD203B41FA5}">
-                      <a16:colId xmlns:a16="http://schemas.microsoft.com/office/drawing/2014/main" val="2550136547"/>
+                      <a16:colId xmlns:a16="http://schemas.microsoft.com/office/drawing/2014/main" xmlns="" val="2550136547"/>
                     </a:ext>
                   </a:extLst>
                 </a:gridCol>
                 <a:gridCol w="1814345">
                   <a:extLst>
                     <a:ext uri="{9D8B030D-6E8A-4147-A177-3AD203B41FA5}">
-                      <a16:colId xmlns:a16="http://schemas.microsoft.com/office/drawing/2014/main" val="1378558458"/>
+                      <a16:colId xmlns:a16="http://schemas.microsoft.com/office/drawing/2014/main" xmlns="" val="1378558458"/>
                     </a:ext>
                   </a:extLst>
                 </a:gridCol>
@@ -41884,7 +42272,7 @@
                 </a:tc>
                 <a:extLst>
                   <a:ext uri="{0D108BD9-81ED-4DB2-BD59-A6C34878D82A}">
-                    <a16:rowId xmlns:a16="http://schemas.microsoft.com/office/drawing/2014/main" val="3822745402"/>
+                    <a16:rowId xmlns:a16="http://schemas.microsoft.com/office/drawing/2014/main" xmlns="" val="3822745402"/>
                   </a:ext>
                 </a:extLst>
               </a:tr>
@@ -42157,7 +42545,7 @@
                 </a:tc>
                 <a:extLst>
                   <a:ext uri="{0D108BD9-81ED-4DB2-BD59-A6C34878D82A}">
-                    <a16:rowId xmlns:a16="http://schemas.microsoft.com/office/drawing/2014/main" val="2127360882"/>
+                    <a16:rowId xmlns:a16="http://schemas.microsoft.com/office/drawing/2014/main" xmlns="" val="2127360882"/>
                   </a:ext>
                 </a:extLst>
               </a:tr>
@@ -42427,7 +42815,7 @@
                 </a:tc>
                 <a:extLst>
                   <a:ext uri="{0D108BD9-81ED-4DB2-BD59-A6C34878D82A}">
-                    <a16:rowId xmlns:a16="http://schemas.microsoft.com/office/drawing/2014/main" val="1689464749"/>
+                    <a16:rowId xmlns:a16="http://schemas.microsoft.com/office/drawing/2014/main" xmlns="" val="1689464749"/>
                   </a:ext>
                 </a:extLst>
               </a:tr>
@@ -42689,7 +43077,7 @@
                 </a:tc>
                 <a:extLst>
                   <a:ext uri="{0D108BD9-81ED-4DB2-BD59-A6C34878D82A}">
-                    <a16:rowId xmlns:a16="http://schemas.microsoft.com/office/drawing/2014/main" val="3724388724"/>
+                    <a16:rowId xmlns:a16="http://schemas.microsoft.com/office/drawing/2014/main" xmlns="" val="3724388724"/>
                   </a:ext>
                 </a:extLst>
               </a:tr>
@@ -42781,7 +43169,7 @@
           <p:cNvPr id="3" name="文本框 2">
             <a:extLst>
               <a:ext uri="{FF2B5EF4-FFF2-40B4-BE49-F238E27FC236}">
-                <a16:creationId xmlns:a16="http://schemas.microsoft.com/office/drawing/2014/main" id="{55BDC6D0-8EF4-4A90-AC24-A5BC14AC2AB6}"/>
+                <a16:creationId xmlns:a16="http://schemas.microsoft.com/office/drawing/2014/main" xmlns="" id="{55BDC6D0-8EF4-4A90-AC24-A5BC14AC2AB6}"/>
               </a:ext>
             </a:extLst>
           </p:cNvPr>
@@ -42824,7 +43212,7 @@
           <p:cNvPr id="10" name="图表 9">
             <a:extLst>
               <a:ext uri="{FF2B5EF4-FFF2-40B4-BE49-F238E27FC236}">
-                <a16:creationId xmlns:a16="http://schemas.microsoft.com/office/drawing/2014/main" id="{9FA5D013-0B44-454F-A933-2EA4E036D5A1}"/>
+                <a16:creationId xmlns:a16="http://schemas.microsoft.com/office/drawing/2014/main" xmlns="" id="{9FA5D013-0B44-454F-A933-2EA4E036D5A1}"/>
               </a:ext>
             </a:extLst>
           </p:cNvPr>
@@ -42854,7 +43242,7 @@
           <p:cNvPr id="8" name="矩形 7">
             <a:extLst>
               <a:ext uri="{FF2B5EF4-FFF2-40B4-BE49-F238E27FC236}">
-                <a16:creationId xmlns:a16="http://schemas.microsoft.com/office/drawing/2014/main" id="{504457AE-BF9B-4DA6-AD67-FA649D50448C}"/>
+                <a16:creationId xmlns:a16="http://schemas.microsoft.com/office/drawing/2014/main" xmlns="" id="{504457AE-BF9B-4DA6-AD67-FA649D50448C}"/>
               </a:ext>
             </a:extLst>
           </p:cNvPr>
@@ -42863,8 +43251,8 @@
         </p:nvSpPr>
         <p:spPr>
           <a:xfrm>
-            <a:off x="4428107" y="1156000"/>
-            <a:ext cx="3293493" cy="369332"/>
+            <a:off x="4045128" y="1140611"/>
+            <a:ext cx="4101744" cy="369332"/>
           </a:xfrm>
           <a:prstGeom prst="rect">
             <a:avLst/>
@@ -42877,11 +43265,11 @@
           <a:lstStyle/>
           <a:p>
             <a:r>
-              <a:rPr lang="zh-CN" altLang="en-US" dirty="0" smtClean="0"/>
+              <a:rPr lang="zh-CN" altLang="en-US" dirty="0"/>
               <a:t>去除春节导致的</a:t>
             </a:r>
             <a:r>
-              <a:rPr lang="en-US" altLang="zh-CN" dirty="0" smtClean="0"/>
+              <a:rPr lang="en-US" altLang="zh-CN" dirty="0"/>
               <a:t>1-3</a:t>
             </a:r>
             <a:r>
@@ -42978,7 +43366,7 @@
           <p:cNvPr id="3" name="文本框 2">
             <a:extLst>
               <a:ext uri="{FF2B5EF4-FFF2-40B4-BE49-F238E27FC236}">
-                <a16:creationId xmlns:a16="http://schemas.microsoft.com/office/drawing/2014/main" id="{55BDC6D0-8EF4-4A90-AC24-A5BC14AC2AB6}"/>
+                <a16:creationId xmlns:a16="http://schemas.microsoft.com/office/drawing/2014/main" xmlns="" id="{55BDC6D0-8EF4-4A90-AC24-A5BC14AC2AB6}"/>
               </a:ext>
             </a:extLst>
           </p:cNvPr>
@@ -43021,7 +43409,7 @@
           <p:cNvPr id="8" name="矩形 7">
             <a:extLst>
               <a:ext uri="{FF2B5EF4-FFF2-40B4-BE49-F238E27FC236}">
-                <a16:creationId xmlns:a16="http://schemas.microsoft.com/office/drawing/2014/main" id="{504457AE-BF9B-4DA6-AD67-FA649D50448C}"/>
+                <a16:creationId xmlns:a16="http://schemas.microsoft.com/office/drawing/2014/main" xmlns="" id="{504457AE-BF9B-4DA6-AD67-FA649D50448C}"/>
               </a:ext>
             </a:extLst>
           </p:cNvPr>
@@ -43104,7 +43492,7 @@
           <p:cNvPr id="7" name="图表 6">
             <a:extLst>
               <a:ext uri="{FF2B5EF4-FFF2-40B4-BE49-F238E27FC236}">
-                <a16:creationId xmlns:a16="http://schemas.microsoft.com/office/drawing/2014/main" id="{EB57604C-6EA2-43F5-8B46-F72A31019321}"/>
+                <a16:creationId xmlns:a16="http://schemas.microsoft.com/office/drawing/2014/main" xmlns="" id="{EB57604C-6EA2-43F5-8B46-F72A31019321}"/>
               </a:ext>
             </a:extLst>
           </p:cNvPr>
@@ -43134,7 +43522,7 @@
           <p:cNvPr id="9" name="图表 8">
             <a:extLst>
               <a:ext uri="{FF2B5EF4-FFF2-40B4-BE49-F238E27FC236}">
-                <a16:creationId xmlns:a16="http://schemas.microsoft.com/office/drawing/2014/main" id="{A3FF86FD-F23B-465C-9476-77A36C901B9C}"/>
+                <a16:creationId xmlns:a16="http://schemas.microsoft.com/office/drawing/2014/main" xmlns="" id="{A3FF86FD-F23B-465C-9476-77A36C901B9C}"/>
               </a:ext>
             </a:extLst>
           </p:cNvPr>
@@ -43244,7 +43632,7 @@
           <p:cNvPr id="3" name="文本框 2">
             <a:extLst>
               <a:ext uri="{FF2B5EF4-FFF2-40B4-BE49-F238E27FC236}">
-                <a16:creationId xmlns:a16="http://schemas.microsoft.com/office/drawing/2014/main" id="{55BDC6D0-8EF4-4A90-AC24-A5BC14AC2AB6}"/>
+                <a16:creationId xmlns:a16="http://schemas.microsoft.com/office/drawing/2014/main" xmlns="" id="{55BDC6D0-8EF4-4A90-AC24-A5BC14AC2AB6}"/>
               </a:ext>
             </a:extLst>
           </p:cNvPr>
@@ -43287,7 +43675,7 @@
           <p:cNvPr id="5" name="表格 4">
             <a:extLst>
               <a:ext uri="{FF2B5EF4-FFF2-40B4-BE49-F238E27FC236}">
-                <a16:creationId xmlns:a16="http://schemas.microsoft.com/office/drawing/2014/main" id="{8C6BEA93-53DF-4F12-AAD4-458BA507AF1A}"/>
+                <a16:creationId xmlns:a16="http://schemas.microsoft.com/office/drawing/2014/main" xmlns="" id="{8C6BEA93-53DF-4F12-AAD4-458BA507AF1A}"/>
               </a:ext>
             </a:extLst>
           </p:cNvPr>
@@ -43314,14 +43702,14 @@
                 <a:gridCol w="3005674">
                   <a:extLst>
                     <a:ext uri="{9D8B030D-6E8A-4147-A177-3AD203B41FA5}">
-                      <a16:colId xmlns:a16="http://schemas.microsoft.com/office/drawing/2014/main" val="1478939164"/>
+                      <a16:colId xmlns:a16="http://schemas.microsoft.com/office/drawing/2014/main" xmlns="" val="1478939164"/>
                     </a:ext>
                   </a:extLst>
                 </a:gridCol>
                 <a:gridCol w="3005674">
                   <a:extLst>
                     <a:ext uri="{9D8B030D-6E8A-4147-A177-3AD203B41FA5}">
-                      <a16:colId xmlns:a16="http://schemas.microsoft.com/office/drawing/2014/main" val="1717937204"/>
+                      <a16:colId xmlns:a16="http://schemas.microsoft.com/office/drawing/2014/main" xmlns="" val="1717937204"/>
                     </a:ext>
                   </a:extLst>
                 </a:gridCol>
@@ -43441,7 +43829,7 @@
                 </a:tc>
                 <a:extLst>
                   <a:ext uri="{0D108BD9-81ED-4DB2-BD59-A6C34878D82A}">
-                    <a16:rowId xmlns:a16="http://schemas.microsoft.com/office/drawing/2014/main" val="3769152065"/>
+                    <a16:rowId xmlns:a16="http://schemas.microsoft.com/office/drawing/2014/main" xmlns="" val="3769152065"/>
                   </a:ext>
                 </a:extLst>
               </a:tr>
@@ -43584,7 +43972,7 @@
                 </a:tc>
                 <a:extLst>
                   <a:ext uri="{0D108BD9-81ED-4DB2-BD59-A6C34878D82A}">
-                    <a16:rowId xmlns:a16="http://schemas.microsoft.com/office/drawing/2014/main" val="3570854480"/>
+                    <a16:rowId xmlns:a16="http://schemas.microsoft.com/office/drawing/2014/main" xmlns="" val="3570854480"/>
                   </a:ext>
                 </a:extLst>
               </a:tr>
@@ -43739,7 +44127,7 @@
                 </a:tc>
                 <a:extLst>
                   <a:ext uri="{0D108BD9-81ED-4DB2-BD59-A6C34878D82A}">
-                    <a16:rowId xmlns:a16="http://schemas.microsoft.com/office/drawing/2014/main" val="691244441"/>
+                    <a16:rowId xmlns:a16="http://schemas.microsoft.com/office/drawing/2014/main" xmlns="" val="691244441"/>
                   </a:ext>
                 </a:extLst>
               </a:tr>
@@ -43897,7 +44285,7 @@
                 </a:tc>
                 <a:extLst>
                   <a:ext uri="{0D108BD9-81ED-4DB2-BD59-A6C34878D82A}">
-                    <a16:rowId xmlns:a16="http://schemas.microsoft.com/office/drawing/2014/main" val="4200259484"/>
+                    <a16:rowId xmlns:a16="http://schemas.microsoft.com/office/drawing/2014/main" xmlns="" val="4200259484"/>
                   </a:ext>
                 </a:extLst>
               </a:tr>
@@ -44016,7 +44404,7 @@
                 </a:tc>
                 <a:extLst>
                   <a:ext uri="{0D108BD9-81ED-4DB2-BD59-A6C34878D82A}">
-                    <a16:rowId xmlns:a16="http://schemas.microsoft.com/office/drawing/2014/main" val="2229237742"/>
+                    <a16:rowId xmlns:a16="http://schemas.microsoft.com/office/drawing/2014/main" xmlns="" val="2229237742"/>
                   </a:ext>
                 </a:extLst>
               </a:tr>
@@ -44135,7 +44523,7 @@
                 </a:tc>
                 <a:extLst>
                   <a:ext uri="{0D108BD9-81ED-4DB2-BD59-A6C34878D82A}">
-                    <a16:rowId xmlns:a16="http://schemas.microsoft.com/office/drawing/2014/main" val="1348673276"/>
+                    <a16:rowId xmlns:a16="http://schemas.microsoft.com/office/drawing/2014/main" xmlns="" val="1348673276"/>
                   </a:ext>
                 </a:extLst>
               </a:tr>
@@ -44254,7 +44642,7 @@
                 </a:tc>
                 <a:extLst>
                   <a:ext uri="{0D108BD9-81ED-4DB2-BD59-A6C34878D82A}">
-                    <a16:rowId xmlns:a16="http://schemas.microsoft.com/office/drawing/2014/main" val="1563541008"/>
+                    <a16:rowId xmlns:a16="http://schemas.microsoft.com/office/drawing/2014/main" xmlns="" val="1563541008"/>
                   </a:ext>
                 </a:extLst>
               </a:tr>
@@ -44397,7 +44785,7 @@
                 </a:tc>
                 <a:extLst>
                   <a:ext uri="{0D108BD9-81ED-4DB2-BD59-A6C34878D82A}">
-                    <a16:rowId xmlns:a16="http://schemas.microsoft.com/office/drawing/2014/main" val="2249624126"/>
+                    <a16:rowId xmlns:a16="http://schemas.microsoft.com/office/drawing/2014/main" xmlns="" val="2249624126"/>
                   </a:ext>
                 </a:extLst>
               </a:tr>
@@ -44540,7 +44928,7 @@
                 </a:tc>
                 <a:extLst>
                   <a:ext uri="{0D108BD9-81ED-4DB2-BD59-A6C34878D82A}">
-                    <a16:rowId xmlns:a16="http://schemas.microsoft.com/office/drawing/2014/main" val="2010629079"/>
+                    <a16:rowId xmlns:a16="http://schemas.microsoft.com/office/drawing/2014/main" xmlns="" val="2010629079"/>
                   </a:ext>
                 </a:extLst>
               </a:tr>
@@ -44683,7 +45071,7 @@
                 </a:tc>
                 <a:extLst>
                   <a:ext uri="{0D108BD9-81ED-4DB2-BD59-A6C34878D82A}">
-                    <a16:rowId xmlns:a16="http://schemas.microsoft.com/office/drawing/2014/main" val="1085384377"/>
+                    <a16:rowId xmlns:a16="http://schemas.microsoft.com/office/drawing/2014/main" xmlns="" val="1085384377"/>
                   </a:ext>
                 </a:extLst>
               </a:tr>
@@ -44696,7 +45084,7 @@
           <p:cNvPr id="6" name="矩形 5">
             <a:extLst>
               <a:ext uri="{FF2B5EF4-FFF2-40B4-BE49-F238E27FC236}">
-                <a16:creationId xmlns:a16="http://schemas.microsoft.com/office/drawing/2014/main" id="{292EBC37-5228-4113-B543-87E9C71DC5F7}"/>
+                <a16:creationId xmlns:a16="http://schemas.microsoft.com/office/drawing/2014/main" xmlns="" id="{292EBC37-5228-4113-B543-87E9C71DC5F7}"/>
               </a:ext>
             </a:extLst>
           </p:cNvPr>
@@ -44705,7 +45093,7 @@
         </p:nvSpPr>
         <p:spPr>
           <a:xfrm>
-            <a:off x="383007" y="1549166"/>
+            <a:off x="560428" y="1506022"/>
             <a:ext cx="4959446" cy="369332"/>
           </a:xfrm>
           <a:prstGeom prst="rect">
@@ -44784,7 +45172,7 @@
           <p:cNvPr id="11" name="直接箭头连接符 10">
             <a:extLst>
               <a:ext uri="{FF2B5EF4-FFF2-40B4-BE49-F238E27FC236}">
-                <a16:creationId xmlns:a16="http://schemas.microsoft.com/office/drawing/2014/main" id="{798718A5-7D88-4F5B-9ACA-4635B2481E71}"/>
+                <a16:creationId xmlns:a16="http://schemas.microsoft.com/office/drawing/2014/main" xmlns="" id="{798718A5-7D88-4F5B-9ACA-4635B2481E71}"/>
               </a:ext>
             </a:extLst>
           </p:cNvPr>
@@ -44825,7 +45213,7 @@
           <p:cNvPr id="14" name="矩形 13">
             <a:extLst>
               <a:ext uri="{FF2B5EF4-FFF2-40B4-BE49-F238E27FC236}">
-                <a16:creationId xmlns:a16="http://schemas.microsoft.com/office/drawing/2014/main" id="{9ABFA276-A2AE-475D-B494-AC963A5E194F}"/>
+                <a16:creationId xmlns:a16="http://schemas.microsoft.com/office/drawing/2014/main" xmlns="" id="{9ABFA276-A2AE-475D-B494-AC963A5E194F}"/>
               </a:ext>
             </a:extLst>
           </p:cNvPr>
@@ -44834,8 +45222,8 @@
         </p:nvSpPr>
         <p:spPr>
           <a:xfrm>
-            <a:off x="384330" y="4037649"/>
-            <a:ext cx="4837375" cy="1477328"/>
+            <a:off x="560428" y="4631435"/>
+            <a:ext cx="4837375" cy="646331"/>
           </a:xfrm>
           <a:prstGeom prst="rect">
             <a:avLst/>
@@ -44891,34 +45279,7 @@
                 </a:solidFill>
                 <a:latin typeface="-apple-system"/>
               </a:rPr>
-              <a:t>变换。</a:t>
-            </a:r>
-            <a:endParaRPr lang="en-US" altLang="zh-CN" dirty="0" smtClean="0">
-              <a:solidFill>
-                <a:srgbClr val="24292E"/>
-              </a:solidFill>
-              <a:latin typeface="-apple-system"/>
-            </a:endParaRPr>
-          </a:p>
-          <a:p>
-            <a:r>
-              <a:rPr lang="zh-CN" altLang="en-US" dirty="0">
-                <a:solidFill>
-                  <a:srgbClr val="24292E"/>
-                </a:solidFill>
-                <a:latin typeface="-apple-system"/>
-              </a:rPr>
-              <a:t>使用</a:t>
-            </a:r>
-            <a:r>
-              <a:rPr lang="en-US" altLang="zh-CN" dirty="0" smtClean="0">
-                <a:solidFill>
-                  <a:srgbClr val="24292E"/>
-                </a:solidFill>
-                <a:latin typeface="Times New Roman" panose="02020603050405020304" pitchFamily="18" charset="0"/>
-                <a:cs typeface="Times New Roman" panose="02020603050405020304" pitchFamily="18" charset="0"/>
-              </a:rPr>
-              <a:t>log</a:t>
+              <a:t>变换</a:t>
             </a:r>
             <a:r>
               <a:rPr lang="zh-CN" altLang="en-US" dirty="0" smtClean="0">
@@ -44927,226 +45288,14 @@
                 </a:solidFill>
                 <a:latin typeface="-apple-system"/>
               </a:rPr>
-              <a:t>变换可以</a:t>
-            </a:r>
-            <a:r>
-              <a:rPr lang="zh-CN" altLang="en-US" dirty="0">
-                <a:solidFill>
-                  <a:srgbClr val="24292E"/>
-                </a:solidFill>
-                <a:latin typeface="-apple-system"/>
-              </a:rPr>
-              <a:t>使不同耗电量的店家维持在同一数量级</a:t>
-            </a:r>
-            <a:r>
-              <a:rPr lang="zh-CN" altLang="en-US" dirty="0" smtClean="0">
-                <a:solidFill>
-                  <a:srgbClr val="24292E"/>
-                </a:solidFill>
-                <a:latin typeface="-apple-system"/>
-              </a:rPr>
-              <a:t>，从而增加</a:t>
-            </a:r>
-            <a:r>
-              <a:rPr lang="zh-CN" altLang="en-US" dirty="0">
-                <a:solidFill>
-                  <a:srgbClr val="24292E"/>
-                </a:solidFill>
-                <a:latin typeface="-apple-system"/>
-              </a:rPr>
-              <a:t>耗电较少的商户的预测精度。</a:t>
-            </a:r>
-          </a:p>
-        </p:txBody>
-      </p:sp>
-      <p:sp>
-        <p:nvSpPr>
-          <p:cNvPr id="15" name="矩形 14">
-            <a:extLst>
-              <a:ext uri="{FF2B5EF4-FFF2-40B4-BE49-F238E27FC236}">
-                <a16:creationId xmlns:a16="http://schemas.microsoft.com/office/drawing/2014/main" id="{8F7A0423-A5EE-4C3B-9D03-7F675829DF20}"/>
-              </a:ext>
-            </a:extLst>
-          </p:cNvPr>
-          <p:cNvSpPr/>
-          <p:nvPr/>
-        </p:nvSpPr>
-        <p:spPr>
-          <a:xfrm>
-            <a:off x="383006" y="2377909"/>
-            <a:ext cx="4838699" cy="1200329"/>
-          </a:xfrm>
-          <a:prstGeom prst="rect">
-            <a:avLst/>
-          </a:prstGeom>
-        </p:spPr>
-        <p:txBody>
-          <a:bodyPr wrap="square">
-            <a:spAutoFit/>
-          </a:bodyPr>
-          <a:lstStyle/>
-          <a:p>
-            <a:r>
-              <a:rPr lang="zh-CN" altLang="en-US" dirty="0" smtClean="0">
-                <a:solidFill>
-                  <a:srgbClr val="24292E"/>
-                </a:solidFill>
-                <a:latin typeface="-apple-system"/>
-              </a:rPr>
-              <a:t>通过观察特征</a:t>
-            </a:r>
-            <a:r>
-              <a:rPr lang="zh-CN" altLang="en-US" dirty="0">
-                <a:solidFill>
-                  <a:srgbClr val="24292E"/>
-                </a:solidFill>
-                <a:latin typeface="-apple-system"/>
-              </a:rPr>
-              <a:t>重要性</a:t>
-            </a:r>
-            <a:r>
-              <a:rPr lang="zh-CN" altLang="en-US" dirty="0" smtClean="0">
-                <a:solidFill>
-                  <a:srgbClr val="24292E"/>
-                </a:solidFill>
-                <a:latin typeface="-apple-system"/>
-              </a:rPr>
-              <a:t>，提取出了</a:t>
-            </a:r>
-            <a:r>
-              <a:rPr lang="en-US" altLang="zh-CN" dirty="0">
-                <a:solidFill>
-                  <a:srgbClr val="24292E"/>
-                </a:solidFill>
-                <a:latin typeface="Times New Roman" panose="02020603050405020304" pitchFamily="18" charset="0"/>
-                <a:cs typeface="Times New Roman" panose="02020603050405020304" pitchFamily="18" charset="0"/>
-              </a:rPr>
-              <a:t>tiny</a:t>
-            </a:r>
-            <a:r>
-              <a:rPr lang="zh-CN" altLang="en-US" dirty="0">
-                <a:solidFill>
-                  <a:srgbClr val="24292E"/>
-                </a:solidFill>
-                <a:latin typeface="-apple-system"/>
-              </a:rPr>
-              <a:t>版本的特征，删去了冗余特征，添加了单周统计特征</a:t>
-            </a:r>
-            <a:r>
-              <a:rPr lang="en-US" altLang="zh-CN" dirty="0">
-                <a:solidFill>
-                  <a:srgbClr val="24292E"/>
-                </a:solidFill>
-                <a:latin typeface="-apple-system"/>
-              </a:rPr>
-              <a:t>(</a:t>
-            </a:r>
-            <a:r>
-              <a:rPr lang="en-US" altLang="zh-CN" dirty="0">
-                <a:solidFill>
-                  <a:srgbClr val="24292E"/>
-                </a:solidFill>
-                <a:latin typeface="Times New Roman" panose="02020603050405020304" pitchFamily="18" charset="0"/>
-                <a:cs typeface="Times New Roman" panose="02020603050405020304" pitchFamily="18" charset="0"/>
-              </a:rPr>
-              <a:t>min</a:t>
-            </a:r>
-            <a:r>
-              <a:rPr lang="zh-CN" altLang="en-US" dirty="0">
-                <a:solidFill>
-                  <a:srgbClr val="24292E"/>
-                </a:solidFill>
-                <a:latin typeface="-apple-system"/>
-              </a:rPr>
-              <a:t>、</a:t>
-            </a:r>
-            <a:r>
-              <a:rPr lang="en-US" altLang="zh-CN" dirty="0">
-                <a:solidFill>
-                  <a:srgbClr val="24292E"/>
-                </a:solidFill>
-                <a:latin typeface="Times New Roman" panose="02020603050405020304" pitchFamily="18" charset="0"/>
-                <a:cs typeface="Times New Roman" panose="02020603050405020304" pitchFamily="18" charset="0"/>
-              </a:rPr>
-              <a:t>max</a:t>
-            </a:r>
-            <a:r>
-              <a:rPr lang="zh-CN" altLang="en-US" dirty="0">
-                <a:solidFill>
-                  <a:srgbClr val="24292E"/>
-                </a:solidFill>
-                <a:latin typeface="-apple-system"/>
-              </a:rPr>
-              <a:t>、</a:t>
-            </a:r>
-            <a:r>
-              <a:rPr lang="en-US" altLang="zh-CN" dirty="0" err="1">
-                <a:solidFill>
-                  <a:srgbClr val="24292E"/>
-                </a:solidFill>
-                <a:latin typeface="Times New Roman" panose="02020603050405020304" pitchFamily="18" charset="0"/>
-                <a:cs typeface="Times New Roman" panose="02020603050405020304" pitchFamily="18" charset="0"/>
-              </a:rPr>
-              <a:t>std</a:t>
-            </a:r>
-            <a:r>
-              <a:rPr lang="zh-CN" altLang="en-US" dirty="0">
-                <a:solidFill>
-                  <a:srgbClr val="24292E"/>
-                </a:solidFill>
-                <a:latin typeface="-apple-system"/>
-              </a:rPr>
-              <a:t>、</a:t>
-            </a:r>
-            <a:r>
-              <a:rPr lang="en-US" altLang="zh-CN" dirty="0">
-                <a:solidFill>
-                  <a:srgbClr val="24292E"/>
-                </a:solidFill>
-                <a:latin typeface="Times New Roman" panose="02020603050405020304" pitchFamily="18" charset="0"/>
-                <a:cs typeface="Times New Roman" panose="02020603050405020304" pitchFamily="18" charset="0"/>
-              </a:rPr>
-              <a:t>mean</a:t>
-            </a:r>
-            <a:r>
-              <a:rPr lang="en-US" altLang="zh-CN" dirty="0">
-                <a:solidFill>
-                  <a:srgbClr val="24292E"/>
-                </a:solidFill>
-                <a:latin typeface="-apple-system"/>
-              </a:rPr>
-              <a:t>)</a:t>
-            </a:r>
-            <a:r>
-              <a:rPr lang="zh-CN" altLang="en-US" dirty="0">
-                <a:solidFill>
-                  <a:srgbClr val="24292E"/>
-                </a:solidFill>
-                <a:latin typeface="-apple-system"/>
-              </a:rPr>
-              <a:t>，这儿不赘言了，有兴趣可见</a:t>
-            </a:r>
-            <a:r>
-              <a:rPr lang="en-US" altLang="zh-CN" dirty="0" err="1">
-                <a:solidFill>
-                  <a:srgbClr val="24292E"/>
-                </a:solidFill>
-                <a:latin typeface="Times New Roman" panose="02020603050405020304" pitchFamily="18" charset="0"/>
-                <a:cs typeface="Times New Roman" panose="02020603050405020304" pitchFamily="18" charset="0"/>
-                <a:hlinkClick r:id="rId4"/>
-              </a:rPr>
-              <a:t>get_feature_cloumn_tiny</a:t>
-            </a:r>
-            <a:r>
-              <a:rPr lang="zh-CN" altLang="en-US" dirty="0">
-                <a:solidFill>
-                  <a:srgbClr val="24292E"/>
-                </a:solidFill>
-                <a:latin typeface="-apple-system"/>
-              </a:rPr>
               <a:t>。</a:t>
             </a:r>
-            <a:endParaRPr lang="zh-CN" altLang="en-US" dirty="0"/>
+            <a:endParaRPr lang="zh-CN" altLang="en-US" dirty="0">
+              <a:solidFill>
+                <a:srgbClr val="24292E"/>
+              </a:solidFill>
+              <a:latin typeface="-apple-system"/>
+            </a:endParaRPr>
           </a:p>
         </p:txBody>
       </p:sp>

--- a/presentation.pptx
+++ b/presentation.pptx
@@ -194,6 +194,7 @@
           </a:p>
         </c:rich>
       </c:tx>
+      <c:layout/>
       <c:overlay val="0"/>
       <c:spPr>
         <a:noFill/>
@@ -502,6 +503,7 @@
   </mc:AlternateContent>
   <c:chart>
     <c:title>
+      <c:layout/>
       <c:overlay val="0"/>
       <c:spPr>
         <a:noFill/>
@@ -725,6 +727,7 @@
     </c:plotArea>
     <c:legend>
       <c:legendPos val="b"/>
+      <c:layout/>
       <c:overlay val="0"/>
       <c:spPr>
         <a:noFill/>
@@ -822,6 +825,7 @@
           </a:p>
         </c:rich>
       </c:tx>
+      <c:layout/>
       <c:overlay val="0"/>
       <c:spPr>
         <a:noFill/>
@@ -1249,6 +1253,7 @@
     </c:plotArea>
     <c:legend>
       <c:legendPos val="b"/>
+      <c:layout/>
       <c:overlay val="0"/>
       <c:spPr>
         <a:noFill/>
@@ -1365,6 +1370,7 @@
           </a:p>
         </c:rich>
       </c:tx>
+      <c:layout/>
       <c:overlay val="0"/>
       <c:spPr>
         <a:noFill/>
@@ -1999,6 +2005,7 @@
           </a:p>
         </c:rich>
       </c:tx>
+      <c:layout/>
       <c:overlay val="0"/>
       <c:spPr>
         <a:noFill/>
@@ -2376,6 +2383,7 @@
     </c:plotArea>
     <c:legend>
       <c:legendPos val="b"/>
+      <c:layout/>
       <c:overlay val="0"/>
       <c:spPr>
         <a:noFill/>
@@ -2476,6 +2484,7 @@
           </a:p>
         </c:rich>
       </c:tx>
+      <c:layout/>
       <c:overlay val="0"/>
       <c:spPr>
         <a:noFill/>
@@ -2566,6 +2575,7 @@
             <c:showLeaderLines val="0"/>
             <c:extLst>
               <c:ext xmlns:c15="http://schemas.microsoft.com/office/drawing/2012/chart" uri="{CE6537A1-D6FC-4f65-9D91-7224C49458BB}">
+                <c15:layout/>
                 <c15:showLeaderLines val="1"/>
                 <c15:leaderLines>
                   <c:spPr>
@@ -2862,6 +2872,7 @@
           </a:p>
         </c:rich>
       </c:tx>
+      <c:layout/>
       <c:overlay val="0"/>
       <c:spPr>
         <a:noFill/>
@@ -2952,6 +2963,7 @@
             <c:showLeaderLines val="0"/>
             <c:extLst>
               <c:ext xmlns:c15="http://schemas.microsoft.com/office/drawing/2012/chart" uri="{CE6537A1-D6FC-4f65-9D91-7224C49458BB}">
+                <c15:layout/>
                 <c15:showLeaderLines val="1"/>
                 <c15:leaderLines>
                   <c:spPr>
@@ -3298,6 +3310,7 @@
           </a:p>
         </c:rich>
       </c:tx>
+      <c:layout/>
       <c:overlay val="0"/>
       <c:spPr>
         <a:noFill/>
@@ -3759,6 +3772,7 @@
           </a:p>
         </c:rich>
       </c:tx>
+      <c:layout/>
       <c:overlay val="0"/>
       <c:spPr>
         <a:noFill/>
@@ -4362,6 +4376,7 @@
     </c:plotArea>
     <c:legend>
       <c:legendPos val="b"/>
+      <c:layout/>
       <c:overlay val="0"/>
       <c:spPr>
         <a:noFill/>
@@ -4466,6 +4481,11 @@
               </a:ln>
               <a:effectLst/>
             </c:spPr>
+            <c:extLst>
+              <c:ext xmlns:c16="http://schemas.microsoft.com/office/drawing/2014/chart" uri="{C3380CC4-5D6E-409C-BE32-E72D297353CC}">
+                <c16:uniqueId val="{00000001-F025-469C-9A94-6CC3D2C82114}"/>
+              </c:ext>
+            </c:extLst>
           </c:dPt>
           <c:dPt>
             <c:idx val="1"/>
@@ -4481,6 +4501,11 @@
               </a:ln>
               <a:effectLst/>
             </c:spPr>
+            <c:extLst>
+              <c:ext xmlns:c16="http://schemas.microsoft.com/office/drawing/2014/chart" uri="{C3380CC4-5D6E-409C-BE32-E72D297353CC}">
+                <c16:uniqueId val="{00000003-F025-469C-9A94-6CC3D2C82114}"/>
+              </c:ext>
+            </c:extLst>
           </c:dPt>
           <c:dPt>
             <c:idx val="2"/>
@@ -4496,6 +4521,11 @@
               </a:ln>
               <a:effectLst/>
             </c:spPr>
+            <c:extLst>
+              <c:ext xmlns:c16="http://schemas.microsoft.com/office/drawing/2014/chart" uri="{C3380CC4-5D6E-409C-BE32-E72D297353CC}">
+                <c16:uniqueId val="{00000005-F025-469C-9A94-6CC3D2C82114}"/>
+              </c:ext>
+            </c:extLst>
           </c:dPt>
           <c:dPt>
             <c:idx val="3"/>
@@ -4511,6 +4541,11 @@
               </a:ln>
               <a:effectLst/>
             </c:spPr>
+            <c:extLst>
+              <c:ext xmlns:c16="http://schemas.microsoft.com/office/drawing/2014/chart" uri="{C3380CC4-5D6E-409C-BE32-E72D297353CC}">
+                <c16:uniqueId val="{00000007-F025-469C-9A94-6CC3D2C82114}"/>
+              </c:ext>
+            </c:extLst>
           </c:dPt>
           <c:dPt>
             <c:idx val="4"/>
@@ -4526,6 +4561,11 @@
               </a:ln>
               <a:effectLst/>
             </c:spPr>
+            <c:extLst>
+              <c:ext xmlns:c16="http://schemas.microsoft.com/office/drawing/2014/chart" uri="{C3380CC4-5D6E-409C-BE32-E72D297353CC}">
+                <c16:uniqueId val="{00000009-F025-469C-9A94-6CC3D2C82114}"/>
+              </c:ext>
+            </c:extLst>
           </c:dPt>
           <c:cat>
             <c:strRef>
@@ -4604,6 +4644,7 @@
     </c:plotArea>
     <c:legend>
       <c:legendPos val="b"/>
+      <c:layout/>
       <c:overlay val="0"/>
       <c:spPr>
         <a:noFill/>
@@ -11152,6 +11193,7 @@
     </c:plotArea>
     <c:legend>
       <c:legendPos val="r"/>
+      <c:layout/>
       <c:overlay val="0"/>
       <c:spPr>
         <a:noFill/>
@@ -11251,6 +11293,7 @@
           </a:p>
         </c:rich>
       </c:tx>
+      <c:layout/>
       <c:overlay val="0"/>
       <c:spPr>
         <a:noFill/>
@@ -23046,6 +23089,7 @@
     </c:plotArea>
     <c:legend>
       <c:legendPos val="b"/>
+      <c:layout/>
       <c:overlay val="0"/>
       <c:spPr>
         <a:noFill/>
@@ -31618,6 +31662,13 @@
         </dgm:presLayoutVars>
       </dgm:prSet>
       <dgm:spPr/>
+      <dgm:t>
+        <a:bodyPr/>
+        <a:lstStyle/>
+        <a:p>
+          <a:endParaRPr lang="zh-CN" altLang="en-US"/>
+        </a:p>
+      </dgm:t>
     </dgm:pt>
     <dgm:pt modelId="{22C77410-99BA-40FD-81C6-45EA34713AE7}" type="pres">
       <dgm:prSet presAssocID="{3A24F4D0-C90C-40D7-B2BE-116725F6C929}" presName="composite" presStyleCnt="0"/>
@@ -31632,6 +31683,13 @@
         </dgm:presLayoutVars>
       </dgm:prSet>
       <dgm:spPr/>
+      <dgm:t>
+        <a:bodyPr/>
+        <a:lstStyle/>
+        <a:p>
+          <a:endParaRPr lang="zh-CN" altLang="en-US"/>
+        </a:p>
+      </dgm:t>
     </dgm:pt>
     <dgm:pt modelId="{C40393F6-3CC3-4B3E-8987-36F5088487B8}" type="pres">
       <dgm:prSet presAssocID="{3A24F4D0-C90C-40D7-B2BE-116725F6C929}" presName="desTx" presStyleLbl="alignAccFollowNode1" presStyleIdx="0" presStyleCnt="3">
@@ -31640,6 +31698,13 @@
         </dgm:presLayoutVars>
       </dgm:prSet>
       <dgm:spPr/>
+      <dgm:t>
+        <a:bodyPr/>
+        <a:lstStyle/>
+        <a:p>
+          <a:endParaRPr lang="zh-CN" altLang="en-US"/>
+        </a:p>
+      </dgm:t>
     </dgm:pt>
     <dgm:pt modelId="{77A0E466-DCDE-4864-B2A9-018BD83CDBBC}" type="pres">
       <dgm:prSet presAssocID="{B02572E0-2686-4EAA-A534-7589BFE4DCEB}" presName="space" presStyleCnt="0"/>
@@ -31658,6 +31723,13 @@
         </dgm:presLayoutVars>
       </dgm:prSet>
       <dgm:spPr/>
+      <dgm:t>
+        <a:bodyPr/>
+        <a:lstStyle/>
+        <a:p>
+          <a:endParaRPr lang="zh-CN" altLang="en-US"/>
+        </a:p>
+      </dgm:t>
     </dgm:pt>
     <dgm:pt modelId="{F98F2791-80F1-46FA-AE54-4D663A754F05}" type="pres">
       <dgm:prSet presAssocID="{5BCB6FB9-F5E1-47ED-931E-7213FC8A1F9E}" presName="desTx" presStyleLbl="alignAccFollowNode1" presStyleIdx="1" presStyleCnt="3">
@@ -31666,6 +31738,13 @@
         </dgm:presLayoutVars>
       </dgm:prSet>
       <dgm:spPr/>
+      <dgm:t>
+        <a:bodyPr/>
+        <a:lstStyle/>
+        <a:p>
+          <a:endParaRPr lang="zh-CN" altLang="en-US"/>
+        </a:p>
+      </dgm:t>
     </dgm:pt>
     <dgm:pt modelId="{B82612B3-747A-4055-BAD5-FDD3AB316626}" type="pres">
       <dgm:prSet presAssocID="{D815A892-D225-460A-9A79-F2445039B7DA}" presName="space" presStyleCnt="0"/>
@@ -31684,6 +31763,13 @@
         </dgm:presLayoutVars>
       </dgm:prSet>
       <dgm:spPr/>
+      <dgm:t>
+        <a:bodyPr/>
+        <a:lstStyle/>
+        <a:p>
+          <a:endParaRPr lang="zh-CN" altLang="en-US"/>
+        </a:p>
+      </dgm:t>
     </dgm:pt>
     <dgm:pt modelId="{0567FCEA-70B7-4B95-BE00-6283F8D413F1}" type="pres">
       <dgm:prSet presAssocID="{6F51FE29-0E65-406A-98D0-FBEDAD1AE89B}" presName="desTx" presStyleLbl="alignAccFollowNode1" presStyleIdx="2" presStyleCnt="3">
@@ -31692,26 +31778,33 @@
         </dgm:presLayoutVars>
       </dgm:prSet>
       <dgm:spPr/>
+      <dgm:t>
+        <a:bodyPr/>
+        <a:lstStyle/>
+        <a:p>
+          <a:endParaRPr lang="zh-CN" altLang="en-US"/>
+        </a:p>
+      </dgm:t>
     </dgm:pt>
   </dgm:ptLst>
   <dgm:cxnLst>
+    <dgm:cxn modelId="{0A5B2A0F-A5E9-4009-8FA8-F4496382B35B}" type="presOf" srcId="{DE4D7A17-67AA-4195-8838-98B675991208}" destId="{0567FCEA-70B7-4B95-BE00-6283F8D413F1}" srcOrd="0" destOrd="0" presId="urn:microsoft.com/office/officeart/2005/8/layout/hList1"/>
     <dgm:cxn modelId="{3CFFBD0B-B109-4C14-A03C-53972812B79C}" srcId="{4B136C25-3FDA-4BAF-BD75-FEA552023AA4}" destId="{5BCB6FB9-F5E1-47ED-931E-7213FC8A1F9E}" srcOrd="1" destOrd="0" parTransId="{D91CE702-9E13-46A7-AF55-09B2F64B11E4}" sibTransId="{D815A892-D225-460A-9A79-F2445039B7DA}"/>
+    <dgm:cxn modelId="{279126C6-B690-406A-843C-64A1A11F7202}" srcId="{4B136C25-3FDA-4BAF-BD75-FEA552023AA4}" destId="{6F51FE29-0E65-406A-98D0-FBEDAD1AE89B}" srcOrd="2" destOrd="0" parTransId="{4D5297AD-E5D5-40FA-90C1-8E3E17B98EEC}" sibTransId="{0DEDA54F-8B58-4153-B1F7-2AAB5BEDEF98}"/>
+    <dgm:cxn modelId="{7E8E163A-7F53-4435-B69B-6C5FBE21BB53}" type="presOf" srcId="{3A24F4D0-C90C-40D7-B2BE-116725F6C929}" destId="{9031E70F-5A69-4932-9E4D-1CE32CADF1C0}" srcOrd="0" destOrd="0" presId="urn:microsoft.com/office/officeart/2005/8/layout/hList1"/>
+    <dgm:cxn modelId="{1493DF6C-6293-41B6-BE05-DF5291EB74D0}" type="presOf" srcId="{14B14819-193B-4172-9C7B-48F8E42D8E0C}" destId="{F98F2791-80F1-46FA-AE54-4D663A754F05}" srcOrd="0" destOrd="0" presId="urn:microsoft.com/office/officeart/2005/8/layout/hList1"/>
+    <dgm:cxn modelId="{332BBC98-7605-4B69-886B-EBC3D3952C83}" type="presOf" srcId="{9A95E106-BFAF-44EF-B9CD-093A9562FCE1}" destId="{C40393F6-3CC3-4B3E-8987-36F5088487B8}" srcOrd="0" destOrd="0" presId="urn:microsoft.com/office/officeart/2005/8/layout/hList1"/>
+    <dgm:cxn modelId="{D930507E-7C60-4AB6-AC74-A8DEF3A574C1}" srcId="{3A24F4D0-C90C-40D7-B2BE-116725F6C929}" destId="{1E479C64-B541-4D00-8E52-4813085A4710}" srcOrd="1" destOrd="0" parTransId="{939DF8B6-B92B-4DBB-85E2-CFED37958633}" sibTransId="{0C9216AD-1BB0-49CB-8D71-03215B65BB6D}"/>
+    <dgm:cxn modelId="{B146748A-F43D-46CF-92F1-6976EAA161F2}" type="presOf" srcId="{A5D7CECA-6E80-4C24-A46F-673A8A49A5BD}" destId="{C40393F6-3CC3-4B3E-8987-36F5088487B8}" srcOrd="0" destOrd="2" presId="urn:microsoft.com/office/officeart/2005/8/layout/hList1"/>
     <dgm:cxn modelId="{A357BA0D-A520-437A-B75E-A73BD79D299E}" type="presOf" srcId="{1E479C64-B541-4D00-8E52-4813085A4710}" destId="{C40393F6-3CC3-4B3E-8987-36F5088487B8}" srcOrd="0" destOrd="1" presId="urn:microsoft.com/office/officeart/2005/8/layout/hList1"/>
-    <dgm:cxn modelId="{0A5B2A0F-A5E9-4009-8FA8-F4496382B35B}" type="presOf" srcId="{DE4D7A17-67AA-4195-8838-98B675991208}" destId="{0567FCEA-70B7-4B95-BE00-6283F8D413F1}" srcOrd="0" destOrd="0" presId="urn:microsoft.com/office/officeart/2005/8/layout/hList1"/>
+    <dgm:cxn modelId="{1A26D196-EE2B-42EC-B0F9-94ECD62DF478}" srcId="{6F51FE29-0E65-406A-98D0-FBEDAD1AE89B}" destId="{DE4D7A17-67AA-4195-8838-98B675991208}" srcOrd="0" destOrd="0" parTransId="{28E848F1-2589-4C45-8CC7-CBEFEA40DEC9}" sibTransId="{7452DA4C-1265-4DEC-BE8D-769BE3490C09}"/>
+    <dgm:cxn modelId="{0A225EC7-1BAD-481F-88F1-4703ED8A78C9}" srcId="{3A24F4D0-C90C-40D7-B2BE-116725F6C929}" destId="{9A95E106-BFAF-44EF-B9CD-093A9562FCE1}" srcOrd="0" destOrd="0" parTransId="{4BA22DD3-9E24-4FAC-B3DF-87A782A39A7A}" sibTransId="{5E52C7A3-7717-4259-807C-4ED737245634}"/>
+    <dgm:cxn modelId="{18BE5B72-96BB-4D43-B928-03C86359BFBD}" srcId="{5BCB6FB9-F5E1-47ED-931E-7213FC8A1F9E}" destId="{14B14819-193B-4172-9C7B-48F8E42D8E0C}" srcOrd="0" destOrd="0" parTransId="{45FDCB0D-2173-4E7F-8453-6941A47EFB68}" sibTransId="{C745D886-2E73-43CA-B400-3D43FE69E655}"/>
     <dgm:cxn modelId="{75209510-EE3A-478F-B8D3-6F7281D32DC9}" type="presOf" srcId="{4B136C25-3FDA-4BAF-BD75-FEA552023AA4}" destId="{FE6B0337-321F-4BD2-A720-2259508F15E8}" srcOrd="0" destOrd="0" presId="urn:microsoft.com/office/officeart/2005/8/layout/hList1"/>
-    <dgm:cxn modelId="{7E8E163A-7F53-4435-B69B-6C5FBE21BB53}" type="presOf" srcId="{3A24F4D0-C90C-40D7-B2BE-116725F6C929}" destId="{9031E70F-5A69-4932-9E4D-1CE32CADF1C0}" srcOrd="0" destOrd="0" presId="urn:microsoft.com/office/officeart/2005/8/layout/hList1"/>
+    <dgm:cxn modelId="{091F1AF6-E2A7-4E7C-B62C-8820F3B3B411}" srcId="{4B136C25-3FDA-4BAF-BD75-FEA552023AA4}" destId="{3A24F4D0-C90C-40D7-B2BE-116725F6C929}" srcOrd="0" destOrd="0" parTransId="{1B048B34-BE34-4BB0-B7A2-B325F0AB11D7}" sibTransId="{B02572E0-2686-4EAA-A534-7589BFE4DCEB}"/>
+    <dgm:cxn modelId="{E73C3FB4-A2C0-4292-8141-EB5686D6BA04}" srcId="{3A24F4D0-C90C-40D7-B2BE-116725F6C929}" destId="{A5D7CECA-6E80-4C24-A46F-673A8A49A5BD}" srcOrd="2" destOrd="0" parTransId="{EFC654F1-9BA6-4054-8BCD-707702D1D1CD}" sibTransId="{8AA8DA39-44C0-46A2-A832-24300E05F7C8}"/>
     <dgm:cxn modelId="{1FCFE960-89C9-4599-BB91-5798F4BB0B2B}" type="presOf" srcId="{5BCB6FB9-F5E1-47ED-931E-7213FC8A1F9E}" destId="{1248B100-2497-4EC2-86F4-5FEB0544A5FC}" srcOrd="0" destOrd="0" presId="urn:microsoft.com/office/officeart/2005/8/layout/hList1"/>
     <dgm:cxn modelId="{A4FC6548-E1DD-4DFA-952B-D61B9269D201}" type="presOf" srcId="{6F51FE29-0E65-406A-98D0-FBEDAD1AE89B}" destId="{D130DEE8-81E4-403D-9E31-3B7C089AEA7D}" srcOrd="0" destOrd="0" presId="urn:microsoft.com/office/officeart/2005/8/layout/hList1"/>
-    <dgm:cxn modelId="{1493DF6C-6293-41B6-BE05-DF5291EB74D0}" type="presOf" srcId="{14B14819-193B-4172-9C7B-48F8E42D8E0C}" destId="{F98F2791-80F1-46FA-AE54-4D663A754F05}" srcOrd="0" destOrd="0" presId="urn:microsoft.com/office/officeart/2005/8/layout/hList1"/>
-    <dgm:cxn modelId="{18BE5B72-96BB-4D43-B928-03C86359BFBD}" srcId="{5BCB6FB9-F5E1-47ED-931E-7213FC8A1F9E}" destId="{14B14819-193B-4172-9C7B-48F8E42D8E0C}" srcOrd="0" destOrd="0" parTransId="{45FDCB0D-2173-4E7F-8453-6941A47EFB68}" sibTransId="{C745D886-2E73-43CA-B400-3D43FE69E655}"/>
-    <dgm:cxn modelId="{D930507E-7C60-4AB6-AC74-A8DEF3A574C1}" srcId="{3A24F4D0-C90C-40D7-B2BE-116725F6C929}" destId="{1E479C64-B541-4D00-8E52-4813085A4710}" srcOrd="1" destOrd="0" parTransId="{939DF8B6-B92B-4DBB-85E2-CFED37958633}" sibTransId="{0C9216AD-1BB0-49CB-8D71-03215B65BB6D}"/>
-    <dgm:cxn modelId="{B146748A-F43D-46CF-92F1-6976EAA161F2}" type="presOf" srcId="{A5D7CECA-6E80-4C24-A46F-673A8A49A5BD}" destId="{C40393F6-3CC3-4B3E-8987-36F5088487B8}" srcOrd="0" destOrd="2" presId="urn:microsoft.com/office/officeart/2005/8/layout/hList1"/>
-    <dgm:cxn modelId="{1A26D196-EE2B-42EC-B0F9-94ECD62DF478}" srcId="{6F51FE29-0E65-406A-98D0-FBEDAD1AE89B}" destId="{DE4D7A17-67AA-4195-8838-98B675991208}" srcOrd="0" destOrd="0" parTransId="{28E848F1-2589-4C45-8CC7-CBEFEA40DEC9}" sibTransId="{7452DA4C-1265-4DEC-BE8D-769BE3490C09}"/>
-    <dgm:cxn modelId="{332BBC98-7605-4B69-886B-EBC3D3952C83}" type="presOf" srcId="{9A95E106-BFAF-44EF-B9CD-093A9562FCE1}" destId="{C40393F6-3CC3-4B3E-8987-36F5088487B8}" srcOrd="0" destOrd="0" presId="urn:microsoft.com/office/officeart/2005/8/layout/hList1"/>
-    <dgm:cxn modelId="{E73C3FB4-A2C0-4292-8141-EB5686D6BA04}" srcId="{3A24F4D0-C90C-40D7-B2BE-116725F6C929}" destId="{A5D7CECA-6E80-4C24-A46F-673A8A49A5BD}" srcOrd="2" destOrd="0" parTransId="{EFC654F1-9BA6-4054-8BCD-707702D1D1CD}" sibTransId="{8AA8DA39-44C0-46A2-A832-24300E05F7C8}"/>
-    <dgm:cxn modelId="{279126C6-B690-406A-843C-64A1A11F7202}" srcId="{4B136C25-3FDA-4BAF-BD75-FEA552023AA4}" destId="{6F51FE29-0E65-406A-98D0-FBEDAD1AE89B}" srcOrd="2" destOrd="0" parTransId="{4D5297AD-E5D5-40FA-90C1-8E3E17B98EEC}" sibTransId="{0DEDA54F-8B58-4153-B1F7-2AAB5BEDEF98}"/>
-    <dgm:cxn modelId="{0A225EC7-1BAD-481F-88F1-4703ED8A78C9}" srcId="{3A24F4D0-C90C-40D7-B2BE-116725F6C929}" destId="{9A95E106-BFAF-44EF-B9CD-093A9562FCE1}" srcOrd="0" destOrd="0" parTransId="{4BA22DD3-9E24-4FAC-B3DF-87A782A39A7A}" sibTransId="{5E52C7A3-7717-4259-807C-4ED737245634}"/>
-    <dgm:cxn modelId="{091F1AF6-E2A7-4E7C-B62C-8820F3B3B411}" srcId="{4B136C25-3FDA-4BAF-BD75-FEA552023AA4}" destId="{3A24F4D0-C90C-40D7-B2BE-116725F6C929}" srcOrd="0" destOrd="0" parTransId="{1B048B34-BE34-4BB0-B7A2-B325F0AB11D7}" sibTransId="{B02572E0-2686-4EAA-A534-7589BFE4DCEB}"/>
     <dgm:cxn modelId="{FD971317-B656-4AC3-A233-3B3B7181F7E5}" type="presParOf" srcId="{FE6B0337-321F-4BD2-A720-2259508F15E8}" destId="{22C77410-99BA-40FD-81C6-45EA34713AE7}" srcOrd="0" destOrd="0" presId="urn:microsoft.com/office/officeart/2005/8/layout/hList1"/>
     <dgm:cxn modelId="{3809E8D9-BB71-4E94-9B00-8EF842F14D10}" type="presParOf" srcId="{22C77410-99BA-40FD-81C6-45EA34713AE7}" destId="{9031E70F-5A69-4932-9E4D-1CE32CADF1C0}" srcOrd="0" destOrd="0" presId="urn:microsoft.com/office/officeart/2005/8/layout/hList1"/>
     <dgm:cxn modelId="{44977918-B10F-4C3D-883F-A4CEFD330CF7}" type="presParOf" srcId="{22C77410-99BA-40FD-81C6-45EA34713AE7}" destId="{C40393F6-3CC3-4B3E-8987-36F5088487B8}" srcOrd="1" destOrd="0" presId="urn:microsoft.com/office/officeart/2005/8/layout/hList1"/>
@@ -32090,6 +32183,13 @@
         </dgm:presLayoutVars>
       </dgm:prSet>
       <dgm:spPr/>
+      <dgm:t>
+        <a:bodyPr/>
+        <a:lstStyle/>
+        <a:p>
+          <a:endParaRPr lang="zh-CN" altLang="en-US"/>
+        </a:p>
+      </dgm:t>
     </dgm:pt>
     <dgm:pt modelId="{22C77410-99BA-40FD-81C6-45EA34713AE7}" type="pres">
       <dgm:prSet presAssocID="{3A24F4D0-C90C-40D7-B2BE-116725F6C929}" presName="composite" presStyleCnt="0"/>
@@ -32104,6 +32204,13 @@
         </dgm:presLayoutVars>
       </dgm:prSet>
       <dgm:spPr/>
+      <dgm:t>
+        <a:bodyPr/>
+        <a:lstStyle/>
+        <a:p>
+          <a:endParaRPr lang="zh-CN" altLang="en-US"/>
+        </a:p>
+      </dgm:t>
     </dgm:pt>
     <dgm:pt modelId="{C40393F6-3CC3-4B3E-8987-36F5088487B8}" type="pres">
       <dgm:prSet presAssocID="{3A24F4D0-C90C-40D7-B2BE-116725F6C929}" presName="desTx" presStyleLbl="alignAccFollowNode1" presStyleIdx="0" presStyleCnt="3">
@@ -32112,6 +32219,13 @@
         </dgm:presLayoutVars>
       </dgm:prSet>
       <dgm:spPr/>
+      <dgm:t>
+        <a:bodyPr/>
+        <a:lstStyle/>
+        <a:p>
+          <a:endParaRPr lang="zh-CN" altLang="en-US"/>
+        </a:p>
+      </dgm:t>
     </dgm:pt>
     <dgm:pt modelId="{77A0E466-DCDE-4864-B2A9-018BD83CDBBC}" type="pres">
       <dgm:prSet presAssocID="{B02572E0-2686-4EAA-A534-7589BFE4DCEB}" presName="space" presStyleCnt="0"/>
@@ -32130,6 +32244,13 @@
         </dgm:presLayoutVars>
       </dgm:prSet>
       <dgm:spPr/>
+      <dgm:t>
+        <a:bodyPr/>
+        <a:lstStyle/>
+        <a:p>
+          <a:endParaRPr lang="zh-CN" altLang="en-US"/>
+        </a:p>
+      </dgm:t>
     </dgm:pt>
     <dgm:pt modelId="{F98F2791-80F1-46FA-AE54-4D663A754F05}" type="pres">
       <dgm:prSet presAssocID="{5BCB6FB9-F5E1-47ED-931E-7213FC8A1F9E}" presName="desTx" presStyleLbl="alignAccFollowNode1" presStyleIdx="1" presStyleCnt="3">
@@ -32138,6 +32259,13 @@
         </dgm:presLayoutVars>
       </dgm:prSet>
       <dgm:spPr/>
+      <dgm:t>
+        <a:bodyPr/>
+        <a:lstStyle/>
+        <a:p>
+          <a:endParaRPr lang="zh-CN" altLang="en-US"/>
+        </a:p>
+      </dgm:t>
     </dgm:pt>
     <dgm:pt modelId="{B82612B3-747A-4055-BAD5-FDD3AB316626}" type="pres">
       <dgm:prSet presAssocID="{D815A892-D225-460A-9A79-F2445039B7DA}" presName="space" presStyleCnt="0"/>
@@ -32156,6 +32284,13 @@
         </dgm:presLayoutVars>
       </dgm:prSet>
       <dgm:spPr/>
+      <dgm:t>
+        <a:bodyPr/>
+        <a:lstStyle/>
+        <a:p>
+          <a:endParaRPr lang="zh-CN" altLang="en-US"/>
+        </a:p>
+      </dgm:t>
     </dgm:pt>
     <dgm:pt modelId="{0567FCEA-70B7-4B95-BE00-6283F8D413F1}" type="pres">
       <dgm:prSet presAssocID="{6F51FE29-0E65-406A-98D0-FBEDAD1AE89B}" presName="desTx" presStyleLbl="alignAccFollowNode1" presStyleIdx="2" presStyleCnt="3">
@@ -32164,26 +32299,33 @@
         </dgm:presLayoutVars>
       </dgm:prSet>
       <dgm:spPr/>
+      <dgm:t>
+        <a:bodyPr/>
+        <a:lstStyle/>
+        <a:p>
+          <a:endParaRPr lang="zh-CN" altLang="en-US"/>
+        </a:p>
+      </dgm:t>
     </dgm:pt>
   </dgm:ptLst>
   <dgm:cxnLst>
+    <dgm:cxn modelId="{0A5B2A0F-A5E9-4009-8FA8-F4496382B35B}" type="presOf" srcId="{DE4D7A17-67AA-4195-8838-98B675991208}" destId="{0567FCEA-70B7-4B95-BE00-6283F8D413F1}" srcOrd="0" destOrd="0" presId="urn:microsoft.com/office/officeart/2005/8/layout/hList1"/>
     <dgm:cxn modelId="{3CFFBD0B-B109-4C14-A03C-53972812B79C}" srcId="{4B136C25-3FDA-4BAF-BD75-FEA552023AA4}" destId="{5BCB6FB9-F5E1-47ED-931E-7213FC8A1F9E}" srcOrd="1" destOrd="0" parTransId="{D91CE702-9E13-46A7-AF55-09B2F64B11E4}" sibTransId="{D815A892-D225-460A-9A79-F2445039B7DA}"/>
-    <dgm:cxn modelId="{0A5B2A0F-A5E9-4009-8FA8-F4496382B35B}" type="presOf" srcId="{DE4D7A17-67AA-4195-8838-98B675991208}" destId="{0567FCEA-70B7-4B95-BE00-6283F8D413F1}" srcOrd="0" destOrd="0" presId="urn:microsoft.com/office/officeart/2005/8/layout/hList1"/>
+    <dgm:cxn modelId="{279126C6-B690-406A-843C-64A1A11F7202}" srcId="{4B136C25-3FDA-4BAF-BD75-FEA552023AA4}" destId="{6F51FE29-0E65-406A-98D0-FBEDAD1AE89B}" srcOrd="2" destOrd="0" parTransId="{4D5297AD-E5D5-40FA-90C1-8E3E17B98EEC}" sibTransId="{0DEDA54F-8B58-4153-B1F7-2AAB5BEDEF98}"/>
+    <dgm:cxn modelId="{7E8E163A-7F53-4435-B69B-6C5FBE21BB53}" type="presOf" srcId="{3A24F4D0-C90C-40D7-B2BE-116725F6C929}" destId="{9031E70F-5A69-4932-9E4D-1CE32CADF1C0}" srcOrd="0" destOrd="0" presId="urn:microsoft.com/office/officeart/2005/8/layout/hList1"/>
+    <dgm:cxn modelId="{1493DF6C-6293-41B6-BE05-DF5291EB74D0}" type="presOf" srcId="{14B14819-193B-4172-9C7B-48F8E42D8E0C}" destId="{F98F2791-80F1-46FA-AE54-4D663A754F05}" srcOrd="0" destOrd="0" presId="urn:microsoft.com/office/officeart/2005/8/layout/hList1"/>
+    <dgm:cxn modelId="{4B2D98D8-D83C-4D4E-96AD-F2D7F79C32E4}" srcId="{3A24F4D0-C90C-40D7-B2BE-116725F6C929}" destId="{8F2743A0-153D-4A76-89CB-55B9EC51A310}" srcOrd="1" destOrd="0" parTransId="{7C9D4D60-1855-4693-B246-DD6276859BE9}" sibTransId="{DD74EF97-FF0C-41C2-9F0D-F0CB8F19162B}"/>
+    <dgm:cxn modelId="{332BBC98-7605-4B69-886B-EBC3D3952C83}" type="presOf" srcId="{9A95E106-BFAF-44EF-B9CD-093A9562FCE1}" destId="{C40393F6-3CC3-4B3E-8987-36F5088487B8}" srcOrd="0" destOrd="0" presId="urn:microsoft.com/office/officeart/2005/8/layout/hList1"/>
+    <dgm:cxn modelId="{B146748A-F43D-46CF-92F1-6976EAA161F2}" type="presOf" srcId="{A5D7CECA-6E80-4C24-A46F-673A8A49A5BD}" destId="{C40393F6-3CC3-4B3E-8987-36F5088487B8}" srcOrd="0" destOrd="2" presId="urn:microsoft.com/office/officeart/2005/8/layout/hList1"/>
+    <dgm:cxn modelId="{1A26D196-EE2B-42EC-B0F9-94ECD62DF478}" srcId="{6F51FE29-0E65-406A-98D0-FBEDAD1AE89B}" destId="{DE4D7A17-67AA-4195-8838-98B675991208}" srcOrd="0" destOrd="0" parTransId="{28E848F1-2589-4C45-8CC7-CBEFEA40DEC9}" sibTransId="{7452DA4C-1265-4DEC-BE8D-769BE3490C09}"/>
+    <dgm:cxn modelId="{0A225EC7-1BAD-481F-88F1-4703ED8A78C9}" srcId="{3A24F4D0-C90C-40D7-B2BE-116725F6C929}" destId="{9A95E106-BFAF-44EF-B9CD-093A9562FCE1}" srcOrd="0" destOrd="0" parTransId="{4BA22DD3-9E24-4FAC-B3DF-87A782A39A7A}" sibTransId="{5E52C7A3-7717-4259-807C-4ED737245634}"/>
+    <dgm:cxn modelId="{18BE5B72-96BB-4D43-B928-03C86359BFBD}" srcId="{5BCB6FB9-F5E1-47ED-931E-7213FC8A1F9E}" destId="{14B14819-193B-4172-9C7B-48F8E42D8E0C}" srcOrd="0" destOrd="0" parTransId="{45FDCB0D-2173-4E7F-8453-6941A47EFB68}" sibTransId="{C745D886-2E73-43CA-B400-3D43FE69E655}"/>
     <dgm:cxn modelId="{75209510-EE3A-478F-B8D3-6F7281D32DC9}" type="presOf" srcId="{4B136C25-3FDA-4BAF-BD75-FEA552023AA4}" destId="{FE6B0337-321F-4BD2-A720-2259508F15E8}" srcOrd="0" destOrd="0" presId="urn:microsoft.com/office/officeart/2005/8/layout/hList1"/>
-    <dgm:cxn modelId="{7E8E163A-7F53-4435-B69B-6C5FBE21BB53}" type="presOf" srcId="{3A24F4D0-C90C-40D7-B2BE-116725F6C929}" destId="{9031E70F-5A69-4932-9E4D-1CE32CADF1C0}" srcOrd="0" destOrd="0" presId="urn:microsoft.com/office/officeart/2005/8/layout/hList1"/>
+    <dgm:cxn modelId="{091F1AF6-E2A7-4E7C-B62C-8820F3B3B411}" srcId="{4B136C25-3FDA-4BAF-BD75-FEA552023AA4}" destId="{3A24F4D0-C90C-40D7-B2BE-116725F6C929}" srcOrd="0" destOrd="0" parTransId="{1B048B34-BE34-4BB0-B7A2-B325F0AB11D7}" sibTransId="{B02572E0-2686-4EAA-A534-7589BFE4DCEB}"/>
+    <dgm:cxn modelId="{E73C3FB4-A2C0-4292-8141-EB5686D6BA04}" srcId="{3A24F4D0-C90C-40D7-B2BE-116725F6C929}" destId="{A5D7CECA-6E80-4C24-A46F-673A8A49A5BD}" srcOrd="2" destOrd="0" parTransId="{EFC654F1-9BA6-4054-8BCD-707702D1D1CD}" sibTransId="{8AA8DA39-44C0-46A2-A832-24300E05F7C8}"/>
     <dgm:cxn modelId="{1FCFE960-89C9-4599-BB91-5798F4BB0B2B}" type="presOf" srcId="{5BCB6FB9-F5E1-47ED-931E-7213FC8A1F9E}" destId="{1248B100-2497-4EC2-86F4-5FEB0544A5FC}" srcOrd="0" destOrd="0" presId="urn:microsoft.com/office/officeart/2005/8/layout/hList1"/>
     <dgm:cxn modelId="{A4FC6548-E1DD-4DFA-952B-D61B9269D201}" type="presOf" srcId="{6F51FE29-0E65-406A-98D0-FBEDAD1AE89B}" destId="{D130DEE8-81E4-403D-9E31-3B7C089AEA7D}" srcOrd="0" destOrd="0" presId="urn:microsoft.com/office/officeart/2005/8/layout/hList1"/>
-    <dgm:cxn modelId="{1493DF6C-6293-41B6-BE05-DF5291EB74D0}" type="presOf" srcId="{14B14819-193B-4172-9C7B-48F8E42D8E0C}" destId="{F98F2791-80F1-46FA-AE54-4D663A754F05}" srcOrd="0" destOrd="0" presId="urn:microsoft.com/office/officeart/2005/8/layout/hList1"/>
-    <dgm:cxn modelId="{18BE5B72-96BB-4D43-B928-03C86359BFBD}" srcId="{5BCB6FB9-F5E1-47ED-931E-7213FC8A1F9E}" destId="{14B14819-193B-4172-9C7B-48F8E42D8E0C}" srcOrd="0" destOrd="0" parTransId="{45FDCB0D-2173-4E7F-8453-6941A47EFB68}" sibTransId="{C745D886-2E73-43CA-B400-3D43FE69E655}"/>
-    <dgm:cxn modelId="{B146748A-F43D-46CF-92F1-6976EAA161F2}" type="presOf" srcId="{A5D7CECA-6E80-4C24-A46F-673A8A49A5BD}" destId="{C40393F6-3CC3-4B3E-8987-36F5088487B8}" srcOrd="0" destOrd="2" presId="urn:microsoft.com/office/officeart/2005/8/layout/hList1"/>
     <dgm:cxn modelId="{7D16188D-51D3-49CE-A0E0-ED89A0F8AD82}" type="presOf" srcId="{8F2743A0-153D-4A76-89CB-55B9EC51A310}" destId="{C40393F6-3CC3-4B3E-8987-36F5088487B8}" srcOrd="0" destOrd="1" presId="urn:microsoft.com/office/officeart/2005/8/layout/hList1"/>
-    <dgm:cxn modelId="{1A26D196-EE2B-42EC-B0F9-94ECD62DF478}" srcId="{6F51FE29-0E65-406A-98D0-FBEDAD1AE89B}" destId="{DE4D7A17-67AA-4195-8838-98B675991208}" srcOrd="0" destOrd="0" parTransId="{28E848F1-2589-4C45-8CC7-CBEFEA40DEC9}" sibTransId="{7452DA4C-1265-4DEC-BE8D-769BE3490C09}"/>
-    <dgm:cxn modelId="{332BBC98-7605-4B69-886B-EBC3D3952C83}" type="presOf" srcId="{9A95E106-BFAF-44EF-B9CD-093A9562FCE1}" destId="{C40393F6-3CC3-4B3E-8987-36F5088487B8}" srcOrd="0" destOrd="0" presId="urn:microsoft.com/office/officeart/2005/8/layout/hList1"/>
-    <dgm:cxn modelId="{E73C3FB4-A2C0-4292-8141-EB5686D6BA04}" srcId="{3A24F4D0-C90C-40D7-B2BE-116725F6C929}" destId="{A5D7CECA-6E80-4C24-A46F-673A8A49A5BD}" srcOrd="2" destOrd="0" parTransId="{EFC654F1-9BA6-4054-8BCD-707702D1D1CD}" sibTransId="{8AA8DA39-44C0-46A2-A832-24300E05F7C8}"/>
-    <dgm:cxn modelId="{279126C6-B690-406A-843C-64A1A11F7202}" srcId="{4B136C25-3FDA-4BAF-BD75-FEA552023AA4}" destId="{6F51FE29-0E65-406A-98D0-FBEDAD1AE89B}" srcOrd="2" destOrd="0" parTransId="{4D5297AD-E5D5-40FA-90C1-8E3E17B98EEC}" sibTransId="{0DEDA54F-8B58-4153-B1F7-2AAB5BEDEF98}"/>
-    <dgm:cxn modelId="{0A225EC7-1BAD-481F-88F1-4703ED8A78C9}" srcId="{3A24F4D0-C90C-40D7-B2BE-116725F6C929}" destId="{9A95E106-BFAF-44EF-B9CD-093A9562FCE1}" srcOrd="0" destOrd="0" parTransId="{4BA22DD3-9E24-4FAC-B3DF-87A782A39A7A}" sibTransId="{5E52C7A3-7717-4259-807C-4ED737245634}"/>
-    <dgm:cxn modelId="{4B2D98D8-D83C-4D4E-96AD-F2D7F79C32E4}" srcId="{3A24F4D0-C90C-40D7-B2BE-116725F6C929}" destId="{8F2743A0-153D-4A76-89CB-55B9EC51A310}" srcOrd="1" destOrd="0" parTransId="{7C9D4D60-1855-4693-B246-DD6276859BE9}" sibTransId="{DD74EF97-FF0C-41C2-9F0D-F0CB8F19162B}"/>
-    <dgm:cxn modelId="{091F1AF6-E2A7-4E7C-B62C-8820F3B3B411}" srcId="{4B136C25-3FDA-4BAF-BD75-FEA552023AA4}" destId="{3A24F4D0-C90C-40D7-B2BE-116725F6C929}" srcOrd="0" destOrd="0" parTransId="{1B048B34-BE34-4BB0-B7A2-B325F0AB11D7}" sibTransId="{B02572E0-2686-4EAA-A534-7589BFE4DCEB}"/>
     <dgm:cxn modelId="{FD971317-B656-4AC3-A233-3B3B7181F7E5}" type="presParOf" srcId="{FE6B0337-321F-4BD2-A720-2259508F15E8}" destId="{22C77410-99BA-40FD-81C6-45EA34713AE7}" srcOrd="0" destOrd="0" presId="urn:microsoft.com/office/officeart/2005/8/layout/hList1"/>
     <dgm:cxn modelId="{3809E8D9-BB71-4E94-9B00-8EF842F14D10}" type="presParOf" srcId="{22C77410-99BA-40FD-81C6-45EA34713AE7}" destId="{9031E70F-5A69-4932-9E4D-1CE32CADF1C0}" srcOrd="0" destOrd="0" presId="urn:microsoft.com/office/officeart/2005/8/layout/hList1"/>
     <dgm:cxn modelId="{44977918-B10F-4C3D-883F-A4CEFD330CF7}" type="presParOf" srcId="{22C77410-99BA-40FD-81C6-45EA34713AE7}" destId="{C40393F6-3CC3-4B3E-8987-36F5088487B8}" srcOrd="1" destOrd="0" presId="urn:microsoft.com/office/officeart/2005/8/layout/hList1"/>
@@ -32269,7 +32411,7 @@
         </a:bodyPr>
         <a:lstStyle/>
         <a:p>
-          <a:pPr marL="0" lvl="0" indent="0" algn="ctr" defTabSz="1644650">
+          <a:pPr lvl="0" algn="ctr" defTabSz="1644650">
             <a:lnSpc>
               <a:spcPct val="90000"/>
             </a:lnSpc>
@@ -32279,7 +32421,6 @@
             <a:spcAft>
               <a:spcPct val="35000"/>
             </a:spcAft>
-            <a:buNone/>
           </a:pPr>
           <a:r>
             <a:rPr lang="zh-CN" altLang="en-US" sz="3700" b="1" kern="1200" dirty="0">
@@ -32365,7 +32506,7 @@
             <a:spcAft>
               <a:spcPct val="15000"/>
             </a:spcAft>
-            <a:buChar char="•"/>
+            <a:buChar char="••"/>
           </a:pPr>
           <a:r>
             <a:rPr lang="zh-CN" altLang="en-US" sz="2800" b="1" i="0" kern="1200" dirty="0"/>
@@ -32384,7 +32525,7 @@
             <a:spcAft>
               <a:spcPct val="15000"/>
             </a:spcAft>
-            <a:buChar char="•"/>
+            <a:buChar char="••"/>
           </a:pPr>
           <a:r>
             <a:rPr lang="zh-CN" altLang="en-US" sz="2800" b="1" kern="1200" dirty="0"/>
@@ -32402,7 +32543,7 @@
             <a:spcAft>
               <a:spcPct val="15000"/>
             </a:spcAft>
-            <a:buChar char="•"/>
+            <a:buChar char="••"/>
           </a:pPr>
           <a:r>
             <a:rPr lang="zh-CN" altLang="en-US" sz="2800" b="1" i="0" kern="1200" dirty="0"/>
@@ -32471,7 +32612,7 @@
         </a:bodyPr>
         <a:lstStyle/>
         <a:p>
-          <a:pPr marL="0" lvl="0" indent="0" algn="ctr" defTabSz="1644650">
+          <a:pPr lvl="0" algn="ctr" defTabSz="1644650">
             <a:lnSpc>
               <a:spcPct val="90000"/>
             </a:lnSpc>
@@ -32481,7 +32622,6 @@
             <a:spcAft>
               <a:spcPct val="35000"/>
             </a:spcAft>
-            <a:buNone/>
           </a:pPr>
           <a:r>
             <a:rPr lang="zh-CN" altLang="en-US" sz="3700" b="1" kern="1200" dirty="0">
@@ -32567,7 +32707,7 @@
             <a:spcAft>
               <a:spcPct val="15000"/>
             </a:spcAft>
-            <a:buChar char="•"/>
+            <a:buChar char="••"/>
           </a:pPr>
           <a:r>
             <a:rPr lang="zh-CN" altLang="en-US" sz="2800" b="1" kern="1200" dirty="0"/>
@@ -32643,7 +32783,7 @@
         </a:bodyPr>
         <a:lstStyle/>
         <a:p>
-          <a:pPr marL="0" lvl="0" indent="0" algn="ctr" defTabSz="1644650">
+          <a:pPr lvl="0" algn="ctr" defTabSz="1644650">
             <a:lnSpc>
               <a:spcPct val="90000"/>
             </a:lnSpc>
@@ -32653,7 +32793,6 @@
             <a:spcAft>
               <a:spcPct val="35000"/>
             </a:spcAft>
-            <a:buNone/>
           </a:pPr>
           <a:r>
             <a:rPr lang="zh-CN" altLang="en-US" sz="3700" b="1" kern="1200" dirty="0">
@@ -32739,7 +32878,7 @@
             <a:spcAft>
               <a:spcPct val="15000"/>
             </a:spcAft>
-            <a:buChar char="•"/>
+            <a:buChar char="••"/>
           </a:pPr>
           <a:r>
             <a:rPr lang="zh-CN" altLang="en-US" sz="2800" b="1" kern="1200" dirty="0"/>
@@ -32827,7 +32966,7 @@
         </a:bodyPr>
         <a:lstStyle/>
         <a:p>
-          <a:pPr marL="0" lvl="0" indent="0" algn="ctr" defTabSz="1644650">
+          <a:pPr lvl="0" algn="ctr" defTabSz="1644650">
             <a:lnSpc>
               <a:spcPct val="90000"/>
             </a:lnSpc>
@@ -32837,7 +32976,6 @@
             <a:spcAft>
               <a:spcPct val="35000"/>
             </a:spcAft>
-            <a:buNone/>
           </a:pPr>
           <a:r>
             <a:rPr lang="zh-CN" altLang="en-US" sz="3700" b="1" kern="1200" dirty="0">
@@ -32923,7 +33061,7 @@
             <a:spcAft>
               <a:spcPct val="15000"/>
             </a:spcAft>
-            <a:buChar char="•"/>
+            <a:buChar char="••"/>
           </a:pPr>
           <a:r>
             <a:rPr lang="zh-CN" altLang="en-US" sz="2800" b="1" i="0" kern="1200" dirty="0"/>
@@ -32942,7 +33080,7 @@
             <a:spcAft>
               <a:spcPct val="15000"/>
             </a:spcAft>
-            <a:buChar char="•"/>
+            <a:buChar char="••"/>
           </a:pPr>
           <a:r>
             <a:rPr lang="zh-CN" altLang="en-US" sz="2800" b="1" i="0" kern="1200" dirty="0"/>
@@ -32960,7 +33098,7 @@
             <a:spcAft>
               <a:spcPct val="15000"/>
             </a:spcAft>
-            <a:buChar char="•"/>
+            <a:buChar char="••"/>
           </a:pPr>
           <a:r>
             <a:rPr lang="zh-CN" altLang="en-US" sz="2800" b="1" i="0" kern="1200" dirty="0"/>
@@ -33029,7 +33167,7 @@
         </a:bodyPr>
         <a:lstStyle/>
         <a:p>
-          <a:pPr marL="0" lvl="0" indent="0" algn="ctr" defTabSz="1644650">
+          <a:pPr lvl="0" algn="ctr" defTabSz="1644650">
             <a:lnSpc>
               <a:spcPct val="90000"/>
             </a:lnSpc>
@@ -33039,7 +33177,6 @@
             <a:spcAft>
               <a:spcPct val="35000"/>
             </a:spcAft>
-            <a:buNone/>
           </a:pPr>
           <a:r>
             <a:rPr lang="zh-CN" altLang="en-US" sz="3700" b="1" kern="1200" dirty="0">
@@ -33125,7 +33262,7 @@
             <a:spcAft>
               <a:spcPct val="15000"/>
             </a:spcAft>
-            <a:buChar char="•"/>
+            <a:buChar char="••"/>
           </a:pPr>
           <a:r>
             <a:rPr lang="zh-CN" altLang="en-US" sz="2800" b="1" kern="1200" dirty="0"/>
@@ -33201,7 +33338,7 @@
         </a:bodyPr>
         <a:lstStyle/>
         <a:p>
-          <a:pPr marL="0" lvl="0" indent="0" algn="ctr" defTabSz="1644650">
+          <a:pPr lvl="0" algn="ctr" defTabSz="1644650">
             <a:lnSpc>
               <a:spcPct val="90000"/>
             </a:lnSpc>
@@ -33211,7 +33348,6 @@
             <a:spcAft>
               <a:spcPct val="35000"/>
             </a:spcAft>
-            <a:buNone/>
           </a:pPr>
           <a:r>
             <a:rPr lang="zh-CN" altLang="en-US" sz="3700" b="1" kern="1200" dirty="0">
@@ -33297,7 +33433,7 @@
             <a:spcAft>
               <a:spcPct val="15000"/>
             </a:spcAft>
-            <a:buChar char="•"/>
+            <a:buChar char="••"/>
           </a:pPr>
           <a:r>
             <a:rPr lang="en-US" altLang="zh-CN" sz="2800" b="1" kern="1200" dirty="0" err="1"/>
@@ -37382,6 +37518,90 @@
     <p:extLst>
       <p:ext uri="{BB962C8B-B14F-4D97-AF65-F5344CB8AC3E}">
         <p14:creationId xmlns:p14="http://schemas.microsoft.com/office/powerpoint/2010/main" val="1820548088"/>
+      </p:ext>
+    </p:extLst>
+  </p:cSld>
+  <p:clrMapOvr>
+    <a:masterClrMapping/>
+  </p:clrMapOvr>
+</p:notes>
+</file>
+
+<file path=ppt/notesSlides/notesSlide14.xml><?xml version="1.0" encoding="utf-8"?>
+<p:notes xmlns:a="http://schemas.openxmlformats.org/drawingml/2006/main" xmlns:r="http://schemas.openxmlformats.org/officeDocument/2006/relationships" xmlns:p="http://schemas.openxmlformats.org/presentationml/2006/main">
+  <p:cSld>
+    <p:spTree>
+      <p:nvGrpSpPr>
+        <p:cNvPr id="1" name=""/>
+        <p:cNvGrpSpPr/>
+        <p:nvPr/>
+      </p:nvGrpSpPr>
+      <p:grpSpPr>
+        <a:xfrm>
+          <a:off x="0" y="0"/>
+          <a:ext cx="0" cy="0"/>
+          <a:chOff x="0" y="0"/>
+          <a:chExt cx="0" cy="0"/>
+        </a:xfrm>
+      </p:grpSpPr>
+      <p:sp>
+        <p:nvSpPr>
+          <p:cNvPr id="2" name="幻灯片图像占位符 1"/>
+          <p:cNvSpPr>
+            <a:spLocks noGrp="1" noRot="1" noChangeAspect="1"/>
+          </p:cNvSpPr>
+          <p:nvPr>
+            <p:ph type="sldImg"/>
+          </p:nvPr>
+        </p:nvSpPr>
+        <p:spPr/>
+      </p:sp>
+      <p:sp>
+        <p:nvSpPr>
+          <p:cNvPr id="3" name="备注占位符 2"/>
+          <p:cNvSpPr>
+            <a:spLocks noGrp="1"/>
+          </p:cNvSpPr>
+          <p:nvPr>
+            <p:ph type="body" idx="1"/>
+          </p:nvPr>
+        </p:nvSpPr>
+        <p:spPr/>
+        <p:txBody>
+          <a:bodyPr/>
+          <a:lstStyle/>
+          <a:p>
+            <a:endParaRPr lang="zh-CN" altLang="en-US" dirty="0"/>
+          </a:p>
+        </p:txBody>
+      </p:sp>
+      <p:sp>
+        <p:nvSpPr>
+          <p:cNvPr id="4" name="灯片编号占位符 3"/>
+          <p:cNvSpPr>
+            <a:spLocks noGrp="1"/>
+          </p:cNvSpPr>
+          <p:nvPr>
+            <p:ph type="sldNum" sz="quarter" idx="10"/>
+          </p:nvPr>
+        </p:nvSpPr>
+        <p:spPr/>
+        <p:txBody>
+          <a:bodyPr/>
+          <a:lstStyle/>
+          <a:p>
+            <a:fld id="{F058509D-DB66-4458-8C6E-0AA4D711FE86}" type="slidenum">
+              <a:rPr lang="zh-CN" altLang="en-US" smtClean="0"/>
+              <a:t>25</a:t>
+            </a:fld>
+            <a:endParaRPr lang="zh-CN" altLang="en-US"/>
+          </a:p>
+        </p:txBody>
+      </p:sp>
+    </p:spTree>
+    <p:extLst>
+      <p:ext uri="{BB962C8B-B14F-4D97-AF65-F5344CB8AC3E}">
+        <p14:creationId xmlns:p14="http://schemas.microsoft.com/office/powerpoint/2010/main" val="1005064914"/>
       </p:ext>
     </p:extLst>
   </p:cSld>
@@ -41633,28 +41853,28 @@
           <p:nvPr>
             <p:extLst>
               <p:ext uri="{D42A27DB-BD31-4B8C-83A1-F6EECF244321}">
-                <p14:modId xmlns:p14="http://schemas.microsoft.com/office/powerpoint/2010/main" val="4289019346"/>
+                <p14:modId xmlns:p14="http://schemas.microsoft.com/office/powerpoint/2010/main" val="953613199"/>
               </p:ext>
             </p:extLst>
           </p:nvPr>
         </p:nvGraphicFramePr>
         <p:xfrm>
-          <a:off x="6023812" y="1134469"/>
-          <a:ext cx="6011348" cy="4758594"/>
+          <a:off x="5062266" y="365125"/>
+          <a:ext cx="7129734" cy="5664463"/>
         </p:xfrm>
         <a:graphic>
           <a:graphicData uri="http://schemas.openxmlformats.org/drawingml/2006/table">
             <a:tbl>
               <a:tblPr/>
               <a:tblGrid>
-                <a:gridCol w="3005674">
+                <a:gridCol w="3564867">
                   <a:extLst>
                     <a:ext uri="{9D8B030D-6E8A-4147-A177-3AD203B41FA5}">
                       <a16:colId xmlns:a16="http://schemas.microsoft.com/office/drawing/2014/main" val="1478939164"/>
                     </a:ext>
                   </a:extLst>
                 </a:gridCol>
-                <a:gridCol w="3005674">
+                <a:gridCol w="3564867">
                   <a:extLst>
                     <a:ext uri="{9D8B030D-6E8A-4147-A177-3AD203B41FA5}">
                       <a16:colId xmlns:a16="http://schemas.microsoft.com/office/drawing/2014/main" val="1717937204"/>
@@ -41662,7 +41882,7 @@
                   </a:extLst>
                 </a:gridCol>
               </a:tblGrid>
-              <a:tr h="307125">
+              <a:tr h="384719">
                 <a:tc>
                   <a:txBody>
                     <a:bodyPr/>
@@ -41670,14 +41890,14 @@
                     <a:p>
                       <a:pPr algn="ctr"/>
                       <a:r>
-                        <a:rPr lang="zh-CN" altLang="en-US" sz="1500" b="1" dirty="0">
+                        <a:rPr lang="zh-CN" altLang="en-US" sz="1700" b="1" dirty="0">
                           <a:effectLst/>
                         </a:rPr>
                         <a:t>特征</a:t>
                       </a:r>
                     </a:p>
                   </a:txBody>
-                  <a:tcPr marL="102477" marR="102477" marT="47297" marB="47297" anchor="ctr">
+                  <a:tcPr marL="119045" marR="119045" marT="54944" marB="54944" anchor="ctr">
                     <a:lnL w="9525" cap="flat" cmpd="sng" algn="ctr">
                       <a:solidFill>
                         <a:srgbClr val="DFE2E5"/>
@@ -41726,14 +41946,14 @@
                     <a:p>
                       <a:pPr algn="ctr"/>
                       <a:r>
-                        <a:rPr lang="zh-CN" altLang="en-US" sz="1500" b="1" dirty="0">
+                        <a:rPr lang="zh-CN" altLang="en-US" sz="1700" b="1" dirty="0">
                           <a:effectLst/>
                         </a:rPr>
                         <a:t>解释</a:t>
                       </a:r>
                     </a:p>
                   </a:txBody>
-                  <a:tcPr marL="102477" marR="102477" marT="47297" marB="47297" anchor="ctr">
+                  <a:tcPr marL="119045" marR="119045" marT="54944" marB="54944" anchor="ctr">
                     <a:lnL w="9525" cap="flat" cmpd="sng" algn="ctr">
                       <a:solidFill>
                         <a:srgbClr val="DFE2E5"/>
@@ -41781,7 +42001,7 @@
                   </a:ext>
                 </a:extLst>
               </a:tr>
-              <a:tr h="524359">
+              <a:tr h="656836">
                 <a:tc>
                   <a:txBody>
                     <a:bodyPr/>
@@ -41789,14 +42009,14 @@
                     <a:p>
                       <a:pPr algn="ctr"/>
                       <a:r>
-                        <a:rPr lang="en-US" sz="1500">
+                        <a:rPr lang="en-US" sz="1700">
                           <a:effectLst/>
                         </a:rPr>
                         <a:t>user_type#n</a:t>
                       </a:r>
                     </a:p>
                   </a:txBody>
-                  <a:tcPr marL="102477" marR="102477" marT="47297" marB="47297" anchor="ctr">
+                  <a:tcPr marL="119045" marR="119045" marT="54944" marB="54944" anchor="ctr">
                     <a:lnL w="9525" cap="flat" cmpd="sng" algn="ctr">
                       <a:solidFill>
                         <a:srgbClr val="DFE2E5"/>
@@ -41845,38 +42065,38 @@
                     <a:p>
                       <a:pPr algn="ctr"/>
                       <a:r>
-                        <a:rPr lang="zh-CN" altLang="en-US" sz="1500" dirty="0">
+                        <a:rPr lang="zh-CN" altLang="en-US" sz="1700" dirty="0">
                           <a:effectLst/>
                         </a:rPr>
                         <a:t>对店家使用</a:t>
                       </a:r>
                       <a:r>
-                        <a:rPr lang="en-US" altLang="zh-CN" sz="1500" dirty="0">
+                        <a:rPr lang="en-US" altLang="zh-CN" sz="1700" dirty="0">
                           <a:effectLst/>
                         </a:rPr>
                         <a:t>DBSCAN</a:t>
                       </a:r>
                       <a:r>
-                        <a:rPr lang="zh-CN" altLang="en-US" sz="1500" dirty="0">
+                        <a:rPr lang="zh-CN" altLang="en-US" sz="1700" dirty="0">
                           <a:effectLst/>
                         </a:rPr>
                         <a:t>进行聚类后进行</a:t>
                       </a:r>
                       <a:r>
-                        <a:rPr lang="en-US" altLang="zh-CN" sz="1500" dirty="0" err="1">
+                        <a:rPr lang="en-US" altLang="zh-CN" sz="1700" dirty="0" err="1">
                           <a:effectLst/>
                         </a:rPr>
                         <a:t>onehot</a:t>
                       </a:r>
                       <a:r>
-                        <a:rPr lang="zh-CN" altLang="en-US" sz="1500" dirty="0">
+                        <a:rPr lang="zh-CN" altLang="en-US" sz="1700" dirty="0">
                           <a:effectLst/>
                         </a:rPr>
                         <a:t>编码</a:t>
                       </a:r>
                     </a:p>
                   </a:txBody>
-                  <a:tcPr marL="102477" marR="102477" marT="47297" marB="47297" anchor="ctr">
+                  <a:tcPr marL="119045" marR="119045" marT="54944" marB="54944" anchor="ctr">
                     <a:lnL w="9525" cap="flat" cmpd="sng" algn="ctr">
                       <a:solidFill>
                         <a:srgbClr val="DFE2E5"/>
@@ -41924,7 +42144,7 @@
                   </a:ext>
                 </a:extLst>
               </a:tr>
-              <a:tr h="524359">
+              <a:tr h="656836">
                 <a:tc>
                   <a:txBody>
                     <a:bodyPr/>
@@ -41932,14 +42152,14 @@
                     <a:p>
                       <a:pPr algn="ctr"/>
                       <a:r>
-                        <a:rPr lang="en-US" sz="1500">
+                        <a:rPr lang="en-US" sz="1700">
                           <a:effectLst/>
                         </a:rPr>
                         <a:t>trend#n</a:t>
                       </a:r>
                     </a:p>
                   </a:txBody>
-                  <a:tcPr marL="102477" marR="102477" marT="47297" marB="47297" anchor="ctr">
+                  <a:tcPr marL="119045" marR="119045" marT="54944" marB="54944" anchor="ctr">
                     <a:lnL w="9525" cap="flat" cmpd="sng" algn="ctr">
                       <a:solidFill>
                         <a:srgbClr val="DFE2E5"/>
@@ -41988,50 +42208,50 @@
                     <a:p>
                       <a:pPr algn="ctr"/>
                       <a:r>
-                        <a:rPr lang="zh-CN" altLang="en-US" sz="1500">
+                        <a:rPr lang="zh-CN" altLang="en-US" sz="1700">
                           <a:effectLst/>
                         </a:rPr>
                         <a:t>以当天为</a:t>
                       </a:r>
                       <a:r>
-                        <a:rPr lang="en-US" altLang="zh-CN" sz="1500">
+                        <a:rPr lang="en-US" altLang="zh-CN" sz="1700">
                           <a:effectLst/>
                         </a:rPr>
                         <a:t>center</a:t>
                       </a:r>
                       <a:r>
-                        <a:rPr lang="zh-CN" altLang="en-US" sz="1500">
+                        <a:rPr lang="zh-CN" altLang="en-US" sz="1700">
                           <a:effectLst/>
                         </a:rPr>
                         <a:t>，窗口大小为</a:t>
                       </a:r>
                       <a:r>
-                        <a:rPr lang="en-US" altLang="zh-CN" sz="1500">
+                        <a:rPr lang="en-US" altLang="zh-CN" sz="1700">
                           <a:effectLst/>
                         </a:rPr>
                         <a:t>5</a:t>
                       </a:r>
                       <a:r>
-                        <a:rPr lang="zh-CN" altLang="en-US" sz="1500">
+                        <a:rPr lang="zh-CN" altLang="en-US" sz="1700">
                           <a:effectLst/>
                         </a:rPr>
                         <a:t>的趋势数据，使用</a:t>
                       </a:r>
                       <a:r>
-                        <a:rPr lang="en-US" altLang="zh-CN" sz="1500">
+                        <a:rPr lang="en-US" altLang="zh-CN" sz="1700">
                           <a:effectLst/>
                         </a:rPr>
                         <a:t>prophet</a:t>
                       </a:r>
                       <a:r>
-                        <a:rPr lang="zh-CN" altLang="en-US" sz="1500">
+                        <a:rPr lang="zh-CN" altLang="en-US" sz="1700">
                           <a:effectLst/>
                         </a:rPr>
                         <a:t>获得</a:t>
                       </a:r>
                     </a:p>
                   </a:txBody>
-                  <a:tcPr marL="102477" marR="102477" marT="47297" marB="47297" anchor="ctr">
+                  <a:tcPr marL="119045" marR="119045" marT="54944" marB="54944" anchor="ctr">
                     <a:lnL w="9525" cap="flat" cmpd="sng" algn="ctr">
                       <a:solidFill>
                         <a:srgbClr val="DFE2E5"/>
@@ -42079,7 +42299,7 @@
                   </a:ext>
                 </a:extLst>
               </a:tr>
-              <a:tr h="706848">
+              <a:tr h="841407">
                 <a:tc>
                   <a:txBody>
                     <a:bodyPr/>
@@ -42087,17 +42307,17 @@
                     <a:p>
                       <a:pPr algn="ctr"/>
                       <a:r>
-                        <a:rPr lang="en-US" sz="1500" dirty="0" err="1">
+                        <a:rPr lang="en-US" sz="1700" dirty="0" err="1">
                           <a:effectLst/>
                         </a:rPr>
                         <a:t>yearly#n</a:t>
                       </a:r>
-                      <a:endParaRPr lang="en-US" sz="1500" dirty="0">
+                      <a:endParaRPr lang="en-US" sz="1700" dirty="0">
                         <a:effectLst/>
                       </a:endParaRPr>
                     </a:p>
                   </a:txBody>
-                  <a:tcPr marL="102477" marR="102477" marT="47297" marB="47297" anchor="ctr">
+                  <a:tcPr marL="119045" marR="119045" marT="54944" marB="54944" anchor="ctr">
                     <a:lnL w="9525" cap="flat" cmpd="sng" algn="ctr">
                       <a:solidFill>
                         <a:srgbClr val="DFE2E5"/>
@@ -42146,50 +42366,50 @@
                     <a:p>
                       <a:pPr algn="ctr"/>
                       <a:r>
-                        <a:rPr lang="zh-CN" altLang="en-US" sz="1500">
+                        <a:rPr lang="zh-CN" altLang="en-US" sz="1700">
                           <a:effectLst/>
                         </a:rPr>
                         <a:t>以当天为</a:t>
                       </a:r>
                       <a:r>
-                        <a:rPr lang="en-US" altLang="zh-CN" sz="1500">
+                        <a:rPr lang="en-US" altLang="zh-CN" sz="1700">
                           <a:effectLst/>
                         </a:rPr>
                         <a:t>center</a:t>
                       </a:r>
                       <a:r>
-                        <a:rPr lang="zh-CN" altLang="en-US" sz="1500">
+                        <a:rPr lang="zh-CN" altLang="en-US" sz="1700">
                           <a:effectLst/>
                         </a:rPr>
                         <a:t>，窗口大小为</a:t>
                       </a:r>
                       <a:r>
-                        <a:rPr lang="en-US" altLang="zh-CN" sz="1500">
+                        <a:rPr lang="en-US" altLang="zh-CN" sz="1700">
                           <a:effectLst/>
                         </a:rPr>
                         <a:t>5</a:t>
                       </a:r>
                       <a:r>
-                        <a:rPr lang="zh-CN" altLang="en-US" sz="1500">
+                        <a:rPr lang="zh-CN" altLang="en-US" sz="1700">
                           <a:effectLst/>
                         </a:rPr>
                         <a:t>的年趋势数据，使用</a:t>
                       </a:r>
                       <a:r>
-                        <a:rPr lang="en-US" altLang="zh-CN" sz="1500">
+                        <a:rPr lang="en-US" altLang="zh-CN" sz="1700">
                           <a:effectLst/>
                         </a:rPr>
                         <a:t>prophet</a:t>
                       </a:r>
                       <a:r>
-                        <a:rPr lang="zh-CN" altLang="en-US" sz="1500">
+                        <a:rPr lang="zh-CN" altLang="en-US" sz="1700">
                           <a:effectLst/>
                         </a:rPr>
                         <a:t>获得</a:t>
                       </a:r>
                     </a:p>
                   </a:txBody>
-                  <a:tcPr marL="102477" marR="102477" marT="47297" marB="47297" anchor="ctr">
+                  <a:tcPr marL="119045" marR="119045" marT="54944" marB="54944" anchor="ctr">
                     <a:lnL w="9525" cap="flat" cmpd="sng" algn="ctr">
                       <a:solidFill>
                         <a:srgbClr val="DFE2E5"/>
@@ -42237,7 +42457,7 @@
                   </a:ext>
                 </a:extLst>
               </a:tr>
-              <a:tr h="307125">
+              <a:tr h="384719">
                 <a:tc>
                   <a:txBody>
                     <a:bodyPr/>
@@ -42245,14 +42465,14 @@
                     <a:p>
                       <a:pPr algn="ctr"/>
                       <a:r>
-                        <a:rPr lang="en-US" sz="1500">
+                        <a:rPr lang="en-US" sz="1700">
                           <a:effectLst/>
                         </a:rPr>
                         <a:t>temp#n</a:t>
                       </a:r>
                     </a:p>
                   </a:txBody>
-                  <a:tcPr marL="102477" marR="102477" marT="47297" marB="47297" anchor="ctr">
+                  <a:tcPr marL="119045" marR="119045" marT="54944" marB="54944" anchor="ctr">
                     <a:lnL w="9525" cap="flat" cmpd="sng" algn="ctr">
                       <a:solidFill>
                         <a:srgbClr val="DFE2E5"/>
@@ -42301,14 +42521,14 @@
                     <a:p>
                       <a:pPr algn="ctr"/>
                       <a:r>
-                        <a:rPr lang="zh-CN" altLang="en-US" sz="1500">
+                        <a:rPr lang="zh-CN" altLang="en-US" sz="1700">
                           <a:effectLst/>
                         </a:rPr>
                         <a:t>温度数据</a:t>
                       </a:r>
                     </a:p>
                   </a:txBody>
-                  <a:tcPr marL="102477" marR="102477" marT="47297" marB="47297" anchor="ctr">
+                  <a:tcPr marL="119045" marR="119045" marT="54944" marB="54944" anchor="ctr">
                     <a:lnL w="9525" cap="flat" cmpd="sng" algn="ctr">
                       <a:solidFill>
                         <a:srgbClr val="DFE2E5"/>
@@ -42356,7 +42576,7 @@
                   </a:ext>
                 </a:extLst>
               </a:tr>
-              <a:tr h="307125">
+              <a:tr h="384719">
                 <a:tc>
                   <a:txBody>
                     <a:bodyPr/>
@@ -42364,14 +42584,14 @@
                     <a:p>
                       <a:pPr algn="ctr"/>
                       <a:r>
-                        <a:rPr lang="en-US" sz="1500">
+                        <a:rPr lang="en-US" sz="1700">
                           <a:effectLst/>
                         </a:rPr>
                         <a:t>bad_weather#n</a:t>
                       </a:r>
                     </a:p>
                   </a:txBody>
-                  <a:tcPr marL="102477" marR="102477" marT="47297" marB="47297" anchor="ctr">
+                  <a:tcPr marL="119045" marR="119045" marT="54944" marB="54944" anchor="ctr">
                     <a:lnL w="9525" cap="flat" cmpd="sng" algn="ctr">
                       <a:solidFill>
                         <a:srgbClr val="DFE2E5"/>
@@ -42420,14 +42640,14 @@
                     <a:p>
                       <a:pPr algn="ctr"/>
                       <a:r>
-                        <a:rPr lang="zh-CN" altLang="en-US" sz="1500">
+                        <a:rPr lang="zh-CN" altLang="en-US" sz="1700">
                           <a:effectLst/>
                         </a:rPr>
                         <a:t>坏天气数据</a:t>
                       </a:r>
                     </a:p>
                   </a:txBody>
-                  <a:tcPr marL="102477" marR="102477" marT="47297" marB="47297" anchor="ctr">
+                  <a:tcPr marL="119045" marR="119045" marT="54944" marB="54944" anchor="ctr">
                     <a:lnL w="9525" cap="flat" cmpd="sng" algn="ctr">
                       <a:solidFill>
                         <a:srgbClr val="DFE2E5"/>
@@ -42475,7 +42695,7 @@
                   </a:ext>
                 </a:extLst>
               </a:tr>
-              <a:tr h="307125">
+              <a:tr h="384719">
                 <a:tc>
                   <a:txBody>
                     <a:bodyPr/>
@@ -42483,14 +42703,14 @@
                     <a:p>
                       <a:pPr algn="ctr"/>
                       <a:r>
-                        <a:rPr lang="en-US" sz="1500">
+                        <a:rPr lang="en-US" sz="1700">
                           <a:effectLst/>
                         </a:rPr>
                         <a:t>ssd#n</a:t>
                       </a:r>
                     </a:p>
                   </a:txBody>
-                  <a:tcPr marL="102477" marR="102477" marT="47297" marB="47297" anchor="ctr">
+                  <a:tcPr marL="119045" marR="119045" marT="54944" marB="54944" anchor="ctr">
                     <a:lnL w="9525" cap="flat" cmpd="sng" algn="ctr">
                       <a:solidFill>
                         <a:srgbClr val="DFE2E5"/>
@@ -42539,14 +42759,14 @@
                     <a:p>
                       <a:pPr algn="ctr"/>
                       <a:r>
-                        <a:rPr lang="zh-CN" altLang="en-US" sz="1500">
+                        <a:rPr lang="zh-CN" altLang="en-US" sz="1700">
                           <a:effectLst/>
                         </a:rPr>
                         <a:t>人体舒适度数据</a:t>
                       </a:r>
                     </a:p>
                   </a:txBody>
-                  <a:tcPr marL="102477" marR="102477" marT="47297" marB="47297" anchor="ctr">
+                  <a:tcPr marL="119045" marR="119045" marT="54944" marB="54944" anchor="ctr">
                     <a:lnL w="9525" cap="flat" cmpd="sng" algn="ctr">
                       <a:solidFill>
                         <a:srgbClr val="DFE2E5"/>
@@ -42594,7 +42814,7 @@
                   </a:ext>
                 </a:extLst>
               </a:tr>
-              <a:tr h="524359">
+              <a:tr h="656836">
                 <a:tc>
                   <a:txBody>
                     <a:bodyPr/>
@@ -42602,14 +42822,14 @@
                     <a:p>
                       <a:pPr algn="ctr"/>
                       <a:r>
-                        <a:rPr lang="en-US" sz="1500">
+                        <a:rPr lang="en-US" sz="1700">
                           <a:effectLst/>
                         </a:rPr>
                         <a:t>holiday#n</a:t>
                       </a:r>
                     </a:p>
                   </a:txBody>
-                  <a:tcPr marL="102477" marR="102477" marT="47297" marB="47297" anchor="ctr">
+                  <a:tcPr marL="119045" marR="119045" marT="54944" marB="54944" anchor="ctr">
                     <a:lnL w="9525" cap="flat" cmpd="sng" algn="ctr">
                       <a:solidFill>
                         <a:srgbClr val="DFE2E5"/>
@@ -42658,38 +42878,38 @@
                     <a:p>
                       <a:pPr algn="ctr"/>
                       <a:r>
-                        <a:rPr lang="zh-CN" altLang="en-US" sz="1500">
+                        <a:rPr lang="zh-CN" altLang="en-US" sz="1700">
                           <a:effectLst/>
                         </a:rPr>
                         <a:t>以当天为</a:t>
                       </a:r>
                       <a:r>
-                        <a:rPr lang="en-US" altLang="zh-CN" sz="1500">
+                        <a:rPr lang="en-US" altLang="zh-CN" sz="1700">
                           <a:effectLst/>
                         </a:rPr>
                         <a:t>center</a:t>
                       </a:r>
                       <a:r>
-                        <a:rPr lang="zh-CN" altLang="en-US" sz="1500">
+                        <a:rPr lang="zh-CN" altLang="en-US" sz="1700">
                           <a:effectLst/>
                         </a:rPr>
                         <a:t>，窗口大小为</a:t>
                       </a:r>
                       <a:r>
-                        <a:rPr lang="en-US" altLang="zh-CN" sz="1500">
+                        <a:rPr lang="en-US" altLang="zh-CN" sz="1700">
                           <a:effectLst/>
                         </a:rPr>
                         <a:t>5</a:t>
                       </a:r>
                       <a:r>
-                        <a:rPr lang="zh-CN" altLang="en-US" sz="1500">
+                        <a:rPr lang="zh-CN" altLang="en-US" sz="1700">
                           <a:effectLst/>
                         </a:rPr>
                         <a:t>的周末假日数据</a:t>
                       </a:r>
                     </a:p>
                   </a:txBody>
-                  <a:tcPr marL="102477" marR="102477" marT="47297" marB="47297" anchor="ctr">
+                  <a:tcPr marL="119045" marR="119045" marT="54944" marB="54944" anchor="ctr">
                     <a:lnL w="9525" cap="flat" cmpd="sng" algn="ctr">
                       <a:solidFill>
                         <a:srgbClr val="DFE2E5"/>
@@ -42737,7 +42957,7 @@
                   </a:ext>
                 </a:extLst>
               </a:tr>
-              <a:tr h="524359">
+              <a:tr h="656836">
                 <a:tc>
                   <a:txBody>
                     <a:bodyPr/>
@@ -42745,14 +42965,14 @@
                     <a:p>
                       <a:pPr algn="ctr"/>
                       <a:r>
-                        <a:rPr lang="en-US" sz="1500">
+                        <a:rPr lang="en-US" sz="1700">
                           <a:effectLst/>
                         </a:rPr>
                         <a:t>festday#n</a:t>
                       </a:r>
                     </a:p>
                   </a:txBody>
-                  <a:tcPr marL="102477" marR="102477" marT="47297" marB="47297" anchor="ctr">
+                  <a:tcPr marL="119045" marR="119045" marT="54944" marB="54944" anchor="ctr">
                     <a:lnL w="9525" cap="flat" cmpd="sng" algn="ctr">
                       <a:solidFill>
                         <a:srgbClr val="DFE2E5"/>
@@ -42801,38 +43021,38 @@
                     <a:p>
                       <a:pPr algn="ctr"/>
                       <a:r>
-                        <a:rPr lang="zh-CN" altLang="en-US" sz="1500">
+                        <a:rPr lang="zh-CN" altLang="en-US" sz="1700">
                           <a:effectLst/>
                         </a:rPr>
                         <a:t>以当天为</a:t>
                       </a:r>
                       <a:r>
-                        <a:rPr lang="en-US" altLang="zh-CN" sz="1500">
+                        <a:rPr lang="en-US" altLang="zh-CN" sz="1700">
                           <a:effectLst/>
                         </a:rPr>
                         <a:t>center</a:t>
                       </a:r>
                       <a:r>
-                        <a:rPr lang="zh-CN" altLang="en-US" sz="1500">
+                        <a:rPr lang="zh-CN" altLang="en-US" sz="1700">
                           <a:effectLst/>
                         </a:rPr>
                         <a:t>，窗口大小为</a:t>
                       </a:r>
                       <a:r>
-                        <a:rPr lang="en-US" altLang="zh-CN" sz="1500">
+                        <a:rPr lang="en-US" altLang="zh-CN" sz="1700">
                           <a:effectLst/>
                         </a:rPr>
                         <a:t>5</a:t>
                       </a:r>
                       <a:r>
-                        <a:rPr lang="zh-CN" altLang="en-US" sz="1500">
+                        <a:rPr lang="zh-CN" altLang="en-US" sz="1700">
                           <a:effectLst/>
                         </a:rPr>
                         <a:t>的法定假日数据</a:t>
                       </a:r>
                     </a:p>
                   </a:txBody>
-                  <a:tcPr marL="102477" marR="102477" marT="47297" marB="47297" anchor="ctr">
+                  <a:tcPr marL="119045" marR="119045" marT="54944" marB="54944" anchor="ctr">
                     <a:lnL w="9525" cap="flat" cmpd="sng" algn="ctr">
                       <a:solidFill>
                         <a:srgbClr val="DFE2E5"/>
@@ -42880,7 +43100,7 @@
                   </a:ext>
                 </a:extLst>
               </a:tr>
-              <a:tr h="524359">
+              <a:tr h="656836">
                 <a:tc>
                   <a:txBody>
                     <a:bodyPr/>
@@ -42888,14 +43108,14 @@
                     <a:p>
                       <a:pPr algn="ctr"/>
                       <a:r>
-                        <a:rPr lang="en-US" sz="1500">
+                        <a:rPr lang="en-US" sz="1700">
                           <a:effectLst/>
                         </a:rPr>
                         <a:t>power#n</a:t>
                       </a:r>
                     </a:p>
                   </a:txBody>
-                  <a:tcPr marL="102477" marR="102477" marT="47297" marB="47297" anchor="ctr">
+                  <a:tcPr marL="119045" marR="119045" marT="54944" marB="54944" anchor="ctr">
                     <a:lnL w="9525" cap="flat" cmpd="sng" algn="ctr">
                       <a:solidFill>
                         <a:srgbClr val="DFE2E5"/>
@@ -42944,38 +43164,38 @@
                     <a:p>
                       <a:pPr algn="ctr"/>
                       <a:r>
-                        <a:rPr lang="zh-CN" altLang="en-US" sz="1500" dirty="0">
+                        <a:rPr lang="zh-CN" altLang="en-US" sz="1700" dirty="0">
                           <a:effectLst/>
                         </a:rPr>
                         <a:t>前第</a:t>
                       </a:r>
                       <a:r>
-                        <a:rPr lang="en-US" altLang="zh-CN" sz="1500" dirty="0">
+                        <a:rPr lang="en-US" altLang="zh-CN" sz="1700" dirty="0">
                           <a:effectLst/>
                         </a:rPr>
                         <a:t>n</a:t>
                       </a:r>
                       <a:r>
-                        <a:rPr lang="zh-CN" altLang="en-US" sz="1500" dirty="0">
+                        <a:rPr lang="zh-CN" altLang="en-US" sz="1700" dirty="0">
                           <a:effectLst/>
                         </a:rPr>
                         <a:t>天的电量值，包含前</a:t>
                       </a:r>
                       <a:r>
-                        <a:rPr lang="en-US" altLang="zh-CN" sz="1500" dirty="0">
+                        <a:rPr lang="en-US" altLang="zh-CN" sz="1700" dirty="0">
                           <a:effectLst/>
                         </a:rPr>
                         <a:t>28</a:t>
                       </a:r>
                       <a:r>
-                        <a:rPr lang="zh-CN" altLang="en-US" sz="1500" dirty="0">
+                        <a:rPr lang="zh-CN" altLang="en-US" sz="1700" dirty="0">
                           <a:effectLst/>
                         </a:rPr>
                         <a:t>天数据</a:t>
                       </a:r>
                     </a:p>
                   </a:txBody>
-                  <a:tcPr marL="102477" marR="102477" marT="47297" marB="47297" anchor="ctr">
+                  <a:tcPr marL="119045" marR="119045" marT="54944" marB="54944" anchor="ctr">
                     <a:lnL w="9525" cap="flat" cmpd="sng" algn="ctr">
                       <a:solidFill>
                         <a:srgbClr val="DFE2E5"/>
@@ -43041,8 +43261,8 @@
         </p:nvSpPr>
         <p:spPr>
           <a:xfrm>
-            <a:off x="560428" y="1506022"/>
-            <a:ext cx="4959446" cy="369332"/>
+            <a:off x="516288" y="1751164"/>
+            <a:ext cx="4037424" cy="646331"/>
           </a:xfrm>
           <a:prstGeom prst="rect">
             <a:avLst/>
@@ -43111,8 +43331,8 @@
         </p:nvCxnSpPr>
         <p:spPr>
           <a:xfrm>
-            <a:off x="5139267" y="5139267"/>
-            <a:ext cx="1032587" cy="415947"/>
+            <a:off x="3739787" y="4813596"/>
+            <a:ext cx="1599854" cy="699750"/>
           </a:xfrm>
           <a:prstGeom prst="straightConnector1">
             <a:avLst/>
@@ -43150,8 +43370,8 @@
         </p:nvSpPr>
         <p:spPr>
           <a:xfrm>
-            <a:off x="560428" y="4631435"/>
-            <a:ext cx="4837375" cy="646331"/>
+            <a:off x="516288" y="3955310"/>
+            <a:ext cx="4037424" cy="646331"/>
           </a:xfrm>
           <a:prstGeom prst="rect">
             <a:avLst/>
@@ -43349,8 +43569,8 @@
         </p:blipFill>
         <p:spPr>
           <a:xfrm>
-            <a:off x="6363146" y="0"/>
-            <a:ext cx="5749535" cy="5749535"/>
+            <a:off x="6192908" y="146305"/>
+            <a:ext cx="5972562" cy="5972562"/>
           </a:xfrm>
           <a:prstGeom prst="rect">
             <a:avLst/>
@@ -43371,8 +43591,8 @@
         </p:nvSpPr>
         <p:spPr>
           <a:xfrm>
-            <a:off x="595200" y="1441077"/>
-            <a:ext cx="5537827" cy="646331"/>
+            <a:off x="595200" y="1364581"/>
+            <a:ext cx="5211240" cy="923330"/>
           </a:xfrm>
           <a:prstGeom prst="rect">
             <a:avLst/>
@@ -43430,7 +43650,7 @@
         </p:nvSpPr>
         <p:spPr>
           <a:xfrm>
-            <a:off x="8790629" y="5804180"/>
+            <a:off x="4683434" y="2919711"/>
             <a:ext cx="1412566" cy="369332"/>
           </a:xfrm>
           <a:prstGeom prst="rect">
@@ -43631,7 +43851,7 @@
         </p:nvSpPr>
         <p:spPr>
           <a:xfrm>
-            <a:off x="503922" y="1333967"/>
+            <a:off x="503922" y="2434823"/>
             <a:ext cx="4656667" cy="1477328"/>
           </a:xfrm>
           <a:prstGeom prst="rect">
@@ -43933,7 +44153,7 @@
         </p:nvSpPr>
         <p:spPr>
           <a:xfrm>
-            <a:off x="211012" y="1522802"/>
+            <a:off x="361919" y="2676787"/>
             <a:ext cx="3469228" cy="923330"/>
           </a:xfrm>
           <a:prstGeom prst="rect">
@@ -44595,7 +44815,7 @@
         </p:nvSpPr>
         <p:spPr>
           <a:xfrm>
-            <a:off x="4977745" y="365125"/>
+            <a:off x="200674" y="2532253"/>
             <a:ext cx="2236510" cy="707886"/>
           </a:xfrm>
           <a:prstGeom prst="rect">
@@ -44639,28 +44859,28 @@
           <p:nvPr>
             <p:extLst>
               <p:ext uri="{D42A27DB-BD31-4B8C-83A1-F6EECF244321}">
-                <p14:modId xmlns:p14="http://schemas.microsoft.com/office/powerpoint/2010/main" val="3693190794"/>
+                <p14:modId xmlns:p14="http://schemas.microsoft.com/office/powerpoint/2010/main" val="1126014819"/>
               </p:ext>
             </p:extLst>
           </p:nvPr>
         </p:nvGraphicFramePr>
         <p:xfrm>
-          <a:off x="2708598" y="1690688"/>
-          <a:ext cx="6976910" cy="4311590"/>
+          <a:off x="3040532" y="152878"/>
+          <a:ext cx="8913724" cy="5895120"/>
         </p:xfrm>
         <a:graphic>
           <a:graphicData uri="http://schemas.openxmlformats.org/drawingml/2006/table">
             <a:tbl>
               <a:tblPr/>
               <a:tblGrid>
-                <a:gridCol w="3488455">
+                <a:gridCol w="4456862">
                   <a:extLst>
                     <a:ext uri="{9D8B030D-6E8A-4147-A177-3AD203B41FA5}">
                       <a16:colId xmlns:a16="http://schemas.microsoft.com/office/drawing/2014/main" val="1327527819"/>
                     </a:ext>
                   </a:extLst>
                 </a:gridCol>
-                <a:gridCol w="3488455">
+                <a:gridCol w="4456862">
                   <a:extLst>
                     <a:ext uri="{9D8B030D-6E8A-4147-A177-3AD203B41FA5}">
                       <a16:colId xmlns:a16="http://schemas.microsoft.com/office/drawing/2014/main" val="2987589797"/>
@@ -44668,7 +44888,7 @@
                   </a:extLst>
                 </a:gridCol>
               </a:tblGrid>
-              <a:tr h="312865">
+              <a:tr h="470682">
                 <a:tc>
                   <a:txBody>
                     <a:bodyPr/>
@@ -44676,14 +44896,14 @@
                     <a:p>
                       <a:pPr algn="ctr"/>
                       <a:r>
-                        <a:rPr lang="zh-CN" altLang="en-US" sz="1700" b="1">
+                        <a:rPr lang="zh-CN" altLang="en-US" sz="2200" b="1">
                           <a:effectLst/>
                         </a:rPr>
                         <a:t>特征</a:t>
                       </a:r>
                     </a:p>
                   </a:txBody>
-                  <a:tcPr marL="118441" marR="118441" marT="54665" marB="54665" anchor="ctr">
+                  <a:tcPr marL="151321" marR="151321" marT="69840" marB="69840" anchor="ctr">
                     <a:lnL w="9525" cap="flat" cmpd="sng" algn="ctr">
                       <a:solidFill>
                         <a:srgbClr val="DFE2E5"/>
@@ -44732,14 +44952,14 @@
                     <a:p>
                       <a:pPr algn="ctr"/>
                       <a:r>
-                        <a:rPr lang="zh-CN" altLang="en-US" sz="1700" b="1">
+                        <a:rPr lang="zh-CN" altLang="en-US" sz="2200" b="1">
                           <a:effectLst/>
                         </a:rPr>
                         <a:t>解释</a:t>
                       </a:r>
                     </a:p>
                   </a:txBody>
-                  <a:tcPr marL="118441" marR="118441" marT="54665" marB="54665" anchor="ctr">
+                  <a:tcPr marL="151321" marR="151321" marT="69840" marB="69840" anchor="ctr">
                     <a:lnL w="9525" cap="flat" cmpd="sng" algn="ctr">
                       <a:solidFill>
                         <a:srgbClr val="DFE2E5"/>
@@ -44787,7 +45007,7 @@
                   </a:ext>
                 </a:extLst>
               </a:tr>
-              <a:tr h="312865">
+              <a:tr h="470682">
                 <a:tc>
                   <a:txBody>
                     <a:bodyPr/>
@@ -44795,14 +45015,14 @@
                     <a:p>
                       <a:pPr algn="ctr"/>
                       <a:r>
-                        <a:rPr lang="en-US" sz="1700">
+                        <a:rPr lang="en-US" sz="2200">
                           <a:effectLst/>
                         </a:rPr>
                         <a:t>temperature_low_n</a:t>
                       </a:r>
                     </a:p>
                   </a:txBody>
-                  <a:tcPr marL="118441" marR="118441" marT="54665" marB="54665" anchor="ctr">
+                  <a:tcPr marL="151321" marR="151321" marT="69840" marB="69840" anchor="ctr">
                     <a:lnL w="9525" cap="flat" cmpd="sng" algn="ctr">
                       <a:solidFill>
                         <a:srgbClr val="DFE2E5"/>
@@ -44851,20 +45071,20 @@
                     <a:p>
                       <a:pPr algn="ctr"/>
                       <a:r>
-                        <a:rPr lang="en-US" altLang="zh-CN" sz="1700">
+                        <a:rPr lang="en-US" altLang="zh-CN" sz="2200">
                           <a:effectLst/>
                         </a:rPr>
                         <a:t>n</a:t>
                       </a:r>
                       <a:r>
-                        <a:rPr lang="zh-CN" altLang="en-US" sz="1700">
+                        <a:rPr lang="zh-CN" altLang="en-US" sz="2200">
                           <a:effectLst/>
                         </a:rPr>
                         <a:t>天前最低温度</a:t>
                       </a:r>
                     </a:p>
                   </a:txBody>
-                  <a:tcPr marL="118441" marR="118441" marT="54665" marB="54665" anchor="ctr">
+                  <a:tcPr marL="151321" marR="151321" marT="69840" marB="69840" anchor="ctr">
                     <a:lnL w="9525" cap="flat" cmpd="sng" algn="ctr">
                       <a:solidFill>
                         <a:srgbClr val="DFE2E5"/>
@@ -44912,7 +45132,7 @@
                   </a:ext>
                 </a:extLst>
               </a:tr>
-              <a:tr h="312865">
+              <a:tr h="470682">
                 <a:tc>
                   <a:txBody>
                     <a:bodyPr/>
@@ -44920,14 +45140,14 @@
                     <a:p>
                       <a:pPr algn="ctr"/>
                       <a:r>
-                        <a:rPr lang="en-US" sz="1700">
+                        <a:rPr lang="en-US" sz="2200">
                           <a:effectLst/>
                         </a:rPr>
                         <a:t>temperature_high_n</a:t>
                       </a:r>
                     </a:p>
                   </a:txBody>
-                  <a:tcPr marL="118441" marR="118441" marT="54665" marB="54665" anchor="ctr">
+                  <a:tcPr marL="151321" marR="151321" marT="69840" marB="69840" anchor="ctr">
                     <a:lnL w="9525" cap="flat" cmpd="sng" algn="ctr">
                       <a:solidFill>
                         <a:srgbClr val="DFE2E5"/>
@@ -44976,20 +45196,20 @@
                     <a:p>
                       <a:pPr algn="ctr"/>
                       <a:r>
-                        <a:rPr lang="en-US" altLang="zh-CN" sz="1700">
+                        <a:rPr lang="en-US" altLang="zh-CN" sz="2200">
                           <a:effectLst/>
                         </a:rPr>
                         <a:t>n</a:t>
                       </a:r>
                       <a:r>
-                        <a:rPr lang="zh-CN" altLang="en-US" sz="1700">
+                        <a:rPr lang="zh-CN" altLang="en-US" sz="2200">
                           <a:effectLst/>
                         </a:rPr>
                         <a:t>天前最高温度</a:t>
                       </a:r>
                     </a:p>
                   </a:txBody>
-                  <a:tcPr marL="118441" marR="118441" marT="54665" marB="54665" anchor="ctr">
+                  <a:tcPr marL="151321" marR="151321" marT="69840" marB="69840" anchor="ctr">
                     <a:lnL w="9525" cap="flat" cmpd="sng" algn="ctr">
                       <a:solidFill>
                         <a:srgbClr val="DFE2E5"/>
@@ -45037,7 +45257,7 @@
                   </a:ext>
                 </a:extLst>
               </a:tr>
-              <a:tr h="312865">
+              <a:tr h="470682">
                 <a:tc>
                   <a:txBody>
                     <a:bodyPr/>
@@ -45045,14 +45265,17 @@
                     <a:p>
                       <a:pPr algn="ctr"/>
                       <a:r>
-                        <a:rPr lang="en-US" sz="1700">
+                        <a:rPr lang="en-US" sz="2200" dirty="0" err="1">
                           <a:effectLst/>
                         </a:rPr>
                         <a:t>weather_val_n</a:t>
                       </a:r>
+                      <a:endParaRPr lang="en-US" sz="2200" dirty="0">
+                        <a:effectLst/>
+                      </a:endParaRPr>
                     </a:p>
                   </a:txBody>
-                  <a:tcPr marL="118441" marR="118441" marT="54665" marB="54665" anchor="ctr">
+                  <a:tcPr marL="151321" marR="151321" marT="69840" marB="69840" anchor="ctr">
                     <a:lnL w="9525" cap="flat" cmpd="sng" algn="ctr">
                       <a:solidFill>
                         <a:srgbClr val="DFE2E5"/>
@@ -45101,20 +45324,20 @@
                     <a:p>
                       <a:pPr algn="ctr"/>
                       <a:r>
-                        <a:rPr lang="en-US" sz="1700">
+                        <a:rPr lang="en-US" sz="2200" dirty="0">
                           <a:effectLst/>
                         </a:rPr>
                         <a:t>n</a:t>
                       </a:r>
                       <a:r>
-                        <a:rPr lang="zh-CN" altLang="en-US" sz="1700">
+                        <a:rPr lang="zh-CN" altLang="en-US" sz="2200" dirty="0">
                           <a:effectLst/>
                         </a:rPr>
                         <a:t>天前天气值</a:t>
                       </a:r>
                     </a:p>
                   </a:txBody>
-                  <a:tcPr marL="118441" marR="118441" marT="54665" marB="54665" anchor="ctr">
+                  <a:tcPr marL="151321" marR="151321" marT="69840" marB="69840" anchor="ctr">
                     <a:lnL w="9525" cap="flat" cmpd="sng" algn="ctr">
                       <a:solidFill>
                         <a:srgbClr val="DFE2E5"/>
@@ -45162,7 +45385,7 @@
                   </a:ext>
                 </a:extLst>
               </a:tr>
-              <a:tr h="533712">
+              <a:tr h="801683">
                 <a:tc>
                   <a:txBody>
                     <a:bodyPr/>
@@ -45170,14 +45393,14 @@
                     <a:p>
                       <a:pPr algn="ctr"/>
                       <a:r>
-                        <a:rPr lang="en-US" sz="1700">
+                        <a:rPr lang="en-US" sz="2200">
                           <a:effectLst/>
                         </a:rPr>
                         <a:t>power_n</a:t>
                       </a:r>
                     </a:p>
                   </a:txBody>
-                  <a:tcPr marL="118441" marR="118441" marT="54665" marB="54665" anchor="ctr">
+                  <a:tcPr marL="151321" marR="151321" marT="69840" marB="69840" anchor="ctr">
                     <a:lnL w="9525" cap="flat" cmpd="sng" algn="ctr">
                       <a:solidFill>
                         <a:srgbClr val="DFE2E5"/>
@@ -45226,38 +45449,38 @@
                     <a:p>
                       <a:pPr algn="ctr"/>
                       <a:r>
-                        <a:rPr lang="zh-CN" altLang="en-US" sz="1700">
+                        <a:rPr lang="zh-CN" altLang="en-US" sz="2200">
                           <a:effectLst/>
                         </a:rPr>
                         <a:t>前第</a:t>
                       </a:r>
                       <a:r>
-                        <a:rPr lang="en-US" altLang="zh-CN" sz="1700">
+                        <a:rPr lang="en-US" altLang="zh-CN" sz="2200">
                           <a:effectLst/>
                         </a:rPr>
                         <a:t>n</a:t>
                       </a:r>
                       <a:r>
-                        <a:rPr lang="zh-CN" altLang="en-US" sz="1700">
+                        <a:rPr lang="zh-CN" altLang="en-US" sz="2200">
                           <a:effectLst/>
                         </a:rPr>
                         <a:t>天的电量值，包含前</a:t>
                       </a:r>
                       <a:r>
-                        <a:rPr lang="en-US" altLang="zh-CN" sz="1700">
+                        <a:rPr lang="en-US" altLang="zh-CN" sz="2200">
                           <a:effectLst/>
                         </a:rPr>
                         <a:t>7</a:t>
                       </a:r>
                       <a:r>
-                        <a:rPr lang="zh-CN" altLang="en-US" sz="1700">
+                        <a:rPr lang="zh-CN" altLang="en-US" sz="2200">
                           <a:effectLst/>
                         </a:rPr>
                         <a:t>天数据及预测当天前四周相关日期电量值</a:t>
                       </a:r>
                     </a:p>
                   </a:txBody>
-                  <a:tcPr marL="118441" marR="118441" marT="54665" marB="54665" anchor="ctr">
+                  <a:tcPr marL="151321" marR="151321" marT="69840" marB="69840" anchor="ctr">
                     <a:lnL w="9525" cap="flat" cmpd="sng" algn="ctr">
                       <a:solidFill>
                         <a:srgbClr val="DFE2E5"/>
@@ -45305,7 +45528,7 @@
                   </a:ext>
                 </a:extLst>
               </a:tr>
-              <a:tr h="312865">
+              <a:tr h="470682">
                 <a:tc>
                   <a:txBody>
                     <a:bodyPr/>
@@ -45313,14 +45536,14 @@
                     <a:p>
                       <a:pPr algn="ctr"/>
                       <a:r>
-                        <a:rPr lang="en-US" sz="1700">
+                        <a:rPr lang="en-US" sz="2200">
                           <a:effectLst/>
                         </a:rPr>
                         <a:t>mean7_power_n</a:t>
                       </a:r>
                     </a:p>
                   </a:txBody>
-                  <a:tcPr marL="118441" marR="118441" marT="54665" marB="54665" anchor="ctr">
+                  <a:tcPr marL="151321" marR="151321" marT="69840" marB="69840" anchor="ctr">
                     <a:lnL w="9525" cap="flat" cmpd="sng" algn="ctr">
                       <a:solidFill>
                         <a:srgbClr val="DFE2E5"/>
@@ -45369,38 +45592,38 @@
                     <a:p>
                       <a:pPr algn="ctr"/>
                       <a:r>
-                        <a:rPr lang="zh-CN" altLang="en-US" sz="1700">
+                        <a:rPr lang="zh-CN" altLang="en-US" sz="2200">
                           <a:effectLst/>
                         </a:rPr>
                         <a:t>以</a:t>
                       </a:r>
                       <a:r>
-                        <a:rPr lang="en-US" altLang="zh-CN" sz="1700">
+                        <a:rPr lang="en-US" altLang="zh-CN" sz="2200">
                           <a:effectLst/>
                         </a:rPr>
                         <a:t>n</a:t>
                       </a:r>
                       <a:r>
-                        <a:rPr lang="zh-CN" altLang="en-US" sz="1700">
+                        <a:rPr lang="zh-CN" altLang="en-US" sz="2200">
                           <a:effectLst/>
                         </a:rPr>
                         <a:t>天前为</a:t>
                       </a:r>
                       <a:r>
-                        <a:rPr lang="en-US" altLang="zh-CN" sz="1700">
+                        <a:rPr lang="en-US" altLang="zh-CN" sz="2200">
                           <a:effectLst/>
                         </a:rPr>
                         <a:t>start</a:t>
                       </a:r>
                       <a:r>
-                        <a:rPr lang="zh-CN" altLang="en-US" sz="1700">
+                        <a:rPr lang="zh-CN" altLang="en-US" sz="2200">
                           <a:effectLst/>
                         </a:rPr>
                         <a:t>的一周电量均值</a:t>
                       </a:r>
                     </a:p>
                   </a:txBody>
-                  <a:tcPr marL="118441" marR="118441" marT="54665" marB="54665" anchor="ctr">
+                  <a:tcPr marL="151321" marR="151321" marT="69840" marB="69840" anchor="ctr">
                     <a:lnL w="9525" cap="flat" cmpd="sng" algn="ctr">
                       <a:solidFill>
                         <a:srgbClr val="DFE2E5"/>
@@ -45448,7 +45671,7 @@
                   </a:ext>
                 </a:extLst>
               </a:tr>
-              <a:tr h="312865">
+              <a:tr h="470682">
                 <a:tc>
                   <a:txBody>
                     <a:bodyPr/>
@@ -45456,14 +45679,14 @@
                     <a:p>
                       <a:pPr algn="ctr"/>
                       <a:r>
-                        <a:rPr lang="en-US" sz="1700">
+                        <a:rPr lang="en-US" sz="2200">
                           <a:effectLst/>
                         </a:rPr>
                         <a:t>max7_power_n</a:t>
                       </a:r>
                     </a:p>
                   </a:txBody>
-                  <a:tcPr marL="118441" marR="118441" marT="54665" marB="54665" anchor="ctr">
+                  <a:tcPr marL="151321" marR="151321" marT="69840" marB="69840" anchor="ctr">
                     <a:lnL w="9525" cap="flat" cmpd="sng" algn="ctr">
                       <a:solidFill>
                         <a:srgbClr val="DFE2E5"/>
@@ -45512,38 +45735,38 @@
                     <a:p>
                       <a:pPr algn="ctr"/>
                       <a:r>
-                        <a:rPr lang="zh-CN" altLang="en-US" sz="1700">
+                        <a:rPr lang="zh-CN" altLang="en-US" sz="2200">
                           <a:effectLst/>
                         </a:rPr>
                         <a:t>以</a:t>
                       </a:r>
                       <a:r>
-                        <a:rPr lang="en-US" altLang="zh-CN" sz="1700">
+                        <a:rPr lang="en-US" altLang="zh-CN" sz="2200">
                           <a:effectLst/>
                         </a:rPr>
                         <a:t>n</a:t>
                       </a:r>
                       <a:r>
-                        <a:rPr lang="zh-CN" altLang="en-US" sz="1700">
+                        <a:rPr lang="zh-CN" altLang="en-US" sz="2200">
                           <a:effectLst/>
                         </a:rPr>
                         <a:t>天前为</a:t>
                       </a:r>
                       <a:r>
-                        <a:rPr lang="en-US" altLang="zh-CN" sz="1700">
+                        <a:rPr lang="en-US" altLang="zh-CN" sz="2200">
                           <a:effectLst/>
                         </a:rPr>
                         <a:t>start</a:t>
                       </a:r>
                       <a:r>
-                        <a:rPr lang="zh-CN" altLang="en-US" sz="1700">
+                        <a:rPr lang="zh-CN" altLang="en-US" sz="2200">
                           <a:effectLst/>
                         </a:rPr>
                         <a:t>的一周电量最大值</a:t>
                       </a:r>
                     </a:p>
                   </a:txBody>
-                  <a:tcPr marL="118441" marR="118441" marT="54665" marB="54665" anchor="ctr">
+                  <a:tcPr marL="151321" marR="151321" marT="69840" marB="69840" anchor="ctr">
                     <a:lnL w="9525" cap="flat" cmpd="sng" algn="ctr">
                       <a:solidFill>
                         <a:srgbClr val="DFE2E5"/>
@@ -45591,7 +45814,7 @@
                   </a:ext>
                 </a:extLst>
               </a:tr>
-              <a:tr h="312865">
+              <a:tr h="470682">
                 <a:tc>
                   <a:txBody>
                     <a:bodyPr/>
@@ -45599,14 +45822,14 @@
                     <a:p>
                       <a:pPr algn="ctr"/>
                       <a:r>
-                        <a:rPr lang="en-US" sz="1700">
+                        <a:rPr lang="en-US" sz="2200">
                           <a:effectLst/>
                         </a:rPr>
                         <a:t>min7_power_n</a:t>
                       </a:r>
                     </a:p>
                   </a:txBody>
-                  <a:tcPr marL="118441" marR="118441" marT="54665" marB="54665" anchor="ctr">
+                  <a:tcPr marL="151321" marR="151321" marT="69840" marB="69840" anchor="ctr">
                     <a:lnL w="9525" cap="flat" cmpd="sng" algn="ctr">
                       <a:solidFill>
                         <a:srgbClr val="DFE2E5"/>
@@ -45655,38 +45878,38 @@
                     <a:p>
                       <a:pPr algn="ctr"/>
                       <a:r>
-                        <a:rPr lang="zh-CN" altLang="en-US" sz="1700">
+                        <a:rPr lang="zh-CN" altLang="en-US" sz="2200">
                           <a:effectLst/>
                         </a:rPr>
                         <a:t>以</a:t>
                       </a:r>
                       <a:r>
-                        <a:rPr lang="en-US" altLang="zh-CN" sz="1700">
+                        <a:rPr lang="en-US" altLang="zh-CN" sz="2200">
                           <a:effectLst/>
                         </a:rPr>
                         <a:t>n</a:t>
                       </a:r>
                       <a:r>
-                        <a:rPr lang="zh-CN" altLang="en-US" sz="1700">
+                        <a:rPr lang="zh-CN" altLang="en-US" sz="2200">
                           <a:effectLst/>
                         </a:rPr>
                         <a:t>天前为</a:t>
                       </a:r>
                       <a:r>
-                        <a:rPr lang="en-US" altLang="zh-CN" sz="1700">
+                        <a:rPr lang="en-US" altLang="zh-CN" sz="2200">
                           <a:effectLst/>
                         </a:rPr>
                         <a:t>start</a:t>
                       </a:r>
                       <a:r>
-                        <a:rPr lang="zh-CN" altLang="en-US" sz="1700">
+                        <a:rPr lang="zh-CN" altLang="en-US" sz="2200">
                           <a:effectLst/>
                         </a:rPr>
                         <a:t>的一周电量最小值</a:t>
                       </a:r>
                     </a:p>
                   </a:txBody>
-                  <a:tcPr marL="118441" marR="118441" marT="54665" marB="54665" anchor="ctr">
+                  <a:tcPr marL="151321" marR="151321" marT="69840" marB="69840" anchor="ctr">
                     <a:lnL w="9525" cap="flat" cmpd="sng" algn="ctr">
                       <a:solidFill>
                         <a:srgbClr val="DFE2E5"/>
@@ -45734,7 +45957,7 @@
                   </a:ext>
                 </a:extLst>
               </a:tr>
-              <a:tr h="312865">
+              <a:tr h="470682">
                 <a:tc>
                   <a:txBody>
                     <a:bodyPr/>
@@ -45742,14 +45965,14 @@
                     <a:p>
                       <a:pPr algn="ctr"/>
                       <a:r>
-                        <a:rPr lang="en-US" sz="1700">
+                        <a:rPr lang="en-US" sz="2200">
                           <a:effectLst/>
                         </a:rPr>
                         <a:t>std7_power_n</a:t>
                       </a:r>
                     </a:p>
                   </a:txBody>
-                  <a:tcPr marL="118441" marR="118441" marT="54665" marB="54665" anchor="ctr">
+                  <a:tcPr marL="151321" marR="151321" marT="69840" marB="69840" anchor="ctr">
                     <a:lnL w="9525" cap="flat" cmpd="sng" algn="ctr">
                       <a:solidFill>
                         <a:srgbClr val="DFE2E5"/>
@@ -45798,38 +46021,38 @@
                     <a:p>
                       <a:pPr algn="ctr"/>
                       <a:r>
-                        <a:rPr lang="zh-CN" altLang="en-US" sz="1700">
+                        <a:rPr lang="zh-CN" altLang="en-US" sz="2200">
                           <a:effectLst/>
                         </a:rPr>
                         <a:t>以</a:t>
                       </a:r>
                       <a:r>
-                        <a:rPr lang="en-US" altLang="zh-CN" sz="1700">
+                        <a:rPr lang="en-US" altLang="zh-CN" sz="2200">
                           <a:effectLst/>
                         </a:rPr>
                         <a:t>n</a:t>
                       </a:r>
                       <a:r>
-                        <a:rPr lang="zh-CN" altLang="en-US" sz="1700">
+                        <a:rPr lang="zh-CN" altLang="en-US" sz="2200">
                           <a:effectLst/>
                         </a:rPr>
                         <a:t>天前为</a:t>
                       </a:r>
                       <a:r>
-                        <a:rPr lang="en-US" altLang="zh-CN" sz="1700">
+                        <a:rPr lang="en-US" altLang="zh-CN" sz="2200">
                           <a:effectLst/>
                         </a:rPr>
                         <a:t>start</a:t>
                       </a:r>
                       <a:r>
-                        <a:rPr lang="zh-CN" altLang="en-US" sz="1700">
+                        <a:rPr lang="zh-CN" altLang="en-US" sz="2200">
                           <a:effectLst/>
                         </a:rPr>
                         <a:t>的一周电量标准差</a:t>
                       </a:r>
                     </a:p>
                   </a:txBody>
-                  <a:tcPr marL="118441" marR="118441" marT="54665" marB="54665" anchor="ctr">
+                  <a:tcPr marL="151321" marR="151321" marT="69840" marB="69840" anchor="ctr">
                     <a:lnL w="9525" cap="flat" cmpd="sng" algn="ctr">
                       <a:solidFill>
                         <a:srgbClr val="DFE2E5"/>
@@ -45877,7 +46100,7 @@
                   </a:ext>
                 </a:extLst>
               </a:tr>
-              <a:tr h="312865">
+              <a:tr h="470682">
                 <a:tc>
                   <a:txBody>
                     <a:bodyPr/>
@@ -45885,14 +46108,14 @@
                     <a:p>
                       <a:pPr algn="ctr"/>
                       <a:r>
-                        <a:rPr lang="en-US" sz="1700">
+                        <a:rPr lang="en-US" sz="2200">
                           <a:effectLst/>
                         </a:rPr>
                         <a:t>dayofweek</a:t>
                       </a:r>
                     </a:p>
                   </a:txBody>
-                  <a:tcPr marL="118441" marR="118441" marT="54665" marB="54665" anchor="ctr">
+                  <a:tcPr marL="151321" marR="151321" marT="69840" marB="69840" anchor="ctr">
                     <a:lnL w="9525" cap="flat" cmpd="sng" algn="ctr">
                       <a:solidFill>
                         <a:srgbClr val="DFE2E5"/>
@@ -45941,14 +46164,14 @@
                     <a:p>
                       <a:pPr algn="ctr"/>
                       <a:r>
-                        <a:rPr lang="zh-CN" altLang="en-US" sz="1700">
+                        <a:rPr lang="zh-CN" altLang="en-US" sz="2200">
                           <a:effectLst/>
                         </a:rPr>
                         <a:t>周几</a:t>
                       </a:r>
                     </a:p>
                   </a:txBody>
-                  <a:tcPr marL="118441" marR="118441" marT="54665" marB="54665" anchor="ctr">
+                  <a:tcPr marL="151321" marR="151321" marT="69840" marB="69840" anchor="ctr">
                     <a:lnL w="9525" cap="flat" cmpd="sng" algn="ctr">
                       <a:solidFill>
                         <a:srgbClr val="DFE2E5"/>
@@ -45996,7 +46219,7 @@
                   </a:ext>
                 </a:extLst>
               </a:tr>
-              <a:tr h="312865">
+              <a:tr h="470682">
                 <a:tc>
                   <a:txBody>
                     <a:bodyPr/>
@@ -46004,14 +46227,14 @@
                     <a:p>
                       <a:pPr algn="ctr"/>
                       <a:r>
-                        <a:rPr lang="en-US" sz="1700">
+                        <a:rPr lang="en-US" sz="2200">
                           <a:effectLst/>
                         </a:rPr>
                         <a:t>monthofyear</a:t>
                       </a:r>
                     </a:p>
                   </a:txBody>
-                  <a:tcPr marL="118441" marR="118441" marT="54665" marB="54665" anchor="ctr">
+                  <a:tcPr marL="151321" marR="151321" marT="69840" marB="69840" anchor="ctr">
                     <a:lnL w="9525" cap="flat" cmpd="sng" algn="ctr">
                       <a:solidFill>
                         <a:srgbClr val="DFE2E5"/>
@@ -46060,14 +46283,14 @@
                     <a:p>
                       <a:pPr algn="ctr"/>
                       <a:r>
-                        <a:rPr lang="zh-CN" altLang="en-US" sz="1700" dirty="0">
+                        <a:rPr lang="zh-CN" altLang="en-US" sz="2200" dirty="0">
                           <a:effectLst/>
                         </a:rPr>
                         <a:t>月份</a:t>
                       </a:r>
                     </a:p>
                   </a:txBody>
-                  <a:tcPr marL="118441" marR="118441" marT="54665" marB="54665" anchor="ctr">
+                  <a:tcPr marL="151321" marR="151321" marT="69840" marB="69840" anchor="ctr">
                     <a:lnL w="9525" cap="flat" cmpd="sng" algn="ctr">
                       <a:solidFill>
                         <a:srgbClr val="DFE2E5"/>
@@ -46248,7 +46471,7 @@
           </p:cNvPicPr>
           <p:nvPr/>
         </p:nvPicPr>
-        <p:blipFill>
+        <p:blipFill rotWithShape="1">
           <a:blip r:embed="rId3">
             <a:extLst>
               <a:ext uri="{28A0092B-C50C-407E-A947-70E740481C1C}">
@@ -46256,14 +46479,13 @@
               </a:ext>
             </a:extLst>
           </a:blip>
-          <a:stretch>
-            <a:fillRect/>
-          </a:stretch>
+          <a:srcRect b="7808"/>
+          <a:stretch/>
         </p:blipFill>
         <p:spPr>
           <a:xfrm>
-            <a:off x="5403934" y="0"/>
-            <a:ext cx="6384898" cy="6556075"/>
+            <a:off x="5403934" y="1"/>
+            <a:ext cx="6384898" cy="6044184"/>
           </a:xfrm>
           <a:prstGeom prst="rect">
             <a:avLst/>
@@ -46284,8 +46506,8 @@
         </p:nvSpPr>
         <p:spPr>
           <a:xfrm>
-            <a:off x="565211" y="2253976"/>
-            <a:ext cx="3966411" cy="1200329"/>
+            <a:off x="572458" y="2669475"/>
+            <a:ext cx="4950518" cy="923330"/>
           </a:xfrm>
           <a:prstGeom prst="rect">
             <a:avLst/>
@@ -48157,7 +48379,7 @@
         </p:nvSpPr>
         <p:spPr>
           <a:xfrm>
-            <a:off x="1114480" y="2584364"/>
+            <a:off x="1004752" y="1901696"/>
             <a:ext cx="4507832" cy="1200329"/>
           </a:xfrm>
           <a:prstGeom prst="rect">
@@ -48267,6 +48489,133 @@
           </a:prstGeom>
         </p:spPr>
       </p:pic>
+      <p:sp>
+        <p:nvSpPr>
+          <p:cNvPr id="5" name="圆角矩形 4"/>
+          <p:cNvSpPr/>
+          <p:nvPr/>
+        </p:nvSpPr>
+        <p:spPr>
+          <a:xfrm>
+            <a:off x="7068312" y="2468880"/>
+            <a:ext cx="3931920" cy="2011680"/>
+          </a:xfrm>
+          <a:prstGeom prst="roundRect">
+            <a:avLst/>
+          </a:prstGeom>
+          <a:noFill/>
+          <a:ln w="38100">
+            <a:solidFill>
+              <a:srgbClr val="FF0000"/>
+            </a:solidFill>
+          </a:ln>
+        </p:spPr>
+        <p:style>
+          <a:lnRef idx="2">
+            <a:schemeClr val="accent1">
+              <a:shade val="50000"/>
+            </a:schemeClr>
+          </a:lnRef>
+          <a:fillRef idx="1">
+            <a:schemeClr val="accent1"/>
+          </a:fillRef>
+          <a:effectRef idx="0">
+            <a:schemeClr val="accent1"/>
+          </a:effectRef>
+          <a:fontRef idx="minor">
+            <a:schemeClr val="lt1"/>
+          </a:fontRef>
+        </p:style>
+        <p:txBody>
+          <a:bodyPr rtlCol="0" anchor="ctr"/>
+          <a:lstStyle/>
+          <a:p>
+            <a:pPr algn="ctr"/>
+            <a:endParaRPr lang="zh-CN" altLang="en-US"/>
+          </a:p>
+        </p:txBody>
+      </p:sp>
+      <p:sp>
+        <p:nvSpPr>
+          <p:cNvPr id="6" name="右箭头 5"/>
+          <p:cNvSpPr/>
+          <p:nvPr/>
+        </p:nvSpPr>
+        <p:spPr>
+          <a:xfrm rot="20290690">
+            <a:off x="5369783" y="3790998"/>
+            <a:ext cx="1371600" cy="475488"/>
+          </a:xfrm>
+          <a:prstGeom prst="rightArrow">
+            <a:avLst>
+              <a:gd name="adj1" fmla="val 42308"/>
+              <a:gd name="adj2" fmla="val 50000"/>
+            </a:avLst>
+          </a:prstGeom>
+        </p:spPr>
+        <p:style>
+          <a:lnRef idx="2">
+            <a:schemeClr val="accent1">
+              <a:shade val="50000"/>
+            </a:schemeClr>
+          </a:lnRef>
+          <a:fillRef idx="1">
+            <a:schemeClr val="accent1"/>
+          </a:fillRef>
+          <a:effectRef idx="0">
+            <a:schemeClr val="accent1"/>
+          </a:effectRef>
+          <a:fontRef idx="minor">
+            <a:schemeClr val="lt1"/>
+          </a:fontRef>
+        </p:style>
+        <p:txBody>
+          <a:bodyPr rtlCol="0" anchor="ctr"/>
+          <a:lstStyle/>
+          <a:p>
+            <a:pPr algn="ctr"/>
+            <a:endParaRPr lang="zh-CN" altLang="en-US"/>
+          </a:p>
+        </p:txBody>
+      </p:sp>
+      <p:sp>
+        <p:nvSpPr>
+          <p:cNvPr id="9" name="文本框 8"/>
+          <p:cNvSpPr txBox="1"/>
+          <p:nvPr/>
+        </p:nvSpPr>
+        <p:spPr>
+          <a:xfrm>
+            <a:off x="4170950" y="4295894"/>
+            <a:ext cx="1231036" cy="369332"/>
+          </a:xfrm>
+          <a:prstGeom prst="rect">
+            <a:avLst/>
+          </a:prstGeom>
+          <a:noFill/>
+        </p:spPr>
+        <p:txBody>
+          <a:bodyPr wrap="square" rtlCol="0">
+            <a:spAutoFit/>
+          </a:bodyPr>
+          <a:lstStyle/>
+          <a:p>
+            <a:r>
+              <a:rPr lang="zh-CN" altLang="en-US" b="1" dirty="0" smtClean="0">
+                <a:solidFill>
+                  <a:srgbClr val="FF0000"/>
+                </a:solidFill>
+              </a:rPr>
+              <a:t>融合部分</a:t>
+            </a:r>
+            <a:endParaRPr lang="zh-CN" altLang="en-US" b="1" dirty="0">
+              <a:solidFill>
+                <a:srgbClr val="FF0000"/>
+              </a:solidFill>
+            </a:endParaRPr>
+          </a:p>
+        </p:txBody>
+      </p:sp>
     </p:spTree>
     <p:extLst>
       <p:ext uri="{BB962C8B-B14F-4D97-AF65-F5344CB8AC3E}">
@@ -49488,7 +49837,7 @@
           </p:nvPr>
         </p:nvPicPr>
         <p:blipFill>
-          <a:blip r:embed="rId2" cstate="print"/>
+          <a:blip r:embed="rId3" cstate="print"/>
           <a:stretch>
             <a:fillRect/>
           </a:stretch>
@@ -51344,7 +51693,7 @@
         </p:nvSpPr>
         <p:spPr>
           <a:xfrm>
-            <a:off x="4948837" y="357717"/>
+            <a:off x="4439964" y="257310"/>
             <a:ext cx="3826689" cy="1323439"/>
           </a:xfrm>
           <a:prstGeom prst="rect">

--- a/presentation.pptx
+++ b/presentation.pptx
@@ -4644,7 +4644,6 @@
     </c:plotArea>
     <c:legend>
       <c:legendPos val="b"/>
-      <c:layout/>
       <c:overlay val="0"/>
       <c:spPr>
         <a:noFill/>
@@ -11193,7 +11192,6 @@
     </c:plotArea>
     <c:legend>
       <c:legendPos val="r"/>
-      <c:layout/>
       <c:overlay val="0"/>
       <c:spPr>
         <a:noFill/>
@@ -46457,41 +46455,6 @@
           </a:p>
         </p:txBody>
       </p:sp>
-      <p:pic>
-        <p:nvPicPr>
-          <p:cNvPr id="6" name="图片 5">
-            <a:extLst>
-              <a:ext uri="{FF2B5EF4-FFF2-40B4-BE49-F238E27FC236}">
-                <a16:creationId xmlns:a16="http://schemas.microsoft.com/office/drawing/2014/main" id="{5B6D43E8-F3B6-4E34-8566-5DD109C5949F}"/>
-              </a:ext>
-            </a:extLst>
-          </p:cNvPr>
-          <p:cNvPicPr>
-            <a:picLocks noChangeAspect="1"/>
-          </p:cNvPicPr>
-          <p:nvPr/>
-        </p:nvPicPr>
-        <p:blipFill rotWithShape="1">
-          <a:blip r:embed="rId3">
-            <a:extLst>
-              <a:ext uri="{28A0092B-C50C-407E-A947-70E740481C1C}">
-                <a14:useLocalDpi xmlns:a14="http://schemas.microsoft.com/office/drawing/2010/main" val="0"/>
-              </a:ext>
-            </a:extLst>
-          </a:blip>
-          <a:srcRect b="7808"/>
-          <a:stretch/>
-        </p:blipFill>
-        <p:spPr>
-          <a:xfrm>
-            <a:off x="5403934" y="1"/>
-            <a:ext cx="6384898" cy="6044184"/>
-          </a:xfrm>
-          <a:prstGeom prst="rect">
-            <a:avLst/>
-          </a:prstGeom>
-        </p:spPr>
-      </p:pic>
       <p:sp>
         <p:nvSpPr>
           <p:cNvPr id="9" name="矩形 8">
@@ -46604,6 +46567,433 @@
           </a:p>
         </p:txBody>
       </p:sp>
+      <p:grpSp>
+        <p:nvGrpSpPr>
+          <p:cNvPr id="19" name="组合 18"/>
+          <p:cNvGrpSpPr/>
+          <p:nvPr/>
+        </p:nvGrpSpPr>
+        <p:grpSpPr>
+          <a:xfrm>
+            <a:off x="5522976" y="232492"/>
+            <a:ext cx="7627642" cy="5797296"/>
+            <a:chOff x="511714" y="123445"/>
+            <a:chExt cx="7627642" cy="5797296"/>
+          </a:xfrm>
+        </p:grpSpPr>
+        <p:pic>
+          <p:nvPicPr>
+            <p:cNvPr id="7" name="图片 6"/>
+            <p:cNvPicPr>
+              <a:picLocks noChangeAspect="1"/>
+            </p:cNvPicPr>
+            <p:nvPr/>
+          </p:nvPicPr>
+          <p:blipFill rotWithShape="1">
+            <a:blip r:embed="rId3"/>
+            <a:srcRect l="30799" t="4014" r="19712" b="4648"/>
+            <a:stretch/>
+          </p:blipFill>
+          <p:spPr>
+            <a:xfrm>
+              <a:off x="511714" y="123445"/>
+              <a:ext cx="5584286" cy="5797296"/>
+            </a:xfrm>
+            <a:prstGeom prst="rect">
+              <a:avLst/>
+            </a:prstGeom>
+          </p:spPr>
+        </p:pic>
+        <p:sp>
+          <p:nvSpPr>
+            <p:cNvPr id="8" name="右大括号 7"/>
+            <p:cNvSpPr/>
+            <p:nvPr/>
+          </p:nvSpPr>
+          <p:spPr>
+            <a:xfrm>
+              <a:off x="2512065" y="419610"/>
+              <a:ext cx="291760" cy="177929"/>
+            </a:xfrm>
+            <a:prstGeom prst="rightBrace">
+              <a:avLst/>
+            </a:prstGeom>
+          </p:spPr>
+          <p:style>
+            <a:lnRef idx="1">
+              <a:schemeClr val="accent4"/>
+            </a:lnRef>
+            <a:fillRef idx="0">
+              <a:schemeClr val="accent4"/>
+            </a:fillRef>
+            <a:effectRef idx="0">
+              <a:schemeClr val="accent4"/>
+            </a:effectRef>
+            <a:fontRef idx="minor">
+              <a:schemeClr val="tx1"/>
+            </a:fontRef>
+          </p:style>
+          <p:txBody>
+            <a:bodyPr rtlCol="0" anchor="ctr"/>
+            <a:lstStyle/>
+            <a:p>
+              <a:pPr algn="ctr"/>
+              <a:endParaRPr lang="zh-CN" altLang="en-US"/>
+            </a:p>
+          </p:txBody>
+        </p:sp>
+        <p:sp>
+          <p:nvSpPr>
+            <p:cNvPr id="11" name="文本框 10"/>
+            <p:cNvSpPr txBox="1"/>
+            <p:nvPr/>
+          </p:nvSpPr>
+          <p:spPr>
+            <a:xfrm>
+              <a:off x="2816345" y="373254"/>
+              <a:ext cx="2616380" cy="276999"/>
+            </a:xfrm>
+            <a:prstGeom prst="rect">
+              <a:avLst/>
+            </a:prstGeom>
+            <a:noFill/>
+          </p:spPr>
+          <p:txBody>
+            <a:bodyPr wrap="square" rtlCol="0">
+              <a:spAutoFit/>
+            </a:bodyPr>
+            <a:lstStyle/>
+            <a:p>
+              <a:r>
+                <a:rPr lang="zh-CN" altLang="en-US" sz="1200" b="1" dirty="0" smtClean="0">
+                  <a:solidFill>
+                    <a:srgbClr val="FF0000"/>
+                  </a:solidFill>
+                </a:rPr>
+                <a:t>训练集</a:t>
+              </a:r>
+              <a:r>
+                <a:rPr lang="en-US" altLang="zh-CN" sz="1200" b="1" dirty="0" smtClean="0">
+                  <a:solidFill>
+                    <a:srgbClr val="FF0000"/>
+                  </a:solidFill>
+                </a:rPr>
+                <a:t>/</a:t>
+              </a:r>
+              <a:r>
+                <a:rPr lang="zh-CN" altLang="en-US" sz="1200" b="1" dirty="0" smtClean="0">
+                  <a:solidFill>
+                    <a:srgbClr val="FF0000"/>
+                  </a:solidFill>
+                </a:rPr>
+                <a:t>测试集划分</a:t>
+              </a:r>
+              <a:r>
+                <a:rPr lang="en-US" altLang="zh-CN" sz="1200" b="1" dirty="0" smtClean="0">
+                  <a:solidFill>
+                    <a:srgbClr val="FF0000"/>
+                  </a:solidFill>
+                </a:rPr>
+                <a:t>(0.9/0.1)</a:t>
+              </a:r>
+              <a:endParaRPr lang="zh-CN" altLang="en-US" sz="1200" b="1" dirty="0">
+                <a:solidFill>
+                  <a:srgbClr val="FF0000"/>
+                </a:solidFill>
+              </a:endParaRPr>
+            </a:p>
+          </p:txBody>
+        </p:sp>
+        <p:sp>
+          <p:nvSpPr>
+            <p:cNvPr id="12" name="右大括号 11"/>
+            <p:cNvSpPr/>
+            <p:nvPr/>
+          </p:nvSpPr>
+          <p:spPr>
+            <a:xfrm>
+              <a:off x="5315890" y="759966"/>
+              <a:ext cx="291760" cy="1861443"/>
+            </a:xfrm>
+            <a:prstGeom prst="rightBrace">
+              <a:avLst/>
+            </a:prstGeom>
+          </p:spPr>
+          <p:style>
+            <a:lnRef idx="1">
+              <a:schemeClr val="accent4"/>
+            </a:lnRef>
+            <a:fillRef idx="0">
+              <a:schemeClr val="accent4"/>
+            </a:fillRef>
+            <a:effectRef idx="0">
+              <a:schemeClr val="accent4"/>
+            </a:effectRef>
+            <a:fontRef idx="minor">
+              <a:schemeClr val="tx1"/>
+            </a:fontRef>
+          </p:style>
+          <p:txBody>
+            <a:bodyPr rtlCol="0" anchor="ctr"/>
+            <a:lstStyle/>
+            <a:p>
+              <a:pPr algn="ctr"/>
+              <a:endParaRPr lang="zh-CN" altLang="en-US"/>
+            </a:p>
+          </p:txBody>
+        </p:sp>
+        <p:sp>
+          <p:nvSpPr>
+            <p:cNvPr id="13" name="文本框 12"/>
+            <p:cNvSpPr txBox="1"/>
+            <p:nvPr/>
+          </p:nvSpPr>
+          <p:spPr>
+            <a:xfrm>
+              <a:off x="5522976" y="1487584"/>
+              <a:ext cx="2616380" cy="461665"/>
+            </a:xfrm>
+            <a:prstGeom prst="rect">
+              <a:avLst/>
+            </a:prstGeom>
+            <a:noFill/>
+          </p:spPr>
+          <p:txBody>
+            <a:bodyPr wrap="square" rtlCol="0">
+              <a:spAutoFit/>
+            </a:bodyPr>
+            <a:lstStyle/>
+            <a:p>
+              <a:r>
+                <a:rPr lang="zh-CN" altLang="en-US" sz="1200" b="1" dirty="0" smtClean="0">
+                  <a:solidFill>
+                    <a:srgbClr val="FF0000"/>
+                  </a:solidFill>
+                </a:rPr>
+                <a:t>      模型训练</a:t>
+              </a:r>
+              <a:endParaRPr lang="en-US" altLang="zh-CN" sz="1200" b="1" dirty="0" smtClean="0">
+                <a:solidFill>
+                  <a:srgbClr val="FF0000"/>
+                </a:solidFill>
+              </a:endParaRPr>
+            </a:p>
+            <a:p>
+              <a:r>
+                <a:rPr lang="zh-CN" altLang="en-US" sz="1200" b="1" dirty="0" smtClean="0">
+                  <a:solidFill>
+                    <a:srgbClr val="FF0000"/>
+                  </a:solidFill>
+                </a:rPr>
+                <a:t>（使用训练集）</a:t>
+              </a:r>
+              <a:endParaRPr lang="zh-CN" altLang="en-US" sz="1200" b="1" dirty="0">
+                <a:solidFill>
+                  <a:srgbClr val="FF0000"/>
+                </a:solidFill>
+              </a:endParaRPr>
+            </a:p>
+          </p:txBody>
+        </p:sp>
+        <p:sp>
+          <p:nvSpPr>
+            <p:cNvPr id="15" name="右大括号 14"/>
+            <p:cNvSpPr/>
+            <p:nvPr/>
+          </p:nvSpPr>
+          <p:spPr>
+            <a:xfrm>
+              <a:off x="5112174" y="3329417"/>
+              <a:ext cx="291760" cy="629935"/>
+            </a:xfrm>
+            <a:prstGeom prst="rightBrace">
+              <a:avLst/>
+            </a:prstGeom>
+          </p:spPr>
+          <p:style>
+            <a:lnRef idx="1">
+              <a:schemeClr val="accent4"/>
+            </a:lnRef>
+            <a:fillRef idx="0">
+              <a:schemeClr val="accent4"/>
+            </a:fillRef>
+            <a:effectRef idx="0">
+              <a:schemeClr val="accent4"/>
+            </a:effectRef>
+            <a:fontRef idx="minor">
+              <a:schemeClr val="tx1"/>
+            </a:fontRef>
+          </p:style>
+          <p:txBody>
+            <a:bodyPr rtlCol="0" anchor="ctr"/>
+            <a:lstStyle/>
+            <a:p>
+              <a:pPr algn="ctr"/>
+              <a:endParaRPr lang="zh-CN" altLang="en-US"/>
+            </a:p>
+          </p:txBody>
+        </p:sp>
+        <p:sp>
+          <p:nvSpPr>
+            <p:cNvPr id="16" name="文本框 15"/>
+            <p:cNvSpPr txBox="1"/>
+            <p:nvPr/>
+          </p:nvSpPr>
+          <p:spPr>
+            <a:xfrm>
+              <a:off x="5315890" y="3473329"/>
+              <a:ext cx="2616380" cy="461665"/>
+            </a:xfrm>
+            <a:prstGeom prst="rect">
+              <a:avLst/>
+            </a:prstGeom>
+            <a:noFill/>
+          </p:spPr>
+          <p:txBody>
+            <a:bodyPr wrap="square" rtlCol="0">
+              <a:spAutoFit/>
+            </a:bodyPr>
+            <a:lstStyle/>
+            <a:p>
+              <a:r>
+                <a:rPr lang="zh-CN" altLang="en-US" sz="1200" b="1" dirty="0" smtClean="0">
+                  <a:solidFill>
+                    <a:srgbClr val="FF0000"/>
+                  </a:solidFill>
+                </a:rPr>
+                <a:t>      模型预测</a:t>
+              </a:r>
+              <a:endParaRPr lang="en-US" altLang="zh-CN" sz="1200" b="1" dirty="0" smtClean="0">
+                <a:solidFill>
+                  <a:srgbClr val="FF0000"/>
+                </a:solidFill>
+              </a:endParaRPr>
+            </a:p>
+            <a:p>
+              <a:r>
+                <a:rPr lang="zh-CN" altLang="en-US" sz="1200" b="1" dirty="0" smtClean="0">
+                  <a:solidFill>
+                    <a:srgbClr val="FF0000"/>
+                  </a:solidFill>
+                </a:rPr>
+                <a:t>（使用测试集）</a:t>
+              </a:r>
+              <a:endParaRPr lang="zh-CN" altLang="en-US" sz="1200" b="1" dirty="0">
+                <a:solidFill>
+                  <a:srgbClr val="FF0000"/>
+                </a:solidFill>
+              </a:endParaRPr>
+            </a:p>
+          </p:txBody>
+        </p:sp>
+        <p:sp>
+          <p:nvSpPr>
+            <p:cNvPr id="17" name="右大括号 16"/>
+            <p:cNvSpPr/>
+            <p:nvPr/>
+          </p:nvSpPr>
+          <p:spPr>
+            <a:xfrm>
+              <a:off x="4816848" y="4160520"/>
+              <a:ext cx="291760" cy="1745597"/>
+            </a:xfrm>
+            <a:prstGeom prst="rightBrace">
+              <a:avLst/>
+            </a:prstGeom>
+          </p:spPr>
+          <p:style>
+            <a:lnRef idx="1">
+              <a:schemeClr val="accent4"/>
+            </a:lnRef>
+            <a:fillRef idx="0">
+              <a:schemeClr val="accent4"/>
+            </a:fillRef>
+            <a:effectRef idx="0">
+              <a:schemeClr val="accent4"/>
+            </a:effectRef>
+            <a:fontRef idx="minor">
+              <a:schemeClr val="tx1"/>
+            </a:fontRef>
+          </p:style>
+          <p:txBody>
+            <a:bodyPr rtlCol="0" anchor="ctr"/>
+            <a:lstStyle/>
+            <a:p>
+              <a:pPr algn="ctr"/>
+              <a:endParaRPr lang="zh-CN" altLang="en-US"/>
+            </a:p>
+          </p:txBody>
+        </p:sp>
+        <p:sp>
+          <p:nvSpPr>
+            <p:cNvPr id="18" name="文本框 17"/>
+            <p:cNvSpPr txBox="1"/>
+            <p:nvPr/>
+          </p:nvSpPr>
+          <p:spPr>
+            <a:xfrm>
+              <a:off x="5079570" y="4811272"/>
+              <a:ext cx="2616380" cy="461665"/>
+            </a:xfrm>
+            <a:prstGeom prst="rect">
+              <a:avLst/>
+            </a:prstGeom>
+            <a:noFill/>
+          </p:spPr>
+          <p:txBody>
+            <a:bodyPr wrap="square" rtlCol="0">
+              <a:spAutoFit/>
+            </a:bodyPr>
+            <a:lstStyle/>
+            <a:p>
+              <a:r>
+                <a:rPr lang="zh-CN" altLang="en-US" sz="1200" b="1" dirty="0" smtClean="0">
+                  <a:solidFill>
+                    <a:srgbClr val="FF0000"/>
+                  </a:solidFill>
+                </a:rPr>
+                <a:t>      </a:t>
+              </a:r>
+              <a:r>
+                <a:rPr lang="en-US" altLang="zh-CN" sz="1200" b="1" dirty="0" smtClean="0">
+                  <a:solidFill>
+                    <a:srgbClr val="FF0000"/>
+                  </a:solidFill>
+                </a:rPr>
+                <a:t>LR</a:t>
+              </a:r>
+              <a:r>
+                <a:rPr lang="zh-CN" altLang="en-US" sz="1200" b="1" dirty="0" smtClean="0">
+                  <a:solidFill>
+                    <a:srgbClr val="FF0000"/>
+                  </a:solidFill>
+                </a:rPr>
+                <a:t>模型融合训练</a:t>
+              </a:r>
+              <a:endParaRPr lang="en-US" altLang="zh-CN" sz="1200" b="1" dirty="0" smtClean="0">
+                <a:solidFill>
+                  <a:srgbClr val="FF0000"/>
+                </a:solidFill>
+              </a:endParaRPr>
+            </a:p>
+            <a:p>
+              <a:r>
+                <a:rPr lang="zh-CN" altLang="en-US" sz="1200" b="1" dirty="0" smtClean="0">
+                  <a:solidFill>
+                    <a:srgbClr val="FF0000"/>
+                  </a:solidFill>
+                </a:rPr>
+                <a:t>（使用模型预测结果）</a:t>
+              </a:r>
+              <a:endParaRPr lang="zh-CN" altLang="en-US" sz="1200" b="1" dirty="0">
+                <a:solidFill>
+                  <a:srgbClr val="FF0000"/>
+                </a:solidFill>
+              </a:endParaRPr>
+            </a:p>
+          </p:txBody>
+        </p:sp>
+      </p:grpSp>
     </p:spTree>
     <p:extLst>
       <p:ext uri="{BB962C8B-B14F-4D97-AF65-F5344CB8AC3E}">

--- a/presentation.pptx
+++ b/presentation.pptx
@@ -5,7 +5,7 @@
     <p:sldMasterId id="2147483648" r:id="rId1"/>
   </p:sldMasterIdLst>
   <p:notesMasterIdLst>
-    <p:notesMasterId r:id="rId29"/>
+    <p:notesMasterId r:id="rId27"/>
   </p:notesMasterIdLst>
   <p:sldIdLst>
     <p:sldId id="256" r:id="rId2"/>
@@ -31,10 +31,8 @@
     <p:sldId id="282" r:id="rId22"/>
     <p:sldId id="283" r:id="rId23"/>
     <p:sldId id="284" r:id="rId24"/>
-    <p:sldId id="286" r:id="rId25"/>
-    <p:sldId id="285" r:id="rId26"/>
-    <p:sldId id="287" r:id="rId27"/>
-    <p:sldId id="257" r:id="rId28"/>
+    <p:sldId id="287" r:id="rId25"/>
+    <p:sldId id="257" r:id="rId26"/>
   </p:sldIdLst>
   <p:sldSz cx="12192000" cy="6858000"/>
   <p:notesSz cx="7104063" cy="10234613"/>
@@ -3282,20 +3280,20 @@
               </a:defRPr>
             </a:pPr>
             <a:r>
-              <a:rPr lang="en-US" altLang="zh-CN"/>
-              <a:t>2016</a:t>
+              <a:rPr lang="en-US" altLang="zh-CN" dirty="0"/>
+              <a:t>2015</a:t>
             </a:r>
             <a:r>
-              <a:rPr lang="zh-CN" altLang="en-US"/>
+              <a:rPr lang="zh-CN" altLang="en-US" dirty="0"/>
               <a:t>年</a:t>
             </a:r>
             <a:r>
-              <a:rPr lang="en-US" altLang="zh-CN"/>
+              <a:rPr lang="en-US" altLang="zh-CN" dirty="0"/>
               <a:t>11</a:t>
             </a:r>
             <a:r>
-              <a:rPr lang="zh-CN" altLang="en-US"/>
-              <a:t>月实际电量</a:t>
+              <a:rPr lang="zh-CN" altLang="en-US" dirty="0"/>
+              <a:t>月电量</a:t>
             </a:r>
           </a:p>
         </c:rich>
@@ -3352,168 +3350,198 @@
           </c:marker>
           <c:cat>
             <c:numRef>
-              <c:f>sum_df1!$A$2:$A$26</c:f>
+              <c:f>sum_df!$A$305:$A$334</c:f>
               <c:numCache>
                 <c:formatCode>m/d/yyyy</c:formatCode>
-                <c:ptCount val="25"/>
+                <c:ptCount val="30"/>
                 <c:pt idx="0">
-                  <c:v>42675</c:v>
+                  <c:v>42309</c:v>
                 </c:pt>
                 <c:pt idx="1">
-                  <c:v>42676</c:v>
+                  <c:v>42310</c:v>
                 </c:pt>
                 <c:pt idx="2">
-                  <c:v>42677</c:v>
+                  <c:v>42311</c:v>
                 </c:pt>
                 <c:pt idx="3">
-                  <c:v>42678</c:v>
+                  <c:v>42312</c:v>
                 </c:pt>
                 <c:pt idx="4">
-                  <c:v>42679</c:v>
+                  <c:v>42313</c:v>
                 </c:pt>
                 <c:pt idx="5">
-                  <c:v>42680</c:v>
+                  <c:v>42314</c:v>
                 </c:pt>
                 <c:pt idx="6">
-                  <c:v>42681</c:v>
+                  <c:v>42315</c:v>
                 </c:pt>
                 <c:pt idx="7">
-                  <c:v>42682</c:v>
+                  <c:v>42316</c:v>
                 </c:pt>
                 <c:pt idx="8">
-                  <c:v>42683</c:v>
+                  <c:v>42317</c:v>
                 </c:pt>
                 <c:pt idx="9">
-                  <c:v>42684</c:v>
+                  <c:v>42318</c:v>
                 </c:pt>
                 <c:pt idx="10">
-                  <c:v>42685</c:v>
+                  <c:v>42319</c:v>
                 </c:pt>
                 <c:pt idx="11">
-                  <c:v>42686</c:v>
+                  <c:v>42320</c:v>
                 </c:pt>
                 <c:pt idx="12">
-                  <c:v>42687</c:v>
+                  <c:v>42321</c:v>
                 </c:pt>
                 <c:pt idx="13">
-                  <c:v>42688</c:v>
+                  <c:v>42322</c:v>
                 </c:pt>
                 <c:pt idx="14">
-                  <c:v>42689</c:v>
+                  <c:v>42323</c:v>
                 </c:pt>
                 <c:pt idx="15">
-                  <c:v>42690</c:v>
+                  <c:v>42324</c:v>
                 </c:pt>
                 <c:pt idx="16">
-                  <c:v>42691</c:v>
+                  <c:v>42325</c:v>
                 </c:pt>
                 <c:pt idx="17">
-                  <c:v>42692</c:v>
+                  <c:v>42326</c:v>
                 </c:pt>
                 <c:pt idx="18">
-                  <c:v>42693</c:v>
+                  <c:v>42327</c:v>
                 </c:pt>
                 <c:pt idx="19">
-                  <c:v>42694</c:v>
+                  <c:v>42328</c:v>
                 </c:pt>
                 <c:pt idx="20">
-                  <c:v>42695</c:v>
+                  <c:v>42329</c:v>
                 </c:pt>
                 <c:pt idx="21">
-                  <c:v>42696</c:v>
+                  <c:v>42330</c:v>
                 </c:pt>
                 <c:pt idx="22">
-                  <c:v>42697</c:v>
+                  <c:v>42331</c:v>
                 </c:pt>
                 <c:pt idx="23">
-                  <c:v>42698</c:v>
+                  <c:v>42332</c:v>
                 </c:pt>
                 <c:pt idx="24">
-                  <c:v>42699</c:v>
+                  <c:v>42333</c:v>
+                </c:pt>
+                <c:pt idx="25">
+                  <c:v>42334</c:v>
+                </c:pt>
+                <c:pt idx="26">
+                  <c:v>42335</c:v>
+                </c:pt>
+                <c:pt idx="27">
+                  <c:v>42336</c:v>
+                </c:pt>
+                <c:pt idx="28">
+                  <c:v>42337</c:v>
+                </c:pt>
+                <c:pt idx="29">
+                  <c:v>42338</c:v>
                 </c:pt>
               </c:numCache>
             </c:numRef>
           </c:cat>
           <c:val>
             <c:numRef>
-              <c:f>sum_df1!$B$2:$B$26</c:f>
+              <c:f>sum_df!$B$305:$B$334</c:f>
               <c:numCache>
                 <c:formatCode>General</c:formatCode>
-                <c:ptCount val="25"/>
+                <c:ptCount val="30"/>
                 <c:pt idx="0">
-                  <c:v>4107577</c:v>
+                  <c:v>3407759</c:v>
                 </c:pt>
                 <c:pt idx="1">
-                  <c:v>4011472</c:v>
+                  <c:v>3572667</c:v>
                 </c:pt>
                 <c:pt idx="2">
-                  <c:v>3991336</c:v>
+                  <c:v>3737873</c:v>
                 </c:pt>
                 <c:pt idx="3">
-                  <c:v>4003556</c:v>
+                  <c:v>3835079</c:v>
                 </c:pt>
                 <c:pt idx="4">
-                  <c:v>3949390</c:v>
+                  <c:v>3851284</c:v>
                 </c:pt>
                 <c:pt idx="5">
-                  <c:v>3796913</c:v>
+                  <c:v>3838979</c:v>
                 </c:pt>
                 <c:pt idx="6">
-                  <c:v>4177553</c:v>
+                  <c:v>3752086</c:v>
                 </c:pt>
                 <c:pt idx="7">
-                  <c:v>4196070</c:v>
+                  <c:v>3455428</c:v>
                 </c:pt>
                 <c:pt idx="8">
-                  <c:v>4260454</c:v>
+                  <c:v>3325554</c:v>
                 </c:pt>
                 <c:pt idx="9">
-                  <c:v>4261632</c:v>
+                  <c:v>3276741</c:v>
                 </c:pt>
                 <c:pt idx="10">
-                  <c:v>4107938</c:v>
+                  <c:v>3378207</c:v>
                 </c:pt>
                 <c:pt idx="11">
-                  <c:v>4130134</c:v>
+                  <c:v>3336472</c:v>
                 </c:pt>
                 <c:pt idx="12">
-                  <c:v>3911119</c:v>
+                  <c:v>3475634</c:v>
                 </c:pt>
                 <c:pt idx="13">
-                  <c:v>4121915</c:v>
+                  <c:v>3315236</c:v>
                 </c:pt>
                 <c:pt idx="14">
-                  <c:v>4172297</c:v>
+                  <c:v>3322102</c:v>
                 </c:pt>
                 <c:pt idx="15">
-                  <c:v>4131341</c:v>
+                  <c:v>3635149</c:v>
                 </c:pt>
                 <c:pt idx="16">
-                  <c:v>4189063</c:v>
+                  <c:v>3783268</c:v>
                 </c:pt>
                 <c:pt idx="17">
-                  <c:v>3996514</c:v>
+                  <c:v>3777020</c:v>
                 </c:pt>
                 <c:pt idx="18">
-                  <c:v>4062975</c:v>
+                  <c:v>3849960</c:v>
                 </c:pt>
                 <c:pt idx="19">
-                  <c:v>3921020</c:v>
+                  <c:v>3835349</c:v>
                 </c:pt>
                 <c:pt idx="20">
-                  <c:v>4202285</c:v>
+                  <c:v>3761288</c:v>
                 </c:pt>
                 <c:pt idx="21">
-                  <c:v>4262885</c:v>
+                  <c:v>3160174</c:v>
                 </c:pt>
                 <c:pt idx="22">
-                  <c:v>4558524</c:v>
+                  <c:v>3890313</c:v>
                 </c:pt>
                 <c:pt idx="23">
-                  <c:v>4494098</c:v>
+                  <c:v>3965416</c:v>
                 </c:pt>
                 <c:pt idx="24">
-                  <c:v>4467463</c:v>
+                  <c:v>3538894</c:v>
+                </c:pt>
+                <c:pt idx="25">
+                  <c:v>4086358</c:v>
+                </c:pt>
+                <c:pt idx="26">
+                  <c:v>4092611</c:v>
+                </c:pt>
+                <c:pt idx="27">
+                  <c:v>3852406</c:v>
+                </c:pt>
+                <c:pt idx="28">
+                  <c:v>3515679</c:v>
+                </c:pt>
+                <c:pt idx="29">
+                  <c:v>3743090</c:v>
                 </c:pt>
               </c:numCache>
             </c:numRef>
@@ -3521,7 +3549,7 @@
           <c:smooth val="0"/>
           <c:extLst>
             <c:ext xmlns:c16="http://schemas.microsoft.com/office/drawing/2014/chart" uri="{C3380CC4-5D6E-409C-BE32-E72D297353CC}">
-              <c16:uniqueId val="{00000000-42B7-44AB-8E0A-EBEBBB093CDE}"/>
+              <c16:uniqueId val="{00000000-D858-40B0-B8E0-2F7F9A3FB76B}"/>
             </c:ext>
           </c:extLst>
         </c:ser>
@@ -3534,11 +3562,11 @@
           <c:showBubbleSize val="0"/>
         </c:dLbls>
         <c:smooth val="0"/>
-        <c:axId val="757570864"/>
-        <c:axId val="757567912"/>
+        <c:axId val="668198136"/>
+        <c:axId val="668198464"/>
       </c:lineChart>
       <c:dateAx>
-        <c:axId val="757570864"/>
+        <c:axId val="668198136"/>
         <c:scaling>
           <c:orientation val="minMax"/>
         </c:scaling>
@@ -3581,17 +3609,17 @@
             <a:endParaRPr lang="zh-CN"/>
           </a:p>
         </c:txPr>
-        <c:crossAx val="757567912"/>
+        <c:crossAx val="668198464"/>
         <c:crosses val="autoZero"/>
         <c:auto val="1"/>
         <c:lblOffset val="100"/>
         <c:baseTimeUnit val="days"/>
       </c:dateAx>
       <c:valAx>
-        <c:axId val="757567912"/>
+        <c:axId val="668198464"/>
         <c:scaling>
           <c:orientation val="minMax"/>
-          <c:min val="3500000"/>
+          <c:min val="3000000"/>
         </c:scaling>
         <c:delete val="0"/>
         <c:axPos val="l"/>
@@ -3640,7 +3668,7 @@
             <a:endParaRPr lang="zh-CN"/>
           </a:p>
         </c:txPr>
-        <c:crossAx val="757570864"/>
+        <c:crossAx val="668198136"/>
         <c:crosses val="autoZero"/>
         <c:crossBetween val="between"/>
       </c:valAx>
@@ -3713,19 +3741,19 @@
               </a:defRPr>
             </a:pPr>
             <a:r>
-              <a:rPr lang="en-US" altLang="zh-CN" dirty="0"/>
-              <a:t>2016</a:t>
+              <a:rPr lang="en-US" altLang="zh-CN"/>
+              <a:t>2015</a:t>
             </a:r>
             <a:r>
-              <a:rPr lang="zh-CN" altLang="en-US" dirty="0"/>
+              <a:rPr lang="zh-CN" altLang="en-US"/>
               <a:t>年</a:t>
             </a:r>
             <a:r>
-              <a:rPr lang="en-US" altLang="zh-CN" dirty="0"/>
+              <a:rPr lang="en-US" altLang="zh-CN"/>
               <a:t>11</a:t>
             </a:r>
             <a:r>
-              <a:rPr lang="zh-CN" altLang="en-US" dirty="0"/>
+              <a:rPr lang="zh-CN" altLang="en-US"/>
               <a:t>月气温</a:t>
             </a:r>
           </a:p>
@@ -3783,102 +3811,117 @@
           </c:marker>
           <c:cat>
             <c:numRef>
-              <c:f>扬中!$B$672:$B$696</c:f>
+              <c:f>扬中!$B$306:$B$335</c:f>
               <c:numCache>
                 <c:formatCode>m/d/yyyy</c:formatCode>
-                <c:ptCount val="25"/>
+                <c:ptCount val="30"/>
                 <c:pt idx="0">
-                  <c:v>42675</c:v>
+                  <c:v>42309</c:v>
                 </c:pt>
                 <c:pt idx="1">
-                  <c:v>42676</c:v>
+                  <c:v>42310</c:v>
                 </c:pt>
                 <c:pt idx="2">
-                  <c:v>42677</c:v>
+                  <c:v>42311</c:v>
                 </c:pt>
                 <c:pt idx="3">
-                  <c:v>42678</c:v>
+                  <c:v>42312</c:v>
                 </c:pt>
                 <c:pt idx="4">
-                  <c:v>42679</c:v>
+                  <c:v>42313</c:v>
                 </c:pt>
                 <c:pt idx="5">
-                  <c:v>42680</c:v>
+                  <c:v>42314</c:v>
                 </c:pt>
                 <c:pt idx="6">
-                  <c:v>42681</c:v>
+                  <c:v>42315</c:v>
                 </c:pt>
                 <c:pt idx="7">
-                  <c:v>42682</c:v>
+                  <c:v>42316</c:v>
                 </c:pt>
                 <c:pt idx="8">
-                  <c:v>42683</c:v>
+                  <c:v>42317</c:v>
                 </c:pt>
                 <c:pt idx="9">
-                  <c:v>42684</c:v>
+                  <c:v>42318</c:v>
                 </c:pt>
                 <c:pt idx="10">
-                  <c:v>42685</c:v>
+                  <c:v>42319</c:v>
                 </c:pt>
                 <c:pt idx="11">
-                  <c:v>42686</c:v>
+                  <c:v>42320</c:v>
                 </c:pt>
                 <c:pt idx="12">
-                  <c:v>42687</c:v>
+                  <c:v>42321</c:v>
                 </c:pt>
                 <c:pt idx="13">
-                  <c:v>42688</c:v>
+                  <c:v>42322</c:v>
                 </c:pt>
                 <c:pt idx="14">
-                  <c:v>42689</c:v>
+                  <c:v>42323</c:v>
                 </c:pt>
                 <c:pt idx="15">
-                  <c:v>42690</c:v>
+                  <c:v>42324</c:v>
                 </c:pt>
                 <c:pt idx="16">
-                  <c:v>42691</c:v>
+                  <c:v>42325</c:v>
                 </c:pt>
                 <c:pt idx="17">
-                  <c:v>42692</c:v>
+                  <c:v>42326</c:v>
                 </c:pt>
                 <c:pt idx="18">
-                  <c:v>42693</c:v>
+                  <c:v>42327</c:v>
                 </c:pt>
                 <c:pt idx="19">
-                  <c:v>42694</c:v>
+                  <c:v>42328</c:v>
                 </c:pt>
                 <c:pt idx="20">
-                  <c:v>42695</c:v>
+                  <c:v>42329</c:v>
                 </c:pt>
                 <c:pt idx="21">
-                  <c:v>42696</c:v>
+                  <c:v>42330</c:v>
                 </c:pt>
                 <c:pt idx="22">
-                  <c:v>42697</c:v>
+                  <c:v>42331</c:v>
                 </c:pt>
                 <c:pt idx="23">
-                  <c:v>42698</c:v>
+                  <c:v>42332</c:v>
                 </c:pt>
                 <c:pt idx="24">
-                  <c:v>42699</c:v>
+                  <c:v>42333</c:v>
+                </c:pt>
+                <c:pt idx="25">
+                  <c:v>42334</c:v>
+                </c:pt>
+                <c:pt idx="26">
+                  <c:v>42335</c:v>
+                </c:pt>
+                <c:pt idx="27">
+                  <c:v>42336</c:v>
+                </c:pt>
+                <c:pt idx="28">
+                  <c:v>42337</c:v>
+                </c:pt>
+                <c:pt idx="29">
+                  <c:v>42338</c:v>
                 </c:pt>
               </c:numCache>
             </c:numRef>
           </c:cat>
           <c:val>
             <c:numRef>
-              <c:f>扬中!$C$672:$C$696</c:f>
+              <c:f>扬中!$C$306:$C$335</c:f>
               <c:numCache>
                 <c:formatCode>General</c:formatCode>
-                <c:ptCount val="25"/>
+                <c:ptCount val="30"/>
                 <c:pt idx="0">
-                  <c:v>15</c:v>
+                  <c:v>17</c:v>
                 </c:pt>
                 <c:pt idx="1">
-                  <c:v>16</c:v>
+                  <c:v>18</c:v>
                 </c:pt>
                 <c:pt idx="2">
-                  <c:v>18</c:v>
+                  <c:v>20</c:v>
                 </c:pt>
                 <c:pt idx="3">
                   <c:v>21</c:v>
@@ -3887,64 +3930,79 @@
                   <c:v>23</c:v>
                 </c:pt>
                 <c:pt idx="5">
-                  <c:v>23</c:v>
+                  <c:v>26</c:v>
                 </c:pt>
                 <c:pt idx="6">
+                  <c:v>17</c:v>
+                </c:pt>
+                <c:pt idx="7">
+                  <c:v>13</c:v>
+                </c:pt>
+                <c:pt idx="8">
+                  <c:v>13</c:v>
+                </c:pt>
+                <c:pt idx="9">
+                  <c:v>15</c:v>
+                </c:pt>
+                <c:pt idx="10">
+                  <c:v>16</c:v>
+                </c:pt>
+                <c:pt idx="11">
+                  <c:v>16</c:v>
+                </c:pt>
+                <c:pt idx="12">
+                  <c:v>16</c:v>
+                </c:pt>
+                <c:pt idx="13">
+                  <c:v>17</c:v>
+                </c:pt>
+                <c:pt idx="14">
                   <c:v>18</c:v>
-                </c:pt>
-                <c:pt idx="7">
-                  <c:v>12</c:v>
-                </c:pt>
-                <c:pt idx="8">
-                  <c:v>12</c:v>
-                </c:pt>
-                <c:pt idx="9">
-                  <c:v>13</c:v>
-                </c:pt>
-                <c:pt idx="10">
-                  <c:v>18</c:v>
-                </c:pt>
-                <c:pt idx="11">
-                  <c:v>18</c:v>
-                </c:pt>
-                <c:pt idx="12">
-                  <c:v>20</c:v>
-                </c:pt>
-                <c:pt idx="13">
-                  <c:v>20</c:v>
-                </c:pt>
-                <c:pt idx="14">
-                  <c:v>17</c:v>
                 </c:pt>
                 <c:pt idx="15">
                   <c:v>17</c:v>
                 </c:pt>
                 <c:pt idx="16">
+                  <c:v>15</c:v>
+                </c:pt>
+                <c:pt idx="17">
+                  <c:v>15</c:v>
+                </c:pt>
+                <c:pt idx="18">
+                  <c:v>14</c:v>
+                </c:pt>
+                <c:pt idx="19">
                   <c:v>16</c:v>
                 </c:pt>
-                <c:pt idx="17">
-                  <c:v>19</c:v>
-                </c:pt>
-                <c:pt idx="18">
-                  <c:v>19</c:v>
-                </c:pt>
-                <c:pt idx="19">
+                <c:pt idx="20">
+                  <c:v>16</c:v>
+                </c:pt>
+                <c:pt idx="21">
                   <c:v>17</c:v>
                 </c:pt>
-                <c:pt idx="20">
-                  <c:v>17</c:v>
-                </c:pt>
-                <c:pt idx="21">
-                  <c:v>9</c:v>
-                </c:pt>
                 <c:pt idx="22">
+                  <c:v>16</c:v>
+                </c:pt>
+                <c:pt idx="23">
+                  <c:v>11</c:v>
+                </c:pt>
+                <c:pt idx="24">
+                  <c:v>5</c:v>
+                </c:pt>
+                <c:pt idx="25">
                   <c:v>3</c:v>
                 </c:pt>
-                <c:pt idx="23">
+                <c:pt idx="26">
                   <c:v>5</c:v>
                 </c:pt>
-                <c:pt idx="24">
-                  <c:v>8</c:v>
+                <c:pt idx="27">
+                  <c:v>12</c:v>
+                </c:pt>
+                <c:pt idx="28">
+                  <c:v>16</c:v>
+                </c:pt>
+                <c:pt idx="29">
+                  <c:v>15</c:v>
                 </c:pt>
               </c:numCache>
             </c:numRef>
@@ -3952,7 +4010,7 @@
           <c:smooth val="0"/>
           <c:extLst>
             <c:ext xmlns:c16="http://schemas.microsoft.com/office/drawing/2014/chart" uri="{C3380CC4-5D6E-409C-BE32-E72D297353CC}">
-              <c16:uniqueId val="{00000000-25CA-41B7-A2DE-2FE2AE7A1AFD}"/>
+              <c16:uniqueId val="{00000000-A551-458D-9687-431ECFC83DCE}"/>
             </c:ext>
           </c:extLst>
         </c:ser>
@@ -3973,168 +4031,198 @@
           </c:marker>
           <c:cat>
             <c:numRef>
-              <c:f>扬中!$B$672:$B$696</c:f>
+              <c:f>扬中!$B$306:$B$335</c:f>
               <c:numCache>
                 <c:formatCode>m/d/yyyy</c:formatCode>
-                <c:ptCount val="25"/>
+                <c:ptCount val="30"/>
                 <c:pt idx="0">
-                  <c:v>42675</c:v>
+                  <c:v>42309</c:v>
                 </c:pt>
                 <c:pt idx="1">
-                  <c:v>42676</c:v>
+                  <c:v>42310</c:v>
                 </c:pt>
                 <c:pt idx="2">
-                  <c:v>42677</c:v>
+                  <c:v>42311</c:v>
                 </c:pt>
                 <c:pt idx="3">
-                  <c:v>42678</c:v>
+                  <c:v>42312</c:v>
                 </c:pt>
                 <c:pt idx="4">
-                  <c:v>42679</c:v>
+                  <c:v>42313</c:v>
                 </c:pt>
                 <c:pt idx="5">
-                  <c:v>42680</c:v>
+                  <c:v>42314</c:v>
                 </c:pt>
                 <c:pt idx="6">
-                  <c:v>42681</c:v>
+                  <c:v>42315</c:v>
                 </c:pt>
                 <c:pt idx="7">
-                  <c:v>42682</c:v>
+                  <c:v>42316</c:v>
                 </c:pt>
                 <c:pt idx="8">
-                  <c:v>42683</c:v>
+                  <c:v>42317</c:v>
                 </c:pt>
                 <c:pt idx="9">
-                  <c:v>42684</c:v>
+                  <c:v>42318</c:v>
                 </c:pt>
                 <c:pt idx="10">
-                  <c:v>42685</c:v>
+                  <c:v>42319</c:v>
                 </c:pt>
                 <c:pt idx="11">
-                  <c:v>42686</c:v>
+                  <c:v>42320</c:v>
                 </c:pt>
                 <c:pt idx="12">
-                  <c:v>42687</c:v>
+                  <c:v>42321</c:v>
                 </c:pt>
                 <c:pt idx="13">
-                  <c:v>42688</c:v>
+                  <c:v>42322</c:v>
                 </c:pt>
                 <c:pt idx="14">
-                  <c:v>42689</c:v>
+                  <c:v>42323</c:v>
                 </c:pt>
                 <c:pt idx="15">
-                  <c:v>42690</c:v>
+                  <c:v>42324</c:v>
                 </c:pt>
                 <c:pt idx="16">
-                  <c:v>42691</c:v>
+                  <c:v>42325</c:v>
                 </c:pt>
                 <c:pt idx="17">
-                  <c:v>42692</c:v>
+                  <c:v>42326</c:v>
                 </c:pt>
                 <c:pt idx="18">
-                  <c:v>42693</c:v>
+                  <c:v>42327</c:v>
                 </c:pt>
                 <c:pt idx="19">
-                  <c:v>42694</c:v>
+                  <c:v>42328</c:v>
                 </c:pt>
                 <c:pt idx="20">
-                  <c:v>42695</c:v>
+                  <c:v>42329</c:v>
                 </c:pt>
                 <c:pt idx="21">
-                  <c:v>42696</c:v>
+                  <c:v>42330</c:v>
                 </c:pt>
                 <c:pt idx="22">
-                  <c:v>42697</c:v>
+                  <c:v>42331</c:v>
                 </c:pt>
                 <c:pt idx="23">
-                  <c:v>42698</c:v>
+                  <c:v>42332</c:v>
                 </c:pt>
                 <c:pt idx="24">
-                  <c:v>42699</c:v>
+                  <c:v>42333</c:v>
+                </c:pt>
+                <c:pt idx="25">
+                  <c:v>42334</c:v>
+                </c:pt>
+                <c:pt idx="26">
+                  <c:v>42335</c:v>
+                </c:pt>
+                <c:pt idx="27">
+                  <c:v>42336</c:v>
+                </c:pt>
+                <c:pt idx="28">
+                  <c:v>42337</c:v>
+                </c:pt>
+                <c:pt idx="29">
+                  <c:v>42338</c:v>
                 </c:pt>
               </c:numCache>
             </c:numRef>
           </c:cat>
           <c:val>
             <c:numRef>
-              <c:f>扬中!$D$672:$D$696</c:f>
+              <c:f>扬中!$D$306:$D$335</c:f>
               <c:numCache>
                 <c:formatCode>General</c:formatCode>
-                <c:ptCount val="25"/>
+                <c:ptCount val="30"/>
                 <c:pt idx="0">
-                  <c:v>5</c:v>
+                  <c:v>8</c:v>
                 </c:pt>
                 <c:pt idx="1">
                   <c:v>8</c:v>
                 </c:pt>
                 <c:pt idx="2">
-                  <c:v>8</c:v>
+                  <c:v>11</c:v>
                 </c:pt>
                 <c:pt idx="3">
-                  <c:v>11</c:v>
+                  <c:v>14</c:v>
                 </c:pt>
                 <c:pt idx="4">
-                  <c:v>11</c:v>
+                  <c:v>16</c:v>
                 </c:pt>
                 <c:pt idx="5">
+                  <c:v>19</c:v>
+                </c:pt>
+                <c:pt idx="6">
                   <c:v>12</c:v>
                 </c:pt>
-                <c:pt idx="6">
-                  <c:v>11</c:v>
-                </c:pt>
                 <c:pt idx="7">
-                  <c:v>8</c:v>
+                  <c:v>9</c:v>
                 </c:pt>
                 <c:pt idx="8">
                   <c:v>8</c:v>
                 </c:pt>
                 <c:pt idx="9">
+                  <c:v>9</c:v>
+                </c:pt>
+                <c:pt idx="10">
+                  <c:v>10</c:v>
+                </c:pt>
+                <c:pt idx="11">
+                  <c:v>13</c:v>
+                </c:pt>
+                <c:pt idx="12">
+                  <c:v>12</c:v>
+                </c:pt>
+                <c:pt idx="13">
+                  <c:v>10</c:v>
+                </c:pt>
+                <c:pt idx="14">
+                  <c:v>11</c:v>
+                </c:pt>
+                <c:pt idx="15">
+                  <c:v>13</c:v>
+                </c:pt>
+                <c:pt idx="16">
+                  <c:v>12</c:v>
+                </c:pt>
+                <c:pt idx="17">
+                  <c:v>11</c:v>
+                </c:pt>
+                <c:pt idx="18">
+                  <c:v>11</c:v>
+                </c:pt>
+                <c:pt idx="19">
+                  <c:v>11</c:v>
+                </c:pt>
+                <c:pt idx="20">
+                  <c:v>13</c:v>
+                </c:pt>
+                <c:pt idx="21">
+                  <c:v>14</c:v>
+                </c:pt>
+                <c:pt idx="22">
+                  <c:v>10</c:v>
+                </c:pt>
+                <c:pt idx="23">
+                  <c:v>3</c:v>
+                </c:pt>
+                <c:pt idx="24">
+                  <c:v>0</c:v>
+                </c:pt>
+                <c:pt idx="25">
+                  <c:v>-4</c:v>
+                </c:pt>
+                <c:pt idx="26">
+                  <c:v>-2</c:v>
+                </c:pt>
+                <c:pt idx="27">
+                  <c:v>3</c:v>
+                </c:pt>
+                <c:pt idx="28">
                   <c:v>6</c:v>
                 </c:pt>
-                <c:pt idx="10">
-                  <c:v>8</c:v>
-                </c:pt>
-                <c:pt idx="11">
-                  <c:v>10</c:v>
-                </c:pt>
-                <c:pt idx="12">
-                  <c:v>13</c:v>
-                </c:pt>
-                <c:pt idx="13">
-                  <c:v>12</c:v>
-                </c:pt>
-                <c:pt idx="14">
-                  <c:v>7</c:v>
-                </c:pt>
-                <c:pt idx="15">
-                  <c:v>11</c:v>
-                </c:pt>
-                <c:pt idx="16">
-                  <c:v>14</c:v>
-                </c:pt>
-                <c:pt idx="17">
-                  <c:v>15</c:v>
-                </c:pt>
-                <c:pt idx="18">
-                  <c:v>15</c:v>
-                </c:pt>
-                <c:pt idx="19">
-                  <c:v>14</c:v>
-                </c:pt>
-                <c:pt idx="20">
-                  <c:v>10</c:v>
-                </c:pt>
-                <c:pt idx="21">
-                  <c:v>2</c:v>
-                </c:pt>
-                <c:pt idx="22">
-                  <c:v>-2</c:v>
-                </c:pt>
-                <c:pt idx="23">
-                  <c:v>0</c:v>
-                </c:pt>
-                <c:pt idx="24">
-                  <c:v>3</c:v>
+                <c:pt idx="29">
+                  <c:v>5</c:v>
                 </c:pt>
               </c:numCache>
             </c:numRef>
@@ -4142,7 +4230,7 @@
           <c:smooth val="0"/>
           <c:extLst>
             <c:ext xmlns:c16="http://schemas.microsoft.com/office/drawing/2014/chart" uri="{C3380CC4-5D6E-409C-BE32-E72D297353CC}">
-              <c16:uniqueId val="{00000001-25CA-41B7-A2DE-2FE2AE7A1AFD}"/>
+              <c16:uniqueId val="{00000001-A551-458D-9687-431ECFC83DCE}"/>
             </c:ext>
           </c:extLst>
         </c:ser>
@@ -4155,11 +4243,11 @@
           <c:showBubbleSize val="0"/>
         </c:dLbls>
         <c:smooth val="0"/>
-        <c:axId val="757501264"/>
-        <c:axId val="757500280"/>
+        <c:axId val="695080832"/>
+        <c:axId val="695081160"/>
       </c:lineChart>
       <c:dateAx>
-        <c:axId val="757501264"/>
+        <c:axId val="695080832"/>
         <c:scaling>
           <c:orientation val="minMax"/>
         </c:scaling>
@@ -4202,14 +4290,14 @@
             <a:endParaRPr lang="zh-CN"/>
           </a:p>
         </c:txPr>
-        <c:crossAx val="757500280"/>
+        <c:crossAx val="695081160"/>
         <c:crosses val="autoZero"/>
         <c:auto val="1"/>
         <c:lblOffset val="100"/>
         <c:baseTimeUnit val="days"/>
       </c:dateAx>
       <c:valAx>
-        <c:axId val="757500280"/>
+        <c:axId val="695081160"/>
         <c:scaling>
           <c:orientation val="minMax"/>
         </c:scaling>
@@ -4260,7 +4348,7 @@
             <a:endParaRPr lang="zh-CN"/>
           </a:p>
         </c:txPr>
-        <c:crossAx val="757501264"/>
+        <c:crossAx val="695080832"/>
         <c:crosses val="autoZero"/>
         <c:crossBetween val="between"/>
       </c:valAx>
@@ -36140,7 +36228,7 @@
           <a:p>
             <a:r>
               <a:rPr lang="zh-CN" altLang="en-US" dirty="0"/>
-              <a:t>春节前后企业一般会放假，整个假期的电量消耗降低较明显；小长假则往往在假期当天下降非常明显，此后逐渐回升。</a:t>
+              <a:t>少量大企业占据绝大多数的电量消耗</a:t>
             </a:r>
           </a:p>
         </p:txBody>
@@ -36162,7 +36250,7 @@
           <a:p>
             <a:fld id="{F058509D-DB66-4458-8C6E-0AA4D711FE86}" type="slidenum">
               <a:rPr lang="zh-CN" altLang="en-US" smtClean="0"/>
-              <a:t>5</a:t>
+              <a:t>4</a:t>
             </a:fld>
             <a:endParaRPr lang="zh-CN" altLang="en-US"/>
           </a:p>
@@ -36171,7 +36259,7 @@
     </p:spTree>
     <p:extLst>
       <p:ext uri="{BB962C8B-B14F-4D97-AF65-F5344CB8AC3E}">
-        <p14:creationId xmlns:p14="http://schemas.microsoft.com/office/powerpoint/2010/main" val="1767978661"/>
+        <p14:creationId xmlns:p14="http://schemas.microsoft.com/office/powerpoint/2010/main" val="608590672"/>
       </p:ext>
     </p:extLst>
   </p:cSld>
@@ -36182,6 +36270,346 @@
 </file>
 
 <file path=ppt/notesSlides/notesSlide10.xml><?xml version="1.0" encoding="utf-8"?>
+<p:notes xmlns:a="http://schemas.openxmlformats.org/drawingml/2006/main" xmlns:r="http://schemas.openxmlformats.org/officeDocument/2006/relationships" xmlns:p="http://schemas.openxmlformats.org/presentationml/2006/main">
+  <p:cSld>
+    <p:spTree>
+      <p:nvGrpSpPr>
+        <p:cNvPr id="1" name=""/>
+        <p:cNvGrpSpPr/>
+        <p:nvPr/>
+      </p:nvGrpSpPr>
+      <p:grpSpPr>
+        <a:xfrm>
+          <a:off x="0" y="0"/>
+          <a:ext cx="0" cy="0"/>
+          <a:chOff x="0" y="0"/>
+          <a:chExt cx="0" cy="0"/>
+        </a:xfrm>
+      </p:grpSpPr>
+      <p:sp>
+        <p:nvSpPr>
+          <p:cNvPr id="2" name="幻灯片图像占位符 1"/>
+          <p:cNvSpPr>
+            <a:spLocks noGrp="1" noRot="1" noChangeAspect="1"/>
+          </p:cNvSpPr>
+          <p:nvPr>
+            <p:ph type="sldImg"/>
+          </p:nvPr>
+        </p:nvSpPr>
+        <p:spPr/>
+      </p:sp>
+      <p:sp>
+        <p:nvSpPr>
+          <p:cNvPr id="3" name="备注占位符 2"/>
+          <p:cNvSpPr>
+            <a:spLocks noGrp="1"/>
+          </p:cNvSpPr>
+          <p:nvPr>
+            <p:ph type="body" idx="1"/>
+          </p:nvPr>
+        </p:nvSpPr>
+        <p:spPr/>
+        <p:txBody>
+          <a:bodyPr/>
+          <a:lstStyle/>
+          <a:p>
+            <a:pPr marL="0" marR="0" indent="0" algn="l" defTabSz="914400" rtl="0" eaLnBrk="1" fontAlgn="auto" latinLnBrk="0" hangingPunct="1">
+              <a:lnSpc>
+                <a:spcPct val="100000"/>
+              </a:lnSpc>
+              <a:spcBef>
+                <a:spcPts val="0"/>
+              </a:spcBef>
+              <a:spcAft>
+                <a:spcPts val="0"/>
+              </a:spcAft>
+              <a:buClrTx/>
+              <a:buSzTx/>
+              <a:buFontTx/>
+              <a:buNone/>
+              <a:tabLst/>
+              <a:defRPr/>
+            </a:pPr>
+            <a:r>
+              <a:rPr lang="zh-CN" altLang="en-US" dirty="0">
+                <a:solidFill>
+                  <a:srgbClr val="24292E"/>
+                </a:solidFill>
+                <a:latin typeface="-apple-system"/>
+              </a:rPr>
+              <a:t>每组模型首先通过</a:t>
+            </a:r>
+            <a:r>
+              <a:rPr lang="en-US" altLang="zh-CN" dirty="0">
+                <a:solidFill>
+                  <a:srgbClr val="24292E"/>
+                </a:solidFill>
+                <a:latin typeface="-apple-system"/>
+              </a:rPr>
+              <a:t>1</a:t>
+            </a:r>
+            <a:r>
+              <a:rPr lang="zh-CN" altLang="en-US" dirty="0">
+                <a:solidFill>
+                  <a:srgbClr val="24292E"/>
+                </a:solidFill>
+                <a:latin typeface="-apple-system"/>
+              </a:rPr>
+              <a:t>个</a:t>
+            </a:r>
+            <a:r>
+              <a:rPr lang="en-US" altLang="zh-CN" dirty="0">
+                <a:solidFill>
+                  <a:srgbClr val="24292E"/>
+                </a:solidFill>
+                <a:latin typeface="-apple-system"/>
+              </a:rPr>
+              <a:t>3</a:t>
+            </a:r>
+            <a:r>
+              <a:rPr lang="zh-CN" altLang="en-US" dirty="0">
+                <a:solidFill>
+                  <a:srgbClr val="24292E"/>
+                </a:solidFill>
+                <a:latin typeface="-apple-system"/>
+              </a:rPr>
+              <a:t>层</a:t>
+            </a:r>
+            <a:r>
+              <a:rPr lang="en-US" altLang="zh-CN" dirty="0">
+                <a:solidFill>
+                  <a:srgbClr val="24292E"/>
+                </a:solidFill>
+                <a:latin typeface="-apple-system"/>
+              </a:rPr>
+              <a:t>500</a:t>
+            </a:r>
+            <a:r>
+              <a:rPr lang="zh-CN" altLang="en-US" dirty="0">
+                <a:solidFill>
+                  <a:srgbClr val="24292E"/>
+                </a:solidFill>
+                <a:latin typeface="-apple-system"/>
+              </a:rPr>
+              <a:t>棵树的</a:t>
+            </a:r>
+            <a:r>
+              <a:rPr lang="en-US" altLang="zh-CN" dirty="0" err="1">
+                <a:solidFill>
+                  <a:srgbClr val="24292E"/>
+                </a:solidFill>
+                <a:latin typeface="-apple-system"/>
+              </a:rPr>
+              <a:t>xgboost</a:t>
+            </a:r>
+            <a:r>
+              <a:rPr lang="zh-CN" altLang="en-US" dirty="0">
+                <a:solidFill>
+                  <a:srgbClr val="24292E"/>
+                </a:solidFill>
+                <a:latin typeface="-apple-system"/>
+              </a:rPr>
+              <a:t>进行数据清洗。</a:t>
+            </a:r>
+            <a:endParaRPr lang="zh-CN" altLang="en-US" dirty="0"/>
+          </a:p>
+          <a:p>
+            <a:pPr marL="0" marR="0" indent="0" algn="l" defTabSz="914400" rtl="0" eaLnBrk="1" fontAlgn="auto" latinLnBrk="0" hangingPunct="1">
+              <a:lnSpc>
+                <a:spcPct val="100000"/>
+              </a:lnSpc>
+              <a:spcBef>
+                <a:spcPts val="0"/>
+              </a:spcBef>
+              <a:spcAft>
+                <a:spcPts val="0"/>
+              </a:spcAft>
+              <a:buClrTx/>
+              <a:buSzTx/>
+              <a:buFontTx/>
+              <a:buNone/>
+              <a:tabLst/>
+              <a:defRPr/>
+            </a:pPr>
+            <a:r>
+              <a:rPr lang="zh-CN" altLang="en-US" dirty="0">
+                <a:solidFill>
+                  <a:srgbClr val="24292E"/>
+                </a:solidFill>
+                <a:latin typeface="-apple-system"/>
+              </a:rPr>
+              <a:t>而后使用</a:t>
+            </a:r>
+            <a:r>
+              <a:rPr lang="en-US" altLang="zh-CN" dirty="0">
+                <a:solidFill>
+                  <a:srgbClr val="24292E"/>
+                </a:solidFill>
+                <a:latin typeface="-apple-system"/>
+              </a:rPr>
+              <a:t>2</a:t>
+            </a:r>
+            <a:r>
+              <a:rPr lang="zh-CN" altLang="en-US" dirty="0">
+                <a:solidFill>
+                  <a:srgbClr val="24292E"/>
+                </a:solidFill>
+                <a:latin typeface="-apple-system"/>
+              </a:rPr>
+              <a:t>种不同的比例抽取最优秀的样本作为清洗后的训练集，再使用更深的模型进行训练（</a:t>
+            </a:r>
+            <a:r>
+              <a:rPr lang="en-US" altLang="zh-CN" dirty="0">
+                <a:solidFill>
+                  <a:srgbClr val="24292E"/>
+                </a:solidFill>
+                <a:latin typeface="-apple-system"/>
+              </a:rPr>
+              <a:t>2</a:t>
+            </a:r>
+            <a:r>
+              <a:rPr lang="zh-CN" altLang="en-US" dirty="0">
+                <a:solidFill>
+                  <a:srgbClr val="24292E"/>
+                </a:solidFill>
+                <a:latin typeface="-apple-system"/>
+              </a:rPr>
+              <a:t>个</a:t>
+            </a:r>
+            <a:r>
+              <a:rPr lang="en-US" altLang="zh-CN" dirty="0">
+                <a:solidFill>
+                  <a:srgbClr val="24292E"/>
+                </a:solidFill>
+                <a:latin typeface="-apple-system"/>
+              </a:rPr>
+              <a:t>5</a:t>
+            </a:r>
+            <a:r>
+              <a:rPr lang="zh-CN" altLang="en-US" dirty="0">
+                <a:solidFill>
+                  <a:srgbClr val="24292E"/>
+                </a:solidFill>
+                <a:latin typeface="-apple-system"/>
+              </a:rPr>
+              <a:t>至</a:t>
+            </a:r>
+            <a:r>
+              <a:rPr lang="en-US" altLang="zh-CN" dirty="0">
+                <a:solidFill>
+                  <a:srgbClr val="24292E"/>
+                </a:solidFill>
+                <a:latin typeface="-apple-system"/>
+              </a:rPr>
+              <a:t>6</a:t>
+            </a:r>
+            <a:r>
+              <a:rPr lang="zh-CN" altLang="en-US" dirty="0">
+                <a:solidFill>
+                  <a:srgbClr val="24292E"/>
+                </a:solidFill>
+                <a:latin typeface="-apple-system"/>
+              </a:rPr>
+              <a:t>层</a:t>
+            </a:r>
+            <a:r>
+              <a:rPr lang="en-US" altLang="zh-CN" dirty="0">
+                <a:solidFill>
+                  <a:srgbClr val="24292E"/>
+                </a:solidFill>
+                <a:latin typeface="-apple-system"/>
+              </a:rPr>
+              <a:t>1000</a:t>
+            </a:r>
+            <a:r>
+              <a:rPr lang="zh-CN" altLang="en-US" dirty="0">
+                <a:solidFill>
+                  <a:srgbClr val="24292E"/>
+                </a:solidFill>
+                <a:latin typeface="-apple-system"/>
+              </a:rPr>
+              <a:t>至</a:t>
+            </a:r>
+            <a:r>
+              <a:rPr lang="en-US" altLang="zh-CN" dirty="0">
+                <a:solidFill>
+                  <a:srgbClr val="24292E"/>
+                </a:solidFill>
+                <a:latin typeface="-apple-system"/>
+              </a:rPr>
+              <a:t>1600</a:t>
+            </a:r>
+            <a:r>
+              <a:rPr lang="zh-CN" altLang="en-US" dirty="0">
+                <a:solidFill>
+                  <a:srgbClr val="24292E"/>
+                </a:solidFill>
+                <a:latin typeface="-apple-system"/>
+              </a:rPr>
+              <a:t>棵树的</a:t>
+            </a:r>
+            <a:r>
+              <a:rPr lang="en-US" altLang="zh-CN" dirty="0" err="1">
+                <a:solidFill>
+                  <a:srgbClr val="24292E"/>
+                </a:solidFill>
+                <a:latin typeface="-apple-system"/>
+              </a:rPr>
+              <a:t>xgboost</a:t>
+            </a:r>
+            <a:r>
+              <a:rPr lang="zh-CN" altLang="en-US" dirty="0">
+                <a:solidFill>
+                  <a:srgbClr val="24292E"/>
+                </a:solidFill>
+                <a:latin typeface="-apple-system"/>
+              </a:rPr>
+              <a:t>模型）。</a:t>
+            </a:r>
+            <a:endParaRPr lang="zh-CN" altLang="en-US" dirty="0"/>
+          </a:p>
+          <a:p>
+            <a:endParaRPr lang="zh-CN" altLang="en-US" dirty="0"/>
+          </a:p>
+        </p:txBody>
+      </p:sp>
+      <p:sp>
+        <p:nvSpPr>
+          <p:cNvPr id="4" name="灯片编号占位符 3"/>
+          <p:cNvSpPr>
+            <a:spLocks noGrp="1"/>
+          </p:cNvSpPr>
+          <p:nvPr>
+            <p:ph type="sldNum" sz="quarter" idx="10"/>
+          </p:nvPr>
+        </p:nvSpPr>
+        <p:spPr/>
+        <p:txBody>
+          <a:bodyPr/>
+          <a:lstStyle/>
+          <a:p>
+            <a:fld id="{F058509D-DB66-4458-8C6E-0AA4D711FE86}" type="slidenum">
+              <a:rPr lang="zh-CN" altLang="en-US" smtClean="0"/>
+              <a:t>13</a:t>
+            </a:fld>
+            <a:endParaRPr lang="zh-CN" altLang="en-US"/>
+          </a:p>
+        </p:txBody>
+      </p:sp>
+    </p:spTree>
+    <p:extLst>
+      <p:ext uri="{BB962C8B-B14F-4D97-AF65-F5344CB8AC3E}">
+        <p14:creationId xmlns:p14="http://schemas.microsoft.com/office/powerpoint/2010/main" val="580598790"/>
+      </p:ext>
+    </p:extLst>
+  </p:cSld>
+  <p:clrMapOvr>
+    <a:masterClrMapping/>
+  </p:clrMapOvr>
+</p:notes>
+</file>
+
+<file path=ppt/notesSlides/notesSlide11.xml><?xml version="1.0" encoding="utf-8"?>
 <p:notes xmlns:a="http://schemas.openxmlformats.org/drawingml/2006/main" xmlns:r="http://schemas.openxmlformats.org/officeDocument/2006/relationships" xmlns:p="http://schemas.openxmlformats.org/presentationml/2006/main">
   <p:cSld>
     <p:spTree>
@@ -36474,7 +36902,7 @@
 </p:notes>
 </file>
 
-<file path=ppt/notesSlides/notesSlide11.xml><?xml version="1.0" encoding="utf-8"?>
+<file path=ppt/notesSlides/notesSlide12.xml><?xml version="1.0" encoding="utf-8"?>
 <p:notes xmlns:a="http://schemas.openxmlformats.org/drawingml/2006/main" xmlns:r="http://schemas.openxmlformats.org/officeDocument/2006/relationships" xmlns:p="http://schemas.openxmlformats.org/presentationml/2006/main">
   <p:cSld>
     <p:spTree>
@@ -36805,6 +37233,164 @@
 </p:notes>
 </file>
 
+<file path=ppt/notesSlides/notesSlide13.xml><?xml version="1.0" encoding="utf-8"?>
+<p:notes xmlns:a="http://schemas.openxmlformats.org/drawingml/2006/main" xmlns:r="http://schemas.openxmlformats.org/officeDocument/2006/relationships" xmlns:p="http://schemas.openxmlformats.org/presentationml/2006/main">
+  <p:cSld>
+    <p:spTree>
+      <p:nvGrpSpPr>
+        <p:cNvPr id="1" name=""/>
+        <p:cNvGrpSpPr/>
+        <p:nvPr/>
+      </p:nvGrpSpPr>
+      <p:grpSpPr>
+        <a:xfrm>
+          <a:off x="0" y="0"/>
+          <a:ext cx="0" cy="0"/>
+          <a:chOff x="0" y="0"/>
+          <a:chExt cx="0" cy="0"/>
+        </a:xfrm>
+      </p:grpSpPr>
+      <p:sp>
+        <p:nvSpPr>
+          <p:cNvPr id="2" name="幻灯片图像占位符 1"/>
+          <p:cNvSpPr>
+            <a:spLocks noGrp="1" noRot="1" noChangeAspect="1"/>
+          </p:cNvSpPr>
+          <p:nvPr>
+            <p:ph type="sldImg"/>
+          </p:nvPr>
+        </p:nvSpPr>
+        <p:spPr/>
+      </p:sp>
+      <p:sp>
+        <p:nvSpPr>
+          <p:cNvPr id="3" name="备注占位符 2"/>
+          <p:cNvSpPr>
+            <a:spLocks noGrp="1"/>
+          </p:cNvSpPr>
+          <p:nvPr>
+            <p:ph type="body" idx="1"/>
+          </p:nvPr>
+        </p:nvSpPr>
+        <p:spPr/>
+        <p:txBody>
+          <a:bodyPr/>
+          <a:lstStyle/>
+          <a:p>
+            <a:pPr marL="285750" indent="-285750">
+              <a:buFont typeface="Arial" panose="020B0604020202020204" pitchFamily="34" charset="0"/>
+              <a:buChar char="•"/>
+            </a:pPr>
+            <a:endParaRPr lang="en-US" altLang="zh-CN" b="1" dirty="0"/>
+          </a:p>
+          <a:p>
+            <a:pPr marL="285750" indent="-285750">
+              <a:buFont typeface="Arial" panose="020B0604020202020204" pitchFamily="34" charset="0"/>
+              <a:buChar char="•"/>
+            </a:pPr>
+            <a:r>
+              <a:rPr lang="zh-CN" altLang="en-US" dirty="0"/>
+              <a:t>首先对数据的分析还不够多，过于重视模型的搭建。</a:t>
+            </a:r>
+            <a:endParaRPr lang="en-US" altLang="zh-CN" dirty="0"/>
+          </a:p>
+          <a:p>
+            <a:pPr marL="285750" indent="-285750">
+              <a:buFont typeface="Arial" panose="020B0604020202020204" pitchFamily="34" charset="0"/>
+              <a:buChar char="•"/>
+            </a:pPr>
+            <a:r>
+              <a:rPr lang="zh-CN" altLang="en-US" dirty="0"/>
+              <a:t>第一次参加平台赛，对平台并不是很熟悉，甚至连</a:t>
+            </a:r>
+            <a:r>
+              <a:rPr lang="en-US" altLang="zh-CN" dirty="0"/>
+              <a:t>IDE</a:t>
+            </a:r>
+            <a:r>
+              <a:rPr lang="zh-CN" altLang="en-US" dirty="0"/>
+              <a:t>调用</a:t>
+            </a:r>
+            <a:r>
+              <a:rPr lang="en-US" altLang="zh-CN" dirty="0"/>
+              <a:t>PAI</a:t>
+            </a:r>
+            <a:r>
+              <a:rPr lang="zh-CN" altLang="en-US" dirty="0"/>
+              <a:t>训练模型都不知道，做了大量无意义的操作。</a:t>
+            </a:r>
+            <a:endParaRPr lang="en-US" altLang="zh-CN" dirty="0"/>
+          </a:p>
+          <a:p>
+            <a:pPr marL="285750" indent="-285750">
+              <a:buFont typeface="Arial" panose="020B0604020202020204" pitchFamily="34" charset="0"/>
+              <a:buChar char="•"/>
+            </a:pPr>
+            <a:r>
+              <a:rPr lang="zh-CN" altLang="en-US" dirty="0"/>
+              <a:t>线下的聚类操作前，应该更全面的去分析企业用电规律，而不是单纯的套用算法进行聚类。</a:t>
+            </a:r>
+            <a:endParaRPr lang="en-US" altLang="zh-CN" dirty="0"/>
+          </a:p>
+          <a:p>
+            <a:pPr marL="285750" indent="-285750">
+              <a:buFont typeface="Arial" panose="020B0604020202020204" pitchFamily="34" charset="0"/>
+              <a:buChar char="•"/>
+            </a:pPr>
+            <a:r>
+              <a:rPr lang="zh-CN" altLang="en-US" dirty="0"/>
+              <a:t>训练过程中发现温度等特征重要性过低，但是并没有去针对性的调整特征。</a:t>
+            </a:r>
+            <a:endParaRPr lang="en-US" altLang="zh-CN" dirty="0"/>
+          </a:p>
+          <a:p>
+            <a:pPr marL="285750" indent="-285750">
+              <a:buFont typeface="Arial" panose="020B0604020202020204" pitchFamily="34" charset="0"/>
+              <a:buChar char="•"/>
+            </a:pPr>
+            <a:r>
+              <a:rPr lang="zh-CN" altLang="en-US" dirty="0"/>
+              <a:t>采用模型融合等策略提高模型的复杂度确实能够帮助训练效果的提升</a:t>
+            </a:r>
+          </a:p>
+        </p:txBody>
+      </p:sp>
+      <p:sp>
+        <p:nvSpPr>
+          <p:cNvPr id="4" name="灯片编号占位符 3"/>
+          <p:cNvSpPr>
+            <a:spLocks noGrp="1"/>
+          </p:cNvSpPr>
+          <p:nvPr>
+            <p:ph type="sldNum" sz="quarter" idx="10"/>
+          </p:nvPr>
+        </p:nvSpPr>
+        <p:spPr/>
+        <p:txBody>
+          <a:bodyPr/>
+          <a:lstStyle/>
+          <a:p>
+            <a:fld id="{F058509D-DB66-4458-8C6E-0AA4D711FE86}" type="slidenum">
+              <a:rPr lang="zh-CN" altLang="en-US" smtClean="0"/>
+              <a:t>24</a:t>
+            </a:fld>
+            <a:endParaRPr lang="zh-CN" altLang="en-US"/>
+          </a:p>
+        </p:txBody>
+      </p:sp>
+    </p:spTree>
+    <p:extLst>
+      <p:ext uri="{BB962C8B-B14F-4D97-AF65-F5344CB8AC3E}">
+        <p14:creationId xmlns:p14="http://schemas.microsoft.com/office/powerpoint/2010/main" val="1820548088"/>
+      </p:ext>
+    </p:extLst>
+  </p:cSld>
+  <p:clrMapOvr>
+    <a:masterClrMapping/>
+  </p:clrMapOvr>
+</p:notes>
+</file>
+
 <file path=ppt/notesSlides/notesSlide2.xml><?xml version="1.0" encoding="utf-8"?>
 <p:notes xmlns:a="http://schemas.openxmlformats.org/drawingml/2006/main" xmlns:r="http://schemas.openxmlformats.org/officeDocument/2006/relationships" xmlns:p="http://schemas.openxmlformats.org/presentationml/2006/main">
   <p:cSld>
@@ -36849,7 +37435,97 @@
           <a:bodyPr/>
           <a:lstStyle/>
           <a:p>
-            <a:endParaRPr lang="zh-CN" altLang="en-US" dirty="0"/>
+            <a:r>
+              <a:rPr lang="zh-CN" altLang="en-US" dirty="0"/>
+              <a:t>春节前后企业一般会放假，整个假期的电量消耗降低较明显；小长假则往往在假期当天下降非常明显，此后逐渐回升。</a:t>
+            </a:r>
+          </a:p>
+        </p:txBody>
+      </p:sp>
+      <p:sp>
+        <p:nvSpPr>
+          <p:cNvPr id="4" name="灯片编号占位符 3"/>
+          <p:cNvSpPr>
+            <a:spLocks noGrp="1"/>
+          </p:cNvSpPr>
+          <p:nvPr>
+            <p:ph type="sldNum" sz="quarter" idx="10"/>
+          </p:nvPr>
+        </p:nvSpPr>
+        <p:spPr/>
+        <p:txBody>
+          <a:bodyPr/>
+          <a:lstStyle/>
+          <a:p>
+            <a:fld id="{F058509D-DB66-4458-8C6E-0AA4D711FE86}" type="slidenum">
+              <a:rPr lang="zh-CN" altLang="en-US" smtClean="0"/>
+              <a:t>5</a:t>
+            </a:fld>
+            <a:endParaRPr lang="zh-CN" altLang="en-US"/>
+          </a:p>
+        </p:txBody>
+      </p:sp>
+    </p:spTree>
+    <p:extLst>
+      <p:ext uri="{BB962C8B-B14F-4D97-AF65-F5344CB8AC3E}">
+        <p14:creationId xmlns:p14="http://schemas.microsoft.com/office/powerpoint/2010/main" val="304357632"/>
+      </p:ext>
+    </p:extLst>
+  </p:cSld>
+  <p:clrMapOvr>
+    <a:masterClrMapping/>
+  </p:clrMapOvr>
+</p:notes>
+</file>
+
+<file path=ppt/notesSlides/notesSlide3.xml><?xml version="1.0" encoding="utf-8"?>
+<p:notes xmlns:a="http://schemas.openxmlformats.org/drawingml/2006/main" xmlns:r="http://schemas.openxmlformats.org/officeDocument/2006/relationships" xmlns:p="http://schemas.openxmlformats.org/presentationml/2006/main">
+  <p:cSld>
+    <p:spTree>
+      <p:nvGrpSpPr>
+        <p:cNvPr id="1" name=""/>
+        <p:cNvGrpSpPr/>
+        <p:nvPr/>
+      </p:nvGrpSpPr>
+      <p:grpSpPr>
+        <a:xfrm>
+          <a:off x="0" y="0"/>
+          <a:ext cx="0" cy="0"/>
+          <a:chOff x="0" y="0"/>
+          <a:chExt cx="0" cy="0"/>
+        </a:xfrm>
+      </p:grpSpPr>
+      <p:sp>
+        <p:nvSpPr>
+          <p:cNvPr id="2" name="幻灯片图像占位符 1"/>
+          <p:cNvSpPr>
+            <a:spLocks noGrp="1" noRot="1" noChangeAspect="1"/>
+          </p:cNvSpPr>
+          <p:nvPr>
+            <p:ph type="sldImg"/>
+          </p:nvPr>
+        </p:nvSpPr>
+        <p:spPr/>
+      </p:sp>
+      <p:sp>
+        <p:nvSpPr>
+          <p:cNvPr id="3" name="备注占位符 2"/>
+          <p:cNvSpPr>
+            <a:spLocks noGrp="1"/>
+          </p:cNvSpPr>
+          <p:nvPr>
+            <p:ph type="body" idx="1"/>
+          </p:nvPr>
+        </p:nvSpPr>
+        <p:spPr/>
+        <p:txBody>
+          <a:bodyPr/>
+          <a:lstStyle/>
+          <a:p>
+            <a:r>
+              <a:rPr lang="zh-CN" altLang="en-US" dirty="0"/>
+              <a:t>极端气候时电量也会有相应程度的提升</a:t>
+            </a:r>
           </a:p>
         </p:txBody>
       </p:sp>
@@ -36879,7 +37555,7 @@
     </p:spTree>
     <p:extLst>
       <p:ext uri="{BB962C8B-B14F-4D97-AF65-F5344CB8AC3E}">
-        <p14:creationId xmlns:p14="http://schemas.microsoft.com/office/powerpoint/2010/main" val="1162077246"/>
+        <p14:creationId xmlns:p14="http://schemas.microsoft.com/office/powerpoint/2010/main" val="1196352689"/>
       </p:ext>
     </p:extLst>
   </p:cSld>
@@ -36889,7 +37565,7 @@
 </p:notes>
 </file>
 
-<file path=ppt/notesSlides/notesSlide3.xml><?xml version="1.0" encoding="utf-8"?>
+<file path=ppt/notesSlides/notesSlide4.xml><?xml version="1.0" encoding="utf-8"?>
 <p:notes xmlns:a="http://schemas.openxmlformats.org/drawingml/2006/main" xmlns:r="http://schemas.openxmlformats.org/officeDocument/2006/relationships" xmlns:p="http://schemas.openxmlformats.org/presentationml/2006/main">
   <p:cSld>
     <p:spTree>
@@ -37006,7 +37682,7 @@
 </p:notes>
 </file>
 
-<file path=ppt/notesSlides/notesSlide4.xml><?xml version="1.0" encoding="utf-8"?>
+<file path=ppt/notesSlides/notesSlide5.xml><?xml version="1.0" encoding="utf-8"?>
 <p:notes xmlns:a="http://schemas.openxmlformats.org/drawingml/2006/main" xmlns:r="http://schemas.openxmlformats.org/officeDocument/2006/relationships" xmlns:p="http://schemas.openxmlformats.org/presentationml/2006/main">
   <p:cSld>
     <p:spTree>
@@ -37206,7 +37882,7 @@
 </p:notes>
 </file>
 
-<file path=ppt/notesSlides/notesSlide5.xml><?xml version="1.0" encoding="utf-8"?>
+<file path=ppt/notesSlides/notesSlide6.xml><?xml version="1.0" encoding="utf-8"?>
 <p:notes xmlns:a="http://schemas.openxmlformats.org/drawingml/2006/main" xmlns:r="http://schemas.openxmlformats.org/officeDocument/2006/relationships" xmlns:p="http://schemas.openxmlformats.org/presentationml/2006/main">
   <p:cSld>
     <p:spTree>
@@ -37301,7 +37977,7 @@
 </p:notes>
 </file>
 
-<file path=ppt/notesSlides/notesSlide6.xml><?xml version="1.0" encoding="utf-8"?>
+<file path=ppt/notesSlides/notesSlide7.xml><?xml version="1.0" encoding="utf-8"?>
 <p:notes xmlns:a="http://schemas.openxmlformats.org/drawingml/2006/main" xmlns:r="http://schemas.openxmlformats.org/officeDocument/2006/relationships" xmlns:p="http://schemas.openxmlformats.org/presentationml/2006/main">
   <p:cSld>
     <p:spTree>
@@ -37388,7 +38064,7 @@
 </p:notes>
 </file>
 
-<file path=ppt/notesSlides/notesSlide7.xml><?xml version="1.0" encoding="utf-8"?>
+<file path=ppt/notesSlides/notesSlide8.xml><?xml version="1.0" encoding="utf-8"?>
 <p:notes xmlns:a="http://schemas.openxmlformats.org/drawingml/2006/main" xmlns:r="http://schemas.openxmlformats.org/officeDocument/2006/relationships" xmlns:p="http://schemas.openxmlformats.org/presentationml/2006/main">
   <p:cSld>
     <p:spTree>
@@ -37655,7 +38331,7 @@
 </p:notes>
 </file>
 
-<file path=ppt/notesSlides/notesSlide8.xml><?xml version="1.0" encoding="utf-8"?>
+<file path=ppt/notesSlides/notesSlide9.xml><?xml version="1.0" encoding="utf-8"?>
 <p:notes xmlns:a="http://schemas.openxmlformats.org/drawingml/2006/main" xmlns:r="http://schemas.openxmlformats.org/officeDocument/2006/relationships" xmlns:p="http://schemas.openxmlformats.org/presentationml/2006/main">
   <p:cSld>
     <p:spTree>
@@ -37759,346 +38435,6 @@
     <p:extLst>
       <p:ext uri="{BB962C8B-B14F-4D97-AF65-F5344CB8AC3E}">
         <p14:creationId xmlns:p14="http://schemas.microsoft.com/office/powerpoint/2010/main" val="3633112321"/>
-      </p:ext>
-    </p:extLst>
-  </p:cSld>
-  <p:clrMapOvr>
-    <a:masterClrMapping/>
-  </p:clrMapOvr>
-</p:notes>
-</file>
-
-<file path=ppt/notesSlides/notesSlide9.xml><?xml version="1.0" encoding="utf-8"?>
-<p:notes xmlns:a="http://schemas.openxmlformats.org/drawingml/2006/main" xmlns:r="http://schemas.openxmlformats.org/officeDocument/2006/relationships" xmlns:p="http://schemas.openxmlformats.org/presentationml/2006/main">
-  <p:cSld>
-    <p:spTree>
-      <p:nvGrpSpPr>
-        <p:cNvPr id="1" name=""/>
-        <p:cNvGrpSpPr/>
-        <p:nvPr/>
-      </p:nvGrpSpPr>
-      <p:grpSpPr>
-        <a:xfrm>
-          <a:off x="0" y="0"/>
-          <a:ext cx="0" cy="0"/>
-          <a:chOff x="0" y="0"/>
-          <a:chExt cx="0" cy="0"/>
-        </a:xfrm>
-      </p:grpSpPr>
-      <p:sp>
-        <p:nvSpPr>
-          <p:cNvPr id="2" name="幻灯片图像占位符 1"/>
-          <p:cNvSpPr>
-            <a:spLocks noGrp="1" noRot="1" noChangeAspect="1"/>
-          </p:cNvSpPr>
-          <p:nvPr>
-            <p:ph type="sldImg"/>
-          </p:nvPr>
-        </p:nvSpPr>
-        <p:spPr/>
-      </p:sp>
-      <p:sp>
-        <p:nvSpPr>
-          <p:cNvPr id="3" name="备注占位符 2"/>
-          <p:cNvSpPr>
-            <a:spLocks noGrp="1"/>
-          </p:cNvSpPr>
-          <p:nvPr>
-            <p:ph type="body" idx="1"/>
-          </p:nvPr>
-        </p:nvSpPr>
-        <p:spPr/>
-        <p:txBody>
-          <a:bodyPr/>
-          <a:lstStyle/>
-          <a:p>
-            <a:pPr marL="0" marR="0" indent="0" algn="l" defTabSz="914400" rtl="0" eaLnBrk="1" fontAlgn="auto" latinLnBrk="0" hangingPunct="1">
-              <a:lnSpc>
-                <a:spcPct val="100000"/>
-              </a:lnSpc>
-              <a:spcBef>
-                <a:spcPts val="0"/>
-              </a:spcBef>
-              <a:spcAft>
-                <a:spcPts val="0"/>
-              </a:spcAft>
-              <a:buClrTx/>
-              <a:buSzTx/>
-              <a:buFontTx/>
-              <a:buNone/>
-              <a:tabLst/>
-              <a:defRPr/>
-            </a:pPr>
-            <a:r>
-              <a:rPr lang="zh-CN" altLang="en-US" dirty="0">
-                <a:solidFill>
-                  <a:srgbClr val="24292E"/>
-                </a:solidFill>
-                <a:latin typeface="-apple-system"/>
-              </a:rPr>
-              <a:t>每组模型首先通过</a:t>
-            </a:r>
-            <a:r>
-              <a:rPr lang="en-US" altLang="zh-CN" dirty="0">
-                <a:solidFill>
-                  <a:srgbClr val="24292E"/>
-                </a:solidFill>
-                <a:latin typeface="-apple-system"/>
-              </a:rPr>
-              <a:t>1</a:t>
-            </a:r>
-            <a:r>
-              <a:rPr lang="zh-CN" altLang="en-US" dirty="0">
-                <a:solidFill>
-                  <a:srgbClr val="24292E"/>
-                </a:solidFill>
-                <a:latin typeface="-apple-system"/>
-              </a:rPr>
-              <a:t>个</a:t>
-            </a:r>
-            <a:r>
-              <a:rPr lang="en-US" altLang="zh-CN" dirty="0">
-                <a:solidFill>
-                  <a:srgbClr val="24292E"/>
-                </a:solidFill>
-                <a:latin typeface="-apple-system"/>
-              </a:rPr>
-              <a:t>3</a:t>
-            </a:r>
-            <a:r>
-              <a:rPr lang="zh-CN" altLang="en-US" dirty="0">
-                <a:solidFill>
-                  <a:srgbClr val="24292E"/>
-                </a:solidFill>
-                <a:latin typeface="-apple-system"/>
-              </a:rPr>
-              <a:t>层</a:t>
-            </a:r>
-            <a:r>
-              <a:rPr lang="en-US" altLang="zh-CN" dirty="0">
-                <a:solidFill>
-                  <a:srgbClr val="24292E"/>
-                </a:solidFill>
-                <a:latin typeface="-apple-system"/>
-              </a:rPr>
-              <a:t>500</a:t>
-            </a:r>
-            <a:r>
-              <a:rPr lang="zh-CN" altLang="en-US" dirty="0">
-                <a:solidFill>
-                  <a:srgbClr val="24292E"/>
-                </a:solidFill>
-                <a:latin typeface="-apple-system"/>
-              </a:rPr>
-              <a:t>棵树的</a:t>
-            </a:r>
-            <a:r>
-              <a:rPr lang="en-US" altLang="zh-CN" dirty="0" err="1">
-                <a:solidFill>
-                  <a:srgbClr val="24292E"/>
-                </a:solidFill>
-                <a:latin typeface="-apple-system"/>
-              </a:rPr>
-              <a:t>xgboost</a:t>
-            </a:r>
-            <a:r>
-              <a:rPr lang="zh-CN" altLang="en-US" dirty="0">
-                <a:solidFill>
-                  <a:srgbClr val="24292E"/>
-                </a:solidFill>
-                <a:latin typeface="-apple-system"/>
-              </a:rPr>
-              <a:t>进行数据清洗。</a:t>
-            </a:r>
-            <a:endParaRPr lang="zh-CN" altLang="en-US" dirty="0"/>
-          </a:p>
-          <a:p>
-            <a:pPr marL="0" marR="0" indent="0" algn="l" defTabSz="914400" rtl="0" eaLnBrk="1" fontAlgn="auto" latinLnBrk="0" hangingPunct="1">
-              <a:lnSpc>
-                <a:spcPct val="100000"/>
-              </a:lnSpc>
-              <a:spcBef>
-                <a:spcPts val="0"/>
-              </a:spcBef>
-              <a:spcAft>
-                <a:spcPts val="0"/>
-              </a:spcAft>
-              <a:buClrTx/>
-              <a:buSzTx/>
-              <a:buFontTx/>
-              <a:buNone/>
-              <a:tabLst/>
-              <a:defRPr/>
-            </a:pPr>
-            <a:r>
-              <a:rPr lang="zh-CN" altLang="en-US" dirty="0">
-                <a:solidFill>
-                  <a:srgbClr val="24292E"/>
-                </a:solidFill>
-                <a:latin typeface="-apple-system"/>
-              </a:rPr>
-              <a:t>而后使用</a:t>
-            </a:r>
-            <a:r>
-              <a:rPr lang="en-US" altLang="zh-CN" dirty="0">
-                <a:solidFill>
-                  <a:srgbClr val="24292E"/>
-                </a:solidFill>
-                <a:latin typeface="-apple-system"/>
-              </a:rPr>
-              <a:t>2</a:t>
-            </a:r>
-            <a:r>
-              <a:rPr lang="zh-CN" altLang="en-US" dirty="0">
-                <a:solidFill>
-                  <a:srgbClr val="24292E"/>
-                </a:solidFill>
-                <a:latin typeface="-apple-system"/>
-              </a:rPr>
-              <a:t>种不同的比例抽取最优秀的样本作为清洗后的训练集，再使用更深的模型进行训练（</a:t>
-            </a:r>
-            <a:r>
-              <a:rPr lang="en-US" altLang="zh-CN" dirty="0">
-                <a:solidFill>
-                  <a:srgbClr val="24292E"/>
-                </a:solidFill>
-                <a:latin typeface="-apple-system"/>
-              </a:rPr>
-              <a:t>2</a:t>
-            </a:r>
-            <a:r>
-              <a:rPr lang="zh-CN" altLang="en-US" dirty="0">
-                <a:solidFill>
-                  <a:srgbClr val="24292E"/>
-                </a:solidFill>
-                <a:latin typeface="-apple-system"/>
-              </a:rPr>
-              <a:t>个</a:t>
-            </a:r>
-            <a:r>
-              <a:rPr lang="en-US" altLang="zh-CN" dirty="0">
-                <a:solidFill>
-                  <a:srgbClr val="24292E"/>
-                </a:solidFill>
-                <a:latin typeface="-apple-system"/>
-              </a:rPr>
-              <a:t>5</a:t>
-            </a:r>
-            <a:r>
-              <a:rPr lang="zh-CN" altLang="en-US" dirty="0">
-                <a:solidFill>
-                  <a:srgbClr val="24292E"/>
-                </a:solidFill>
-                <a:latin typeface="-apple-system"/>
-              </a:rPr>
-              <a:t>至</a:t>
-            </a:r>
-            <a:r>
-              <a:rPr lang="en-US" altLang="zh-CN" dirty="0">
-                <a:solidFill>
-                  <a:srgbClr val="24292E"/>
-                </a:solidFill>
-                <a:latin typeface="-apple-system"/>
-              </a:rPr>
-              <a:t>6</a:t>
-            </a:r>
-            <a:r>
-              <a:rPr lang="zh-CN" altLang="en-US" dirty="0">
-                <a:solidFill>
-                  <a:srgbClr val="24292E"/>
-                </a:solidFill>
-                <a:latin typeface="-apple-system"/>
-              </a:rPr>
-              <a:t>层</a:t>
-            </a:r>
-            <a:r>
-              <a:rPr lang="en-US" altLang="zh-CN" dirty="0">
-                <a:solidFill>
-                  <a:srgbClr val="24292E"/>
-                </a:solidFill>
-                <a:latin typeface="-apple-system"/>
-              </a:rPr>
-              <a:t>1000</a:t>
-            </a:r>
-            <a:r>
-              <a:rPr lang="zh-CN" altLang="en-US" dirty="0">
-                <a:solidFill>
-                  <a:srgbClr val="24292E"/>
-                </a:solidFill>
-                <a:latin typeface="-apple-system"/>
-              </a:rPr>
-              <a:t>至</a:t>
-            </a:r>
-            <a:r>
-              <a:rPr lang="en-US" altLang="zh-CN" dirty="0">
-                <a:solidFill>
-                  <a:srgbClr val="24292E"/>
-                </a:solidFill>
-                <a:latin typeface="-apple-system"/>
-              </a:rPr>
-              <a:t>1600</a:t>
-            </a:r>
-            <a:r>
-              <a:rPr lang="zh-CN" altLang="en-US" dirty="0">
-                <a:solidFill>
-                  <a:srgbClr val="24292E"/>
-                </a:solidFill>
-                <a:latin typeface="-apple-system"/>
-              </a:rPr>
-              <a:t>棵树的</a:t>
-            </a:r>
-            <a:r>
-              <a:rPr lang="en-US" altLang="zh-CN" dirty="0" err="1">
-                <a:solidFill>
-                  <a:srgbClr val="24292E"/>
-                </a:solidFill>
-                <a:latin typeface="-apple-system"/>
-              </a:rPr>
-              <a:t>xgboost</a:t>
-            </a:r>
-            <a:r>
-              <a:rPr lang="zh-CN" altLang="en-US" dirty="0">
-                <a:solidFill>
-                  <a:srgbClr val="24292E"/>
-                </a:solidFill>
-                <a:latin typeface="-apple-system"/>
-              </a:rPr>
-              <a:t>模型）。</a:t>
-            </a:r>
-            <a:endParaRPr lang="zh-CN" altLang="en-US" dirty="0"/>
-          </a:p>
-          <a:p>
-            <a:endParaRPr lang="zh-CN" altLang="en-US" dirty="0"/>
-          </a:p>
-        </p:txBody>
-      </p:sp>
-      <p:sp>
-        <p:nvSpPr>
-          <p:cNvPr id="4" name="灯片编号占位符 3"/>
-          <p:cNvSpPr>
-            <a:spLocks noGrp="1"/>
-          </p:cNvSpPr>
-          <p:nvPr>
-            <p:ph type="sldNum" sz="quarter" idx="10"/>
-          </p:nvPr>
-        </p:nvSpPr>
-        <p:spPr/>
-        <p:txBody>
-          <a:bodyPr/>
-          <a:lstStyle/>
-          <a:p>
-            <a:fld id="{F058509D-DB66-4458-8C6E-0AA4D711FE86}" type="slidenum">
-              <a:rPr lang="zh-CN" altLang="en-US" smtClean="0"/>
-              <a:t>13</a:t>
-            </a:fld>
-            <a:endParaRPr lang="zh-CN" altLang="en-US"/>
-          </a:p>
-        </p:txBody>
-      </p:sp>
-    </p:spTree>
-    <p:extLst>
-      <p:ext uri="{BB962C8B-B14F-4D97-AF65-F5344CB8AC3E}">
-        <p14:creationId xmlns:p14="http://schemas.microsoft.com/office/powerpoint/2010/main" val="580598790"/>
       </p:ext>
     </p:extLst>
   </p:cSld>
@@ -48906,7 +49242,7 @@
           </p:nvPr>
         </p:nvPicPr>
         <p:blipFill>
-          <a:blip r:embed="rId2" cstate="print"/>
+          <a:blip r:embed="rId3" cstate="print"/>
           <a:stretch>
             <a:fillRect/>
           </a:stretch>
@@ -48932,8 +49268,8 @@
         </p:nvSpPr>
         <p:spPr>
           <a:xfrm>
-            <a:off x="4977745" y="320020"/>
-            <a:ext cx="2236510" cy="707886"/>
+            <a:off x="5326557" y="365125"/>
+            <a:ext cx="2749471" cy="707886"/>
           </a:xfrm>
           <a:prstGeom prst="rect">
             <a:avLst/>
@@ -48956,7 +49292,7 @@
                 <a:latin typeface="微软雅黑" panose="020B0503020204020204" pitchFamily="34" charset="-122"/>
                 <a:ea typeface="微软雅黑" panose="020B0503020204020204" pitchFamily="34" charset="-122"/>
               </a:rPr>
-              <a:t>其他脑洞</a:t>
+              <a:t>总结与展望</a:t>
             </a:r>
           </a:p>
         </p:txBody>
@@ -48969,447 +49305,8 @@
         </p:nvSpPr>
         <p:spPr>
           <a:xfrm>
-            <a:off x="352058" y="1073011"/>
-            <a:ext cx="11094875" cy="1477328"/>
-          </a:xfrm>
-          <a:prstGeom prst="rect">
-            <a:avLst/>
-          </a:prstGeom>
-          <a:noFill/>
-        </p:spPr>
-        <p:txBody>
-          <a:bodyPr wrap="square" rtlCol="0">
-            <a:spAutoFit/>
-          </a:bodyPr>
-          <a:lstStyle/>
-          <a:p>
-            <a:r>
-              <a:rPr lang="zh-CN" altLang="en-US" dirty="0"/>
-              <a:t>一、分类训练预测</a:t>
-            </a:r>
-            <a:endParaRPr lang="en-US" altLang="zh-CN" dirty="0"/>
-          </a:p>
-          <a:p>
-            <a:r>
-              <a:rPr lang="zh-CN" altLang="en-US" dirty="0"/>
-              <a:t>由于之前线下做过聚类之后的预测效果并不突出，所以转移到线上就直接对所有企业统一训练了。后面想到，其实可以利用温度和节假日等特征进行聚类， 或者使用相关性分析的方法筛选出不同的企业， 在保证每种企业训练样本充足的情况下， 使用不同的模型进行训练， 或者将分类好的分类信息作为</a:t>
-            </a:r>
-            <a:r>
-              <a:rPr lang="en-US" altLang="zh-CN" dirty="0" err="1"/>
-              <a:t>onehot</a:t>
-            </a:r>
-            <a:r>
-              <a:rPr lang="zh-CN" altLang="en-US" dirty="0"/>
-              <a:t>变量加入之前的模型。 如果分好类的话说不定还能有很大的提升。</a:t>
-            </a:r>
-          </a:p>
-        </p:txBody>
-      </p:sp>
-      <p:sp>
-        <p:nvSpPr>
-          <p:cNvPr id="6" name="文本框 5"/>
-          <p:cNvSpPr txBox="1"/>
-          <p:nvPr/>
-        </p:nvSpPr>
-        <p:spPr>
-          <a:xfrm>
-            <a:off x="371090" y="2689597"/>
-            <a:ext cx="6472075" cy="1754326"/>
-          </a:xfrm>
-          <a:prstGeom prst="rect">
-            <a:avLst/>
-          </a:prstGeom>
-          <a:noFill/>
-        </p:spPr>
-        <p:txBody>
-          <a:bodyPr wrap="square" rtlCol="0">
-            <a:spAutoFit/>
-          </a:bodyPr>
-          <a:lstStyle/>
-          <a:p>
-            <a:r>
-              <a:rPr lang="zh-CN" altLang="en-US" dirty="0"/>
-              <a:t>二、处理</a:t>
-            </a:r>
-            <a:r>
-              <a:rPr lang="en-US" altLang="zh-CN" b="1" dirty="0" err="1"/>
-              <a:t>onehot</a:t>
-            </a:r>
-            <a:endParaRPr lang="en-US" altLang="zh-CN" b="1" dirty="0"/>
-          </a:p>
-          <a:p>
-            <a:r>
-              <a:rPr lang="zh-CN" altLang="en-US" dirty="0"/>
-              <a:t>还有一个问题是到底应不应该做</a:t>
-            </a:r>
-            <a:r>
-              <a:rPr lang="en-US" altLang="zh-CN" dirty="0" err="1"/>
-              <a:t>onehot</a:t>
-            </a:r>
-            <a:r>
-              <a:rPr lang="zh-CN" altLang="en-US" dirty="0"/>
-              <a:t>？ </a:t>
-            </a:r>
-            <a:r>
-              <a:rPr lang="en-US" altLang="zh-CN" dirty="0" err="1"/>
-              <a:t>onehot</a:t>
-            </a:r>
-            <a:r>
-              <a:rPr lang="zh-CN" altLang="en-US" dirty="0"/>
-              <a:t>编码特征</a:t>
-            </a:r>
-            <a:r>
-              <a:rPr lang="en-US" altLang="zh-CN" dirty="0"/>
-              <a:t>(</a:t>
-            </a:r>
-            <a:r>
-              <a:rPr lang="zh-CN" altLang="en-US" dirty="0"/>
-              <a:t>如假期等</a:t>
-            </a:r>
-            <a:r>
-              <a:rPr lang="en-US" altLang="zh-CN" dirty="0"/>
-              <a:t>)</a:t>
-            </a:r>
-            <a:r>
-              <a:rPr lang="zh-CN" altLang="en-US" dirty="0"/>
-              <a:t>太过稀疏了，直接拿来用</a:t>
-            </a:r>
-            <a:r>
-              <a:rPr lang="en-US" altLang="zh-CN" dirty="0"/>
-              <a:t>tree based model</a:t>
-            </a:r>
-            <a:r>
-              <a:rPr lang="zh-CN" altLang="en-US" dirty="0"/>
-              <a:t>训练，在节点分裂的时候不一定会被看上。 所以准备在下次比赛时试试对</a:t>
-            </a:r>
-            <a:r>
-              <a:rPr lang="en-US" altLang="zh-CN" dirty="0" err="1"/>
-              <a:t>onehot</a:t>
-            </a:r>
-            <a:r>
-              <a:rPr lang="zh-CN" altLang="en-US" dirty="0"/>
-              <a:t>编码后结果先过个线性回归试试会不会好一点。大致思路如左图</a:t>
-            </a:r>
-          </a:p>
-        </p:txBody>
-      </p:sp>
-      <p:pic>
-        <p:nvPicPr>
-          <p:cNvPr id="1026" name="Picture 2" descr="onehot_lr.png"/>
-          <p:cNvPicPr>
-            <a:picLocks noChangeAspect="1" noChangeArrowheads="1"/>
-          </p:cNvPicPr>
-          <p:nvPr/>
-        </p:nvPicPr>
-        <p:blipFill>
-          <a:blip r:embed="rId3">
-            <a:extLst>
-              <a:ext uri="{28A0092B-C50C-407E-A947-70E740481C1C}">
-                <a14:useLocalDpi xmlns:a14="http://schemas.microsoft.com/office/drawing/2010/main" val="0"/>
-              </a:ext>
-            </a:extLst>
-          </a:blip>
-          <a:srcRect/>
-          <a:stretch>
-            <a:fillRect/>
-          </a:stretch>
-        </p:blipFill>
-        <p:spPr bwMode="auto">
-          <a:xfrm>
-            <a:off x="7214255" y="2763699"/>
-            <a:ext cx="3614436" cy="3008589"/>
-          </a:xfrm>
-          <a:prstGeom prst="rect">
-            <a:avLst/>
-          </a:prstGeom>
-          <a:noFill/>
-          <a:extLst>
-            <a:ext uri="{909E8E84-426E-40DD-AFC4-6F175D3DCCD1}">
-              <a14:hiddenFill xmlns:a14="http://schemas.microsoft.com/office/drawing/2010/main">
-                <a:solidFill>
-                  <a:srgbClr val="FFFFFF"/>
-                </a:solidFill>
-              </a14:hiddenFill>
-            </a:ext>
-          </a:extLst>
-        </p:spPr>
-      </p:pic>
-      <p:sp>
-        <p:nvSpPr>
-          <p:cNvPr id="8" name="文本框 7"/>
-          <p:cNvSpPr txBox="1"/>
-          <p:nvPr/>
-        </p:nvSpPr>
-        <p:spPr>
-          <a:xfrm>
-            <a:off x="352057" y="4583182"/>
-            <a:ext cx="6472075" cy="1477328"/>
-          </a:xfrm>
-          <a:prstGeom prst="rect">
-            <a:avLst/>
-          </a:prstGeom>
-          <a:noFill/>
-        </p:spPr>
-        <p:txBody>
-          <a:bodyPr wrap="square" rtlCol="0">
-            <a:spAutoFit/>
-          </a:bodyPr>
-          <a:lstStyle/>
-          <a:p>
-            <a:r>
-              <a:rPr lang="zh-CN" altLang="en-US" dirty="0"/>
-              <a:t>三、拉伸温度特征</a:t>
-            </a:r>
-            <a:endParaRPr lang="en-US" altLang="zh-CN" dirty="0"/>
-          </a:p>
-          <a:p>
-            <a:r>
-              <a:rPr lang="zh-CN" altLang="en-US" dirty="0"/>
-              <a:t>在实验的时候发现，模型对于温度特征的变化不是特别敏感，尤其是对高温和低温的情况下，电量变化的不明显。目前想到的一个解决方案就是对温度数据进行拉伸，高的温度越高，低的温度越低（也可以归一化后拉伸）</a:t>
-            </a:r>
-          </a:p>
-        </p:txBody>
-      </p:sp>
-    </p:spTree>
-    <p:extLst>
-      <p:ext uri="{BB962C8B-B14F-4D97-AF65-F5344CB8AC3E}">
-        <p14:creationId xmlns:p14="http://schemas.microsoft.com/office/powerpoint/2010/main" val="3910297533"/>
-      </p:ext>
-    </p:extLst>
-  </p:cSld>
-  <p:clrMapOvr>
-    <a:masterClrMapping/>
-  </p:clrMapOvr>
-</p:sld>
-</file>
-
-<file path=ppt/slides/slide25.xml><?xml version="1.0" encoding="utf-8"?>
-<p:sld xmlns:a="http://schemas.openxmlformats.org/drawingml/2006/main" xmlns:r="http://schemas.openxmlformats.org/officeDocument/2006/relationships" xmlns:p="http://schemas.openxmlformats.org/presentationml/2006/main">
-  <p:cSld>
-    <p:spTree>
-      <p:nvGrpSpPr>
-        <p:cNvPr id="1" name=""/>
-        <p:cNvGrpSpPr/>
-        <p:nvPr/>
-      </p:nvGrpSpPr>
-      <p:grpSpPr>
-        <a:xfrm>
-          <a:off x="0" y="0"/>
-          <a:ext cx="0" cy="0"/>
-          <a:chOff x="0" y="0"/>
-          <a:chExt cx="0" cy="0"/>
-        </a:xfrm>
-      </p:grpSpPr>
-      <p:sp>
-        <p:nvSpPr>
-          <p:cNvPr id="2" name="标题 1"/>
-          <p:cNvSpPr>
-            <a:spLocks noGrp="1"/>
-          </p:cNvSpPr>
-          <p:nvPr>
-            <p:ph type="title"/>
-          </p:nvPr>
-        </p:nvSpPr>
-        <p:spPr/>
-        <p:txBody>
-          <a:bodyPr/>
-          <a:lstStyle/>
-          <a:p>
-            <a:endParaRPr lang="zh-CN" altLang="en-US"/>
-          </a:p>
-        </p:txBody>
-      </p:sp>
-      <p:pic>
-        <p:nvPicPr>
-          <p:cNvPr id="4" name="内容占位符 3" descr="未标题-2.jpg"/>
-          <p:cNvPicPr>
-            <a:picLocks noGrp="1" noChangeAspect="1"/>
-          </p:cNvPicPr>
-          <p:nvPr>
-            <p:ph idx="1"/>
-          </p:nvPr>
-        </p:nvPicPr>
-        <p:blipFill>
-          <a:blip r:embed="rId2" cstate="print"/>
-          <a:stretch>
-            <a:fillRect/>
-          </a:stretch>
-        </p:blipFill>
-        <p:spPr>
-          <a:xfrm>
-            <a:off x="-1" y="0"/>
-            <a:ext cx="12193433" cy="6858000"/>
-          </a:xfrm>
-        </p:spPr>
-      </p:pic>
-      <p:sp>
-        <p:nvSpPr>
-          <p:cNvPr id="3" name="文本框 2">
-            <a:extLst>
-              <a:ext uri="{FF2B5EF4-FFF2-40B4-BE49-F238E27FC236}">
-                <a16:creationId xmlns:a16="http://schemas.microsoft.com/office/drawing/2014/main" id="{55BDC6D0-8EF4-4A90-AC24-A5BC14AC2AB6}"/>
-              </a:ext>
-            </a:extLst>
-          </p:cNvPr>
-          <p:cNvSpPr txBox="1"/>
-          <p:nvPr/>
-        </p:nvSpPr>
-        <p:spPr>
-          <a:xfrm>
-            <a:off x="4464784" y="288984"/>
-            <a:ext cx="3262432" cy="707886"/>
-          </a:xfrm>
-          <a:prstGeom prst="rect">
-            <a:avLst/>
-          </a:prstGeom>
-          <a:noFill/>
-        </p:spPr>
-        <p:txBody>
-          <a:bodyPr wrap="none" rtlCol="0">
-            <a:spAutoFit/>
-          </a:bodyPr>
-          <a:lstStyle/>
-          <a:p>
-            <a:r>
-              <a:rPr lang="zh-CN" altLang="en-US" sz="4000" b="1" dirty="0">
-                <a:solidFill>
-                  <a:schemeClr val="accent1">
-                    <a:lumMod val="50000"/>
-                  </a:schemeClr>
-                </a:solidFill>
-                <a:latin typeface="微软雅黑" panose="020B0503020204020204" pitchFamily="34" charset="-122"/>
-                <a:ea typeface="微软雅黑" panose="020B0503020204020204" pitchFamily="34" charset="-122"/>
-              </a:rPr>
-              <a:t>其他数据分析</a:t>
-            </a:r>
-          </a:p>
-        </p:txBody>
-      </p:sp>
-    </p:spTree>
-    <p:extLst>
-      <p:ext uri="{BB962C8B-B14F-4D97-AF65-F5344CB8AC3E}">
-        <p14:creationId xmlns:p14="http://schemas.microsoft.com/office/powerpoint/2010/main" val="3458654549"/>
-      </p:ext>
-    </p:extLst>
-  </p:cSld>
-  <p:clrMapOvr>
-    <a:masterClrMapping/>
-  </p:clrMapOvr>
-</p:sld>
-</file>
-
-<file path=ppt/slides/slide26.xml><?xml version="1.0" encoding="utf-8"?>
-<p:sld xmlns:a="http://schemas.openxmlformats.org/drawingml/2006/main" xmlns:r="http://schemas.openxmlformats.org/officeDocument/2006/relationships" xmlns:p="http://schemas.openxmlformats.org/presentationml/2006/main">
-  <p:cSld>
-    <p:spTree>
-      <p:nvGrpSpPr>
-        <p:cNvPr id="1" name=""/>
-        <p:cNvGrpSpPr/>
-        <p:nvPr/>
-      </p:nvGrpSpPr>
-      <p:grpSpPr>
-        <a:xfrm>
-          <a:off x="0" y="0"/>
-          <a:ext cx="0" cy="0"/>
-          <a:chOff x="0" y="0"/>
-          <a:chExt cx="0" cy="0"/>
-        </a:xfrm>
-      </p:grpSpPr>
-      <p:sp>
-        <p:nvSpPr>
-          <p:cNvPr id="2" name="标题 1"/>
-          <p:cNvSpPr>
-            <a:spLocks noGrp="1"/>
-          </p:cNvSpPr>
-          <p:nvPr>
-            <p:ph type="title"/>
-          </p:nvPr>
-        </p:nvSpPr>
-        <p:spPr/>
-        <p:txBody>
-          <a:bodyPr/>
-          <a:lstStyle/>
-          <a:p>
-            <a:endParaRPr lang="zh-CN" altLang="en-US"/>
-          </a:p>
-        </p:txBody>
-      </p:sp>
-      <p:pic>
-        <p:nvPicPr>
-          <p:cNvPr id="4" name="内容占位符 3" descr="未标题-2.jpg"/>
-          <p:cNvPicPr>
-            <a:picLocks noGrp="1" noChangeAspect="1"/>
-          </p:cNvPicPr>
-          <p:nvPr>
-            <p:ph idx="1"/>
-          </p:nvPr>
-        </p:nvPicPr>
-        <p:blipFill>
-          <a:blip r:embed="rId2" cstate="print"/>
-          <a:stretch>
-            <a:fillRect/>
-          </a:stretch>
-        </p:blipFill>
-        <p:spPr>
-          <a:xfrm>
-            <a:off x="-1" y="0"/>
-            <a:ext cx="12193433" cy="6858000"/>
-          </a:xfrm>
-        </p:spPr>
-      </p:pic>
-      <p:sp>
-        <p:nvSpPr>
-          <p:cNvPr id="3" name="文本框 2">
-            <a:extLst>
-              <a:ext uri="{FF2B5EF4-FFF2-40B4-BE49-F238E27FC236}">
-                <a16:creationId xmlns:a16="http://schemas.microsoft.com/office/drawing/2014/main" id="{55BDC6D0-8EF4-4A90-AC24-A5BC14AC2AB6}"/>
-              </a:ext>
-            </a:extLst>
-          </p:cNvPr>
-          <p:cNvSpPr txBox="1"/>
-          <p:nvPr/>
-        </p:nvSpPr>
-        <p:spPr>
-          <a:xfrm>
-            <a:off x="5490706" y="365125"/>
-            <a:ext cx="1210588" cy="707886"/>
-          </a:xfrm>
-          <a:prstGeom prst="rect">
-            <a:avLst/>
-          </a:prstGeom>
-          <a:noFill/>
-        </p:spPr>
-        <p:txBody>
-          <a:bodyPr wrap="none" rtlCol="0">
-            <a:spAutoFit/>
-          </a:bodyPr>
-          <a:lstStyle/>
-          <a:p>
-            <a:r>
-              <a:rPr lang="zh-CN" altLang="en-US" sz="4000" b="1" dirty="0">
-                <a:solidFill>
-                  <a:schemeClr val="accent1">
-                    <a:lumMod val="50000"/>
-                  </a:schemeClr>
-                </a:solidFill>
-                <a:latin typeface="微软雅黑" panose="020B0503020204020204" pitchFamily="34" charset="-122"/>
-                <a:ea typeface="微软雅黑" panose="020B0503020204020204" pitchFamily="34" charset="-122"/>
-              </a:rPr>
-              <a:t>总结</a:t>
-            </a:r>
-          </a:p>
-        </p:txBody>
-      </p:sp>
-      <p:sp>
-        <p:nvSpPr>
-          <p:cNvPr id="5" name="文本框 4"/>
-          <p:cNvSpPr txBox="1"/>
-          <p:nvPr/>
-        </p:nvSpPr>
-        <p:spPr>
-          <a:xfrm>
-            <a:off x="1890529" y="1827603"/>
-            <a:ext cx="8261005" cy="2308324"/>
+            <a:off x="2570791" y="1827603"/>
+            <a:ext cx="8261005" cy="3139321"/>
           </a:xfrm>
           <a:prstGeom prst="rect">
             <a:avLst/>
@@ -49435,7 +49332,68 @@
             </a:pPr>
             <a:r>
               <a:rPr lang="zh-CN" altLang="en-US" dirty="0"/>
-              <a:t>首先对数据的分析还不够多，过于重视模型的搭建。</a:t>
+              <a:t>方案优点</a:t>
+            </a:r>
+            <a:endParaRPr lang="en-US" altLang="zh-CN" dirty="0"/>
+          </a:p>
+          <a:p>
+            <a:pPr marL="742950" lvl="1" indent="-285750">
+              <a:buFont typeface="Arial" panose="020B0604020202020204" pitchFamily="34" charset="0"/>
+              <a:buChar char="•"/>
+            </a:pPr>
+            <a:r>
+              <a:rPr lang="zh-CN" altLang="en-US" dirty="0"/>
+              <a:t>无需对店家进行精细化分析。</a:t>
+            </a:r>
+            <a:endParaRPr lang="en-US" altLang="zh-CN" dirty="0"/>
+          </a:p>
+          <a:p>
+            <a:pPr marL="742950" lvl="1" indent="-285750">
+              <a:buFont typeface="Arial" panose="020B0604020202020204" pitchFamily="34" charset="0"/>
+              <a:buChar char="•"/>
+            </a:pPr>
+            <a:r>
+              <a:rPr lang="zh-CN" altLang="en-US" dirty="0"/>
+              <a:t>采用模型融合等策略提高预测效果。</a:t>
+            </a:r>
+          </a:p>
+          <a:p>
+            <a:pPr marL="742950" lvl="1" indent="-285750">
+              <a:buFont typeface="Arial" panose="020B0604020202020204" pitchFamily="34" charset="0"/>
+              <a:buChar char="•"/>
+            </a:pPr>
+            <a:endParaRPr lang="en-US" altLang="zh-CN" dirty="0"/>
+          </a:p>
+          <a:p>
+            <a:pPr marL="285750" indent="-285750">
+              <a:buFont typeface="Arial" panose="020B0604020202020204" pitchFamily="34" charset="0"/>
+              <a:buChar char="•"/>
+            </a:pPr>
+            <a:r>
+              <a:rPr lang="zh-CN" altLang="en-US" dirty="0"/>
+              <a:t>改进点</a:t>
+            </a:r>
+            <a:endParaRPr lang="en-US" altLang="zh-CN" dirty="0"/>
+          </a:p>
+          <a:p>
+            <a:pPr marL="742950" lvl="1" indent="-285750">
+              <a:buFont typeface="Arial" panose="020B0604020202020204" pitchFamily="34" charset="0"/>
+              <a:buChar char="•"/>
+            </a:pPr>
+            <a:r>
+              <a:rPr lang="zh-CN" altLang="en-US" dirty="0"/>
+              <a:t>过度重视模型的搭建，忽视了对数据的分析。</a:t>
+            </a:r>
+            <a:endParaRPr lang="en-US" altLang="zh-CN" dirty="0"/>
+          </a:p>
+          <a:p>
+            <a:pPr marL="742950" lvl="1" indent="-285750">
+              <a:buFont typeface="Arial" panose="020B0604020202020204" pitchFamily="34" charset="0"/>
+              <a:buChar char="•"/>
+            </a:pPr>
+            <a:r>
+              <a:rPr lang="zh-CN" altLang="en-US" dirty="0"/>
+              <a:t>对平台不熟悉。</a:t>
             </a:r>
             <a:endParaRPr lang="en-US" altLang="zh-CN" dirty="0"/>
           </a:p>
@@ -49446,57 +49404,27 @@
             </a:pPr>
             <a:r>
               <a:rPr lang="zh-CN" altLang="en-US" dirty="0"/>
-              <a:t>第一次参加平台赛，对平台并不是很熟悉，甚至连</a:t>
-            </a:r>
-            <a:r>
-              <a:rPr lang="en-US" altLang="zh-CN" dirty="0"/>
-              <a:t>IDE</a:t>
-            </a:r>
-            <a:r>
-              <a:rPr lang="zh-CN" altLang="en-US" dirty="0"/>
-              <a:t>调用</a:t>
-            </a:r>
-            <a:r>
-              <a:rPr lang="en-US" altLang="zh-CN" dirty="0"/>
-              <a:t>PAI</a:t>
-            </a:r>
-            <a:r>
-              <a:rPr lang="zh-CN" altLang="en-US" dirty="0"/>
-              <a:t>训练模型都不知道，做了大量无意义的操作。</a:t>
+              <a:t>展望</a:t>
             </a:r>
             <a:endParaRPr lang="en-US" altLang="zh-CN" dirty="0"/>
           </a:p>
           <a:p>
-            <a:pPr marL="285750" indent="-285750">
+            <a:pPr marL="742950" lvl="1" indent="-285750">
               <a:buFont typeface="Arial" panose="020B0604020202020204" pitchFamily="34" charset="0"/>
               <a:buChar char="•"/>
             </a:pPr>
             <a:r>
               <a:rPr lang="zh-CN" altLang="en-US" dirty="0"/>
-              <a:t>线下的聚类操作前，应该更全面的去分析企业用电规律，而不是单纯的套用算法进行聚类。</a:t>
+              <a:t>通过温度或节假日相关性聚类。</a:t>
             </a:r>
             <a:endParaRPr lang="en-US" altLang="zh-CN" dirty="0"/>
           </a:p>
           <a:p>
-            <a:pPr marL="285750" indent="-285750">
+            <a:pPr marL="742950" lvl="1" indent="-285750">
               <a:buFont typeface="Arial" panose="020B0604020202020204" pitchFamily="34" charset="0"/>
               <a:buChar char="•"/>
             </a:pPr>
-            <a:r>
-              <a:rPr lang="zh-CN" altLang="en-US" dirty="0"/>
-              <a:t>训练过程中发现温度等特征重要性过低，但是并没有去针对性的调整特征。</a:t>
-            </a:r>
             <a:endParaRPr lang="en-US" altLang="zh-CN" dirty="0"/>
-          </a:p>
-          <a:p>
-            <a:pPr marL="285750" indent="-285750">
-              <a:buFont typeface="Arial" panose="020B0604020202020204" pitchFamily="34" charset="0"/>
-              <a:buChar char="•"/>
-            </a:pPr>
-            <a:r>
-              <a:rPr lang="zh-CN" altLang="en-US" dirty="0"/>
-              <a:t>采用模型融合等策略提高模型的复杂度确实能够帮助训练效果的提升</a:t>
-            </a:r>
           </a:p>
         </p:txBody>
       </p:sp>
@@ -49513,7 +49441,7 @@
 </p:sld>
 </file>
 
-<file path=ppt/slides/slide27.xml><?xml version="1.0" encoding="utf-8"?>
+<file path=ppt/slides/slide25.xml><?xml version="1.0" encoding="utf-8"?>
 <p:sld xmlns:a="http://schemas.openxmlformats.org/drawingml/2006/main" xmlns:r="http://schemas.openxmlformats.org/officeDocument/2006/relationships" xmlns:p="http://schemas.openxmlformats.org/presentationml/2006/main">
   <p:cSld>
     <p:spTree>
@@ -50491,7 +50419,7 @@
           </p:nvPr>
         </p:nvPicPr>
         <p:blipFill>
-          <a:blip r:embed="rId2" cstate="print"/>
+          <a:blip r:embed="rId3" cstate="print"/>
           <a:stretch>
             <a:fillRect/>
           </a:stretch>
@@ -50517,8 +50445,8 @@
         </p:nvSpPr>
         <p:spPr>
           <a:xfrm>
-            <a:off x="4977745" y="365125"/>
-            <a:ext cx="2236510" cy="707886"/>
+            <a:off x="4977745" y="207790"/>
+            <a:ext cx="3570208" cy="1015663"/>
           </a:xfrm>
           <a:prstGeom prst="rect">
             <a:avLst/>
@@ -50543,6 +50471,50 @@
               </a:rPr>
               <a:t>数据分析</a:t>
             </a:r>
+            <a:endParaRPr lang="en-US" altLang="zh-CN" sz="4000" b="1" dirty="0">
+              <a:solidFill>
+                <a:schemeClr val="accent1">
+                  <a:lumMod val="50000"/>
+                </a:schemeClr>
+              </a:solidFill>
+              <a:latin typeface="微软雅黑" panose="020B0503020204020204" pitchFamily="34" charset="-122"/>
+              <a:ea typeface="微软雅黑" panose="020B0503020204020204" pitchFamily="34" charset="-122"/>
+            </a:endParaRPr>
+          </a:p>
+          <a:p>
+            <a:r>
+              <a:rPr lang="en-US" altLang="zh-CN" sz="2000" b="1" dirty="0">
+                <a:solidFill>
+                  <a:srgbClr val="5B9BD5">
+                    <a:lumMod val="50000"/>
+                  </a:srgbClr>
+                </a:solidFill>
+                <a:latin typeface="微软雅黑" panose="020B0503020204020204" pitchFamily="34" charset="-122"/>
+                <a:ea typeface="微软雅黑" panose="020B0503020204020204" pitchFamily="34" charset="-122"/>
+              </a:rPr>
+              <a:t>		</a:t>
+            </a:r>
+            <a:r>
+              <a:rPr lang="zh-CN" altLang="en-US" sz="2000" b="1" dirty="0">
+                <a:solidFill>
+                  <a:srgbClr val="5B9BD5">
+                    <a:lumMod val="50000"/>
+                  </a:srgbClr>
+                </a:solidFill>
+                <a:latin typeface="微软雅黑" panose="020B0503020204020204" pitchFamily="34" charset="-122"/>
+                <a:ea typeface="微软雅黑" panose="020B0503020204020204" pitchFamily="34" charset="-122"/>
+              </a:rPr>
+              <a:t>企业电量统计</a:t>
+            </a:r>
+            <a:endParaRPr lang="zh-CN" altLang="en-US" sz="4000" b="1" dirty="0">
+              <a:solidFill>
+                <a:schemeClr val="accent1">
+                  <a:lumMod val="50000"/>
+                </a:schemeClr>
+              </a:solidFill>
+              <a:latin typeface="微软雅黑" panose="020B0503020204020204" pitchFamily="34" charset="-122"/>
+              <a:ea typeface="微软雅黑" panose="020B0503020204020204" pitchFamily="34" charset="-122"/>
+            </a:endParaRPr>
           </a:p>
         </p:txBody>
       </p:sp>
@@ -50566,7 +50538,7 @@
         </p:xfrm>
         <a:graphic>
           <a:graphicData uri="http://schemas.openxmlformats.org/drawingml/2006/chart">
-            <c:chart xmlns:c="http://schemas.openxmlformats.org/drawingml/2006/chart" xmlns:r="http://schemas.openxmlformats.org/officeDocument/2006/relationships" r:id="rId3"/>
+            <c:chart xmlns:c="http://schemas.openxmlformats.org/drawingml/2006/chart" xmlns:r="http://schemas.openxmlformats.org/officeDocument/2006/relationships" r:id="rId4"/>
           </a:graphicData>
         </a:graphic>
       </p:graphicFrame>
@@ -50590,7 +50562,7 @@
         </p:xfrm>
         <a:graphic>
           <a:graphicData uri="http://schemas.openxmlformats.org/drawingml/2006/chart">
-            <c:chart xmlns:c="http://schemas.openxmlformats.org/drawingml/2006/chart" xmlns:r="http://schemas.openxmlformats.org/officeDocument/2006/relationships" r:id="rId4"/>
+            <c:chart xmlns:c="http://schemas.openxmlformats.org/drawingml/2006/chart" xmlns:r="http://schemas.openxmlformats.org/officeDocument/2006/relationships" r:id="rId5"/>
           </a:graphicData>
         </a:graphic>
       </p:graphicFrame>
@@ -50701,50 +50673,6 @@
           </a:xfrm>
         </p:spPr>
       </p:pic>
-      <p:sp>
-        <p:nvSpPr>
-          <p:cNvPr id="3" name="文本框 2">
-            <a:extLst>
-              <a:ext uri="{FF2B5EF4-FFF2-40B4-BE49-F238E27FC236}">
-                <a16:creationId xmlns:a16="http://schemas.microsoft.com/office/drawing/2014/main" id="{55BDC6D0-8EF4-4A90-AC24-A5BC14AC2AB6}"/>
-              </a:ext>
-            </a:extLst>
-          </p:cNvPr>
-          <p:cNvSpPr txBox="1"/>
-          <p:nvPr/>
-        </p:nvSpPr>
-        <p:spPr>
-          <a:xfrm>
-            <a:off x="4208303" y="292292"/>
-            <a:ext cx="3775393" cy="707886"/>
-          </a:xfrm>
-          <a:prstGeom prst="rect">
-            <a:avLst/>
-          </a:prstGeom>
-          <a:noFill/>
-        </p:spPr>
-        <p:txBody>
-          <a:bodyPr wrap="none" rtlCol="0">
-            <a:spAutoFit/>
-          </a:bodyPr>
-          <a:lstStyle/>
-          <a:p>
-            <a:pPr algn="ctr"/>
-            <a:r>
-              <a:rPr lang="zh-CN" altLang="en-US" sz="4000" b="1" dirty="0">
-                <a:solidFill>
-                  <a:schemeClr val="accent1">
-                    <a:lumMod val="50000"/>
-                  </a:schemeClr>
-                </a:solidFill>
-                <a:latin typeface="微软雅黑" panose="020B0503020204020204" pitchFamily="34" charset="-122"/>
-                <a:ea typeface="微软雅黑" panose="020B0503020204020204" pitchFamily="34" charset="-122"/>
-              </a:rPr>
-              <a:t>节假日电量消耗</a:t>
-            </a:r>
-          </a:p>
-        </p:txBody>
-      </p:sp>
       <p:graphicFrame>
         <p:nvGraphicFramePr>
           <p:cNvPr id="9" name="图表 8">
@@ -50793,6 +50721,95 @@
           </a:graphicData>
         </a:graphic>
       </p:graphicFrame>
+      <p:sp>
+        <p:nvSpPr>
+          <p:cNvPr id="7" name="文本框 6">
+            <a:extLst>
+              <a:ext uri="{FF2B5EF4-FFF2-40B4-BE49-F238E27FC236}">
+                <a16:creationId xmlns:a16="http://schemas.microsoft.com/office/drawing/2014/main" id="{99154430-8CE0-4716-A87D-B004C2F94EE1}"/>
+              </a:ext>
+            </a:extLst>
+          </p:cNvPr>
+          <p:cNvSpPr txBox="1"/>
+          <p:nvPr/>
+        </p:nvSpPr>
+        <p:spPr>
+          <a:xfrm>
+            <a:off x="4977745" y="207790"/>
+            <a:ext cx="3826689" cy="1631216"/>
+          </a:xfrm>
+          <a:prstGeom prst="rect">
+            <a:avLst/>
+          </a:prstGeom>
+          <a:noFill/>
+        </p:spPr>
+        <p:txBody>
+          <a:bodyPr wrap="none" rtlCol="0">
+            <a:spAutoFit/>
+          </a:bodyPr>
+          <a:lstStyle/>
+          <a:p>
+            <a:r>
+              <a:rPr lang="zh-CN" altLang="en-US" sz="4000" b="1" dirty="0">
+                <a:solidFill>
+                  <a:schemeClr val="accent1">
+                    <a:lumMod val="50000"/>
+                  </a:schemeClr>
+                </a:solidFill>
+                <a:latin typeface="微软雅黑" panose="020B0503020204020204" pitchFamily="34" charset="-122"/>
+                <a:ea typeface="微软雅黑" panose="020B0503020204020204" pitchFamily="34" charset="-122"/>
+              </a:rPr>
+              <a:t>数据分析</a:t>
+            </a:r>
+            <a:endParaRPr lang="en-US" altLang="zh-CN" sz="4000" b="1" dirty="0">
+              <a:solidFill>
+                <a:schemeClr val="accent1">
+                  <a:lumMod val="50000"/>
+                </a:schemeClr>
+              </a:solidFill>
+              <a:latin typeface="微软雅黑" panose="020B0503020204020204" pitchFamily="34" charset="-122"/>
+              <a:ea typeface="微软雅黑" panose="020B0503020204020204" pitchFamily="34" charset="-122"/>
+            </a:endParaRPr>
+          </a:p>
+          <a:p>
+            <a:r>
+              <a:rPr lang="en-US" altLang="zh-CN" sz="2000" b="1" dirty="0">
+                <a:solidFill>
+                  <a:srgbClr val="5B9BD5">
+                    <a:lumMod val="50000"/>
+                  </a:srgbClr>
+                </a:solidFill>
+                <a:latin typeface="微软雅黑" panose="020B0503020204020204" pitchFamily="34" charset="-122"/>
+                <a:ea typeface="微软雅黑" panose="020B0503020204020204" pitchFamily="34" charset="-122"/>
+              </a:rPr>
+              <a:t>		</a:t>
+            </a:r>
+            <a:r>
+              <a:rPr lang="zh-CN" altLang="en-US" sz="2000" b="1" dirty="0">
+                <a:solidFill>
+                  <a:srgbClr val="5B9BD5">
+                    <a:lumMod val="50000"/>
+                  </a:srgbClr>
+                </a:solidFill>
+                <a:latin typeface="微软雅黑" panose="020B0503020204020204" pitchFamily="34" charset="-122"/>
+                <a:ea typeface="微软雅黑" panose="020B0503020204020204" pitchFamily="34" charset="-122"/>
+              </a:rPr>
+              <a:t>节假日电量消耗</a:t>
+            </a:r>
+          </a:p>
+          <a:p>
+            <a:endParaRPr lang="zh-CN" altLang="en-US" sz="4000" b="1" dirty="0">
+              <a:solidFill>
+                <a:schemeClr val="accent1">
+                  <a:lumMod val="50000"/>
+                </a:schemeClr>
+              </a:solidFill>
+              <a:latin typeface="微软雅黑" panose="020B0503020204020204" pitchFamily="34" charset="-122"/>
+              <a:ea typeface="微软雅黑" panose="020B0503020204020204" pitchFamily="34" charset="-122"/>
+            </a:endParaRPr>
+          </a:p>
+        </p:txBody>
+      </p:sp>
     </p:spTree>
     <p:extLst>
       <p:ext uri="{BB962C8B-B14F-4D97-AF65-F5344CB8AC3E}">
@@ -50865,12 +50882,64 @@
           </a:xfrm>
         </p:spPr>
       </p:pic>
+      <p:graphicFrame>
+        <p:nvGraphicFramePr>
+          <p:cNvPr id="8" name="图表 7">
+            <a:extLst>
+              <a:ext uri="{FF2B5EF4-FFF2-40B4-BE49-F238E27FC236}">
+                <a16:creationId xmlns:a16="http://schemas.microsoft.com/office/drawing/2014/main" id="{BAAC4A5C-9D92-4EE4-8231-E4EF9C9A0753}"/>
+              </a:ext>
+            </a:extLst>
+          </p:cNvPr>
+          <p:cNvGraphicFramePr>
+            <a:graphicFrameLocks/>
+          </p:cNvGraphicFramePr>
+          <p:nvPr>
+            <p:extLst/>
+          </p:nvPr>
+        </p:nvGraphicFramePr>
+        <p:xfrm>
+          <a:off x="5826175" y="1528997"/>
+          <a:ext cx="5257801" cy="3308019"/>
+        </p:xfrm>
+        <a:graphic>
+          <a:graphicData uri="http://schemas.openxmlformats.org/drawingml/2006/chart">
+            <c:chart xmlns:c="http://schemas.openxmlformats.org/drawingml/2006/chart" xmlns:r="http://schemas.openxmlformats.org/officeDocument/2006/relationships" r:id="rId4"/>
+          </a:graphicData>
+        </a:graphic>
+      </p:graphicFrame>
+      <p:graphicFrame>
+        <p:nvGraphicFramePr>
+          <p:cNvPr id="9" name="图表 8">
+            <a:extLst>
+              <a:ext uri="{FF2B5EF4-FFF2-40B4-BE49-F238E27FC236}">
+                <a16:creationId xmlns:a16="http://schemas.microsoft.com/office/drawing/2014/main" id="{BE423245-0CDC-446F-B3E4-DCF0727B1687}"/>
+              </a:ext>
+            </a:extLst>
+          </p:cNvPr>
+          <p:cNvGraphicFramePr>
+            <a:graphicFrameLocks/>
+          </p:cNvGraphicFramePr>
+          <p:nvPr>
+            <p:extLst/>
+          </p:nvPr>
+        </p:nvGraphicFramePr>
+        <p:xfrm>
+          <a:off x="370379" y="1523679"/>
+          <a:ext cx="5320883" cy="3108529"/>
+        </p:xfrm>
+        <a:graphic>
+          <a:graphicData uri="http://schemas.openxmlformats.org/drawingml/2006/chart">
+            <c:chart xmlns:c="http://schemas.openxmlformats.org/drawingml/2006/chart" xmlns:r="http://schemas.openxmlformats.org/officeDocument/2006/relationships" r:id="rId5"/>
+          </a:graphicData>
+        </a:graphic>
+      </p:graphicFrame>
       <p:sp>
         <p:nvSpPr>
-          <p:cNvPr id="3" name="文本框 2">
+          <p:cNvPr id="7" name="文本框 6">
             <a:extLst>
               <a:ext uri="{FF2B5EF4-FFF2-40B4-BE49-F238E27FC236}">
-                <a16:creationId xmlns:a16="http://schemas.microsoft.com/office/drawing/2014/main" id="{55BDC6D0-8EF4-4A90-AC24-A5BC14AC2AB6}"/>
+                <a16:creationId xmlns:a16="http://schemas.microsoft.com/office/drawing/2014/main" id="{173C796E-8B5F-45A4-9AB2-703B1022418F}"/>
               </a:ext>
             </a:extLst>
           </p:cNvPr>
@@ -50879,8 +50948,8 @@
         </p:nvSpPr>
         <p:spPr>
           <a:xfrm>
-            <a:off x="3951823" y="292292"/>
-            <a:ext cx="4288353" cy="707886"/>
+            <a:off x="4977745" y="207790"/>
+            <a:ext cx="4083169" cy="1631216"/>
           </a:xfrm>
           <a:prstGeom prst="rect">
             <a:avLst/>
@@ -50893,7 +50962,6 @@
           </a:bodyPr>
           <a:lstStyle/>
           <a:p>
-            <a:pPr algn="ctr"/>
             <a:r>
               <a:rPr lang="zh-CN" altLang="en-US" sz="4000" b="1" dirty="0">
                 <a:solidFill>
@@ -50904,59 +50972,57 @@
                 <a:latin typeface="微软雅黑" panose="020B0503020204020204" pitchFamily="34" charset="-122"/>
                 <a:ea typeface="微软雅黑" panose="020B0503020204020204" pitchFamily="34" charset="-122"/>
               </a:rPr>
+              <a:t>数据分析</a:t>
+            </a:r>
+            <a:endParaRPr lang="en-US" altLang="zh-CN" sz="4000" b="1" dirty="0">
+              <a:solidFill>
+                <a:schemeClr val="accent1">
+                  <a:lumMod val="50000"/>
+                </a:schemeClr>
+              </a:solidFill>
+              <a:latin typeface="微软雅黑" panose="020B0503020204020204" pitchFamily="34" charset="-122"/>
+              <a:ea typeface="微软雅黑" panose="020B0503020204020204" pitchFamily="34" charset="-122"/>
+            </a:endParaRPr>
+          </a:p>
+          <a:p>
+            <a:r>
+              <a:rPr lang="en-US" altLang="zh-CN" sz="2000" b="1" dirty="0">
+                <a:solidFill>
+                  <a:srgbClr val="5B9BD5">
+                    <a:lumMod val="50000"/>
+                  </a:srgbClr>
+                </a:solidFill>
+                <a:latin typeface="微软雅黑" panose="020B0503020204020204" pitchFamily="34" charset="-122"/>
+                <a:ea typeface="微软雅黑" panose="020B0503020204020204" pitchFamily="34" charset="-122"/>
+              </a:rPr>
+              <a:t>		</a:t>
+            </a:r>
+            <a:r>
+              <a:rPr lang="zh-CN" altLang="en-US" sz="2000" b="1" dirty="0">
+                <a:solidFill>
+                  <a:srgbClr val="5B9BD5">
+                    <a:lumMod val="50000"/>
+                  </a:srgbClr>
+                </a:solidFill>
+                <a:latin typeface="微软雅黑" panose="020B0503020204020204" pitchFamily="34" charset="-122"/>
+                <a:ea typeface="微软雅黑" panose="020B0503020204020204" pitchFamily="34" charset="-122"/>
+              </a:rPr>
               <a:t>气候对电量的影响</a:t>
             </a:r>
           </a:p>
+          <a:p>
+            <a:endParaRPr lang="zh-CN" altLang="en-US" sz="4000" b="1" dirty="0">
+              <a:solidFill>
+                <a:schemeClr val="accent1">
+                  <a:lumMod val="50000"/>
+                </a:schemeClr>
+              </a:solidFill>
+              <a:latin typeface="微软雅黑" panose="020B0503020204020204" pitchFamily="34" charset="-122"/>
+              <a:ea typeface="微软雅黑" panose="020B0503020204020204" pitchFamily="34" charset="-122"/>
+            </a:endParaRPr>
+          </a:p>
         </p:txBody>
       </p:sp>
-      <p:graphicFrame>
-        <p:nvGraphicFramePr>
-          <p:cNvPr id="11" name="图表 10">
-            <a:extLst>
-              <a:ext uri="{FF2B5EF4-FFF2-40B4-BE49-F238E27FC236}">
-                <a16:creationId xmlns:a16="http://schemas.microsoft.com/office/drawing/2014/main" id="{E748AF15-6D14-48BF-A754-75727CE5D3BB}"/>
-              </a:ext>
-            </a:extLst>
-          </p:cNvPr>
-          <p:cNvGraphicFramePr>
-            <a:graphicFrameLocks/>
-          </p:cNvGraphicFramePr>
-          <p:nvPr/>
-        </p:nvGraphicFramePr>
-        <p:xfrm>
-          <a:off x="5943601" y="1292470"/>
-          <a:ext cx="5571686" cy="3200720"/>
-        </p:xfrm>
-        <a:graphic>
-          <a:graphicData uri="http://schemas.openxmlformats.org/drawingml/2006/chart">
-            <c:chart xmlns:c="http://schemas.openxmlformats.org/drawingml/2006/chart" xmlns:r="http://schemas.openxmlformats.org/officeDocument/2006/relationships" r:id="rId4"/>
-          </a:graphicData>
-        </a:graphic>
-      </p:graphicFrame>
-      <p:graphicFrame>
-        <p:nvGraphicFramePr>
-          <p:cNvPr id="12" name="图表 11">
-            <a:extLst>
-              <a:ext uri="{FF2B5EF4-FFF2-40B4-BE49-F238E27FC236}">
-                <a16:creationId xmlns:a16="http://schemas.microsoft.com/office/drawing/2014/main" id="{28C613CC-93D9-41E3-8B1E-5E4C477F5354}"/>
-              </a:ext>
-            </a:extLst>
-          </p:cNvPr>
-          <p:cNvGraphicFramePr>
-            <a:graphicFrameLocks/>
-          </p:cNvGraphicFramePr>
-          <p:nvPr/>
-        </p:nvGraphicFramePr>
-        <p:xfrm>
-          <a:off x="838199" y="1365303"/>
-          <a:ext cx="4810433" cy="3127887"/>
-        </p:xfrm>
-        <a:graphic>
-          <a:graphicData uri="http://schemas.openxmlformats.org/drawingml/2006/chart">
-            <c:chart xmlns:c="http://schemas.openxmlformats.org/drawingml/2006/chart" xmlns:r="http://schemas.openxmlformats.org/officeDocument/2006/relationships" r:id="rId5"/>
-          </a:graphicData>
-        </a:graphic>
-      </p:graphicFrame>
     </p:spTree>
     <p:extLst>
       <p:ext uri="{BB962C8B-B14F-4D97-AF65-F5344CB8AC3E}">
@@ -51279,7 +51345,7 @@
         <p:spPr>
           <a:xfrm>
             <a:off x="4948837" y="357717"/>
-            <a:ext cx="2236510" cy="707886"/>
+            <a:ext cx="3826689" cy="1323439"/>
           </a:xfrm>
           <a:prstGeom prst="rect">
             <a:avLst/>
@@ -51304,40 +51370,50 @@
               </a:rPr>
               <a:t>数据清洗</a:t>
             </a:r>
+            <a:endParaRPr lang="en-US" altLang="zh-CN" sz="4000" b="1" dirty="0">
+              <a:solidFill>
+                <a:schemeClr val="accent1">
+                  <a:lumMod val="50000"/>
+                </a:schemeClr>
+              </a:solidFill>
+              <a:latin typeface="微软雅黑" panose="020B0503020204020204" pitchFamily="34" charset="-122"/>
+              <a:ea typeface="微软雅黑" panose="020B0503020204020204" pitchFamily="34" charset="-122"/>
+            </a:endParaRPr>
           </a:p>
-        </p:txBody>
-      </p:sp>
-      <p:sp>
-        <p:nvSpPr>
-          <p:cNvPr id="5" name="矩形 4">
-            <a:extLst>
-              <a:ext uri="{FF2B5EF4-FFF2-40B4-BE49-F238E27FC236}">
-                <a16:creationId xmlns:a16="http://schemas.microsoft.com/office/drawing/2014/main" id="{6FD9DE66-0658-4873-92A1-3AC36A4E5C38}"/>
-              </a:ext>
-            </a:extLst>
-          </p:cNvPr>
-          <p:cNvSpPr/>
-          <p:nvPr/>
-        </p:nvSpPr>
-        <p:spPr>
-          <a:xfrm>
-            <a:off x="2186533" y="1903790"/>
-            <a:ext cx="1800493" cy="369332"/>
-          </a:xfrm>
-          <a:prstGeom prst="rect">
-            <a:avLst/>
-          </a:prstGeom>
-        </p:spPr>
-        <p:txBody>
-          <a:bodyPr wrap="none">
-            <a:spAutoFit/>
-          </a:bodyPr>
-          <a:lstStyle/>
           <a:p>
             <a:r>
-              <a:rPr lang="zh-CN" altLang="en-US" dirty="0"/>
-              <a:t>删除低耗电商家</a:t>
+              <a:rPr lang="en-US" altLang="zh-CN" sz="4000" b="1" dirty="0">
+                <a:solidFill>
+                  <a:schemeClr val="accent1">
+                    <a:lumMod val="50000"/>
+                  </a:schemeClr>
+                </a:solidFill>
+                <a:latin typeface="微软雅黑" panose="020B0503020204020204" pitchFamily="34" charset="-122"/>
+                <a:ea typeface="微软雅黑" panose="020B0503020204020204" pitchFamily="34" charset="-122"/>
+              </a:rPr>
+              <a:t>		</a:t>
             </a:r>
+            <a:r>
+              <a:rPr lang="zh-CN" altLang="en-US" sz="2000" b="1" dirty="0">
+                <a:solidFill>
+                  <a:schemeClr val="accent1">
+                    <a:lumMod val="50000"/>
+                  </a:schemeClr>
+                </a:solidFill>
+                <a:latin typeface="微软雅黑" panose="020B0503020204020204" pitchFamily="34" charset="-122"/>
+                <a:ea typeface="微软雅黑" panose="020B0503020204020204" pitchFamily="34" charset="-122"/>
+              </a:rPr>
+              <a:t>剔除低耗电商家</a:t>
+            </a:r>
+            <a:endParaRPr lang="zh-CN" altLang="en-US" sz="4000" b="1" dirty="0">
+              <a:solidFill>
+                <a:schemeClr val="accent1">
+                  <a:lumMod val="50000"/>
+                </a:schemeClr>
+              </a:solidFill>
+              <a:latin typeface="微软雅黑" panose="020B0503020204020204" pitchFamily="34" charset="-122"/>
+              <a:ea typeface="微软雅黑" panose="020B0503020204020204" pitchFamily="34" charset="-122"/>
+            </a:endParaRPr>
           </a:p>
         </p:txBody>
       </p:sp>
@@ -52217,6 +52293,177 @@
           </a:graphicData>
         </a:graphic>
       </p:graphicFrame>
+      <p:sp>
+        <p:nvSpPr>
+          <p:cNvPr id="14" name="矩形 13">
+            <a:extLst>
+              <a:ext uri="{FF2B5EF4-FFF2-40B4-BE49-F238E27FC236}">
+                <a16:creationId xmlns:a16="http://schemas.microsoft.com/office/drawing/2014/main" id="{DCF3808E-F8CC-42DE-AD60-A694A1D6E5A2}"/>
+              </a:ext>
+            </a:extLst>
+          </p:cNvPr>
+          <p:cNvSpPr/>
+          <p:nvPr/>
+        </p:nvSpPr>
+        <p:spPr>
+          <a:xfrm>
+            <a:off x="4880315" y="5284501"/>
+            <a:ext cx="1407758" cy="369332"/>
+          </a:xfrm>
+          <a:prstGeom prst="rect">
+            <a:avLst/>
+          </a:prstGeom>
+        </p:spPr>
+        <p:txBody>
+          <a:bodyPr wrap="none">
+            <a:spAutoFit/>
+          </a:bodyPr>
+          <a:lstStyle/>
+          <a:p>
+            <a:r>
+              <a:rPr lang="zh-CN" altLang="en-US" dirty="0">
+                <a:solidFill>
+                  <a:schemeClr val="accent1">
+                    <a:lumMod val="50000"/>
+                  </a:schemeClr>
+                </a:solidFill>
+                <a:latin typeface="微软雅黑" panose="020B0503020204020204" pitchFamily="34" charset="-122"/>
+                <a:ea typeface="微软雅黑" panose="020B0503020204020204" pitchFamily="34" charset="-122"/>
+              </a:rPr>
+              <a:t>数量占比高 </a:t>
+            </a:r>
+            <a:endParaRPr lang="zh-CN" altLang="en-US" dirty="0">
+              <a:solidFill>
+                <a:schemeClr val="accent1">
+                  <a:lumMod val="50000"/>
+                </a:schemeClr>
+              </a:solidFill>
+            </a:endParaRPr>
+          </a:p>
+        </p:txBody>
+      </p:sp>
+      <p:cxnSp>
+        <p:nvCxnSpPr>
+          <p:cNvPr id="16" name="直接箭头连接符 15">
+            <a:extLst>
+              <a:ext uri="{FF2B5EF4-FFF2-40B4-BE49-F238E27FC236}">
+                <a16:creationId xmlns:a16="http://schemas.microsoft.com/office/drawing/2014/main" id="{90EB57D9-0470-479C-9E0E-23D978CCFFF8}"/>
+              </a:ext>
+            </a:extLst>
+          </p:cNvPr>
+          <p:cNvCxnSpPr/>
+          <p:nvPr/>
+        </p:nvCxnSpPr>
+        <p:spPr>
+          <a:xfrm flipV="1">
+            <a:off x="5641383" y="4962642"/>
+            <a:ext cx="170481" cy="337778"/>
+          </a:xfrm>
+          <a:prstGeom prst="straightConnector1">
+            <a:avLst/>
+          </a:prstGeom>
+          <a:ln>
+            <a:tailEnd type="triangle"/>
+          </a:ln>
+        </p:spPr>
+        <p:style>
+          <a:lnRef idx="1">
+            <a:schemeClr val="accent1"/>
+          </a:lnRef>
+          <a:fillRef idx="0">
+            <a:schemeClr val="accent1"/>
+          </a:fillRef>
+          <a:effectRef idx="0">
+            <a:schemeClr val="accent1"/>
+          </a:effectRef>
+          <a:fontRef idx="minor">
+            <a:schemeClr val="tx1"/>
+          </a:fontRef>
+        </p:style>
+      </p:cxnSp>
+      <p:sp>
+        <p:nvSpPr>
+          <p:cNvPr id="17" name="矩形 16">
+            <a:extLst>
+              <a:ext uri="{FF2B5EF4-FFF2-40B4-BE49-F238E27FC236}">
+                <a16:creationId xmlns:a16="http://schemas.microsoft.com/office/drawing/2014/main" id="{CC650689-83CB-4E87-A0BD-1D84A8D9BE71}"/>
+              </a:ext>
+            </a:extLst>
+          </p:cNvPr>
+          <p:cNvSpPr/>
+          <p:nvPr/>
+        </p:nvSpPr>
+        <p:spPr>
+          <a:xfrm>
+            <a:off x="5660391" y="2707495"/>
+            <a:ext cx="1338828" cy="369332"/>
+          </a:xfrm>
+          <a:prstGeom prst="rect">
+            <a:avLst/>
+          </a:prstGeom>
+        </p:spPr>
+        <p:txBody>
+          <a:bodyPr wrap="none">
+            <a:spAutoFit/>
+          </a:bodyPr>
+          <a:lstStyle/>
+          <a:p>
+            <a:r>
+              <a:rPr lang="zh-CN" altLang="en-US" dirty="0">
+                <a:solidFill>
+                  <a:schemeClr val="accent1">
+                    <a:lumMod val="50000"/>
+                  </a:schemeClr>
+                </a:solidFill>
+                <a:latin typeface="微软雅黑" panose="020B0503020204020204" pitchFamily="34" charset="-122"/>
+                <a:ea typeface="微软雅黑" panose="020B0503020204020204" pitchFamily="34" charset="-122"/>
+              </a:rPr>
+              <a:t>电量作用小</a:t>
+            </a:r>
+          </a:p>
+        </p:txBody>
+      </p:sp>
+      <p:cxnSp>
+        <p:nvCxnSpPr>
+          <p:cNvPr id="19" name="直接箭头连接符 18">
+            <a:extLst>
+              <a:ext uri="{FF2B5EF4-FFF2-40B4-BE49-F238E27FC236}">
+                <a16:creationId xmlns:a16="http://schemas.microsoft.com/office/drawing/2014/main" id="{F63C2D15-B485-4DB7-99FF-E27546E04B55}"/>
+              </a:ext>
+            </a:extLst>
+          </p:cNvPr>
+          <p:cNvCxnSpPr>
+            <a:cxnSpLocks/>
+          </p:cNvCxnSpPr>
+          <p:nvPr/>
+        </p:nvCxnSpPr>
+        <p:spPr>
+          <a:xfrm flipH="1">
+            <a:off x="6119504" y="3002317"/>
+            <a:ext cx="233805" cy="1099169"/>
+          </a:xfrm>
+          <a:prstGeom prst="straightConnector1">
+            <a:avLst/>
+          </a:prstGeom>
+          <a:ln>
+            <a:tailEnd type="triangle"/>
+          </a:ln>
+        </p:spPr>
+        <p:style>
+          <a:lnRef idx="1">
+            <a:schemeClr val="accent1"/>
+          </a:lnRef>
+          <a:fillRef idx="0">
+            <a:schemeClr val="accent1"/>
+          </a:fillRef>
+          <a:effectRef idx="0">
+            <a:schemeClr val="accent1"/>
+          </a:effectRef>
+          <a:fontRef idx="minor">
+            <a:schemeClr val="tx1"/>
+          </a:fontRef>
+        </p:style>
+      </p:cxnSp>
     </p:spTree>
     <p:extLst>
       <p:ext uri="{BB962C8B-B14F-4D97-AF65-F5344CB8AC3E}">
@@ -52303,8 +52550,8 @@
         </p:nvSpPr>
         <p:spPr>
           <a:xfrm>
-            <a:off x="4910012" y="316390"/>
-            <a:ext cx="2236510" cy="707886"/>
+            <a:off x="4569049" y="365125"/>
+            <a:ext cx="5521063" cy="1631216"/>
           </a:xfrm>
           <a:prstGeom prst="rect">
             <a:avLst/>
@@ -52329,6 +52576,71 @@
               </a:rPr>
               <a:t>数据清洗</a:t>
             </a:r>
+            <a:endParaRPr lang="en-US" altLang="zh-CN" sz="4000" b="1" dirty="0">
+              <a:solidFill>
+                <a:schemeClr val="accent1">
+                  <a:lumMod val="50000"/>
+                </a:schemeClr>
+              </a:solidFill>
+              <a:latin typeface="微软雅黑" panose="020B0503020204020204" pitchFamily="34" charset="-122"/>
+              <a:ea typeface="微软雅黑" panose="020B0503020204020204" pitchFamily="34" charset="-122"/>
+            </a:endParaRPr>
+          </a:p>
+          <a:p>
+            <a:r>
+              <a:rPr lang="en-US" altLang="zh-CN" sz="2000" dirty="0">
+                <a:latin typeface="微软雅黑" panose="020B0503020204020204" pitchFamily="34" charset="-122"/>
+                <a:ea typeface="微软雅黑" panose="020B0503020204020204" pitchFamily="34" charset="-122"/>
+              </a:rPr>
+              <a:t>		</a:t>
+            </a:r>
+            <a:r>
+              <a:rPr lang="zh-CN" altLang="en-US" sz="2000" b="1" dirty="0">
+                <a:solidFill>
+                  <a:schemeClr val="accent1">
+                    <a:lumMod val="50000"/>
+                  </a:schemeClr>
+                </a:solidFill>
+                <a:latin typeface="微软雅黑" panose="020B0503020204020204" pitchFamily="34" charset="-122"/>
+                <a:ea typeface="微软雅黑" panose="020B0503020204020204" pitchFamily="34" charset="-122"/>
+              </a:rPr>
+              <a:t>去除春节导致的</a:t>
+            </a:r>
+            <a:r>
+              <a:rPr lang="en-US" altLang="zh-CN" sz="2000" b="1" dirty="0">
+                <a:solidFill>
+                  <a:schemeClr val="accent1">
+                    <a:lumMod val="50000"/>
+                  </a:schemeClr>
+                </a:solidFill>
+                <a:latin typeface="微软雅黑" panose="020B0503020204020204" pitchFamily="34" charset="-122"/>
+                <a:ea typeface="微软雅黑" panose="020B0503020204020204" pitchFamily="34" charset="-122"/>
+              </a:rPr>
+              <a:t>1-3</a:t>
+            </a:r>
+            <a:r>
+              <a:rPr lang="zh-CN" altLang="en-US" sz="2000" b="1" dirty="0">
+                <a:solidFill>
+                  <a:schemeClr val="accent1">
+                    <a:lumMod val="50000"/>
+                  </a:schemeClr>
+                </a:solidFill>
+                <a:latin typeface="微软雅黑" panose="020B0503020204020204" pitchFamily="34" charset="-122"/>
+                <a:ea typeface="微软雅黑" panose="020B0503020204020204" pitchFamily="34" charset="-122"/>
+              </a:rPr>
+              <a:t>月异常数据</a:t>
+            </a:r>
+          </a:p>
+          <a:p>
+            <a:endParaRPr lang="zh-CN" altLang="en-US" sz="4000" b="1" dirty="0">
+              <a:solidFill>
+                <a:schemeClr val="accent1">
+                  <a:lumMod val="50000"/>
+                </a:schemeClr>
+              </a:solidFill>
+              <a:latin typeface="微软雅黑" panose="020B0503020204020204" pitchFamily="34" charset="-122"/>
+              <a:ea typeface="微软雅黑" panose="020B0503020204020204" pitchFamily="34" charset="-122"/>
+            </a:endParaRPr>
           </a:p>
         </p:txBody>
       </p:sp>
@@ -52362,48 +52674,6 @@
           </a:graphicData>
         </a:graphic>
       </p:graphicFrame>
-      <p:sp>
-        <p:nvSpPr>
-          <p:cNvPr id="8" name="矩形 7">
-            <a:extLst>
-              <a:ext uri="{FF2B5EF4-FFF2-40B4-BE49-F238E27FC236}">
-                <a16:creationId xmlns:a16="http://schemas.microsoft.com/office/drawing/2014/main" id="{504457AE-BF9B-4DA6-AD67-FA649D50448C}"/>
-              </a:ext>
-            </a:extLst>
-          </p:cNvPr>
-          <p:cNvSpPr/>
-          <p:nvPr/>
-        </p:nvSpPr>
-        <p:spPr>
-          <a:xfrm>
-            <a:off x="4045128" y="1140611"/>
-            <a:ext cx="4101744" cy="369332"/>
-          </a:xfrm>
-          <a:prstGeom prst="rect">
-            <a:avLst/>
-          </a:prstGeom>
-        </p:spPr>
-        <p:txBody>
-          <a:bodyPr wrap="square">
-            <a:spAutoFit/>
-          </a:bodyPr>
-          <a:lstStyle/>
-          <a:p>
-            <a:r>
-              <a:rPr lang="zh-CN" altLang="en-US" dirty="0"/>
-              <a:t>去除春节导致的</a:t>
-            </a:r>
-            <a:r>
-              <a:rPr lang="en-US" altLang="zh-CN" dirty="0"/>
-              <a:t>1-3</a:t>
-            </a:r>
-            <a:r>
-              <a:rPr lang="zh-CN" altLang="en-US" dirty="0"/>
-              <a:t>月异常数据</a:t>
-            </a:r>
-          </a:p>
-        </p:txBody>
-      </p:sp>
     </p:spTree>
     <p:extLst>
       <p:ext uri="{BB962C8B-B14F-4D97-AF65-F5344CB8AC3E}">
